--- a/BoT in Python.pptx
+++ b/BoT in Python.pptx
@@ -8,10 +8,15 @@
     <p:sldId id="256" r:id="rId2"/>
     <p:sldId id="258" r:id="rId3"/>
     <p:sldId id="260" r:id="rId4"/>
-    <p:sldId id="261" r:id="rId5"/>
-    <p:sldId id="262" r:id="rId6"/>
-    <p:sldId id="259" r:id="rId7"/>
-    <p:sldId id="257" r:id="rId8"/>
+    <p:sldId id="263" r:id="rId5"/>
+    <p:sldId id="264" r:id="rId6"/>
+    <p:sldId id="262" r:id="rId7"/>
+    <p:sldId id="265" r:id="rId8"/>
+    <p:sldId id="261" r:id="rId9"/>
+    <p:sldId id="266" r:id="rId10"/>
+    <p:sldId id="267" r:id="rId11"/>
+    <p:sldId id="259" r:id="rId12"/>
+    <p:sldId id="257" r:id="rId13"/>
   </p:sldIdLst>
   <p:sldSz cx="12192000" cy="6858000"/>
   <p:notesSz cx="6858000" cy="9144000"/>
@@ -110,6 +115,11 @@
       </a:defRPr>
     </a:lvl9pPr>
   </p:defaultTextStyle>
+  <p:extLst>
+    <p:ext uri="{EFAFB233-063F-42B5-8137-9DF3F51BA10A}">
+      <p15:sldGuideLst xmlns:p15="http://schemas.microsoft.com/office/powerpoint/2012/main"/>
+    </p:ext>
+  </p:extLst>
 </p:presentation>
 </file>
 
@@ -226,6 +236,64 @@
     </inkml:brush>
   </inkml:definitions>
   <inkml:trace contextRef="#ctx0" brushRef="#br0">0 37,'43'3,"-1"1,82 19,-76-12,85 8,-94-15,-1 1,49 15,-45-10,61 8,-49-11,101 29,-94-20,-57-15,64 18,1-4,0-2,102 4,-14-3,-1 0,420-15,-538-1,-1-2,1-1,55-16,73-34,-88 27,19-7,89-27,-154 53,1 2,-1 1,65-2,-70 6,0-1,-1-1,1-1,35-13,-28 9,7 1,1 2,-1 1,1 3,82 5,-31 0,670-3,-718 2,65 12,32 1,109-16,79 2,-187 13,51 2,-100-18,73 4,-149 0,0 2,-1 0,1 1,18 9,40 10,-54-20</inkml:trace>
+</inkml:ink>
+</file>
+
+<file path=ppt/ink/ink5.xml><?xml version="1.0" encoding="utf-8"?>
+<inkml:ink xmlns:inkml="http://www.w3.org/2003/InkML">
+  <inkml:definitions>
+    <inkml:context xml:id="ctx0">
+      <inkml:inkSource xml:id="inkSrc0">
+        <inkml:traceFormat>
+          <inkml:channel name="X" type="integer" min="-2.14748E9" max="2.14748E9" units="cm"/>
+          <inkml:channel name="Y" type="integer" min="-2.14748E9" max="2.14748E9" units="cm"/>
+        </inkml:traceFormat>
+        <inkml:channelProperties>
+          <inkml:channelProperty channel="X" name="resolution" value="1000" units="1/cm"/>
+          <inkml:channelProperty channel="Y" name="resolution" value="1000" units="1/cm"/>
+        </inkml:channelProperties>
+      </inkml:inkSource>
+      <inkml:timestamp xml:id="ts0" timeString="2020-06-22T19:21:50.494"/>
+    </inkml:context>
+    <inkml:brush xml:id="br0">
+      <inkml:brushProperty name="width" value="0.3" units="cm"/>
+      <inkml:brushProperty name="height" value="0.6" units="cm"/>
+      <inkml:brushProperty name="color" value="#FF2500"/>
+      <inkml:brushProperty name="tip" value="rectangle"/>
+      <inkml:brushProperty name="rasterOp" value="maskPen"/>
+      <inkml:brushProperty name="ignorePressure" value="1"/>
+    </inkml:brush>
+  </inkml:definitions>
+  <inkml:trace contextRef="#ctx0" brushRef="#br0">585 162,'-1'-1,"-1"-1,0 1,1-1,-1-1,1 1,-1-1,1 0,-1 0,1-1,-2-4,-8-17,-3 2,-1 3,0 3,0 3,-30-11,23 20,0 4,-40 21,47-9,1 2,-1 3,1 3,-1 2,-20 47,14-19,0 5,-32 110,39-116,1 2,0 3,1 3,0 1,-12 85,17-94,0 1,1 2,0 0,1 2,1 0,0 1,-5 108,6-60,1 1,1 0,1 0,1 1,1-1,6 117,-3-135,0-2,1-1,1-1,1-1,0-2,1-2,22 129,-21-148,1-2,1-2,0-3,1-2,0-2,23 61,-8-36,1-6,44 72,-29-72,-1-9,1-7,58 29,138-10,-69-89,-137 7,0-7,65-79,-84 79,0-3,-1-2,0-4,1-2,-2-2,20-67,-25 75,-1-1,0-1,-1-2,0-1,0-2,0 0,-1-1,0-2,0 0,-2-1,1 0,3-46,-4 25,0-1,-1 0,0-1,-1 0,-1 0,0 0,-1 0,-1 0,0 1,0 0,-2 1,1 0,-2 1,0 1,0 1,-14-89,-2 4,-2 4,-1 4,-46-191,46 228,0 4,-2 6,0 4,-36-80,5 31</inkml:trace>
+</inkml:ink>
+</file>
+
+<file path=ppt/ink/ink6.xml><?xml version="1.0" encoding="utf-8"?>
+<inkml:ink xmlns:inkml="http://www.w3.org/2003/InkML">
+  <inkml:definitions>
+    <inkml:context xml:id="ctx0">
+      <inkml:inkSource xml:id="inkSrc0">
+        <inkml:traceFormat>
+          <inkml:channel name="X" type="integer" min="-2.14748E9" max="2.14748E9" units="cm"/>
+          <inkml:channel name="Y" type="integer" min="-2.14748E9" max="2.14748E9" units="cm"/>
+        </inkml:traceFormat>
+        <inkml:channelProperties>
+          <inkml:channelProperty channel="X" name="resolution" value="1000" units="1/cm"/>
+          <inkml:channelProperty channel="Y" name="resolution" value="1000" units="1/cm"/>
+        </inkml:channelProperties>
+      </inkml:inkSource>
+      <inkml:timestamp xml:id="ts0" timeString="2020-06-22T19:21:50.494"/>
+    </inkml:context>
+    <inkml:brush xml:id="br0">
+      <inkml:brushProperty name="width" value="0.3" units="cm"/>
+      <inkml:brushProperty name="height" value="0.6" units="cm"/>
+      <inkml:brushProperty name="color" value="#FF2500"/>
+      <inkml:brushProperty name="tip" value="rectangle"/>
+      <inkml:brushProperty name="rasterOp" value="maskPen"/>
+      <inkml:brushProperty name="ignorePressure" value="1"/>
+    </inkml:brush>
+  </inkml:definitions>
+  <inkml:trace contextRef="#ctx0" brushRef="#br0">585 162,'-1'-1,"-1"-1,0 1,1-1,-1-1,1 1,-1-1,1 0,-1 0,1-1,-2-4,-8-17,-3 2,-1 3,0 3,0 3,-30-11,23 20,0 4,-40 21,47-9,1 2,-1 3,1 3,-1 2,-20 47,14-19,0 5,-32 110,39-116,1 2,0 3,1 3,0 1,-12 85,17-94,0 1,1 2,0 0,1 2,1 0,0 1,-5 108,6-60,1 1,1 0,1 0,1 1,1-1,6 117,-3-135,0-2,1-1,1-1,1-1,0-2,1-2,22 129,-21-148,1-2,1-2,0-3,1-2,0-2,23 61,-8-36,1-6,44 72,-29-72,-1-9,1-7,58 29,138-10,-69-89,-137 7,0-7,65-79,-84 79,0-3,-1-2,0-4,1-2,-2-2,20-67,-25 75,-1-1,0-1,-1-2,0-1,0-2,0 0,-1-1,0-2,0 0,-2-1,1 0,3-46,-4 25,0-1,-1 0,0-1,-1 0,-1 0,0 0,-1 0,-1 0,0 1,0 0,-2 1,1 0,-2 1,0 1,0 1,-14-89,-2 4,-2 4,-1 4,-46-191,46 228,0 4,-2 6,0 4,-36-80,5 31</inkml:trace>
 </inkml:ink>
 </file>
 
@@ -3624,6 +3692,387 @@
 </p:sld>
 </file>
 
+<file path=ppt/slides/slide10.xml><?xml version="1.0" encoding="utf-8"?>
+<p:sld xmlns:a="http://schemas.openxmlformats.org/drawingml/2006/main" xmlns:r="http://schemas.openxmlformats.org/officeDocument/2006/relationships" xmlns:p="http://schemas.openxmlformats.org/presentationml/2006/main">
+  <p:cSld>
+    <p:spTree>
+      <p:nvGrpSpPr>
+        <p:cNvPr id="1" name=""/>
+        <p:cNvGrpSpPr/>
+        <p:nvPr/>
+      </p:nvGrpSpPr>
+      <p:grpSpPr>
+        <a:xfrm>
+          <a:off x="0" y="0"/>
+          <a:ext cx="0" cy="0"/>
+          <a:chOff x="0" y="0"/>
+          <a:chExt cx="0" cy="0"/>
+        </a:xfrm>
+      </p:grpSpPr>
+      <p:sp>
+        <p:nvSpPr>
+          <p:cNvPr id="4" name="TextBox 3">
+            <a:extLst>
+              <a:ext uri="{FF2B5EF4-FFF2-40B4-BE49-F238E27FC236}">
+                <a16:creationId xmlns:a16="http://schemas.microsoft.com/office/drawing/2014/main" id="{AC6B4A5D-15B2-47FE-AF77-FA3634E427F0}"/>
+              </a:ext>
+            </a:extLst>
+          </p:cNvPr>
+          <p:cNvSpPr txBox="1"/>
+          <p:nvPr/>
+        </p:nvSpPr>
+        <p:spPr>
+          <a:xfrm>
+            <a:off x="463639" y="502276"/>
+            <a:ext cx="9787943" cy="523220"/>
+          </a:xfrm>
+          <a:prstGeom prst="rect">
+            <a:avLst/>
+          </a:prstGeom>
+          <a:noFill/>
+        </p:spPr>
+        <p:txBody>
+          <a:bodyPr wrap="square" rtlCol="0">
+            <a:spAutoFit/>
+          </a:bodyPr>
+          <a:lstStyle/>
+          <a:p>
+            <a:r>
+              <a:rPr lang="en-US" sz="2800" b="1" dirty="0"/>
+              <a:t>Parallel Programming in Python – a very, very short introduction</a:t>
+            </a:r>
+          </a:p>
+        </p:txBody>
+      </p:sp>
+      <p:sp>
+        <p:nvSpPr>
+          <p:cNvPr id="5" name="TextBox 4">
+            <a:extLst>
+              <a:ext uri="{FF2B5EF4-FFF2-40B4-BE49-F238E27FC236}">
+                <a16:creationId xmlns:a16="http://schemas.microsoft.com/office/drawing/2014/main" id="{053E856E-96BE-4775-B516-10EDEE9DD7BD}"/>
+              </a:ext>
+            </a:extLst>
+          </p:cNvPr>
+          <p:cNvSpPr txBox="1"/>
+          <p:nvPr/>
+        </p:nvSpPr>
+        <p:spPr>
+          <a:xfrm>
+            <a:off x="875763" y="1790163"/>
+            <a:ext cx="8075053" cy="461665"/>
+          </a:xfrm>
+          <a:prstGeom prst="rect">
+            <a:avLst/>
+          </a:prstGeom>
+          <a:noFill/>
+        </p:spPr>
+        <p:txBody>
+          <a:bodyPr wrap="square" rtlCol="0">
+            <a:spAutoFit/>
+          </a:bodyPr>
+          <a:lstStyle/>
+          <a:p>
+            <a:r>
+              <a:rPr lang="en-US" sz="2400" dirty="0"/>
+              <a:t>Thanks!</a:t>
+            </a:r>
+          </a:p>
+        </p:txBody>
+      </p:sp>
+      <p:cxnSp>
+        <p:nvCxnSpPr>
+          <p:cNvPr id="11" name="Straight Connector 10">
+            <a:extLst>
+              <a:ext uri="{FF2B5EF4-FFF2-40B4-BE49-F238E27FC236}">
+                <a16:creationId xmlns:a16="http://schemas.microsoft.com/office/drawing/2014/main" id="{9DA5A796-EBA6-4D99-A3B7-FE0AD51D8F34}"/>
+              </a:ext>
+            </a:extLst>
+          </p:cNvPr>
+          <p:cNvCxnSpPr/>
+          <p:nvPr/>
+        </p:nvCxnSpPr>
+        <p:spPr>
+          <a:xfrm>
+            <a:off x="875763" y="2377686"/>
+            <a:ext cx="7740203" cy="0"/>
+          </a:xfrm>
+          <a:prstGeom prst="line">
+            <a:avLst/>
+          </a:prstGeom>
+          <a:ln w="22225">
+            <a:solidFill>
+              <a:schemeClr val="tx1"/>
+            </a:solidFill>
+          </a:ln>
+        </p:spPr>
+        <p:style>
+          <a:lnRef idx="1">
+            <a:schemeClr val="accent1"/>
+          </a:lnRef>
+          <a:fillRef idx="0">
+            <a:schemeClr val="accent1"/>
+          </a:fillRef>
+          <a:effectRef idx="0">
+            <a:schemeClr val="accent1"/>
+          </a:effectRef>
+          <a:fontRef idx="minor">
+            <a:schemeClr val="tx1"/>
+          </a:fontRef>
+        </p:style>
+      </p:cxnSp>
+    </p:spTree>
+    <p:extLst>
+      <p:ext uri="{BB962C8B-B14F-4D97-AF65-F5344CB8AC3E}">
+        <p14:creationId xmlns:p14="http://schemas.microsoft.com/office/powerpoint/2010/main" val="158803103"/>
+      </p:ext>
+    </p:extLst>
+  </p:cSld>
+  <p:clrMapOvr>
+    <a:masterClrMapping/>
+  </p:clrMapOvr>
+</p:sld>
+</file>
+
+<file path=ppt/slides/slide11.xml><?xml version="1.0" encoding="utf-8"?>
+<p:sld xmlns:a="http://schemas.openxmlformats.org/drawingml/2006/main" xmlns:r="http://schemas.openxmlformats.org/officeDocument/2006/relationships" xmlns:p="http://schemas.openxmlformats.org/presentationml/2006/main" show="0">
+  <p:cSld>
+    <p:spTree>
+      <p:nvGrpSpPr>
+        <p:cNvPr id="1" name=""/>
+        <p:cNvGrpSpPr/>
+        <p:nvPr/>
+      </p:nvGrpSpPr>
+      <p:grpSpPr>
+        <a:xfrm>
+          <a:off x="0" y="0"/>
+          <a:ext cx="0" cy="0"/>
+          <a:chOff x="0" y="0"/>
+          <a:chExt cx="0" cy="0"/>
+        </a:xfrm>
+      </p:grpSpPr>
+      <p:pic>
+        <p:nvPicPr>
+          <p:cNvPr id="4" name="Picture 3">
+            <a:extLst>
+              <a:ext uri="{FF2B5EF4-FFF2-40B4-BE49-F238E27FC236}">
+                <a16:creationId xmlns:a16="http://schemas.microsoft.com/office/drawing/2014/main" id="{883E2CE5-7368-4209-A922-1C60AF0B0E92}"/>
+              </a:ext>
+            </a:extLst>
+          </p:cNvPr>
+          <p:cNvPicPr>
+            <a:picLocks noChangeAspect="1"/>
+          </p:cNvPicPr>
+          <p:nvPr/>
+        </p:nvPicPr>
+        <p:blipFill rotWithShape="1">
+          <a:blip r:embed="rId2"/>
+          <a:srcRect l="24528" t="47949" r="52972" b="25301"/>
+          <a:stretch/>
+        </p:blipFill>
+        <p:spPr>
+          <a:xfrm>
+            <a:off x="450761" y="1001310"/>
+            <a:ext cx="6097095" cy="3057994"/>
+          </a:xfrm>
+          <a:prstGeom prst="rect">
+            <a:avLst/>
+          </a:prstGeom>
+        </p:spPr>
+      </p:pic>
+      <p:sp>
+        <p:nvSpPr>
+          <p:cNvPr id="5" name="TextBox 4">
+            <a:extLst>
+              <a:ext uri="{FF2B5EF4-FFF2-40B4-BE49-F238E27FC236}">
+                <a16:creationId xmlns:a16="http://schemas.microsoft.com/office/drawing/2014/main" id="{0874A620-0436-4C86-BF66-520A0C830749}"/>
+              </a:ext>
+            </a:extLst>
+          </p:cNvPr>
+          <p:cNvSpPr txBox="1"/>
+          <p:nvPr/>
+        </p:nvSpPr>
+        <p:spPr>
+          <a:xfrm>
+            <a:off x="450761" y="412123"/>
+            <a:ext cx="8075053" cy="461665"/>
+          </a:xfrm>
+          <a:prstGeom prst="rect">
+            <a:avLst/>
+          </a:prstGeom>
+          <a:noFill/>
+        </p:spPr>
+        <p:txBody>
+          <a:bodyPr wrap="square" rtlCol="0">
+            <a:spAutoFit/>
+          </a:bodyPr>
+          <a:lstStyle/>
+          <a:p>
+            <a:r>
+              <a:rPr lang="en-US" sz="2400" dirty="0"/>
+              <a:t>Bag of Tasks</a:t>
+            </a:r>
+          </a:p>
+        </p:txBody>
+      </p:sp>
+    </p:spTree>
+    <p:extLst>
+      <p:ext uri="{BB962C8B-B14F-4D97-AF65-F5344CB8AC3E}">
+        <p14:creationId xmlns:p14="http://schemas.microsoft.com/office/powerpoint/2010/main" val="3115210535"/>
+      </p:ext>
+    </p:extLst>
+  </p:cSld>
+  <p:clrMapOvr>
+    <a:masterClrMapping/>
+  </p:clrMapOvr>
+</p:sld>
+</file>
+
+<file path=ppt/slides/slide12.xml><?xml version="1.0" encoding="utf-8"?>
+<p:sld xmlns:a="http://schemas.openxmlformats.org/drawingml/2006/main" xmlns:r="http://schemas.openxmlformats.org/officeDocument/2006/relationships" xmlns:p="http://schemas.openxmlformats.org/presentationml/2006/main" show="0">
+  <p:cSld>
+    <p:spTree>
+      <p:nvGrpSpPr>
+        <p:cNvPr id="1" name=""/>
+        <p:cNvGrpSpPr/>
+        <p:nvPr/>
+      </p:nvGrpSpPr>
+      <p:grpSpPr>
+        <a:xfrm>
+          <a:off x="0" y="0"/>
+          <a:ext cx="0" cy="0"/>
+          <a:chOff x="0" y="0"/>
+          <a:chExt cx="0" cy="0"/>
+        </a:xfrm>
+      </p:grpSpPr>
+      <p:pic>
+        <p:nvPicPr>
+          <p:cNvPr id="4" name="Picture 3">
+            <a:extLst>
+              <a:ext uri="{FF2B5EF4-FFF2-40B4-BE49-F238E27FC236}">
+                <a16:creationId xmlns:a16="http://schemas.microsoft.com/office/drawing/2014/main" id="{4A665585-E400-4452-A878-576128443A8A}"/>
+              </a:ext>
+            </a:extLst>
+          </p:cNvPr>
+          <p:cNvPicPr>
+            <a:picLocks noChangeAspect="1"/>
+          </p:cNvPicPr>
+          <p:nvPr/>
+        </p:nvPicPr>
+        <p:blipFill rotWithShape="1">
+          <a:blip r:embed="rId2"/>
+          <a:srcRect l="52923" t="73975" r="20563" b="10751"/>
+          <a:stretch/>
+        </p:blipFill>
+        <p:spPr>
+          <a:xfrm rot="-60000">
+            <a:off x="231818" y="283335"/>
+            <a:ext cx="5882273" cy="1429555"/>
+          </a:xfrm>
+          <a:prstGeom prst="rect">
+            <a:avLst/>
+          </a:prstGeom>
+        </p:spPr>
+      </p:pic>
+      <p:pic>
+        <p:nvPicPr>
+          <p:cNvPr id="5" name="Picture 4">
+            <a:extLst>
+              <a:ext uri="{FF2B5EF4-FFF2-40B4-BE49-F238E27FC236}">
+                <a16:creationId xmlns:a16="http://schemas.microsoft.com/office/drawing/2014/main" id="{6C1F62C4-D3EB-4C47-A819-9BEA19B3E168}"/>
+              </a:ext>
+            </a:extLst>
+          </p:cNvPr>
+          <p:cNvPicPr>
+            <a:picLocks noChangeAspect="1"/>
+          </p:cNvPicPr>
+          <p:nvPr/>
+        </p:nvPicPr>
+        <p:blipFill rotWithShape="1">
+          <a:blip r:embed="rId3"/>
+          <a:srcRect l="19762" t="42874" r="53452" b="43863"/>
+          <a:stretch/>
+        </p:blipFill>
+        <p:spPr>
+          <a:xfrm>
+            <a:off x="231817" y="1872343"/>
+            <a:ext cx="6183999" cy="1291771"/>
+          </a:xfrm>
+          <a:prstGeom prst="rect">
+            <a:avLst/>
+          </a:prstGeom>
+        </p:spPr>
+      </p:pic>
+      <p:pic>
+        <p:nvPicPr>
+          <p:cNvPr id="6" name="Picture 5">
+            <a:extLst>
+              <a:ext uri="{FF2B5EF4-FFF2-40B4-BE49-F238E27FC236}">
+                <a16:creationId xmlns:a16="http://schemas.microsoft.com/office/drawing/2014/main" id="{5A8D9C0F-0023-47DD-8E36-4049C996F104}"/>
+              </a:ext>
+            </a:extLst>
+          </p:cNvPr>
+          <p:cNvPicPr>
+            <a:picLocks noChangeAspect="1"/>
+          </p:cNvPicPr>
+          <p:nvPr/>
+        </p:nvPicPr>
+        <p:blipFill rotWithShape="1">
+          <a:blip r:embed="rId4"/>
+          <a:srcRect l="25574" t="31138" r="26598" b="55631"/>
+          <a:stretch/>
+        </p:blipFill>
+        <p:spPr>
+          <a:xfrm>
+            <a:off x="337278" y="3323567"/>
+            <a:ext cx="5831174" cy="906905"/>
+          </a:xfrm>
+          <a:prstGeom prst="rect">
+            <a:avLst/>
+          </a:prstGeom>
+        </p:spPr>
+      </p:pic>
+      <p:pic>
+        <p:nvPicPr>
+          <p:cNvPr id="7" name="Picture 6">
+            <a:extLst>
+              <a:ext uri="{FF2B5EF4-FFF2-40B4-BE49-F238E27FC236}">
+                <a16:creationId xmlns:a16="http://schemas.microsoft.com/office/drawing/2014/main" id="{AD509947-2B09-4154-BDFC-2CA1393E7E75}"/>
+              </a:ext>
+            </a:extLst>
+          </p:cNvPr>
+          <p:cNvPicPr>
+            <a:picLocks noChangeAspect="1"/>
+          </p:cNvPicPr>
+          <p:nvPr/>
+        </p:nvPicPr>
+        <p:blipFill rotWithShape="1">
+          <a:blip r:embed="rId5"/>
+          <a:srcRect l="24528" t="47949" r="52972" b="25301"/>
+          <a:stretch/>
+        </p:blipFill>
+        <p:spPr>
+          <a:xfrm>
+            <a:off x="337278" y="4500295"/>
+            <a:ext cx="4297360" cy="2155338"/>
+          </a:xfrm>
+          <a:prstGeom prst="rect">
+            <a:avLst/>
+          </a:prstGeom>
+        </p:spPr>
+      </p:pic>
+    </p:spTree>
+    <p:extLst>
+      <p:ext uri="{BB962C8B-B14F-4D97-AF65-F5344CB8AC3E}">
+        <p14:creationId xmlns:p14="http://schemas.microsoft.com/office/powerpoint/2010/main" val="3004394392"/>
+      </p:ext>
+    </p:extLst>
+  </p:cSld>
+  <p:clrMapOvr>
+    <a:masterClrMapping/>
+  </p:clrMapOvr>
+</p:sld>
+</file>
+
 <file path=ppt/slides/slide2.xml><?xml version="1.0" encoding="utf-8"?>
 <p:sld xmlns:a="http://schemas.openxmlformats.org/drawingml/2006/main" xmlns:r="http://schemas.openxmlformats.org/officeDocument/2006/relationships" xmlns:p="http://schemas.openxmlformats.org/presentationml/2006/main">
   <p:cSld>
@@ -3705,8 +4154,8 @@
           </a:prstGeom>
         </p:spPr>
       </p:pic>
-      <mc:AlternateContent xmlns:mc="http://schemas.openxmlformats.org/markup-compatibility/2006">
-        <mc:Choice xmlns:p14="http://schemas.microsoft.com/office/powerpoint/2010/main" Requires="p14">
+      <mc:AlternateContent xmlns:mc="http://schemas.openxmlformats.org/markup-compatibility/2006" xmlns:p14="http://schemas.microsoft.com/office/powerpoint/2010/main">
+        <mc:Choice Requires="p14">
           <p:contentPart p14:bwMode="auto" r:id="rId3">
             <p14:nvContentPartPr>
               <p14:cNvPr id="10" name="Ink 9">
@@ -3725,7 +4174,7 @@
             </p14:xfrm>
           </p:contentPart>
         </mc:Choice>
-        <mc:Fallback>
+        <mc:Fallback xmlns="">
           <p:pic>
             <p:nvPicPr>
               <p:cNvPr id="10" name="Ink 9">
@@ -3785,8 +4234,8 @@
           </a:prstGeom>
         </p:spPr>
       </p:pic>
-      <mc:AlternateContent xmlns:mc="http://schemas.openxmlformats.org/markup-compatibility/2006">
-        <mc:Choice xmlns:p14="http://schemas.microsoft.com/office/powerpoint/2010/main" Requires="p14">
+      <mc:AlternateContent xmlns:mc="http://schemas.openxmlformats.org/markup-compatibility/2006" xmlns:p14="http://schemas.microsoft.com/office/powerpoint/2010/main">
+        <mc:Choice Requires="p14">
           <p:contentPart p14:bwMode="auto" r:id="rId6">
             <p14:nvContentPartPr>
               <p14:cNvPr id="12" name="Ink 11">
@@ -3805,7 +4254,7 @@
             </p14:xfrm>
           </p:contentPart>
         </mc:Choice>
-        <mc:Fallback>
+        <mc:Fallback xmlns="">
           <p:pic>
             <p:nvPicPr>
               <p:cNvPr id="12" name="Ink 11">
@@ -3836,8 +4285,8 @@
           </p:pic>
         </mc:Fallback>
       </mc:AlternateContent>
-      <mc:AlternateContent xmlns:mc="http://schemas.openxmlformats.org/markup-compatibility/2006">
-        <mc:Choice xmlns:p14="http://schemas.microsoft.com/office/powerpoint/2010/main" Requires="p14">
+      <mc:AlternateContent xmlns:mc="http://schemas.openxmlformats.org/markup-compatibility/2006" xmlns:p14="http://schemas.microsoft.com/office/powerpoint/2010/main">
+        <mc:Choice Requires="p14">
           <p:contentPart p14:bwMode="auto" r:id="rId7">
             <p14:nvContentPartPr>
               <p14:cNvPr id="17" name="Ink 16">
@@ -3856,7 +4305,7 @@
             </p14:xfrm>
           </p:contentPart>
         </mc:Choice>
-        <mc:Fallback>
+        <mc:Fallback xmlns="">
           <p:pic>
             <p:nvPicPr>
               <p:cNvPr id="17" name="Ink 16">
@@ -3916,8 +4365,8 @@
           </a:prstGeom>
         </p:spPr>
       </p:pic>
-      <mc:AlternateContent xmlns:mc="http://schemas.openxmlformats.org/markup-compatibility/2006">
-        <mc:Choice xmlns:p14="http://schemas.microsoft.com/office/powerpoint/2010/main" Requires="p14">
+      <mc:AlternateContent xmlns:mc="http://schemas.openxmlformats.org/markup-compatibility/2006" xmlns:p14="http://schemas.microsoft.com/office/powerpoint/2010/main">
+        <mc:Choice Requires="p14">
           <p:contentPart p14:bwMode="auto" r:id="rId10">
             <p14:nvContentPartPr>
               <p14:cNvPr id="20" name="Ink 19">
@@ -3936,7 +4385,7 @@
             </p14:xfrm>
           </p:contentPart>
         </mc:Choice>
-        <mc:Fallback>
+        <mc:Fallback xmlns="">
           <p:pic>
             <p:nvPicPr>
               <p:cNvPr id="20" name="Ink 19">
@@ -4226,7 +4675,7 @@
               </a:spcAft>
             </a:pPr>
             <a:r>
-              <a:rPr lang="en-US" sz="4700" kern="1200" dirty="0">
+              <a:rPr lang="en-US" sz="4700" b="1" kern="1200" dirty="0">
                 <a:solidFill>
                   <a:srgbClr val="FFFFFF"/>
                 </a:solidFill>
@@ -4253,6 +4702,8504 @@
 </file>
 
 <file path=ppt/slides/slide4.xml><?xml version="1.0" encoding="utf-8"?>
+<p:sld xmlns:a="http://schemas.openxmlformats.org/drawingml/2006/main" xmlns:r="http://schemas.openxmlformats.org/officeDocument/2006/relationships" xmlns:p="http://schemas.openxmlformats.org/presentationml/2006/main">
+  <p:cSld>
+    <p:spTree>
+      <p:nvGrpSpPr>
+        <p:cNvPr id="1" name=""/>
+        <p:cNvGrpSpPr/>
+        <p:nvPr/>
+      </p:nvGrpSpPr>
+      <p:grpSpPr>
+        <a:xfrm>
+          <a:off x="0" y="0"/>
+          <a:ext cx="0" cy="0"/>
+          <a:chOff x="0" y="0"/>
+          <a:chExt cx="0" cy="0"/>
+        </a:xfrm>
+      </p:grpSpPr>
+      <p:sp>
+        <p:nvSpPr>
+          <p:cNvPr id="6" name="TextBox 5">
+            <a:extLst>
+              <a:ext uri="{FF2B5EF4-FFF2-40B4-BE49-F238E27FC236}">
+                <a16:creationId xmlns:a16="http://schemas.microsoft.com/office/drawing/2014/main" id="{44F353AB-F501-4724-906A-9727030DE365}"/>
+              </a:ext>
+            </a:extLst>
+          </p:cNvPr>
+          <p:cNvSpPr txBox="1"/>
+          <p:nvPr/>
+        </p:nvSpPr>
+        <p:spPr>
+          <a:xfrm>
+            <a:off x="450761" y="412123"/>
+            <a:ext cx="8075053" cy="461665"/>
+          </a:xfrm>
+          <a:prstGeom prst="rect">
+            <a:avLst/>
+          </a:prstGeom>
+          <a:noFill/>
+        </p:spPr>
+        <p:txBody>
+          <a:bodyPr wrap="square" rtlCol="0">
+            <a:spAutoFit/>
+          </a:bodyPr>
+          <a:lstStyle/>
+          <a:p>
+            <a:r>
+              <a:rPr lang="en-US" sz="2400" dirty="0"/>
+              <a:t>Case 1 - computing the average of a very large sample</a:t>
+            </a:r>
+          </a:p>
+        </p:txBody>
+      </p:sp>
+      <p:sp>
+        <p:nvSpPr>
+          <p:cNvPr id="13" name="TextBox 12">
+            <a:extLst>
+              <a:ext uri="{FF2B5EF4-FFF2-40B4-BE49-F238E27FC236}">
+                <a16:creationId xmlns:a16="http://schemas.microsoft.com/office/drawing/2014/main" id="{FBFBA05A-1386-4DD7-BCC9-DE335E29925A}"/>
+              </a:ext>
+            </a:extLst>
+          </p:cNvPr>
+          <p:cNvSpPr txBox="1"/>
+          <p:nvPr/>
+        </p:nvSpPr>
+        <p:spPr>
+          <a:xfrm>
+            <a:off x="325258" y="2277208"/>
+            <a:ext cx="970662" cy="461665"/>
+          </a:xfrm>
+          <a:prstGeom prst="rect">
+            <a:avLst/>
+          </a:prstGeom>
+          <a:noFill/>
+        </p:spPr>
+        <p:txBody>
+          <a:bodyPr wrap="square" rtlCol="0">
+            <a:spAutoFit/>
+          </a:bodyPr>
+          <a:lstStyle/>
+          <a:p>
+            <a:pPr algn="r"/>
+            <a:r>
+              <a:rPr lang="en-US" sz="2400" dirty="0"/>
+              <a:t>height</a:t>
+            </a:r>
+          </a:p>
+        </p:txBody>
+      </p:sp>
+      <p:grpSp>
+        <p:nvGrpSpPr>
+          <p:cNvPr id="4" name="Group 3">
+            <a:extLst>
+              <a:ext uri="{FF2B5EF4-FFF2-40B4-BE49-F238E27FC236}">
+                <a16:creationId xmlns:a16="http://schemas.microsoft.com/office/drawing/2014/main" id="{BF98151B-01FF-4530-A1F9-B1B1928C6AB4}"/>
+              </a:ext>
+            </a:extLst>
+          </p:cNvPr>
+          <p:cNvGrpSpPr/>
+          <p:nvPr/>
+        </p:nvGrpSpPr>
+        <p:grpSpPr>
+          <a:xfrm>
+            <a:off x="1436596" y="2277209"/>
+            <a:ext cx="483577" cy="923330"/>
+            <a:chOff x="1714500" y="1591408"/>
+            <a:chExt cx="483577" cy="923330"/>
+          </a:xfrm>
+        </p:grpSpPr>
+        <p:sp>
+          <p:nvSpPr>
+            <p:cNvPr id="3" name="Rectangle 2">
+              <a:extLst>
+                <a:ext uri="{FF2B5EF4-FFF2-40B4-BE49-F238E27FC236}">
+                  <a16:creationId xmlns:a16="http://schemas.microsoft.com/office/drawing/2014/main" id="{8FBBD292-8536-4070-AB94-2B9DED320732}"/>
+                </a:ext>
+              </a:extLst>
+            </p:cNvPr>
+            <p:cNvSpPr/>
+            <p:nvPr/>
+          </p:nvSpPr>
+          <p:spPr>
+            <a:xfrm>
+              <a:off x="1714500" y="1591408"/>
+              <a:ext cx="483577" cy="461665"/>
+            </a:xfrm>
+            <a:prstGeom prst="rect">
+              <a:avLst/>
+            </a:prstGeom>
+          </p:spPr>
+          <p:style>
+            <a:lnRef idx="2">
+              <a:schemeClr val="accent1">
+                <a:shade val="50000"/>
+              </a:schemeClr>
+            </a:lnRef>
+            <a:fillRef idx="1">
+              <a:schemeClr val="accent1"/>
+            </a:fillRef>
+            <a:effectRef idx="0">
+              <a:schemeClr val="accent1"/>
+            </a:effectRef>
+            <a:fontRef idx="minor">
+              <a:schemeClr val="lt1"/>
+            </a:fontRef>
+          </p:style>
+          <p:txBody>
+            <a:bodyPr rtlCol="0" anchor="ctr"/>
+            <a:lstStyle/>
+            <a:p>
+              <a:pPr algn="ctr"/>
+              <a:endParaRPr lang="en-GB"/>
+            </a:p>
+          </p:txBody>
+        </p:sp>
+        <p:sp>
+          <p:nvSpPr>
+            <p:cNvPr id="14" name="Rectangle 13">
+              <a:extLst>
+                <a:ext uri="{FF2B5EF4-FFF2-40B4-BE49-F238E27FC236}">
+                  <a16:creationId xmlns:a16="http://schemas.microsoft.com/office/drawing/2014/main" id="{EC1A0A35-D1EB-4DCA-9851-40713E903695}"/>
+                </a:ext>
+              </a:extLst>
+            </p:cNvPr>
+            <p:cNvSpPr/>
+            <p:nvPr/>
+          </p:nvSpPr>
+          <p:spPr>
+            <a:xfrm>
+              <a:off x="1714500" y="2053073"/>
+              <a:ext cx="483577" cy="461665"/>
+            </a:xfrm>
+            <a:prstGeom prst="rect">
+              <a:avLst/>
+            </a:prstGeom>
+            <a:solidFill>
+              <a:schemeClr val="accent3"/>
+            </a:solidFill>
+          </p:spPr>
+          <p:style>
+            <a:lnRef idx="2">
+              <a:schemeClr val="accent1">
+                <a:shade val="50000"/>
+              </a:schemeClr>
+            </a:lnRef>
+            <a:fillRef idx="1">
+              <a:schemeClr val="accent1"/>
+            </a:fillRef>
+            <a:effectRef idx="0">
+              <a:schemeClr val="accent1"/>
+            </a:effectRef>
+            <a:fontRef idx="minor">
+              <a:schemeClr val="lt1"/>
+            </a:fontRef>
+          </p:style>
+          <p:txBody>
+            <a:bodyPr rtlCol="0" anchor="ctr"/>
+            <a:lstStyle/>
+            <a:p>
+              <a:pPr algn="ctr"/>
+              <a:endParaRPr lang="en-GB"/>
+            </a:p>
+          </p:txBody>
+        </p:sp>
+      </p:grpSp>
+      <p:sp>
+        <p:nvSpPr>
+          <p:cNvPr id="15" name="TextBox 14">
+            <a:extLst>
+              <a:ext uri="{FF2B5EF4-FFF2-40B4-BE49-F238E27FC236}">
+                <a16:creationId xmlns:a16="http://schemas.microsoft.com/office/drawing/2014/main" id="{836BFE35-437A-4358-AB66-71A3B4D2546A}"/>
+              </a:ext>
+            </a:extLst>
+          </p:cNvPr>
+          <p:cNvSpPr txBox="1"/>
+          <p:nvPr/>
+        </p:nvSpPr>
+        <p:spPr>
+          <a:xfrm>
+            <a:off x="172857" y="2738873"/>
+            <a:ext cx="1123063" cy="461665"/>
+          </a:xfrm>
+          <a:prstGeom prst="rect">
+            <a:avLst/>
+          </a:prstGeom>
+          <a:noFill/>
+        </p:spPr>
+        <p:txBody>
+          <a:bodyPr wrap="square" rtlCol="0">
+            <a:spAutoFit/>
+          </a:bodyPr>
+          <a:lstStyle/>
+          <a:p>
+            <a:pPr algn="r"/>
+            <a:r>
+              <a:rPr lang="en-US" sz="2400" dirty="0"/>
+              <a:t>weight</a:t>
+            </a:r>
+          </a:p>
+        </p:txBody>
+      </p:sp>
+      <p:grpSp>
+        <p:nvGrpSpPr>
+          <p:cNvPr id="64" name="Group 63">
+            <a:extLst>
+              <a:ext uri="{FF2B5EF4-FFF2-40B4-BE49-F238E27FC236}">
+                <a16:creationId xmlns:a16="http://schemas.microsoft.com/office/drawing/2014/main" id="{6C7A02C3-12E3-4EFE-9AA8-87202BD809E4}"/>
+              </a:ext>
+            </a:extLst>
+          </p:cNvPr>
+          <p:cNvGrpSpPr/>
+          <p:nvPr/>
+        </p:nvGrpSpPr>
+        <p:grpSpPr>
+          <a:xfrm>
+            <a:off x="1947024" y="2277209"/>
+            <a:ext cx="483577" cy="923330"/>
+            <a:chOff x="1714500" y="1591408"/>
+            <a:chExt cx="483577" cy="923330"/>
+          </a:xfrm>
+        </p:grpSpPr>
+        <p:sp>
+          <p:nvSpPr>
+            <p:cNvPr id="65" name="Rectangle 64">
+              <a:extLst>
+                <a:ext uri="{FF2B5EF4-FFF2-40B4-BE49-F238E27FC236}">
+                  <a16:creationId xmlns:a16="http://schemas.microsoft.com/office/drawing/2014/main" id="{83FBD113-E516-4929-83AC-0E42CD8E10C9}"/>
+                </a:ext>
+              </a:extLst>
+            </p:cNvPr>
+            <p:cNvSpPr/>
+            <p:nvPr/>
+          </p:nvSpPr>
+          <p:spPr>
+            <a:xfrm>
+              <a:off x="1714500" y="1591408"/>
+              <a:ext cx="483577" cy="461665"/>
+            </a:xfrm>
+            <a:prstGeom prst="rect">
+              <a:avLst/>
+            </a:prstGeom>
+          </p:spPr>
+          <p:style>
+            <a:lnRef idx="2">
+              <a:schemeClr val="accent1">
+                <a:shade val="50000"/>
+              </a:schemeClr>
+            </a:lnRef>
+            <a:fillRef idx="1">
+              <a:schemeClr val="accent1"/>
+            </a:fillRef>
+            <a:effectRef idx="0">
+              <a:schemeClr val="accent1"/>
+            </a:effectRef>
+            <a:fontRef idx="minor">
+              <a:schemeClr val="lt1"/>
+            </a:fontRef>
+          </p:style>
+          <p:txBody>
+            <a:bodyPr rtlCol="0" anchor="ctr"/>
+            <a:lstStyle/>
+            <a:p>
+              <a:pPr algn="ctr"/>
+              <a:endParaRPr lang="en-GB"/>
+            </a:p>
+          </p:txBody>
+        </p:sp>
+        <p:sp>
+          <p:nvSpPr>
+            <p:cNvPr id="66" name="Rectangle 65">
+              <a:extLst>
+                <a:ext uri="{FF2B5EF4-FFF2-40B4-BE49-F238E27FC236}">
+                  <a16:creationId xmlns:a16="http://schemas.microsoft.com/office/drawing/2014/main" id="{EA4DD757-4A84-4C36-B9D7-676D9B0758A4}"/>
+                </a:ext>
+              </a:extLst>
+            </p:cNvPr>
+            <p:cNvSpPr/>
+            <p:nvPr/>
+          </p:nvSpPr>
+          <p:spPr>
+            <a:xfrm>
+              <a:off x="1714500" y="2053073"/>
+              <a:ext cx="483577" cy="461665"/>
+            </a:xfrm>
+            <a:prstGeom prst="rect">
+              <a:avLst/>
+            </a:prstGeom>
+            <a:solidFill>
+              <a:schemeClr val="accent3"/>
+            </a:solidFill>
+          </p:spPr>
+          <p:style>
+            <a:lnRef idx="2">
+              <a:schemeClr val="accent1">
+                <a:shade val="50000"/>
+              </a:schemeClr>
+            </a:lnRef>
+            <a:fillRef idx="1">
+              <a:schemeClr val="accent1"/>
+            </a:fillRef>
+            <a:effectRef idx="0">
+              <a:schemeClr val="accent1"/>
+            </a:effectRef>
+            <a:fontRef idx="minor">
+              <a:schemeClr val="lt1"/>
+            </a:fontRef>
+          </p:style>
+          <p:txBody>
+            <a:bodyPr rtlCol="0" anchor="ctr"/>
+            <a:lstStyle/>
+            <a:p>
+              <a:pPr algn="ctr"/>
+              <a:endParaRPr lang="en-GB"/>
+            </a:p>
+          </p:txBody>
+        </p:sp>
+      </p:grpSp>
+      <p:grpSp>
+        <p:nvGrpSpPr>
+          <p:cNvPr id="67" name="Group 66">
+            <a:extLst>
+              <a:ext uri="{FF2B5EF4-FFF2-40B4-BE49-F238E27FC236}">
+                <a16:creationId xmlns:a16="http://schemas.microsoft.com/office/drawing/2014/main" id="{113BF118-661F-42A5-AED3-3FEBD06948BD}"/>
+              </a:ext>
+            </a:extLst>
+          </p:cNvPr>
+          <p:cNvGrpSpPr/>
+          <p:nvPr/>
+        </p:nvGrpSpPr>
+        <p:grpSpPr>
+          <a:xfrm>
+            <a:off x="2457452" y="2277209"/>
+            <a:ext cx="483577" cy="923330"/>
+            <a:chOff x="1714500" y="1591408"/>
+            <a:chExt cx="483577" cy="923330"/>
+          </a:xfrm>
+        </p:grpSpPr>
+        <p:sp>
+          <p:nvSpPr>
+            <p:cNvPr id="68" name="Rectangle 67">
+              <a:extLst>
+                <a:ext uri="{FF2B5EF4-FFF2-40B4-BE49-F238E27FC236}">
+                  <a16:creationId xmlns:a16="http://schemas.microsoft.com/office/drawing/2014/main" id="{4444B01D-3DED-4831-BE9D-C10B7AF22F25}"/>
+                </a:ext>
+              </a:extLst>
+            </p:cNvPr>
+            <p:cNvSpPr/>
+            <p:nvPr/>
+          </p:nvSpPr>
+          <p:spPr>
+            <a:xfrm>
+              <a:off x="1714500" y="1591408"/>
+              <a:ext cx="483577" cy="461665"/>
+            </a:xfrm>
+            <a:prstGeom prst="rect">
+              <a:avLst/>
+            </a:prstGeom>
+          </p:spPr>
+          <p:style>
+            <a:lnRef idx="2">
+              <a:schemeClr val="accent1">
+                <a:shade val="50000"/>
+              </a:schemeClr>
+            </a:lnRef>
+            <a:fillRef idx="1">
+              <a:schemeClr val="accent1"/>
+            </a:fillRef>
+            <a:effectRef idx="0">
+              <a:schemeClr val="accent1"/>
+            </a:effectRef>
+            <a:fontRef idx="minor">
+              <a:schemeClr val="lt1"/>
+            </a:fontRef>
+          </p:style>
+          <p:txBody>
+            <a:bodyPr rtlCol="0" anchor="ctr"/>
+            <a:lstStyle/>
+            <a:p>
+              <a:pPr algn="ctr"/>
+              <a:endParaRPr lang="en-GB"/>
+            </a:p>
+          </p:txBody>
+        </p:sp>
+        <p:sp>
+          <p:nvSpPr>
+            <p:cNvPr id="69" name="Rectangle 68">
+              <a:extLst>
+                <a:ext uri="{FF2B5EF4-FFF2-40B4-BE49-F238E27FC236}">
+                  <a16:creationId xmlns:a16="http://schemas.microsoft.com/office/drawing/2014/main" id="{92E26926-270D-4119-BD5B-6934C5E2B651}"/>
+                </a:ext>
+              </a:extLst>
+            </p:cNvPr>
+            <p:cNvSpPr/>
+            <p:nvPr/>
+          </p:nvSpPr>
+          <p:spPr>
+            <a:xfrm>
+              <a:off x="1714500" y="2053073"/>
+              <a:ext cx="483577" cy="461665"/>
+            </a:xfrm>
+            <a:prstGeom prst="rect">
+              <a:avLst/>
+            </a:prstGeom>
+            <a:solidFill>
+              <a:schemeClr val="accent3"/>
+            </a:solidFill>
+          </p:spPr>
+          <p:style>
+            <a:lnRef idx="2">
+              <a:schemeClr val="accent1">
+                <a:shade val="50000"/>
+              </a:schemeClr>
+            </a:lnRef>
+            <a:fillRef idx="1">
+              <a:schemeClr val="accent1"/>
+            </a:fillRef>
+            <a:effectRef idx="0">
+              <a:schemeClr val="accent1"/>
+            </a:effectRef>
+            <a:fontRef idx="minor">
+              <a:schemeClr val="lt1"/>
+            </a:fontRef>
+          </p:style>
+          <p:txBody>
+            <a:bodyPr rtlCol="0" anchor="ctr"/>
+            <a:lstStyle/>
+            <a:p>
+              <a:pPr algn="ctr"/>
+              <a:endParaRPr lang="en-GB"/>
+            </a:p>
+          </p:txBody>
+        </p:sp>
+      </p:grpSp>
+      <p:grpSp>
+        <p:nvGrpSpPr>
+          <p:cNvPr id="70" name="Group 69">
+            <a:extLst>
+              <a:ext uri="{FF2B5EF4-FFF2-40B4-BE49-F238E27FC236}">
+                <a16:creationId xmlns:a16="http://schemas.microsoft.com/office/drawing/2014/main" id="{51477DE1-ADB8-4539-829D-C22C727D8EC3}"/>
+              </a:ext>
+            </a:extLst>
+          </p:cNvPr>
+          <p:cNvGrpSpPr/>
+          <p:nvPr/>
+        </p:nvGrpSpPr>
+        <p:grpSpPr>
+          <a:xfrm>
+            <a:off x="2967880" y="2277209"/>
+            <a:ext cx="483577" cy="923330"/>
+            <a:chOff x="1714500" y="1591408"/>
+            <a:chExt cx="483577" cy="923330"/>
+          </a:xfrm>
+        </p:grpSpPr>
+        <p:sp>
+          <p:nvSpPr>
+            <p:cNvPr id="71" name="Rectangle 70">
+              <a:extLst>
+                <a:ext uri="{FF2B5EF4-FFF2-40B4-BE49-F238E27FC236}">
+                  <a16:creationId xmlns:a16="http://schemas.microsoft.com/office/drawing/2014/main" id="{099B2BC2-EE0C-49CF-8DB9-03B73F9D81CC}"/>
+                </a:ext>
+              </a:extLst>
+            </p:cNvPr>
+            <p:cNvSpPr/>
+            <p:nvPr/>
+          </p:nvSpPr>
+          <p:spPr>
+            <a:xfrm>
+              <a:off x="1714500" y="1591408"/>
+              <a:ext cx="483577" cy="461665"/>
+            </a:xfrm>
+            <a:prstGeom prst="rect">
+              <a:avLst/>
+            </a:prstGeom>
+          </p:spPr>
+          <p:style>
+            <a:lnRef idx="2">
+              <a:schemeClr val="accent1">
+                <a:shade val="50000"/>
+              </a:schemeClr>
+            </a:lnRef>
+            <a:fillRef idx="1">
+              <a:schemeClr val="accent1"/>
+            </a:fillRef>
+            <a:effectRef idx="0">
+              <a:schemeClr val="accent1"/>
+            </a:effectRef>
+            <a:fontRef idx="minor">
+              <a:schemeClr val="lt1"/>
+            </a:fontRef>
+          </p:style>
+          <p:txBody>
+            <a:bodyPr rtlCol="0" anchor="ctr"/>
+            <a:lstStyle/>
+            <a:p>
+              <a:pPr algn="ctr"/>
+              <a:endParaRPr lang="en-GB"/>
+            </a:p>
+          </p:txBody>
+        </p:sp>
+        <p:sp>
+          <p:nvSpPr>
+            <p:cNvPr id="72" name="Rectangle 71">
+              <a:extLst>
+                <a:ext uri="{FF2B5EF4-FFF2-40B4-BE49-F238E27FC236}">
+                  <a16:creationId xmlns:a16="http://schemas.microsoft.com/office/drawing/2014/main" id="{750434CC-A8F6-4FFA-8830-B7EDF30F0471}"/>
+                </a:ext>
+              </a:extLst>
+            </p:cNvPr>
+            <p:cNvSpPr/>
+            <p:nvPr/>
+          </p:nvSpPr>
+          <p:spPr>
+            <a:xfrm>
+              <a:off x="1714500" y="2053073"/>
+              <a:ext cx="483577" cy="461665"/>
+            </a:xfrm>
+            <a:prstGeom prst="rect">
+              <a:avLst/>
+            </a:prstGeom>
+            <a:solidFill>
+              <a:schemeClr val="accent3"/>
+            </a:solidFill>
+          </p:spPr>
+          <p:style>
+            <a:lnRef idx="2">
+              <a:schemeClr val="accent1">
+                <a:shade val="50000"/>
+              </a:schemeClr>
+            </a:lnRef>
+            <a:fillRef idx="1">
+              <a:schemeClr val="accent1"/>
+            </a:fillRef>
+            <a:effectRef idx="0">
+              <a:schemeClr val="accent1"/>
+            </a:effectRef>
+            <a:fontRef idx="minor">
+              <a:schemeClr val="lt1"/>
+            </a:fontRef>
+          </p:style>
+          <p:txBody>
+            <a:bodyPr rtlCol="0" anchor="ctr"/>
+            <a:lstStyle/>
+            <a:p>
+              <a:pPr algn="ctr"/>
+              <a:endParaRPr lang="en-GB"/>
+            </a:p>
+          </p:txBody>
+        </p:sp>
+      </p:grpSp>
+      <p:grpSp>
+        <p:nvGrpSpPr>
+          <p:cNvPr id="73" name="Group 72">
+            <a:extLst>
+              <a:ext uri="{FF2B5EF4-FFF2-40B4-BE49-F238E27FC236}">
+                <a16:creationId xmlns:a16="http://schemas.microsoft.com/office/drawing/2014/main" id="{CDC28ED3-8C9C-434C-9E31-E89AE6400FC4}"/>
+              </a:ext>
+            </a:extLst>
+          </p:cNvPr>
+          <p:cNvGrpSpPr/>
+          <p:nvPr/>
+        </p:nvGrpSpPr>
+        <p:grpSpPr>
+          <a:xfrm>
+            <a:off x="3478308" y="2277209"/>
+            <a:ext cx="483577" cy="923330"/>
+            <a:chOff x="1714500" y="1591408"/>
+            <a:chExt cx="483577" cy="923330"/>
+          </a:xfrm>
+        </p:grpSpPr>
+        <p:sp>
+          <p:nvSpPr>
+            <p:cNvPr id="74" name="Rectangle 73">
+              <a:extLst>
+                <a:ext uri="{FF2B5EF4-FFF2-40B4-BE49-F238E27FC236}">
+                  <a16:creationId xmlns:a16="http://schemas.microsoft.com/office/drawing/2014/main" id="{39E84664-57E8-46EE-ABFD-CB5A05B7EE9F}"/>
+                </a:ext>
+              </a:extLst>
+            </p:cNvPr>
+            <p:cNvSpPr/>
+            <p:nvPr/>
+          </p:nvSpPr>
+          <p:spPr>
+            <a:xfrm>
+              <a:off x="1714500" y="1591408"/>
+              <a:ext cx="483577" cy="461665"/>
+            </a:xfrm>
+            <a:prstGeom prst="rect">
+              <a:avLst/>
+            </a:prstGeom>
+          </p:spPr>
+          <p:style>
+            <a:lnRef idx="2">
+              <a:schemeClr val="accent1">
+                <a:shade val="50000"/>
+              </a:schemeClr>
+            </a:lnRef>
+            <a:fillRef idx="1">
+              <a:schemeClr val="accent1"/>
+            </a:fillRef>
+            <a:effectRef idx="0">
+              <a:schemeClr val="accent1"/>
+            </a:effectRef>
+            <a:fontRef idx="minor">
+              <a:schemeClr val="lt1"/>
+            </a:fontRef>
+          </p:style>
+          <p:txBody>
+            <a:bodyPr rtlCol="0" anchor="ctr"/>
+            <a:lstStyle/>
+            <a:p>
+              <a:pPr algn="ctr"/>
+              <a:endParaRPr lang="en-GB"/>
+            </a:p>
+          </p:txBody>
+        </p:sp>
+        <p:sp>
+          <p:nvSpPr>
+            <p:cNvPr id="75" name="Rectangle 74">
+              <a:extLst>
+                <a:ext uri="{FF2B5EF4-FFF2-40B4-BE49-F238E27FC236}">
+                  <a16:creationId xmlns:a16="http://schemas.microsoft.com/office/drawing/2014/main" id="{45761627-7D0F-401F-92D5-1A9C9CDC16D8}"/>
+                </a:ext>
+              </a:extLst>
+            </p:cNvPr>
+            <p:cNvSpPr/>
+            <p:nvPr/>
+          </p:nvSpPr>
+          <p:spPr>
+            <a:xfrm>
+              <a:off x="1714500" y="2053073"/>
+              <a:ext cx="483577" cy="461665"/>
+            </a:xfrm>
+            <a:prstGeom prst="rect">
+              <a:avLst/>
+            </a:prstGeom>
+            <a:solidFill>
+              <a:schemeClr val="accent3"/>
+            </a:solidFill>
+          </p:spPr>
+          <p:style>
+            <a:lnRef idx="2">
+              <a:schemeClr val="accent1">
+                <a:shade val="50000"/>
+              </a:schemeClr>
+            </a:lnRef>
+            <a:fillRef idx="1">
+              <a:schemeClr val="accent1"/>
+            </a:fillRef>
+            <a:effectRef idx="0">
+              <a:schemeClr val="accent1"/>
+            </a:effectRef>
+            <a:fontRef idx="minor">
+              <a:schemeClr val="lt1"/>
+            </a:fontRef>
+          </p:style>
+          <p:txBody>
+            <a:bodyPr rtlCol="0" anchor="ctr"/>
+            <a:lstStyle/>
+            <a:p>
+              <a:pPr algn="ctr"/>
+              <a:endParaRPr lang="en-GB"/>
+            </a:p>
+          </p:txBody>
+        </p:sp>
+      </p:grpSp>
+      <p:grpSp>
+        <p:nvGrpSpPr>
+          <p:cNvPr id="76" name="Group 75">
+            <a:extLst>
+              <a:ext uri="{FF2B5EF4-FFF2-40B4-BE49-F238E27FC236}">
+                <a16:creationId xmlns:a16="http://schemas.microsoft.com/office/drawing/2014/main" id="{65CE4FAD-3956-4A4B-A55A-66D13B94CAE8}"/>
+              </a:ext>
+            </a:extLst>
+          </p:cNvPr>
+          <p:cNvGrpSpPr/>
+          <p:nvPr/>
+        </p:nvGrpSpPr>
+        <p:grpSpPr>
+          <a:xfrm>
+            <a:off x="3988736" y="2277209"/>
+            <a:ext cx="483577" cy="923330"/>
+            <a:chOff x="1714500" y="1591408"/>
+            <a:chExt cx="483577" cy="923330"/>
+          </a:xfrm>
+        </p:grpSpPr>
+        <p:sp>
+          <p:nvSpPr>
+            <p:cNvPr id="77" name="Rectangle 76">
+              <a:extLst>
+                <a:ext uri="{FF2B5EF4-FFF2-40B4-BE49-F238E27FC236}">
+                  <a16:creationId xmlns:a16="http://schemas.microsoft.com/office/drawing/2014/main" id="{766AE563-7AAB-4ECD-BA68-4B403611842D}"/>
+                </a:ext>
+              </a:extLst>
+            </p:cNvPr>
+            <p:cNvSpPr/>
+            <p:nvPr/>
+          </p:nvSpPr>
+          <p:spPr>
+            <a:xfrm>
+              <a:off x="1714500" y="1591408"/>
+              <a:ext cx="483577" cy="461665"/>
+            </a:xfrm>
+            <a:prstGeom prst="rect">
+              <a:avLst/>
+            </a:prstGeom>
+          </p:spPr>
+          <p:style>
+            <a:lnRef idx="2">
+              <a:schemeClr val="accent1">
+                <a:shade val="50000"/>
+              </a:schemeClr>
+            </a:lnRef>
+            <a:fillRef idx="1">
+              <a:schemeClr val="accent1"/>
+            </a:fillRef>
+            <a:effectRef idx="0">
+              <a:schemeClr val="accent1"/>
+            </a:effectRef>
+            <a:fontRef idx="minor">
+              <a:schemeClr val="lt1"/>
+            </a:fontRef>
+          </p:style>
+          <p:txBody>
+            <a:bodyPr rtlCol="0" anchor="ctr"/>
+            <a:lstStyle/>
+            <a:p>
+              <a:pPr algn="ctr"/>
+              <a:endParaRPr lang="en-GB"/>
+            </a:p>
+          </p:txBody>
+        </p:sp>
+        <p:sp>
+          <p:nvSpPr>
+            <p:cNvPr id="78" name="Rectangle 77">
+              <a:extLst>
+                <a:ext uri="{FF2B5EF4-FFF2-40B4-BE49-F238E27FC236}">
+                  <a16:creationId xmlns:a16="http://schemas.microsoft.com/office/drawing/2014/main" id="{E1DC1561-0012-4797-8BF0-4C307FF713E0}"/>
+                </a:ext>
+              </a:extLst>
+            </p:cNvPr>
+            <p:cNvSpPr/>
+            <p:nvPr/>
+          </p:nvSpPr>
+          <p:spPr>
+            <a:xfrm>
+              <a:off x="1714500" y="2053073"/>
+              <a:ext cx="483577" cy="461665"/>
+            </a:xfrm>
+            <a:prstGeom prst="rect">
+              <a:avLst/>
+            </a:prstGeom>
+            <a:solidFill>
+              <a:schemeClr val="accent3"/>
+            </a:solidFill>
+          </p:spPr>
+          <p:style>
+            <a:lnRef idx="2">
+              <a:schemeClr val="accent1">
+                <a:shade val="50000"/>
+              </a:schemeClr>
+            </a:lnRef>
+            <a:fillRef idx="1">
+              <a:schemeClr val="accent1"/>
+            </a:fillRef>
+            <a:effectRef idx="0">
+              <a:schemeClr val="accent1"/>
+            </a:effectRef>
+            <a:fontRef idx="minor">
+              <a:schemeClr val="lt1"/>
+            </a:fontRef>
+          </p:style>
+          <p:txBody>
+            <a:bodyPr rtlCol="0" anchor="ctr"/>
+            <a:lstStyle/>
+            <a:p>
+              <a:pPr algn="ctr"/>
+              <a:endParaRPr lang="en-GB"/>
+            </a:p>
+          </p:txBody>
+        </p:sp>
+      </p:grpSp>
+      <p:grpSp>
+        <p:nvGrpSpPr>
+          <p:cNvPr id="79" name="Group 78">
+            <a:extLst>
+              <a:ext uri="{FF2B5EF4-FFF2-40B4-BE49-F238E27FC236}">
+                <a16:creationId xmlns:a16="http://schemas.microsoft.com/office/drawing/2014/main" id="{AA7320CD-E2C2-4E5F-A04A-F270D25DD669}"/>
+              </a:ext>
+            </a:extLst>
+          </p:cNvPr>
+          <p:cNvGrpSpPr/>
+          <p:nvPr/>
+        </p:nvGrpSpPr>
+        <p:grpSpPr>
+          <a:xfrm>
+            <a:off x="4499164" y="2277209"/>
+            <a:ext cx="483577" cy="923330"/>
+            <a:chOff x="1714500" y="1591408"/>
+            <a:chExt cx="483577" cy="923330"/>
+          </a:xfrm>
+        </p:grpSpPr>
+        <p:sp>
+          <p:nvSpPr>
+            <p:cNvPr id="80" name="Rectangle 79">
+              <a:extLst>
+                <a:ext uri="{FF2B5EF4-FFF2-40B4-BE49-F238E27FC236}">
+                  <a16:creationId xmlns:a16="http://schemas.microsoft.com/office/drawing/2014/main" id="{7698A794-3CE3-4BBC-BEEB-8D0D6C1EF54C}"/>
+                </a:ext>
+              </a:extLst>
+            </p:cNvPr>
+            <p:cNvSpPr/>
+            <p:nvPr/>
+          </p:nvSpPr>
+          <p:spPr>
+            <a:xfrm>
+              <a:off x="1714500" y="1591408"/>
+              <a:ext cx="483577" cy="461665"/>
+            </a:xfrm>
+            <a:prstGeom prst="rect">
+              <a:avLst/>
+            </a:prstGeom>
+          </p:spPr>
+          <p:style>
+            <a:lnRef idx="2">
+              <a:schemeClr val="accent1">
+                <a:shade val="50000"/>
+              </a:schemeClr>
+            </a:lnRef>
+            <a:fillRef idx="1">
+              <a:schemeClr val="accent1"/>
+            </a:fillRef>
+            <a:effectRef idx="0">
+              <a:schemeClr val="accent1"/>
+            </a:effectRef>
+            <a:fontRef idx="minor">
+              <a:schemeClr val="lt1"/>
+            </a:fontRef>
+          </p:style>
+          <p:txBody>
+            <a:bodyPr rtlCol="0" anchor="ctr"/>
+            <a:lstStyle/>
+            <a:p>
+              <a:pPr algn="ctr"/>
+              <a:endParaRPr lang="en-GB"/>
+            </a:p>
+          </p:txBody>
+        </p:sp>
+        <p:sp>
+          <p:nvSpPr>
+            <p:cNvPr id="81" name="Rectangle 80">
+              <a:extLst>
+                <a:ext uri="{FF2B5EF4-FFF2-40B4-BE49-F238E27FC236}">
+                  <a16:creationId xmlns:a16="http://schemas.microsoft.com/office/drawing/2014/main" id="{D49C15A5-ABD8-4B96-B58D-081F1BE951A6}"/>
+                </a:ext>
+              </a:extLst>
+            </p:cNvPr>
+            <p:cNvSpPr/>
+            <p:nvPr/>
+          </p:nvSpPr>
+          <p:spPr>
+            <a:xfrm>
+              <a:off x="1714500" y="2053073"/>
+              <a:ext cx="483577" cy="461665"/>
+            </a:xfrm>
+            <a:prstGeom prst="rect">
+              <a:avLst/>
+            </a:prstGeom>
+            <a:solidFill>
+              <a:schemeClr val="accent3"/>
+            </a:solidFill>
+          </p:spPr>
+          <p:style>
+            <a:lnRef idx="2">
+              <a:schemeClr val="accent1">
+                <a:shade val="50000"/>
+              </a:schemeClr>
+            </a:lnRef>
+            <a:fillRef idx="1">
+              <a:schemeClr val="accent1"/>
+            </a:fillRef>
+            <a:effectRef idx="0">
+              <a:schemeClr val="accent1"/>
+            </a:effectRef>
+            <a:fontRef idx="minor">
+              <a:schemeClr val="lt1"/>
+            </a:fontRef>
+          </p:style>
+          <p:txBody>
+            <a:bodyPr rtlCol="0" anchor="ctr"/>
+            <a:lstStyle/>
+            <a:p>
+              <a:pPr algn="ctr"/>
+              <a:endParaRPr lang="en-GB"/>
+            </a:p>
+          </p:txBody>
+        </p:sp>
+      </p:grpSp>
+      <p:grpSp>
+        <p:nvGrpSpPr>
+          <p:cNvPr id="82" name="Group 81">
+            <a:extLst>
+              <a:ext uri="{FF2B5EF4-FFF2-40B4-BE49-F238E27FC236}">
+                <a16:creationId xmlns:a16="http://schemas.microsoft.com/office/drawing/2014/main" id="{E60878DA-D2B2-4986-9B51-094AB4ADEB13}"/>
+              </a:ext>
+            </a:extLst>
+          </p:cNvPr>
+          <p:cNvGrpSpPr/>
+          <p:nvPr/>
+        </p:nvGrpSpPr>
+        <p:grpSpPr>
+          <a:xfrm>
+            <a:off x="5009592" y="2277209"/>
+            <a:ext cx="483577" cy="923330"/>
+            <a:chOff x="1714500" y="1591408"/>
+            <a:chExt cx="483577" cy="923330"/>
+          </a:xfrm>
+        </p:grpSpPr>
+        <p:sp>
+          <p:nvSpPr>
+            <p:cNvPr id="83" name="Rectangle 82">
+              <a:extLst>
+                <a:ext uri="{FF2B5EF4-FFF2-40B4-BE49-F238E27FC236}">
+                  <a16:creationId xmlns:a16="http://schemas.microsoft.com/office/drawing/2014/main" id="{2924BD3C-0199-49A5-B11E-77DEC51423CD}"/>
+                </a:ext>
+              </a:extLst>
+            </p:cNvPr>
+            <p:cNvSpPr/>
+            <p:nvPr/>
+          </p:nvSpPr>
+          <p:spPr>
+            <a:xfrm>
+              <a:off x="1714500" y="1591408"/>
+              <a:ext cx="483577" cy="461665"/>
+            </a:xfrm>
+            <a:prstGeom prst="rect">
+              <a:avLst/>
+            </a:prstGeom>
+          </p:spPr>
+          <p:style>
+            <a:lnRef idx="2">
+              <a:schemeClr val="accent1">
+                <a:shade val="50000"/>
+              </a:schemeClr>
+            </a:lnRef>
+            <a:fillRef idx="1">
+              <a:schemeClr val="accent1"/>
+            </a:fillRef>
+            <a:effectRef idx="0">
+              <a:schemeClr val="accent1"/>
+            </a:effectRef>
+            <a:fontRef idx="minor">
+              <a:schemeClr val="lt1"/>
+            </a:fontRef>
+          </p:style>
+          <p:txBody>
+            <a:bodyPr rtlCol="0" anchor="ctr"/>
+            <a:lstStyle/>
+            <a:p>
+              <a:pPr algn="ctr"/>
+              <a:endParaRPr lang="en-GB"/>
+            </a:p>
+          </p:txBody>
+        </p:sp>
+        <p:sp>
+          <p:nvSpPr>
+            <p:cNvPr id="84" name="Rectangle 83">
+              <a:extLst>
+                <a:ext uri="{FF2B5EF4-FFF2-40B4-BE49-F238E27FC236}">
+                  <a16:creationId xmlns:a16="http://schemas.microsoft.com/office/drawing/2014/main" id="{E8A67E25-54FB-44B6-8D10-92B3EB04B109}"/>
+                </a:ext>
+              </a:extLst>
+            </p:cNvPr>
+            <p:cNvSpPr/>
+            <p:nvPr/>
+          </p:nvSpPr>
+          <p:spPr>
+            <a:xfrm>
+              <a:off x="1714500" y="2053073"/>
+              <a:ext cx="483577" cy="461665"/>
+            </a:xfrm>
+            <a:prstGeom prst="rect">
+              <a:avLst/>
+            </a:prstGeom>
+            <a:solidFill>
+              <a:schemeClr val="accent3"/>
+            </a:solidFill>
+          </p:spPr>
+          <p:style>
+            <a:lnRef idx="2">
+              <a:schemeClr val="accent1">
+                <a:shade val="50000"/>
+              </a:schemeClr>
+            </a:lnRef>
+            <a:fillRef idx="1">
+              <a:schemeClr val="accent1"/>
+            </a:fillRef>
+            <a:effectRef idx="0">
+              <a:schemeClr val="accent1"/>
+            </a:effectRef>
+            <a:fontRef idx="minor">
+              <a:schemeClr val="lt1"/>
+            </a:fontRef>
+          </p:style>
+          <p:txBody>
+            <a:bodyPr rtlCol="0" anchor="ctr"/>
+            <a:lstStyle/>
+            <a:p>
+              <a:pPr algn="ctr"/>
+              <a:endParaRPr lang="en-GB"/>
+            </a:p>
+          </p:txBody>
+        </p:sp>
+      </p:grpSp>
+      <p:grpSp>
+        <p:nvGrpSpPr>
+          <p:cNvPr id="85" name="Group 84">
+            <a:extLst>
+              <a:ext uri="{FF2B5EF4-FFF2-40B4-BE49-F238E27FC236}">
+                <a16:creationId xmlns:a16="http://schemas.microsoft.com/office/drawing/2014/main" id="{9AD41AE9-3DE8-4607-8F32-DB4D04DEBCF9}"/>
+              </a:ext>
+            </a:extLst>
+          </p:cNvPr>
+          <p:cNvGrpSpPr/>
+          <p:nvPr/>
+        </p:nvGrpSpPr>
+        <p:grpSpPr>
+          <a:xfrm>
+            <a:off x="5520020" y="2277209"/>
+            <a:ext cx="483577" cy="923330"/>
+            <a:chOff x="1714500" y="1591408"/>
+            <a:chExt cx="483577" cy="923330"/>
+          </a:xfrm>
+        </p:grpSpPr>
+        <p:sp>
+          <p:nvSpPr>
+            <p:cNvPr id="86" name="Rectangle 85">
+              <a:extLst>
+                <a:ext uri="{FF2B5EF4-FFF2-40B4-BE49-F238E27FC236}">
+                  <a16:creationId xmlns:a16="http://schemas.microsoft.com/office/drawing/2014/main" id="{6CFE3B9A-ACBD-48DB-92AF-72D04A623709}"/>
+                </a:ext>
+              </a:extLst>
+            </p:cNvPr>
+            <p:cNvSpPr/>
+            <p:nvPr/>
+          </p:nvSpPr>
+          <p:spPr>
+            <a:xfrm>
+              <a:off x="1714500" y="1591408"/>
+              <a:ext cx="483577" cy="461665"/>
+            </a:xfrm>
+            <a:prstGeom prst="rect">
+              <a:avLst/>
+            </a:prstGeom>
+          </p:spPr>
+          <p:style>
+            <a:lnRef idx="2">
+              <a:schemeClr val="accent1">
+                <a:shade val="50000"/>
+              </a:schemeClr>
+            </a:lnRef>
+            <a:fillRef idx="1">
+              <a:schemeClr val="accent1"/>
+            </a:fillRef>
+            <a:effectRef idx="0">
+              <a:schemeClr val="accent1"/>
+            </a:effectRef>
+            <a:fontRef idx="minor">
+              <a:schemeClr val="lt1"/>
+            </a:fontRef>
+          </p:style>
+          <p:txBody>
+            <a:bodyPr rtlCol="0" anchor="ctr"/>
+            <a:lstStyle/>
+            <a:p>
+              <a:pPr algn="ctr"/>
+              <a:endParaRPr lang="en-GB"/>
+            </a:p>
+          </p:txBody>
+        </p:sp>
+        <p:sp>
+          <p:nvSpPr>
+            <p:cNvPr id="87" name="Rectangle 86">
+              <a:extLst>
+                <a:ext uri="{FF2B5EF4-FFF2-40B4-BE49-F238E27FC236}">
+                  <a16:creationId xmlns:a16="http://schemas.microsoft.com/office/drawing/2014/main" id="{00DD0895-4F5D-43F3-AAB4-21D16DC850EE}"/>
+                </a:ext>
+              </a:extLst>
+            </p:cNvPr>
+            <p:cNvSpPr/>
+            <p:nvPr/>
+          </p:nvSpPr>
+          <p:spPr>
+            <a:xfrm>
+              <a:off x="1714500" y="2053073"/>
+              <a:ext cx="483577" cy="461665"/>
+            </a:xfrm>
+            <a:prstGeom prst="rect">
+              <a:avLst/>
+            </a:prstGeom>
+            <a:solidFill>
+              <a:schemeClr val="accent3"/>
+            </a:solidFill>
+          </p:spPr>
+          <p:style>
+            <a:lnRef idx="2">
+              <a:schemeClr val="accent1">
+                <a:shade val="50000"/>
+              </a:schemeClr>
+            </a:lnRef>
+            <a:fillRef idx="1">
+              <a:schemeClr val="accent1"/>
+            </a:fillRef>
+            <a:effectRef idx="0">
+              <a:schemeClr val="accent1"/>
+            </a:effectRef>
+            <a:fontRef idx="minor">
+              <a:schemeClr val="lt1"/>
+            </a:fontRef>
+          </p:style>
+          <p:txBody>
+            <a:bodyPr rtlCol="0" anchor="ctr"/>
+            <a:lstStyle/>
+            <a:p>
+              <a:pPr algn="ctr"/>
+              <a:endParaRPr lang="en-GB"/>
+            </a:p>
+          </p:txBody>
+        </p:sp>
+      </p:grpSp>
+      <p:grpSp>
+        <p:nvGrpSpPr>
+          <p:cNvPr id="88" name="Group 87">
+            <a:extLst>
+              <a:ext uri="{FF2B5EF4-FFF2-40B4-BE49-F238E27FC236}">
+                <a16:creationId xmlns:a16="http://schemas.microsoft.com/office/drawing/2014/main" id="{90126F34-CD92-4AF7-A17C-8BADB4305CBC}"/>
+              </a:ext>
+            </a:extLst>
+          </p:cNvPr>
+          <p:cNvGrpSpPr/>
+          <p:nvPr/>
+        </p:nvGrpSpPr>
+        <p:grpSpPr>
+          <a:xfrm>
+            <a:off x="6030448" y="2277209"/>
+            <a:ext cx="483577" cy="923330"/>
+            <a:chOff x="1714500" y="1591408"/>
+            <a:chExt cx="483577" cy="923330"/>
+          </a:xfrm>
+        </p:grpSpPr>
+        <p:sp>
+          <p:nvSpPr>
+            <p:cNvPr id="89" name="Rectangle 88">
+              <a:extLst>
+                <a:ext uri="{FF2B5EF4-FFF2-40B4-BE49-F238E27FC236}">
+                  <a16:creationId xmlns:a16="http://schemas.microsoft.com/office/drawing/2014/main" id="{8ABE7218-DADF-4C43-A0F2-A5C10087F9D4}"/>
+                </a:ext>
+              </a:extLst>
+            </p:cNvPr>
+            <p:cNvSpPr/>
+            <p:nvPr/>
+          </p:nvSpPr>
+          <p:spPr>
+            <a:xfrm>
+              <a:off x="1714500" y="1591408"/>
+              <a:ext cx="483577" cy="461665"/>
+            </a:xfrm>
+            <a:prstGeom prst="rect">
+              <a:avLst/>
+            </a:prstGeom>
+          </p:spPr>
+          <p:style>
+            <a:lnRef idx="2">
+              <a:schemeClr val="accent1">
+                <a:shade val="50000"/>
+              </a:schemeClr>
+            </a:lnRef>
+            <a:fillRef idx="1">
+              <a:schemeClr val="accent1"/>
+            </a:fillRef>
+            <a:effectRef idx="0">
+              <a:schemeClr val="accent1"/>
+            </a:effectRef>
+            <a:fontRef idx="minor">
+              <a:schemeClr val="lt1"/>
+            </a:fontRef>
+          </p:style>
+          <p:txBody>
+            <a:bodyPr rtlCol="0" anchor="ctr"/>
+            <a:lstStyle/>
+            <a:p>
+              <a:pPr algn="ctr"/>
+              <a:endParaRPr lang="en-GB"/>
+            </a:p>
+          </p:txBody>
+        </p:sp>
+        <p:sp>
+          <p:nvSpPr>
+            <p:cNvPr id="90" name="Rectangle 89">
+              <a:extLst>
+                <a:ext uri="{FF2B5EF4-FFF2-40B4-BE49-F238E27FC236}">
+                  <a16:creationId xmlns:a16="http://schemas.microsoft.com/office/drawing/2014/main" id="{01DEF27C-D1E8-4599-A887-80CB537D4C27}"/>
+                </a:ext>
+              </a:extLst>
+            </p:cNvPr>
+            <p:cNvSpPr/>
+            <p:nvPr/>
+          </p:nvSpPr>
+          <p:spPr>
+            <a:xfrm>
+              <a:off x="1714500" y="2053073"/>
+              <a:ext cx="483577" cy="461665"/>
+            </a:xfrm>
+            <a:prstGeom prst="rect">
+              <a:avLst/>
+            </a:prstGeom>
+            <a:solidFill>
+              <a:schemeClr val="accent3"/>
+            </a:solidFill>
+          </p:spPr>
+          <p:style>
+            <a:lnRef idx="2">
+              <a:schemeClr val="accent1">
+                <a:shade val="50000"/>
+              </a:schemeClr>
+            </a:lnRef>
+            <a:fillRef idx="1">
+              <a:schemeClr val="accent1"/>
+            </a:fillRef>
+            <a:effectRef idx="0">
+              <a:schemeClr val="accent1"/>
+            </a:effectRef>
+            <a:fontRef idx="minor">
+              <a:schemeClr val="lt1"/>
+            </a:fontRef>
+          </p:style>
+          <p:txBody>
+            <a:bodyPr rtlCol="0" anchor="ctr"/>
+            <a:lstStyle/>
+            <a:p>
+              <a:pPr algn="ctr"/>
+              <a:endParaRPr lang="en-GB"/>
+            </a:p>
+          </p:txBody>
+        </p:sp>
+      </p:grpSp>
+      <p:grpSp>
+        <p:nvGrpSpPr>
+          <p:cNvPr id="91" name="Group 90">
+            <a:extLst>
+              <a:ext uri="{FF2B5EF4-FFF2-40B4-BE49-F238E27FC236}">
+                <a16:creationId xmlns:a16="http://schemas.microsoft.com/office/drawing/2014/main" id="{31783236-903A-49A5-94CE-86B348EDF3AA}"/>
+              </a:ext>
+            </a:extLst>
+          </p:cNvPr>
+          <p:cNvGrpSpPr/>
+          <p:nvPr/>
+        </p:nvGrpSpPr>
+        <p:grpSpPr>
+          <a:xfrm>
+            <a:off x="6540876" y="2277209"/>
+            <a:ext cx="483577" cy="923330"/>
+            <a:chOff x="1714500" y="1591408"/>
+            <a:chExt cx="483577" cy="923330"/>
+          </a:xfrm>
+        </p:grpSpPr>
+        <p:sp>
+          <p:nvSpPr>
+            <p:cNvPr id="92" name="Rectangle 91">
+              <a:extLst>
+                <a:ext uri="{FF2B5EF4-FFF2-40B4-BE49-F238E27FC236}">
+                  <a16:creationId xmlns:a16="http://schemas.microsoft.com/office/drawing/2014/main" id="{C880895A-B6A5-498A-A0F5-35727C2C6514}"/>
+                </a:ext>
+              </a:extLst>
+            </p:cNvPr>
+            <p:cNvSpPr/>
+            <p:nvPr/>
+          </p:nvSpPr>
+          <p:spPr>
+            <a:xfrm>
+              <a:off x="1714500" y="1591408"/>
+              <a:ext cx="483577" cy="461665"/>
+            </a:xfrm>
+            <a:prstGeom prst="rect">
+              <a:avLst/>
+            </a:prstGeom>
+          </p:spPr>
+          <p:style>
+            <a:lnRef idx="2">
+              <a:schemeClr val="accent1">
+                <a:shade val="50000"/>
+              </a:schemeClr>
+            </a:lnRef>
+            <a:fillRef idx="1">
+              <a:schemeClr val="accent1"/>
+            </a:fillRef>
+            <a:effectRef idx="0">
+              <a:schemeClr val="accent1"/>
+            </a:effectRef>
+            <a:fontRef idx="minor">
+              <a:schemeClr val="lt1"/>
+            </a:fontRef>
+          </p:style>
+          <p:txBody>
+            <a:bodyPr rtlCol="0" anchor="ctr"/>
+            <a:lstStyle/>
+            <a:p>
+              <a:pPr algn="ctr"/>
+              <a:endParaRPr lang="en-GB"/>
+            </a:p>
+          </p:txBody>
+        </p:sp>
+        <p:sp>
+          <p:nvSpPr>
+            <p:cNvPr id="93" name="Rectangle 92">
+              <a:extLst>
+                <a:ext uri="{FF2B5EF4-FFF2-40B4-BE49-F238E27FC236}">
+                  <a16:creationId xmlns:a16="http://schemas.microsoft.com/office/drawing/2014/main" id="{3EB03234-A890-4E93-8A6D-A6733CE954D7}"/>
+                </a:ext>
+              </a:extLst>
+            </p:cNvPr>
+            <p:cNvSpPr/>
+            <p:nvPr/>
+          </p:nvSpPr>
+          <p:spPr>
+            <a:xfrm>
+              <a:off x="1714500" y="2053073"/>
+              <a:ext cx="483577" cy="461665"/>
+            </a:xfrm>
+            <a:prstGeom prst="rect">
+              <a:avLst/>
+            </a:prstGeom>
+            <a:solidFill>
+              <a:schemeClr val="accent3"/>
+            </a:solidFill>
+          </p:spPr>
+          <p:style>
+            <a:lnRef idx="2">
+              <a:schemeClr val="accent1">
+                <a:shade val="50000"/>
+              </a:schemeClr>
+            </a:lnRef>
+            <a:fillRef idx="1">
+              <a:schemeClr val="accent1"/>
+            </a:fillRef>
+            <a:effectRef idx="0">
+              <a:schemeClr val="accent1"/>
+            </a:effectRef>
+            <a:fontRef idx="minor">
+              <a:schemeClr val="lt1"/>
+            </a:fontRef>
+          </p:style>
+          <p:txBody>
+            <a:bodyPr rtlCol="0" anchor="ctr"/>
+            <a:lstStyle/>
+            <a:p>
+              <a:pPr algn="ctr"/>
+              <a:endParaRPr lang="en-GB"/>
+            </a:p>
+          </p:txBody>
+        </p:sp>
+      </p:grpSp>
+      <p:grpSp>
+        <p:nvGrpSpPr>
+          <p:cNvPr id="94" name="Group 93">
+            <a:extLst>
+              <a:ext uri="{FF2B5EF4-FFF2-40B4-BE49-F238E27FC236}">
+                <a16:creationId xmlns:a16="http://schemas.microsoft.com/office/drawing/2014/main" id="{6D5FF56C-3F65-4BD2-A022-48C094AE7C2D}"/>
+              </a:ext>
+            </a:extLst>
+          </p:cNvPr>
+          <p:cNvGrpSpPr/>
+          <p:nvPr/>
+        </p:nvGrpSpPr>
+        <p:grpSpPr>
+          <a:xfrm>
+            <a:off x="7051304" y="2277209"/>
+            <a:ext cx="483577" cy="923330"/>
+            <a:chOff x="1714500" y="1591408"/>
+            <a:chExt cx="483577" cy="923330"/>
+          </a:xfrm>
+        </p:grpSpPr>
+        <p:sp>
+          <p:nvSpPr>
+            <p:cNvPr id="95" name="Rectangle 94">
+              <a:extLst>
+                <a:ext uri="{FF2B5EF4-FFF2-40B4-BE49-F238E27FC236}">
+                  <a16:creationId xmlns:a16="http://schemas.microsoft.com/office/drawing/2014/main" id="{97100DA1-E118-4937-B909-4F118BB4AF08}"/>
+                </a:ext>
+              </a:extLst>
+            </p:cNvPr>
+            <p:cNvSpPr/>
+            <p:nvPr/>
+          </p:nvSpPr>
+          <p:spPr>
+            <a:xfrm>
+              <a:off x="1714500" y="1591408"/>
+              <a:ext cx="483577" cy="461665"/>
+            </a:xfrm>
+            <a:prstGeom prst="rect">
+              <a:avLst/>
+            </a:prstGeom>
+          </p:spPr>
+          <p:style>
+            <a:lnRef idx="2">
+              <a:schemeClr val="accent1">
+                <a:shade val="50000"/>
+              </a:schemeClr>
+            </a:lnRef>
+            <a:fillRef idx="1">
+              <a:schemeClr val="accent1"/>
+            </a:fillRef>
+            <a:effectRef idx="0">
+              <a:schemeClr val="accent1"/>
+            </a:effectRef>
+            <a:fontRef idx="minor">
+              <a:schemeClr val="lt1"/>
+            </a:fontRef>
+          </p:style>
+          <p:txBody>
+            <a:bodyPr rtlCol="0" anchor="ctr"/>
+            <a:lstStyle/>
+            <a:p>
+              <a:pPr algn="ctr"/>
+              <a:endParaRPr lang="en-GB"/>
+            </a:p>
+          </p:txBody>
+        </p:sp>
+        <p:sp>
+          <p:nvSpPr>
+            <p:cNvPr id="96" name="Rectangle 95">
+              <a:extLst>
+                <a:ext uri="{FF2B5EF4-FFF2-40B4-BE49-F238E27FC236}">
+                  <a16:creationId xmlns:a16="http://schemas.microsoft.com/office/drawing/2014/main" id="{AE6E58DF-EFB3-42EA-9F73-994E58E99182}"/>
+                </a:ext>
+              </a:extLst>
+            </p:cNvPr>
+            <p:cNvSpPr/>
+            <p:nvPr/>
+          </p:nvSpPr>
+          <p:spPr>
+            <a:xfrm>
+              <a:off x="1714500" y="2053073"/>
+              <a:ext cx="483577" cy="461665"/>
+            </a:xfrm>
+            <a:prstGeom prst="rect">
+              <a:avLst/>
+            </a:prstGeom>
+            <a:solidFill>
+              <a:schemeClr val="accent3"/>
+            </a:solidFill>
+          </p:spPr>
+          <p:style>
+            <a:lnRef idx="2">
+              <a:schemeClr val="accent1">
+                <a:shade val="50000"/>
+              </a:schemeClr>
+            </a:lnRef>
+            <a:fillRef idx="1">
+              <a:schemeClr val="accent1"/>
+            </a:fillRef>
+            <a:effectRef idx="0">
+              <a:schemeClr val="accent1"/>
+            </a:effectRef>
+            <a:fontRef idx="minor">
+              <a:schemeClr val="lt1"/>
+            </a:fontRef>
+          </p:style>
+          <p:txBody>
+            <a:bodyPr rtlCol="0" anchor="ctr"/>
+            <a:lstStyle/>
+            <a:p>
+              <a:pPr algn="ctr"/>
+              <a:endParaRPr lang="en-GB"/>
+            </a:p>
+          </p:txBody>
+        </p:sp>
+      </p:grpSp>
+      <p:grpSp>
+        <p:nvGrpSpPr>
+          <p:cNvPr id="97" name="Group 96">
+            <a:extLst>
+              <a:ext uri="{FF2B5EF4-FFF2-40B4-BE49-F238E27FC236}">
+                <a16:creationId xmlns:a16="http://schemas.microsoft.com/office/drawing/2014/main" id="{CDE9CFCF-A8CD-4AF7-AE7D-668BCF3FDBBA}"/>
+              </a:ext>
+            </a:extLst>
+          </p:cNvPr>
+          <p:cNvGrpSpPr/>
+          <p:nvPr/>
+        </p:nvGrpSpPr>
+        <p:grpSpPr>
+          <a:xfrm>
+            <a:off x="7561732" y="2277209"/>
+            <a:ext cx="483577" cy="923330"/>
+            <a:chOff x="1714500" y="1591408"/>
+            <a:chExt cx="483577" cy="923330"/>
+          </a:xfrm>
+        </p:grpSpPr>
+        <p:sp>
+          <p:nvSpPr>
+            <p:cNvPr id="98" name="Rectangle 97">
+              <a:extLst>
+                <a:ext uri="{FF2B5EF4-FFF2-40B4-BE49-F238E27FC236}">
+                  <a16:creationId xmlns:a16="http://schemas.microsoft.com/office/drawing/2014/main" id="{2FD4FFBA-AF67-405D-9E48-C91DFD75D10B}"/>
+                </a:ext>
+              </a:extLst>
+            </p:cNvPr>
+            <p:cNvSpPr/>
+            <p:nvPr/>
+          </p:nvSpPr>
+          <p:spPr>
+            <a:xfrm>
+              <a:off x="1714500" y="1591408"/>
+              <a:ext cx="483577" cy="461665"/>
+            </a:xfrm>
+            <a:prstGeom prst="rect">
+              <a:avLst/>
+            </a:prstGeom>
+          </p:spPr>
+          <p:style>
+            <a:lnRef idx="2">
+              <a:schemeClr val="accent1">
+                <a:shade val="50000"/>
+              </a:schemeClr>
+            </a:lnRef>
+            <a:fillRef idx="1">
+              <a:schemeClr val="accent1"/>
+            </a:fillRef>
+            <a:effectRef idx="0">
+              <a:schemeClr val="accent1"/>
+            </a:effectRef>
+            <a:fontRef idx="minor">
+              <a:schemeClr val="lt1"/>
+            </a:fontRef>
+          </p:style>
+          <p:txBody>
+            <a:bodyPr rtlCol="0" anchor="ctr"/>
+            <a:lstStyle/>
+            <a:p>
+              <a:pPr algn="ctr"/>
+              <a:endParaRPr lang="en-GB"/>
+            </a:p>
+          </p:txBody>
+        </p:sp>
+        <p:sp>
+          <p:nvSpPr>
+            <p:cNvPr id="99" name="Rectangle 98">
+              <a:extLst>
+                <a:ext uri="{FF2B5EF4-FFF2-40B4-BE49-F238E27FC236}">
+                  <a16:creationId xmlns:a16="http://schemas.microsoft.com/office/drawing/2014/main" id="{1FFF5589-8088-48C7-8E53-CC6448ACE929}"/>
+                </a:ext>
+              </a:extLst>
+            </p:cNvPr>
+            <p:cNvSpPr/>
+            <p:nvPr/>
+          </p:nvSpPr>
+          <p:spPr>
+            <a:xfrm>
+              <a:off x="1714500" y="2053073"/>
+              <a:ext cx="483577" cy="461665"/>
+            </a:xfrm>
+            <a:prstGeom prst="rect">
+              <a:avLst/>
+            </a:prstGeom>
+            <a:solidFill>
+              <a:schemeClr val="accent3"/>
+            </a:solidFill>
+          </p:spPr>
+          <p:style>
+            <a:lnRef idx="2">
+              <a:schemeClr val="accent1">
+                <a:shade val="50000"/>
+              </a:schemeClr>
+            </a:lnRef>
+            <a:fillRef idx="1">
+              <a:schemeClr val="accent1"/>
+            </a:fillRef>
+            <a:effectRef idx="0">
+              <a:schemeClr val="accent1"/>
+            </a:effectRef>
+            <a:fontRef idx="minor">
+              <a:schemeClr val="lt1"/>
+            </a:fontRef>
+          </p:style>
+          <p:txBody>
+            <a:bodyPr rtlCol="0" anchor="ctr"/>
+            <a:lstStyle/>
+            <a:p>
+              <a:pPr algn="ctr"/>
+              <a:endParaRPr lang="en-GB"/>
+            </a:p>
+          </p:txBody>
+        </p:sp>
+      </p:grpSp>
+      <p:grpSp>
+        <p:nvGrpSpPr>
+          <p:cNvPr id="100" name="Group 99">
+            <a:extLst>
+              <a:ext uri="{FF2B5EF4-FFF2-40B4-BE49-F238E27FC236}">
+                <a16:creationId xmlns:a16="http://schemas.microsoft.com/office/drawing/2014/main" id="{0E8E05D6-EBF1-4846-A6F4-00C59AA61F99}"/>
+              </a:ext>
+            </a:extLst>
+          </p:cNvPr>
+          <p:cNvGrpSpPr/>
+          <p:nvPr/>
+        </p:nvGrpSpPr>
+        <p:grpSpPr>
+          <a:xfrm>
+            <a:off x="8072160" y="2277209"/>
+            <a:ext cx="483577" cy="923330"/>
+            <a:chOff x="1714500" y="1591408"/>
+            <a:chExt cx="483577" cy="923330"/>
+          </a:xfrm>
+        </p:grpSpPr>
+        <p:sp>
+          <p:nvSpPr>
+            <p:cNvPr id="101" name="Rectangle 100">
+              <a:extLst>
+                <a:ext uri="{FF2B5EF4-FFF2-40B4-BE49-F238E27FC236}">
+                  <a16:creationId xmlns:a16="http://schemas.microsoft.com/office/drawing/2014/main" id="{56EBD5DD-06CA-43A2-8973-4C7699E7EE12}"/>
+                </a:ext>
+              </a:extLst>
+            </p:cNvPr>
+            <p:cNvSpPr/>
+            <p:nvPr/>
+          </p:nvSpPr>
+          <p:spPr>
+            <a:xfrm>
+              <a:off x="1714500" y="1591408"/>
+              <a:ext cx="483577" cy="461665"/>
+            </a:xfrm>
+            <a:prstGeom prst="rect">
+              <a:avLst/>
+            </a:prstGeom>
+          </p:spPr>
+          <p:style>
+            <a:lnRef idx="2">
+              <a:schemeClr val="accent1">
+                <a:shade val="50000"/>
+              </a:schemeClr>
+            </a:lnRef>
+            <a:fillRef idx="1">
+              <a:schemeClr val="accent1"/>
+            </a:fillRef>
+            <a:effectRef idx="0">
+              <a:schemeClr val="accent1"/>
+            </a:effectRef>
+            <a:fontRef idx="minor">
+              <a:schemeClr val="lt1"/>
+            </a:fontRef>
+          </p:style>
+          <p:txBody>
+            <a:bodyPr rtlCol="0" anchor="ctr"/>
+            <a:lstStyle/>
+            <a:p>
+              <a:pPr algn="ctr"/>
+              <a:endParaRPr lang="en-GB"/>
+            </a:p>
+          </p:txBody>
+        </p:sp>
+        <p:sp>
+          <p:nvSpPr>
+            <p:cNvPr id="102" name="Rectangle 101">
+              <a:extLst>
+                <a:ext uri="{FF2B5EF4-FFF2-40B4-BE49-F238E27FC236}">
+                  <a16:creationId xmlns:a16="http://schemas.microsoft.com/office/drawing/2014/main" id="{6983935F-C07A-4BDB-AE11-492009F7FBB8}"/>
+                </a:ext>
+              </a:extLst>
+            </p:cNvPr>
+            <p:cNvSpPr/>
+            <p:nvPr/>
+          </p:nvSpPr>
+          <p:spPr>
+            <a:xfrm>
+              <a:off x="1714500" y="2053073"/>
+              <a:ext cx="483577" cy="461665"/>
+            </a:xfrm>
+            <a:prstGeom prst="rect">
+              <a:avLst/>
+            </a:prstGeom>
+            <a:solidFill>
+              <a:schemeClr val="accent3"/>
+            </a:solidFill>
+          </p:spPr>
+          <p:style>
+            <a:lnRef idx="2">
+              <a:schemeClr val="accent1">
+                <a:shade val="50000"/>
+              </a:schemeClr>
+            </a:lnRef>
+            <a:fillRef idx="1">
+              <a:schemeClr val="accent1"/>
+            </a:fillRef>
+            <a:effectRef idx="0">
+              <a:schemeClr val="accent1"/>
+            </a:effectRef>
+            <a:fontRef idx="minor">
+              <a:schemeClr val="lt1"/>
+            </a:fontRef>
+          </p:style>
+          <p:txBody>
+            <a:bodyPr rtlCol="0" anchor="ctr"/>
+            <a:lstStyle/>
+            <a:p>
+              <a:pPr algn="ctr"/>
+              <a:endParaRPr lang="en-GB"/>
+            </a:p>
+          </p:txBody>
+        </p:sp>
+      </p:grpSp>
+      <p:grpSp>
+        <p:nvGrpSpPr>
+          <p:cNvPr id="103" name="Group 102">
+            <a:extLst>
+              <a:ext uri="{FF2B5EF4-FFF2-40B4-BE49-F238E27FC236}">
+                <a16:creationId xmlns:a16="http://schemas.microsoft.com/office/drawing/2014/main" id="{BC94F5B2-86A9-4407-82AA-F2E5B6CA70FD}"/>
+              </a:ext>
+            </a:extLst>
+          </p:cNvPr>
+          <p:cNvGrpSpPr/>
+          <p:nvPr/>
+        </p:nvGrpSpPr>
+        <p:grpSpPr>
+          <a:xfrm>
+            <a:off x="8582588" y="2277209"/>
+            <a:ext cx="483577" cy="923330"/>
+            <a:chOff x="1714500" y="1591408"/>
+            <a:chExt cx="483577" cy="923330"/>
+          </a:xfrm>
+        </p:grpSpPr>
+        <p:sp>
+          <p:nvSpPr>
+            <p:cNvPr id="104" name="Rectangle 103">
+              <a:extLst>
+                <a:ext uri="{FF2B5EF4-FFF2-40B4-BE49-F238E27FC236}">
+                  <a16:creationId xmlns:a16="http://schemas.microsoft.com/office/drawing/2014/main" id="{35CB2E4D-444F-49CE-AC5B-BE2B162F49A8}"/>
+                </a:ext>
+              </a:extLst>
+            </p:cNvPr>
+            <p:cNvSpPr/>
+            <p:nvPr/>
+          </p:nvSpPr>
+          <p:spPr>
+            <a:xfrm>
+              <a:off x="1714500" y="1591408"/>
+              <a:ext cx="483577" cy="461665"/>
+            </a:xfrm>
+            <a:prstGeom prst="rect">
+              <a:avLst/>
+            </a:prstGeom>
+          </p:spPr>
+          <p:style>
+            <a:lnRef idx="2">
+              <a:schemeClr val="accent1">
+                <a:shade val="50000"/>
+              </a:schemeClr>
+            </a:lnRef>
+            <a:fillRef idx="1">
+              <a:schemeClr val="accent1"/>
+            </a:fillRef>
+            <a:effectRef idx="0">
+              <a:schemeClr val="accent1"/>
+            </a:effectRef>
+            <a:fontRef idx="minor">
+              <a:schemeClr val="lt1"/>
+            </a:fontRef>
+          </p:style>
+          <p:txBody>
+            <a:bodyPr rtlCol="0" anchor="ctr"/>
+            <a:lstStyle/>
+            <a:p>
+              <a:pPr algn="ctr"/>
+              <a:endParaRPr lang="en-GB"/>
+            </a:p>
+          </p:txBody>
+        </p:sp>
+        <p:sp>
+          <p:nvSpPr>
+            <p:cNvPr id="105" name="Rectangle 104">
+              <a:extLst>
+                <a:ext uri="{FF2B5EF4-FFF2-40B4-BE49-F238E27FC236}">
+                  <a16:creationId xmlns:a16="http://schemas.microsoft.com/office/drawing/2014/main" id="{7E17953F-03B0-4346-A774-BCEA65AE2A45}"/>
+                </a:ext>
+              </a:extLst>
+            </p:cNvPr>
+            <p:cNvSpPr/>
+            <p:nvPr/>
+          </p:nvSpPr>
+          <p:spPr>
+            <a:xfrm>
+              <a:off x="1714500" y="2053073"/>
+              <a:ext cx="483577" cy="461665"/>
+            </a:xfrm>
+            <a:prstGeom prst="rect">
+              <a:avLst/>
+            </a:prstGeom>
+            <a:solidFill>
+              <a:schemeClr val="accent3"/>
+            </a:solidFill>
+          </p:spPr>
+          <p:style>
+            <a:lnRef idx="2">
+              <a:schemeClr val="accent1">
+                <a:shade val="50000"/>
+              </a:schemeClr>
+            </a:lnRef>
+            <a:fillRef idx="1">
+              <a:schemeClr val="accent1"/>
+            </a:fillRef>
+            <a:effectRef idx="0">
+              <a:schemeClr val="accent1"/>
+            </a:effectRef>
+            <a:fontRef idx="minor">
+              <a:schemeClr val="lt1"/>
+            </a:fontRef>
+          </p:style>
+          <p:txBody>
+            <a:bodyPr rtlCol="0" anchor="ctr"/>
+            <a:lstStyle/>
+            <a:p>
+              <a:pPr algn="ctr"/>
+              <a:endParaRPr lang="en-GB"/>
+            </a:p>
+          </p:txBody>
+        </p:sp>
+      </p:grpSp>
+      <p:grpSp>
+        <p:nvGrpSpPr>
+          <p:cNvPr id="106" name="Group 105">
+            <a:extLst>
+              <a:ext uri="{FF2B5EF4-FFF2-40B4-BE49-F238E27FC236}">
+                <a16:creationId xmlns:a16="http://schemas.microsoft.com/office/drawing/2014/main" id="{0856BEC6-759B-4559-A821-6865EBAE74B0}"/>
+              </a:ext>
+            </a:extLst>
+          </p:cNvPr>
+          <p:cNvGrpSpPr/>
+          <p:nvPr/>
+        </p:nvGrpSpPr>
+        <p:grpSpPr>
+          <a:xfrm>
+            <a:off x="9093016" y="2277209"/>
+            <a:ext cx="483577" cy="923330"/>
+            <a:chOff x="1714500" y="1591408"/>
+            <a:chExt cx="483577" cy="923330"/>
+          </a:xfrm>
+        </p:grpSpPr>
+        <p:sp>
+          <p:nvSpPr>
+            <p:cNvPr id="107" name="Rectangle 106">
+              <a:extLst>
+                <a:ext uri="{FF2B5EF4-FFF2-40B4-BE49-F238E27FC236}">
+                  <a16:creationId xmlns:a16="http://schemas.microsoft.com/office/drawing/2014/main" id="{2A462202-987D-4F83-9638-C76E62A60418}"/>
+                </a:ext>
+              </a:extLst>
+            </p:cNvPr>
+            <p:cNvSpPr/>
+            <p:nvPr/>
+          </p:nvSpPr>
+          <p:spPr>
+            <a:xfrm>
+              <a:off x="1714500" y="1591408"/>
+              <a:ext cx="483577" cy="461665"/>
+            </a:xfrm>
+            <a:prstGeom prst="rect">
+              <a:avLst/>
+            </a:prstGeom>
+          </p:spPr>
+          <p:style>
+            <a:lnRef idx="2">
+              <a:schemeClr val="accent1">
+                <a:shade val="50000"/>
+              </a:schemeClr>
+            </a:lnRef>
+            <a:fillRef idx="1">
+              <a:schemeClr val="accent1"/>
+            </a:fillRef>
+            <a:effectRef idx="0">
+              <a:schemeClr val="accent1"/>
+            </a:effectRef>
+            <a:fontRef idx="minor">
+              <a:schemeClr val="lt1"/>
+            </a:fontRef>
+          </p:style>
+          <p:txBody>
+            <a:bodyPr rtlCol="0" anchor="ctr"/>
+            <a:lstStyle/>
+            <a:p>
+              <a:pPr algn="ctr"/>
+              <a:endParaRPr lang="en-GB"/>
+            </a:p>
+          </p:txBody>
+        </p:sp>
+        <p:sp>
+          <p:nvSpPr>
+            <p:cNvPr id="108" name="Rectangle 107">
+              <a:extLst>
+                <a:ext uri="{FF2B5EF4-FFF2-40B4-BE49-F238E27FC236}">
+                  <a16:creationId xmlns:a16="http://schemas.microsoft.com/office/drawing/2014/main" id="{B60A0148-13EA-4B56-8431-8A64277B0746}"/>
+                </a:ext>
+              </a:extLst>
+            </p:cNvPr>
+            <p:cNvSpPr/>
+            <p:nvPr/>
+          </p:nvSpPr>
+          <p:spPr>
+            <a:xfrm>
+              <a:off x="1714500" y="2053073"/>
+              <a:ext cx="483577" cy="461665"/>
+            </a:xfrm>
+            <a:prstGeom prst="rect">
+              <a:avLst/>
+            </a:prstGeom>
+            <a:solidFill>
+              <a:schemeClr val="accent3"/>
+            </a:solidFill>
+          </p:spPr>
+          <p:style>
+            <a:lnRef idx="2">
+              <a:schemeClr val="accent1">
+                <a:shade val="50000"/>
+              </a:schemeClr>
+            </a:lnRef>
+            <a:fillRef idx="1">
+              <a:schemeClr val="accent1"/>
+            </a:fillRef>
+            <a:effectRef idx="0">
+              <a:schemeClr val="accent1"/>
+            </a:effectRef>
+            <a:fontRef idx="minor">
+              <a:schemeClr val="lt1"/>
+            </a:fontRef>
+          </p:style>
+          <p:txBody>
+            <a:bodyPr rtlCol="0" anchor="ctr"/>
+            <a:lstStyle/>
+            <a:p>
+              <a:pPr algn="ctr"/>
+              <a:endParaRPr lang="en-GB"/>
+            </a:p>
+          </p:txBody>
+        </p:sp>
+      </p:grpSp>
+      <p:grpSp>
+        <p:nvGrpSpPr>
+          <p:cNvPr id="109" name="Group 108">
+            <a:extLst>
+              <a:ext uri="{FF2B5EF4-FFF2-40B4-BE49-F238E27FC236}">
+                <a16:creationId xmlns:a16="http://schemas.microsoft.com/office/drawing/2014/main" id="{D34B98E0-0412-40EC-83CA-DDCD8E108856}"/>
+              </a:ext>
+            </a:extLst>
+          </p:cNvPr>
+          <p:cNvGrpSpPr/>
+          <p:nvPr/>
+        </p:nvGrpSpPr>
+        <p:grpSpPr>
+          <a:xfrm>
+            <a:off x="9603444" y="2277209"/>
+            <a:ext cx="483577" cy="923330"/>
+            <a:chOff x="1714500" y="1591408"/>
+            <a:chExt cx="483577" cy="923330"/>
+          </a:xfrm>
+        </p:grpSpPr>
+        <p:sp>
+          <p:nvSpPr>
+            <p:cNvPr id="110" name="Rectangle 109">
+              <a:extLst>
+                <a:ext uri="{FF2B5EF4-FFF2-40B4-BE49-F238E27FC236}">
+                  <a16:creationId xmlns:a16="http://schemas.microsoft.com/office/drawing/2014/main" id="{0467851E-D0D7-4958-BC23-00D1F5119A36}"/>
+                </a:ext>
+              </a:extLst>
+            </p:cNvPr>
+            <p:cNvSpPr/>
+            <p:nvPr/>
+          </p:nvSpPr>
+          <p:spPr>
+            <a:xfrm>
+              <a:off x="1714500" y="1591408"/>
+              <a:ext cx="483577" cy="461665"/>
+            </a:xfrm>
+            <a:prstGeom prst="rect">
+              <a:avLst/>
+            </a:prstGeom>
+          </p:spPr>
+          <p:style>
+            <a:lnRef idx="2">
+              <a:schemeClr val="accent1">
+                <a:shade val="50000"/>
+              </a:schemeClr>
+            </a:lnRef>
+            <a:fillRef idx="1">
+              <a:schemeClr val="accent1"/>
+            </a:fillRef>
+            <a:effectRef idx="0">
+              <a:schemeClr val="accent1"/>
+            </a:effectRef>
+            <a:fontRef idx="minor">
+              <a:schemeClr val="lt1"/>
+            </a:fontRef>
+          </p:style>
+          <p:txBody>
+            <a:bodyPr rtlCol="0" anchor="ctr"/>
+            <a:lstStyle/>
+            <a:p>
+              <a:pPr algn="ctr"/>
+              <a:endParaRPr lang="en-GB"/>
+            </a:p>
+          </p:txBody>
+        </p:sp>
+        <p:sp>
+          <p:nvSpPr>
+            <p:cNvPr id="111" name="Rectangle 110">
+              <a:extLst>
+                <a:ext uri="{FF2B5EF4-FFF2-40B4-BE49-F238E27FC236}">
+                  <a16:creationId xmlns:a16="http://schemas.microsoft.com/office/drawing/2014/main" id="{D50F37C2-12E7-4071-95C6-AC233E28552C}"/>
+                </a:ext>
+              </a:extLst>
+            </p:cNvPr>
+            <p:cNvSpPr/>
+            <p:nvPr/>
+          </p:nvSpPr>
+          <p:spPr>
+            <a:xfrm>
+              <a:off x="1714500" y="2053073"/>
+              <a:ext cx="483577" cy="461665"/>
+            </a:xfrm>
+            <a:prstGeom prst="rect">
+              <a:avLst/>
+            </a:prstGeom>
+            <a:solidFill>
+              <a:schemeClr val="accent3"/>
+            </a:solidFill>
+          </p:spPr>
+          <p:style>
+            <a:lnRef idx="2">
+              <a:schemeClr val="accent1">
+                <a:shade val="50000"/>
+              </a:schemeClr>
+            </a:lnRef>
+            <a:fillRef idx="1">
+              <a:schemeClr val="accent1"/>
+            </a:fillRef>
+            <a:effectRef idx="0">
+              <a:schemeClr val="accent1"/>
+            </a:effectRef>
+            <a:fontRef idx="minor">
+              <a:schemeClr val="lt1"/>
+            </a:fontRef>
+          </p:style>
+          <p:txBody>
+            <a:bodyPr rtlCol="0" anchor="ctr"/>
+            <a:lstStyle/>
+            <a:p>
+              <a:pPr algn="ctr"/>
+              <a:endParaRPr lang="en-GB"/>
+            </a:p>
+          </p:txBody>
+        </p:sp>
+      </p:grpSp>
+      <p:grpSp>
+        <p:nvGrpSpPr>
+          <p:cNvPr id="112" name="Group 111">
+            <a:extLst>
+              <a:ext uri="{FF2B5EF4-FFF2-40B4-BE49-F238E27FC236}">
+                <a16:creationId xmlns:a16="http://schemas.microsoft.com/office/drawing/2014/main" id="{78101538-D19C-49A3-A639-07A5FFCDAECF}"/>
+              </a:ext>
+            </a:extLst>
+          </p:cNvPr>
+          <p:cNvGrpSpPr/>
+          <p:nvPr/>
+        </p:nvGrpSpPr>
+        <p:grpSpPr>
+          <a:xfrm>
+            <a:off x="10113872" y="2277209"/>
+            <a:ext cx="483577" cy="923330"/>
+            <a:chOff x="1714500" y="1591408"/>
+            <a:chExt cx="483577" cy="923330"/>
+          </a:xfrm>
+        </p:grpSpPr>
+        <p:sp>
+          <p:nvSpPr>
+            <p:cNvPr id="113" name="Rectangle 112">
+              <a:extLst>
+                <a:ext uri="{FF2B5EF4-FFF2-40B4-BE49-F238E27FC236}">
+                  <a16:creationId xmlns:a16="http://schemas.microsoft.com/office/drawing/2014/main" id="{F8EAD7F2-2AB1-49D2-9A9B-49D09930636A}"/>
+                </a:ext>
+              </a:extLst>
+            </p:cNvPr>
+            <p:cNvSpPr/>
+            <p:nvPr/>
+          </p:nvSpPr>
+          <p:spPr>
+            <a:xfrm>
+              <a:off x="1714500" y="1591408"/>
+              <a:ext cx="483577" cy="461665"/>
+            </a:xfrm>
+            <a:prstGeom prst="rect">
+              <a:avLst/>
+            </a:prstGeom>
+          </p:spPr>
+          <p:style>
+            <a:lnRef idx="2">
+              <a:schemeClr val="accent1">
+                <a:shade val="50000"/>
+              </a:schemeClr>
+            </a:lnRef>
+            <a:fillRef idx="1">
+              <a:schemeClr val="accent1"/>
+            </a:fillRef>
+            <a:effectRef idx="0">
+              <a:schemeClr val="accent1"/>
+            </a:effectRef>
+            <a:fontRef idx="minor">
+              <a:schemeClr val="lt1"/>
+            </a:fontRef>
+          </p:style>
+          <p:txBody>
+            <a:bodyPr rtlCol="0" anchor="ctr"/>
+            <a:lstStyle/>
+            <a:p>
+              <a:pPr algn="ctr"/>
+              <a:endParaRPr lang="en-GB"/>
+            </a:p>
+          </p:txBody>
+        </p:sp>
+        <p:sp>
+          <p:nvSpPr>
+            <p:cNvPr id="114" name="Rectangle 113">
+              <a:extLst>
+                <a:ext uri="{FF2B5EF4-FFF2-40B4-BE49-F238E27FC236}">
+                  <a16:creationId xmlns:a16="http://schemas.microsoft.com/office/drawing/2014/main" id="{C8E321B4-4C1D-4216-8242-DC175C29E1A9}"/>
+                </a:ext>
+              </a:extLst>
+            </p:cNvPr>
+            <p:cNvSpPr/>
+            <p:nvPr/>
+          </p:nvSpPr>
+          <p:spPr>
+            <a:xfrm>
+              <a:off x="1714500" y="2053073"/>
+              <a:ext cx="483577" cy="461665"/>
+            </a:xfrm>
+            <a:prstGeom prst="rect">
+              <a:avLst/>
+            </a:prstGeom>
+            <a:solidFill>
+              <a:schemeClr val="accent3"/>
+            </a:solidFill>
+          </p:spPr>
+          <p:style>
+            <a:lnRef idx="2">
+              <a:schemeClr val="accent1">
+                <a:shade val="50000"/>
+              </a:schemeClr>
+            </a:lnRef>
+            <a:fillRef idx="1">
+              <a:schemeClr val="accent1"/>
+            </a:fillRef>
+            <a:effectRef idx="0">
+              <a:schemeClr val="accent1"/>
+            </a:effectRef>
+            <a:fontRef idx="minor">
+              <a:schemeClr val="lt1"/>
+            </a:fontRef>
+          </p:style>
+          <p:txBody>
+            <a:bodyPr rtlCol="0" anchor="ctr"/>
+            <a:lstStyle/>
+            <a:p>
+              <a:pPr algn="ctr"/>
+              <a:endParaRPr lang="en-GB"/>
+            </a:p>
+          </p:txBody>
+        </p:sp>
+      </p:grpSp>
+      <p:grpSp>
+        <p:nvGrpSpPr>
+          <p:cNvPr id="115" name="Group 114">
+            <a:extLst>
+              <a:ext uri="{FF2B5EF4-FFF2-40B4-BE49-F238E27FC236}">
+                <a16:creationId xmlns:a16="http://schemas.microsoft.com/office/drawing/2014/main" id="{EC06A0E8-830F-4893-9CBC-F3C109F541FD}"/>
+              </a:ext>
+            </a:extLst>
+          </p:cNvPr>
+          <p:cNvGrpSpPr/>
+          <p:nvPr/>
+        </p:nvGrpSpPr>
+        <p:grpSpPr>
+          <a:xfrm>
+            <a:off x="10624301" y="2277209"/>
+            <a:ext cx="483577" cy="923330"/>
+            <a:chOff x="1714500" y="1591408"/>
+            <a:chExt cx="483577" cy="923330"/>
+          </a:xfrm>
+        </p:grpSpPr>
+        <p:sp>
+          <p:nvSpPr>
+            <p:cNvPr id="116" name="Rectangle 115">
+              <a:extLst>
+                <a:ext uri="{FF2B5EF4-FFF2-40B4-BE49-F238E27FC236}">
+                  <a16:creationId xmlns:a16="http://schemas.microsoft.com/office/drawing/2014/main" id="{AEBCB2F3-2AE3-4F5E-899B-2E6069B370A1}"/>
+                </a:ext>
+              </a:extLst>
+            </p:cNvPr>
+            <p:cNvSpPr/>
+            <p:nvPr/>
+          </p:nvSpPr>
+          <p:spPr>
+            <a:xfrm>
+              <a:off x="1714500" y="1591408"/>
+              <a:ext cx="483577" cy="461665"/>
+            </a:xfrm>
+            <a:prstGeom prst="rect">
+              <a:avLst/>
+            </a:prstGeom>
+          </p:spPr>
+          <p:style>
+            <a:lnRef idx="2">
+              <a:schemeClr val="accent1">
+                <a:shade val="50000"/>
+              </a:schemeClr>
+            </a:lnRef>
+            <a:fillRef idx="1">
+              <a:schemeClr val="accent1"/>
+            </a:fillRef>
+            <a:effectRef idx="0">
+              <a:schemeClr val="accent1"/>
+            </a:effectRef>
+            <a:fontRef idx="minor">
+              <a:schemeClr val="lt1"/>
+            </a:fontRef>
+          </p:style>
+          <p:txBody>
+            <a:bodyPr rtlCol="0" anchor="ctr"/>
+            <a:lstStyle/>
+            <a:p>
+              <a:pPr algn="ctr"/>
+              <a:endParaRPr lang="en-GB"/>
+            </a:p>
+          </p:txBody>
+        </p:sp>
+        <p:sp>
+          <p:nvSpPr>
+            <p:cNvPr id="117" name="Rectangle 116">
+              <a:extLst>
+                <a:ext uri="{FF2B5EF4-FFF2-40B4-BE49-F238E27FC236}">
+                  <a16:creationId xmlns:a16="http://schemas.microsoft.com/office/drawing/2014/main" id="{2421C1F6-1D56-405F-86E8-D098CF26B96C}"/>
+                </a:ext>
+              </a:extLst>
+            </p:cNvPr>
+            <p:cNvSpPr/>
+            <p:nvPr/>
+          </p:nvSpPr>
+          <p:spPr>
+            <a:xfrm>
+              <a:off x="1714500" y="2053073"/>
+              <a:ext cx="483577" cy="461665"/>
+            </a:xfrm>
+            <a:prstGeom prst="rect">
+              <a:avLst/>
+            </a:prstGeom>
+            <a:solidFill>
+              <a:schemeClr val="accent3"/>
+            </a:solidFill>
+          </p:spPr>
+          <p:style>
+            <a:lnRef idx="2">
+              <a:schemeClr val="accent1">
+                <a:shade val="50000"/>
+              </a:schemeClr>
+            </a:lnRef>
+            <a:fillRef idx="1">
+              <a:schemeClr val="accent1"/>
+            </a:fillRef>
+            <a:effectRef idx="0">
+              <a:schemeClr val="accent1"/>
+            </a:effectRef>
+            <a:fontRef idx="minor">
+              <a:schemeClr val="lt1"/>
+            </a:fontRef>
+          </p:style>
+          <p:txBody>
+            <a:bodyPr rtlCol="0" anchor="ctr"/>
+            <a:lstStyle/>
+            <a:p>
+              <a:pPr algn="ctr"/>
+              <a:endParaRPr lang="en-GB"/>
+            </a:p>
+          </p:txBody>
+        </p:sp>
+      </p:grpSp>
+      <p:sp>
+        <p:nvSpPr>
+          <p:cNvPr id="149" name="TextBox 148">
+            <a:extLst>
+              <a:ext uri="{FF2B5EF4-FFF2-40B4-BE49-F238E27FC236}">
+                <a16:creationId xmlns:a16="http://schemas.microsoft.com/office/drawing/2014/main" id="{F383D9BD-01D4-4BD7-92C8-A8722E41E7D0}"/>
+              </a:ext>
+            </a:extLst>
+          </p:cNvPr>
+          <p:cNvSpPr txBox="1"/>
+          <p:nvPr/>
+        </p:nvSpPr>
+        <p:spPr>
+          <a:xfrm>
+            <a:off x="1714500" y="1575498"/>
+            <a:ext cx="9671282" cy="461665"/>
+          </a:xfrm>
+          <a:prstGeom prst="rect">
+            <a:avLst/>
+          </a:prstGeom>
+          <a:noFill/>
+        </p:spPr>
+        <p:txBody>
+          <a:bodyPr wrap="square" rtlCol="0">
+            <a:spAutoFit/>
+          </a:bodyPr>
+          <a:lstStyle/>
+          <a:p>
+            <a:pPr algn="ctr"/>
+            <a:r>
+              <a:rPr lang="en-US" sz="2400" dirty="0"/>
+              <a:t>(sample)</a:t>
+            </a:r>
+          </a:p>
+        </p:txBody>
+      </p:sp>
+      <p:sp>
+        <p:nvSpPr>
+          <p:cNvPr id="150" name="TextBox 149">
+            <a:extLst>
+              <a:ext uri="{FF2B5EF4-FFF2-40B4-BE49-F238E27FC236}">
+                <a16:creationId xmlns:a16="http://schemas.microsoft.com/office/drawing/2014/main" id="{850C066A-EA82-4049-B39C-2492ABDEDD7E}"/>
+              </a:ext>
+            </a:extLst>
+          </p:cNvPr>
+          <p:cNvSpPr txBox="1"/>
+          <p:nvPr/>
+        </p:nvSpPr>
+        <p:spPr>
+          <a:xfrm>
+            <a:off x="10364925" y="744501"/>
+            <a:ext cx="1534319" cy="1200329"/>
+          </a:xfrm>
+          <a:prstGeom prst="rect">
+            <a:avLst/>
+          </a:prstGeom>
+          <a:noFill/>
+        </p:spPr>
+        <p:txBody>
+          <a:bodyPr wrap="square" rtlCol="0">
+            <a:spAutoFit/>
+          </a:bodyPr>
+          <a:lstStyle/>
+          <a:p>
+            <a:pPr algn="ctr"/>
+            <a:r>
+              <a:rPr lang="en-US" dirty="0"/>
+              <a:t>Attributes obtained from the same </a:t>
+            </a:r>
+            <a:r>
+              <a:rPr lang="en-US" b="1" dirty="0"/>
+              <a:t>individual</a:t>
+            </a:r>
+          </a:p>
+        </p:txBody>
+      </p:sp>
+      <p:sp>
+        <p:nvSpPr>
+          <p:cNvPr id="5" name="Rectangle: Rounded Corners 4">
+            <a:extLst>
+              <a:ext uri="{FF2B5EF4-FFF2-40B4-BE49-F238E27FC236}">
+                <a16:creationId xmlns:a16="http://schemas.microsoft.com/office/drawing/2014/main" id="{A57808D2-62D9-4A00-9BFA-560D894D15C2}"/>
+              </a:ext>
+            </a:extLst>
+          </p:cNvPr>
+          <p:cNvSpPr/>
+          <p:nvPr/>
+        </p:nvSpPr>
+        <p:spPr>
+          <a:xfrm>
+            <a:off x="1436596" y="4060877"/>
+            <a:ext cx="10184743" cy="537882"/>
+          </a:xfrm>
+          <a:prstGeom prst="roundRect">
+            <a:avLst/>
+          </a:prstGeom>
+        </p:spPr>
+        <p:style>
+          <a:lnRef idx="2">
+            <a:schemeClr val="accent1">
+              <a:shade val="50000"/>
+            </a:schemeClr>
+          </a:lnRef>
+          <a:fillRef idx="1">
+            <a:schemeClr val="accent1"/>
+          </a:fillRef>
+          <a:effectRef idx="0">
+            <a:schemeClr val="accent1"/>
+          </a:effectRef>
+          <a:fontRef idx="minor">
+            <a:schemeClr val="lt1"/>
+          </a:fontRef>
+        </p:style>
+        <p:txBody>
+          <a:bodyPr rtlCol="0" anchor="ctr"/>
+          <a:lstStyle/>
+          <a:p>
+            <a:pPr algn="ctr"/>
+            <a:r>
+              <a:rPr lang="en-GB" dirty="0"/>
+              <a:t>Sequential execution, main core</a:t>
+            </a:r>
+          </a:p>
+        </p:txBody>
+      </p:sp>
+      <p:grpSp>
+        <p:nvGrpSpPr>
+          <p:cNvPr id="151" name="Group 150">
+            <a:extLst>
+              <a:ext uri="{FF2B5EF4-FFF2-40B4-BE49-F238E27FC236}">
+                <a16:creationId xmlns:a16="http://schemas.microsoft.com/office/drawing/2014/main" id="{01C0D878-DB6E-41D1-A960-4050DFAC7396}"/>
+              </a:ext>
+            </a:extLst>
+          </p:cNvPr>
+          <p:cNvGrpSpPr/>
+          <p:nvPr/>
+        </p:nvGrpSpPr>
+        <p:grpSpPr>
+          <a:xfrm>
+            <a:off x="11137763" y="2277208"/>
+            <a:ext cx="483577" cy="923330"/>
+            <a:chOff x="1714500" y="1591408"/>
+            <a:chExt cx="483577" cy="923330"/>
+          </a:xfrm>
+        </p:grpSpPr>
+        <p:sp>
+          <p:nvSpPr>
+            <p:cNvPr id="152" name="Rectangle 151">
+              <a:extLst>
+                <a:ext uri="{FF2B5EF4-FFF2-40B4-BE49-F238E27FC236}">
+                  <a16:creationId xmlns:a16="http://schemas.microsoft.com/office/drawing/2014/main" id="{46EC6EA2-FA52-43D5-A72B-9D0026D66AF6}"/>
+                </a:ext>
+              </a:extLst>
+            </p:cNvPr>
+            <p:cNvSpPr/>
+            <p:nvPr/>
+          </p:nvSpPr>
+          <p:spPr>
+            <a:xfrm>
+              <a:off x="1714500" y="1591408"/>
+              <a:ext cx="483577" cy="461665"/>
+            </a:xfrm>
+            <a:prstGeom prst="rect">
+              <a:avLst/>
+            </a:prstGeom>
+          </p:spPr>
+          <p:style>
+            <a:lnRef idx="2">
+              <a:schemeClr val="accent1">
+                <a:shade val="50000"/>
+              </a:schemeClr>
+            </a:lnRef>
+            <a:fillRef idx="1">
+              <a:schemeClr val="accent1"/>
+            </a:fillRef>
+            <a:effectRef idx="0">
+              <a:schemeClr val="accent1"/>
+            </a:effectRef>
+            <a:fontRef idx="minor">
+              <a:schemeClr val="lt1"/>
+            </a:fontRef>
+          </p:style>
+          <p:txBody>
+            <a:bodyPr rtlCol="0" anchor="ctr"/>
+            <a:lstStyle/>
+            <a:p>
+              <a:pPr algn="ctr"/>
+              <a:endParaRPr lang="en-GB"/>
+            </a:p>
+          </p:txBody>
+        </p:sp>
+        <p:sp>
+          <p:nvSpPr>
+            <p:cNvPr id="153" name="Rectangle 152">
+              <a:extLst>
+                <a:ext uri="{FF2B5EF4-FFF2-40B4-BE49-F238E27FC236}">
+                  <a16:creationId xmlns:a16="http://schemas.microsoft.com/office/drawing/2014/main" id="{091F4F09-02E2-4D55-9540-976E4A2D6022}"/>
+                </a:ext>
+              </a:extLst>
+            </p:cNvPr>
+            <p:cNvSpPr/>
+            <p:nvPr/>
+          </p:nvSpPr>
+          <p:spPr>
+            <a:xfrm>
+              <a:off x="1714500" y="2053073"/>
+              <a:ext cx="483577" cy="461665"/>
+            </a:xfrm>
+            <a:prstGeom prst="rect">
+              <a:avLst/>
+            </a:prstGeom>
+            <a:solidFill>
+              <a:schemeClr val="accent3"/>
+            </a:solidFill>
+          </p:spPr>
+          <p:style>
+            <a:lnRef idx="2">
+              <a:schemeClr val="accent1">
+                <a:shade val="50000"/>
+              </a:schemeClr>
+            </a:lnRef>
+            <a:fillRef idx="1">
+              <a:schemeClr val="accent1"/>
+            </a:fillRef>
+            <a:effectRef idx="0">
+              <a:schemeClr val="accent1"/>
+            </a:effectRef>
+            <a:fontRef idx="minor">
+              <a:schemeClr val="lt1"/>
+            </a:fontRef>
+          </p:style>
+          <p:txBody>
+            <a:bodyPr rtlCol="0" anchor="ctr"/>
+            <a:lstStyle/>
+            <a:p>
+              <a:pPr algn="ctr"/>
+              <a:endParaRPr lang="en-GB"/>
+            </a:p>
+          </p:txBody>
+        </p:sp>
+      </p:grpSp>
+      <mc:AlternateContent xmlns:mc="http://schemas.openxmlformats.org/markup-compatibility/2006">
+        <mc:Choice xmlns:p14="http://schemas.microsoft.com/office/powerpoint/2010/main" Requires="p14">
+          <p:contentPart p14:bwMode="auto" r:id="rId2">
+            <p14:nvContentPartPr>
+              <p14:cNvPr id="148" name="Ink 147">
+                <a:extLst>
+                  <a:ext uri="{FF2B5EF4-FFF2-40B4-BE49-F238E27FC236}">
+                    <a16:creationId xmlns:a16="http://schemas.microsoft.com/office/drawing/2014/main" id="{D74413D8-2F39-4536-8D5C-5C4EDB8A1E14}"/>
+                  </a:ext>
+                </a:extLst>
+              </p14:cNvPr>
+              <p14:cNvContentPartPr/>
+              <p14:nvPr/>
+            </p14:nvContentPartPr>
+            <p14:xfrm>
+              <a:off x="11157419" y="1930860"/>
+              <a:ext cx="483577" cy="1431360"/>
+            </p14:xfrm>
+          </p:contentPart>
+        </mc:Choice>
+        <mc:Fallback>
+          <p:pic>
+            <p:nvPicPr>
+              <p:cNvPr id="148" name="Ink 147">
+                <a:extLst>
+                  <a:ext uri="{FF2B5EF4-FFF2-40B4-BE49-F238E27FC236}">
+                    <a16:creationId xmlns:a16="http://schemas.microsoft.com/office/drawing/2014/main" id="{D74413D8-2F39-4536-8D5C-5C4EDB8A1E14}"/>
+                  </a:ext>
+                </a:extLst>
+              </p:cNvPr>
+              <p:cNvPicPr/>
+              <p:nvPr/>
+            </p:nvPicPr>
+            <p:blipFill>
+              <a:blip r:embed="rId3"/>
+              <a:stretch>
+                <a:fillRect/>
+              </a:stretch>
+            </p:blipFill>
+            <p:spPr>
+              <a:xfrm>
+                <a:off x="11103448" y="1822860"/>
+                <a:ext cx="591158" cy="1647000"/>
+              </a:xfrm>
+              <a:prstGeom prst="rect">
+                <a:avLst/>
+              </a:prstGeom>
+            </p:spPr>
+          </p:pic>
+        </mc:Fallback>
+      </mc:AlternateContent>
+      <p:sp>
+        <p:nvSpPr>
+          <p:cNvPr id="155" name="Rectangle 154">
+            <a:extLst>
+              <a:ext uri="{FF2B5EF4-FFF2-40B4-BE49-F238E27FC236}">
+                <a16:creationId xmlns:a16="http://schemas.microsoft.com/office/drawing/2014/main" id="{80462AEA-3D40-456D-AE39-74CE9659E588}"/>
+              </a:ext>
+            </a:extLst>
+          </p:cNvPr>
+          <p:cNvSpPr/>
+          <p:nvPr/>
+        </p:nvSpPr>
+        <p:spPr>
+          <a:xfrm>
+            <a:off x="1436595" y="5493468"/>
+            <a:ext cx="483577" cy="461665"/>
+          </a:xfrm>
+          <a:prstGeom prst="rect">
+            <a:avLst/>
+          </a:prstGeom>
+          <a:solidFill>
+            <a:schemeClr val="accent6">
+              <a:lumMod val="60000"/>
+              <a:lumOff val="40000"/>
+            </a:schemeClr>
+          </a:solidFill>
+        </p:spPr>
+        <p:style>
+          <a:lnRef idx="2">
+            <a:schemeClr val="accent1">
+              <a:shade val="50000"/>
+            </a:schemeClr>
+          </a:lnRef>
+          <a:fillRef idx="1">
+            <a:schemeClr val="accent1"/>
+          </a:fillRef>
+          <a:effectRef idx="0">
+            <a:schemeClr val="accent1"/>
+          </a:effectRef>
+          <a:fontRef idx="minor">
+            <a:schemeClr val="lt1"/>
+          </a:fontRef>
+        </p:style>
+        <p:txBody>
+          <a:bodyPr rtlCol="0" anchor="ctr"/>
+          <a:lstStyle/>
+          <a:p>
+            <a:pPr algn="ctr"/>
+            <a:endParaRPr lang="en-GB"/>
+          </a:p>
+        </p:txBody>
+      </p:sp>
+      <p:sp>
+        <p:nvSpPr>
+          <p:cNvPr id="158" name="Rectangle 157">
+            <a:extLst>
+              <a:ext uri="{FF2B5EF4-FFF2-40B4-BE49-F238E27FC236}">
+                <a16:creationId xmlns:a16="http://schemas.microsoft.com/office/drawing/2014/main" id="{E8CB7802-CF0F-4736-B43D-F1E73C9347D9}"/>
+              </a:ext>
+            </a:extLst>
+          </p:cNvPr>
+          <p:cNvSpPr/>
+          <p:nvPr/>
+        </p:nvSpPr>
+        <p:spPr>
+          <a:xfrm>
+            <a:off x="1947023" y="5493468"/>
+            <a:ext cx="483577" cy="461665"/>
+          </a:xfrm>
+          <a:prstGeom prst="rect">
+            <a:avLst/>
+          </a:prstGeom>
+          <a:solidFill>
+            <a:schemeClr val="accent6">
+              <a:lumMod val="60000"/>
+              <a:lumOff val="40000"/>
+            </a:schemeClr>
+          </a:solidFill>
+        </p:spPr>
+        <p:style>
+          <a:lnRef idx="2">
+            <a:schemeClr val="accent1">
+              <a:shade val="50000"/>
+            </a:schemeClr>
+          </a:lnRef>
+          <a:fillRef idx="1">
+            <a:schemeClr val="accent1"/>
+          </a:fillRef>
+          <a:effectRef idx="0">
+            <a:schemeClr val="accent1"/>
+          </a:effectRef>
+          <a:fontRef idx="minor">
+            <a:schemeClr val="lt1"/>
+          </a:fontRef>
+        </p:style>
+        <p:txBody>
+          <a:bodyPr rtlCol="0" anchor="ctr"/>
+          <a:lstStyle/>
+          <a:p>
+            <a:pPr algn="ctr"/>
+            <a:endParaRPr lang="en-GB"/>
+          </a:p>
+        </p:txBody>
+      </p:sp>
+      <p:sp>
+        <p:nvSpPr>
+          <p:cNvPr id="161" name="Rectangle 160">
+            <a:extLst>
+              <a:ext uri="{FF2B5EF4-FFF2-40B4-BE49-F238E27FC236}">
+                <a16:creationId xmlns:a16="http://schemas.microsoft.com/office/drawing/2014/main" id="{81043BAA-1429-40BD-8A38-EBC8C29376EA}"/>
+              </a:ext>
+            </a:extLst>
+          </p:cNvPr>
+          <p:cNvSpPr/>
+          <p:nvPr/>
+        </p:nvSpPr>
+        <p:spPr>
+          <a:xfrm>
+            <a:off x="2457451" y="5493468"/>
+            <a:ext cx="483577" cy="461665"/>
+          </a:xfrm>
+          <a:prstGeom prst="rect">
+            <a:avLst/>
+          </a:prstGeom>
+          <a:solidFill>
+            <a:schemeClr val="accent6">
+              <a:lumMod val="60000"/>
+              <a:lumOff val="40000"/>
+            </a:schemeClr>
+          </a:solidFill>
+        </p:spPr>
+        <p:style>
+          <a:lnRef idx="2">
+            <a:schemeClr val="accent1">
+              <a:shade val="50000"/>
+            </a:schemeClr>
+          </a:lnRef>
+          <a:fillRef idx="1">
+            <a:schemeClr val="accent1"/>
+          </a:fillRef>
+          <a:effectRef idx="0">
+            <a:schemeClr val="accent1"/>
+          </a:effectRef>
+          <a:fontRef idx="minor">
+            <a:schemeClr val="lt1"/>
+          </a:fontRef>
+        </p:style>
+        <p:txBody>
+          <a:bodyPr rtlCol="0" anchor="ctr"/>
+          <a:lstStyle/>
+          <a:p>
+            <a:pPr algn="ctr"/>
+            <a:endParaRPr lang="en-GB"/>
+          </a:p>
+        </p:txBody>
+      </p:sp>
+      <p:sp>
+        <p:nvSpPr>
+          <p:cNvPr id="164" name="Rectangle 163">
+            <a:extLst>
+              <a:ext uri="{FF2B5EF4-FFF2-40B4-BE49-F238E27FC236}">
+                <a16:creationId xmlns:a16="http://schemas.microsoft.com/office/drawing/2014/main" id="{8404CA95-23EA-464A-BF21-1AAFBCE58673}"/>
+              </a:ext>
+            </a:extLst>
+          </p:cNvPr>
+          <p:cNvSpPr/>
+          <p:nvPr/>
+        </p:nvSpPr>
+        <p:spPr>
+          <a:xfrm>
+            <a:off x="2967879" y="5493468"/>
+            <a:ext cx="483577" cy="461665"/>
+          </a:xfrm>
+          <a:prstGeom prst="rect">
+            <a:avLst/>
+          </a:prstGeom>
+          <a:solidFill>
+            <a:schemeClr val="accent6">
+              <a:lumMod val="60000"/>
+              <a:lumOff val="40000"/>
+            </a:schemeClr>
+          </a:solidFill>
+        </p:spPr>
+        <p:style>
+          <a:lnRef idx="2">
+            <a:schemeClr val="accent1">
+              <a:shade val="50000"/>
+            </a:schemeClr>
+          </a:lnRef>
+          <a:fillRef idx="1">
+            <a:schemeClr val="accent1"/>
+          </a:fillRef>
+          <a:effectRef idx="0">
+            <a:schemeClr val="accent1"/>
+          </a:effectRef>
+          <a:fontRef idx="minor">
+            <a:schemeClr val="lt1"/>
+          </a:fontRef>
+        </p:style>
+        <p:txBody>
+          <a:bodyPr rtlCol="0" anchor="ctr"/>
+          <a:lstStyle/>
+          <a:p>
+            <a:pPr algn="ctr"/>
+            <a:endParaRPr lang="en-GB"/>
+          </a:p>
+        </p:txBody>
+      </p:sp>
+      <p:sp>
+        <p:nvSpPr>
+          <p:cNvPr id="167" name="Rectangle 166">
+            <a:extLst>
+              <a:ext uri="{FF2B5EF4-FFF2-40B4-BE49-F238E27FC236}">
+                <a16:creationId xmlns:a16="http://schemas.microsoft.com/office/drawing/2014/main" id="{8A0B8125-7B4E-41B0-89D0-51642E86A0C4}"/>
+              </a:ext>
+            </a:extLst>
+          </p:cNvPr>
+          <p:cNvSpPr/>
+          <p:nvPr/>
+        </p:nvSpPr>
+        <p:spPr>
+          <a:xfrm>
+            <a:off x="3478307" y="5493468"/>
+            <a:ext cx="483577" cy="461665"/>
+          </a:xfrm>
+          <a:prstGeom prst="rect">
+            <a:avLst/>
+          </a:prstGeom>
+          <a:solidFill>
+            <a:schemeClr val="accent6">
+              <a:lumMod val="60000"/>
+              <a:lumOff val="40000"/>
+            </a:schemeClr>
+          </a:solidFill>
+        </p:spPr>
+        <p:style>
+          <a:lnRef idx="2">
+            <a:schemeClr val="accent1">
+              <a:shade val="50000"/>
+            </a:schemeClr>
+          </a:lnRef>
+          <a:fillRef idx="1">
+            <a:schemeClr val="accent1"/>
+          </a:fillRef>
+          <a:effectRef idx="0">
+            <a:schemeClr val="accent1"/>
+          </a:effectRef>
+          <a:fontRef idx="minor">
+            <a:schemeClr val="lt1"/>
+          </a:fontRef>
+        </p:style>
+        <p:txBody>
+          <a:bodyPr rtlCol="0" anchor="ctr"/>
+          <a:lstStyle/>
+          <a:p>
+            <a:pPr algn="ctr"/>
+            <a:endParaRPr lang="en-GB"/>
+          </a:p>
+        </p:txBody>
+      </p:sp>
+      <p:sp>
+        <p:nvSpPr>
+          <p:cNvPr id="170" name="Rectangle 169">
+            <a:extLst>
+              <a:ext uri="{FF2B5EF4-FFF2-40B4-BE49-F238E27FC236}">
+                <a16:creationId xmlns:a16="http://schemas.microsoft.com/office/drawing/2014/main" id="{B69B1E91-B7E3-49CA-9194-FA6392156983}"/>
+              </a:ext>
+            </a:extLst>
+          </p:cNvPr>
+          <p:cNvSpPr/>
+          <p:nvPr/>
+        </p:nvSpPr>
+        <p:spPr>
+          <a:xfrm>
+            <a:off x="3988735" y="5493468"/>
+            <a:ext cx="483577" cy="461665"/>
+          </a:xfrm>
+          <a:prstGeom prst="rect">
+            <a:avLst/>
+          </a:prstGeom>
+          <a:solidFill>
+            <a:schemeClr val="accent6">
+              <a:lumMod val="60000"/>
+              <a:lumOff val="40000"/>
+            </a:schemeClr>
+          </a:solidFill>
+        </p:spPr>
+        <p:style>
+          <a:lnRef idx="2">
+            <a:schemeClr val="accent1">
+              <a:shade val="50000"/>
+            </a:schemeClr>
+          </a:lnRef>
+          <a:fillRef idx="1">
+            <a:schemeClr val="accent1"/>
+          </a:fillRef>
+          <a:effectRef idx="0">
+            <a:schemeClr val="accent1"/>
+          </a:effectRef>
+          <a:fontRef idx="minor">
+            <a:schemeClr val="lt1"/>
+          </a:fontRef>
+        </p:style>
+        <p:txBody>
+          <a:bodyPr rtlCol="0" anchor="ctr"/>
+          <a:lstStyle/>
+          <a:p>
+            <a:pPr algn="ctr"/>
+            <a:endParaRPr lang="en-GB"/>
+          </a:p>
+        </p:txBody>
+      </p:sp>
+      <p:sp>
+        <p:nvSpPr>
+          <p:cNvPr id="173" name="Rectangle 172">
+            <a:extLst>
+              <a:ext uri="{FF2B5EF4-FFF2-40B4-BE49-F238E27FC236}">
+                <a16:creationId xmlns:a16="http://schemas.microsoft.com/office/drawing/2014/main" id="{44ED37BB-98EE-49EA-93D1-EA83DFF80EC4}"/>
+              </a:ext>
+            </a:extLst>
+          </p:cNvPr>
+          <p:cNvSpPr/>
+          <p:nvPr/>
+        </p:nvSpPr>
+        <p:spPr>
+          <a:xfrm>
+            <a:off x="4499163" y="5493468"/>
+            <a:ext cx="483577" cy="461665"/>
+          </a:xfrm>
+          <a:prstGeom prst="rect">
+            <a:avLst/>
+          </a:prstGeom>
+          <a:solidFill>
+            <a:schemeClr val="accent6">
+              <a:lumMod val="60000"/>
+              <a:lumOff val="40000"/>
+            </a:schemeClr>
+          </a:solidFill>
+        </p:spPr>
+        <p:style>
+          <a:lnRef idx="2">
+            <a:schemeClr val="accent1">
+              <a:shade val="50000"/>
+            </a:schemeClr>
+          </a:lnRef>
+          <a:fillRef idx="1">
+            <a:schemeClr val="accent1"/>
+          </a:fillRef>
+          <a:effectRef idx="0">
+            <a:schemeClr val="accent1"/>
+          </a:effectRef>
+          <a:fontRef idx="minor">
+            <a:schemeClr val="lt1"/>
+          </a:fontRef>
+        </p:style>
+        <p:txBody>
+          <a:bodyPr rtlCol="0" anchor="ctr"/>
+          <a:lstStyle/>
+          <a:p>
+            <a:pPr algn="ctr"/>
+            <a:endParaRPr lang="en-GB"/>
+          </a:p>
+        </p:txBody>
+      </p:sp>
+      <p:sp>
+        <p:nvSpPr>
+          <p:cNvPr id="176" name="Rectangle 175">
+            <a:extLst>
+              <a:ext uri="{FF2B5EF4-FFF2-40B4-BE49-F238E27FC236}">
+                <a16:creationId xmlns:a16="http://schemas.microsoft.com/office/drawing/2014/main" id="{A6B65D59-155D-4163-9431-77C351DA16EC}"/>
+              </a:ext>
+            </a:extLst>
+          </p:cNvPr>
+          <p:cNvSpPr/>
+          <p:nvPr/>
+        </p:nvSpPr>
+        <p:spPr>
+          <a:xfrm>
+            <a:off x="5009591" y="5493468"/>
+            <a:ext cx="483577" cy="461665"/>
+          </a:xfrm>
+          <a:prstGeom prst="rect">
+            <a:avLst/>
+          </a:prstGeom>
+          <a:solidFill>
+            <a:schemeClr val="accent6">
+              <a:lumMod val="60000"/>
+              <a:lumOff val="40000"/>
+            </a:schemeClr>
+          </a:solidFill>
+        </p:spPr>
+        <p:style>
+          <a:lnRef idx="2">
+            <a:schemeClr val="accent1">
+              <a:shade val="50000"/>
+            </a:schemeClr>
+          </a:lnRef>
+          <a:fillRef idx="1">
+            <a:schemeClr val="accent1"/>
+          </a:fillRef>
+          <a:effectRef idx="0">
+            <a:schemeClr val="accent1"/>
+          </a:effectRef>
+          <a:fontRef idx="minor">
+            <a:schemeClr val="lt1"/>
+          </a:fontRef>
+        </p:style>
+        <p:txBody>
+          <a:bodyPr rtlCol="0" anchor="ctr"/>
+          <a:lstStyle/>
+          <a:p>
+            <a:pPr algn="ctr"/>
+            <a:endParaRPr lang="en-GB"/>
+          </a:p>
+        </p:txBody>
+      </p:sp>
+      <p:sp>
+        <p:nvSpPr>
+          <p:cNvPr id="179" name="Rectangle 178">
+            <a:extLst>
+              <a:ext uri="{FF2B5EF4-FFF2-40B4-BE49-F238E27FC236}">
+                <a16:creationId xmlns:a16="http://schemas.microsoft.com/office/drawing/2014/main" id="{F94B3816-A7B3-4677-A8F4-455576C7CE05}"/>
+              </a:ext>
+            </a:extLst>
+          </p:cNvPr>
+          <p:cNvSpPr/>
+          <p:nvPr/>
+        </p:nvSpPr>
+        <p:spPr>
+          <a:xfrm>
+            <a:off x="5520019" y="5493468"/>
+            <a:ext cx="483577" cy="461665"/>
+          </a:xfrm>
+          <a:prstGeom prst="rect">
+            <a:avLst/>
+          </a:prstGeom>
+          <a:solidFill>
+            <a:schemeClr val="accent6">
+              <a:lumMod val="60000"/>
+              <a:lumOff val="40000"/>
+            </a:schemeClr>
+          </a:solidFill>
+        </p:spPr>
+        <p:style>
+          <a:lnRef idx="2">
+            <a:schemeClr val="accent1">
+              <a:shade val="50000"/>
+            </a:schemeClr>
+          </a:lnRef>
+          <a:fillRef idx="1">
+            <a:schemeClr val="accent1"/>
+          </a:fillRef>
+          <a:effectRef idx="0">
+            <a:schemeClr val="accent1"/>
+          </a:effectRef>
+          <a:fontRef idx="minor">
+            <a:schemeClr val="lt1"/>
+          </a:fontRef>
+        </p:style>
+        <p:txBody>
+          <a:bodyPr rtlCol="0" anchor="ctr"/>
+          <a:lstStyle/>
+          <a:p>
+            <a:pPr algn="ctr"/>
+            <a:endParaRPr lang="en-GB"/>
+          </a:p>
+        </p:txBody>
+      </p:sp>
+      <p:sp>
+        <p:nvSpPr>
+          <p:cNvPr id="182" name="Rectangle 181">
+            <a:extLst>
+              <a:ext uri="{FF2B5EF4-FFF2-40B4-BE49-F238E27FC236}">
+                <a16:creationId xmlns:a16="http://schemas.microsoft.com/office/drawing/2014/main" id="{079392FB-64C8-43F2-8867-7F9F94A9296B}"/>
+              </a:ext>
+            </a:extLst>
+          </p:cNvPr>
+          <p:cNvSpPr/>
+          <p:nvPr/>
+        </p:nvSpPr>
+        <p:spPr>
+          <a:xfrm>
+            <a:off x="6030447" y="5493468"/>
+            <a:ext cx="483577" cy="461665"/>
+          </a:xfrm>
+          <a:prstGeom prst="rect">
+            <a:avLst/>
+          </a:prstGeom>
+          <a:solidFill>
+            <a:schemeClr val="accent6">
+              <a:lumMod val="60000"/>
+              <a:lumOff val="40000"/>
+            </a:schemeClr>
+          </a:solidFill>
+        </p:spPr>
+        <p:style>
+          <a:lnRef idx="2">
+            <a:schemeClr val="accent1">
+              <a:shade val="50000"/>
+            </a:schemeClr>
+          </a:lnRef>
+          <a:fillRef idx="1">
+            <a:schemeClr val="accent1"/>
+          </a:fillRef>
+          <a:effectRef idx="0">
+            <a:schemeClr val="accent1"/>
+          </a:effectRef>
+          <a:fontRef idx="minor">
+            <a:schemeClr val="lt1"/>
+          </a:fontRef>
+        </p:style>
+        <p:txBody>
+          <a:bodyPr rtlCol="0" anchor="ctr"/>
+          <a:lstStyle/>
+          <a:p>
+            <a:pPr algn="ctr"/>
+            <a:endParaRPr lang="en-GB"/>
+          </a:p>
+        </p:txBody>
+      </p:sp>
+      <p:sp>
+        <p:nvSpPr>
+          <p:cNvPr id="185" name="Rectangle 184">
+            <a:extLst>
+              <a:ext uri="{FF2B5EF4-FFF2-40B4-BE49-F238E27FC236}">
+                <a16:creationId xmlns:a16="http://schemas.microsoft.com/office/drawing/2014/main" id="{9E23586F-6DA5-4349-86C8-65A4C7D93856}"/>
+              </a:ext>
+            </a:extLst>
+          </p:cNvPr>
+          <p:cNvSpPr/>
+          <p:nvPr/>
+        </p:nvSpPr>
+        <p:spPr>
+          <a:xfrm>
+            <a:off x="6540875" y="5493468"/>
+            <a:ext cx="483577" cy="461665"/>
+          </a:xfrm>
+          <a:prstGeom prst="rect">
+            <a:avLst/>
+          </a:prstGeom>
+          <a:solidFill>
+            <a:schemeClr val="accent6">
+              <a:lumMod val="60000"/>
+              <a:lumOff val="40000"/>
+            </a:schemeClr>
+          </a:solidFill>
+        </p:spPr>
+        <p:style>
+          <a:lnRef idx="2">
+            <a:schemeClr val="accent1">
+              <a:shade val="50000"/>
+            </a:schemeClr>
+          </a:lnRef>
+          <a:fillRef idx="1">
+            <a:schemeClr val="accent1"/>
+          </a:fillRef>
+          <a:effectRef idx="0">
+            <a:schemeClr val="accent1"/>
+          </a:effectRef>
+          <a:fontRef idx="minor">
+            <a:schemeClr val="lt1"/>
+          </a:fontRef>
+        </p:style>
+        <p:txBody>
+          <a:bodyPr rtlCol="0" anchor="ctr"/>
+          <a:lstStyle/>
+          <a:p>
+            <a:pPr algn="ctr"/>
+            <a:endParaRPr lang="en-GB"/>
+          </a:p>
+        </p:txBody>
+      </p:sp>
+      <p:sp>
+        <p:nvSpPr>
+          <p:cNvPr id="188" name="Rectangle 187">
+            <a:extLst>
+              <a:ext uri="{FF2B5EF4-FFF2-40B4-BE49-F238E27FC236}">
+                <a16:creationId xmlns:a16="http://schemas.microsoft.com/office/drawing/2014/main" id="{6981545B-5C0C-49FC-ADE5-EA66112D657F}"/>
+              </a:ext>
+            </a:extLst>
+          </p:cNvPr>
+          <p:cNvSpPr/>
+          <p:nvPr/>
+        </p:nvSpPr>
+        <p:spPr>
+          <a:xfrm>
+            <a:off x="7051303" y="5493468"/>
+            <a:ext cx="483577" cy="461665"/>
+          </a:xfrm>
+          <a:prstGeom prst="rect">
+            <a:avLst/>
+          </a:prstGeom>
+          <a:solidFill>
+            <a:schemeClr val="accent6">
+              <a:lumMod val="60000"/>
+              <a:lumOff val="40000"/>
+            </a:schemeClr>
+          </a:solidFill>
+        </p:spPr>
+        <p:style>
+          <a:lnRef idx="2">
+            <a:schemeClr val="accent1">
+              <a:shade val="50000"/>
+            </a:schemeClr>
+          </a:lnRef>
+          <a:fillRef idx="1">
+            <a:schemeClr val="accent1"/>
+          </a:fillRef>
+          <a:effectRef idx="0">
+            <a:schemeClr val="accent1"/>
+          </a:effectRef>
+          <a:fontRef idx="minor">
+            <a:schemeClr val="lt1"/>
+          </a:fontRef>
+        </p:style>
+        <p:txBody>
+          <a:bodyPr rtlCol="0" anchor="ctr"/>
+          <a:lstStyle/>
+          <a:p>
+            <a:pPr algn="ctr"/>
+            <a:endParaRPr lang="en-GB"/>
+          </a:p>
+        </p:txBody>
+      </p:sp>
+      <p:sp>
+        <p:nvSpPr>
+          <p:cNvPr id="191" name="Rectangle 190">
+            <a:extLst>
+              <a:ext uri="{FF2B5EF4-FFF2-40B4-BE49-F238E27FC236}">
+                <a16:creationId xmlns:a16="http://schemas.microsoft.com/office/drawing/2014/main" id="{71554541-B045-4CB9-9518-533A3D29BBCE}"/>
+              </a:ext>
+            </a:extLst>
+          </p:cNvPr>
+          <p:cNvSpPr/>
+          <p:nvPr/>
+        </p:nvSpPr>
+        <p:spPr>
+          <a:xfrm>
+            <a:off x="7561731" y="5493468"/>
+            <a:ext cx="483577" cy="461665"/>
+          </a:xfrm>
+          <a:prstGeom prst="rect">
+            <a:avLst/>
+          </a:prstGeom>
+          <a:solidFill>
+            <a:schemeClr val="accent6">
+              <a:lumMod val="60000"/>
+              <a:lumOff val="40000"/>
+            </a:schemeClr>
+          </a:solidFill>
+        </p:spPr>
+        <p:style>
+          <a:lnRef idx="2">
+            <a:schemeClr val="accent1">
+              <a:shade val="50000"/>
+            </a:schemeClr>
+          </a:lnRef>
+          <a:fillRef idx="1">
+            <a:schemeClr val="accent1"/>
+          </a:fillRef>
+          <a:effectRef idx="0">
+            <a:schemeClr val="accent1"/>
+          </a:effectRef>
+          <a:fontRef idx="minor">
+            <a:schemeClr val="lt1"/>
+          </a:fontRef>
+        </p:style>
+        <p:txBody>
+          <a:bodyPr rtlCol="0" anchor="ctr"/>
+          <a:lstStyle/>
+          <a:p>
+            <a:pPr algn="ctr"/>
+            <a:endParaRPr lang="en-GB"/>
+          </a:p>
+        </p:txBody>
+      </p:sp>
+      <p:sp>
+        <p:nvSpPr>
+          <p:cNvPr id="194" name="Rectangle 193">
+            <a:extLst>
+              <a:ext uri="{FF2B5EF4-FFF2-40B4-BE49-F238E27FC236}">
+                <a16:creationId xmlns:a16="http://schemas.microsoft.com/office/drawing/2014/main" id="{745BCC45-3E32-4052-A976-F7EC85F8795F}"/>
+              </a:ext>
+            </a:extLst>
+          </p:cNvPr>
+          <p:cNvSpPr/>
+          <p:nvPr/>
+        </p:nvSpPr>
+        <p:spPr>
+          <a:xfrm>
+            <a:off x="8072159" y="5493468"/>
+            <a:ext cx="483577" cy="461665"/>
+          </a:xfrm>
+          <a:prstGeom prst="rect">
+            <a:avLst/>
+          </a:prstGeom>
+          <a:solidFill>
+            <a:schemeClr val="accent6">
+              <a:lumMod val="60000"/>
+              <a:lumOff val="40000"/>
+            </a:schemeClr>
+          </a:solidFill>
+        </p:spPr>
+        <p:style>
+          <a:lnRef idx="2">
+            <a:schemeClr val="accent1">
+              <a:shade val="50000"/>
+            </a:schemeClr>
+          </a:lnRef>
+          <a:fillRef idx="1">
+            <a:schemeClr val="accent1"/>
+          </a:fillRef>
+          <a:effectRef idx="0">
+            <a:schemeClr val="accent1"/>
+          </a:effectRef>
+          <a:fontRef idx="minor">
+            <a:schemeClr val="lt1"/>
+          </a:fontRef>
+        </p:style>
+        <p:txBody>
+          <a:bodyPr rtlCol="0" anchor="ctr"/>
+          <a:lstStyle/>
+          <a:p>
+            <a:pPr algn="ctr"/>
+            <a:endParaRPr lang="en-GB"/>
+          </a:p>
+        </p:txBody>
+      </p:sp>
+      <p:sp>
+        <p:nvSpPr>
+          <p:cNvPr id="197" name="Rectangle 196">
+            <a:extLst>
+              <a:ext uri="{FF2B5EF4-FFF2-40B4-BE49-F238E27FC236}">
+                <a16:creationId xmlns:a16="http://schemas.microsoft.com/office/drawing/2014/main" id="{48FBDF4F-819F-4939-9CB1-CF7FD134B5D0}"/>
+              </a:ext>
+            </a:extLst>
+          </p:cNvPr>
+          <p:cNvSpPr/>
+          <p:nvPr/>
+        </p:nvSpPr>
+        <p:spPr>
+          <a:xfrm>
+            <a:off x="8582587" y="5493468"/>
+            <a:ext cx="483577" cy="461665"/>
+          </a:xfrm>
+          <a:prstGeom prst="rect">
+            <a:avLst/>
+          </a:prstGeom>
+          <a:solidFill>
+            <a:schemeClr val="accent6">
+              <a:lumMod val="60000"/>
+              <a:lumOff val="40000"/>
+            </a:schemeClr>
+          </a:solidFill>
+        </p:spPr>
+        <p:style>
+          <a:lnRef idx="2">
+            <a:schemeClr val="accent1">
+              <a:shade val="50000"/>
+            </a:schemeClr>
+          </a:lnRef>
+          <a:fillRef idx="1">
+            <a:schemeClr val="accent1"/>
+          </a:fillRef>
+          <a:effectRef idx="0">
+            <a:schemeClr val="accent1"/>
+          </a:effectRef>
+          <a:fontRef idx="minor">
+            <a:schemeClr val="lt1"/>
+          </a:fontRef>
+        </p:style>
+        <p:txBody>
+          <a:bodyPr rtlCol="0" anchor="ctr"/>
+          <a:lstStyle/>
+          <a:p>
+            <a:pPr algn="ctr"/>
+            <a:endParaRPr lang="en-GB"/>
+          </a:p>
+        </p:txBody>
+      </p:sp>
+      <p:sp>
+        <p:nvSpPr>
+          <p:cNvPr id="200" name="Rectangle 199">
+            <a:extLst>
+              <a:ext uri="{FF2B5EF4-FFF2-40B4-BE49-F238E27FC236}">
+                <a16:creationId xmlns:a16="http://schemas.microsoft.com/office/drawing/2014/main" id="{3D688CEB-3622-4ACE-BAA4-157191254259}"/>
+              </a:ext>
+            </a:extLst>
+          </p:cNvPr>
+          <p:cNvSpPr/>
+          <p:nvPr/>
+        </p:nvSpPr>
+        <p:spPr>
+          <a:xfrm>
+            <a:off x="9093015" y="5493468"/>
+            <a:ext cx="483577" cy="461665"/>
+          </a:xfrm>
+          <a:prstGeom prst="rect">
+            <a:avLst/>
+          </a:prstGeom>
+          <a:solidFill>
+            <a:schemeClr val="accent6">
+              <a:lumMod val="60000"/>
+              <a:lumOff val="40000"/>
+            </a:schemeClr>
+          </a:solidFill>
+        </p:spPr>
+        <p:style>
+          <a:lnRef idx="2">
+            <a:schemeClr val="accent1">
+              <a:shade val="50000"/>
+            </a:schemeClr>
+          </a:lnRef>
+          <a:fillRef idx="1">
+            <a:schemeClr val="accent1"/>
+          </a:fillRef>
+          <a:effectRef idx="0">
+            <a:schemeClr val="accent1"/>
+          </a:effectRef>
+          <a:fontRef idx="minor">
+            <a:schemeClr val="lt1"/>
+          </a:fontRef>
+        </p:style>
+        <p:txBody>
+          <a:bodyPr rtlCol="0" anchor="ctr"/>
+          <a:lstStyle/>
+          <a:p>
+            <a:pPr algn="ctr"/>
+            <a:endParaRPr lang="en-GB"/>
+          </a:p>
+        </p:txBody>
+      </p:sp>
+      <p:sp>
+        <p:nvSpPr>
+          <p:cNvPr id="203" name="Rectangle 202">
+            <a:extLst>
+              <a:ext uri="{FF2B5EF4-FFF2-40B4-BE49-F238E27FC236}">
+                <a16:creationId xmlns:a16="http://schemas.microsoft.com/office/drawing/2014/main" id="{7B48F5F2-0CD7-4817-ACFD-A18193977163}"/>
+              </a:ext>
+            </a:extLst>
+          </p:cNvPr>
+          <p:cNvSpPr/>
+          <p:nvPr/>
+        </p:nvSpPr>
+        <p:spPr>
+          <a:xfrm>
+            <a:off x="9603443" y="5493468"/>
+            <a:ext cx="483577" cy="461665"/>
+          </a:xfrm>
+          <a:prstGeom prst="rect">
+            <a:avLst/>
+          </a:prstGeom>
+          <a:solidFill>
+            <a:schemeClr val="accent6">
+              <a:lumMod val="60000"/>
+              <a:lumOff val="40000"/>
+            </a:schemeClr>
+          </a:solidFill>
+        </p:spPr>
+        <p:style>
+          <a:lnRef idx="2">
+            <a:schemeClr val="accent1">
+              <a:shade val="50000"/>
+            </a:schemeClr>
+          </a:lnRef>
+          <a:fillRef idx="1">
+            <a:schemeClr val="accent1"/>
+          </a:fillRef>
+          <a:effectRef idx="0">
+            <a:schemeClr val="accent1"/>
+          </a:effectRef>
+          <a:fontRef idx="minor">
+            <a:schemeClr val="lt1"/>
+          </a:fontRef>
+        </p:style>
+        <p:txBody>
+          <a:bodyPr rtlCol="0" anchor="ctr"/>
+          <a:lstStyle/>
+          <a:p>
+            <a:pPr algn="ctr"/>
+            <a:endParaRPr lang="en-GB"/>
+          </a:p>
+        </p:txBody>
+      </p:sp>
+      <p:sp>
+        <p:nvSpPr>
+          <p:cNvPr id="206" name="Rectangle 205">
+            <a:extLst>
+              <a:ext uri="{FF2B5EF4-FFF2-40B4-BE49-F238E27FC236}">
+                <a16:creationId xmlns:a16="http://schemas.microsoft.com/office/drawing/2014/main" id="{BF598AF2-FE77-40A0-8CEA-3E4BA0F6310D}"/>
+              </a:ext>
+            </a:extLst>
+          </p:cNvPr>
+          <p:cNvSpPr/>
+          <p:nvPr/>
+        </p:nvSpPr>
+        <p:spPr>
+          <a:xfrm>
+            <a:off x="10113871" y="5493468"/>
+            <a:ext cx="483577" cy="461665"/>
+          </a:xfrm>
+          <a:prstGeom prst="rect">
+            <a:avLst/>
+          </a:prstGeom>
+          <a:solidFill>
+            <a:schemeClr val="accent6">
+              <a:lumMod val="60000"/>
+              <a:lumOff val="40000"/>
+            </a:schemeClr>
+          </a:solidFill>
+        </p:spPr>
+        <p:style>
+          <a:lnRef idx="2">
+            <a:schemeClr val="accent1">
+              <a:shade val="50000"/>
+            </a:schemeClr>
+          </a:lnRef>
+          <a:fillRef idx="1">
+            <a:schemeClr val="accent1"/>
+          </a:fillRef>
+          <a:effectRef idx="0">
+            <a:schemeClr val="accent1"/>
+          </a:effectRef>
+          <a:fontRef idx="minor">
+            <a:schemeClr val="lt1"/>
+          </a:fontRef>
+        </p:style>
+        <p:txBody>
+          <a:bodyPr rtlCol="0" anchor="ctr"/>
+          <a:lstStyle/>
+          <a:p>
+            <a:pPr algn="ctr"/>
+            <a:endParaRPr lang="en-GB"/>
+          </a:p>
+        </p:txBody>
+      </p:sp>
+      <p:sp>
+        <p:nvSpPr>
+          <p:cNvPr id="209" name="Rectangle 208">
+            <a:extLst>
+              <a:ext uri="{FF2B5EF4-FFF2-40B4-BE49-F238E27FC236}">
+                <a16:creationId xmlns:a16="http://schemas.microsoft.com/office/drawing/2014/main" id="{049D45A6-760D-456C-A37F-E98CD1F84702}"/>
+              </a:ext>
+            </a:extLst>
+          </p:cNvPr>
+          <p:cNvSpPr/>
+          <p:nvPr/>
+        </p:nvSpPr>
+        <p:spPr>
+          <a:xfrm>
+            <a:off x="10624300" y="5493468"/>
+            <a:ext cx="483577" cy="461665"/>
+          </a:xfrm>
+          <a:prstGeom prst="rect">
+            <a:avLst/>
+          </a:prstGeom>
+          <a:solidFill>
+            <a:schemeClr val="accent6">
+              <a:lumMod val="60000"/>
+              <a:lumOff val="40000"/>
+            </a:schemeClr>
+          </a:solidFill>
+        </p:spPr>
+        <p:style>
+          <a:lnRef idx="2">
+            <a:schemeClr val="accent1">
+              <a:shade val="50000"/>
+            </a:schemeClr>
+          </a:lnRef>
+          <a:fillRef idx="1">
+            <a:schemeClr val="accent1"/>
+          </a:fillRef>
+          <a:effectRef idx="0">
+            <a:schemeClr val="accent1"/>
+          </a:effectRef>
+          <a:fontRef idx="minor">
+            <a:schemeClr val="lt1"/>
+          </a:fontRef>
+        </p:style>
+        <p:txBody>
+          <a:bodyPr rtlCol="0" anchor="ctr"/>
+          <a:lstStyle/>
+          <a:p>
+            <a:pPr algn="ctr"/>
+            <a:endParaRPr lang="en-GB"/>
+          </a:p>
+        </p:txBody>
+      </p:sp>
+      <p:sp>
+        <p:nvSpPr>
+          <p:cNvPr id="212" name="Rectangle 211">
+            <a:extLst>
+              <a:ext uri="{FF2B5EF4-FFF2-40B4-BE49-F238E27FC236}">
+                <a16:creationId xmlns:a16="http://schemas.microsoft.com/office/drawing/2014/main" id="{4791ACE5-273D-4E5C-BD92-E7FDF8437B66}"/>
+              </a:ext>
+            </a:extLst>
+          </p:cNvPr>
+          <p:cNvSpPr/>
+          <p:nvPr/>
+        </p:nvSpPr>
+        <p:spPr>
+          <a:xfrm>
+            <a:off x="11137762" y="5493467"/>
+            <a:ext cx="483577" cy="461665"/>
+          </a:xfrm>
+          <a:prstGeom prst="rect">
+            <a:avLst/>
+          </a:prstGeom>
+          <a:solidFill>
+            <a:schemeClr val="accent6">
+              <a:lumMod val="60000"/>
+              <a:lumOff val="40000"/>
+            </a:schemeClr>
+          </a:solidFill>
+        </p:spPr>
+        <p:style>
+          <a:lnRef idx="2">
+            <a:schemeClr val="accent1">
+              <a:shade val="50000"/>
+            </a:schemeClr>
+          </a:lnRef>
+          <a:fillRef idx="1">
+            <a:schemeClr val="accent1"/>
+          </a:fillRef>
+          <a:effectRef idx="0">
+            <a:schemeClr val="accent1"/>
+          </a:effectRef>
+          <a:fontRef idx="minor">
+            <a:schemeClr val="lt1"/>
+          </a:fontRef>
+        </p:style>
+        <p:txBody>
+          <a:bodyPr rtlCol="0" anchor="ctr"/>
+          <a:lstStyle/>
+          <a:p>
+            <a:pPr algn="ctr"/>
+            <a:endParaRPr lang="en-GB"/>
+          </a:p>
+        </p:txBody>
+      </p:sp>
+      <p:sp>
+        <p:nvSpPr>
+          <p:cNvPr id="7" name="Arrow: Down 6">
+            <a:extLst>
+              <a:ext uri="{FF2B5EF4-FFF2-40B4-BE49-F238E27FC236}">
+                <a16:creationId xmlns:a16="http://schemas.microsoft.com/office/drawing/2014/main" id="{33207007-E41E-412D-91CA-9797B658FEFE}"/>
+              </a:ext>
+            </a:extLst>
+          </p:cNvPr>
+          <p:cNvSpPr/>
+          <p:nvPr/>
+        </p:nvSpPr>
+        <p:spPr>
+          <a:xfrm>
+            <a:off x="6287178" y="3473705"/>
+            <a:ext cx="483577" cy="461665"/>
+          </a:xfrm>
+          <a:prstGeom prst="downArrow">
+            <a:avLst/>
+          </a:prstGeom>
+          <a:solidFill>
+            <a:srgbClr val="FF0000"/>
+          </a:solidFill>
+        </p:spPr>
+        <p:style>
+          <a:lnRef idx="2">
+            <a:schemeClr val="accent1">
+              <a:shade val="50000"/>
+            </a:schemeClr>
+          </a:lnRef>
+          <a:fillRef idx="1">
+            <a:schemeClr val="accent1"/>
+          </a:fillRef>
+          <a:effectRef idx="0">
+            <a:schemeClr val="accent1"/>
+          </a:effectRef>
+          <a:fontRef idx="minor">
+            <a:schemeClr val="lt1"/>
+          </a:fontRef>
+        </p:style>
+        <p:txBody>
+          <a:bodyPr rtlCol="0" anchor="ctr"/>
+          <a:lstStyle/>
+          <a:p>
+            <a:pPr algn="ctr"/>
+            <a:endParaRPr lang="en-GB"/>
+          </a:p>
+        </p:txBody>
+      </p:sp>
+      <p:sp>
+        <p:nvSpPr>
+          <p:cNvPr id="214" name="TextBox 213">
+            <a:extLst>
+              <a:ext uri="{FF2B5EF4-FFF2-40B4-BE49-F238E27FC236}">
+                <a16:creationId xmlns:a16="http://schemas.microsoft.com/office/drawing/2014/main" id="{5FA056C3-BDA0-4820-B9E3-127D31493E74}"/>
+              </a:ext>
+            </a:extLst>
+          </p:cNvPr>
+          <p:cNvSpPr txBox="1"/>
+          <p:nvPr/>
+        </p:nvSpPr>
+        <p:spPr>
+          <a:xfrm>
+            <a:off x="172857" y="5493467"/>
+            <a:ext cx="1123063" cy="461665"/>
+          </a:xfrm>
+          <a:prstGeom prst="rect">
+            <a:avLst/>
+          </a:prstGeom>
+          <a:noFill/>
+        </p:spPr>
+        <p:txBody>
+          <a:bodyPr wrap="square" rtlCol="0">
+            <a:spAutoFit/>
+          </a:bodyPr>
+          <a:lstStyle/>
+          <a:p>
+            <a:pPr algn="r"/>
+            <a:r>
+              <a:rPr lang="en-US" sz="2400" dirty="0"/>
+              <a:t>BMI</a:t>
+            </a:r>
+          </a:p>
+        </p:txBody>
+      </p:sp>
+      <p:sp>
+        <p:nvSpPr>
+          <p:cNvPr id="215" name="Arrow: Down 214">
+            <a:extLst>
+              <a:ext uri="{FF2B5EF4-FFF2-40B4-BE49-F238E27FC236}">
+                <a16:creationId xmlns:a16="http://schemas.microsoft.com/office/drawing/2014/main" id="{4A823B09-065A-48E7-B0EB-DD8DFE7AC1A9}"/>
+              </a:ext>
+            </a:extLst>
+          </p:cNvPr>
+          <p:cNvSpPr/>
+          <p:nvPr/>
+        </p:nvSpPr>
+        <p:spPr>
+          <a:xfrm>
+            <a:off x="6308352" y="4853858"/>
+            <a:ext cx="483577" cy="461665"/>
+          </a:xfrm>
+          <a:prstGeom prst="downArrow">
+            <a:avLst/>
+          </a:prstGeom>
+          <a:solidFill>
+            <a:srgbClr val="FF0000"/>
+          </a:solidFill>
+        </p:spPr>
+        <p:style>
+          <a:lnRef idx="2">
+            <a:schemeClr val="accent1">
+              <a:shade val="50000"/>
+            </a:schemeClr>
+          </a:lnRef>
+          <a:fillRef idx="1">
+            <a:schemeClr val="accent1"/>
+          </a:fillRef>
+          <a:effectRef idx="0">
+            <a:schemeClr val="accent1"/>
+          </a:effectRef>
+          <a:fontRef idx="minor">
+            <a:schemeClr val="lt1"/>
+          </a:fontRef>
+        </p:style>
+        <p:txBody>
+          <a:bodyPr rtlCol="0" anchor="ctr"/>
+          <a:lstStyle/>
+          <a:p>
+            <a:pPr algn="ctr"/>
+            <a:endParaRPr lang="en-GB"/>
+          </a:p>
+        </p:txBody>
+      </p:sp>
+      <p:sp>
+        <p:nvSpPr>
+          <p:cNvPr id="216" name="Left Brace 215">
+            <a:extLst>
+              <a:ext uri="{FF2B5EF4-FFF2-40B4-BE49-F238E27FC236}">
+                <a16:creationId xmlns:a16="http://schemas.microsoft.com/office/drawing/2014/main" id="{B11D6DD8-06F3-4566-BE51-7748D18FB60A}"/>
+              </a:ext>
+            </a:extLst>
+          </p:cNvPr>
+          <p:cNvSpPr/>
+          <p:nvPr/>
+        </p:nvSpPr>
+        <p:spPr>
+          <a:xfrm rot="16200000">
+            <a:off x="6469017" y="-1790103"/>
+            <a:ext cx="119900" cy="10184745"/>
+          </a:xfrm>
+          <a:prstGeom prst="leftBrace">
+            <a:avLst/>
+          </a:prstGeom>
+        </p:spPr>
+        <p:style>
+          <a:lnRef idx="1">
+            <a:schemeClr val="accent1"/>
+          </a:lnRef>
+          <a:fillRef idx="0">
+            <a:schemeClr val="accent1"/>
+          </a:fillRef>
+          <a:effectRef idx="0">
+            <a:schemeClr val="accent1"/>
+          </a:effectRef>
+          <a:fontRef idx="minor">
+            <a:schemeClr val="tx1"/>
+          </a:fontRef>
+        </p:style>
+        <p:txBody>
+          <a:bodyPr rtlCol="0" anchor="ctr"/>
+          <a:lstStyle/>
+          <a:p>
+            <a:pPr algn="ctr"/>
+            <a:endParaRPr lang="en-GB"/>
+          </a:p>
+        </p:txBody>
+      </p:sp>
+      <mc:AlternateContent xmlns:mc="http://schemas.openxmlformats.org/markup-compatibility/2006">
+        <mc:Choice xmlns:a14="http://schemas.microsoft.com/office/drawing/2010/main" Requires="a14">
+          <p:sp>
+            <p:nvSpPr>
+              <p:cNvPr id="8" name="TextBox 7">
+                <a:extLst>
+                  <a:ext uri="{FF2B5EF4-FFF2-40B4-BE49-F238E27FC236}">
+                    <a16:creationId xmlns:a16="http://schemas.microsoft.com/office/drawing/2014/main" id="{BF7048DE-393F-4A96-A3A4-28A617748DEF}"/>
+                  </a:ext>
+                </a:extLst>
+              </p:cNvPr>
+              <p:cNvSpPr txBox="1"/>
+              <p:nvPr/>
+            </p:nvSpPr>
+            <p:spPr>
+              <a:xfrm>
+                <a:off x="638619" y="6155491"/>
+                <a:ext cx="1595950" cy="574516"/>
+              </a:xfrm>
+              <a:prstGeom prst="rect">
+                <a:avLst/>
+              </a:prstGeom>
+              <a:noFill/>
+            </p:spPr>
+            <p:txBody>
+              <a:bodyPr wrap="none" lIns="0" tIns="0" rIns="0" bIns="0" rtlCol="0">
+                <a:spAutoFit/>
+              </a:bodyPr>
+              <a:lstStyle/>
+              <a:p>
+                <a14:m>
+                  <m:oMathPara xmlns:m="http://schemas.openxmlformats.org/officeDocument/2006/math">
+                    <m:oMathParaPr>
+                      <m:jc m:val="centerGroup"/>
+                    </m:oMathParaPr>
+                    <m:oMath xmlns:m="http://schemas.openxmlformats.org/officeDocument/2006/math">
+                      <m:r>
+                        <a:rPr lang="pt-BR" b="0" i="1" smtClean="0">
+                          <a:latin typeface="Cambria Math" panose="02040503050406030204" pitchFamily="18" charset="0"/>
+                        </a:rPr>
+                        <m:t>𝐵𝑀𝐼</m:t>
+                      </m:r>
+                      <m:r>
+                        <a:rPr lang="en-GB" i="1" smtClean="0">
+                          <a:latin typeface="Cambria Math" panose="02040503050406030204" pitchFamily="18" charset="0"/>
+                        </a:rPr>
+                        <m:t>=</m:t>
+                      </m:r>
+                      <m:f>
+                        <m:fPr>
+                          <m:ctrlPr>
+                            <a:rPr lang="pt-BR" b="0" i="1" smtClean="0">
+                              <a:latin typeface="Cambria Math" panose="02040503050406030204" pitchFamily="18" charset="0"/>
+                            </a:rPr>
+                          </m:ctrlPr>
+                        </m:fPr>
+                        <m:num>
+                          <m:r>
+                            <a:rPr lang="pt-BR" b="0" i="1" smtClean="0">
+                              <a:latin typeface="Cambria Math" panose="02040503050406030204" pitchFamily="18" charset="0"/>
+                            </a:rPr>
+                            <m:t>𝑤𝑒𝑖𝑔h𝑡</m:t>
+                          </m:r>
+                        </m:num>
+                        <m:den>
+                          <m:sSup>
+                            <m:sSupPr>
+                              <m:ctrlPr>
+                                <a:rPr lang="pt-BR" b="0" i="1" smtClean="0">
+                                  <a:latin typeface="Cambria Math" panose="02040503050406030204" pitchFamily="18" charset="0"/>
+                                </a:rPr>
+                              </m:ctrlPr>
+                            </m:sSupPr>
+                            <m:e>
+                              <m:r>
+                                <a:rPr lang="pt-BR" b="0" i="1" smtClean="0">
+                                  <a:latin typeface="Cambria Math" panose="02040503050406030204" pitchFamily="18" charset="0"/>
+                                </a:rPr>
+                                <m:t>h𝑒𝑖𝑔h𝑡</m:t>
+                              </m:r>
+                            </m:e>
+                            <m:sup>
+                              <m:r>
+                                <a:rPr lang="pt-BR" b="0" i="1" smtClean="0">
+                                  <a:latin typeface="Cambria Math" panose="02040503050406030204" pitchFamily="18" charset="0"/>
+                                </a:rPr>
+                                <m:t>2</m:t>
+                              </m:r>
+                            </m:sup>
+                          </m:sSup>
+                        </m:den>
+                      </m:f>
+                    </m:oMath>
+                  </m:oMathPara>
+                </a14:m>
+                <a:endParaRPr lang="en-GB" dirty="0"/>
+              </a:p>
+            </p:txBody>
+          </p:sp>
+        </mc:Choice>
+        <mc:Fallback>
+          <p:sp>
+            <p:nvSpPr>
+              <p:cNvPr id="8" name="TextBox 7">
+                <a:extLst>
+                  <a:ext uri="{FF2B5EF4-FFF2-40B4-BE49-F238E27FC236}">
+                    <a16:creationId xmlns:a16="http://schemas.microsoft.com/office/drawing/2014/main" id="{BF7048DE-393F-4A96-A3A4-28A617748DEF}"/>
+                  </a:ext>
+                </a:extLst>
+              </p:cNvPr>
+              <p:cNvSpPr txBox="1">
+                <a:spLocks noRot="1" noChangeAspect="1" noMove="1" noResize="1" noEditPoints="1" noAdjustHandles="1" noChangeArrowheads="1" noChangeShapeType="1" noTextEdit="1"/>
+              </p:cNvSpPr>
+              <p:nvPr/>
+            </p:nvSpPr>
+            <p:spPr>
+              <a:xfrm>
+                <a:off x="638619" y="6155491"/>
+                <a:ext cx="1595950" cy="574516"/>
+              </a:xfrm>
+              <a:prstGeom prst="rect">
+                <a:avLst/>
+              </a:prstGeom>
+              <a:blipFill>
+                <a:blip r:embed="rId4"/>
+                <a:stretch>
+                  <a:fillRect/>
+                </a:stretch>
+              </a:blipFill>
+            </p:spPr>
+            <p:txBody>
+              <a:bodyPr/>
+              <a:lstStyle/>
+              <a:p>
+                <a:r>
+                  <a:rPr lang="en-GB">
+                    <a:noFill/>
+                  </a:rPr>
+                  <a:t> </a:t>
+                </a:r>
+              </a:p>
+            </p:txBody>
+          </p:sp>
+        </mc:Fallback>
+      </mc:AlternateContent>
+    </p:spTree>
+    <p:extLst>
+      <p:ext uri="{BB962C8B-B14F-4D97-AF65-F5344CB8AC3E}">
+        <p14:creationId xmlns:p14="http://schemas.microsoft.com/office/powerpoint/2010/main" val="2289781628"/>
+      </p:ext>
+    </p:extLst>
+  </p:cSld>
+  <p:clrMapOvr>
+    <a:masterClrMapping/>
+  </p:clrMapOvr>
+</p:sld>
+</file>
+
+<file path=ppt/slides/slide5.xml><?xml version="1.0" encoding="utf-8"?>
+<p:sld xmlns:a="http://schemas.openxmlformats.org/drawingml/2006/main" xmlns:r="http://schemas.openxmlformats.org/officeDocument/2006/relationships" xmlns:p="http://schemas.openxmlformats.org/presentationml/2006/main">
+  <p:cSld>
+    <p:spTree>
+      <p:nvGrpSpPr>
+        <p:cNvPr id="1" name=""/>
+        <p:cNvGrpSpPr/>
+        <p:nvPr/>
+      </p:nvGrpSpPr>
+      <p:grpSpPr>
+        <a:xfrm>
+          <a:off x="0" y="0"/>
+          <a:ext cx="0" cy="0"/>
+          <a:chOff x="0" y="0"/>
+          <a:chExt cx="0" cy="0"/>
+        </a:xfrm>
+      </p:grpSpPr>
+      <p:sp>
+        <p:nvSpPr>
+          <p:cNvPr id="6" name="TextBox 5">
+            <a:extLst>
+              <a:ext uri="{FF2B5EF4-FFF2-40B4-BE49-F238E27FC236}">
+                <a16:creationId xmlns:a16="http://schemas.microsoft.com/office/drawing/2014/main" id="{44F353AB-F501-4724-906A-9727030DE365}"/>
+              </a:ext>
+            </a:extLst>
+          </p:cNvPr>
+          <p:cNvSpPr txBox="1"/>
+          <p:nvPr/>
+        </p:nvSpPr>
+        <p:spPr>
+          <a:xfrm>
+            <a:off x="450761" y="412123"/>
+            <a:ext cx="8075053" cy="461665"/>
+          </a:xfrm>
+          <a:prstGeom prst="rect">
+            <a:avLst/>
+          </a:prstGeom>
+          <a:noFill/>
+        </p:spPr>
+        <p:txBody>
+          <a:bodyPr wrap="square" rtlCol="0">
+            <a:spAutoFit/>
+          </a:bodyPr>
+          <a:lstStyle/>
+          <a:p>
+            <a:r>
+              <a:rPr lang="en-US" sz="2400" dirty="0"/>
+              <a:t>Case 1 - computing the average of a very large sample</a:t>
+            </a:r>
+          </a:p>
+        </p:txBody>
+      </p:sp>
+      <p:sp>
+        <p:nvSpPr>
+          <p:cNvPr id="21" name="Rectangle 20">
+            <a:extLst>
+              <a:ext uri="{FF2B5EF4-FFF2-40B4-BE49-F238E27FC236}">
+                <a16:creationId xmlns:a16="http://schemas.microsoft.com/office/drawing/2014/main" id="{A3839430-232D-4BF0-AD5D-856F8741DAFC}"/>
+              </a:ext>
+            </a:extLst>
+          </p:cNvPr>
+          <p:cNvSpPr/>
+          <p:nvPr/>
+        </p:nvSpPr>
+        <p:spPr>
+          <a:xfrm>
+            <a:off x="9218951" y="6237234"/>
+            <a:ext cx="2540833" cy="286335"/>
+          </a:xfrm>
+          <a:prstGeom prst="rect">
+            <a:avLst/>
+          </a:prstGeom>
+          <a:solidFill>
+            <a:schemeClr val="bg1"/>
+          </a:solidFill>
+          <a:ln>
+            <a:noFill/>
+          </a:ln>
+        </p:spPr>
+        <p:style>
+          <a:lnRef idx="2">
+            <a:schemeClr val="accent1">
+              <a:shade val="50000"/>
+            </a:schemeClr>
+          </a:lnRef>
+          <a:fillRef idx="1">
+            <a:schemeClr val="accent1"/>
+          </a:fillRef>
+          <a:effectRef idx="0">
+            <a:schemeClr val="accent1"/>
+          </a:effectRef>
+          <a:fontRef idx="minor">
+            <a:schemeClr val="lt1"/>
+          </a:fontRef>
+        </p:style>
+        <p:txBody>
+          <a:bodyPr rtlCol="0" anchor="ctr"/>
+          <a:lstStyle/>
+          <a:p>
+            <a:pPr algn="ctr"/>
+            <a:endParaRPr lang="en-US"/>
+          </a:p>
+        </p:txBody>
+      </p:sp>
+      <p:sp>
+        <p:nvSpPr>
+          <p:cNvPr id="13" name="TextBox 12">
+            <a:extLst>
+              <a:ext uri="{FF2B5EF4-FFF2-40B4-BE49-F238E27FC236}">
+                <a16:creationId xmlns:a16="http://schemas.microsoft.com/office/drawing/2014/main" id="{FBFBA05A-1386-4DD7-BCC9-DE335E29925A}"/>
+              </a:ext>
+            </a:extLst>
+          </p:cNvPr>
+          <p:cNvSpPr txBox="1"/>
+          <p:nvPr/>
+        </p:nvSpPr>
+        <p:spPr>
+          <a:xfrm>
+            <a:off x="325258" y="2277208"/>
+            <a:ext cx="970662" cy="461665"/>
+          </a:xfrm>
+          <a:prstGeom prst="rect">
+            <a:avLst/>
+          </a:prstGeom>
+          <a:noFill/>
+        </p:spPr>
+        <p:txBody>
+          <a:bodyPr wrap="square" rtlCol="0">
+            <a:spAutoFit/>
+          </a:bodyPr>
+          <a:lstStyle/>
+          <a:p>
+            <a:pPr algn="r"/>
+            <a:r>
+              <a:rPr lang="en-US" sz="2400" dirty="0"/>
+              <a:t>height</a:t>
+            </a:r>
+          </a:p>
+        </p:txBody>
+      </p:sp>
+      <p:grpSp>
+        <p:nvGrpSpPr>
+          <p:cNvPr id="4" name="Group 3">
+            <a:extLst>
+              <a:ext uri="{FF2B5EF4-FFF2-40B4-BE49-F238E27FC236}">
+                <a16:creationId xmlns:a16="http://schemas.microsoft.com/office/drawing/2014/main" id="{BF98151B-01FF-4530-A1F9-B1B1928C6AB4}"/>
+              </a:ext>
+            </a:extLst>
+          </p:cNvPr>
+          <p:cNvGrpSpPr/>
+          <p:nvPr/>
+        </p:nvGrpSpPr>
+        <p:grpSpPr>
+          <a:xfrm>
+            <a:off x="1436596" y="2277209"/>
+            <a:ext cx="483577" cy="923330"/>
+            <a:chOff x="1714500" y="1591408"/>
+            <a:chExt cx="483577" cy="923330"/>
+          </a:xfrm>
+        </p:grpSpPr>
+        <p:sp>
+          <p:nvSpPr>
+            <p:cNvPr id="3" name="Rectangle 2">
+              <a:extLst>
+                <a:ext uri="{FF2B5EF4-FFF2-40B4-BE49-F238E27FC236}">
+                  <a16:creationId xmlns:a16="http://schemas.microsoft.com/office/drawing/2014/main" id="{8FBBD292-8536-4070-AB94-2B9DED320732}"/>
+                </a:ext>
+              </a:extLst>
+            </p:cNvPr>
+            <p:cNvSpPr/>
+            <p:nvPr/>
+          </p:nvSpPr>
+          <p:spPr>
+            <a:xfrm>
+              <a:off x="1714500" y="1591408"/>
+              <a:ext cx="483577" cy="461665"/>
+            </a:xfrm>
+            <a:prstGeom prst="rect">
+              <a:avLst/>
+            </a:prstGeom>
+          </p:spPr>
+          <p:style>
+            <a:lnRef idx="2">
+              <a:schemeClr val="accent1">
+                <a:shade val="50000"/>
+              </a:schemeClr>
+            </a:lnRef>
+            <a:fillRef idx="1">
+              <a:schemeClr val="accent1"/>
+            </a:fillRef>
+            <a:effectRef idx="0">
+              <a:schemeClr val="accent1"/>
+            </a:effectRef>
+            <a:fontRef idx="minor">
+              <a:schemeClr val="lt1"/>
+            </a:fontRef>
+          </p:style>
+          <p:txBody>
+            <a:bodyPr rtlCol="0" anchor="ctr"/>
+            <a:lstStyle/>
+            <a:p>
+              <a:pPr algn="ctr"/>
+              <a:endParaRPr lang="en-GB"/>
+            </a:p>
+          </p:txBody>
+        </p:sp>
+        <p:sp>
+          <p:nvSpPr>
+            <p:cNvPr id="14" name="Rectangle 13">
+              <a:extLst>
+                <a:ext uri="{FF2B5EF4-FFF2-40B4-BE49-F238E27FC236}">
+                  <a16:creationId xmlns:a16="http://schemas.microsoft.com/office/drawing/2014/main" id="{EC1A0A35-D1EB-4DCA-9851-40713E903695}"/>
+                </a:ext>
+              </a:extLst>
+            </p:cNvPr>
+            <p:cNvSpPr/>
+            <p:nvPr/>
+          </p:nvSpPr>
+          <p:spPr>
+            <a:xfrm>
+              <a:off x="1714500" y="2053073"/>
+              <a:ext cx="483577" cy="461665"/>
+            </a:xfrm>
+            <a:prstGeom prst="rect">
+              <a:avLst/>
+            </a:prstGeom>
+            <a:solidFill>
+              <a:schemeClr val="accent3"/>
+            </a:solidFill>
+          </p:spPr>
+          <p:style>
+            <a:lnRef idx="2">
+              <a:schemeClr val="accent1">
+                <a:shade val="50000"/>
+              </a:schemeClr>
+            </a:lnRef>
+            <a:fillRef idx="1">
+              <a:schemeClr val="accent1"/>
+            </a:fillRef>
+            <a:effectRef idx="0">
+              <a:schemeClr val="accent1"/>
+            </a:effectRef>
+            <a:fontRef idx="minor">
+              <a:schemeClr val="lt1"/>
+            </a:fontRef>
+          </p:style>
+          <p:txBody>
+            <a:bodyPr rtlCol="0" anchor="ctr"/>
+            <a:lstStyle/>
+            <a:p>
+              <a:pPr algn="ctr"/>
+              <a:endParaRPr lang="en-GB"/>
+            </a:p>
+          </p:txBody>
+        </p:sp>
+      </p:grpSp>
+      <p:sp>
+        <p:nvSpPr>
+          <p:cNvPr id="15" name="TextBox 14">
+            <a:extLst>
+              <a:ext uri="{FF2B5EF4-FFF2-40B4-BE49-F238E27FC236}">
+                <a16:creationId xmlns:a16="http://schemas.microsoft.com/office/drawing/2014/main" id="{836BFE35-437A-4358-AB66-71A3B4D2546A}"/>
+              </a:ext>
+            </a:extLst>
+          </p:cNvPr>
+          <p:cNvSpPr txBox="1"/>
+          <p:nvPr/>
+        </p:nvSpPr>
+        <p:spPr>
+          <a:xfrm>
+            <a:off x="172857" y="2738873"/>
+            <a:ext cx="1123063" cy="461665"/>
+          </a:xfrm>
+          <a:prstGeom prst="rect">
+            <a:avLst/>
+          </a:prstGeom>
+          <a:noFill/>
+        </p:spPr>
+        <p:txBody>
+          <a:bodyPr wrap="square" rtlCol="0">
+            <a:spAutoFit/>
+          </a:bodyPr>
+          <a:lstStyle/>
+          <a:p>
+            <a:pPr algn="r"/>
+            <a:r>
+              <a:rPr lang="en-US" sz="2400" dirty="0"/>
+              <a:t>weight</a:t>
+            </a:r>
+          </a:p>
+        </p:txBody>
+      </p:sp>
+      <p:grpSp>
+        <p:nvGrpSpPr>
+          <p:cNvPr id="64" name="Group 63">
+            <a:extLst>
+              <a:ext uri="{FF2B5EF4-FFF2-40B4-BE49-F238E27FC236}">
+                <a16:creationId xmlns:a16="http://schemas.microsoft.com/office/drawing/2014/main" id="{6C7A02C3-12E3-4EFE-9AA8-87202BD809E4}"/>
+              </a:ext>
+            </a:extLst>
+          </p:cNvPr>
+          <p:cNvGrpSpPr/>
+          <p:nvPr/>
+        </p:nvGrpSpPr>
+        <p:grpSpPr>
+          <a:xfrm>
+            <a:off x="1947024" y="2277209"/>
+            <a:ext cx="483577" cy="923330"/>
+            <a:chOff x="1714500" y="1591408"/>
+            <a:chExt cx="483577" cy="923330"/>
+          </a:xfrm>
+        </p:grpSpPr>
+        <p:sp>
+          <p:nvSpPr>
+            <p:cNvPr id="65" name="Rectangle 64">
+              <a:extLst>
+                <a:ext uri="{FF2B5EF4-FFF2-40B4-BE49-F238E27FC236}">
+                  <a16:creationId xmlns:a16="http://schemas.microsoft.com/office/drawing/2014/main" id="{83FBD113-E516-4929-83AC-0E42CD8E10C9}"/>
+                </a:ext>
+              </a:extLst>
+            </p:cNvPr>
+            <p:cNvSpPr/>
+            <p:nvPr/>
+          </p:nvSpPr>
+          <p:spPr>
+            <a:xfrm>
+              <a:off x="1714500" y="1591408"/>
+              <a:ext cx="483577" cy="461665"/>
+            </a:xfrm>
+            <a:prstGeom prst="rect">
+              <a:avLst/>
+            </a:prstGeom>
+          </p:spPr>
+          <p:style>
+            <a:lnRef idx="2">
+              <a:schemeClr val="accent1">
+                <a:shade val="50000"/>
+              </a:schemeClr>
+            </a:lnRef>
+            <a:fillRef idx="1">
+              <a:schemeClr val="accent1"/>
+            </a:fillRef>
+            <a:effectRef idx="0">
+              <a:schemeClr val="accent1"/>
+            </a:effectRef>
+            <a:fontRef idx="minor">
+              <a:schemeClr val="lt1"/>
+            </a:fontRef>
+          </p:style>
+          <p:txBody>
+            <a:bodyPr rtlCol="0" anchor="ctr"/>
+            <a:lstStyle/>
+            <a:p>
+              <a:pPr algn="ctr"/>
+              <a:endParaRPr lang="en-GB"/>
+            </a:p>
+          </p:txBody>
+        </p:sp>
+        <p:sp>
+          <p:nvSpPr>
+            <p:cNvPr id="66" name="Rectangle 65">
+              <a:extLst>
+                <a:ext uri="{FF2B5EF4-FFF2-40B4-BE49-F238E27FC236}">
+                  <a16:creationId xmlns:a16="http://schemas.microsoft.com/office/drawing/2014/main" id="{EA4DD757-4A84-4C36-B9D7-676D9B0758A4}"/>
+                </a:ext>
+              </a:extLst>
+            </p:cNvPr>
+            <p:cNvSpPr/>
+            <p:nvPr/>
+          </p:nvSpPr>
+          <p:spPr>
+            <a:xfrm>
+              <a:off x="1714500" y="2053073"/>
+              <a:ext cx="483577" cy="461665"/>
+            </a:xfrm>
+            <a:prstGeom prst="rect">
+              <a:avLst/>
+            </a:prstGeom>
+            <a:solidFill>
+              <a:schemeClr val="accent3"/>
+            </a:solidFill>
+          </p:spPr>
+          <p:style>
+            <a:lnRef idx="2">
+              <a:schemeClr val="accent1">
+                <a:shade val="50000"/>
+              </a:schemeClr>
+            </a:lnRef>
+            <a:fillRef idx="1">
+              <a:schemeClr val="accent1"/>
+            </a:fillRef>
+            <a:effectRef idx="0">
+              <a:schemeClr val="accent1"/>
+            </a:effectRef>
+            <a:fontRef idx="minor">
+              <a:schemeClr val="lt1"/>
+            </a:fontRef>
+          </p:style>
+          <p:txBody>
+            <a:bodyPr rtlCol="0" anchor="ctr"/>
+            <a:lstStyle/>
+            <a:p>
+              <a:pPr algn="ctr"/>
+              <a:endParaRPr lang="en-GB"/>
+            </a:p>
+          </p:txBody>
+        </p:sp>
+      </p:grpSp>
+      <p:grpSp>
+        <p:nvGrpSpPr>
+          <p:cNvPr id="67" name="Group 66">
+            <a:extLst>
+              <a:ext uri="{FF2B5EF4-FFF2-40B4-BE49-F238E27FC236}">
+                <a16:creationId xmlns:a16="http://schemas.microsoft.com/office/drawing/2014/main" id="{113BF118-661F-42A5-AED3-3FEBD06948BD}"/>
+              </a:ext>
+            </a:extLst>
+          </p:cNvPr>
+          <p:cNvGrpSpPr/>
+          <p:nvPr/>
+        </p:nvGrpSpPr>
+        <p:grpSpPr>
+          <a:xfrm>
+            <a:off x="2457452" y="2277209"/>
+            <a:ext cx="483577" cy="923330"/>
+            <a:chOff x="1714500" y="1591408"/>
+            <a:chExt cx="483577" cy="923330"/>
+          </a:xfrm>
+        </p:grpSpPr>
+        <p:sp>
+          <p:nvSpPr>
+            <p:cNvPr id="68" name="Rectangle 67">
+              <a:extLst>
+                <a:ext uri="{FF2B5EF4-FFF2-40B4-BE49-F238E27FC236}">
+                  <a16:creationId xmlns:a16="http://schemas.microsoft.com/office/drawing/2014/main" id="{4444B01D-3DED-4831-BE9D-C10B7AF22F25}"/>
+                </a:ext>
+              </a:extLst>
+            </p:cNvPr>
+            <p:cNvSpPr/>
+            <p:nvPr/>
+          </p:nvSpPr>
+          <p:spPr>
+            <a:xfrm>
+              <a:off x="1714500" y="1591408"/>
+              <a:ext cx="483577" cy="461665"/>
+            </a:xfrm>
+            <a:prstGeom prst="rect">
+              <a:avLst/>
+            </a:prstGeom>
+          </p:spPr>
+          <p:style>
+            <a:lnRef idx="2">
+              <a:schemeClr val="accent1">
+                <a:shade val="50000"/>
+              </a:schemeClr>
+            </a:lnRef>
+            <a:fillRef idx="1">
+              <a:schemeClr val="accent1"/>
+            </a:fillRef>
+            <a:effectRef idx="0">
+              <a:schemeClr val="accent1"/>
+            </a:effectRef>
+            <a:fontRef idx="minor">
+              <a:schemeClr val="lt1"/>
+            </a:fontRef>
+          </p:style>
+          <p:txBody>
+            <a:bodyPr rtlCol="0" anchor="ctr"/>
+            <a:lstStyle/>
+            <a:p>
+              <a:pPr algn="ctr"/>
+              <a:endParaRPr lang="en-GB"/>
+            </a:p>
+          </p:txBody>
+        </p:sp>
+        <p:sp>
+          <p:nvSpPr>
+            <p:cNvPr id="69" name="Rectangle 68">
+              <a:extLst>
+                <a:ext uri="{FF2B5EF4-FFF2-40B4-BE49-F238E27FC236}">
+                  <a16:creationId xmlns:a16="http://schemas.microsoft.com/office/drawing/2014/main" id="{92E26926-270D-4119-BD5B-6934C5E2B651}"/>
+                </a:ext>
+              </a:extLst>
+            </p:cNvPr>
+            <p:cNvSpPr/>
+            <p:nvPr/>
+          </p:nvSpPr>
+          <p:spPr>
+            <a:xfrm>
+              <a:off x="1714500" y="2053073"/>
+              <a:ext cx="483577" cy="461665"/>
+            </a:xfrm>
+            <a:prstGeom prst="rect">
+              <a:avLst/>
+            </a:prstGeom>
+            <a:solidFill>
+              <a:schemeClr val="accent3"/>
+            </a:solidFill>
+          </p:spPr>
+          <p:style>
+            <a:lnRef idx="2">
+              <a:schemeClr val="accent1">
+                <a:shade val="50000"/>
+              </a:schemeClr>
+            </a:lnRef>
+            <a:fillRef idx="1">
+              <a:schemeClr val="accent1"/>
+            </a:fillRef>
+            <a:effectRef idx="0">
+              <a:schemeClr val="accent1"/>
+            </a:effectRef>
+            <a:fontRef idx="minor">
+              <a:schemeClr val="lt1"/>
+            </a:fontRef>
+          </p:style>
+          <p:txBody>
+            <a:bodyPr rtlCol="0" anchor="ctr"/>
+            <a:lstStyle/>
+            <a:p>
+              <a:pPr algn="ctr"/>
+              <a:endParaRPr lang="en-GB"/>
+            </a:p>
+          </p:txBody>
+        </p:sp>
+      </p:grpSp>
+      <p:grpSp>
+        <p:nvGrpSpPr>
+          <p:cNvPr id="70" name="Group 69">
+            <a:extLst>
+              <a:ext uri="{FF2B5EF4-FFF2-40B4-BE49-F238E27FC236}">
+                <a16:creationId xmlns:a16="http://schemas.microsoft.com/office/drawing/2014/main" id="{51477DE1-ADB8-4539-829D-C22C727D8EC3}"/>
+              </a:ext>
+            </a:extLst>
+          </p:cNvPr>
+          <p:cNvGrpSpPr/>
+          <p:nvPr/>
+        </p:nvGrpSpPr>
+        <p:grpSpPr>
+          <a:xfrm>
+            <a:off x="2967880" y="2277209"/>
+            <a:ext cx="483577" cy="923330"/>
+            <a:chOff x="1714500" y="1591408"/>
+            <a:chExt cx="483577" cy="923330"/>
+          </a:xfrm>
+        </p:grpSpPr>
+        <p:sp>
+          <p:nvSpPr>
+            <p:cNvPr id="71" name="Rectangle 70">
+              <a:extLst>
+                <a:ext uri="{FF2B5EF4-FFF2-40B4-BE49-F238E27FC236}">
+                  <a16:creationId xmlns:a16="http://schemas.microsoft.com/office/drawing/2014/main" id="{099B2BC2-EE0C-49CF-8DB9-03B73F9D81CC}"/>
+                </a:ext>
+              </a:extLst>
+            </p:cNvPr>
+            <p:cNvSpPr/>
+            <p:nvPr/>
+          </p:nvSpPr>
+          <p:spPr>
+            <a:xfrm>
+              <a:off x="1714500" y="1591408"/>
+              <a:ext cx="483577" cy="461665"/>
+            </a:xfrm>
+            <a:prstGeom prst="rect">
+              <a:avLst/>
+            </a:prstGeom>
+          </p:spPr>
+          <p:style>
+            <a:lnRef idx="2">
+              <a:schemeClr val="accent1">
+                <a:shade val="50000"/>
+              </a:schemeClr>
+            </a:lnRef>
+            <a:fillRef idx="1">
+              <a:schemeClr val="accent1"/>
+            </a:fillRef>
+            <a:effectRef idx="0">
+              <a:schemeClr val="accent1"/>
+            </a:effectRef>
+            <a:fontRef idx="minor">
+              <a:schemeClr val="lt1"/>
+            </a:fontRef>
+          </p:style>
+          <p:txBody>
+            <a:bodyPr rtlCol="0" anchor="ctr"/>
+            <a:lstStyle/>
+            <a:p>
+              <a:pPr algn="ctr"/>
+              <a:endParaRPr lang="en-GB"/>
+            </a:p>
+          </p:txBody>
+        </p:sp>
+        <p:sp>
+          <p:nvSpPr>
+            <p:cNvPr id="72" name="Rectangle 71">
+              <a:extLst>
+                <a:ext uri="{FF2B5EF4-FFF2-40B4-BE49-F238E27FC236}">
+                  <a16:creationId xmlns:a16="http://schemas.microsoft.com/office/drawing/2014/main" id="{750434CC-A8F6-4FFA-8830-B7EDF30F0471}"/>
+                </a:ext>
+              </a:extLst>
+            </p:cNvPr>
+            <p:cNvSpPr/>
+            <p:nvPr/>
+          </p:nvSpPr>
+          <p:spPr>
+            <a:xfrm>
+              <a:off x="1714500" y="2053073"/>
+              <a:ext cx="483577" cy="461665"/>
+            </a:xfrm>
+            <a:prstGeom prst="rect">
+              <a:avLst/>
+            </a:prstGeom>
+            <a:solidFill>
+              <a:schemeClr val="accent3"/>
+            </a:solidFill>
+          </p:spPr>
+          <p:style>
+            <a:lnRef idx="2">
+              <a:schemeClr val="accent1">
+                <a:shade val="50000"/>
+              </a:schemeClr>
+            </a:lnRef>
+            <a:fillRef idx="1">
+              <a:schemeClr val="accent1"/>
+            </a:fillRef>
+            <a:effectRef idx="0">
+              <a:schemeClr val="accent1"/>
+            </a:effectRef>
+            <a:fontRef idx="minor">
+              <a:schemeClr val="lt1"/>
+            </a:fontRef>
+          </p:style>
+          <p:txBody>
+            <a:bodyPr rtlCol="0" anchor="ctr"/>
+            <a:lstStyle/>
+            <a:p>
+              <a:pPr algn="ctr"/>
+              <a:endParaRPr lang="en-GB"/>
+            </a:p>
+          </p:txBody>
+        </p:sp>
+      </p:grpSp>
+      <p:grpSp>
+        <p:nvGrpSpPr>
+          <p:cNvPr id="73" name="Group 72">
+            <a:extLst>
+              <a:ext uri="{FF2B5EF4-FFF2-40B4-BE49-F238E27FC236}">
+                <a16:creationId xmlns:a16="http://schemas.microsoft.com/office/drawing/2014/main" id="{CDC28ED3-8C9C-434C-9E31-E89AE6400FC4}"/>
+              </a:ext>
+            </a:extLst>
+          </p:cNvPr>
+          <p:cNvGrpSpPr/>
+          <p:nvPr/>
+        </p:nvGrpSpPr>
+        <p:grpSpPr>
+          <a:xfrm>
+            <a:off x="3478308" y="2277209"/>
+            <a:ext cx="483577" cy="923330"/>
+            <a:chOff x="1714500" y="1591408"/>
+            <a:chExt cx="483577" cy="923330"/>
+          </a:xfrm>
+        </p:grpSpPr>
+        <p:sp>
+          <p:nvSpPr>
+            <p:cNvPr id="74" name="Rectangle 73">
+              <a:extLst>
+                <a:ext uri="{FF2B5EF4-FFF2-40B4-BE49-F238E27FC236}">
+                  <a16:creationId xmlns:a16="http://schemas.microsoft.com/office/drawing/2014/main" id="{39E84664-57E8-46EE-ABFD-CB5A05B7EE9F}"/>
+                </a:ext>
+              </a:extLst>
+            </p:cNvPr>
+            <p:cNvSpPr/>
+            <p:nvPr/>
+          </p:nvSpPr>
+          <p:spPr>
+            <a:xfrm>
+              <a:off x="1714500" y="1591408"/>
+              <a:ext cx="483577" cy="461665"/>
+            </a:xfrm>
+            <a:prstGeom prst="rect">
+              <a:avLst/>
+            </a:prstGeom>
+          </p:spPr>
+          <p:style>
+            <a:lnRef idx="2">
+              <a:schemeClr val="accent1">
+                <a:shade val="50000"/>
+              </a:schemeClr>
+            </a:lnRef>
+            <a:fillRef idx="1">
+              <a:schemeClr val="accent1"/>
+            </a:fillRef>
+            <a:effectRef idx="0">
+              <a:schemeClr val="accent1"/>
+            </a:effectRef>
+            <a:fontRef idx="minor">
+              <a:schemeClr val="lt1"/>
+            </a:fontRef>
+          </p:style>
+          <p:txBody>
+            <a:bodyPr rtlCol="0" anchor="ctr"/>
+            <a:lstStyle/>
+            <a:p>
+              <a:pPr algn="ctr"/>
+              <a:endParaRPr lang="en-GB"/>
+            </a:p>
+          </p:txBody>
+        </p:sp>
+        <p:sp>
+          <p:nvSpPr>
+            <p:cNvPr id="75" name="Rectangle 74">
+              <a:extLst>
+                <a:ext uri="{FF2B5EF4-FFF2-40B4-BE49-F238E27FC236}">
+                  <a16:creationId xmlns:a16="http://schemas.microsoft.com/office/drawing/2014/main" id="{45761627-7D0F-401F-92D5-1A9C9CDC16D8}"/>
+                </a:ext>
+              </a:extLst>
+            </p:cNvPr>
+            <p:cNvSpPr/>
+            <p:nvPr/>
+          </p:nvSpPr>
+          <p:spPr>
+            <a:xfrm>
+              <a:off x="1714500" y="2053073"/>
+              <a:ext cx="483577" cy="461665"/>
+            </a:xfrm>
+            <a:prstGeom prst="rect">
+              <a:avLst/>
+            </a:prstGeom>
+            <a:solidFill>
+              <a:schemeClr val="accent3"/>
+            </a:solidFill>
+          </p:spPr>
+          <p:style>
+            <a:lnRef idx="2">
+              <a:schemeClr val="accent1">
+                <a:shade val="50000"/>
+              </a:schemeClr>
+            </a:lnRef>
+            <a:fillRef idx="1">
+              <a:schemeClr val="accent1"/>
+            </a:fillRef>
+            <a:effectRef idx="0">
+              <a:schemeClr val="accent1"/>
+            </a:effectRef>
+            <a:fontRef idx="minor">
+              <a:schemeClr val="lt1"/>
+            </a:fontRef>
+          </p:style>
+          <p:txBody>
+            <a:bodyPr rtlCol="0" anchor="ctr"/>
+            <a:lstStyle/>
+            <a:p>
+              <a:pPr algn="ctr"/>
+              <a:endParaRPr lang="en-GB"/>
+            </a:p>
+          </p:txBody>
+        </p:sp>
+      </p:grpSp>
+      <p:grpSp>
+        <p:nvGrpSpPr>
+          <p:cNvPr id="76" name="Group 75">
+            <a:extLst>
+              <a:ext uri="{FF2B5EF4-FFF2-40B4-BE49-F238E27FC236}">
+                <a16:creationId xmlns:a16="http://schemas.microsoft.com/office/drawing/2014/main" id="{65CE4FAD-3956-4A4B-A55A-66D13B94CAE8}"/>
+              </a:ext>
+            </a:extLst>
+          </p:cNvPr>
+          <p:cNvGrpSpPr/>
+          <p:nvPr/>
+        </p:nvGrpSpPr>
+        <p:grpSpPr>
+          <a:xfrm>
+            <a:off x="3988736" y="2277209"/>
+            <a:ext cx="483577" cy="923330"/>
+            <a:chOff x="1714500" y="1591408"/>
+            <a:chExt cx="483577" cy="923330"/>
+          </a:xfrm>
+        </p:grpSpPr>
+        <p:sp>
+          <p:nvSpPr>
+            <p:cNvPr id="77" name="Rectangle 76">
+              <a:extLst>
+                <a:ext uri="{FF2B5EF4-FFF2-40B4-BE49-F238E27FC236}">
+                  <a16:creationId xmlns:a16="http://schemas.microsoft.com/office/drawing/2014/main" id="{766AE563-7AAB-4ECD-BA68-4B403611842D}"/>
+                </a:ext>
+              </a:extLst>
+            </p:cNvPr>
+            <p:cNvSpPr/>
+            <p:nvPr/>
+          </p:nvSpPr>
+          <p:spPr>
+            <a:xfrm>
+              <a:off x="1714500" y="1591408"/>
+              <a:ext cx="483577" cy="461665"/>
+            </a:xfrm>
+            <a:prstGeom prst="rect">
+              <a:avLst/>
+            </a:prstGeom>
+          </p:spPr>
+          <p:style>
+            <a:lnRef idx="2">
+              <a:schemeClr val="accent1">
+                <a:shade val="50000"/>
+              </a:schemeClr>
+            </a:lnRef>
+            <a:fillRef idx="1">
+              <a:schemeClr val="accent1"/>
+            </a:fillRef>
+            <a:effectRef idx="0">
+              <a:schemeClr val="accent1"/>
+            </a:effectRef>
+            <a:fontRef idx="minor">
+              <a:schemeClr val="lt1"/>
+            </a:fontRef>
+          </p:style>
+          <p:txBody>
+            <a:bodyPr rtlCol="0" anchor="ctr"/>
+            <a:lstStyle/>
+            <a:p>
+              <a:pPr algn="ctr"/>
+              <a:endParaRPr lang="en-GB"/>
+            </a:p>
+          </p:txBody>
+        </p:sp>
+        <p:sp>
+          <p:nvSpPr>
+            <p:cNvPr id="78" name="Rectangle 77">
+              <a:extLst>
+                <a:ext uri="{FF2B5EF4-FFF2-40B4-BE49-F238E27FC236}">
+                  <a16:creationId xmlns:a16="http://schemas.microsoft.com/office/drawing/2014/main" id="{E1DC1561-0012-4797-8BF0-4C307FF713E0}"/>
+                </a:ext>
+              </a:extLst>
+            </p:cNvPr>
+            <p:cNvSpPr/>
+            <p:nvPr/>
+          </p:nvSpPr>
+          <p:spPr>
+            <a:xfrm>
+              <a:off x="1714500" y="2053073"/>
+              <a:ext cx="483577" cy="461665"/>
+            </a:xfrm>
+            <a:prstGeom prst="rect">
+              <a:avLst/>
+            </a:prstGeom>
+            <a:solidFill>
+              <a:schemeClr val="accent3"/>
+            </a:solidFill>
+          </p:spPr>
+          <p:style>
+            <a:lnRef idx="2">
+              <a:schemeClr val="accent1">
+                <a:shade val="50000"/>
+              </a:schemeClr>
+            </a:lnRef>
+            <a:fillRef idx="1">
+              <a:schemeClr val="accent1"/>
+            </a:fillRef>
+            <a:effectRef idx="0">
+              <a:schemeClr val="accent1"/>
+            </a:effectRef>
+            <a:fontRef idx="minor">
+              <a:schemeClr val="lt1"/>
+            </a:fontRef>
+          </p:style>
+          <p:txBody>
+            <a:bodyPr rtlCol="0" anchor="ctr"/>
+            <a:lstStyle/>
+            <a:p>
+              <a:pPr algn="ctr"/>
+              <a:endParaRPr lang="en-GB"/>
+            </a:p>
+          </p:txBody>
+        </p:sp>
+      </p:grpSp>
+      <p:grpSp>
+        <p:nvGrpSpPr>
+          <p:cNvPr id="79" name="Group 78">
+            <a:extLst>
+              <a:ext uri="{FF2B5EF4-FFF2-40B4-BE49-F238E27FC236}">
+                <a16:creationId xmlns:a16="http://schemas.microsoft.com/office/drawing/2014/main" id="{AA7320CD-E2C2-4E5F-A04A-F270D25DD669}"/>
+              </a:ext>
+            </a:extLst>
+          </p:cNvPr>
+          <p:cNvGrpSpPr/>
+          <p:nvPr/>
+        </p:nvGrpSpPr>
+        <p:grpSpPr>
+          <a:xfrm>
+            <a:off x="4499164" y="2277209"/>
+            <a:ext cx="483577" cy="923330"/>
+            <a:chOff x="1714500" y="1591408"/>
+            <a:chExt cx="483577" cy="923330"/>
+          </a:xfrm>
+        </p:grpSpPr>
+        <p:sp>
+          <p:nvSpPr>
+            <p:cNvPr id="80" name="Rectangle 79">
+              <a:extLst>
+                <a:ext uri="{FF2B5EF4-FFF2-40B4-BE49-F238E27FC236}">
+                  <a16:creationId xmlns:a16="http://schemas.microsoft.com/office/drawing/2014/main" id="{7698A794-3CE3-4BBC-BEEB-8D0D6C1EF54C}"/>
+                </a:ext>
+              </a:extLst>
+            </p:cNvPr>
+            <p:cNvSpPr/>
+            <p:nvPr/>
+          </p:nvSpPr>
+          <p:spPr>
+            <a:xfrm>
+              <a:off x="1714500" y="1591408"/>
+              <a:ext cx="483577" cy="461665"/>
+            </a:xfrm>
+            <a:prstGeom prst="rect">
+              <a:avLst/>
+            </a:prstGeom>
+          </p:spPr>
+          <p:style>
+            <a:lnRef idx="2">
+              <a:schemeClr val="accent1">
+                <a:shade val="50000"/>
+              </a:schemeClr>
+            </a:lnRef>
+            <a:fillRef idx="1">
+              <a:schemeClr val="accent1"/>
+            </a:fillRef>
+            <a:effectRef idx="0">
+              <a:schemeClr val="accent1"/>
+            </a:effectRef>
+            <a:fontRef idx="minor">
+              <a:schemeClr val="lt1"/>
+            </a:fontRef>
+          </p:style>
+          <p:txBody>
+            <a:bodyPr rtlCol="0" anchor="ctr"/>
+            <a:lstStyle/>
+            <a:p>
+              <a:pPr algn="ctr"/>
+              <a:endParaRPr lang="en-GB"/>
+            </a:p>
+          </p:txBody>
+        </p:sp>
+        <p:sp>
+          <p:nvSpPr>
+            <p:cNvPr id="81" name="Rectangle 80">
+              <a:extLst>
+                <a:ext uri="{FF2B5EF4-FFF2-40B4-BE49-F238E27FC236}">
+                  <a16:creationId xmlns:a16="http://schemas.microsoft.com/office/drawing/2014/main" id="{D49C15A5-ABD8-4B96-B58D-081F1BE951A6}"/>
+                </a:ext>
+              </a:extLst>
+            </p:cNvPr>
+            <p:cNvSpPr/>
+            <p:nvPr/>
+          </p:nvSpPr>
+          <p:spPr>
+            <a:xfrm>
+              <a:off x="1714500" y="2053073"/>
+              <a:ext cx="483577" cy="461665"/>
+            </a:xfrm>
+            <a:prstGeom prst="rect">
+              <a:avLst/>
+            </a:prstGeom>
+            <a:solidFill>
+              <a:schemeClr val="accent3"/>
+            </a:solidFill>
+          </p:spPr>
+          <p:style>
+            <a:lnRef idx="2">
+              <a:schemeClr val="accent1">
+                <a:shade val="50000"/>
+              </a:schemeClr>
+            </a:lnRef>
+            <a:fillRef idx="1">
+              <a:schemeClr val="accent1"/>
+            </a:fillRef>
+            <a:effectRef idx="0">
+              <a:schemeClr val="accent1"/>
+            </a:effectRef>
+            <a:fontRef idx="minor">
+              <a:schemeClr val="lt1"/>
+            </a:fontRef>
+          </p:style>
+          <p:txBody>
+            <a:bodyPr rtlCol="0" anchor="ctr"/>
+            <a:lstStyle/>
+            <a:p>
+              <a:pPr algn="ctr"/>
+              <a:endParaRPr lang="en-GB"/>
+            </a:p>
+          </p:txBody>
+        </p:sp>
+      </p:grpSp>
+      <p:grpSp>
+        <p:nvGrpSpPr>
+          <p:cNvPr id="82" name="Group 81">
+            <a:extLst>
+              <a:ext uri="{FF2B5EF4-FFF2-40B4-BE49-F238E27FC236}">
+                <a16:creationId xmlns:a16="http://schemas.microsoft.com/office/drawing/2014/main" id="{E60878DA-D2B2-4986-9B51-094AB4ADEB13}"/>
+              </a:ext>
+            </a:extLst>
+          </p:cNvPr>
+          <p:cNvGrpSpPr/>
+          <p:nvPr/>
+        </p:nvGrpSpPr>
+        <p:grpSpPr>
+          <a:xfrm>
+            <a:off x="5009592" y="2277209"/>
+            <a:ext cx="483577" cy="923330"/>
+            <a:chOff x="1714500" y="1591408"/>
+            <a:chExt cx="483577" cy="923330"/>
+          </a:xfrm>
+        </p:grpSpPr>
+        <p:sp>
+          <p:nvSpPr>
+            <p:cNvPr id="83" name="Rectangle 82">
+              <a:extLst>
+                <a:ext uri="{FF2B5EF4-FFF2-40B4-BE49-F238E27FC236}">
+                  <a16:creationId xmlns:a16="http://schemas.microsoft.com/office/drawing/2014/main" id="{2924BD3C-0199-49A5-B11E-77DEC51423CD}"/>
+                </a:ext>
+              </a:extLst>
+            </p:cNvPr>
+            <p:cNvSpPr/>
+            <p:nvPr/>
+          </p:nvSpPr>
+          <p:spPr>
+            <a:xfrm>
+              <a:off x="1714500" y="1591408"/>
+              <a:ext cx="483577" cy="461665"/>
+            </a:xfrm>
+            <a:prstGeom prst="rect">
+              <a:avLst/>
+            </a:prstGeom>
+          </p:spPr>
+          <p:style>
+            <a:lnRef idx="2">
+              <a:schemeClr val="accent1">
+                <a:shade val="50000"/>
+              </a:schemeClr>
+            </a:lnRef>
+            <a:fillRef idx="1">
+              <a:schemeClr val="accent1"/>
+            </a:fillRef>
+            <a:effectRef idx="0">
+              <a:schemeClr val="accent1"/>
+            </a:effectRef>
+            <a:fontRef idx="minor">
+              <a:schemeClr val="lt1"/>
+            </a:fontRef>
+          </p:style>
+          <p:txBody>
+            <a:bodyPr rtlCol="0" anchor="ctr"/>
+            <a:lstStyle/>
+            <a:p>
+              <a:pPr algn="ctr"/>
+              <a:endParaRPr lang="en-GB"/>
+            </a:p>
+          </p:txBody>
+        </p:sp>
+        <p:sp>
+          <p:nvSpPr>
+            <p:cNvPr id="84" name="Rectangle 83">
+              <a:extLst>
+                <a:ext uri="{FF2B5EF4-FFF2-40B4-BE49-F238E27FC236}">
+                  <a16:creationId xmlns:a16="http://schemas.microsoft.com/office/drawing/2014/main" id="{E8A67E25-54FB-44B6-8D10-92B3EB04B109}"/>
+                </a:ext>
+              </a:extLst>
+            </p:cNvPr>
+            <p:cNvSpPr/>
+            <p:nvPr/>
+          </p:nvSpPr>
+          <p:spPr>
+            <a:xfrm>
+              <a:off x="1714500" y="2053073"/>
+              <a:ext cx="483577" cy="461665"/>
+            </a:xfrm>
+            <a:prstGeom prst="rect">
+              <a:avLst/>
+            </a:prstGeom>
+            <a:solidFill>
+              <a:schemeClr val="accent3"/>
+            </a:solidFill>
+          </p:spPr>
+          <p:style>
+            <a:lnRef idx="2">
+              <a:schemeClr val="accent1">
+                <a:shade val="50000"/>
+              </a:schemeClr>
+            </a:lnRef>
+            <a:fillRef idx="1">
+              <a:schemeClr val="accent1"/>
+            </a:fillRef>
+            <a:effectRef idx="0">
+              <a:schemeClr val="accent1"/>
+            </a:effectRef>
+            <a:fontRef idx="minor">
+              <a:schemeClr val="lt1"/>
+            </a:fontRef>
+          </p:style>
+          <p:txBody>
+            <a:bodyPr rtlCol="0" anchor="ctr"/>
+            <a:lstStyle/>
+            <a:p>
+              <a:pPr algn="ctr"/>
+              <a:endParaRPr lang="en-GB"/>
+            </a:p>
+          </p:txBody>
+        </p:sp>
+      </p:grpSp>
+      <p:grpSp>
+        <p:nvGrpSpPr>
+          <p:cNvPr id="85" name="Group 84">
+            <a:extLst>
+              <a:ext uri="{FF2B5EF4-FFF2-40B4-BE49-F238E27FC236}">
+                <a16:creationId xmlns:a16="http://schemas.microsoft.com/office/drawing/2014/main" id="{9AD41AE9-3DE8-4607-8F32-DB4D04DEBCF9}"/>
+              </a:ext>
+            </a:extLst>
+          </p:cNvPr>
+          <p:cNvGrpSpPr/>
+          <p:nvPr/>
+        </p:nvGrpSpPr>
+        <p:grpSpPr>
+          <a:xfrm>
+            <a:off x="5520020" y="2277209"/>
+            <a:ext cx="483577" cy="923330"/>
+            <a:chOff x="1714500" y="1591408"/>
+            <a:chExt cx="483577" cy="923330"/>
+          </a:xfrm>
+        </p:grpSpPr>
+        <p:sp>
+          <p:nvSpPr>
+            <p:cNvPr id="86" name="Rectangle 85">
+              <a:extLst>
+                <a:ext uri="{FF2B5EF4-FFF2-40B4-BE49-F238E27FC236}">
+                  <a16:creationId xmlns:a16="http://schemas.microsoft.com/office/drawing/2014/main" id="{6CFE3B9A-ACBD-48DB-92AF-72D04A623709}"/>
+                </a:ext>
+              </a:extLst>
+            </p:cNvPr>
+            <p:cNvSpPr/>
+            <p:nvPr/>
+          </p:nvSpPr>
+          <p:spPr>
+            <a:xfrm>
+              <a:off x="1714500" y="1591408"/>
+              <a:ext cx="483577" cy="461665"/>
+            </a:xfrm>
+            <a:prstGeom prst="rect">
+              <a:avLst/>
+            </a:prstGeom>
+          </p:spPr>
+          <p:style>
+            <a:lnRef idx="2">
+              <a:schemeClr val="accent1">
+                <a:shade val="50000"/>
+              </a:schemeClr>
+            </a:lnRef>
+            <a:fillRef idx="1">
+              <a:schemeClr val="accent1"/>
+            </a:fillRef>
+            <a:effectRef idx="0">
+              <a:schemeClr val="accent1"/>
+            </a:effectRef>
+            <a:fontRef idx="minor">
+              <a:schemeClr val="lt1"/>
+            </a:fontRef>
+          </p:style>
+          <p:txBody>
+            <a:bodyPr rtlCol="0" anchor="ctr"/>
+            <a:lstStyle/>
+            <a:p>
+              <a:pPr algn="ctr"/>
+              <a:endParaRPr lang="en-GB"/>
+            </a:p>
+          </p:txBody>
+        </p:sp>
+        <p:sp>
+          <p:nvSpPr>
+            <p:cNvPr id="87" name="Rectangle 86">
+              <a:extLst>
+                <a:ext uri="{FF2B5EF4-FFF2-40B4-BE49-F238E27FC236}">
+                  <a16:creationId xmlns:a16="http://schemas.microsoft.com/office/drawing/2014/main" id="{00DD0895-4F5D-43F3-AAB4-21D16DC850EE}"/>
+                </a:ext>
+              </a:extLst>
+            </p:cNvPr>
+            <p:cNvSpPr/>
+            <p:nvPr/>
+          </p:nvSpPr>
+          <p:spPr>
+            <a:xfrm>
+              <a:off x="1714500" y="2053073"/>
+              <a:ext cx="483577" cy="461665"/>
+            </a:xfrm>
+            <a:prstGeom prst="rect">
+              <a:avLst/>
+            </a:prstGeom>
+            <a:solidFill>
+              <a:schemeClr val="accent3"/>
+            </a:solidFill>
+          </p:spPr>
+          <p:style>
+            <a:lnRef idx="2">
+              <a:schemeClr val="accent1">
+                <a:shade val="50000"/>
+              </a:schemeClr>
+            </a:lnRef>
+            <a:fillRef idx="1">
+              <a:schemeClr val="accent1"/>
+            </a:fillRef>
+            <a:effectRef idx="0">
+              <a:schemeClr val="accent1"/>
+            </a:effectRef>
+            <a:fontRef idx="minor">
+              <a:schemeClr val="lt1"/>
+            </a:fontRef>
+          </p:style>
+          <p:txBody>
+            <a:bodyPr rtlCol="0" anchor="ctr"/>
+            <a:lstStyle/>
+            <a:p>
+              <a:pPr algn="ctr"/>
+              <a:endParaRPr lang="en-GB"/>
+            </a:p>
+          </p:txBody>
+        </p:sp>
+      </p:grpSp>
+      <p:grpSp>
+        <p:nvGrpSpPr>
+          <p:cNvPr id="88" name="Group 87">
+            <a:extLst>
+              <a:ext uri="{FF2B5EF4-FFF2-40B4-BE49-F238E27FC236}">
+                <a16:creationId xmlns:a16="http://schemas.microsoft.com/office/drawing/2014/main" id="{90126F34-CD92-4AF7-A17C-8BADB4305CBC}"/>
+              </a:ext>
+            </a:extLst>
+          </p:cNvPr>
+          <p:cNvGrpSpPr/>
+          <p:nvPr/>
+        </p:nvGrpSpPr>
+        <p:grpSpPr>
+          <a:xfrm>
+            <a:off x="6030448" y="2277209"/>
+            <a:ext cx="483577" cy="923330"/>
+            <a:chOff x="1714500" y="1591408"/>
+            <a:chExt cx="483577" cy="923330"/>
+          </a:xfrm>
+        </p:grpSpPr>
+        <p:sp>
+          <p:nvSpPr>
+            <p:cNvPr id="89" name="Rectangle 88">
+              <a:extLst>
+                <a:ext uri="{FF2B5EF4-FFF2-40B4-BE49-F238E27FC236}">
+                  <a16:creationId xmlns:a16="http://schemas.microsoft.com/office/drawing/2014/main" id="{8ABE7218-DADF-4C43-A0F2-A5C10087F9D4}"/>
+                </a:ext>
+              </a:extLst>
+            </p:cNvPr>
+            <p:cNvSpPr/>
+            <p:nvPr/>
+          </p:nvSpPr>
+          <p:spPr>
+            <a:xfrm>
+              <a:off x="1714500" y="1591408"/>
+              <a:ext cx="483577" cy="461665"/>
+            </a:xfrm>
+            <a:prstGeom prst="rect">
+              <a:avLst/>
+            </a:prstGeom>
+          </p:spPr>
+          <p:style>
+            <a:lnRef idx="2">
+              <a:schemeClr val="accent1">
+                <a:shade val="50000"/>
+              </a:schemeClr>
+            </a:lnRef>
+            <a:fillRef idx="1">
+              <a:schemeClr val="accent1"/>
+            </a:fillRef>
+            <a:effectRef idx="0">
+              <a:schemeClr val="accent1"/>
+            </a:effectRef>
+            <a:fontRef idx="minor">
+              <a:schemeClr val="lt1"/>
+            </a:fontRef>
+          </p:style>
+          <p:txBody>
+            <a:bodyPr rtlCol="0" anchor="ctr"/>
+            <a:lstStyle/>
+            <a:p>
+              <a:pPr algn="ctr"/>
+              <a:endParaRPr lang="en-GB"/>
+            </a:p>
+          </p:txBody>
+        </p:sp>
+        <p:sp>
+          <p:nvSpPr>
+            <p:cNvPr id="90" name="Rectangle 89">
+              <a:extLst>
+                <a:ext uri="{FF2B5EF4-FFF2-40B4-BE49-F238E27FC236}">
+                  <a16:creationId xmlns:a16="http://schemas.microsoft.com/office/drawing/2014/main" id="{01DEF27C-D1E8-4599-A887-80CB537D4C27}"/>
+                </a:ext>
+              </a:extLst>
+            </p:cNvPr>
+            <p:cNvSpPr/>
+            <p:nvPr/>
+          </p:nvSpPr>
+          <p:spPr>
+            <a:xfrm>
+              <a:off x="1714500" y="2053073"/>
+              <a:ext cx="483577" cy="461665"/>
+            </a:xfrm>
+            <a:prstGeom prst="rect">
+              <a:avLst/>
+            </a:prstGeom>
+            <a:solidFill>
+              <a:schemeClr val="accent3"/>
+            </a:solidFill>
+          </p:spPr>
+          <p:style>
+            <a:lnRef idx="2">
+              <a:schemeClr val="accent1">
+                <a:shade val="50000"/>
+              </a:schemeClr>
+            </a:lnRef>
+            <a:fillRef idx="1">
+              <a:schemeClr val="accent1"/>
+            </a:fillRef>
+            <a:effectRef idx="0">
+              <a:schemeClr val="accent1"/>
+            </a:effectRef>
+            <a:fontRef idx="minor">
+              <a:schemeClr val="lt1"/>
+            </a:fontRef>
+          </p:style>
+          <p:txBody>
+            <a:bodyPr rtlCol="0" anchor="ctr"/>
+            <a:lstStyle/>
+            <a:p>
+              <a:pPr algn="ctr"/>
+              <a:endParaRPr lang="en-GB"/>
+            </a:p>
+          </p:txBody>
+        </p:sp>
+      </p:grpSp>
+      <p:grpSp>
+        <p:nvGrpSpPr>
+          <p:cNvPr id="91" name="Group 90">
+            <a:extLst>
+              <a:ext uri="{FF2B5EF4-FFF2-40B4-BE49-F238E27FC236}">
+                <a16:creationId xmlns:a16="http://schemas.microsoft.com/office/drawing/2014/main" id="{31783236-903A-49A5-94CE-86B348EDF3AA}"/>
+              </a:ext>
+            </a:extLst>
+          </p:cNvPr>
+          <p:cNvGrpSpPr/>
+          <p:nvPr/>
+        </p:nvGrpSpPr>
+        <p:grpSpPr>
+          <a:xfrm>
+            <a:off x="6540876" y="2277209"/>
+            <a:ext cx="483577" cy="923330"/>
+            <a:chOff x="1714500" y="1591408"/>
+            <a:chExt cx="483577" cy="923330"/>
+          </a:xfrm>
+        </p:grpSpPr>
+        <p:sp>
+          <p:nvSpPr>
+            <p:cNvPr id="92" name="Rectangle 91">
+              <a:extLst>
+                <a:ext uri="{FF2B5EF4-FFF2-40B4-BE49-F238E27FC236}">
+                  <a16:creationId xmlns:a16="http://schemas.microsoft.com/office/drawing/2014/main" id="{C880895A-B6A5-498A-A0F5-35727C2C6514}"/>
+                </a:ext>
+              </a:extLst>
+            </p:cNvPr>
+            <p:cNvSpPr/>
+            <p:nvPr/>
+          </p:nvSpPr>
+          <p:spPr>
+            <a:xfrm>
+              <a:off x="1714500" y="1591408"/>
+              <a:ext cx="483577" cy="461665"/>
+            </a:xfrm>
+            <a:prstGeom prst="rect">
+              <a:avLst/>
+            </a:prstGeom>
+          </p:spPr>
+          <p:style>
+            <a:lnRef idx="2">
+              <a:schemeClr val="accent1">
+                <a:shade val="50000"/>
+              </a:schemeClr>
+            </a:lnRef>
+            <a:fillRef idx="1">
+              <a:schemeClr val="accent1"/>
+            </a:fillRef>
+            <a:effectRef idx="0">
+              <a:schemeClr val="accent1"/>
+            </a:effectRef>
+            <a:fontRef idx="minor">
+              <a:schemeClr val="lt1"/>
+            </a:fontRef>
+          </p:style>
+          <p:txBody>
+            <a:bodyPr rtlCol="0" anchor="ctr"/>
+            <a:lstStyle/>
+            <a:p>
+              <a:pPr algn="ctr"/>
+              <a:endParaRPr lang="en-GB"/>
+            </a:p>
+          </p:txBody>
+        </p:sp>
+        <p:sp>
+          <p:nvSpPr>
+            <p:cNvPr id="93" name="Rectangle 92">
+              <a:extLst>
+                <a:ext uri="{FF2B5EF4-FFF2-40B4-BE49-F238E27FC236}">
+                  <a16:creationId xmlns:a16="http://schemas.microsoft.com/office/drawing/2014/main" id="{3EB03234-A890-4E93-8A6D-A6733CE954D7}"/>
+                </a:ext>
+              </a:extLst>
+            </p:cNvPr>
+            <p:cNvSpPr/>
+            <p:nvPr/>
+          </p:nvSpPr>
+          <p:spPr>
+            <a:xfrm>
+              <a:off x="1714500" y="2053073"/>
+              <a:ext cx="483577" cy="461665"/>
+            </a:xfrm>
+            <a:prstGeom prst="rect">
+              <a:avLst/>
+            </a:prstGeom>
+            <a:solidFill>
+              <a:schemeClr val="accent3"/>
+            </a:solidFill>
+          </p:spPr>
+          <p:style>
+            <a:lnRef idx="2">
+              <a:schemeClr val="accent1">
+                <a:shade val="50000"/>
+              </a:schemeClr>
+            </a:lnRef>
+            <a:fillRef idx="1">
+              <a:schemeClr val="accent1"/>
+            </a:fillRef>
+            <a:effectRef idx="0">
+              <a:schemeClr val="accent1"/>
+            </a:effectRef>
+            <a:fontRef idx="minor">
+              <a:schemeClr val="lt1"/>
+            </a:fontRef>
+          </p:style>
+          <p:txBody>
+            <a:bodyPr rtlCol="0" anchor="ctr"/>
+            <a:lstStyle/>
+            <a:p>
+              <a:pPr algn="ctr"/>
+              <a:endParaRPr lang="en-GB"/>
+            </a:p>
+          </p:txBody>
+        </p:sp>
+      </p:grpSp>
+      <p:grpSp>
+        <p:nvGrpSpPr>
+          <p:cNvPr id="94" name="Group 93">
+            <a:extLst>
+              <a:ext uri="{FF2B5EF4-FFF2-40B4-BE49-F238E27FC236}">
+                <a16:creationId xmlns:a16="http://schemas.microsoft.com/office/drawing/2014/main" id="{6D5FF56C-3F65-4BD2-A022-48C094AE7C2D}"/>
+              </a:ext>
+            </a:extLst>
+          </p:cNvPr>
+          <p:cNvGrpSpPr/>
+          <p:nvPr/>
+        </p:nvGrpSpPr>
+        <p:grpSpPr>
+          <a:xfrm>
+            <a:off x="7051304" y="2277209"/>
+            <a:ext cx="483577" cy="923330"/>
+            <a:chOff x="1714500" y="1591408"/>
+            <a:chExt cx="483577" cy="923330"/>
+          </a:xfrm>
+        </p:grpSpPr>
+        <p:sp>
+          <p:nvSpPr>
+            <p:cNvPr id="95" name="Rectangle 94">
+              <a:extLst>
+                <a:ext uri="{FF2B5EF4-FFF2-40B4-BE49-F238E27FC236}">
+                  <a16:creationId xmlns:a16="http://schemas.microsoft.com/office/drawing/2014/main" id="{97100DA1-E118-4937-B909-4F118BB4AF08}"/>
+                </a:ext>
+              </a:extLst>
+            </p:cNvPr>
+            <p:cNvSpPr/>
+            <p:nvPr/>
+          </p:nvSpPr>
+          <p:spPr>
+            <a:xfrm>
+              <a:off x="1714500" y="1591408"/>
+              <a:ext cx="483577" cy="461665"/>
+            </a:xfrm>
+            <a:prstGeom prst="rect">
+              <a:avLst/>
+            </a:prstGeom>
+          </p:spPr>
+          <p:style>
+            <a:lnRef idx="2">
+              <a:schemeClr val="accent1">
+                <a:shade val="50000"/>
+              </a:schemeClr>
+            </a:lnRef>
+            <a:fillRef idx="1">
+              <a:schemeClr val="accent1"/>
+            </a:fillRef>
+            <a:effectRef idx="0">
+              <a:schemeClr val="accent1"/>
+            </a:effectRef>
+            <a:fontRef idx="minor">
+              <a:schemeClr val="lt1"/>
+            </a:fontRef>
+          </p:style>
+          <p:txBody>
+            <a:bodyPr rtlCol="0" anchor="ctr"/>
+            <a:lstStyle/>
+            <a:p>
+              <a:pPr algn="ctr"/>
+              <a:endParaRPr lang="en-GB"/>
+            </a:p>
+          </p:txBody>
+        </p:sp>
+        <p:sp>
+          <p:nvSpPr>
+            <p:cNvPr id="96" name="Rectangle 95">
+              <a:extLst>
+                <a:ext uri="{FF2B5EF4-FFF2-40B4-BE49-F238E27FC236}">
+                  <a16:creationId xmlns:a16="http://schemas.microsoft.com/office/drawing/2014/main" id="{AE6E58DF-EFB3-42EA-9F73-994E58E99182}"/>
+                </a:ext>
+              </a:extLst>
+            </p:cNvPr>
+            <p:cNvSpPr/>
+            <p:nvPr/>
+          </p:nvSpPr>
+          <p:spPr>
+            <a:xfrm>
+              <a:off x="1714500" y="2053073"/>
+              <a:ext cx="483577" cy="461665"/>
+            </a:xfrm>
+            <a:prstGeom prst="rect">
+              <a:avLst/>
+            </a:prstGeom>
+            <a:solidFill>
+              <a:schemeClr val="accent3"/>
+            </a:solidFill>
+          </p:spPr>
+          <p:style>
+            <a:lnRef idx="2">
+              <a:schemeClr val="accent1">
+                <a:shade val="50000"/>
+              </a:schemeClr>
+            </a:lnRef>
+            <a:fillRef idx="1">
+              <a:schemeClr val="accent1"/>
+            </a:fillRef>
+            <a:effectRef idx="0">
+              <a:schemeClr val="accent1"/>
+            </a:effectRef>
+            <a:fontRef idx="minor">
+              <a:schemeClr val="lt1"/>
+            </a:fontRef>
+          </p:style>
+          <p:txBody>
+            <a:bodyPr rtlCol="0" anchor="ctr"/>
+            <a:lstStyle/>
+            <a:p>
+              <a:pPr algn="ctr"/>
+              <a:endParaRPr lang="en-GB"/>
+            </a:p>
+          </p:txBody>
+        </p:sp>
+      </p:grpSp>
+      <p:grpSp>
+        <p:nvGrpSpPr>
+          <p:cNvPr id="97" name="Group 96">
+            <a:extLst>
+              <a:ext uri="{FF2B5EF4-FFF2-40B4-BE49-F238E27FC236}">
+                <a16:creationId xmlns:a16="http://schemas.microsoft.com/office/drawing/2014/main" id="{CDE9CFCF-A8CD-4AF7-AE7D-668BCF3FDBBA}"/>
+              </a:ext>
+            </a:extLst>
+          </p:cNvPr>
+          <p:cNvGrpSpPr/>
+          <p:nvPr/>
+        </p:nvGrpSpPr>
+        <p:grpSpPr>
+          <a:xfrm>
+            <a:off x="7561732" y="2277209"/>
+            <a:ext cx="483577" cy="923330"/>
+            <a:chOff x="1714500" y="1591408"/>
+            <a:chExt cx="483577" cy="923330"/>
+          </a:xfrm>
+        </p:grpSpPr>
+        <p:sp>
+          <p:nvSpPr>
+            <p:cNvPr id="98" name="Rectangle 97">
+              <a:extLst>
+                <a:ext uri="{FF2B5EF4-FFF2-40B4-BE49-F238E27FC236}">
+                  <a16:creationId xmlns:a16="http://schemas.microsoft.com/office/drawing/2014/main" id="{2FD4FFBA-AF67-405D-9E48-C91DFD75D10B}"/>
+                </a:ext>
+              </a:extLst>
+            </p:cNvPr>
+            <p:cNvSpPr/>
+            <p:nvPr/>
+          </p:nvSpPr>
+          <p:spPr>
+            <a:xfrm>
+              <a:off x="1714500" y="1591408"/>
+              <a:ext cx="483577" cy="461665"/>
+            </a:xfrm>
+            <a:prstGeom prst="rect">
+              <a:avLst/>
+            </a:prstGeom>
+          </p:spPr>
+          <p:style>
+            <a:lnRef idx="2">
+              <a:schemeClr val="accent1">
+                <a:shade val="50000"/>
+              </a:schemeClr>
+            </a:lnRef>
+            <a:fillRef idx="1">
+              <a:schemeClr val="accent1"/>
+            </a:fillRef>
+            <a:effectRef idx="0">
+              <a:schemeClr val="accent1"/>
+            </a:effectRef>
+            <a:fontRef idx="minor">
+              <a:schemeClr val="lt1"/>
+            </a:fontRef>
+          </p:style>
+          <p:txBody>
+            <a:bodyPr rtlCol="0" anchor="ctr"/>
+            <a:lstStyle/>
+            <a:p>
+              <a:pPr algn="ctr"/>
+              <a:endParaRPr lang="en-GB"/>
+            </a:p>
+          </p:txBody>
+        </p:sp>
+        <p:sp>
+          <p:nvSpPr>
+            <p:cNvPr id="99" name="Rectangle 98">
+              <a:extLst>
+                <a:ext uri="{FF2B5EF4-FFF2-40B4-BE49-F238E27FC236}">
+                  <a16:creationId xmlns:a16="http://schemas.microsoft.com/office/drawing/2014/main" id="{1FFF5589-8088-48C7-8E53-CC6448ACE929}"/>
+                </a:ext>
+              </a:extLst>
+            </p:cNvPr>
+            <p:cNvSpPr/>
+            <p:nvPr/>
+          </p:nvSpPr>
+          <p:spPr>
+            <a:xfrm>
+              <a:off x="1714500" y="2053073"/>
+              <a:ext cx="483577" cy="461665"/>
+            </a:xfrm>
+            <a:prstGeom prst="rect">
+              <a:avLst/>
+            </a:prstGeom>
+            <a:solidFill>
+              <a:schemeClr val="accent3"/>
+            </a:solidFill>
+          </p:spPr>
+          <p:style>
+            <a:lnRef idx="2">
+              <a:schemeClr val="accent1">
+                <a:shade val="50000"/>
+              </a:schemeClr>
+            </a:lnRef>
+            <a:fillRef idx="1">
+              <a:schemeClr val="accent1"/>
+            </a:fillRef>
+            <a:effectRef idx="0">
+              <a:schemeClr val="accent1"/>
+            </a:effectRef>
+            <a:fontRef idx="minor">
+              <a:schemeClr val="lt1"/>
+            </a:fontRef>
+          </p:style>
+          <p:txBody>
+            <a:bodyPr rtlCol="0" anchor="ctr"/>
+            <a:lstStyle/>
+            <a:p>
+              <a:pPr algn="ctr"/>
+              <a:endParaRPr lang="en-GB"/>
+            </a:p>
+          </p:txBody>
+        </p:sp>
+      </p:grpSp>
+      <p:grpSp>
+        <p:nvGrpSpPr>
+          <p:cNvPr id="100" name="Group 99">
+            <a:extLst>
+              <a:ext uri="{FF2B5EF4-FFF2-40B4-BE49-F238E27FC236}">
+                <a16:creationId xmlns:a16="http://schemas.microsoft.com/office/drawing/2014/main" id="{0E8E05D6-EBF1-4846-A6F4-00C59AA61F99}"/>
+              </a:ext>
+            </a:extLst>
+          </p:cNvPr>
+          <p:cNvGrpSpPr/>
+          <p:nvPr/>
+        </p:nvGrpSpPr>
+        <p:grpSpPr>
+          <a:xfrm>
+            <a:off x="8072160" y="2277209"/>
+            <a:ext cx="483577" cy="923330"/>
+            <a:chOff x="1714500" y="1591408"/>
+            <a:chExt cx="483577" cy="923330"/>
+          </a:xfrm>
+        </p:grpSpPr>
+        <p:sp>
+          <p:nvSpPr>
+            <p:cNvPr id="101" name="Rectangle 100">
+              <a:extLst>
+                <a:ext uri="{FF2B5EF4-FFF2-40B4-BE49-F238E27FC236}">
+                  <a16:creationId xmlns:a16="http://schemas.microsoft.com/office/drawing/2014/main" id="{56EBD5DD-06CA-43A2-8973-4C7699E7EE12}"/>
+                </a:ext>
+              </a:extLst>
+            </p:cNvPr>
+            <p:cNvSpPr/>
+            <p:nvPr/>
+          </p:nvSpPr>
+          <p:spPr>
+            <a:xfrm>
+              <a:off x="1714500" y="1591408"/>
+              <a:ext cx="483577" cy="461665"/>
+            </a:xfrm>
+            <a:prstGeom prst="rect">
+              <a:avLst/>
+            </a:prstGeom>
+          </p:spPr>
+          <p:style>
+            <a:lnRef idx="2">
+              <a:schemeClr val="accent1">
+                <a:shade val="50000"/>
+              </a:schemeClr>
+            </a:lnRef>
+            <a:fillRef idx="1">
+              <a:schemeClr val="accent1"/>
+            </a:fillRef>
+            <a:effectRef idx="0">
+              <a:schemeClr val="accent1"/>
+            </a:effectRef>
+            <a:fontRef idx="minor">
+              <a:schemeClr val="lt1"/>
+            </a:fontRef>
+          </p:style>
+          <p:txBody>
+            <a:bodyPr rtlCol="0" anchor="ctr"/>
+            <a:lstStyle/>
+            <a:p>
+              <a:pPr algn="ctr"/>
+              <a:endParaRPr lang="en-GB"/>
+            </a:p>
+          </p:txBody>
+        </p:sp>
+        <p:sp>
+          <p:nvSpPr>
+            <p:cNvPr id="102" name="Rectangle 101">
+              <a:extLst>
+                <a:ext uri="{FF2B5EF4-FFF2-40B4-BE49-F238E27FC236}">
+                  <a16:creationId xmlns:a16="http://schemas.microsoft.com/office/drawing/2014/main" id="{6983935F-C07A-4BDB-AE11-492009F7FBB8}"/>
+                </a:ext>
+              </a:extLst>
+            </p:cNvPr>
+            <p:cNvSpPr/>
+            <p:nvPr/>
+          </p:nvSpPr>
+          <p:spPr>
+            <a:xfrm>
+              <a:off x="1714500" y="2053073"/>
+              <a:ext cx="483577" cy="461665"/>
+            </a:xfrm>
+            <a:prstGeom prst="rect">
+              <a:avLst/>
+            </a:prstGeom>
+            <a:solidFill>
+              <a:schemeClr val="accent3"/>
+            </a:solidFill>
+          </p:spPr>
+          <p:style>
+            <a:lnRef idx="2">
+              <a:schemeClr val="accent1">
+                <a:shade val="50000"/>
+              </a:schemeClr>
+            </a:lnRef>
+            <a:fillRef idx="1">
+              <a:schemeClr val="accent1"/>
+            </a:fillRef>
+            <a:effectRef idx="0">
+              <a:schemeClr val="accent1"/>
+            </a:effectRef>
+            <a:fontRef idx="minor">
+              <a:schemeClr val="lt1"/>
+            </a:fontRef>
+          </p:style>
+          <p:txBody>
+            <a:bodyPr rtlCol="0" anchor="ctr"/>
+            <a:lstStyle/>
+            <a:p>
+              <a:pPr algn="ctr"/>
+              <a:endParaRPr lang="en-GB"/>
+            </a:p>
+          </p:txBody>
+        </p:sp>
+      </p:grpSp>
+      <p:grpSp>
+        <p:nvGrpSpPr>
+          <p:cNvPr id="103" name="Group 102">
+            <a:extLst>
+              <a:ext uri="{FF2B5EF4-FFF2-40B4-BE49-F238E27FC236}">
+                <a16:creationId xmlns:a16="http://schemas.microsoft.com/office/drawing/2014/main" id="{BC94F5B2-86A9-4407-82AA-F2E5B6CA70FD}"/>
+              </a:ext>
+            </a:extLst>
+          </p:cNvPr>
+          <p:cNvGrpSpPr/>
+          <p:nvPr/>
+        </p:nvGrpSpPr>
+        <p:grpSpPr>
+          <a:xfrm>
+            <a:off x="8582588" y="2277209"/>
+            <a:ext cx="483577" cy="923330"/>
+            <a:chOff x="1714500" y="1591408"/>
+            <a:chExt cx="483577" cy="923330"/>
+          </a:xfrm>
+        </p:grpSpPr>
+        <p:sp>
+          <p:nvSpPr>
+            <p:cNvPr id="104" name="Rectangle 103">
+              <a:extLst>
+                <a:ext uri="{FF2B5EF4-FFF2-40B4-BE49-F238E27FC236}">
+                  <a16:creationId xmlns:a16="http://schemas.microsoft.com/office/drawing/2014/main" id="{35CB2E4D-444F-49CE-AC5B-BE2B162F49A8}"/>
+                </a:ext>
+              </a:extLst>
+            </p:cNvPr>
+            <p:cNvSpPr/>
+            <p:nvPr/>
+          </p:nvSpPr>
+          <p:spPr>
+            <a:xfrm>
+              <a:off x="1714500" y="1591408"/>
+              <a:ext cx="483577" cy="461665"/>
+            </a:xfrm>
+            <a:prstGeom prst="rect">
+              <a:avLst/>
+            </a:prstGeom>
+          </p:spPr>
+          <p:style>
+            <a:lnRef idx="2">
+              <a:schemeClr val="accent1">
+                <a:shade val="50000"/>
+              </a:schemeClr>
+            </a:lnRef>
+            <a:fillRef idx="1">
+              <a:schemeClr val="accent1"/>
+            </a:fillRef>
+            <a:effectRef idx="0">
+              <a:schemeClr val="accent1"/>
+            </a:effectRef>
+            <a:fontRef idx="minor">
+              <a:schemeClr val="lt1"/>
+            </a:fontRef>
+          </p:style>
+          <p:txBody>
+            <a:bodyPr rtlCol="0" anchor="ctr"/>
+            <a:lstStyle/>
+            <a:p>
+              <a:pPr algn="ctr"/>
+              <a:endParaRPr lang="en-GB"/>
+            </a:p>
+          </p:txBody>
+        </p:sp>
+        <p:sp>
+          <p:nvSpPr>
+            <p:cNvPr id="105" name="Rectangle 104">
+              <a:extLst>
+                <a:ext uri="{FF2B5EF4-FFF2-40B4-BE49-F238E27FC236}">
+                  <a16:creationId xmlns:a16="http://schemas.microsoft.com/office/drawing/2014/main" id="{7E17953F-03B0-4346-A774-BCEA65AE2A45}"/>
+                </a:ext>
+              </a:extLst>
+            </p:cNvPr>
+            <p:cNvSpPr/>
+            <p:nvPr/>
+          </p:nvSpPr>
+          <p:spPr>
+            <a:xfrm>
+              <a:off x="1714500" y="2053073"/>
+              <a:ext cx="483577" cy="461665"/>
+            </a:xfrm>
+            <a:prstGeom prst="rect">
+              <a:avLst/>
+            </a:prstGeom>
+            <a:solidFill>
+              <a:schemeClr val="accent3"/>
+            </a:solidFill>
+          </p:spPr>
+          <p:style>
+            <a:lnRef idx="2">
+              <a:schemeClr val="accent1">
+                <a:shade val="50000"/>
+              </a:schemeClr>
+            </a:lnRef>
+            <a:fillRef idx="1">
+              <a:schemeClr val="accent1"/>
+            </a:fillRef>
+            <a:effectRef idx="0">
+              <a:schemeClr val="accent1"/>
+            </a:effectRef>
+            <a:fontRef idx="minor">
+              <a:schemeClr val="lt1"/>
+            </a:fontRef>
+          </p:style>
+          <p:txBody>
+            <a:bodyPr rtlCol="0" anchor="ctr"/>
+            <a:lstStyle/>
+            <a:p>
+              <a:pPr algn="ctr"/>
+              <a:endParaRPr lang="en-GB"/>
+            </a:p>
+          </p:txBody>
+        </p:sp>
+      </p:grpSp>
+      <p:grpSp>
+        <p:nvGrpSpPr>
+          <p:cNvPr id="106" name="Group 105">
+            <a:extLst>
+              <a:ext uri="{FF2B5EF4-FFF2-40B4-BE49-F238E27FC236}">
+                <a16:creationId xmlns:a16="http://schemas.microsoft.com/office/drawing/2014/main" id="{0856BEC6-759B-4559-A821-6865EBAE74B0}"/>
+              </a:ext>
+            </a:extLst>
+          </p:cNvPr>
+          <p:cNvGrpSpPr/>
+          <p:nvPr/>
+        </p:nvGrpSpPr>
+        <p:grpSpPr>
+          <a:xfrm>
+            <a:off x="9093016" y="2277209"/>
+            <a:ext cx="483577" cy="923330"/>
+            <a:chOff x="1714500" y="1591408"/>
+            <a:chExt cx="483577" cy="923330"/>
+          </a:xfrm>
+        </p:grpSpPr>
+        <p:sp>
+          <p:nvSpPr>
+            <p:cNvPr id="107" name="Rectangle 106">
+              <a:extLst>
+                <a:ext uri="{FF2B5EF4-FFF2-40B4-BE49-F238E27FC236}">
+                  <a16:creationId xmlns:a16="http://schemas.microsoft.com/office/drawing/2014/main" id="{2A462202-987D-4F83-9638-C76E62A60418}"/>
+                </a:ext>
+              </a:extLst>
+            </p:cNvPr>
+            <p:cNvSpPr/>
+            <p:nvPr/>
+          </p:nvSpPr>
+          <p:spPr>
+            <a:xfrm>
+              <a:off x="1714500" y="1591408"/>
+              <a:ext cx="483577" cy="461665"/>
+            </a:xfrm>
+            <a:prstGeom prst="rect">
+              <a:avLst/>
+            </a:prstGeom>
+          </p:spPr>
+          <p:style>
+            <a:lnRef idx="2">
+              <a:schemeClr val="accent1">
+                <a:shade val="50000"/>
+              </a:schemeClr>
+            </a:lnRef>
+            <a:fillRef idx="1">
+              <a:schemeClr val="accent1"/>
+            </a:fillRef>
+            <a:effectRef idx="0">
+              <a:schemeClr val="accent1"/>
+            </a:effectRef>
+            <a:fontRef idx="minor">
+              <a:schemeClr val="lt1"/>
+            </a:fontRef>
+          </p:style>
+          <p:txBody>
+            <a:bodyPr rtlCol="0" anchor="ctr"/>
+            <a:lstStyle/>
+            <a:p>
+              <a:pPr algn="ctr"/>
+              <a:endParaRPr lang="en-GB"/>
+            </a:p>
+          </p:txBody>
+        </p:sp>
+        <p:sp>
+          <p:nvSpPr>
+            <p:cNvPr id="108" name="Rectangle 107">
+              <a:extLst>
+                <a:ext uri="{FF2B5EF4-FFF2-40B4-BE49-F238E27FC236}">
+                  <a16:creationId xmlns:a16="http://schemas.microsoft.com/office/drawing/2014/main" id="{B60A0148-13EA-4B56-8431-8A64277B0746}"/>
+                </a:ext>
+              </a:extLst>
+            </p:cNvPr>
+            <p:cNvSpPr/>
+            <p:nvPr/>
+          </p:nvSpPr>
+          <p:spPr>
+            <a:xfrm>
+              <a:off x="1714500" y="2053073"/>
+              <a:ext cx="483577" cy="461665"/>
+            </a:xfrm>
+            <a:prstGeom prst="rect">
+              <a:avLst/>
+            </a:prstGeom>
+            <a:solidFill>
+              <a:schemeClr val="accent3"/>
+            </a:solidFill>
+          </p:spPr>
+          <p:style>
+            <a:lnRef idx="2">
+              <a:schemeClr val="accent1">
+                <a:shade val="50000"/>
+              </a:schemeClr>
+            </a:lnRef>
+            <a:fillRef idx="1">
+              <a:schemeClr val="accent1"/>
+            </a:fillRef>
+            <a:effectRef idx="0">
+              <a:schemeClr val="accent1"/>
+            </a:effectRef>
+            <a:fontRef idx="minor">
+              <a:schemeClr val="lt1"/>
+            </a:fontRef>
+          </p:style>
+          <p:txBody>
+            <a:bodyPr rtlCol="0" anchor="ctr"/>
+            <a:lstStyle/>
+            <a:p>
+              <a:pPr algn="ctr"/>
+              <a:endParaRPr lang="en-GB"/>
+            </a:p>
+          </p:txBody>
+        </p:sp>
+      </p:grpSp>
+      <p:grpSp>
+        <p:nvGrpSpPr>
+          <p:cNvPr id="109" name="Group 108">
+            <a:extLst>
+              <a:ext uri="{FF2B5EF4-FFF2-40B4-BE49-F238E27FC236}">
+                <a16:creationId xmlns:a16="http://schemas.microsoft.com/office/drawing/2014/main" id="{D34B98E0-0412-40EC-83CA-DDCD8E108856}"/>
+              </a:ext>
+            </a:extLst>
+          </p:cNvPr>
+          <p:cNvGrpSpPr/>
+          <p:nvPr/>
+        </p:nvGrpSpPr>
+        <p:grpSpPr>
+          <a:xfrm>
+            <a:off x="9603444" y="2277209"/>
+            <a:ext cx="483577" cy="923330"/>
+            <a:chOff x="1714500" y="1591408"/>
+            <a:chExt cx="483577" cy="923330"/>
+          </a:xfrm>
+        </p:grpSpPr>
+        <p:sp>
+          <p:nvSpPr>
+            <p:cNvPr id="110" name="Rectangle 109">
+              <a:extLst>
+                <a:ext uri="{FF2B5EF4-FFF2-40B4-BE49-F238E27FC236}">
+                  <a16:creationId xmlns:a16="http://schemas.microsoft.com/office/drawing/2014/main" id="{0467851E-D0D7-4958-BC23-00D1F5119A36}"/>
+                </a:ext>
+              </a:extLst>
+            </p:cNvPr>
+            <p:cNvSpPr/>
+            <p:nvPr/>
+          </p:nvSpPr>
+          <p:spPr>
+            <a:xfrm>
+              <a:off x="1714500" y="1591408"/>
+              <a:ext cx="483577" cy="461665"/>
+            </a:xfrm>
+            <a:prstGeom prst="rect">
+              <a:avLst/>
+            </a:prstGeom>
+          </p:spPr>
+          <p:style>
+            <a:lnRef idx="2">
+              <a:schemeClr val="accent1">
+                <a:shade val="50000"/>
+              </a:schemeClr>
+            </a:lnRef>
+            <a:fillRef idx="1">
+              <a:schemeClr val="accent1"/>
+            </a:fillRef>
+            <a:effectRef idx="0">
+              <a:schemeClr val="accent1"/>
+            </a:effectRef>
+            <a:fontRef idx="minor">
+              <a:schemeClr val="lt1"/>
+            </a:fontRef>
+          </p:style>
+          <p:txBody>
+            <a:bodyPr rtlCol="0" anchor="ctr"/>
+            <a:lstStyle/>
+            <a:p>
+              <a:pPr algn="ctr"/>
+              <a:endParaRPr lang="en-GB"/>
+            </a:p>
+          </p:txBody>
+        </p:sp>
+        <p:sp>
+          <p:nvSpPr>
+            <p:cNvPr id="111" name="Rectangle 110">
+              <a:extLst>
+                <a:ext uri="{FF2B5EF4-FFF2-40B4-BE49-F238E27FC236}">
+                  <a16:creationId xmlns:a16="http://schemas.microsoft.com/office/drawing/2014/main" id="{D50F37C2-12E7-4071-95C6-AC233E28552C}"/>
+                </a:ext>
+              </a:extLst>
+            </p:cNvPr>
+            <p:cNvSpPr/>
+            <p:nvPr/>
+          </p:nvSpPr>
+          <p:spPr>
+            <a:xfrm>
+              <a:off x="1714500" y="2053073"/>
+              <a:ext cx="483577" cy="461665"/>
+            </a:xfrm>
+            <a:prstGeom prst="rect">
+              <a:avLst/>
+            </a:prstGeom>
+            <a:solidFill>
+              <a:schemeClr val="accent3"/>
+            </a:solidFill>
+          </p:spPr>
+          <p:style>
+            <a:lnRef idx="2">
+              <a:schemeClr val="accent1">
+                <a:shade val="50000"/>
+              </a:schemeClr>
+            </a:lnRef>
+            <a:fillRef idx="1">
+              <a:schemeClr val="accent1"/>
+            </a:fillRef>
+            <a:effectRef idx="0">
+              <a:schemeClr val="accent1"/>
+            </a:effectRef>
+            <a:fontRef idx="minor">
+              <a:schemeClr val="lt1"/>
+            </a:fontRef>
+          </p:style>
+          <p:txBody>
+            <a:bodyPr rtlCol="0" anchor="ctr"/>
+            <a:lstStyle/>
+            <a:p>
+              <a:pPr algn="ctr"/>
+              <a:endParaRPr lang="en-GB"/>
+            </a:p>
+          </p:txBody>
+        </p:sp>
+      </p:grpSp>
+      <p:grpSp>
+        <p:nvGrpSpPr>
+          <p:cNvPr id="112" name="Group 111">
+            <a:extLst>
+              <a:ext uri="{FF2B5EF4-FFF2-40B4-BE49-F238E27FC236}">
+                <a16:creationId xmlns:a16="http://schemas.microsoft.com/office/drawing/2014/main" id="{78101538-D19C-49A3-A639-07A5FFCDAECF}"/>
+              </a:ext>
+            </a:extLst>
+          </p:cNvPr>
+          <p:cNvGrpSpPr/>
+          <p:nvPr/>
+        </p:nvGrpSpPr>
+        <p:grpSpPr>
+          <a:xfrm>
+            <a:off x="10113872" y="2277209"/>
+            <a:ext cx="483577" cy="923330"/>
+            <a:chOff x="1714500" y="1591408"/>
+            <a:chExt cx="483577" cy="923330"/>
+          </a:xfrm>
+        </p:grpSpPr>
+        <p:sp>
+          <p:nvSpPr>
+            <p:cNvPr id="113" name="Rectangle 112">
+              <a:extLst>
+                <a:ext uri="{FF2B5EF4-FFF2-40B4-BE49-F238E27FC236}">
+                  <a16:creationId xmlns:a16="http://schemas.microsoft.com/office/drawing/2014/main" id="{F8EAD7F2-2AB1-49D2-9A9B-49D09930636A}"/>
+                </a:ext>
+              </a:extLst>
+            </p:cNvPr>
+            <p:cNvSpPr/>
+            <p:nvPr/>
+          </p:nvSpPr>
+          <p:spPr>
+            <a:xfrm>
+              <a:off x="1714500" y="1591408"/>
+              <a:ext cx="483577" cy="461665"/>
+            </a:xfrm>
+            <a:prstGeom prst="rect">
+              <a:avLst/>
+            </a:prstGeom>
+          </p:spPr>
+          <p:style>
+            <a:lnRef idx="2">
+              <a:schemeClr val="accent1">
+                <a:shade val="50000"/>
+              </a:schemeClr>
+            </a:lnRef>
+            <a:fillRef idx="1">
+              <a:schemeClr val="accent1"/>
+            </a:fillRef>
+            <a:effectRef idx="0">
+              <a:schemeClr val="accent1"/>
+            </a:effectRef>
+            <a:fontRef idx="minor">
+              <a:schemeClr val="lt1"/>
+            </a:fontRef>
+          </p:style>
+          <p:txBody>
+            <a:bodyPr rtlCol="0" anchor="ctr"/>
+            <a:lstStyle/>
+            <a:p>
+              <a:pPr algn="ctr"/>
+              <a:endParaRPr lang="en-GB"/>
+            </a:p>
+          </p:txBody>
+        </p:sp>
+        <p:sp>
+          <p:nvSpPr>
+            <p:cNvPr id="114" name="Rectangle 113">
+              <a:extLst>
+                <a:ext uri="{FF2B5EF4-FFF2-40B4-BE49-F238E27FC236}">
+                  <a16:creationId xmlns:a16="http://schemas.microsoft.com/office/drawing/2014/main" id="{C8E321B4-4C1D-4216-8242-DC175C29E1A9}"/>
+                </a:ext>
+              </a:extLst>
+            </p:cNvPr>
+            <p:cNvSpPr/>
+            <p:nvPr/>
+          </p:nvSpPr>
+          <p:spPr>
+            <a:xfrm>
+              <a:off x="1714500" y="2053073"/>
+              <a:ext cx="483577" cy="461665"/>
+            </a:xfrm>
+            <a:prstGeom prst="rect">
+              <a:avLst/>
+            </a:prstGeom>
+            <a:solidFill>
+              <a:schemeClr val="accent3"/>
+            </a:solidFill>
+          </p:spPr>
+          <p:style>
+            <a:lnRef idx="2">
+              <a:schemeClr val="accent1">
+                <a:shade val="50000"/>
+              </a:schemeClr>
+            </a:lnRef>
+            <a:fillRef idx="1">
+              <a:schemeClr val="accent1"/>
+            </a:fillRef>
+            <a:effectRef idx="0">
+              <a:schemeClr val="accent1"/>
+            </a:effectRef>
+            <a:fontRef idx="minor">
+              <a:schemeClr val="lt1"/>
+            </a:fontRef>
+          </p:style>
+          <p:txBody>
+            <a:bodyPr rtlCol="0" anchor="ctr"/>
+            <a:lstStyle/>
+            <a:p>
+              <a:pPr algn="ctr"/>
+              <a:endParaRPr lang="en-GB"/>
+            </a:p>
+          </p:txBody>
+        </p:sp>
+      </p:grpSp>
+      <p:grpSp>
+        <p:nvGrpSpPr>
+          <p:cNvPr id="115" name="Group 114">
+            <a:extLst>
+              <a:ext uri="{FF2B5EF4-FFF2-40B4-BE49-F238E27FC236}">
+                <a16:creationId xmlns:a16="http://schemas.microsoft.com/office/drawing/2014/main" id="{EC06A0E8-830F-4893-9CBC-F3C109F541FD}"/>
+              </a:ext>
+            </a:extLst>
+          </p:cNvPr>
+          <p:cNvGrpSpPr/>
+          <p:nvPr/>
+        </p:nvGrpSpPr>
+        <p:grpSpPr>
+          <a:xfrm>
+            <a:off x="10624301" y="2277209"/>
+            <a:ext cx="483577" cy="923330"/>
+            <a:chOff x="1714500" y="1591408"/>
+            <a:chExt cx="483577" cy="923330"/>
+          </a:xfrm>
+        </p:grpSpPr>
+        <p:sp>
+          <p:nvSpPr>
+            <p:cNvPr id="116" name="Rectangle 115">
+              <a:extLst>
+                <a:ext uri="{FF2B5EF4-FFF2-40B4-BE49-F238E27FC236}">
+                  <a16:creationId xmlns:a16="http://schemas.microsoft.com/office/drawing/2014/main" id="{AEBCB2F3-2AE3-4F5E-899B-2E6069B370A1}"/>
+                </a:ext>
+              </a:extLst>
+            </p:cNvPr>
+            <p:cNvSpPr/>
+            <p:nvPr/>
+          </p:nvSpPr>
+          <p:spPr>
+            <a:xfrm>
+              <a:off x="1714500" y="1591408"/>
+              <a:ext cx="483577" cy="461665"/>
+            </a:xfrm>
+            <a:prstGeom prst="rect">
+              <a:avLst/>
+            </a:prstGeom>
+          </p:spPr>
+          <p:style>
+            <a:lnRef idx="2">
+              <a:schemeClr val="accent1">
+                <a:shade val="50000"/>
+              </a:schemeClr>
+            </a:lnRef>
+            <a:fillRef idx="1">
+              <a:schemeClr val="accent1"/>
+            </a:fillRef>
+            <a:effectRef idx="0">
+              <a:schemeClr val="accent1"/>
+            </a:effectRef>
+            <a:fontRef idx="minor">
+              <a:schemeClr val="lt1"/>
+            </a:fontRef>
+          </p:style>
+          <p:txBody>
+            <a:bodyPr rtlCol="0" anchor="ctr"/>
+            <a:lstStyle/>
+            <a:p>
+              <a:pPr algn="ctr"/>
+              <a:endParaRPr lang="en-GB"/>
+            </a:p>
+          </p:txBody>
+        </p:sp>
+        <p:sp>
+          <p:nvSpPr>
+            <p:cNvPr id="117" name="Rectangle 116">
+              <a:extLst>
+                <a:ext uri="{FF2B5EF4-FFF2-40B4-BE49-F238E27FC236}">
+                  <a16:creationId xmlns:a16="http://schemas.microsoft.com/office/drawing/2014/main" id="{2421C1F6-1D56-405F-86E8-D098CF26B96C}"/>
+                </a:ext>
+              </a:extLst>
+            </p:cNvPr>
+            <p:cNvSpPr/>
+            <p:nvPr/>
+          </p:nvSpPr>
+          <p:spPr>
+            <a:xfrm>
+              <a:off x="1714500" y="2053073"/>
+              <a:ext cx="483577" cy="461665"/>
+            </a:xfrm>
+            <a:prstGeom prst="rect">
+              <a:avLst/>
+            </a:prstGeom>
+            <a:solidFill>
+              <a:schemeClr val="accent3"/>
+            </a:solidFill>
+          </p:spPr>
+          <p:style>
+            <a:lnRef idx="2">
+              <a:schemeClr val="accent1">
+                <a:shade val="50000"/>
+              </a:schemeClr>
+            </a:lnRef>
+            <a:fillRef idx="1">
+              <a:schemeClr val="accent1"/>
+            </a:fillRef>
+            <a:effectRef idx="0">
+              <a:schemeClr val="accent1"/>
+            </a:effectRef>
+            <a:fontRef idx="minor">
+              <a:schemeClr val="lt1"/>
+            </a:fontRef>
+          </p:style>
+          <p:txBody>
+            <a:bodyPr rtlCol="0" anchor="ctr"/>
+            <a:lstStyle/>
+            <a:p>
+              <a:pPr algn="ctr"/>
+              <a:endParaRPr lang="en-GB"/>
+            </a:p>
+          </p:txBody>
+        </p:sp>
+      </p:grpSp>
+      <p:sp>
+        <p:nvSpPr>
+          <p:cNvPr id="149" name="TextBox 148">
+            <a:extLst>
+              <a:ext uri="{FF2B5EF4-FFF2-40B4-BE49-F238E27FC236}">
+                <a16:creationId xmlns:a16="http://schemas.microsoft.com/office/drawing/2014/main" id="{F383D9BD-01D4-4BD7-92C8-A8722E41E7D0}"/>
+              </a:ext>
+            </a:extLst>
+          </p:cNvPr>
+          <p:cNvSpPr txBox="1"/>
+          <p:nvPr/>
+        </p:nvSpPr>
+        <p:spPr>
+          <a:xfrm>
+            <a:off x="1714500" y="1575498"/>
+            <a:ext cx="9671282" cy="461665"/>
+          </a:xfrm>
+          <a:prstGeom prst="rect">
+            <a:avLst/>
+          </a:prstGeom>
+          <a:noFill/>
+        </p:spPr>
+        <p:txBody>
+          <a:bodyPr wrap="square" rtlCol="0">
+            <a:spAutoFit/>
+          </a:bodyPr>
+          <a:lstStyle/>
+          <a:p>
+            <a:pPr algn="ctr"/>
+            <a:r>
+              <a:rPr lang="en-US" sz="2400" dirty="0"/>
+              <a:t>(sample)</a:t>
+            </a:r>
+          </a:p>
+        </p:txBody>
+      </p:sp>
+      <p:sp>
+        <p:nvSpPr>
+          <p:cNvPr id="150" name="TextBox 149">
+            <a:extLst>
+              <a:ext uri="{FF2B5EF4-FFF2-40B4-BE49-F238E27FC236}">
+                <a16:creationId xmlns:a16="http://schemas.microsoft.com/office/drawing/2014/main" id="{850C066A-EA82-4049-B39C-2492ABDEDD7E}"/>
+              </a:ext>
+            </a:extLst>
+          </p:cNvPr>
+          <p:cNvSpPr txBox="1"/>
+          <p:nvPr/>
+        </p:nvSpPr>
+        <p:spPr>
+          <a:xfrm>
+            <a:off x="10364925" y="744501"/>
+            <a:ext cx="1534319" cy="1200329"/>
+          </a:xfrm>
+          <a:prstGeom prst="rect">
+            <a:avLst/>
+          </a:prstGeom>
+          <a:noFill/>
+        </p:spPr>
+        <p:txBody>
+          <a:bodyPr wrap="square" rtlCol="0">
+            <a:spAutoFit/>
+          </a:bodyPr>
+          <a:lstStyle/>
+          <a:p>
+            <a:pPr algn="ctr"/>
+            <a:r>
+              <a:rPr lang="en-US" dirty="0"/>
+              <a:t>Attributes obtained from the same </a:t>
+            </a:r>
+            <a:r>
+              <a:rPr lang="en-US" b="1" dirty="0"/>
+              <a:t>individual</a:t>
+            </a:r>
+          </a:p>
+        </p:txBody>
+      </p:sp>
+      <p:sp>
+        <p:nvSpPr>
+          <p:cNvPr id="5" name="Rectangle: Rounded Corners 4">
+            <a:extLst>
+              <a:ext uri="{FF2B5EF4-FFF2-40B4-BE49-F238E27FC236}">
+                <a16:creationId xmlns:a16="http://schemas.microsoft.com/office/drawing/2014/main" id="{A57808D2-62D9-4A00-9BFA-560D894D15C2}"/>
+              </a:ext>
+            </a:extLst>
+          </p:cNvPr>
+          <p:cNvSpPr/>
+          <p:nvPr/>
+        </p:nvSpPr>
+        <p:spPr>
+          <a:xfrm>
+            <a:off x="1436597" y="4060877"/>
+            <a:ext cx="2525288" cy="537882"/>
+          </a:xfrm>
+          <a:prstGeom prst="roundRect">
+            <a:avLst/>
+          </a:prstGeom>
+        </p:spPr>
+        <p:style>
+          <a:lnRef idx="2">
+            <a:schemeClr val="accent1">
+              <a:shade val="50000"/>
+            </a:schemeClr>
+          </a:lnRef>
+          <a:fillRef idx="1">
+            <a:schemeClr val="accent1"/>
+          </a:fillRef>
+          <a:effectRef idx="0">
+            <a:schemeClr val="accent1"/>
+          </a:effectRef>
+          <a:fontRef idx="minor">
+            <a:schemeClr val="lt1"/>
+          </a:fontRef>
+        </p:style>
+        <p:txBody>
+          <a:bodyPr rtlCol="0" anchor="ctr"/>
+          <a:lstStyle/>
+          <a:p>
+            <a:pPr algn="ctr"/>
+            <a:r>
+              <a:rPr lang="en-GB" dirty="0"/>
+              <a:t>Parallel execution</a:t>
+            </a:r>
+          </a:p>
+          <a:p>
+            <a:pPr algn="ctr"/>
+            <a:r>
+              <a:rPr lang="en-GB" dirty="0"/>
+              <a:t>core 1</a:t>
+            </a:r>
+          </a:p>
+        </p:txBody>
+      </p:sp>
+      <p:grpSp>
+        <p:nvGrpSpPr>
+          <p:cNvPr id="151" name="Group 150">
+            <a:extLst>
+              <a:ext uri="{FF2B5EF4-FFF2-40B4-BE49-F238E27FC236}">
+                <a16:creationId xmlns:a16="http://schemas.microsoft.com/office/drawing/2014/main" id="{01C0D878-DB6E-41D1-A960-4050DFAC7396}"/>
+              </a:ext>
+            </a:extLst>
+          </p:cNvPr>
+          <p:cNvGrpSpPr/>
+          <p:nvPr/>
+        </p:nvGrpSpPr>
+        <p:grpSpPr>
+          <a:xfrm>
+            <a:off x="11137763" y="2277208"/>
+            <a:ext cx="483577" cy="923330"/>
+            <a:chOff x="1714500" y="1591408"/>
+            <a:chExt cx="483577" cy="923330"/>
+          </a:xfrm>
+        </p:grpSpPr>
+        <p:sp>
+          <p:nvSpPr>
+            <p:cNvPr id="152" name="Rectangle 151">
+              <a:extLst>
+                <a:ext uri="{FF2B5EF4-FFF2-40B4-BE49-F238E27FC236}">
+                  <a16:creationId xmlns:a16="http://schemas.microsoft.com/office/drawing/2014/main" id="{46EC6EA2-FA52-43D5-A72B-9D0026D66AF6}"/>
+                </a:ext>
+              </a:extLst>
+            </p:cNvPr>
+            <p:cNvSpPr/>
+            <p:nvPr/>
+          </p:nvSpPr>
+          <p:spPr>
+            <a:xfrm>
+              <a:off x="1714500" y="1591408"/>
+              <a:ext cx="483577" cy="461665"/>
+            </a:xfrm>
+            <a:prstGeom prst="rect">
+              <a:avLst/>
+            </a:prstGeom>
+          </p:spPr>
+          <p:style>
+            <a:lnRef idx="2">
+              <a:schemeClr val="accent1">
+                <a:shade val="50000"/>
+              </a:schemeClr>
+            </a:lnRef>
+            <a:fillRef idx="1">
+              <a:schemeClr val="accent1"/>
+            </a:fillRef>
+            <a:effectRef idx="0">
+              <a:schemeClr val="accent1"/>
+            </a:effectRef>
+            <a:fontRef idx="minor">
+              <a:schemeClr val="lt1"/>
+            </a:fontRef>
+          </p:style>
+          <p:txBody>
+            <a:bodyPr rtlCol="0" anchor="ctr"/>
+            <a:lstStyle/>
+            <a:p>
+              <a:pPr algn="ctr"/>
+              <a:endParaRPr lang="en-GB"/>
+            </a:p>
+          </p:txBody>
+        </p:sp>
+        <p:sp>
+          <p:nvSpPr>
+            <p:cNvPr id="153" name="Rectangle 152">
+              <a:extLst>
+                <a:ext uri="{FF2B5EF4-FFF2-40B4-BE49-F238E27FC236}">
+                  <a16:creationId xmlns:a16="http://schemas.microsoft.com/office/drawing/2014/main" id="{091F4F09-02E2-4D55-9540-976E4A2D6022}"/>
+                </a:ext>
+              </a:extLst>
+            </p:cNvPr>
+            <p:cNvSpPr/>
+            <p:nvPr/>
+          </p:nvSpPr>
+          <p:spPr>
+            <a:xfrm>
+              <a:off x="1714500" y="2053073"/>
+              <a:ext cx="483577" cy="461665"/>
+            </a:xfrm>
+            <a:prstGeom prst="rect">
+              <a:avLst/>
+            </a:prstGeom>
+            <a:solidFill>
+              <a:schemeClr val="accent3"/>
+            </a:solidFill>
+          </p:spPr>
+          <p:style>
+            <a:lnRef idx="2">
+              <a:schemeClr val="accent1">
+                <a:shade val="50000"/>
+              </a:schemeClr>
+            </a:lnRef>
+            <a:fillRef idx="1">
+              <a:schemeClr val="accent1"/>
+            </a:fillRef>
+            <a:effectRef idx="0">
+              <a:schemeClr val="accent1"/>
+            </a:effectRef>
+            <a:fontRef idx="minor">
+              <a:schemeClr val="lt1"/>
+            </a:fontRef>
+          </p:style>
+          <p:txBody>
+            <a:bodyPr rtlCol="0" anchor="ctr"/>
+            <a:lstStyle/>
+            <a:p>
+              <a:pPr algn="ctr"/>
+              <a:endParaRPr lang="en-GB"/>
+            </a:p>
+          </p:txBody>
+        </p:sp>
+      </p:grpSp>
+      <mc:AlternateContent xmlns:mc="http://schemas.openxmlformats.org/markup-compatibility/2006">
+        <mc:Choice xmlns:p14="http://schemas.microsoft.com/office/powerpoint/2010/main" Requires="p14">
+          <p:contentPart p14:bwMode="auto" r:id="rId2">
+            <p14:nvContentPartPr>
+              <p14:cNvPr id="148" name="Ink 147">
+                <a:extLst>
+                  <a:ext uri="{FF2B5EF4-FFF2-40B4-BE49-F238E27FC236}">
+                    <a16:creationId xmlns:a16="http://schemas.microsoft.com/office/drawing/2014/main" id="{D74413D8-2F39-4536-8D5C-5C4EDB8A1E14}"/>
+                  </a:ext>
+                </a:extLst>
+              </p14:cNvPr>
+              <p14:cNvContentPartPr/>
+              <p14:nvPr/>
+            </p14:nvContentPartPr>
+            <p14:xfrm>
+              <a:off x="11157419" y="1930860"/>
+              <a:ext cx="483577" cy="1431360"/>
+            </p14:xfrm>
+          </p:contentPart>
+        </mc:Choice>
+        <mc:Fallback>
+          <p:pic>
+            <p:nvPicPr>
+              <p:cNvPr id="148" name="Ink 147">
+                <a:extLst>
+                  <a:ext uri="{FF2B5EF4-FFF2-40B4-BE49-F238E27FC236}">
+                    <a16:creationId xmlns:a16="http://schemas.microsoft.com/office/drawing/2014/main" id="{D74413D8-2F39-4536-8D5C-5C4EDB8A1E14}"/>
+                  </a:ext>
+                </a:extLst>
+              </p:cNvPr>
+              <p:cNvPicPr/>
+              <p:nvPr/>
+            </p:nvPicPr>
+            <p:blipFill>
+              <a:blip r:embed="rId3"/>
+              <a:stretch>
+                <a:fillRect/>
+              </a:stretch>
+            </p:blipFill>
+            <p:spPr>
+              <a:xfrm>
+                <a:off x="11103448" y="1822860"/>
+                <a:ext cx="591158" cy="1647000"/>
+              </a:xfrm>
+              <a:prstGeom prst="rect">
+                <a:avLst/>
+              </a:prstGeom>
+            </p:spPr>
+          </p:pic>
+        </mc:Fallback>
+      </mc:AlternateContent>
+      <p:sp>
+        <p:nvSpPr>
+          <p:cNvPr id="155" name="Rectangle 154">
+            <a:extLst>
+              <a:ext uri="{FF2B5EF4-FFF2-40B4-BE49-F238E27FC236}">
+                <a16:creationId xmlns:a16="http://schemas.microsoft.com/office/drawing/2014/main" id="{80462AEA-3D40-456D-AE39-74CE9659E588}"/>
+              </a:ext>
+            </a:extLst>
+          </p:cNvPr>
+          <p:cNvSpPr/>
+          <p:nvPr/>
+        </p:nvSpPr>
+        <p:spPr>
+          <a:xfrm>
+            <a:off x="1436595" y="5493468"/>
+            <a:ext cx="483577" cy="461665"/>
+          </a:xfrm>
+          <a:prstGeom prst="rect">
+            <a:avLst/>
+          </a:prstGeom>
+          <a:solidFill>
+            <a:schemeClr val="accent6">
+              <a:lumMod val="60000"/>
+              <a:lumOff val="40000"/>
+            </a:schemeClr>
+          </a:solidFill>
+        </p:spPr>
+        <p:style>
+          <a:lnRef idx="2">
+            <a:schemeClr val="accent1">
+              <a:shade val="50000"/>
+            </a:schemeClr>
+          </a:lnRef>
+          <a:fillRef idx="1">
+            <a:schemeClr val="accent1"/>
+          </a:fillRef>
+          <a:effectRef idx="0">
+            <a:schemeClr val="accent1"/>
+          </a:effectRef>
+          <a:fontRef idx="minor">
+            <a:schemeClr val="lt1"/>
+          </a:fontRef>
+        </p:style>
+        <p:txBody>
+          <a:bodyPr rtlCol="0" anchor="ctr"/>
+          <a:lstStyle/>
+          <a:p>
+            <a:pPr algn="ctr"/>
+            <a:endParaRPr lang="en-GB"/>
+          </a:p>
+        </p:txBody>
+      </p:sp>
+      <p:sp>
+        <p:nvSpPr>
+          <p:cNvPr id="158" name="Rectangle 157">
+            <a:extLst>
+              <a:ext uri="{FF2B5EF4-FFF2-40B4-BE49-F238E27FC236}">
+                <a16:creationId xmlns:a16="http://schemas.microsoft.com/office/drawing/2014/main" id="{E8CB7802-CF0F-4736-B43D-F1E73C9347D9}"/>
+              </a:ext>
+            </a:extLst>
+          </p:cNvPr>
+          <p:cNvSpPr/>
+          <p:nvPr/>
+        </p:nvSpPr>
+        <p:spPr>
+          <a:xfrm>
+            <a:off x="1947023" y="5493468"/>
+            <a:ext cx="483577" cy="461665"/>
+          </a:xfrm>
+          <a:prstGeom prst="rect">
+            <a:avLst/>
+          </a:prstGeom>
+          <a:solidFill>
+            <a:schemeClr val="accent6">
+              <a:lumMod val="60000"/>
+              <a:lumOff val="40000"/>
+            </a:schemeClr>
+          </a:solidFill>
+        </p:spPr>
+        <p:style>
+          <a:lnRef idx="2">
+            <a:schemeClr val="accent1">
+              <a:shade val="50000"/>
+            </a:schemeClr>
+          </a:lnRef>
+          <a:fillRef idx="1">
+            <a:schemeClr val="accent1"/>
+          </a:fillRef>
+          <a:effectRef idx="0">
+            <a:schemeClr val="accent1"/>
+          </a:effectRef>
+          <a:fontRef idx="minor">
+            <a:schemeClr val="lt1"/>
+          </a:fontRef>
+        </p:style>
+        <p:txBody>
+          <a:bodyPr rtlCol="0" anchor="ctr"/>
+          <a:lstStyle/>
+          <a:p>
+            <a:pPr algn="ctr"/>
+            <a:endParaRPr lang="en-GB"/>
+          </a:p>
+        </p:txBody>
+      </p:sp>
+      <p:sp>
+        <p:nvSpPr>
+          <p:cNvPr id="161" name="Rectangle 160">
+            <a:extLst>
+              <a:ext uri="{FF2B5EF4-FFF2-40B4-BE49-F238E27FC236}">
+                <a16:creationId xmlns:a16="http://schemas.microsoft.com/office/drawing/2014/main" id="{81043BAA-1429-40BD-8A38-EBC8C29376EA}"/>
+              </a:ext>
+            </a:extLst>
+          </p:cNvPr>
+          <p:cNvSpPr/>
+          <p:nvPr/>
+        </p:nvSpPr>
+        <p:spPr>
+          <a:xfrm>
+            <a:off x="2457451" y="5493468"/>
+            <a:ext cx="483577" cy="461665"/>
+          </a:xfrm>
+          <a:prstGeom prst="rect">
+            <a:avLst/>
+          </a:prstGeom>
+          <a:solidFill>
+            <a:schemeClr val="accent6">
+              <a:lumMod val="60000"/>
+              <a:lumOff val="40000"/>
+            </a:schemeClr>
+          </a:solidFill>
+        </p:spPr>
+        <p:style>
+          <a:lnRef idx="2">
+            <a:schemeClr val="accent1">
+              <a:shade val="50000"/>
+            </a:schemeClr>
+          </a:lnRef>
+          <a:fillRef idx="1">
+            <a:schemeClr val="accent1"/>
+          </a:fillRef>
+          <a:effectRef idx="0">
+            <a:schemeClr val="accent1"/>
+          </a:effectRef>
+          <a:fontRef idx="minor">
+            <a:schemeClr val="lt1"/>
+          </a:fontRef>
+        </p:style>
+        <p:txBody>
+          <a:bodyPr rtlCol="0" anchor="ctr"/>
+          <a:lstStyle/>
+          <a:p>
+            <a:pPr algn="ctr"/>
+            <a:endParaRPr lang="en-GB"/>
+          </a:p>
+        </p:txBody>
+      </p:sp>
+      <p:sp>
+        <p:nvSpPr>
+          <p:cNvPr id="164" name="Rectangle 163">
+            <a:extLst>
+              <a:ext uri="{FF2B5EF4-FFF2-40B4-BE49-F238E27FC236}">
+                <a16:creationId xmlns:a16="http://schemas.microsoft.com/office/drawing/2014/main" id="{8404CA95-23EA-464A-BF21-1AAFBCE58673}"/>
+              </a:ext>
+            </a:extLst>
+          </p:cNvPr>
+          <p:cNvSpPr/>
+          <p:nvPr/>
+        </p:nvSpPr>
+        <p:spPr>
+          <a:xfrm>
+            <a:off x="2967879" y="5493468"/>
+            <a:ext cx="483577" cy="461665"/>
+          </a:xfrm>
+          <a:prstGeom prst="rect">
+            <a:avLst/>
+          </a:prstGeom>
+          <a:solidFill>
+            <a:schemeClr val="accent6">
+              <a:lumMod val="60000"/>
+              <a:lumOff val="40000"/>
+            </a:schemeClr>
+          </a:solidFill>
+        </p:spPr>
+        <p:style>
+          <a:lnRef idx="2">
+            <a:schemeClr val="accent1">
+              <a:shade val="50000"/>
+            </a:schemeClr>
+          </a:lnRef>
+          <a:fillRef idx="1">
+            <a:schemeClr val="accent1"/>
+          </a:fillRef>
+          <a:effectRef idx="0">
+            <a:schemeClr val="accent1"/>
+          </a:effectRef>
+          <a:fontRef idx="minor">
+            <a:schemeClr val="lt1"/>
+          </a:fontRef>
+        </p:style>
+        <p:txBody>
+          <a:bodyPr rtlCol="0" anchor="ctr"/>
+          <a:lstStyle/>
+          <a:p>
+            <a:pPr algn="ctr"/>
+            <a:endParaRPr lang="en-GB"/>
+          </a:p>
+        </p:txBody>
+      </p:sp>
+      <p:sp>
+        <p:nvSpPr>
+          <p:cNvPr id="167" name="Rectangle 166">
+            <a:extLst>
+              <a:ext uri="{FF2B5EF4-FFF2-40B4-BE49-F238E27FC236}">
+                <a16:creationId xmlns:a16="http://schemas.microsoft.com/office/drawing/2014/main" id="{8A0B8125-7B4E-41B0-89D0-51642E86A0C4}"/>
+              </a:ext>
+            </a:extLst>
+          </p:cNvPr>
+          <p:cNvSpPr/>
+          <p:nvPr/>
+        </p:nvSpPr>
+        <p:spPr>
+          <a:xfrm>
+            <a:off x="3478307" y="5493468"/>
+            <a:ext cx="483577" cy="461665"/>
+          </a:xfrm>
+          <a:prstGeom prst="rect">
+            <a:avLst/>
+          </a:prstGeom>
+          <a:solidFill>
+            <a:schemeClr val="accent6">
+              <a:lumMod val="60000"/>
+              <a:lumOff val="40000"/>
+            </a:schemeClr>
+          </a:solidFill>
+        </p:spPr>
+        <p:style>
+          <a:lnRef idx="2">
+            <a:schemeClr val="accent1">
+              <a:shade val="50000"/>
+            </a:schemeClr>
+          </a:lnRef>
+          <a:fillRef idx="1">
+            <a:schemeClr val="accent1"/>
+          </a:fillRef>
+          <a:effectRef idx="0">
+            <a:schemeClr val="accent1"/>
+          </a:effectRef>
+          <a:fontRef idx="minor">
+            <a:schemeClr val="lt1"/>
+          </a:fontRef>
+        </p:style>
+        <p:txBody>
+          <a:bodyPr rtlCol="0" anchor="ctr"/>
+          <a:lstStyle/>
+          <a:p>
+            <a:pPr algn="ctr"/>
+            <a:endParaRPr lang="en-GB"/>
+          </a:p>
+        </p:txBody>
+      </p:sp>
+      <p:sp>
+        <p:nvSpPr>
+          <p:cNvPr id="170" name="Rectangle 169">
+            <a:extLst>
+              <a:ext uri="{FF2B5EF4-FFF2-40B4-BE49-F238E27FC236}">
+                <a16:creationId xmlns:a16="http://schemas.microsoft.com/office/drawing/2014/main" id="{B69B1E91-B7E3-49CA-9194-FA6392156983}"/>
+              </a:ext>
+            </a:extLst>
+          </p:cNvPr>
+          <p:cNvSpPr/>
+          <p:nvPr/>
+        </p:nvSpPr>
+        <p:spPr>
+          <a:xfrm>
+            <a:off x="3988735" y="5493468"/>
+            <a:ext cx="483577" cy="461665"/>
+          </a:xfrm>
+          <a:prstGeom prst="rect">
+            <a:avLst/>
+          </a:prstGeom>
+          <a:solidFill>
+            <a:schemeClr val="accent6">
+              <a:lumMod val="60000"/>
+              <a:lumOff val="40000"/>
+            </a:schemeClr>
+          </a:solidFill>
+        </p:spPr>
+        <p:style>
+          <a:lnRef idx="2">
+            <a:schemeClr val="accent1">
+              <a:shade val="50000"/>
+            </a:schemeClr>
+          </a:lnRef>
+          <a:fillRef idx="1">
+            <a:schemeClr val="accent1"/>
+          </a:fillRef>
+          <a:effectRef idx="0">
+            <a:schemeClr val="accent1"/>
+          </a:effectRef>
+          <a:fontRef idx="minor">
+            <a:schemeClr val="lt1"/>
+          </a:fontRef>
+        </p:style>
+        <p:txBody>
+          <a:bodyPr rtlCol="0" anchor="ctr"/>
+          <a:lstStyle/>
+          <a:p>
+            <a:pPr algn="ctr"/>
+            <a:endParaRPr lang="en-GB"/>
+          </a:p>
+        </p:txBody>
+      </p:sp>
+      <p:sp>
+        <p:nvSpPr>
+          <p:cNvPr id="173" name="Rectangle 172">
+            <a:extLst>
+              <a:ext uri="{FF2B5EF4-FFF2-40B4-BE49-F238E27FC236}">
+                <a16:creationId xmlns:a16="http://schemas.microsoft.com/office/drawing/2014/main" id="{44ED37BB-98EE-49EA-93D1-EA83DFF80EC4}"/>
+              </a:ext>
+            </a:extLst>
+          </p:cNvPr>
+          <p:cNvSpPr/>
+          <p:nvPr/>
+        </p:nvSpPr>
+        <p:spPr>
+          <a:xfrm>
+            <a:off x="4499163" y="5493468"/>
+            <a:ext cx="483577" cy="461665"/>
+          </a:xfrm>
+          <a:prstGeom prst="rect">
+            <a:avLst/>
+          </a:prstGeom>
+          <a:solidFill>
+            <a:schemeClr val="accent6">
+              <a:lumMod val="60000"/>
+              <a:lumOff val="40000"/>
+            </a:schemeClr>
+          </a:solidFill>
+        </p:spPr>
+        <p:style>
+          <a:lnRef idx="2">
+            <a:schemeClr val="accent1">
+              <a:shade val="50000"/>
+            </a:schemeClr>
+          </a:lnRef>
+          <a:fillRef idx="1">
+            <a:schemeClr val="accent1"/>
+          </a:fillRef>
+          <a:effectRef idx="0">
+            <a:schemeClr val="accent1"/>
+          </a:effectRef>
+          <a:fontRef idx="minor">
+            <a:schemeClr val="lt1"/>
+          </a:fontRef>
+        </p:style>
+        <p:txBody>
+          <a:bodyPr rtlCol="0" anchor="ctr"/>
+          <a:lstStyle/>
+          <a:p>
+            <a:pPr algn="ctr"/>
+            <a:endParaRPr lang="en-GB"/>
+          </a:p>
+        </p:txBody>
+      </p:sp>
+      <p:sp>
+        <p:nvSpPr>
+          <p:cNvPr id="176" name="Rectangle 175">
+            <a:extLst>
+              <a:ext uri="{FF2B5EF4-FFF2-40B4-BE49-F238E27FC236}">
+                <a16:creationId xmlns:a16="http://schemas.microsoft.com/office/drawing/2014/main" id="{A6B65D59-155D-4163-9431-77C351DA16EC}"/>
+              </a:ext>
+            </a:extLst>
+          </p:cNvPr>
+          <p:cNvSpPr/>
+          <p:nvPr/>
+        </p:nvSpPr>
+        <p:spPr>
+          <a:xfrm>
+            <a:off x="5009591" y="5493468"/>
+            <a:ext cx="483577" cy="461665"/>
+          </a:xfrm>
+          <a:prstGeom prst="rect">
+            <a:avLst/>
+          </a:prstGeom>
+          <a:solidFill>
+            <a:schemeClr val="accent6">
+              <a:lumMod val="60000"/>
+              <a:lumOff val="40000"/>
+            </a:schemeClr>
+          </a:solidFill>
+        </p:spPr>
+        <p:style>
+          <a:lnRef idx="2">
+            <a:schemeClr val="accent1">
+              <a:shade val="50000"/>
+            </a:schemeClr>
+          </a:lnRef>
+          <a:fillRef idx="1">
+            <a:schemeClr val="accent1"/>
+          </a:fillRef>
+          <a:effectRef idx="0">
+            <a:schemeClr val="accent1"/>
+          </a:effectRef>
+          <a:fontRef idx="minor">
+            <a:schemeClr val="lt1"/>
+          </a:fontRef>
+        </p:style>
+        <p:txBody>
+          <a:bodyPr rtlCol="0" anchor="ctr"/>
+          <a:lstStyle/>
+          <a:p>
+            <a:pPr algn="ctr"/>
+            <a:endParaRPr lang="en-GB"/>
+          </a:p>
+        </p:txBody>
+      </p:sp>
+      <p:sp>
+        <p:nvSpPr>
+          <p:cNvPr id="179" name="Rectangle 178">
+            <a:extLst>
+              <a:ext uri="{FF2B5EF4-FFF2-40B4-BE49-F238E27FC236}">
+                <a16:creationId xmlns:a16="http://schemas.microsoft.com/office/drawing/2014/main" id="{F94B3816-A7B3-4677-A8F4-455576C7CE05}"/>
+              </a:ext>
+            </a:extLst>
+          </p:cNvPr>
+          <p:cNvSpPr/>
+          <p:nvPr/>
+        </p:nvSpPr>
+        <p:spPr>
+          <a:xfrm>
+            <a:off x="5520019" y="5493468"/>
+            <a:ext cx="483577" cy="461665"/>
+          </a:xfrm>
+          <a:prstGeom prst="rect">
+            <a:avLst/>
+          </a:prstGeom>
+          <a:solidFill>
+            <a:schemeClr val="accent6">
+              <a:lumMod val="60000"/>
+              <a:lumOff val="40000"/>
+            </a:schemeClr>
+          </a:solidFill>
+        </p:spPr>
+        <p:style>
+          <a:lnRef idx="2">
+            <a:schemeClr val="accent1">
+              <a:shade val="50000"/>
+            </a:schemeClr>
+          </a:lnRef>
+          <a:fillRef idx="1">
+            <a:schemeClr val="accent1"/>
+          </a:fillRef>
+          <a:effectRef idx="0">
+            <a:schemeClr val="accent1"/>
+          </a:effectRef>
+          <a:fontRef idx="minor">
+            <a:schemeClr val="lt1"/>
+          </a:fontRef>
+        </p:style>
+        <p:txBody>
+          <a:bodyPr rtlCol="0" anchor="ctr"/>
+          <a:lstStyle/>
+          <a:p>
+            <a:pPr algn="ctr"/>
+            <a:endParaRPr lang="en-GB"/>
+          </a:p>
+        </p:txBody>
+      </p:sp>
+      <p:sp>
+        <p:nvSpPr>
+          <p:cNvPr id="182" name="Rectangle 181">
+            <a:extLst>
+              <a:ext uri="{FF2B5EF4-FFF2-40B4-BE49-F238E27FC236}">
+                <a16:creationId xmlns:a16="http://schemas.microsoft.com/office/drawing/2014/main" id="{079392FB-64C8-43F2-8867-7F9F94A9296B}"/>
+              </a:ext>
+            </a:extLst>
+          </p:cNvPr>
+          <p:cNvSpPr/>
+          <p:nvPr/>
+        </p:nvSpPr>
+        <p:spPr>
+          <a:xfrm>
+            <a:off x="6030447" y="5493468"/>
+            <a:ext cx="483577" cy="461665"/>
+          </a:xfrm>
+          <a:prstGeom prst="rect">
+            <a:avLst/>
+          </a:prstGeom>
+          <a:solidFill>
+            <a:schemeClr val="accent6">
+              <a:lumMod val="60000"/>
+              <a:lumOff val="40000"/>
+            </a:schemeClr>
+          </a:solidFill>
+        </p:spPr>
+        <p:style>
+          <a:lnRef idx="2">
+            <a:schemeClr val="accent1">
+              <a:shade val="50000"/>
+            </a:schemeClr>
+          </a:lnRef>
+          <a:fillRef idx="1">
+            <a:schemeClr val="accent1"/>
+          </a:fillRef>
+          <a:effectRef idx="0">
+            <a:schemeClr val="accent1"/>
+          </a:effectRef>
+          <a:fontRef idx="minor">
+            <a:schemeClr val="lt1"/>
+          </a:fontRef>
+        </p:style>
+        <p:txBody>
+          <a:bodyPr rtlCol="0" anchor="ctr"/>
+          <a:lstStyle/>
+          <a:p>
+            <a:pPr algn="ctr"/>
+            <a:endParaRPr lang="en-GB"/>
+          </a:p>
+        </p:txBody>
+      </p:sp>
+      <p:sp>
+        <p:nvSpPr>
+          <p:cNvPr id="185" name="Rectangle 184">
+            <a:extLst>
+              <a:ext uri="{FF2B5EF4-FFF2-40B4-BE49-F238E27FC236}">
+                <a16:creationId xmlns:a16="http://schemas.microsoft.com/office/drawing/2014/main" id="{9E23586F-6DA5-4349-86C8-65A4C7D93856}"/>
+              </a:ext>
+            </a:extLst>
+          </p:cNvPr>
+          <p:cNvSpPr/>
+          <p:nvPr/>
+        </p:nvSpPr>
+        <p:spPr>
+          <a:xfrm>
+            <a:off x="6540875" y="5493468"/>
+            <a:ext cx="483577" cy="461665"/>
+          </a:xfrm>
+          <a:prstGeom prst="rect">
+            <a:avLst/>
+          </a:prstGeom>
+          <a:solidFill>
+            <a:schemeClr val="accent6">
+              <a:lumMod val="60000"/>
+              <a:lumOff val="40000"/>
+            </a:schemeClr>
+          </a:solidFill>
+        </p:spPr>
+        <p:style>
+          <a:lnRef idx="2">
+            <a:schemeClr val="accent1">
+              <a:shade val="50000"/>
+            </a:schemeClr>
+          </a:lnRef>
+          <a:fillRef idx="1">
+            <a:schemeClr val="accent1"/>
+          </a:fillRef>
+          <a:effectRef idx="0">
+            <a:schemeClr val="accent1"/>
+          </a:effectRef>
+          <a:fontRef idx="minor">
+            <a:schemeClr val="lt1"/>
+          </a:fontRef>
+        </p:style>
+        <p:txBody>
+          <a:bodyPr rtlCol="0" anchor="ctr"/>
+          <a:lstStyle/>
+          <a:p>
+            <a:pPr algn="ctr"/>
+            <a:endParaRPr lang="en-GB"/>
+          </a:p>
+        </p:txBody>
+      </p:sp>
+      <p:sp>
+        <p:nvSpPr>
+          <p:cNvPr id="188" name="Rectangle 187">
+            <a:extLst>
+              <a:ext uri="{FF2B5EF4-FFF2-40B4-BE49-F238E27FC236}">
+                <a16:creationId xmlns:a16="http://schemas.microsoft.com/office/drawing/2014/main" id="{6981545B-5C0C-49FC-ADE5-EA66112D657F}"/>
+              </a:ext>
+            </a:extLst>
+          </p:cNvPr>
+          <p:cNvSpPr/>
+          <p:nvPr/>
+        </p:nvSpPr>
+        <p:spPr>
+          <a:xfrm>
+            <a:off x="7051303" y="5493468"/>
+            <a:ext cx="483577" cy="461665"/>
+          </a:xfrm>
+          <a:prstGeom prst="rect">
+            <a:avLst/>
+          </a:prstGeom>
+          <a:solidFill>
+            <a:schemeClr val="accent6">
+              <a:lumMod val="60000"/>
+              <a:lumOff val="40000"/>
+            </a:schemeClr>
+          </a:solidFill>
+        </p:spPr>
+        <p:style>
+          <a:lnRef idx="2">
+            <a:schemeClr val="accent1">
+              <a:shade val="50000"/>
+            </a:schemeClr>
+          </a:lnRef>
+          <a:fillRef idx="1">
+            <a:schemeClr val="accent1"/>
+          </a:fillRef>
+          <a:effectRef idx="0">
+            <a:schemeClr val="accent1"/>
+          </a:effectRef>
+          <a:fontRef idx="minor">
+            <a:schemeClr val="lt1"/>
+          </a:fontRef>
+        </p:style>
+        <p:txBody>
+          <a:bodyPr rtlCol="0" anchor="ctr"/>
+          <a:lstStyle/>
+          <a:p>
+            <a:pPr algn="ctr"/>
+            <a:endParaRPr lang="en-GB"/>
+          </a:p>
+        </p:txBody>
+      </p:sp>
+      <p:sp>
+        <p:nvSpPr>
+          <p:cNvPr id="191" name="Rectangle 190">
+            <a:extLst>
+              <a:ext uri="{FF2B5EF4-FFF2-40B4-BE49-F238E27FC236}">
+                <a16:creationId xmlns:a16="http://schemas.microsoft.com/office/drawing/2014/main" id="{71554541-B045-4CB9-9518-533A3D29BBCE}"/>
+              </a:ext>
+            </a:extLst>
+          </p:cNvPr>
+          <p:cNvSpPr/>
+          <p:nvPr/>
+        </p:nvSpPr>
+        <p:spPr>
+          <a:xfrm>
+            <a:off x="7561731" y="5493468"/>
+            <a:ext cx="483577" cy="461665"/>
+          </a:xfrm>
+          <a:prstGeom prst="rect">
+            <a:avLst/>
+          </a:prstGeom>
+          <a:solidFill>
+            <a:schemeClr val="accent6">
+              <a:lumMod val="60000"/>
+              <a:lumOff val="40000"/>
+            </a:schemeClr>
+          </a:solidFill>
+        </p:spPr>
+        <p:style>
+          <a:lnRef idx="2">
+            <a:schemeClr val="accent1">
+              <a:shade val="50000"/>
+            </a:schemeClr>
+          </a:lnRef>
+          <a:fillRef idx="1">
+            <a:schemeClr val="accent1"/>
+          </a:fillRef>
+          <a:effectRef idx="0">
+            <a:schemeClr val="accent1"/>
+          </a:effectRef>
+          <a:fontRef idx="minor">
+            <a:schemeClr val="lt1"/>
+          </a:fontRef>
+        </p:style>
+        <p:txBody>
+          <a:bodyPr rtlCol="0" anchor="ctr"/>
+          <a:lstStyle/>
+          <a:p>
+            <a:pPr algn="ctr"/>
+            <a:endParaRPr lang="en-GB"/>
+          </a:p>
+        </p:txBody>
+      </p:sp>
+      <p:sp>
+        <p:nvSpPr>
+          <p:cNvPr id="194" name="Rectangle 193">
+            <a:extLst>
+              <a:ext uri="{FF2B5EF4-FFF2-40B4-BE49-F238E27FC236}">
+                <a16:creationId xmlns:a16="http://schemas.microsoft.com/office/drawing/2014/main" id="{745BCC45-3E32-4052-A976-F7EC85F8795F}"/>
+              </a:ext>
+            </a:extLst>
+          </p:cNvPr>
+          <p:cNvSpPr/>
+          <p:nvPr/>
+        </p:nvSpPr>
+        <p:spPr>
+          <a:xfrm>
+            <a:off x="8072159" y="5493468"/>
+            <a:ext cx="483577" cy="461665"/>
+          </a:xfrm>
+          <a:prstGeom prst="rect">
+            <a:avLst/>
+          </a:prstGeom>
+          <a:solidFill>
+            <a:schemeClr val="accent6">
+              <a:lumMod val="60000"/>
+              <a:lumOff val="40000"/>
+            </a:schemeClr>
+          </a:solidFill>
+        </p:spPr>
+        <p:style>
+          <a:lnRef idx="2">
+            <a:schemeClr val="accent1">
+              <a:shade val="50000"/>
+            </a:schemeClr>
+          </a:lnRef>
+          <a:fillRef idx="1">
+            <a:schemeClr val="accent1"/>
+          </a:fillRef>
+          <a:effectRef idx="0">
+            <a:schemeClr val="accent1"/>
+          </a:effectRef>
+          <a:fontRef idx="minor">
+            <a:schemeClr val="lt1"/>
+          </a:fontRef>
+        </p:style>
+        <p:txBody>
+          <a:bodyPr rtlCol="0" anchor="ctr"/>
+          <a:lstStyle/>
+          <a:p>
+            <a:pPr algn="ctr"/>
+            <a:endParaRPr lang="en-GB"/>
+          </a:p>
+        </p:txBody>
+      </p:sp>
+      <p:sp>
+        <p:nvSpPr>
+          <p:cNvPr id="197" name="Rectangle 196">
+            <a:extLst>
+              <a:ext uri="{FF2B5EF4-FFF2-40B4-BE49-F238E27FC236}">
+                <a16:creationId xmlns:a16="http://schemas.microsoft.com/office/drawing/2014/main" id="{48FBDF4F-819F-4939-9CB1-CF7FD134B5D0}"/>
+              </a:ext>
+            </a:extLst>
+          </p:cNvPr>
+          <p:cNvSpPr/>
+          <p:nvPr/>
+        </p:nvSpPr>
+        <p:spPr>
+          <a:xfrm>
+            <a:off x="8582587" y="5493468"/>
+            <a:ext cx="483577" cy="461665"/>
+          </a:xfrm>
+          <a:prstGeom prst="rect">
+            <a:avLst/>
+          </a:prstGeom>
+          <a:solidFill>
+            <a:schemeClr val="accent6">
+              <a:lumMod val="60000"/>
+              <a:lumOff val="40000"/>
+            </a:schemeClr>
+          </a:solidFill>
+        </p:spPr>
+        <p:style>
+          <a:lnRef idx="2">
+            <a:schemeClr val="accent1">
+              <a:shade val="50000"/>
+            </a:schemeClr>
+          </a:lnRef>
+          <a:fillRef idx="1">
+            <a:schemeClr val="accent1"/>
+          </a:fillRef>
+          <a:effectRef idx="0">
+            <a:schemeClr val="accent1"/>
+          </a:effectRef>
+          <a:fontRef idx="minor">
+            <a:schemeClr val="lt1"/>
+          </a:fontRef>
+        </p:style>
+        <p:txBody>
+          <a:bodyPr rtlCol="0" anchor="ctr"/>
+          <a:lstStyle/>
+          <a:p>
+            <a:pPr algn="ctr"/>
+            <a:endParaRPr lang="en-GB"/>
+          </a:p>
+        </p:txBody>
+      </p:sp>
+      <p:sp>
+        <p:nvSpPr>
+          <p:cNvPr id="200" name="Rectangle 199">
+            <a:extLst>
+              <a:ext uri="{FF2B5EF4-FFF2-40B4-BE49-F238E27FC236}">
+                <a16:creationId xmlns:a16="http://schemas.microsoft.com/office/drawing/2014/main" id="{3D688CEB-3622-4ACE-BAA4-157191254259}"/>
+              </a:ext>
+            </a:extLst>
+          </p:cNvPr>
+          <p:cNvSpPr/>
+          <p:nvPr/>
+        </p:nvSpPr>
+        <p:spPr>
+          <a:xfrm>
+            <a:off x="9093015" y="5493468"/>
+            <a:ext cx="483577" cy="461665"/>
+          </a:xfrm>
+          <a:prstGeom prst="rect">
+            <a:avLst/>
+          </a:prstGeom>
+          <a:solidFill>
+            <a:schemeClr val="accent6">
+              <a:lumMod val="60000"/>
+              <a:lumOff val="40000"/>
+            </a:schemeClr>
+          </a:solidFill>
+        </p:spPr>
+        <p:style>
+          <a:lnRef idx="2">
+            <a:schemeClr val="accent1">
+              <a:shade val="50000"/>
+            </a:schemeClr>
+          </a:lnRef>
+          <a:fillRef idx="1">
+            <a:schemeClr val="accent1"/>
+          </a:fillRef>
+          <a:effectRef idx="0">
+            <a:schemeClr val="accent1"/>
+          </a:effectRef>
+          <a:fontRef idx="minor">
+            <a:schemeClr val="lt1"/>
+          </a:fontRef>
+        </p:style>
+        <p:txBody>
+          <a:bodyPr rtlCol="0" anchor="ctr"/>
+          <a:lstStyle/>
+          <a:p>
+            <a:pPr algn="ctr"/>
+            <a:endParaRPr lang="en-GB"/>
+          </a:p>
+        </p:txBody>
+      </p:sp>
+      <p:sp>
+        <p:nvSpPr>
+          <p:cNvPr id="203" name="Rectangle 202">
+            <a:extLst>
+              <a:ext uri="{FF2B5EF4-FFF2-40B4-BE49-F238E27FC236}">
+                <a16:creationId xmlns:a16="http://schemas.microsoft.com/office/drawing/2014/main" id="{7B48F5F2-0CD7-4817-ACFD-A18193977163}"/>
+              </a:ext>
+            </a:extLst>
+          </p:cNvPr>
+          <p:cNvSpPr/>
+          <p:nvPr/>
+        </p:nvSpPr>
+        <p:spPr>
+          <a:xfrm>
+            <a:off x="9603443" y="5493468"/>
+            <a:ext cx="483577" cy="461665"/>
+          </a:xfrm>
+          <a:prstGeom prst="rect">
+            <a:avLst/>
+          </a:prstGeom>
+          <a:solidFill>
+            <a:schemeClr val="accent6">
+              <a:lumMod val="60000"/>
+              <a:lumOff val="40000"/>
+            </a:schemeClr>
+          </a:solidFill>
+        </p:spPr>
+        <p:style>
+          <a:lnRef idx="2">
+            <a:schemeClr val="accent1">
+              <a:shade val="50000"/>
+            </a:schemeClr>
+          </a:lnRef>
+          <a:fillRef idx="1">
+            <a:schemeClr val="accent1"/>
+          </a:fillRef>
+          <a:effectRef idx="0">
+            <a:schemeClr val="accent1"/>
+          </a:effectRef>
+          <a:fontRef idx="minor">
+            <a:schemeClr val="lt1"/>
+          </a:fontRef>
+        </p:style>
+        <p:txBody>
+          <a:bodyPr rtlCol="0" anchor="ctr"/>
+          <a:lstStyle/>
+          <a:p>
+            <a:pPr algn="ctr"/>
+            <a:endParaRPr lang="en-GB"/>
+          </a:p>
+        </p:txBody>
+      </p:sp>
+      <p:sp>
+        <p:nvSpPr>
+          <p:cNvPr id="206" name="Rectangle 205">
+            <a:extLst>
+              <a:ext uri="{FF2B5EF4-FFF2-40B4-BE49-F238E27FC236}">
+                <a16:creationId xmlns:a16="http://schemas.microsoft.com/office/drawing/2014/main" id="{BF598AF2-FE77-40A0-8CEA-3E4BA0F6310D}"/>
+              </a:ext>
+            </a:extLst>
+          </p:cNvPr>
+          <p:cNvSpPr/>
+          <p:nvPr/>
+        </p:nvSpPr>
+        <p:spPr>
+          <a:xfrm>
+            <a:off x="10113871" y="5493468"/>
+            <a:ext cx="483577" cy="461665"/>
+          </a:xfrm>
+          <a:prstGeom prst="rect">
+            <a:avLst/>
+          </a:prstGeom>
+          <a:solidFill>
+            <a:schemeClr val="accent6">
+              <a:lumMod val="60000"/>
+              <a:lumOff val="40000"/>
+            </a:schemeClr>
+          </a:solidFill>
+        </p:spPr>
+        <p:style>
+          <a:lnRef idx="2">
+            <a:schemeClr val="accent1">
+              <a:shade val="50000"/>
+            </a:schemeClr>
+          </a:lnRef>
+          <a:fillRef idx="1">
+            <a:schemeClr val="accent1"/>
+          </a:fillRef>
+          <a:effectRef idx="0">
+            <a:schemeClr val="accent1"/>
+          </a:effectRef>
+          <a:fontRef idx="minor">
+            <a:schemeClr val="lt1"/>
+          </a:fontRef>
+        </p:style>
+        <p:txBody>
+          <a:bodyPr rtlCol="0" anchor="ctr"/>
+          <a:lstStyle/>
+          <a:p>
+            <a:pPr algn="ctr"/>
+            <a:endParaRPr lang="en-GB"/>
+          </a:p>
+        </p:txBody>
+      </p:sp>
+      <p:sp>
+        <p:nvSpPr>
+          <p:cNvPr id="209" name="Rectangle 208">
+            <a:extLst>
+              <a:ext uri="{FF2B5EF4-FFF2-40B4-BE49-F238E27FC236}">
+                <a16:creationId xmlns:a16="http://schemas.microsoft.com/office/drawing/2014/main" id="{049D45A6-760D-456C-A37F-E98CD1F84702}"/>
+              </a:ext>
+            </a:extLst>
+          </p:cNvPr>
+          <p:cNvSpPr/>
+          <p:nvPr/>
+        </p:nvSpPr>
+        <p:spPr>
+          <a:xfrm>
+            <a:off x="10624300" y="5493468"/>
+            <a:ext cx="483577" cy="461665"/>
+          </a:xfrm>
+          <a:prstGeom prst="rect">
+            <a:avLst/>
+          </a:prstGeom>
+          <a:solidFill>
+            <a:schemeClr val="accent6">
+              <a:lumMod val="60000"/>
+              <a:lumOff val="40000"/>
+            </a:schemeClr>
+          </a:solidFill>
+        </p:spPr>
+        <p:style>
+          <a:lnRef idx="2">
+            <a:schemeClr val="accent1">
+              <a:shade val="50000"/>
+            </a:schemeClr>
+          </a:lnRef>
+          <a:fillRef idx="1">
+            <a:schemeClr val="accent1"/>
+          </a:fillRef>
+          <a:effectRef idx="0">
+            <a:schemeClr val="accent1"/>
+          </a:effectRef>
+          <a:fontRef idx="minor">
+            <a:schemeClr val="lt1"/>
+          </a:fontRef>
+        </p:style>
+        <p:txBody>
+          <a:bodyPr rtlCol="0" anchor="ctr"/>
+          <a:lstStyle/>
+          <a:p>
+            <a:pPr algn="ctr"/>
+            <a:endParaRPr lang="en-GB"/>
+          </a:p>
+        </p:txBody>
+      </p:sp>
+      <p:sp>
+        <p:nvSpPr>
+          <p:cNvPr id="212" name="Rectangle 211">
+            <a:extLst>
+              <a:ext uri="{FF2B5EF4-FFF2-40B4-BE49-F238E27FC236}">
+                <a16:creationId xmlns:a16="http://schemas.microsoft.com/office/drawing/2014/main" id="{4791ACE5-273D-4E5C-BD92-E7FDF8437B66}"/>
+              </a:ext>
+            </a:extLst>
+          </p:cNvPr>
+          <p:cNvSpPr/>
+          <p:nvPr/>
+        </p:nvSpPr>
+        <p:spPr>
+          <a:xfrm>
+            <a:off x="11137762" y="5493467"/>
+            <a:ext cx="483577" cy="461665"/>
+          </a:xfrm>
+          <a:prstGeom prst="rect">
+            <a:avLst/>
+          </a:prstGeom>
+          <a:solidFill>
+            <a:schemeClr val="accent6">
+              <a:lumMod val="60000"/>
+              <a:lumOff val="40000"/>
+            </a:schemeClr>
+          </a:solidFill>
+        </p:spPr>
+        <p:style>
+          <a:lnRef idx="2">
+            <a:schemeClr val="accent1">
+              <a:shade val="50000"/>
+            </a:schemeClr>
+          </a:lnRef>
+          <a:fillRef idx="1">
+            <a:schemeClr val="accent1"/>
+          </a:fillRef>
+          <a:effectRef idx="0">
+            <a:schemeClr val="accent1"/>
+          </a:effectRef>
+          <a:fontRef idx="minor">
+            <a:schemeClr val="lt1"/>
+          </a:fontRef>
+        </p:style>
+        <p:txBody>
+          <a:bodyPr rtlCol="0" anchor="ctr"/>
+          <a:lstStyle/>
+          <a:p>
+            <a:pPr algn="ctr"/>
+            <a:endParaRPr lang="en-GB"/>
+          </a:p>
+        </p:txBody>
+      </p:sp>
+      <p:sp>
+        <p:nvSpPr>
+          <p:cNvPr id="7" name="Arrow: Down 6">
+            <a:extLst>
+              <a:ext uri="{FF2B5EF4-FFF2-40B4-BE49-F238E27FC236}">
+                <a16:creationId xmlns:a16="http://schemas.microsoft.com/office/drawing/2014/main" id="{33207007-E41E-412D-91CA-9797B658FEFE}"/>
+              </a:ext>
+            </a:extLst>
+          </p:cNvPr>
+          <p:cNvSpPr/>
+          <p:nvPr/>
+        </p:nvSpPr>
+        <p:spPr>
+          <a:xfrm>
+            <a:off x="2457449" y="3473705"/>
+            <a:ext cx="483577" cy="461665"/>
+          </a:xfrm>
+          <a:prstGeom prst="downArrow">
+            <a:avLst/>
+          </a:prstGeom>
+          <a:solidFill>
+            <a:srgbClr val="FF0000"/>
+          </a:solidFill>
+        </p:spPr>
+        <p:style>
+          <a:lnRef idx="2">
+            <a:schemeClr val="accent1">
+              <a:shade val="50000"/>
+            </a:schemeClr>
+          </a:lnRef>
+          <a:fillRef idx="1">
+            <a:schemeClr val="accent1"/>
+          </a:fillRef>
+          <a:effectRef idx="0">
+            <a:schemeClr val="accent1"/>
+          </a:effectRef>
+          <a:fontRef idx="minor">
+            <a:schemeClr val="lt1"/>
+          </a:fontRef>
+        </p:style>
+        <p:txBody>
+          <a:bodyPr rtlCol="0" anchor="ctr"/>
+          <a:lstStyle/>
+          <a:p>
+            <a:pPr algn="ctr"/>
+            <a:endParaRPr lang="en-GB"/>
+          </a:p>
+        </p:txBody>
+      </p:sp>
+      <p:sp>
+        <p:nvSpPr>
+          <p:cNvPr id="214" name="TextBox 213">
+            <a:extLst>
+              <a:ext uri="{FF2B5EF4-FFF2-40B4-BE49-F238E27FC236}">
+                <a16:creationId xmlns:a16="http://schemas.microsoft.com/office/drawing/2014/main" id="{5FA056C3-BDA0-4820-B9E3-127D31493E74}"/>
+              </a:ext>
+            </a:extLst>
+          </p:cNvPr>
+          <p:cNvSpPr txBox="1"/>
+          <p:nvPr/>
+        </p:nvSpPr>
+        <p:spPr>
+          <a:xfrm>
+            <a:off x="172857" y="5493467"/>
+            <a:ext cx="1123063" cy="461665"/>
+          </a:xfrm>
+          <a:prstGeom prst="rect">
+            <a:avLst/>
+          </a:prstGeom>
+          <a:noFill/>
+        </p:spPr>
+        <p:txBody>
+          <a:bodyPr wrap="square" rtlCol="0">
+            <a:spAutoFit/>
+          </a:bodyPr>
+          <a:lstStyle/>
+          <a:p>
+            <a:pPr algn="r"/>
+            <a:r>
+              <a:rPr lang="en-US" sz="2400" dirty="0"/>
+              <a:t>BMI</a:t>
+            </a:r>
+          </a:p>
+        </p:txBody>
+      </p:sp>
+      <p:sp>
+        <p:nvSpPr>
+          <p:cNvPr id="215" name="Arrow: Down 214">
+            <a:extLst>
+              <a:ext uri="{FF2B5EF4-FFF2-40B4-BE49-F238E27FC236}">
+                <a16:creationId xmlns:a16="http://schemas.microsoft.com/office/drawing/2014/main" id="{4A823B09-065A-48E7-B0EB-DD8DFE7AC1A9}"/>
+              </a:ext>
+            </a:extLst>
+          </p:cNvPr>
+          <p:cNvSpPr/>
+          <p:nvPr/>
+        </p:nvSpPr>
+        <p:spPr>
+          <a:xfrm>
+            <a:off x="6308352" y="4853858"/>
+            <a:ext cx="483577" cy="461665"/>
+          </a:xfrm>
+          <a:prstGeom prst="downArrow">
+            <a:avLst/>
+          </a:prstGeom>
+          <a:solidFill>
+            <a:srgbClr val="FF0000"/>
+          </a:solidFill>
+        </p:spPr>
+        <p:style>
+          <a:lnRef idx="2">
+            <a:schemeClr val="accent1">
+              <a:shade val="50000"/>
+            </a:schemeClr>
+          </a:lnRef>
+          <a:fillRef idx="1">
+            <a:schemeClr val="accent1"/>
+          </a:fillRef>
+          <a:effectRef idx="0">
+            <a:schemeClr val="accent1"/>
+          </a:effectRef>
+          <a:fontRef idx="minor">
+            <a:schemeClr val="lt1"/>
+          </a:fontRef>
+        </p:style>
+        <p:txBody>
+          <a:bodyPr rtlCol="0" anchor="ctr"/>
+          <a:lstStyle/>
+          <a:p>
+            <a:pPr algn="ctr"/>
+            <a:endParaRPr lang="en-GB"/>
+          </a:p>
+        </p:txBody>
+      </p:sp>
+      <p:sp>
+        <p:nvSpPr>
+          <p:cNvPr id="118" name="Rectangle: Rounded Corners 117">
+            <a:extLst>
+              <a:ext uri="{FF2B5EF4-FFF2-40B4-BE49-F238E27FC236}">
+                <a16:creationId xmlns:a16="http://schemas.microsoft.com/office/drawing/2014/main" id="{CC59A590-3577-4F39-A840-460A0D3820AD}"/>
+              </a:ext>
+            </a:extLst>
+          </p:cNvPr>
+          <p:cNvSpPr/>
+          <p:nvPr/>
+        </p:nvSpPr>
+        <p:spPr>
+          <a:xfrm>
+            <a:off x="3989749" y="4060877"/>
+            <a:ext cx="2525288" cy="537882"/>
+          </a:xfrm>
+          <a:prstGeom prst="roundRect">
+            <a:avLst/>
+          </a:prstGeom>
+        </p:spPr>
+        <p:style>
+          <a:lnRef idx="2">
+            <a:schemeClr val="accent1">
+              <a:shade val="50000"/>
+            </a:schemeClr>
+          </a:lnRef>
+          <a:fillRef idx="1">
+            <a:schemeClr val="accent1"/>
+          </a:fillRef>
+          <a:effectRef idx="0">
+            <a:schemeClr val="accent1"/>
+          </a:effectRef>
+          <a:fontRef idx="minor">
+            <a:schemeClr val="lt1"/>
+          </a:fontRef>
+        </p:style>
+        <p:txBody>
+          <a:bodyPr rtlCol="0" anchor="ctr"/>
+          <a:lstStyle/>
+          <a:p>
+            <a:pPr algn="ctr"/>
+            <a:r>
+              <a:rPr lang="en-GB" dirty="0"/>
+              <a:t>Parallel execution</a:t>
+            </a:r>
+          </a:p>
+          <a:p>
+            <a:pPr algn="ctr"/>
+            <a:r>
+              <a:rPr lang="en-GB" dirty="0"/>
+              <a:t>core 2</a:t>
+            </a:r>
+          </a:p>
+        </p:txBody>
+      </p:sp>
+      <p:sp>
+        <p:nvSpPr>
+          <p:cNvPr id="119" name="Rectangle: Rounded Corners 118">
+            <a:extLst>
+              <a:ext uri="{FF2B5EF4-FFF2-40B4-BE49-F238E27FC236}">
+                <a16:creationId xmlns:a16="http://schemas.microsoft.com/office/drawing/2014/main" id="{187F9F2B-998F-4BE5-9DE8-B9C7FD00D270}"/>
+              </a:ext>
+            </a:extLst>
+          </p:cNvPr>
+          <p:cNvSpPr/>
+          <p:nvPr/>
+        </p:nvSpPr>
+        <p:spPr>
+          <a:xfrm>
+            <a:off x="6542901" y="4060877"/>
+            <a:ext cx="2525288" cy="537882"/>
+          </a:xfrm>
+          <a:prstGeom prst="roundRect">
+            <a:avLst/>
+          </a:prstGeom>
+        </p:spPr>
+        <p:style>
+          <a:lnRef idx="2">
+            <a:schemeClr val="accent1">
+              <a:shade val="50000"/>
+            </a:schemeClr>
+          </a:lnRef>
+          <a:fillRef idx="1">
+            <a:schemeClr val="accent1"/>
+          </a:fillRef>
+          <a:effectRef idx="0">
+            <a:schemeClr val="accent1"/>
+          </a:effectRef>
+          <a:fontRef idx="minor">
+            <a:schemeClr val="lt1"/>
+          </a:fontRef>
+        </p:style>
+        <p:txBody>
+          <a:bodyPr rtlCol="0" anchor="ctr"/>
+          <a:lstStyle/>
+          <a:p>
+            <a:pPr algn="ctr"/>
+            <a:r>
+              <a:rPr lang="en-GB" dirty="0"/>
+              <a:t>Parallel execution</a:t>
+            </a:r>
+          </a:p>
+          <a:p>
+            <a:pPr algn="ctr"/>
+            <a:r>
+              <a:rPr lang="en-GB" dirty="0"/>
+              <a:t>core 3</a:t>
+            </a:r>
+          </a:p>
+        </p:txBody>
+      </p:sp>
+      <p:sp>
+        <p:nvSpPr>
+          <p:cNvPr id="120" name="Rectangle: Rounded Corners 119">
+            <a:extLst>
+              <a:ext uri="{FF2B5EF4-FFF2-40B4-BE49-F238E27FC236}">
+                <a16:creationId xmlns:a16="http://schemas.microsoft.com/office/drawing/2014/main" id="{FE8CD51C-D285-4F14-91F7-94B0E424548F}"/>
+              </a:ext>
+            </a:extLst>
+          </p:cNvPr>
+          <p:cNvSpPr/>
+          <p:nvPr/>
+        </p:nvSpPr>
+        <p:spPr>
+          <a:xfrm>
+            <a:off x="9096052" y="4060877"/>
+            <a:ext cx="2525288" cy="537882"/>
+          </a:xfrm>
+          <a:prstGeom prst="roundRect">
+            <a:avLst/>
+          </a:prstGeom>
+        </p:spPr>
+        <p:style>
+          <a:lnRef idx="2">
+            <a:schemeClr val="accent1">
+              <a:shade val="50000"/>
+            </a:schemeClr>
+          </a:lnRef>
+          <a:fillRef idx="1">
+            <a:schemeClr val="accent1"/>
+          </a:fillRef>
+          <a:effectRef idx="0">
+            <a:schemeClr val="accent1"/>
+          </a:effectRef>
+          <a:fontRef idx="minor">
+            <a:schemeClr val="lt1"/>
+          </a:fontRef>
+        </p:style>
+        <p:txBody>
+          <a:bodyPr rtlCol="0" anchor="ctr"/>
+          <a:lstStyle/>
+          <a:p>
+            <a:pPr algn="ctr"/>
+            <a:r>
+              <a:rPr lang="en-GB" dirty="0"/>
+              <a:t>Parallel execution</a:t>
+            </a:r>
+          </a:p>
+          <a:p>
+            <a:pPr algn="ctr"/>
+            <a:r>
+              <a:rPr lang="en-GB" dirty="0"/>
+              <a:t>core 4</a:t>
+            </a:r>
+          </a:p>
+        </p:txBody>
+      </p:sp>
+      <p:sp>
+        <p:nvSpPr>
+          <p:cNvPr id="2" name="Left Brace 1">
+            <a:extLst>
+              <a:ext uri="{FF2B5EF4-FFF2-40B4-BE49-F238E27FC236}">
+                <a16:creationId xmlns:a16="http://schemas.microsoft.com/office/drawing/2014/main" id="{48924A27-1A24-415F-9EC1-7878FB7ECD99}"/>
+              </a:ext>
+            </a:extLst>
+          </p:cNvPr>
+          <p:cNvSpPr/>
+          <p:nvPr/>
+        </p:nvSpPr>
+        <p:spPr>
+          <a:xfrm rot="16200000">
+            <a:off x="2639289" y="2039626"/>
+            <a:ext cx="119899" cy="2525288"/>
+          </a:xfrm>
+          <a:prstGeom prst="leftBrace">
+            <a:avLst/>
+          </a:prstGeom>
+        </p:spPr>
+        <p:style>
+          <a:lnRef idx="1">
+            <a:schemeClr val="accent1"/>
+          </a:lnRef>
+          <a:fillRef idx="0">
+            <a:schemeClr val="accent1"/>
+          </a:fillRef>
+          <a:effectRef idx="0">
+            <a:schemeClr val="accent1"/>
+          </a:effectRef>
+          <a:fontRef idx="minor">
+            <a:schemeClr val="tx1"/>
+          </a:fontRef>
+        </p:style>
+        <p:txBody>
+          <a:bodyPr rtlCol="0" anchor="ctr"/>
+          <a:lstStyle/>
+          <a:p>
+            <a:pPr algn="ctr"/>
+            <a:endParaRPr lang="en-GB"/>
+          </a:p>
+        </p:txBody>
+      </p:sp>
+      <p:sp>
+        <p:nvSpPr>
+          <p:cNvPr id="121" name="Left Brace 120">
+            <a:extLst>
+              <a:ext uri="{FF2B5EF4-FFF2-40B4-BE49-F238E27FC236}">
+                <a16:creationId xmlns:a16="http://schemas.microsoft.com/office/drawing/2014/main" id="{B29EF9BC-C474-4C3F-A8B5-0AEF9A38527E}"/>
+              </a:ext>
+            </a:extLst>
+          </p:cNvPr>
+          <p:cNvSpPr/>
+          <p:nvPr/>
+        </p:nvSpPr>
+        <p:spPr>
+          <a:xfrm rot="16200000">
+            <a:off x="5190028" y="2039626"/>
+            <a:ext cx="119899" cy="2525288"/>
+          </a:xfrm>
+          <a:prstGeom prst="leftBrace">
+            <a:avLst/>
+          </a:prstGeom>
+        </p:spPr>
+        <p:style>
+          <a:lnRef idx="1">
+            <a:schemeClr val="accent1"/>
+          </a:lnRef>
+          <a:fillRef idx="0">
+            <a:schemeClr val="accent1"/>
+          </a:fillRef>
+          <a:effectRef idx="0">
+            <a:schemeClr val="accent1"/>
+          </a:effectRef>
+          <a:fontRef idx="minor">
+            <a:schemeClr val="tx1"/>
+          </a:fontRef>
+        </p:style>
+        <p:txBody>
+          <a:bodyPr rtlCol="0" anchor="ctr"/>
+          <a:lstStyle/>
+          <a:p>
+            <a:pPr algn="ctr"/>
+            <a:endParaRPr lang="en-GB"/>
+          </a:p>
+        </p:txBody>
+      </p:sp>
+      <p:sp>
+        <p:nvSpPr>
+          <p:cNvPr id="122" name="Left Brace 121">
+            <a:extLst>
+              <a:ext uri="{FF2B5EF4-FFF2-40B4-BE49-F238E27FC236}">
+                <a16:creationId xmlns:a16="http://schemas.microsoft.com/office/drawing/2014/main" id="{2F436679-7ABA-44F8-B427-106AA454F628}"/>
+              </a:ext>
+            </a:extLst>
+          </p:cNvPr>
+          <p:cNvSpPr/>
+          <p:nvPr/>
+        </p:nvSpPr>
+        <p:spPr>
+          <a:xfrm rot="16200000">
+            <a:off x="7740767" y="2039626"/>
+            <a:ext cx="119899" cy="2525288"/>
+          </a:xfrm>
+          <a:prstGeom prst="leftBrace">
+            <a:avLst/>
+          </a:prstGeom>
+        </p:spPr>
+        <p:style>
+          <a:lnRef idx="1">
+            <a:schemeClr val="accent1"/>
+          </a:lnRef>
+          <a:fillRef idx="0">
+            <a:schemeClr val="accent1"/>
+          </a:fillRef>
+          <a:effectRef idx="0">
+            <a:schemeClr val="accent1"/>
+          </a:effectRef>
+          <a:fontRef idx="minor">
+            <a:schemeClr val="tx1"/>
+          </a:fontRef>
+        </p:style>
+        <p:txBody>
+          <a:bodyPr rtlCol="0" anchor="ctr"/>
+          <a:lstStyle/>
+          <a:p>
+            <a:pPr algn="ctr"/>
+            <a:endParaRPr lang="en-GB"/>
+          </a:p>
+        </p:txBody>
+      </p:sp>
+      <p:sp>
+        <p:nvSpPr>
+          <p:cNvPr id="123" name="Left Brace 122">
+            <a:extLst>
+              <a:ext uri="{FF2B5EF4-FFF2-40B4-BE49-F238E27FC236}">
+                <a16:creationId xmlns:a16="http://schemas.microsoft.com/office/drawing/2014/main" id="{222AA87E-448E-467E-A23F-801E0E86FBC6}"/>
+              </a:ext>
+            </a:extLst>
+          </p:cNvPr>
+          <p:cNvSpPr/>
+          <p:nvPr/>
+        </p:nvSpPr>
+        <p:spPr>
+          <a:xfrm rot="16200000">
+            <a:off x="10291507" y="2039626"/>
+            <a:ext cx="119899" cy="2525288"/>
+          </a:xfrm>
+          <a:prstGeom prst="leftBrace">
+            <a:avLst/>
+          </a:prstGeom>
+        </p:spPr>
+        <p:style>
+          <a:lnRef idx="1">
+            <a:schemeClr val="accent1"/>
+          </a:lnRef>
+          <a:fillRef idx="0">
+            <a:schemeClr val="accent1"/>
+          </a:fillRef>
+          <a:effectRef idx="0">
+            <a:schemeClr val="accent1"/>
+          </a:effectRef>
+          <a:fontRef idx="minor">
+            <a:schemeClr val="tx1"/>
+          </a:fontRef>
+        </p:style>
+        <p:txBody>
+          <a:bodyPr rtlCol="0" anchor="ctr"/>
+          <a:lstStyle/>
+          <a:p>
+            <a:pPr algn="ctr"/>
+            <a:endParaRPr lang="en-GB"/>
+          </a:p>
+        </p:txBody>
+      </p:sp>
+      <p:sp>
+        <p:nvSpPr>
+          <p:cNvPr id="124" name="Arrow: Down 123">
+            <a:extLst>
+              <a:ext uri="{FF2B5EF4-FFF2-40B4-BE49-F238E27FC236}">
+                <a16:creationId xmlns:a16="http://schemas.microsoft.com/office/drawing/2014/main" id="{D6B51D5F-8056-47A4-9474-EEDC9C42B234}"/>
+              </a:ext>
+            </a:extLst>
+          </p:cNvPr>
+          <p:cNvSpPr/>
+          <p:nvPr/>
+        </p:nvSpPr>
+        <p:spPr>
+          <a:xfrm>
+            <a:off x="7563755" y="3473705"/>
+            <a:ext cx="483577" cy="461665"/>
+          </a:xfrm>
+          <a:prstGeom prst="downArrow">
+            <a:avLst/>
+          </a:prstGeom>
+          <a:solidFill>
+            <a:srgbClr val="FF0000"/>
+          </a:solidFill>
+        </p:spPr>
+        <p:style>
+          <a:lnRef idx="2">
+            <a:schemeClr val="accent1">
+              <a:shade val="50000"/>
+            </a:schemeClr>
+          </a:lnRef>
+          <a:fillRef idx="1">
+            <a:schemeClr val="accent1"/>
+          </a:fillRef>
+          <a:effectRef idx="0">
+            <a:schemeClr val="accent1"/>
+          </a:effectRef>
+          <a:fontRef idx="minor">
+            <a:schemeClr val="lt1"/>
+          </a:fontRef>
+        </p:style>
+        <p:txBody>
+          <a:bodyPr rtlCol="0" anchor="ctr"/>
+          <a:lstStyle/>
+          <a:p>
+            <a:pPr algn="ctr"/>
+            <a:endParaRPr lang="en-GB"/>
+          </a:p>
+        </p:txBody>
+      </p:sp>
+      <p:sp>
+        <p:nvSpPr>
+          <p:cNvPr id="125" name="Arrow: Down 124">
+            <a:extLst>
+              <a:ext uri="{FF2B5EF4-FFF2-40B4-BE49-F238E27FC236}">
+                <a16:creationId xmlns:a16="http://schemas.microsoft.com/office/drawing/2014/main" id="{8D79FDEF-3FEB-4E54-917D-7CE9185BC845}"/>
+              </a:ext>
+            </a:extLst>
+          </p:cNvPr>
+          <p:cNvSpPr/>
+          <p:nvPr/>
+        </p:nvSpPr>
+        <p:spPr>
+          <a:xfrm>
+            <a:off x="5010602" y="3473705"/>
+            <a:ext cx="483577" cy="461665"/>
+          </a:xfrm>
+          <a:prstGeom prst="downArrow">
+            <a:avLst/>
+          </a:prstGeom>
+          <a:solidFill>
+            <a:srgbClr val="FF0000"/>
+          </a:solidFill>
+        </p:spPr>
+        <p:style>
+          <a:lnRef idx="2">
+            <a:schemeClr val="accent1">
+              <a:shade val="50000"/>
+            </a:schemeClr>
+          </a:lnRef>
+          <a:fillRef idx="1">
+            <a:schemeClr val="accent1"/>
+          </a:fillRef>
+          <a:effectRef idx="0">
+            <a:schemeClr val="accent1"/>
+          </a:effectRef>
+          <a:fontRef idx="minor">
+            <a:schemeClr val="lt1"/>
+          </a:fontRef>
+        </p:style>
+        <p:txBody>
+          <a:bodyPr rtlCol="0" anchor="ctr"/>
+          <a:lstStyle/>
+          <a:p>
+            <a:pPr algn="ctr"/>
+            <a:endParaRPr lang="en-GB"/>
+          </a:p>
+        </p:txBody>
+      </p:sp>
+      <p:sp>
+        <p:nvSpPr>
+          <p:cNvPr id="126" name="Arrow: Down 125">
+            <a:extLst>
+              <a:ext uri="{FF2B5EF4-FFF2-40B4-BE49-F238E27FC236}">
+                <a16:creationId xmlns:a16="http://schemas.microsoft.com/office/drawing/2014/main" id="{3E15A827-53BA-4C17-897A-FFFE7F84E339}"/>
+              </a:ext>
+            </a:extLst>
+          </p:cNvPr>
+          <p:cNvSpPr/>
+          <p:nvPr/>
+        </p:nvSpPr>
+        <p:spPr>
+          <a:xfrm>
+            <a:off x="10116908" y="3473705"/>
+            <a:ext cx="483577" cy="461665"/>
+          </a:xfrm>
+          <a:prstGeom prst="downArrow">
+            <a:avLst/>
+          </a:prstGeom>
+          <a:solidFill>
+            <a:srgbClr val="FF0000"/>
+          </a:solidFill>
+        </p:spPr>
+        <p:style>
+          <a:lnRef idx="2">
+            <a:schemeClr val="accent1">
+              <a:shade val="50000"/>
+            </a:schemeClr>
+          </a:lnRef>
+          <a:fillRef idx="1">
+            <a:schemeClr val="accent1"/>
+          </a:fillRef>
+          <a:effectRef idx="0">
+            <a:schemeClr val="accent1"/>
+          </a:effectRef>
+          <a:fontRef idx="minor">
+            <a:schemeClr val="lt1"/>
+          </a:fontRef>
+        </p:style>
+        <p:txBody>
+          <a:bodyPr rtlCol="0" anchor="ctr"/>
+          <a:lstStyle/>
+          <a:p>
+            <a:pPr algn="ctr"/>
+            <a:endParaRPr lang="en-GB"/>
+          </a:p>
+        </p:txBody>
+      </p:sp>
+      <mc:AlternateContent xmlns:mc="http://schemas.openxmlformats.org/markup-compatibility/2006">
+        <mc:Choice xmlns:a14="http://schemas.microsoft.com/office/drawing/2010/main" Requires="a14">
+          <p:sp>
+            <p:nvSpPr>
+              <p:cNvPr id="129" name="TextBox 128">
+                <a:extLst>
+                  <a:ext uri="{FF2B5EF4-FFF2-40B4-BE49-F238E27FC236}">
+                    <a16:creationId xmlns:a16="http://schemas.microsoft.com/office/drawing/2014/main" id="{C66040A9-156F-4FF6-96A6-AA2EAB355031}"/>
+                  </a:ext>
+                </a:extLst>
+              </p:cNvPr>
+              <p:cNvSpPr txBox="1"/>
+              <p:nvPr/>
+            </p:nvSpPr>
+            <p:spPr>
+              <a:xfrm>
+                <a:off x="638619" y="6155491"/>
+                <a:ext cx="1595950" cy="574516"/>
+              </a:xfrm>
+              <a:prstGeom prst="rect">
+                <a:avLst/>
+              </a:prstGeom>
+              <a:noFill/>
+            </p:spPr>
+            <p:txBody>
+              <a:bodyPr wrap="none" lIns="0" tIns="0" rIns="0" bIns="0" rtlCol="0">
+                <a:spAutoFit/>
+              </a:bodyPr>
+              <a:lstStyle/>
+              <a:p>
+                <a14:m>
+                  <m:oMathPara xmlns:m="http://schemas.openxmlformats.org/officeDocument/2006/math">
+                    <m:oMathParaPr>
+                      <m:jc m:val="centerGroup"/>
+                    </m:oMathParaPr>
+                    <m:oMath xmlns:m="http://schemas.openxmlformats.org/officeDocument/2006/math">
+                      <m:r>
+                        <a:rPr lang="pt-BR" b="0" i="1" smtClean="0">
+                          <a:latin typeface="Cambria Math" panose="02040503050406030204" pitchFamily="18" charset="0"/>
+                        </a:rPr>
+                        <m:t>𝐵𝑀𝐼</m:t>
+                      </m:r>
+                      <m:r>
+                        <a:rPr lang="en-GB" i="1" smtClean="0">
+                          <a:latin typeface="Cambria Math" panose="02040503050406030204" pitchFamily="18" charset="0"/>
+                        </a:rPr>
+                        <m:t>=</m:t>
+                      </m:r>
+                      <m:f>
+                        <m:fPr>
+                          <m:ctrlPr>
+                            <a:rPr lang="pt-BR" b="0" i="1" smtClean="0">
+                              <a:latin typeface="Cambria Math" panose="02040503050406030204" pitchFamily="18" charset="0"/>
+                            </a:rPr>
+                          </m:ctrlPr>
+                        </m:fPr>
+                        <m:num>
+                          <m:r>
+                            <a:rPr lang="pt-BR" b="0" i="1" smtClean="0">
+                              <a:latin typeface="Cambria Math" panose="02040503050406030204" pitchFamily="18" charset="0"/>
+                            </a:rPr>
+                            <m:t>𝑤𝑒𝑖𝑔h𝑡</m:t>
+                          </m:r>
+                        </m:num>
+                        <m:den>
+                          <m:sSup>
+                            <m:sSupPr>
+                              <m:ctrlPr>
+                                <a:rPr lang="pt-BR" b="0" i="1" smtClean="0">
+                                  <a:latin typeface="Cambria Math" panose="02040503050406030204" pitchFamily="18" charset="0"/>
+                                </a:rPr>
+                              </m:ctrlPr>
+                            </m:sSupPr>
+                            <m:e>
+                              <m:r>
+                                <a:rPr lang="pt-BR" b="0" i="1" smtClean="0">
+                                  <a:latin typeface="Cambria Math" panose="02040503050406030204" pitchFamily="18" charset="0"/>
+                                </a:rPr>
+                                <m:t>h𝑒𝑖𝑔h𝑡</m:t>
+                              </m:r>
+                            </m:e>
+                            <m:sup>
+                              <m:r>
+                                <a:rPr lang="pt-BR" b="0" i="1" smtClean="0">
+                                  <a:latin typeface="Cambria Math" panose="02040503050406030204" pitchFamily="18" charset="0"/>
+                                </a:rPr>
+                                <m:t>2</m:t>
+                              </m:r>
+                            </m:sup>
+                          </m:sSup>
+                        </m:den>
+                      </m:f>
+                    </m:oMath>
+                  </m:oMathPara>
+                </a14:m>
+                <a:endParaRPr lang="en-GB" dirty="0"/>
+              </a:p>
+            </p:txBody>
+          </p:sp>
+        </mc:Choice>
+        <mc:Fallback>
+          <p:sp>
+            <p:nvSpPr>
+              <p:cNvPr id="129" name="TextBox 128">
+                <a:extLst>
+                  <a:ext uri="{FF2B5EF4-FFF2-40B4-BE49-F238E27FC236}">
+                    <a16:creationId xmlns:a16="http://schemas.microsoft.com/office/drawing/2014/main" id="{C66040A9-156F-4FF6-96A6-AA2EAB355031}"/>
+                  </a:ext>
+                </a:extLst>
+              </p:cNvPr>
+              <p:cNvSpPr txBox="1">
+                <a:spLocks noRot="1" noChangeAspect="1" noMove="1" noResize="1" noEditPoints="1" noAdjustHandles="1" noChangeArrowheads="1" noChangeShapeType="1" noTextEdit="1"/>
+              </p:cNvSpPr>
+              <p:nvPr/>
+            </p:nvSpPr>
+            <p:spPr>
+              <a:xfrm>
+                <a:off x="638619" y="6155491"/>
+                <a:ext cx="1595950" cy="574516"/>
+              </a:xfrm>
+              <a:prstGeom prst="rect">
+                <a:avLst/>
+              </a:prstGeom>
+              <a:blipFill>
+                <a:blip r:embed="rId4"/>
+                <a:stretch>
+                  <a:fillRect/>
+                </a:stretch>
+              </a:blipFill>
+            </p:spPr>
+            <p:txBody>
+              <a:bodyPr/>
+              <a:lstStyle/>
+              <a:p>
+                <a:r>
+                  <a:rPr lang="en-GB">
+                    <a:noFill/>
+                  </a:rPr>
+                  <a:t> </a:t>
+                </a:r>
+              </a:p>
+            </p:txBody>
+          </p:sp>
+        </mc:Fallback>
+      </mc:AlternateContent>
+    </p:spTree>
+    <p:extLst>
+      <p:ext uri="{BB962C8B-B14F-4D97-AF65-F5344CB8AC3E}">
+        <p14:creationId xmlns:p14="http://schemas.microsoft.com/office/powerpoint/2010/main" val="2958843185"/>
+      </p:ext>
+    </p:extLst>
+  </p:cSld>
+  <p:clrMapOvr>
+    <a:masterClrMapping/>
+  </p:clrMapOvr>
+</p:sld>
+</file>
+
+<file path=ppt/slides/slide6.xml><?xml version="1.0" encoding="utf-8"?>
 <p:sld xmlns:a="http://schemas.openxmlformats.org/drawingml/2006/main" xmlns:r="http://schemas.openxmlformats.org/officeDocument/2006/relationships" xmlns:p="http://schemas.openxmlformats.org/presentationml/2006/main">
   <p:cSld>
     <p:bg>
@@ -4432,11 +13379,9 @@
           <a:bodyPr vert="horz" lIns="91440" tIns="45720" rIns="91440" bIns="45720" rtlCol="0" anchor="b">
             <a:normAutofit/>
           </a:bodyPr>
-          <a:lstStyle>
-            <a:defPPr>
-              <a:defRPr lang="en-US"/>
-            </a:defPPr>
-            <a:lvl1pPr algn="ctr">
+          <a:lstStyle/>
+          <a:p>
+            <a:pPr algn="ctr">
               <a:lnSpc>
                 <a:spcPct val="90000"/>
               </a:lnSpc>
@@ -4446,28 +13391,30 @@
               <a:spcAft>
                 <a:spcPts val="600"/>
               </a:spcAft>
-              <a:defRPr sz="4700">
+            </a:pPr>
+            <a:r>
+              <a:rPr lang="en-US" sz="4800" dirty="0">
                 <a:solidFill>
-                  <a:srgbClr val="FFFFFF"/>
+                  <a:schemeClr val="bg1"/>
                 </a:solidFill>
-                <a:latin typeface="+mj-lt"/>
-                <a:ea typeface="+mj-ea"/>
-                <a:cs typeface="+mj-cs"/>
-              </a:defRPr>
-            </a:lvl1pPr>
-          </a:lstStyle>
-          <a:p>
-            <a:r>
-              <a:rPr lang="en-US" dirty="0"/>
-              <a:t>Case 2 – computing a sparse document/term matrix</a:t>
+              </a:rPr>
+              <a:t>Case 2 – computing a dense distance matrix</a:t>
             </a:r>
+            <a:endParaRPr lang="en-US" sz="4700" kern="1200" dirty="0">
+              <a:solidFill>
+                <a:schemeClr val="bg1"/>
+              </a:solidFill>
+              <a:latin typeface="+mj-lt"/>
+              <a:ea typeface="+mj-ea"/>
+              <a:cs typeface="+mj-cs"/>
+            </a:endParaRPr>
           </a:p>
         </p:txBody>
       </p:sp>
     </p:spTree>
     <p:extLst>
       <p:ext uri="{BB962C8B-B14F-4D97-AF65-F5344CB8AC3E}">
-        <p14:creationId xmlns:p14="http://schemas.microsoft.com/office/powerpoint/2010/main" val="4018994200"/>
+        <p14:creationId xmlns:p14="http://schemas.microsoft.com/office/powerpoint/2010/main" val="2034897567"/>
       </p:ext>
     </p:extLst>
   </p:cSld>
@@ -4477,7 +13424,72 @@
 </p:sld>
 </file>
 
-<file path=ppt/slides/slide5.xml><?xml version="1.0" encoding="utf-8"?>
+<file path=ppt/slides/slide7.xml><?xml version="1.0" encoding="utf-8"?>
+<p:sld xmlns:a="http://schemas.openxmlformats.org/drawingml/2006/main" xmlns:r="http://schemas.openxmlformats.org/officeDocument/2006/relationships" xmlns:p="http://schemas.openxmlformats.org/presentationml/2006/main">
+  <p:cSld>
+    <p:spTree>
+      <p:nvGrpSpPr>
+        <p:cNvPr id="1" name=""/>
+        <p:cNvGrpSpPr/>
+        <p:nvPr/>
+      </p:nvGrpSpPr>
+      <p:grpSpPr>
+        <a:xfrm>
+          <a:off x="0" y="0"/>
+          <a:ext cx="0" cy="0"/>
+          <a:chOff x="0" y="0"/>
+          <a:chExt cx="0" cy="0"/>
+        </a:xfrm>
+      </p:grpSpPr>
+      <p:sp>
+        <p:nvSpPr>
+          <p:cNvPr id="4" name="TextBox 3">
+            <a:extLst>
+              <a:ext uri="{FF2B5EF4-FFF2-40B4-BE49-F238E27FC236}">
+                <a16:creationId xmlns:a16="http://schemas.microsoft.com/office/drawing/2014/main" id="{352C43F7-575A-46D3-9AD8-A453F60D418F}"/>
+              </a:ext>
+            </a:extLst>
+          </p:cNvPr>
+          <p:cNvSpPr txBox="1"/>
+          <p:nvPr/>
+        </p:nvSpPr>
+        <p:spPr>
+          <a:xfrm>
+            <a:off x="450761" y="412123"/>
+            <a:ext cx="8075053" cy="461665"/>
+          </a:xfrm>
+          <a:prstGeom prst="rect">
+            <a:avLst/>
+          </a:prstGeom>
+          <a:noFill/>
+        </p:spPr>
+        <p:txBody>
+          <a:bodyPr wrap="square" rtlCol="0">
+            <a:spAutoFit/>
+          </a:bodyPr>
+          <a:lstStyle/>
+          <a:p>
+            <a:r>
+              <a:rPr lang="en-US" sz="2400" dirty="0"/>
+              <a:t>To resume in a future meeting ;)</a:t>
+            </a:r>
+          </a:p>
+        </p:txBody>
+      </p:sp>
+    </p:spTree>
+    <p:extLst>
+      <p:ext uri="{BB962C8B-B14F-4D97-AF65-F5344CB8AC3E}">
+        <p14:creationId xmlns:p14="http://schemas.microsoft.com/office/powerpoint/2010/main" val="3977190176"/>
+      </p:ext>
+    </p:extLst>
+  </p:cSld>
+  <p:clrMapOvr>
+    <a:masterClrMapping/>
+  </p:clrMapOvr>
+</p:sld>
+</file>
+
+<file path=ppt/slides/slide8.xml><?xml version="1.0" encoding="utf-8"?>
 <p:sld xmlns:a="http://schemas.openxmlformats.org/drawingml/2006/main" xmlns:r="http://schemas.openxmlformats.org/officeDocument/2006/relationships" xmlns:p="http://schemas.openxmlformats.org/presentationml/2006/main">
   <p:cSld>
     <p:bg>
@@ -4657,9 +13669,11 @@
           <a:bodyPr vert="horz" lIns="91440" tIns="45720" rIns="91440" bIns="45720" rtlCol="0" anchor="b">
             <a:normAutofit/>
           </a:bodyPr>
-          <a:lstStyle/>
-          <a:p>
-            <a:pPr algn="ctr">
+          <a:lstStyle>
+            <a:defPPr>
+              <a:defRPr lang="en-US"/>
+            </a:defPPr>
+            <a:lvl1pPr algn="ctr">
               <a:lnSpc>
                 <a:spcPct val="90000"/>
               </a:lnSpc>
@@ -4669,30 +13683,28 @@
               <a:spcAft>
                 <a:spcPts val="600"/>
               </a:spcAft>
-            </a:pPr>
+              <a:defRPr sz="4700">
+                <a:solidFill>
+                  <a:srgbClr val="FFFFFF"/>
+                </a:solidFill>
+                <a:latin typeface="+mj-lt"/>
+                <a:ea typeface="+mj-ea"/>
+                <a:cs typeface="+mj-cs"/>
+              </a:defRPr>
+            </a:lvl1pPr>
+          </a:lstStyle>
+          <a:p>
             <a:r>
-              <a:rPr lang="en-US" sz="4800" dirty="0">
-                <a:solidFill>
-                  <a:schemeClr val="bg1"/>
-                </a:solidFill>
-              </a:rPr>
-              <a:t>Case 3 – computing a dense distance matrix</a:t>
+              <a:rPr lang="en-US" b="1" dirty="0"/>
+              <a:t>Case 3 – computing a sparse document/term matrix</a:t>
             </a:r>
-            <a:endParaRPr lang="en-US" sz="4700" kern="1200" dirty="0">
-              <a:solidFill>
-                <a:schemeClr val="bg1"/>
-              </a:solidFill>
-              <a:latin typeface="+mj-lt"/>
-              <a:ea typeface="+mj-ea"/>
-              <a:cs typeface="+mj-cs"/>
-            </a:endParaRPr>
           </a:p>
         </p:txBody>
       </p:sp>
     </p:spTree>
     <p:extLst>
       <p:ext uri="{BB962C8B-B14F-4D97-AF65-F5344CB8AC3E}">
-        <p14:creationId xmlns:p14="http://schemas.microsoft.com/office/powerpoint/2010/main" val="2034897567"/>
+        <p14:creationId xmlns:p14="http://schemas.microsoft.com/office/powerpoint/2010/main" val="4018994200"/>
       </p:ext>
     </p:extLst>
   </p:cSld>
@@ -4702,8 +13714,8 @@
 </p:sld>
 </file>
 
-<file path=ppt/slides/slide6.xml><?xml version="1.0" encoding="utf-8"?>
-<p:sld xmlns:a="http://schemas.openxmlformats.org/drawingml/2006/main" xmlns:r="http://schemas.openxmlformats.org/officeDocument/2006/relationships" xmlns:p="http://schemas.openxmlformats.org/presentationml/2006/main" show="0">
+<file path=ppt/slides/slide9.xml><?xml version="1.0" encoding="utf-8"?>
+<p:sld xmlns:a="http://schemas.openxmlformats.org/drawingml/2006/main" xmlns:r="http://schemas.openxmlformats.org/officeDocument/2006/relationships" xmlns:p="http://schemas.openxmlformats.org/presentationml/2006/main">
   <p:cSld>
     <p:spTree>
       <p:nvGrpSpPr>
@@ -4719,41 +13731,12 @@
           <a:chExt cx="0" cy="0"/>
         </a:xfrm>
       </p:grpSpPr>
-      <p:pic>
-        <p:nvPicPr>
-          <p:cNvPr id="4" name="Picture 3">
-            <a:extLst>
-              <a:ext uri="{FF2B5EF4-FFF2-40B4-BE49-F238E27FC236}">
-                <a16:creationId xmlns:a16="http://schemas.microsoft.com/office/drawing/2014/main" id="{883E2CE5-7368-4209-A922-1C60AF0B0E92}"/>
-              </a:ext>
-            </a:extLst>
-          </p:cNvPr>
-          <p:cNvPicPr>
-            <a:picLocks noChangeAspect="1"/>
-          </p:cNvPicPr>
-          <p:nvPr/>
-        </p:nvPicPr>
-        <p:blipFill rotWithShape="1">
-          <a:blip r:embed="rId2"/>
-          <a:srcRect l="24528" t="47949" r="52972" b="25301"/>
-          <a:stretch/>
-        </p:blipFill>
-        <p:spPr>
-          <a:xfrm>
-            <a:off x="450761" y="1001310"/>
-            <a:ext cx="6097095" cy="3057994"/>
-          </a:xfrm>
-          <a:prstGeom prst="rect">
-            <a:avLst/>
-          </a:prstGeom>
-        </p:spPr>
-      </p:pic>
-      <p:sp>
-        <p:nvSpPr>
-          <p:cNvPr id="5" name="TextBox 4">
-            <a:extLst>
-              <a:ext uri="{FF2B5EF4-FFF2-40B4-BE49-F238E27FC236}">
-                <a16:creationId xmlns:a16="http://schemas.microsoft.com/office/drawing/2014/main" id="{0874A620-0436-4C86-BF66-520A0C830749}"/>
+      <p:sp>
+        <p:nvSpPr>
+          <p:cNvPr id="4" name="TextBox 3">
+            <a:extLst>
+              <a:ext uri="{FF2B5EF4-FFF2-40B4-BE49-F238E27FC236}">
+                <a16:creationId xmlns:a16="http://schemas.microsoft.com/office/drawing/2014/main" id="{352C43F7-575A-46D3-9AD8-A453F60D418F}"/>
               </a:ext>
             </a:extLst>
           </p:cNvPr>
@@ -4778,7 +13761,7 @@
           <a:p>
             <a:r>
               <a:rPr lang="en-US" sz="2400" dirty="0"/>
-              <a:t>Bag of Tasks</a:t>
+              <a:t>To resume in a future meeting ;)</a:t>
             </a:r>
           </a:p>
         </p:txBody>
@@ -4786,153 +13769,7 @@
     </p:spTree>
     <p:extLst>
       <p:ext uri="{BB962C8B-B14F-4D97-AF65-F5344CB8AC3E}">
-        <p14:creationId xmlns:p14="http://schemas.microsoft.com/office/powerpoint/2010/main" val="3115210535"/>
-      </p:ext>
-    </p:extLst>
-  </p:cSld>
-  <p:clrMapOvr>
-    <a:masterClrMapping/>
-  </p:clrMapOvr>
-</p:sld>
-</file>
-
-<file path=ppt/slides/slide7.xml><?xml version="1.0" encoding="utf-8"?>
-<p:sld xmlns:a="http://schemas.openxmlformats.org/drawingml/2006/main" xmlns:r="http://schemas.openxmlformats.org/officeDocument/2006/relationships" xmlns:p="http://schemas.openxmlformats.org/presentationml/2006/main" show="0">
-  <p:cSld>
-    <p:spTree>
-      <p:nvGrpSpPr>
-        <p:cNvPr id="1" name=""/>
-        <p:cNvGrpSpPr/>
-        <p:nvPr/>
-      </p:nvGrpSpPr>
-      <p:grpSpPr>
-        <a:xfrm>
-          <a:off x="0" y="0"/>
-          <a:ext cx="0" cy="0"/>
-          <a:chOff x="0" y="0"/>
-          <a:chExt cx="0" cy="0"/>
-        </a:xfrm>
-      </p:grpSpPr>
-      <p:pic>
-        <p:nvPicPr>
-          <p:cNvPr id="4" name="Picture 3">
-            <a:extLst>
-              <a:ext uri="{FF2B5EF4-FFF2-40B4-BE49-F238E27FC236}">
-                <a16:creationId xmlns:a16="http://schemas.microsoft.com/office/drawing/2014/main" id="{4A665585-E400-4452-A878-576128443A8A}"/>
-              </a:ext>
-            </a:extLst>
-          </p:cNvPr>
-          <p:cNvPicPr>
-            <a:picLocks noChangeAspect="1"/>
-          </p:cNvPicPr>
-          <p:nvPr/>
-        </p:nvPicPr>
-        <p:blipFill rotWithShape="1">
-          <a:blip r:embed="rId2"/>
-          <a:srcRect l="52923" t="73975" r="20563" b="10751"/>
-          <a:stretch/>
-        </p:blipFill>
-        <p:spPr>
-          <a:xfrm>
-            <a:off x="231818" y="283335"/>
-            <a:ext cx="5882273" cy="1429555"/>
-          </a:xfrm>
-          <a:prstGeom prst="rect">
-            <a:avLst/>
-          </a:prstGeom>
-        </p:spPr>
-      </p:pic>
-      <p:pic>
-        <p:nvPicPr>
-          <p:cNvPr id="5" name="Picture 4">
-            <a:extLst>
-              <a:ext uri="{FF2B5EF4-FFF2-40B4-BE49-F238E27FC236}">
-                <a16:creationId xmlns:a16="http://schemas.microsoft.com/office/drawing/2014/main" id="{6C1F62C4-D3EB-4C47-A819-9BEA19B3E168}"/>
-              </a:ext>
-            </a:extLst>
-          </p:cNvPr>
-          <p:cNvPicPr>
-            <a:picLocks noChangeAspect="1"/>
-          </p:cNvPicPr>
-          <p:nvPr/>
-        </p:nvPicPr>
-        <p:blipFill rotWithShape="1">
-          <a:blip r:embed="rId3"/>
-          <a:srcRect l="19762" t="42874" r="53452" b="43863"/>
-          <a:stretch/>
-        </p:blipFill>
-        <p:spPr>
-          <a:xfrm>
-            <a:off x="231817" y="1872343"/>
-            <a:ext cx="6183999" cy="1291771"/>
-          </a:xfrm>
-          <a:prstGeom prst="rect">
-            <a:avLst/>
-          </a:prstGeom>
-        </p:spPr>
-      </p:pic>
-      <p:pic>
-        <p:nvPicPr>
-          <p:cNvPr id="6" name="Picture 5">
-            <a:extLst>
-              <a:ext uri="{FF2B5EF4-FFF2-40B4-BE49-F238E27FC236}">
-                <a16:creationId xmlns:a16="http://schemas.microsoft.com/office/drawing/2014/main" id="{5A8D9C0F-0023-47DD-8E36-4049C996F104}"/>
-              </a:ext>
-            </a:extLst>
-          </p:cNvPr>
-          <p:cNvPicPr>
-            <a:picLocks noChangeAspect="1"/>
-          </p:cNvPicPr>
-          <p:nvPr/>
-        </p:nvPicPr>
-        <p:blipFill rotWithShape="1">
-          <a:blip r:embed="rId4"/>
-          <a:srcRect l="25574" t="31138" r="26598" b="55631"/>
-          <a:stretch/>
-        </p:blipFill>
-        <p:spPr>
-          <a:xfrm>
-            <a:off x="337278" y="3323567"/>
-            <a:ext cx="5831174" cy="906905"/>
-          </a:xfrm>
-          <a:prstGeom prst="rect">
-            <a:avLst/>
-          </a:prstGeom>
-        </p:spPr>
-      </p:pic>
-      <p:pic>
-        <p:nvPicPr>
-          <p:cNvPr id="7" name="Picture 6">
-            <a:extLst>
-              <a:ext uri="{FF2B5EF4-FFF2-40B4-BE49-F238E27FC236}">
-                <a16:creationId xmlns:a16="http://schemas.microsoft.com/office/drawing/2014/main" id="{AD509947-2B09-4154-BDFC-2CA1393E7E75}"/>
-              </a:ext>
-            </a:extLst>
-          </p:cNvPr>
-          <p:cNvPicPr>
-            <a:picLocks noChangeAspect="1"/>
-          </p:cNvPicPr>
-          <p:nvPr/>
-        </p:nvPicPr>
-        <p:blipFill rotWithShape="1">
-          <a:blip r:embed="rId5"/>
-          <a:srcRect l="24528" t="47949" r="52972" b="25301"/>
-          <a:stretch/>
-        </p:blipFill>
-        <p:spPr>
-          <a:xfrm>
-            <a:off x="337278" y="4500295"/>
-            <a:ext cx="4297360" cy="2155338"/>
-          </a:xfrm>
-          <a:prstGeom prst="rect">
-            <a:avLst/>
-          </a:prstGeom>
-        </p:spPr>
-      </p:pic>
-    </p:spTree>
-    <p:extLst>
-      <p:ext uri="{BB962C8B-B14F-4D97-AF65-F5344CB8AC3E}">
-        <p14:creationId xmlns:p14="http://schemas.microsoft.com/office/powerpoint/2010/main" val="3004394392"/>
+        <p14:creationId xmlns:p14="http://schemas.microsoft.com/office/powerpoint/2010/main" val="687256570"/>
       </p:ext>
     </p:extLst>
   </p:cSld>

--- a/BoT in Python.pptx
+++ b/BoT in Python.pptx
@@ -8,15 +8,16 @@
     <p:sldId id="256" r:id="rId2"/>
     <p:sldId id="258" r:id="rId3"/>
     <p:sldId id="260" r:id="rId4"/>
-    <p:sldId id="263" r:id="rId5"/>
-    <p:sldId id="264" r:id="rId6"/>
+    <p:sldId id="268" r:id="rId5"/>
+    <p:sldId id="269" r:id="rId6"/>
     <p:sldId id="262" r:id="rId7"/>
-    <p:sldId id="265" r:id="rId8"/>
-    <p:sldId id="261" r:id="rId9"/>
-    <p:sldId id="266" r:id="rId10"/>
-    <p:sldId id="267" r:id="rId11"/>
-    <p:sldId id="259" r:id="rId12"/>
-    <p:sldId id="257" r:id="rId13"/>
+    <p:sldId id="263" r:id="rId8"/>
+    <p:sldId id="264" r:id="rId9"/>
+    <p:sldId id="261" r:id="rId10"/>
+    <p:sldId id="266" r:id="rId11"/>
+    <p:sldId id="267" r:id="rId12"/>
+    <p:sldId id="259" r:id="rId13"/>
+    <p:sldId id="257" r:id="rId14"/>
   </p:sldIdLst>
   <p:sldSz cx="12192000" cy="6858000"/>
   <p:notesSz cx="6858000" cy="9144000"/>
@@ -444,7 +445,7 @@
           <a:p>
             <a:fld id="{CA5A6091-3C97-4184-8E43-BCF8D1872CB5}" type="datetimeFigureOut">
               <a:rPr lang="en-US" smtClean="0"/>
-              <a:t>6/22/2020</a:t>
+              <a:t>6/23/2020</a:t>
             </a:fld>
             <a:endParaRPr lang="en-US"/>
           </a:p>
@@ -642,7 +643,7 @@
           <a:p>
             <a:fld id="{CA5A6091-3C97-4184-8E43-BCF8D1872CB5}" type="datetimeFigureOut">
               <a:rPr lang="en-US" smtClean="0"/>
-              <a:t>6/22/2020</a:t>
+              <a:t>6/23/2020</a:t>
             </a:fld>
             <a:endParaRPr lang="en-US"/>
           </a:p>
@@ -850,7 +851,7 @@
           <a:p>
             <a:fld id="{CA5A6091-3C97-4184-8E43-BCF8D1872CB5}" type="datetimeFigureOut">
               <a:rPr lang="en-US" smtClean="0"/>
-              <a:t>6/22/2020</a:t>
+              <a:t>6/23/2020</a:t>
             </a:fld>
             <a:endParaRPr lang="en-US"/>
           </a:p>
@@ -1048,7 +1049,7 @@
           <a:p>
             <a:fld id="{CA5A6091-3C97-4184-8E43-BCF8D1872CB5}" type="datetimeFigureOut">
               <a:rPr lang="en-US" smtClean="0"/>
-              <a:t>6/22/2020</a:t>
+              <a:t>6/23/2020</a:t>
             </a:fld>
             <a:endParaRPr lang="en-US"/>
           </a:p>
@@ -1323,7 +1324,7 @@
           <a:p>
             <a:fld id="{CA5A6091-3C97-4184-8E43-BCF8D1872CB5}" type="datetimeFigureOut">
               <a:rPr lang="en-US" smtClean="0"/>
-              <a:t>6/22/2020</a:t>
+              <a:t>6/23/2020</a:t>
             </a:fld>
             <a:endParaRPr lang="en-US"/>
           </a:p>
@@ -1588,7 +1589,7 @@
           <a:p>
             <a:fld id="{CA5A6091-3C97-4184-8E43-BCF8D1872CB5}" type="datetimeFigureOut">
               <a:rPr lang="en-US" smtClean="0"/>
-              <a:t>6/22/2020</a:t>
+              <a:t>6/23/2020</a:t>
             </a:fld>
             <a:endParaRPr lang="en-US"/>
           </a:p>
@@ -2000,7 +2001,7 @@
           <a:p>
             <a:fld id="{CA5A6091-3C97-4184-8E43-BCF8D1872CB5}" type="datetimeFigureOut">
               <a:rPr lang="en-US" smtClean="0"/>
-              <a:t>6/22/2020</a:t>
+              <a:t>6/23/2020</a:t>
             </a:fld>
             <a:endParaRPr lang="en-US"/>
           </a:p>
@@ -2141,7 +2142,7 @@
           <a:p>
             <a:fld id="{CA5A6091-3C97-4184-8E43-BCF8D1872CB5}" type="datetimeFigureOut">
               <a:rPr lang="en-US" smtClean="0"/>
-              <a:t>6/22/2020</a:t>
+              <a:t>6/23/2020</a:t>
             </a:fld>
             <a:endParaRPr lang="en-US"/>
           </a:p>
@@ -2254,7 +2255,7 @@
           <a:p>
             <a:fld id="{CA5A6091-3C97-4184-8E43-BCF8D1872CB5}" type="datetimeFigureOut">
               <a:rPr lang="en-US" smtClean="0"/>
-              <a:t>6/22/2020</a:t>
+              <a:t>6/23/2020</a:t>
             </a:fld>
             <a:endParaRPr lang="en-US"/>
           </a:p>
@@ -2565,7 +2566,7 @@
           <a:p>
             <a:fld id="{CA5A6091-3C97-4184-8E43-BCF8D1872CB5}" type="datetimeFigureOut">
               <a:rPr lang="en-US" smtClean="0"/>
-              <a:t>6/22/2020</a:t>
+              <a:t>6/23/2020</a:t>
             </a:fld>
             <a:endParaRPr lang="en-US"/>
           </a:p>
@@ -2853,7 +2854,7 @@
           <a:p>
             <a:fld id="{CA5A6091-3C97-4184-8E43-BCF8D1872CB5}" type="datetimeFigureOut">
               <a:rPr lang="en-US" smtClean="0"/>
-              <a:t>6/22/2020</a:t>
+              <a:t>6/23/2020</a:t>
             </a:fld>
             <a:endParaRPr lang="en-US"/>
           </a:p>
@@ -3094,7 +3095,7 @@
           <a:p>
             <a:fld id="{CA5A6091-3C97-4184-8E43-BCF8D1872CB5}" type="datetimeFigureOut">
               <a:rPr lang="en-US" smtClean="0"/>
-              <a:t>6/22/2020</a:t>
+              <a:t>6/23/2020</a:t>
             </a:fld>
             <a:endParaRPr lang="en-US"/>
           </a:p>
@@ -3561,7 +3562,7 @@
         <p:spPr>
           <a:xfrm>
             <a:off x="875763" y="1790163"/>
-            <a:ext cx="8075053" cy="3416320"/>
+            <a:ext cx="8075053" cy="2677656"/>
           </a:xfrm>
           <a:prstGeom prst="rect">
             <a:avLst/>
@@ -3603,7 +3604,7 @@
             </a:pPr>
             <a:r>
               <a:rPr lang="en-US" sz="2400" dirty="0"/>
-              <a:t>Case 1 – computing the average of a very large sample</a:t>
+              <a:t>Case 1 – computing a sparse distance matrix</a:t>
             </a:r>
           </a:p>
           <a:p>
@@ -3618,22 +3619,7 @@
             </a:pPr>
             <a:r>
               <a:rPr lang="en-US" sz="2400" dirty="0"/>
-              <a:t>Case 2 – computing a sparse document/term matrix</a:t>
-            </a:r>
-          </a:p>
-          <a:p>
-            <a:pPr marL="342900" indent="-342900">
-              <a:buAutoNum type="arabicPeriod"/>
-            </a:pPr>
-            <a:endParaRPr lang="en-US" sz="2400" dirty="0"/>
-          </a:p>
-          <a:p>
-            <a:pPr marL="342900" indent="-342900">
-              <a:buAutoNum type="arabicPeriod"/>
-            </a:pPr>
-            <a:r>
-              <a:rPr lang="en-US" sz="2400" dirty="0"/>
-              <a:t>Case 3 – computing a dense distance matrix</a:t>
+              <a:t>Case 2 – computing the average of a large sample</a:t>
             </a:r>
           </a:p>
         </p:txBody>
@@ -3714,6 +3700,71 @@
           <p:cNvPr id="4" name="TextBox 3">
             <a:extLst>
               <a:ext uri="{FF2B5EF4-FFF2-40B4-BE49-F238E27FC236}">
+                <a16:creationId xmlns:a16="http://schemas.microsoft.com/office/drawing/2014/main" id="{352C43F7-575A-46D3-9AD8-A453F60D418F}"/>
+              </a:ext>
+            </a:extLst>
+          </p:cNvPr>
+          <p:cNvSpPr txBox="1"/>
+          <p:nvPr/>
+        </p:nvSpPr>
+        <p:spPr>
+          <a:xfrm>
+            <a:off x="450761" y="412123"/>
+            <a:ext cx="8075053" cy="461665"/>
+          </a:xfrm>
+          <a:prstGeom prst="rect">
+            <a:avLst/>
+          </a:prstGeom>
+          <a:noFill/>
+        </p:spPr>
+        <p:txBody>
+          <a:bodyPr wrap="square" rtlCol="0">
+            <a:spAutoFit/>
+          </a:bodyPr>
+          <a:lstStyle/>
+          <a:p>
+            <a:r>
+              <a:rPr lang="en-US" sz="2400" dirty="0"/>
+              <a:t>To be resumed in a future meeting ;)</a:t>
+            </a:r>
+          </a:p>
+        </p:txBody>
+      </p:sp>
+    </p:spTree>
+    <p:extLst>
+      <p:ext uri="{BB962C8B-B14F-4D97-AF65-F5344CB8AC3E}">
+        <p14:creationId xmlns:p14="http://schemas.microsoft.com/office/powerpoint/2010/main" val="687256570"/>
+      </p:ext>
+    </p:extLst>
+  </p:cSld>
+  <p:clrMapOvr>
+    <a:masterClrMapping/>
+  </p:clrMapOvr>
+</p:sld>
+</file>
+
+<file path=ppt/slides/slide11.xml><?xml version="1.0" encoding="utf-8"?>
+<p:sld xmlns:a="http://schemas.openxmlformats.org/drawingml/2006/main" xmlns:r="http://schemas.openxmlformats.org/officeDocument/2006/relationships" xmlns:p="http://schemas.openxmlformats.org/presentationml/2006/main">
+  <p:cSld>
+    <p:spTree>
+      <p:nvGrpSpPr>
+        <p:cNvPr id="1" name=""/>
+        <p:cNvGrpSpPr/>
+        <p:nvPr/>
+      </p:nvGrpSpPr>
+      <p:grpSpPr>
+        <a:xfrm>
+          <a:off x="0" y="0"/>
+          <a:ext cx="0" cy="0"/>
+          <a:chOff x="0" y="0"/>
+          <a:chExt cx="0" cy="0"/>
+        </a:xfrm>
+      </p:grpSpPr>
+      <p:sp>
+        <p:nvSpPr>
+          <p:cNvPr id="4" name="TextBox 3">
+            <a:extLst>
+              <a:ext uri="{FF2B5EF4-FFF2-40B4-BE49-F238E27FC236}">
                 <a16:creationId xmlns:a16="http://schemas.microsoft.com/office/drawing/2014/main" id="{AC6B4A5D-15B2-47FE-AF77-FA3634E427F0}"/>
               </a:ext>
             </a:extLst>
@@ -3833,7 +3884,7 @@
 </p:sld>
 </file>
 
-<file path=ppt/slides/slide11.xml><?xml version="1.0" encoding="utf-8"?>
+<file path=ppt/slides/slide12.xml><?xml version="1.0" encoding="utf-8"?>
 <p:sld xmlns:a="http://schemas.openxmlformats.org/drawingml/2006/main" xmlns:r="http://schemas.openxmlformats.org/officeDocument/2006/relationships" xmlns:p="http://schemas.openxmlformats.org/presentationml/2006/main" show="0">
   <p:cSld>
     <p:spTree>
@@ -3927,7 +3978,7 @@
 </p:sld>
 </file>
 
-<file path=ppt/slides/slide12.xml><?xml version="1.0" encoding="utf-8"?>
+<file path=ppt/slides/slide13.xml><?xml version="1.0" encoding="utf-8"?>
 <p:sld xmlns:a="http://schemas.openxmlformats.org/drawingml/2006/main" xmlns:r="http://schemas.openxmlformats.org/officeDocument/2006/relationships" xmlns:p="http://schemas.openxmlformats.org/presentationml/2006/main" show="0">
   <p:cSld>
     <p:spTree>
@@ -4683,7 +4734,7 @@
                 <a:ea typeface="+mj-ea"/>
                 <a:cs typeface="+mj-cs"/>
               </a:rPr>
-              <a:t>Case 1 – computing the average of a very large sample</a:t>
+              <a:t>Case 1 – computing a sparse distance matrix</a:t>
             </a:r>
           </a:p>
         </p:txBody>
@@ -4702,6 +4753,8483 @@
 </file>
 
 <file path=ppt/slides/slide4.xml><?xml version="1.0" encoding="utf-8"?>
+<p:sld xmlns:a="http://schemas.openxmlformats.org/drawingml/2006/main" xmlns:r="http://schemas.openxmlformats.org/officeDocument/2006/relationships" xmlns:p="http://schemas.openxmlformats.org/presentationml/2006/main">
+  <p:cSld>
+    <p:spTree>
+      <p:nvGrpSpPr>
+        <p:cNvPr id="1" name=""/>
+        <p:cNvGrpSpPr/>
+        <p:nvPr/>
+      </p:nvGrpSpPr>
+      <p:grpSpPr>
+        <a:xfrm>
+          <a:off x="0" y="0"/>
+          <a:ext cx="0" cy="0"/>
+          <a:chOff x="0" y="0"/>
+          <a:chExt cx="0" cy="0"/>
+        </a:xfrm>
+      </p:grpSpPr>
+      <p:sp>
+        <p:nvSpPr>
+          <p:cNvPr id="6" name="TextBox 5">
+            <a:extLst>
+              <a:ext uri="{FF2B5EF4-FFF2-40B4-BE49-F238E27FC236}">
+                <a16:creationId xmlns:a16="http://schemas.microsoft.com/office/drawing/2014/main" id="{44F353AB-F501-4724-906A-9727030DE365}"/>
+              </a:ext>
+            </a:extLst>
+          </p:cNvPr>
+          <p:cNvSpPr txBox="1"/>
+          <p:nvPr/>
+        </p:nvSpPr>
+        <p:spPr>
+          <a:xfrm>
+            <a:off x="450761" y="412123"/>
+            <a:ext cx="8075053" cy="461665"/>
+          </a:xfrm>
+          <a:prstGeom prst="rect">
+            <a:avLst/>
+          </a:prstGeom>
+          <a:noFill/>
+        </p:spPr>
+        <p:txBody>
+          <a:bodyPr wrap="square" rtlCol="0">
+            <a:spAutoFit/>
+          </a:bodyPr>
+          <a:lstStyle/>
+          <a:p>
+            <a:r>
+              <a:rPr lang="en-US" sz="2400" dirty="0"/>
+              <a:t>Case 1 - computing a sparse distance matrix, sequential scheme</a:t>
+            </a:r>
+          </a:p>
+        </p:txBody>
+      </p:sp>
+      <p:sp>
+        <p:nvSpPr>
+          <p:cNvPr id="15" name="TextBox 14">
+            <a:extLst>
+              <a:ext uri="{FF2B5EF4-FFF2-40B4-BE49-F238E27FC236}">
+                <a16:creationId xmlns:a16="http://schemas.microsoft.com/office/drawing/2014/main" id="{836BFE35-437A-4358-AB66-71A3B4D2546A}"/>
+              </a:ext>
+            </a:extLst>
+          </p:cNvPr>
+          <p:cNvSpPr txBox="1"/>
+          <p:nvPr/>
+        </p:nvSpPr>
+        <p:spPr>
+          <a:xfrm>
+            <a:off x="-545123" y="1332106"/>
+            <a:ext cx="2807722" cy="830997"/>
+          </a:xfrm>
+          <a:prstGeom prst="rect">
+            <a:avLst/>
+          </a:prstGeom>
+          <a:noFill/>
+        </p:spPr>
+        <p:txBody>
+          <a:bodyPr wrap="square" rtlCol="0">
+            <a:spAutoFit/>
+          </a:bodyPr>
+          <a:lstStyle/>
+          <a:p>
+            <a:pPr algn="r"/>
+            <a:r>
+              <a:rPr lang="en-US" sz="2400" dirty="0"/>
+              <a:t>k-dimensional  vectors</a:t>
+            </a:r>
+          </a:p>
+        </p:txBody>
+      </p:sp>
+      <p:sp>
+        <p:nvSpPr>
+          <p:cNvPr id="155" name="Rectangle 154">
+            <a:extLst>
+              <a:ext uri="{FF2B5EF4-FFF2-40B4-BE49-F238E27FC236}">
+                <a16:creationId xmlns:a16="http://schemas.microsoft.com/office/drawing/2014/main" id="{80462AEA-3D40-456D-AE39-74CE9659E588}"/>
+              </a:ext>
+            </a:extLst>
+          </p:cNvPr>
+          <p:cNvSpPr/>
+          <p:nvPr/>
+        </p:nvSpPr>
+        <p:spPr>
+          <a:xfrm>
+            <a:off x="2289450" y="1534327"/>
+            <a:ext cx="483577" cy="461665"/>
+          </a:xfrm>
+          <a:prstGeom prst="rect">
+            <a:avLst/>
+          </a:prstGeom>
+          <a:solidFill>
+            <a:schemeClr val="accent6">
+              <a:lumMod val="60000"/>
+              <a:lumOff val="40000"/>
+            </a:schemeClr>
+          </a:solidFill>
+        </p:spPr>
+        <p:style>
+          <a:lnRef idx="2">
+            <a:schemeClr val="accent1">
+              <a:shade val="50000"/>
+            </a:schemeClr>
+          </a:lnRef>
+          <a:fillRef idx="1">
+            <a:schemeClr val="accent1"/>
+          </a:fillRef>
+          <a:effectRef idx="0">
+            <a:schemeClr val="accent1"/>
+          </a:effectRef>
+          <a:fontRef idx="minor">
+            <a:schemeClr val="lt1"/>
+          </a:fontRef>
+        </p:style>
+        <p:txBody>
+          <a:bodyPr rtlCol="0" anchor="ctr"/>
+          <a:lstStyle/>
+          <a:p>
+            <a:pPr algn="ctr"/>
+            <a:r>
+              <a:rPr lang="en-GB" dirty="0"/>
+              <a:t>v1</a:t>
+            </a:r>
+          </a:p>
+        </p:txBody>
+      </p:sp>
+      <p:sp>
+        <p:nvSpPr>
+          <p:cNvPr id="158" name="Rectangle 157">
+            <a:extLst>
+              <a:ext uri="{FF2B5EF4-FFF2-40B4-BE49-F238E27FC236}">
+                <a16:creationId xmlns:a16="http://schemas.microsoft.com/office/drawing/2014/main" id="{E8CB7802-CF0F-4736-B43D-F1E73C9347D9}"/>
+              </a:ext>
+            </a:extLst>
+          </p:cNvPr>
+          <p:cNvSpPr/>
+          <p:nvPr/>
+        </p:nvSpPr>
+        <p:spPr>
+          <a:xfrm>
+            <a:off x="2799878" y="1534327"/>
+            <a:ext cx="483577" cy="461665"/>
+          </a:xfrm>
+          <a:prstGeom prst="rect">
+            <a:avLst/>
+          </a:prstGeom>
+          <a:solidFill>
+            <a:schemeClr val="accent6">
+              <a:lumMod val="60000"/>
+              <a:lumOff val="40000"/>
+            </a:schemeClr>
+          </a:solidFill>
+        </p:spPr>
+        <p:style>
+          <a:lnRef idx="2">
+            <a:schemeClr val="accent1">
+              <a:shade val="50000"/>
+            </a:schemeClr>
+          </a:lnRef>
+          <a:fillRef idx="1">
+            <a:schemeClr val="accent1"/>
+          </a:fillRef>
+          <a:effectRef idx="0">
+            <a:schemeClr val="accent1"/>
+          </a:effectRef>
+          <a:fontRef idx="minor">
+            <a:schemeClr val="lt1"/>
+          </a:fontRef>
+        </p:style>
+        <p:txBody>
+          <a:bodyPr rtlCol="0" anchor="ctr"/>
+          <a:lstStyle/>
+          <a:p>
+            <a:pPr algn="ctr"/>
+            <a:r>
+              <a:rPr lang="en-GB" dirty="0"/>
+              <a:t>v2</a:t>
+            </a:r>
+          </a:p>
+        </p:txBody>
+      </p:sp>
+      <p:sp>
+        <p:nvSpPr>
+          <p:cNvPr id="161" name="Rectangle 160">
+            <a:extLst>
+              <a:ext uri="{FF2B5EF4-FFF2-40B4-BE49-F238E27FC236}">
+                <a16:creationId xmlns:a16="http://schemas.microsoft.com/office/drawing/2014/main" id="{81043BAA-1429-40BD-8A38-EBC8C29376EA}"/>
+              </a:ext>
+            </a:extLst>
+          </p:cNvPr>
+          <p:cNvSpPr/>
+          <p:nvPr/>
+        </p:nvSpPr>
+        <p:spPr>
+          <a:xfrm>
+            <a:off x="3301514" y="1534327"/>
+            <a:ext cx="483577" cy="461665"/>
+          </a:xfrm>
+          <a:prstGeom prst="rect">
+            <a:avLst/>
+          </a:prstGeom>
+          <a:solidFill>
+            <a:schemeClr val="accent6">
+              <a:lumMod val="60000"/>
+              <a:lumOff val="40000"/>
+            </a:schemeClr>
+          </a:solidFill>
+        </p:spPr>
+        <p:style>
+          <a:lnRef idx="2">
+            <a:schemeClr val="accent1">
+              <a:shade val="50000"/>
+            </a:schemeClr>
+          </a:lnRef>
+          <a:fillRef idx="1">
+            <a:schemeClr val="accent1"/>
+          </a:fillRef>
+          <a:effectRef idx="0">
+            <a:schemeClr val="accent1"/>
+          </a:effectRef>
+          <a:fontRef idx="minor">
+            <a:schemeClr val="lt1"/>
+          </a:fontRef>
+        </p:style>
+        <p:txBody>
+          <a:bodyPr rtlCol="0" anchor="ctr"/>
+          <a:lstStyle/>
+          <a:p>
+            <a:pPr algn="ctr"/>
+            <a:r>
+              <a:rPr lang="en-GB" dirty="0"/>
+              <a:t>v3</a:t>
+            </a:r>
+          </a:p>
+        </p:txBody>
+      </p:sp>
+      <p:sp>
+        <p:nvSpPr>
+          <p:cNvPr id="164" name="Rectangle 163">
+            <a:extLst>
+              <a:ext uri="{FF2B5EF4-FFF2-40B4-BE49-F238E27FC236}">
+                <a16:creationId xmlns:a16="http://schemas.microsoft.com/office/drawing/2014/main" id="{8404CA95-23EA-464A-BF21-1AAFBCE58673}"/>
+              </a:ext>
+            </a:extLst>
+          </p:cNvPr>
+          <p:cNvSpPr/>
+          <p:nvPr/>
+        </p:nvSpPr>
+        <p:spPr>
+          <a:xfrm>
+            <a:off x="3811942" y="1534327"/>
+            <a:ext cx="483577" cy="461665"/>
+          </a:xfrm>
+          <a:prstGeom prst="rect">
+            <a:avLst/>
+          </a:prstGeom>
+          <a:solidFill>
+            <a:schemeClr val="accent6">
+              <a:lumMod val="60000"/>
+              <a:lumOff val="40000"/>
+            </a:schemeClr>
+          </a:solidFill>
+        </p:spPr>
+        <p:style>
+          <a:lnRef idx="2">
+            <a:schemeClr val="accent1">
+              <a:shade val="50000"/>
+            </a:schemeClr>
+          </a:lnRef>
+          <a:fillRef idx="1">
+            <a:schemeClr val="accent1"/>
+          </a:fillRef>
+          <a:effectRef idx="0">
+            <a:schemeClr val="accent1"/>
+          </a:effectRef>
+          <a:fontRef idx="minor">
+            <a:schemeClr val="lt1"/>
+          </a:fontRef>
+        </p:style>
+        <p:txBody>
+          <a:bodyPr rtlCol="0" anchor="ctr"/>
+          <a:lstStyle/>
+          <a:p>
+            <a:pPr algn="ctr"/>
+            <a:endParaRPr lang="en-GB"/>
+          </a:p>
+        </p:txBody>
+      </p:sp>
+      <p:sp>
+        <p:nvSpPr>
+          <p:cNvPr id="167" name="Rectangle 166">
+            <a:extLst>
+              <a:ext uri="{FF2B5EF4-FFF2-40B4-BE49-F238E27FC236}">
+                <a16:creationId xmlns:a16="http://schemas.microsoft.com/office/drawing/2014/main" id="{8A0B8125-7B4E-41B0-89D0-51642E86A0C4}"/>
+              </a:ext>
+            </a:extLst>
+          </p:cNvPr>
+          <p:cNvSpPr/>
+          <p:nvPr/>
+        </p:nvSpPr>
+        <p:spPr>
+          <a:xfrm>
+            <a:off x="4322370" y="1534327"/>
+            <a:ext cx="483577" cy="461665"/>
+          </a:xfrm>
+          <a:prstGeom prst="rect">
+            <a:avLst/>
+          </a:prstGeom>
+          <a:solidFill>
+            <a:schemeClr val="accent6">
+              <a:lumMod val="60000"/>
+              <a:lumOff val="40000"/>
+            </a:schemeClr>
+          </a:solidFill>
+        </p:spPr>
+        <p:style>
+          <a:lnRef idx="2">
+            <a:schemeClr val="accent1">
+              <a:shade val="50000"/>
+            </a:schemeClr>
+          </a:lnRef>
+          <a:fillRef idx="1">
+            <a:schemeClr val="accent1"/>
+          </a:fillRef>
+          <a:effectRef idx="0">
+            <a:schemeClr val="accent1"/>
+          </a:effectRef>
+          <a:fontRef idx="minor">
+            <a:schemeClr val="lt1"/>
+          </a:fontRef>
+        </p:style>
+        <p:txBody>
+          <a:bodyPr rtlCol="0" anchor="ctr"/>
+          <a:lstStyle/>
+          <a:p>
+            <a:pPr algn="ctr"/>
+            <a:r>
+              <a:rPr lang="en-GB" dirty="0" err="1"/>
+              <a:t>vk</a:t>
+            </a:r>
+            <a:endParaRPr lang="en-GB" dirty="0"/>
+          </a:p>
+        </p:txBody>
+      </p:sp>
+      <p:sp>
+        <p:nvSpPr>
+          <p:cNvPr id="118" name="TextBox 117">
+            <a:extLst>
+              <a:ext uri="{FF2B5EF4-FFF2-40B4-BE49-F238E27FC236}">
+                <a16:creationId xmlns:a16="http://schemas.microsoft.com/office/drawing/2014/main" id="{2C7C70F8-01FA-4EF2-A726-4F2EDADAD21E}"/>
+              </a:ext>
+            </a:extLst>
+          </p:cNvPr>
+          <p:cNvSpPr txBox="1"/>
+          <p:nvPr/>
+        </p:nvSpPr>
+        <p:spPr>
+          <a:xfrm>
+            <a:off x="172857" y="4401734"/>
+            <a:ext cx="1400967" cy="830997"/>
+          </a:xfrm>
+          <a:prstGeom prst="rect">
+            <a:avLst/>
+          </a:prstGeom>
+          <a:noFill/>
+        </p:spPr>
+        <p:txBody>
+          <a:bodyPr wrap="square" rtlCol="0">
+            <a:spAutoFit/>
+          </a:bodyPr>
+          <a:lstStyle/>
+          <a:p>
+            <a:pPr algn="r"/>
+            <a:r>
+              <a:rPr lang="en-US" sz="2400" dirty="0"/>
+              <a:t>distance matrix</a:t>
+            </a:r>
+          </a:p>
+        </p:txBody>
+      </p:sp>
+      <p:sp>
+        <p:nvSpPr>
+          <p:cNvPr id="119" name="Rectangle 118">
+            <a:extLst>
+              <a:ext uri="{FF2B5EF4-FFF2-40B4-BE49-F238E27FC236}">
+                <a16:creationId xmlns:a16="http://schemas.microsoft.com/office/drawing/2014/main" id="{F6E767B4-1638-4275-979F-4FA441E79200}"/>
+              </a:ext>
+            </a:extLst>
+          </p:cNvPr>
+          <p:cNvSpPr/>
+          <p:nvPr/>
+        </p:nvSpPr>
+        <p:spPr>
+          <a:xfrm>
+            <a:off x="2289450" y="3126850"/>
+            <a:ext cx="483577" cy="461665"/>
+          </a:xfrm>
+          <a:prstGeom prst="rect">
+            <a:avLst/>
+          </a:prstGeom>
+          <a:solidFill>
+            <a:schemeClr val="accent6">
+              <a:lumMod val="60000"/>
+              <a:lumOff val="40000"/>
+            </a:schemeClr>
+          </a:solidFill>
+        </p:spPr>
+        <p:style>
+          <a:lnRef idx="2">
+            <a:schemeClr val="accent1">
+              <a:shade val="50000"/>
+            </a:schemeClr>
+          </a:lnRef>
+          <a:fillRef idx="1">
+            <a:schemeClr val="accent1"/>
+          </a:fillRef>
+          <a:effectRef idx="0">
+            <a:schemeClr val="accent1"/>
+          </a:effectRef>
+          <a:fontRef idx="minor">
+            <a:schemeClr val="lt1"/>
+          </a:fontRef>
+        </p:style>
+        <p:txBody>
+          <a:bodyPr rtlCol="0" anchor="ctr"/>
+          <a:lstStyle/>
+          <a:p>
+            <a:pPr algn="ctr"/>
+            <a:r>
+              <a:rPr lang="en-GB" dirty="0"/>
+              <a:t>v1</a:t>
+            </a:r>
+          </a:p>
+        </p:txBody>
+      </p:sp>
+      <p:sp>
+        <p:nvSpPr>
+          <p:cNvPr id="120" name="Rectangle 119">
+            <a:extLst>
+              <a:ext uri="{FF2B5EF4-FFF2-40B4-BE49-F238E27FC236}">
+                <a16:creationId xmlns:a16="http://schemas.microsoft.com/office/drawing/2014/main" id="{C2F47C36-E4F3-4B23-9349-143D08A5E988}"/>
+              </a:ext>
+            </a:extLst>
+          </p:cNvPr>
+          <p:cNvSpPr/>
+          <p:nvPr/>
+        </p:nvSpPr>
+        <p:spPr>
+          <a:xfrm>
+            <a:off x="2799878" y="3126850"/>
+            <a:ext cx="483577" cy="461665"/>
+          </a:xfrm>
+          <a:prstGeom prst="rect">
+            <a:avLst/>
+          </a:prstGeom>
+          <a:solidFill>
+            <a:schemeClr val="accent6">
+              <a:lumMod val="60000"/>
+              <a:lumOff val="40000"/>
+            </a:schemeClr>
+          </a:solidFill>
+        </p:spPr>
+        <p:style>
+          <a:lnRef idx="2">
+            <a:schemeClr val="accent1">
+              <a:shade val="50000"/>
+            </a:schemeClr>
+          </a:lnRef>
+          <a:fillRef idx="1">
+            <a:schemeClr val="accent1"/>
+          </a:fillRef>
+          <a:effectRef idx="0">
+            <a:schemeClr val="accent1"/>
+          </a:effectRef>
+          <a:fontRef idx="minor">
+            <a:schemeClr val="lt1"/>
+          </a:fontRef>
+        </p:style>
+        <p:txBody>
+          <a:bodyPr rtlCol="0" anchor="ctr"/>
+          <a:lstStyle/>
+          <a:p>
+            <a:pPr algn="ctr"/>
+            <a:r>
+              <a:rPr lang="en-GB" dirty="0"/>
+              <a:t>v2</a:t>
+            </a:r>
+          </a:p>
+        </p:txBody>
+      </p:sp>
+      <p:sp>
+        <p:nvSpPr>
+          <p:cNvPr id="121" name="Rectangle 120">
+            <a:extLst>
+              <a:ext uri="{FF2B5EF4-FFF2-40B4-BE49-F238E27FC236}">
+                <a16:creationId xmlns:a16="http://schemas.microsoft.com/office/drawing/2014/main" id="{76E9578F-66A8-41EF-90C0-956AA228AD0D}"/>
+              </a:ext>
+            </a:extLst>
+          </p:cNvPr>
+          <p:cNvSpPr/>
+          <p:nvPr/>
+        </p:nvSpPr>
+        <p:spPr>
+          <a:xfrm>
+            <a:off x="3301514" y="3126850"/>
+            <a:ext cx="483577" cy="461665"/>
+          </a:xfrm>
+          <a:prstGeom prst="rect">
+            <a:avLst/>
+          </a:prstGeom>
+          <a:solidFill>
+            <a:schemeClr val="accent6">
+              <a:lumMod val="60000"/>
+              <a:lumOff val="40000"/>
+            </a:schemeClr>
+          </a:solidFill>
+        </p:spPr>
+        <p:style>
+          <a:lnRef idx="2">
+            <a:schemeClr val="accent1">
+              <a:shade val="50000"/>
+            </a:schemeClr>
+          </a:lnRef>
+          <a:fillRef idx="1">
+            <a:schemeClr val="accent1"/>
+          </a:fillRef>
+          <a:effectRef idx="0">
+            <a:schemeClr val="accent1"/>
+          </a:effectRef>
+          <a:fontRef idx="minor">
+            <a:schemeClr val="lt1"/>
+          </a:fontRef>
+        </p:style>
+        <p:txBody>
+          <a:bodyPr rtlCol="0" anchor="ctr"/>
+          <a:lstStyle/>
+          <a:p>
+            <a:pPr algn="ctr"/>
+            <a:r>
+              <a:rPr lang="en-GB" dirty="0"/>
+              <a:t>v3</a:t>
+            </a:r>
+          </a:p>
+        </p:txBody>
+      </p:sp>
+      <p:sp>
+        <p:nvSpPr>
+          <p:cNvPr id="122" name="Rectangle 121">
+            <a:extLst>
+              <a:ext uri="{FF2B5EF4-FFF2-40B4-BE49-F238E27FC236}">
+                <a16:creationId xmlns:a16="http://schemas.microsoft.com/office/drawing/2014/main" id="{ED657AD9-D42C-4FBD-B80F-10FE25961644}"/>
+              </a:ext>
+            </a:extLst>
+          </p:cNvPr>
+          <p:cNvSpPr/>
+          <p:nvPr/>
+        </p:nvSpPr>
+        <p:spPr>
+          <a:xfrm>
+            <a:off x="3811942" y="3126850"/>
+            <a:ext cx="483577" cy="461665"/>
+          </a:xfrm>
+          <a:prstGeom prst="rect">
+            <a:avLst/>
+          </a:prstGeom>
+          <a:solidFill>
+            <a:schemeClr val="accent6">
+              <a:lumMod val="60000"/>
+              <a:lumOff val="40000"/>
+            </a:schemeClr>
+          </a:solidFill>
+        </p:spPr>
+        <p:style>
+          <a:lnRef idx="2">
+            <a:schemeClr val="accent1">
+              <a:shade val="50000"/>
+            </a:schemeClr>
+          </a:lnRef>
+          <a:fillRef idx="1">
+            <a:schemeClr val="accent1"/>
+          </a:fillRef>
+          <a:effectRef idx="0">
+            <a:schemeClr val="accent1"/>
+          </a:effectRef>
+          <a:fontRef idx="minor">
+            <a:schemeClr val="lt1"/>
+          </a:fontRef>
+        </p:style>
+        <p:txBody>
+          <a:bodyPr rtlCol="0" anchor="ctr"/>
+          <a:lstStyle/>
+          <a:p>
+            <a:pPr algn="ctr"/>
+            <a:endParaRPr lang="en-GB"/>
+          </a:p>
+        </p:txBody>
+      </p:sp>
+      <p:sp>
+        <p:nvSpPr>
+          <p:cNvPr id="123" name="Rectangle 122">
+            <a:extLst>
+              <a:ext uri="{FF2B5EF4-FFF2-40B4-BE49-F238E27FC236}">
+                <a16:creationId xmlns:a16="http://schemas.microsoft.com/office/drawing/2014/main" id="{86134F71-03C7-42ED-8B7B-BD4F2F0042F7}"/>
+              </a:ext>
+            </a:extLst>
+          </p:cNvPr>
+          <p:cNvSpPr/>
+          <p:nvPr/>
+        </p:nvSpPr>
+        <p:spPr>
+          <a:xfrm>
+            <a:off x="4322370" y="3126850"/>
+            <a:ext cx="483577" cy="461665"/>
+          </a:xfrm>
+          <a:prstGeom prst="rect">
+            <a:avLst/>
+          </a:prstGeom>
+          <a:solidFill>
+            <a:schemeClr val="accent6">
+              <a:lumMod val="60000"/>
+              <a:lumOff val="40000"/>
+            </a:schemeClr>
+          </a:solidFill>
+        </p:spPr>
+        <p:style>
+          <a:lnRef idx="2">
+            <a:schemeClr val="accent1">
+              <a:shade val="50000"/>
+            </a:schemeClr>
+          </a:lnRef>
+          <a:fillRef idx="1">
+            <a:schemeClr val="accent1"/>
+          </a:fillRef>
+          <a:effectRef idx="0">
+            <a:schemeClr val="accent1"/>
+          </a:effectRef>
+          <a:fontRef idx="minor">
+            <a:schemeClr val="lt1"/>
+          </a:fontRef>
+        </p:style>
+        <p:txBody>
+          <a:bodyPr rtlCol="0" anchor="ctr"/>
+          <a:lstStyle/>
+          <a:p>
+            <a:pPr algn="ctr"/>
+            <a:r>
+              <a:rPr lang="en-GB" dirty="0" err="1"/>
+              <a:t>vk</a:t>
+            </a:r>
+            <a:endParaRPr lang="en-GB" dirty="0"/>
+          </a:p>
+        </p:txBody>
+      </p:sp>
+      <p:sp>
+        <p:nvSpPr>
+          <p:cNvPr id="124" name="Rectangle 123">
+            <a:extLst>
+              <a:ext uri="{FF2B5EF4-FFF2-40B4-BE49-F238E27FC236}">
+                <a16:creationId xmlns:a16="http://schemas.microsoft.com/office/drawing/2014/main" id="{33D69B6C-EF1B-409D-9129-10067CAF65EB}"/>
+              </a:ext>
+            </a:extLst>
+          </p:cNvPr>
+          <p:cNvSpPr/>
+          <p:nvPr/>
+        </p:nvSpPr>
+        <p:spPr>
+          <a:xfrm>
+            <a:off x="1779497" y="3614891"/>
+            <a:ext cx="483577" cy="461665"/>
+          </a:xfrm>
+          <a:prstGeom prst="rect">
+            <a:avLst/>
+          </a:prstGeom>
+          <a:solidFill>
+            <a:schemeClr val="accent6">
+              <a:lumMod val="60000"/>
+              <a:lumOff val="40000"/>
+            </a:schemeClr>
+          </a:solidFill>
+        </p:spPr>
+        <p:style>
+          <a:lnRef idx="2">
+            <a:schemeClr val="accent1">
+              <a:shade val="50000"/>
+            </a:schemeClr>
+          </a:lnRef>
+          <a:fillRef idx="1">
+            <a:schemeClr val="accent1"/>
+          </a:fillRef>
+          <a:effectRef idx="0">
+            <a:schemeClr val="accent1"/>
+          </a:effectRef>
+          <a:fontRef idx="minor">
+            <a:schemeClr val="lt1"/>
+          </a:fontRef>
+        </p:style>
+        <p:txBody>
+          <a:bodyPr rtlCol="0" anchor="ctr"/>
+          <a:lstStyle/>
+          <a:p>
+            <a:pPr algn="ctr"/>
+            <a:r>
+              <a:rPr lang="en-GB" dirty="0"/>
+              <a:t>v1</a:t>
+            </a:r>
+          </a:p>
+        </p:txBody>
+      </p:sp>
+      <p:sp>
+        <p:nvSpPr>
+          <p:cNvPr id="125" name="Rectangle 124">
+            <a:extLst>
+              <a:ext uri="{FF2B5EF4-FFF2-40B4-BE49-F238E27FC236}">
+                <a16:creationId xmlns:a16="http://schemas.microsoft.com/office/drawing/2014/main" id="{FE0A2368-7574-45CA-8B58-1C101382B590}"/>
+              </a:ext>
+            </a:extLst>
+          </p:cNvPr>
+          <p:cNvSpPr/>
+          <p:nvPr/>
+        </p:nvSpPr>
+        <p:spPr>
+          <a:xfrm>
+            <a:off x="1779497" y="4103063"/>
+            <a:ext cx="483577" cy="461665"/>
+          </a:xfrm>
+          <a:prstGeom prst="rect">
+            <a:avLst/>
+          </a:prstGeom>
+          <a:solidFill>
+            <a:schemeClr val="accent6">
+              <a:lumMod val="60000"/>
+              <a:lumOff val="40000"/>
+            </a:schemeClr>
+          </a:solidFill>
+        </p:spPr>
+        <p:style>
+          <a:lnRef idx="2">
+            <a:schemeClr val="accent1">
+              <a:shade val="50000"/>
+            </a:schemeClr>
+          </a:lnRef>
+          <a:fillRef idx="1">
+            <a:schemeClr val="accent1"/>
+          </a:fillRef>
+          <a:effectRef idx="0">
+            <a:schemeClr val="accent1"/>
+          </a:effectRef>
+          <a:fontRef idx="minor">
+            <a:schemeClr val="lt1"/>
+          </a:fontRef>
+        </p:style>
+        <p:txBody>
+          <a:bodyPr rtlCol="0" anchor="ctr"/>
+          <a:lstStyle/>
+          <a:p>
+            <a:pPr algn="ctr"/>
+            <a:r>
+              <a:rPr lang="en-GB" dirty="0"/>
+              <a:t>v2</a:t>
+            </a:r>
+          </a:p>
+        </p:txBody>
+      </p:sp>
+      <p:sp>
+        <p:nvSpPr>
+          <p:cNvPr id="126" name="Rectangle 125">
+            <a:extLst>
+              <a:ext uri="{FF2B5EF4-FFF2-40B4-BE49-F238E27FC236}">
+                <a16:creationId xmlns:a16="http://schemas.microsoft.com/office/drawing/2014/main" id="{6EE31AFC-D88B-4C93-81EA-EECC1826AF03}"/>
+              </a:ext>
+            </a:extLst>
+          </p:cNvPr>
+          <p:cNvSpPr/>
+          <p:nvPr/>
+        </p:nvSpPr>
+        <p:spPr>
+          <a:xfrm>
+            <a:off x="1779497" y="4591235"/>
+            <a:ext cx="483577" cy="461665"/>
+          </a:xfrm>
+          <a:prstGeom prst="rect">
+            <a:avLst/>
+          </a:prstGeom>
+          <a:solidFill>
+            <a:schemeClr val="accent6">
+              <a:lumMod val="60000"/>
+              <a:lumOff val="40000"/>
+            </a:schemeClr>
+          </a:solidFill>
+        </p:spPr>
+        <p:style>
+          <a:lnRef idx="2">
+            <a:schemeClr val="accent1">
+              <a:shade val="50000"/>
+            </a:schemeClr>
+          </a:lnRef>
+          <a:fillRef idx="1">
+            <a:schemeClr val="accent1"/>
+          </a:fillRef>
+          <a:effectRef idx="0">
+            <a:schemeClr val="accent1"/>
+          </a:effectRef>
+          <a:fontRef idx="minor">
+            <a:schemeClr val="lt1"/>
+          </a:fontRef>
+        </p:style>
+        <p:txBody>
+          <a:bodyPr rtlCol="0" anchor="ctr"/>
+          <a:lstStyle/>
+          <a:p>
+            <a:pPr algn="ctr"/>
+            <a:r>
+              <a:rPr lang="en-GB" dirty="0"/>
+              <a:t>v3</a:t>
+            </a:r>
+          </a:p>
+        </p:txBody>
+      </p:sp>
+      <p:sp>
+        <p:nvSpPr>
+          <p:cNvPr id="127" name="Rectangle 126">
+            <a:extLst>
+              <a:ext uri="{FF2B5EF4-FFF2-40B4-BE49-F238E27FC236}">
+                <a16:creationId xmlns:a16="http://schemas.microsoft.com/office/drawing/2014/main" id="{CE7970C0-BFC9-4BAC-9159-47ED47FC6150}"/>
+              </a:ext>
+            </a:extLst>
+          </p:cNvPr>
+          <p:cNvSpPr/>
+          <p:nvPr/>
+        </p:nvSpPr>
+        <p:spPr>
+          <a:xfrm>
+            <a:off x="1779497" y="5079407"/>
+            <a:ext cx="483577" cy="461665"/>
+          </a:xfrm>
+          <a:prstGeom prst="rect">
+            <a:avLst/>
+          </a:prstGeom>
+          <a:solidFill>
+            <a:schemeClr val="accent6">
+              <a:lumMod val="60000"/>
+              <a:lumOff val="40000"/>
+            </a:schemeClr>
+          </a:solidFill>
+        </p:spPr>
+        <p:style>
+          <a:lnRef idx="2">
+            <a:schemeClr val="accent1">
+              <a:shade val="50000"/>
+            </a:schemeClr>
+          </a:lnRef>
+          <a:fillRef idx="1">
+            <a:schemeClr val="accent1"/>
+          </a:fillRef>
+          <a:effectRef idx="0">
+            <a:schemeClr val="accent1"/>
+          </a:effectRef>
+          <a:fontRef idx="minor">
+            <a:schemeClr val="lt1"/>
+          </a:fontRef>
+        </p:style>
+        <p:txBody>
+          <a:bodyPr rtlCol="0" anchor="ctr"/>
+          <a:lstStyle/>
+          <a:p>
+            <a:pPr algn="ctr"/>
+            <a:endParaRPr lang="en-GB"/>
+          </a:p>
+        </p:txBody>
+      </p:sp>
+      <p:sp>
+        <p:nvSpPr>
+          <p:cNvPr id="128" name="Rectangle 127">
+            <a:extLst>
+              <a:ext uri="{FF2B5EF4-FFF2-40B4-BE49-F238E27FC236}">
+                <a16:creationId xmlns:a16="http://schemas.microsoft.com/office/drawing/2014/main" id="{8A47CC4D-8516-45E2-B67D-EBC3E5D1F5CE}"/>
+              </a:ext>
+            </a:extLst>
+          </p:cNvPr>
+          <p:cNvSpPr/>
+          <p:nvPr/>
+        </p:nvSpPr>
+        <p:spPr>
+          <a:xfrm>
+            <a:off x="1779497" y="5567579"/>
+            <a:ext cx="483577" cy="461665"/>
+          </a:xfrm>
+          <a:prstGeom prst="rect">
+            <a:avLst/>
+          </a:prstGeom>
+          <a:solidFill>
+            <a:schemeClr val="accent6">
+              <a:lumMod val="60000"/>
+              <a:lumOff val="40000"/>
+            </a:schemeClr>
+          </a:solidFill>
+        </p:spPr>
+        <p:style>
+          <a:lnRef idx="2">
+            <a:schemeClr val="accent1">
+              <a:shade val="50000"/>
+            </a:schemeClr>
+          </a:lnRef>
+          <a:fillRef idx="1">
+            <a:schemeClr val="accent1"/>
+          </a:fillRef>
+          <a:effectRef idx="0">
+            <a:schemeClr val="accent1"/>
+          </a:effectRef>
+          <a:fontRef idx="minor">
+            <a:schemeClr val="lt1"/>
+          </a:fontRef>
+        </p:style>
+        <p:txBody>
+          <a:bodyPr rtlCol="0" anchor="ctr"/>
+          <a:lstStyle/>
+          <a:p>
+            <a:pPr algn="ctr"/>
+            <a:r>
+              <a:rPr lang="en-GB" dirty="0" err="1"/>
+              <a:t>vk</a:t>
+            </a:r>
+            <a:endParaRPr lang="en-GB" dirty="0"/>
+          </a:p>
+        </p:txBody>
+      </p:sp>
+      <p:sp>
+        <p:nvSpPr>
+          <p:cNvPr id="130" name="Rectangle 129">
+            <a:extLst>
+              <a:ext uri="{FF2B5EF4-FFF2-40B4-BE49-F238E27FC236}">
+                <a16:creationId xmlns:a16="http://schemas.microsoft.com/office/drawing/2014/main" id="{FEDF05F4-0DDC-4D46-B207-202D26990485}"/>
+              </a:ext>
+            </a:extLst>
+          </p:cNvPr>
+          <p:cNvSpPr/>
+          <p:nvPr/>
+        </p:nvSpPr>
+        <p:spPr>
+          <a:xfrm>
+            <a:off x="2289450" y="3614891"/>
+            <a:ext cx="483577" cy="461665"/>
+          </a:xfrm>
+          <a:prstGeom prst="rect">
+            <a:avLst/>
+          </a:prstGeom>
+          <a:solidFill>
+            <a:schemeClr val="bg1">
+              <a:lumMod val="75000"/>
+            </a:schemeClr>
+          </a:solidFill>
+        </p:spPr>
+        <p:style>
+          <a:lnRef idx="2">
+            <a:schemeClr val="accent1">
+              <a:shade val="50000"/>
+            </a:schemeClr>
+          </a:lnRef>
+          <a:fillRef idx="1">
+            <a:schemeClr val="accent1"/>
+          </a:fillRef>
+          <a:effectRef idx="0">
+            <a:schemeClr val="accent1"/>
+          </a:effectRef>
+          <a:fontRef idx="minor">
+            <a:schemeClr val="lt1"/>
+          </a:fontRef>
+        </p:style>
+        <p:txBody>
+          <a:bodyPr rtlCol="0" anchor="ctr"/>
+          <a:lstStyle/>
+          <a:p>
+            <a:pPr algn="ctr"/>
+            <a:r>
+              <a:rPr lang="en-GB" dirty="0">
+                <a:solidFill>
+                  <a:schemeClr val="tx1"/>
+                </a:solidFill>
+              </a:rPr>
+              <a:t>0</a:t>
+            </a:r>
+          </a:p>
+        </p:txBody>
+      </p:sp>
+      <p:sp>
+        <p:nvSpPr>
+          <p:cNvPr id="131" name="Rectangle 130">
+            <a:extLst>
+              <a:ext uri="{FF2B5EF4-FFF2-40B4-BE49-F238E27FC236}">
+                <a16:creationId xmlns:a16="http://schemas.microsoft.com/office/drawing/2014/main" id="{29ECF4B4-9B07-4B8C-86C2-4E6A6AD3C50C}"/>
+              </a:ext>
+            </a:extLst>
+          </p:cNvPr>
+          <p:cNvSpPr/>
+          <p:nvPr/>
+        </p:nvSpPr>
+        <p:spPr>
+          <a:xfrm>
+            <a:off x="2289450" y="4103063"/>
+            <a:ext cx="483577" cy="461665"/>
+          </a:xfrm>
+          <a:prstGeom prst="rect">
+            <a:avLst/>
+          </a:prstGeom>
+          <a:solidFill>
+            <a:schemeClr val="bg2">
+              <a:lumMod val="90000"/>
+            </a:schemeClr>
+          </a:solidFill>
+        </p:spPr>
+        <p:style>
+          <a:lnRef idx="2">
+            <a:schemeClr val="accent1">
+              <a:shade val="50000"/>
+            </a:schemeClr>
+          </a:lnRef>
+          <a:fillRef idx="1">
+            <a:schemeClr val="accent1"/>
+          </a:fillRef>
+          <a:effectRef idx="0">
+            <a:schemeClr val="accent1"/>
+          </a:effectRef>
+          <a:fontRef idx="minor">
+            <a:schemeClr val="lt1"/>
+          </a:fontRef>
+        </p:style>
+        <p:txBody>
+          <a:bodyPr rtlCol="0" anchor="ctr"/>
+          <a:lstStyle/>
+          <a:p>
+            <a:pPr algn="ctr"/>
+            <a:endParaRPr lang="en-GB" dirty="0"/>
+          </a:p>
+        </p:txBody>
+      </p:sp>
+      <p:sp>
+        <p:nvSpPr>
+          <p:cNvPr id="132" name="Rectangle 131">
+            <a:extLst>
+              <a:ext uri="{FF2B5EF4-FFF2-40B4-BE49-F238E27FC236}">
+                <a16:creationId xmlns:a16="http://schemas.microsoft.com/office/drawing/2014/main" id="{9CE4BE78-629E-472B-B68C-D0A948C8D52F}"/>
+              </a:ext>
+            </a:extLst>
+          </p:cNvPr>
+          <p:cNvSpPr/>
+          <p:nvPr/>
+        </p:nvSpPr>
+        <p:spPr>
+          <a:xfrm>
+            <a:off x="2289450" y="4591235"/>
+            <a:ext cx="483577" cy="461665"/>
+          </a:xfrm>
+          <a:prstGeom prst="rect">
+            <a:avLst/>
+          </a:prstGeom>
+          <a:solidFill>
+            <a:schemeClr val="bg2">
+              <a:lumMod val="90000"/>
+            </a:schemeClr>
+          </a:solidFill>
+        </p:spPr>
+        <p:style>
+          <a:lnRef idx="2">
+            <a:schemeClr val="accent1">
+              <a:shade val="50000"/>
+            </a:schemeClr>
+          </a:lnRef>
+          <a:fillRef idx="1">
+            <a:schemeClr val="accent1"/>
+          </a:fillRef>
+          <a:effectRef idx="0">
+            <a:schemeClr val="accent1"/>
+          </a:effectRef>
+          <a:fontRef idx="minor">
+            <a:schemeClr val="lt1"/>
+          </a:fontRef>
+        </p:style>
+        <p:txBody>
+          <a:bodyPr rtlCol="0" anchor="ctr"/>
+          <a:lstStyle/>
+          <a:p>
+            <a:pPr algn="ctr"/>
+            <a:endParaRPr lang="en-GB" dirty="0"/>
+          </a:p>
+        </p:txBody>
+      </p:sp>
+      <p:sp>
+        <p:nvSpPr>
+          <p:cNvPr id="133" name="Rectangle 132">
+            <a:extLst>
+              <a:ext uri="{FF2B5EF4-FFF2-40B4-BE49-F238E27FC236}">
+                <a16:creationId xmlns:a16="http://schemas.microsoft.com/office/drawing/2014/main" id="{F35739EC-1D69-4564-AF47-95C3D7C4A0FD}"/>
+              </a:ext>
+            </a:extLst>
+          </p:cNvPr>
+          <p:cNvSpPr/>
+          <p:nvPr/>
+        </p:nvSpPr>
+        <p:spPr>
+          <a:xfrm>
+            <a:off x="2289450" y="5079407"/>
+            <a:ext cx="483577" cy="461665"/>
+          </a:xfrm>
+          <a:prstGeom prst="rect">
+            <a:avLst/>
+          </a:prstGeom>
+          <a:solidFill>
+            <a:schemeClr val="bg2">
+              <a:lumMod val="90000"/>
+            </a:schemeClr>
+          </a:solidFill>
+        </p:spPr>
+        <p:style>
+          <a:lnRef idx="2">
+            <a:schemeClr val="accent1">
+              <a:shade val="50000"/>
+            </a:schemeClr>
+          </a:lnRef>
+          <a:fillRef idx="1">
+            <a:schemeClr val="accent1"/>
+          </a:fillRef>
+          <a:effectRef idx="0">
+            <a:schemeClr val="accent1"/>
+          </a:effectRef>
+          <a:fontRef idx="minor">
+            <a:schemeClr val="lt1"/>
+          </a:fontRef>
+        </p:style>
+        <p:txBody>
+          <a:bodyPr rtlCol="0" anchor="ctr"/>
+          <a:lstStyle/>
+          <a:p>
+            <a:pPr algn="ctr"/>
+            <a:endParaRPr lang="en-GB"/>
+          </a:p>
+        </p:txBody>
+      </p:sp>
+      <p:sp>
+        <p:nvSpPr>
+          <p:cNvPr id="134" name="Rectangle 133">
+            <a:extLst>
+              <a:ext uri="{FF2B5EF4-FFF2-40B4-BE49-F238E27FC236}">
+                <a16:creationId xmlns:a16="http://schemas.microsoft.com/office/drawing/2014/main" id="{22CC21C1-CAA5-4AF9-B39B-0A080C9E9F9D}"/>
+              </a:ext>
+            </a:extLst>
+          </p:cNvPr>
+          <p:cNvSpPr/>
+          <p:nvPr/>
+        </p:nvSpPr>
+        <p:spPr>
+          <a:xfrm>
+            <a:off x="2289450" y="5567579"/>
+            <a:ext cx="483577" cy="461665"/>
+          </a:xfrm>
+          <a:prstGeom prst="rect">
+            <a:avLst/>
+          </a:prstGeom>
+          <a:solidFill>
+            <a:schemeClr val="bg2">
+              <a:lumMod val="90000"/>
+            </a:schemeClr>
+          </a:solidFill>
+        </p:spPr>
+        <p:style>
+          <a:lnRef idx="2">
+            <a:schemeClr val="accent1">
+              <a:shade val="50000"/>
+            </a:schemeClr>
+          </a:lnRef>
+          <a:fillRef idx="1">
+            <a:schemeClr val="accent1"/>
+          </a:fillRef>
+          <a:effectRef idx="0">
+            <a:schemeClr val="accent1"/>
+          </a:effectRef>
+          <a:fontRef idx="minor">
+            <a:schemeClr val="lt1"/>
+          </a:fontRef>
+        </p:style>
+        <p:txBody>
+          <a:bodyPr rtlCol="0" anchor="ctr"/>
+          <a:lstStyle/>
+          <a:p>
+            <a:pPr algn="ctr"/>
+            <a:endParaRPr lang="en-GB" dirty="0"/>
+          </a:p>
+        </p:txBody>
+      </p:sp>
+      <p:sp>
+        <p:nvSpPr>
+          <p:cNvPr id="145" name="Rectangle 144">
+            <a:extLst>
+              <a:ext uri="{FF2B5EF4-FFF2-40B4-BE49-F238E27FC236}">
+                <a16:creationId xmlns:a16="http://schemas.microsoft.com/office/drawing/2014/main" id="{BD6809B7-C0EA-4A9C-AAB2-9F3B05CFA700}"/>
+              </a:ext>
+            </a:extLst>
+          </p:cNvPr>
+          <p:cNvSpPr/>
+          <p:nvPr/>
+        </p:nvSpPr>
+        <p:spPr>
+          <a:xfrm>
+            <a:off x="2799878" y="3614891"/>
+            <a:ext cx="483577" cy="461665"/>
+          </a:xfrm>
+          <a:prstGeom prst="rect">
+            <a:avLst/>
+          </a:prstGeom>
+          <a:solidFill>
+            <a:srgbClr val="FFC000"/>
+          </a:solidFill>
+        </p:spPr>
+        <p:style>
+          <a:lnRef idx="2">
+            <a:schemeClr val="accent1">
+              <a:shade val="50000"/>
+            </a:schemeClr>
+          </a:lnRef>
+          <a:fillRef idx="1">
+            <a:schemeClr val="accent1"/>
+          </a:fillRef>
+          <a:effectRef idx="0">
+            <a:schemeClr val="accent1"/>
+          </a:effectRef>
+          <a:fontRef idx="minor">
+            <a:schemeClr val="lt1"/>
+          </a:fontRef>
+        </p:style>
+        <p:txBody>
+          <a:bodyPr rtlCol="0" anchor="ctr"/>
+          <a:lstStyle/>
+          <a:p>
+            <a:pPr algn="ctr"/>
+            <a:endParaRPr lang="en-GB" dirty="0"/>
+          </a:p>
+        </p:txBody>
+      </p:sp>
+      <p:sp>
+        <p:nvSpPr>
+          <p:cNvPr id="146" name="Rectangle 145">
+            <a:extLst>
+              <a:ext uri="{FF2B5EF4-FFF2-40B4-BE49-F238E27FC236}">
+                <a16:creationId xmlns:a16="http://schemas.microsoft.com/office/drawing/2014/main" id="{7B6732B2-3B87-4D2C-BD40-7B14AD97ED63}"/>
+              </a:ext>
+            </a:extLst>
+          </p:cNvPr>
+          <p:cNvSpPr/>
+          <p:nvPr/>
+        </p:nvSpPr>
+        <p:spPr>
+          <a:xfrm>
+            <a:off x="2799878" y="4103063"/>
+            <a:ext cx="483577" cy="461665"/>
+          </a:xfrm>
+          <a:prstGeom prst="rect">
+            <a:avLst/>
+          </a:prstGeom>
+          <a:solidFill>
+            <a:schemeClr val="bg1">
+              <a:lumMod val="75000"/>
+            </a:schemeClr>
+          </a:solidFill>
+        </p:spPr>
+        <p:style>
+          <a:lnRef idx="2">
+            <a:schemeClr val="accent1">
+              <a:shade val="50000"/>
+            </a:schemeClr>
+          </a:lnRef>
+          <a:fillRef idx="1">
+            <a:schemeClr val="accent1"/>
+          </a:fillRef>
+          <a:effectRef idx="0">
+            <a:schemeClr val="accent1"/>
+          </a:effectRef>
+          <a:fontRef idx="minor">
+            <a:schemeClr val="lt1"/>
+          </a:fontRef>
+        </p:style>
+        <p:txBody>
+          <a:bodyPr rtlCol="0" anchor="ctr"/>
+          <a:lstStyle/>
+          <a:p>
+            <a:pPr algn="ctr"/>
+            <a:r>
+              <a:rPr lang="en-GB" dirty="0">
+                <a:solidFill>
+                  <a:schemeClr val="tx1"/>
+                </a:solidFill>
+              </a:rPr>
+              <a:t>0</a:t>
+            </a:r>
+          </a:p>
+        </p:txBody>
+      </p:sp>
+      <p:sp>
+        <p:nvSpPr>
+          <p:cNvPr id="147" name="Rectangle 146">
+            <a:extLst>
+              <a:ext uri="{FF2B5EF4-FFF2-40B4-BE49-F238E27FC236}">
+                <a16:creationId xmlns:a16="http://schemas.microsoft.com/office/drawing/2014/main" id="{D42C9829-3E90-40BE-A73E-68844AA11E3C}"/>
+              </a:ext>
+            </a:extLst>
+          </p:cNvPr>
+          <p:cNvSpPr/>
+          <p:nvPr/>
+        </p:nvSpPr>
+        <p:spPr>
+          <a:xfrm>
+            <a:off x="2799878" y="4591235"/>
+            <a:ext cx="483577" cy="461665"/>
+          </a:xfrm>
+          <a:prstGeom prst="rect">
+            <a:avLst/>
+          </a:prstGeom>
+          <a:solidFill>
+            <a:schemeClr val="bg2">
+              <a:lumMod val="90000"/>
+            </a:schemeClr>
+          </a:solidFill>
+        </p:spPr>
+        <p:style>
+          <a:lnRef idx="2">
+            <a:schemeClr val="accent1">
+              <a:shade val="50000"/>
+            </a:schemeClr>
+          </a:lnRef>
+          <a:fillRef idx="1">
+            <a:schemeClr val="accent1"/>
+          </a:fillRef>
+          <a:effectRef idx="0">
+            <a:schemeClr val="accent1"/>
+          </a:effectRef>
+          <a:fontRef idx="minor">
+            <a:schemeClr val="lt1"/>
+          </a:fontRef>
+        </p:style>
+        <p:txBody>
+          <a:bodyPr rtlCol="0" anchor="ctr"/>
+          <a:lstStyle/>
+          <a:p>
+            <a:pPr algn="ctr"/>
+            <a:endParaRPr lang="en-GB" dirty="0"/>
+          </a:p>
+        </p:txBody>
+      </p:sp>
+      <p:sp>
+        <p:nvSpPr>
+          <p:cNvPr id="154" name="Rectangle 153">
+            <a:extLst>
+              <a:ext uri="{FF2B5EF4-FFF2-40B4-BE49-F238E27FC236}">
+                <a16:creationId xmlns:a16="http://schemas.microsoft.com/office/drawing/2014/main" id="{0A3DEF28-3CF4-4432-A7CE-43ABF3123F05}"/>
+              </a:ext>
+            </a:extLst>
+          </p:cNvPr>
+          <p:cNvSpPr/>
+          <p:nvPr/>
+        </p:nvSpPr>
+        <p:spPr>
+          <a:xfrm>
+            <a:off x="2799878" y="5079407"/>
+            <a:ext cx="483577" cy="461665"/>
+          </a:xfrm>
+          <a:prstGeom prst="rect">
+            <a:avLst/>
+          </a:prstGeom>
+          <a:solidFill>
+            <a:schemeClr val="bg2">
+              <a:lumMod val="90000"/>
+            </a:schemeClr>
+          </a:solidFill>
+        </p:spPr>
+        <p:style>
+          <a:lnRef idx="2">
+            <a:schemeClr val="accent1">
+              <a:shade val="50000"/>
+            </a:schemeClr>
+          </a:lnRef>
+          <a:fillRef idx="1">
+            <a:schemeClr val="accent1"/>
+          </a:fillRef>
+          <a:effectRef idx="0">
+            <a:schemeClr val="accent1"/>
+          </a:effectRef>
+          <a:fontRef idx="minor">
+            <a:schemeClr val="lt1"/>
+          </a:fontRef>
+        </p:style>
+        <p:txBody>
+          <a:bodyPr rtlCol="0" anchor="ctr"/>
+          <a:lstStyle/>
+          <a:p>
+            <a:pPr algn="ctr"/>
+            <a:endParaRPr lang="en-GB"/>
+          </a:p>
+        </p:txBody>
+      </p:sp>
+      <p:sp>
+        <p:nvSpPr>
+          <p:cNvPr id="156" name="Rectangle 155">
+            <a:extLst>
+              <a:ext uri="{FF2B5EF4-FFF2-40B4-BE49-F238E27FC236}">
+                <a16:creationId xmlns:a16="http://schemas.microsoft.com/office/drawing/2014/main" id="{EB7D1001-6A71-4641-A69F-A46EB9E8BEC5}"/>
+              </a:ext>
+            </a:extLst>
+          </p:cNvPr>
+          <p:cNvSpPr/>
+          <p:nvPr/>
+        </p:nvSpPr>
+        <p:spPr>
+          <a:xfrm>
+            <a:off x="2799878" y="5567579"/>
+            <a:ext cx="483577" cy="461665"/>
+          </a:xfrm>
+          <a:prstGeom prst="rect">
+            <a:avLst/>
+          </a:prstGeom>
+          <a:solidFill>
+            <a:schemeClr val="bg2">
+              <a:lumMod val="90000"/>
+            </a:schemeClr>
+          </a:solidFill>
+        </p:spPr>
+        <p:style>
+          <a:lnRef idx="2">
+            <a:schemeClr val="accent1">
+              <a:shade val="50000"/>
+            </a:schemeClr>
+          </a:lnRef>
+          <a:fillRef idx="1">
+            <a:schemeClr val="accent1"/>
+          </a:fillRef>
+          <a:effectRef idx="0">
+            <a:schemeClr val="accent1"/>
+          </a:effectRef>
+          <a:fontRef idx="minor">
+            <a:schemeClr val="lt1"/>
+          </a:fontRef>
+        </p:style>
+        <p:txBody>
+          <a:bodyPr rtlCol="0" anchor="ctr"/>
+          <a:lstStyle/>
+          <a:p>
+            <a:pPr algn="ctr"/>
+            <a:r>
+              <a:rPr lang="en-GB" dirty="0">
+                <a:solidFill>
+                  <a:schemeClr val="tx1"/>
+                </a:solidFill>
+              </a:rPr>
+              <a:t>v</a:t>
+            </a:r>
+          </a:p>
+        </p:txBody>
+      </p:sp>
+      <p:sp>
+        <p:nvSpPr>
+          <p:cNvPr id="157" name="Rectangle 156">
+            <a:extLst>
+              <a:ext uri="{FF2B5EF4-FFF2-40B4-BE49-F238E27FC236}">
+                <a16:creationId xmlns:a16="http://schemas.microsoft.com/office/drawing/2014/main" id="{F13D0BFF-4AD1-45D9-90B1-C7CDB6B606E9}"/>
+              </a:ext>
+            </a:extLst>
+          </p:cNvPr>
+          <p:cNvSpPr/>
+          <p:nvPr/>
+        </p:nvSpPr>
+        <p:spPr>
+          <a:xfrm>
+            <a:off x="3301514" y="3614891"/>
+            <a:ext cx="483577" cy="461665"/>
+          </a:xfrm>
+          <a:prstGeom prst="rect">
+            <a:avLst/>
+          </a:prstGeom>
+          <a:solidFill>
+            <a:srgbClr val="FFC000"/>
+          </a:solidFill>
+        </p:spPr>
+        <p:style>
+          <a:lnRef idx="2">
+            <a:schemeClr val="accent1">
+              <a:shade val="50000"/>
+            </a:schemeClr>
+          </a:lnRef>
+          <a:fillRef idx="1">
+            <a:schemeClr val="accent1"/>
+          </a:fillRef>
+          <a:effectRef idx="0">
+            <a:schemeClr val="accent1"/>
+          </a:effectRef>
+          <a:fontRef idx="minor">
+            <a:schemeClr val="lt1"/>
+          </a:fontRef>
+        </p:style>
+        <p:txBody>
+          <a:bodyPr rtlCol="0" anchor="ctr"/>
+          <a:lstStyle/>
+          <a:p>
+            <a:pPr algn="ctr"/>
+            <a:endParaRPr lang="en-GB" dirty="0"/>
+          </a:p>
+        </p:txBody>
+      </p:sp>
+      <p:sp>
+        <p:nvSpPr>
+          <p:cNvPr id="159" name="Rectangle 158">
+            <a:extLst>
+              <a:ext uri="{FF2B5EF4-FFF2-40B4-BE49-F238E27FC236}">
+                <a16:creationId xmlns:a16="http://schemas.microsoft.com/office/drawing/2014/main" id="{FAEBB8D7-3087-48FC-8CA1-834DDE1F44A6}"/>
+              </a:ext>
+            </a:extLst>
+          </p:cNvPr>
+          <p:cNvSpPr/>
+          <p:nvPr/>
+        </p:nvSpPr>
+        <p:spPr>
+          <a:xfrm>
+            <a:off x="3301514" y="4103063"/>
+            <a:ext cx="483577" cy="461665"/>
+          </a:xfrm>
+          <a:prstGeom prst="rect">
+            <a:avLst/>
+          </a:prstGeom>
+          <a:solidFill>
+            <a:srgbClr val="FFC000"/>
+          </a:solidFill>
+        </p:spPr>
+        <p:style>
+          <a:lnRef idx="2">
+            <a:schemeClr val="accent1">
+              <a:shade val="50000"/>
+            </a:schemeClr>
+          </a:lnRef>
+          <a:fillRef idx="1">
+            <a:schemeClr val="accent1"/>
+          </a:fillRef>
+          <a:effectRef idx="0">
+            <a:schemeClr val="accent1"/>
+          </a:effectRef>
+          <a:fontRef idx="minor">
+            <a:schemeClr val="lt1"/>
+          </a:fontRef>
+        </p:style>
+        <p:txBody>
+          <a:bodyPr rtlCol="0" anchor="ctr"/>
+          <a:lstStyle/>
+          <a:p>
+            <a:pPr algn="ctr"/>
+            <a:endParaRPr lang="en-GB" dirty="0"/>
+          </a:p>
+        </p:txBody>
+      </p:sp>
+      <p:sp>
+        <p:nvSpPr>
+          <p:cNvPr id="160" name="Rectangle 159">
+            <a:extLst>
+              <a:ext uri="{FF2B5EF4-FFF2-40B4-BE49-F238E27FC236}">
+                <a16:creationId xmlns:a16="http://schemas.microsoft.com/office/drawing/2014/main" id="{96BA91A9-AFFE-4A8D-934C-A7FBE28A2A80}"/>
+              </a:ext>
+            </a:extLst>
+          </p:cNvPr>
+          <p:cNvSpPr/>
+          <p:nvPr/>
+        </p:nvSpPr>
+        <p:spPr>
+          <a:xfrm>
+            <a:off x="3301514" y="4591235"/>
+            <a:ext cx="483577" cy="461665"/>
+          </a:xfrm>
+          <a:prstGeom prst="rect">
+            <a:avLst/>
+          </a:prstGeom>
+          <a:solidFill>
+            <a:schemeClr val="bg1">
+              <a:lumMod val="75000"/>
+            </a:schemeClr>
+          </a:solidFill>
+        </p:spPr>
+        <p:style>
+          <a:lnRef idx="2">
+            <a:schemeClr val="accent1">
+              <a:shade val="50000"/>
+            </a:schemeClr>
+          </a:lnRef>
+          <a:fillRef idx="1">
+            <a:schemeClr val="accent1"/>
+          </a:fillRef>
+          <a:effectRef idx="0">
+            <a:schemeClr val="accent1"/>
+          </a:effectRef>
+          <a:fontRef idx="minor">
+            <a:schemeClr val="lt1"/>
+          </a:fontRef>
+        </p:style>
+        <p:txBody>
+          <a:bodyPr rtlCol="0" anchor="ctr"/>
+          <a:lstStyle/>
+          <a:p>
+            <a:pPr algn="ctr"/>
+            <a:r>
+              <a:rPr lang="en-GB" dirty="0">
+                <a:solidFill>
+                  <a:schemeClr val="tx1"/>
+                </a:solidFill>
+              </a:rPr>
+              <a:t>0</a:t>
+            </a:r>
+          </a:p>
+        </p:txBody>
+      </p:sp>
+      <p:sp>
+        <p:nvSpPr>
+          <p:cNvPr id="162" name="Rectangle 161">
+            <a:extLst>
+              <a:ext uri="{FF2B5EF4-FFF2-40B4-BE49-F238E27FC236}">
+                <a16:creationId xmlns:a16="http://schemas.microsoft.com/office/drawing/2014/main" id="{23AC048D-67F6-48F9-8376-605C9E48DFC7}"/>
+              </a:ext>
+            </a:extLst>
+          </p:cNvPr>
+          <p:cNvSpPr/>
+          <p:nvPr/>
+        </p:nvSpPr>
+        <p:spPr>
+          <a:xfrm>
+            <a:off x="3301514" y="5079407"/>
+            <a:ext cx="483577" cy="461665"/>
+          </a:xfrm>
+          <a:prstGeom prst="rect">
+            <a:avLst/>
+          </a:prstGeom>
+          <a:solidFill>
+            <a:schemeClr val="bg2">
+              <a:lumMod val="90000"/>
+            </a:schemeClr>
+          </a:solidFill>
+        </p:spPr>
+        <p:style>
+          <a:lnRef idx="2">
+            <a:schemeClr val="accent1">
+              <a:shade val="50000"/>
+            </a:schemeClr>
+          </a:lnRef>
+          <a:fillRef idx="1">
+            <a:schemeClr val="accent1"/>
+          </a:fillRef>
+          <a:effectRef idx="0">
+            <a:schemeClr val="accent1"/>
+          </a:effectRef>
+          <a:fontRef idx="minor">
+            <a:schemeClr val="lt1"/>
+          </a:fontRef>
+        </p:style>
+        <p:txBody>
+          <a:bodyPr rtlCol="0" anchor="ctr"/>
+          <a:lstStyle/>
+          <a:p>
+            <a:pPr algn="ctr"/>
+            <a:endParaRPr lang="en-GB"/>
+          </a:p>
+        </p:txBody>
+      </p:sp>
+      <p:sp>
+        <p:nvSpPr>
+          <p:cNvPr id="163" name="Rectangle 162">
+            <a:extLst>
+              <a:ext uri="{FF2B5EF4-FFF2-40B4-BE49-F238E27FC236}">
+                <a16:creationId xmlns:a16="http://schemas.microsoft.com/office/drawing/2014/main" id="{DFEA23D0-C8A9-4817-8D73-8D8D5D713265}"/>
+              </a:ext>
+            </a:extLst>
+          </p:cNvPr>
+          <p:cNvSpPr/>
+          <p:nvPr/>
+        </p:nvSpPr>
+        <p:spPr>
+          <a:xfrm>
+            <a:off x="3301514" y="5567579"/>
+            <a:ext cx="483577" cy="461665"/>
+          </a:xfrm>
+          <a:prstGeom prst="rect">
+            <a:avLst/>
+          </a:prstGeom>
+          <a:solidFill>
+            <a:schemeClr val="bg2">
+              <a:lumMod val="90000"/>
+            </a:schemeClr>
+          </a:solidFill>
+        </p:spPr>
+        <p:style>
+          <a:lnRef idx="2">
+            <a:schemeClr val="accent1">
+              <a:shade val="50000"/>
+            </a:schemeClr>
+          </a:lnRef>
+          <a:fillRef idx="1">
+            <a:schemeClr val="accent1"/>
+          </a:fillRef>
+          <a:effectRef idx="0">
+            <a:schemeClr val="accent1"/>
+          </a:effectRef>
+          <a:fontRef idx="minor">
+            <a:schemeClr val="lt1"/>
+          </a:fontRef>
+        </p:style>
+        <p:txBody>
+          <a:bodyPr rtlCol="0" anchor="ctr"/>
+          <a:lstStyle/>
+          <a:p>
+            <a:pPr algn="ctr"/>
+            <a:endParaRPr lang="en-GB" dirty="0"/>
+          </a:p>
+        </p:txBody>
+      </p:sp>
+      <p:sp>
+        <p:nvSpPr>
+          <p:cNvPr id="165" name="Rectangle 164">
+            <a:extLst>
+              <a:ext uri="{FF2B5EF4-FFF2-40B4-BE49-F238E27FC236}">
+                <a16:creationId xmlns:a16="http://schemas.microsoft.com/office/drawing/2014/main" id="{7A7C967F-9A52-4F10-8974-A99D3BD51943}"/>
+              </a:ext>
+            </a:extLst>
+          </p:cNvPr>
+          <p:cNvSpPr/>
+          <p:nvPr/>
+        </p:nvSpPr>
+        <p:spPr>
+          <a:xfrm>
+            <a:off x="3811942" y="3614891"/>
+            <a:ext cx="483577" cy="461665"/>
+          </a:xfrm>
+          <a:prstGeom prst="rect">
+            <a:avLst/>
+          </a:prstGeom>
+          <a:solidFill>
+            <a:srgbClr val="FFC000"/>
+          </a:solidFill>
+        </p:spPr>
+        <p:style>
+          <a:lnRef idx="2">
+            <a:schemeClr val="accent1">
+              <a:shade val="50000"/>
+            </a:schemeClr>
+          </a:lnRef>
+          <a:fillRef idx="1">
+            <a:schemeClr val="accent1"/>
+          </a:fillRef>
+          <a:effectRef idx="0">
+            <a:schemeClr val="accent1"/>
+          </a:effectRef>
+          <a:fontRef idx="minor">
+            <a:schemeClr val="lt1"/>
+          </a:fontRef>
+        </p:style>
+        <p:txBody>
+          <a:bodyPr rtlCol="0" anchor="ctr"/>
+          <a:lstStyle/>
+          <a:p>
+            <a:pPr algn="ctr"/>
+            <a:endParaRPr lang="en-GB" dirty="0"/>
+          </a:p>
+        </p:txBody>
+      </p:sp>
+      <p:sp>
+        <p:nvSpPr>
+          <p:cNvPr id="166" name="Rectangle 165">
+            <a:extLst>
+              <a:ext uri="{FF2B5EF4-FFF2-40B4-BE49-F238E27FC236}">
+                <a16:creationId xmlns:a16="http://schemas.microsoft.com/office/drawing/2014/main" id="{4703AF5E-F048-4DDC-B4CF-F8246F332685}"/>
+              </a:ext>
+            </a:extLst>
+          </p:cNvPr>
+          <p:cNvSpPr/>
+          <p:nvPr/>
+        </p:nvSpPr>
+        <p:spPr>
+          <a:xfrm>
+            <a:off x="3811942" y="4103063"/>
+            <a:ext cx="483577" cy="461665"/>
+          </a:xfrm>
+          <a:prstGeom prst="rect">
+            <a:avLst/>
+          </a:prstGeom>
+          <a:solidFill>
+            <a:srgbClr val="FFC000"/>
+          </a:solidFill>
+        </p:spPr>
+        <p:style>
+          <a:lnRef idx="2">
+            <a:schemeClr val="accent1">
+              <a:shade val="50000"/>
+            </a:schemeClr>
+          </a:lnRef>
+          <a:fillRef idx="1">
+            <a:schemeClr val="accent1"/>
+          </a:fillRef>
+          <a:effectRef idx="0">
+            <a:schemeClr val="accent1"/>
+          </a:effectRef>
+          <a:fontRef idx="minor">
+            <a:schemeClr val="lt1"/>
+          </a:fontRef>
+        </p:style>
+        <p:txBody>
+          <a:bodyPr rtlCol="0" anchor="ctr"/>
+          <a:lstStyle/>
+          <a:p>
+            <a:pPr algn="ctr"/>
+            <a:endParaRPr lang="en-GB" dirty="0"/>
+          </a:p>
+        </p:txBody>
+      </p:sp>
+      <p:sp>
+        <p:nvSpPr>
+          <p:cNvPr id="168" name="Rectangle 167">
+            <a:extLst>
+              <a:ext uri="{FF2B5EF4-FFF2-40B4-BE49-F238E27FC236}">
+                <a16:creationId xmlns:a16="http://schemas.microsoft.com/office/drawing/2014/main" id="{317D2FB0-C57E-42B9-971B-681D81AD8169}"/>
+              </a:ext>
+            </a:extLst>
+          </p:cNvPr>
+          <p:cNvSpPr/>
+          <p:nvPr/>
+        </p:nvSpPr>
+        <p:spPr>
+          <a:xfrm>
+            <a:off x="3811942" y="4591235"/>
+            <a:ext cx="483577" cy="461665"/>
+          </a:xfrm>
+          <a:prstGeom prst="rect">
+            <a:avLst/>
+          </a:prstGeom>
+          <a:solidFill>
+            <a:srgbClr val="FFC000"/>
+          </a:solidFill>
+        </p:spPr>
+        <p:style>
+          <a:lnRef idx="2">
+            <a:schemeClr val="accent1">
+              <a:shade val="50000"/>
+            </a:schemeClr>
+          </a:lnRef>
+          <a:fillRef idx="1">
+            <a:schemeClr val="accent1"/>
+          </a:fillRef>
+          <a:effectRef idx="0">
+            <a:schemeClr val="accent1"/>
+          </a:effectRef>
+          <a:fontRef idx="minor">
+            <a:schemeClr val="lt1"/>
+          </a:fontRef>
+        </p:style>
+        <p:txBody>
+          <a:bodyPr rtlCol="0" anchor="ctr"/>
+          <a:lstStyle/>
+          <a:p>
+            <a:pPr algn="ctr"/>
+            <a:endParaRPr lang="en-GB" dirty="0"/>
+          </a:p>
+        </p:txBody>
+      </p:sp>
+      <p:sp>
+        <p:nvSpPr>
+          <p:cNvPr id="169" name="Rectangle 168">
+            <a:extLst>
+              <a:ext uri="{FF2B5EF4-FFF2-40B4-BE49-F238E27FC236}">
+                <a16:creationId xmlns:a16="http://schemas.microsoft.com/office/drawing/2014/main" id="{6725D031-6AEA-47DA-AF2F-8E43F3DE4118}"/>
+              </a:ext>
+            </a:extLst>
+          </p:cNvPr>
+          <p:cNvSpPr/>
+          <p:nvPr/>
+        </p:nvSpPr>
+        <p:spPr>
+          <a:xfrm>
+            <a:off x="3811942" y="5079407"/>
+            <a:ext cx="483577" cy="461665"/>
+          </a:xfrm>
+          <a:prstGeom prst="rect">
+            <a:avLst/>
+          </a:prstGeom>
+          <a:solidFill>
+            <a:schemeClr val="bg1">
+              <a:lumMod val="75000"/>
+            </a:schemeClr>
+          </a:solidFill>
+        </p:spPr>
+        <p:style>
+          <a:lnRef idx="2">
+            <a:schemeClr val="accent1">
+              <a:shade val="50000"/>
+            </a:schemeClr>
+          </a:lnRef>
+          <a:fillRef idx="1">
+            <a:schemeClr val="accent1"/>
+          </a:fillRef>
+          <a:effectRef idx="0">
+            <a:schemeClr val="accent1"/>
+          </a:effectRef>
+          <a:fontRef idx="minor">
+            <a:schemeClr val="lt1"/>
+          </a:fontRef>
+        </p:style>
+        <p:txBody>
+          <a:bodyPr rtlCol="0" anchor="ctr"/>
+          <a:lstStyle/>
+          <a:p>
+            <a:pPr algn="ctr"/>
+            <a:r>
+              <a:rPr lang="en-GB" dirty="0">
+                <a:solidFill>
+                  <a:schemeClr val="tx1"/>
+                </a:solidFill>
+              </a:rPr>
+              <a:t>0</a:t>
+            </a:r>
+          </a:p>
+        </p:txBody>
+      </p:sp>
+      <p:sp>
+        <p:nvSpPr>
+          <p:cNvPr id="171" name="Rectangle 170">
+            <a:extLst>
+              <a:ext uri="{FF2B5EF4-FFF2-40B4-BE49-F238E27FC236}">
+                <a16:creationId xmlns:a16="http://schemas.microsoft.com/office/drawing/2014/main" id="{006B8B6E-E061-4292-827B-A5875B0FB652}"/>
+              </a:ext>
+            </a:extLst>
+          </p:cNvPr>
+          <p:cNvSpPr/>
+          <p:nvPr/>
+        </p:nvSpPr>
+        <p:spPr>
+          <a:xfrm>
+            <a:off x="3811942" y="5567579"/>
+            <a:ext cx="483577" cy="461665"/>
+          </a:xfrm>
+          <a:prstGeom prst="rect">
+            <a:avLst/>
+          </a:prstGeom>
+          <a:solidFill>
+            <a:schemeClr val="bg2">
+              <a:lumMod val="90000"/>
+            </a:schemeClr>
+          </a:solidFill>
+        </p:spPr>
+        <p:style>
+          <a:lnRef idx="2">
+            <a:schemeClr val="accent1">
+              <a:shade val="50000"/>
+            </a:schemeClr>
+          </a:lnRef>
+          <a:fillRef idx="1">
+            <a:schemeClr val="accent1"/>
+          </a:fillRef>
+          <a:effectRef idx="0">
+            <a:schemeClr val="accent1"/>
+          </a:effectRef>
+          <a:fontRef idx="minor">
+            <a:schemeClr val="lt1"/>
+          </a:fontRef>
+        </p:style>
+        <p:txBody>
+          <a:bodyPr rtlCol="0" anchor="ctr"/>
+          <a:lstStyle/>
+          <a:p>
+            <a:pPr algn="ctr"/>
+            <a:endParaRPr lang="en-GB" dirty="0"/>
+          </a:p>
+        </p:txBody>
+      </p:sp>
+      <p:sp>
+        <p:nvSpPr>
+          <p:cNvPr id="172" name="Rectangle 171">
+            <a:extLst>
+              <a:ext uri="{FF2B5EF4-FFF2-40B4-BE49-F238E27FC236}">
+                <a16:creationId xmlns:a16="http://schemas.microsoft.com/office/drawing/2014/main" id="{915B8D62-03A8-4E54-84E4-94C9D8E140BD}"/>
+              </a:ext>
+            </a:extLst>
+          </p:cNvPr>
+          <p:cNvSpPr/>
+          <p:nvPr/>
+        </p:nvSpPr>
+        <p:spPr>
+          <a:xfrm>
+            <a:off x="4322370" y="3614891"/>
+            <a:ext cx="483577" cy="461665"/>
+          </a:xfrm>
+          <a:prstGeom prst="rect">
+            <a:avLst/>
+          </a:prstGeom>
+          <a:solidFill>
+            <a:srgbClr val="FFC000"/>
+          </a:solidFill>
+        </p:spPr>
+        <p:style>
+          <a:lnRef idx="2">
+            <a:schemeClr val="accent1">
+              <a:shade val="50000"/>
+            </a:schemeClr>
+          </a:lnRef>
+          <a:fillRef idx="1">
+            <a:schemeClr val="accent1"/>
+          </a:fillRef>
+          <a:effectRef idx="0">
+            <a:schemeClr val="accent1"/>
+          </a:effectRef>
+          <a:fontRef idx="minor">
+            <a:schemeClr val="lt1"/>
+          </a:fontRef>
+        </p:style>
+        <p:txBody>
+          <a:bodyPr rtlCol="0" anchor="ctr"/>
+          <a:lstStyle/>
+          <a:p>
+            <a:pPr algn="ctr"/>
+            <a:endParaRPr lang="en-GB" dirty="0"/>
+          </a:p>
+        </p:txBody>
+      </p:sp>
+      <p:sp>
+        <p:nvSpPr>
+          <p:cNvPr id="174" name="Rectangle 173">
+            <a:extLst>
+              <a:ext uri="{FF2B5EF4-FFF2-40B4-BE49-F238E27FC236}">
+                <a16:creationId xmlns:a16="http://schemas.microsoft.com/office/drawing/2014/main" id="{7033B9D4-5807-4C40-9543-F7C3443E2707}"/>
+              </a:ext>
+            </a:extLst>
+          </p:cNvPr>
+          <p:cNvSpPr/>
+          <p:nvPr/>
+        </p:nvSpPr>
+        <p:spPr>
+          <a:xfrm>
+            <a:off x="4322370" y="4103063"/>
+            <a:ext cx="483577" cy="461665"/>
+          </a:xfrm>
+          <a:prstGeom prst="rect">
+            <a:avLst/>
+          </a:prstGeom>
+          <a:solidFill>
+            <a:srgbClr val="FFC000"/>
+          </a:solidFill>
+        </p:spPr>
+        <p:style>
+          <a:lnRef idx="2">
+            <a:schemeClr val="accent1">
+              <a:shade val="50000"/>
+            </a:schemeClr>
+          </a:lnRef>
+          <a:fillRef idx="1">
+            <a:schemeClr val="accent1"/>
+          </a:fillRef>
+          <a:effectRef idx="0">
+            <a:schemeClr val="accent1"/>
+          </a:effectRef>
+          <a:fontRef idx="minor">
+            <a:schemeClr val="lt1"/>
+          </a:fontRef>
+        </p:style>
+        <p:txBody>
+          <a:bodyPr rtlCol="0" anchor="ctr"/>
+          <a:lstStyle/>
+          <a:p>
+            <a:pPr algn="ctr"/>
+            <a:r>
+              <a:rPr lang="en-GB" dirty="0">
+                <a:solidFill>
+                  <a:schemeClr val="tx1"/>
+                </a:solidFill>
+              </a:rPr>
+              <a:t>v</a:t>
+            </a:r>
+          </a:p>
+        </p:txBody>
+      </p:sp>
+      <p:sp>
+        <p:nvSpPr>
+          <p:cNvPr id="175" name="Rectangle 174">
+            <a:extLst>
+              <a:ext uri="{FF2B5EF4-FFF2-40B4-BE49-F238E27FC236}">
+                <a16:creationId xmlns:a16="http://schemas.microsoft.com/office/drawing/2014/main" id="{BFD936E7-DAA8-452C-ACB2-ECE71AE7E7D5}"/>
+              </a:ext>
+            </a:extLst>
+          </p:cNvPr>
+          <p:cNvSpPr/>
+          <p:nvPr/>
+        </p:nvSpPr>
+        <p:spPr>
+          <a:xfrm>
+            <a:off x="4322370" y="4591235"/>
+            <a:ext cx="483577" cy="461665"/>
+          </a:xfrm>
+          <a:prstGeom prst="rect">
+            <a:avLst/>
+          </a:prstGeom>
+          <a:solidFill>
+            <a:srgbClr val="FFC000"/>
+          </a:solidFill>
+        </p:spPr>
+        <p:style>
+          <a:lnRef idx="2">
+            <a:schemeClr val="accent1">
+              <a:shade val="50000"/>
+            </a:schemeClr>
+          </a:lnRef>
+          <a:fillRef idx="1">
+            <a:schemeClr val="accent1"/>
+          </a:fillRef>
+          <a:effectRef idx="0">
+            <a:schemeClr val="accent1"/>
+          </a:effectRef>
+          <a:fontRef idx="minor">
+            <a:schemeClr val="lt1"/>
+          </a:fontRef>
+        </p:style>
+        <p:txBody>
+          <a:bodyPr rtlCol="0" anchor="ctr"/>
+          <a:lstStyle/>
+          <a:p>
+            <a:pPr algn="ctr"/>
+            <a:endParaRPr lang="en-GB" dirty="0"/>
+          </a:p>
+        </p:txBody>
+      </p:sp>
+      <p:sp>
+        <p:nvSpPr>
+          <p:cNvPr id="177" name="Rectangle 176">
+            <a:extLst>
+              <a:ext uri="{FF2B5EF4-FFF2-40B4-BE49-F238E27FC236}">
+                <a16:creationId xmlns:a16="http://schemas.microsoft.com/office/drawing/2014/main" id="{290B07F5-8C03-4C88-817A-0CE7F6497F02}"/>
+              </a:ext>
+            </a:extLst>
+          </p:cNvPr>
+          <p:cNvSpPr/>
+          <p:nvPr/>
+        </p:nvSpPr>
+        <p:spPr>
+          <a:xfrm>
+            <a:off x="4322370" y="5079407"/>
+            <a:ext cx="483577" cy="461665"/>
+          </a:xfrm>
+          <a:prstGeom prst="rect">
+            <a:avLst/>
+          </a:prstGeom>
+          <a:solidFill>
+            <a:srgbClr val="FFC000"/>
+          </a:solidFill>
+        </p:spPr>
+        <p:style>
+          <a:lnRef idx="2">
+            <a:schemeClr val="accent1">
+              <a:shade val="50000"/>
+            </a:schemeClr>
+          </a:lnRef>
+          <a:fillRef idx="1">
+            <a:schemeClr val="accent1"/>
+          </a:fillRef>
+          <a:effectRef idx="0">
+            <a:schemeClr val="accent1"/>
+          </a:effectRef>
+          <a:fontRef idx="minor">
+            <a:schemeClr val="lt1"/>
+          </a:fontRef>
+        </p:style>
+        <p:txBody>
+          <a:bodyPr rtlCol="0" anchor="ctr"/>
+          <a:lstStyle/>
+          <a:p>
+            <a:pPr algn="ctr"/>
+            <a:endParaRPr lang="en-GB"/>
+          </a:p>
+        </p:txBody>
+      </p:sp>
+      <p:sp>
+        <p:nvSpPr>
+          <p:cNvPr id="178" name="Rectangle 177">
+            <a:extLst>
+              <a:ext uri="{FF2B5EF4-FFF2-40B4-BE49-F238E27FC236}">
+                <a16:creationId xmlns:a16="http://schemas.microsoft.com/office/drawing/2014/main" id="{140783D1-032E-40CD-996E-293959A3A438}"/>
+              </a:ext>
+            </a:extLst>
+          </p:cNvPr>
+          <p:cNvSpPr/>
+          <p:nvPr/>
+        </p:nvSpPr>
+        <p:spPr>
+          <a:xfrm>
+            <a:off x="4322370" y="5567579"/>
+            <a:ext cx="483577" cy="461665"/>
+          </a:xfrm>
+          <a:prstGeom prst="rect">
+            <a:avLst/>
+          </a:prstGeom>
+          <a:solidFill>
+            <a:schemeClr val="bg1">
+              <a:lumMod val="75000"/>
+            </a:schemeClr>
+          </a:solidFill>
+        </p:spPr>
+        <p:style>
+          <a:lnRef idx="2">
+            <a:schemeClr val="accent1">
+              <a:shade val="50000"/>
+            </a:schemeClr>
+          </a:lnRef>
+          <a:fillRef idx="1">
+            <a:schemeClr val="accent1"/>
+          </a:fillRef>
+          <a:effectRef idx="0">
+            <a:schemeClr val="accent1"/>
+          </a:effectRef>
+          <a:fontRef idx="minor">
+            <a:schemeClr val="lt1"/>
+          </a:fontRef>
+        </p:style>
+        <p:txBody>
+          <a:bodyPr rtlCol="0" anchor="ctr"/>
+          <a:lstStyle/>
+          <a:p>
+            <a:pPr algn="ctr"/>
+            <a:r>
+              <a:rPr lang="en-GB">
+                <a:solidFill>
+                  <a:schemeClr val="tx1"/>
+                </a:solidFill>
+              </a:rPr>
+              <a:t>0</a:t>
+            </a:r>
+            <a:endParaRPr lang="en-GB" dirty="0">
+              <a:solidFill>
+                <a:schemeClr val="tx1"/>
+              </a:solidFill>
+            </a:endParaRPr>
+          </a:p>
+        </p:txBody>
+      </p:sp>
+      <p:sp>
+        <p:nvSpPr>
+          <p:cNvPr id="181" name="Rectangle 180">
+            <a:extLst>
+              <a:ext uri="{FF2B5EF4-FFF2-40B4-BE49-F238E27FC236}">
+                <a16:creationId xmlns:a16="http://schemas.microsoft.com/office/drawing/2014/main" id="{03046F60-20C8-4617-9B8D-F5D1912A7793}"/>
+              </a:ext>
+            </a:extLst>
+          </p:cNvPr>
+          <p:cNvSpPr/>
+          <p:nvPr/>
+        </p:nvSpPr>
+        <p:spPr>
+          <a:xfrm>
+            <a:off x="6412587" y="2682907"/>
+            <a:ext cx="483577" cy="461665"/>
+          </a:xfrm>
+          <a:prstGeom prst="rect">
+            <a:avLst/>
+          </a:prstGeom>
+          <a:solidFill>
+            <a:schemeClr val="accent6">
+              <a:lumMod val="60000"/>
+              <a:lumOff val="40000"/>
+            </a:schemeClr>
+          </a:solidFill>
+        </p:spPr>
+        <p:style>
+          <a:lnRef idx="2">
+            <a:schemeClr val="accent1">
+              <a:shade val="50000"/>
+            </a:schemeClr>
+          </a:lnRef>
+          <a:fillRef idx="1">
+            <a:schemeClr val="accent1"/>
+          </a:fillRef>
+          <a:effectRef idx="0">
+            <a:schemeClr val="accent1"/>
+          </a:effectRef>
+          <a:fontRef idx="minor">
+            <a:schemeClr val="lt1"/>
+          </a:fontRef>
+        </p:style>
+        <p:txBody>
+          <a:bodyPr rtlCol="0" anchor="ctr"/>
+          <a:lstStyle/>
+          <a:p>
+            <a:pPr algn="ctr"/>
+            <a:r>
+              <a:rPr lang="en-GB" dirty="0"/>
+              <a:t>v2</a:t>
+            </a:r>
+          </a:p>
+        </p:txBody>
+      </p:sp>
+      <p:sp>
+        <p:nvSpPr>
+          <p:cNvPr id="183" name="Rectangle 182">
+            <a:extLst>
+              <a:ext uri="{FF2B5EF4-FFF2-40B4-BE49-F238E27FC236}">
+                <a16:creationId xmlns:a16="http://schemas.microsoft.com/office/drawing/2014/main" id="{B1D9B311-16E7-4992-B777-95C295857BB7}"/>
+              </a:ext>
+            </a:extLst>
+          </p:cNvPr>
+          <p:cNvSpPr/>
+          <p:nvPr/>
+        </p:nvSpPr>
+        <p:spPr>
+          <a:xfrm>
+            <a:off x="6923015" y="2682907"/>
+            <a:ext cx="483577" cy="461665"/>
+          </a:xfrm>
+          <a:prstGeom prst="rect">
+            <a:avLst/>
+          </a:prstGeom>
+          <a:solidFill>
+            <a:schemeClr val="accent6">
+              <a:lumMod val="60000"/>
+              <a:lumOff val="40000"/>
+            </a:schemeClr>
+          </a:solidFill>
+        </p:spPr>
+        <p:style>
+          <a:lnRef idx="2">
+            <a:schemeClr val="accent1">
+              <a:shade val="50000"/>
+            </a:schemeClr>
+          </a:lnRef>
+          <a:fillRef idx="1">
+            <a:schemeClr val="accent1"/>
+          </a:fillRef>
+          <a:effectRef idx="0">
+            <a:schemeClr val="accent1"/>
+          </a:effectRef>
+          <a:fontRef idx="minor">
+            <a:schemeClr val="lt1"/>
+          </a:fontRef>
+        </p:style>
+        <p:txBody>
+          <a:bodyPr rtlCol="0" anchor="ctr"/>
+          <a:lstStyle/>
+          <a:p>
+            <a:pPr algn="ctr"/>
+            <a:r>
+              <a:rPr lang="en-GB" dirty="0"/>
+              <a:t>v3</a:t>
+            </a:r>
+          </a:p>
+        </p:txBody>
+      </p:sp>
+      <p:sp>
+        <p:nvSpPr>
+          <p:cNvPr id="184" name="Rectangle 183">
+            <a:extLst>
+              <a:ext uri="{FF2B5EF4-FFF2-40B4-BE49-F238E27FC236}">
+                <a16:creationId xmlns:a16="http://schemas.microsoft.com/office/drawing/2014/main" id="{A94110CB-7815-4F8B-9876-E41354DA6C0C}"/>
+              </a:ext>
+            </a:extLst>
+          </p:cNvPr>
+          <p:cNvSpPr/>
+          <p:nvPr/>
+        </p:nvSpPr>
+        <p:spPr>
+          <a:xfrm>
+            <a:off x="7433443" y="2682907"/>
+            <a:ext cx="483577" cy="461665"/>
+          </a:xfrm>
+          <a:prstGeom prst="rect">
+            <a:avLst/>
+          </a:prstGeom>
+          <a:solidFill>
+            <a:schemeClr val="accent6">
+              <a:lumMod val="60000"/>
+              <a:lumOff val="40000"/>
+            </a:schemeClr>
+          </a:solidFill>
+        </p:spPr>
+        <p:style>
+          <a:lnRef idx="2">
+            <a:schemeClr val="accent1">
+              <a:shade val="50000"/>
+            </a:schemeClr>
+          </a:lnRef>
+          <a:fillRef idx="1">
+            <a:schemeClr val="accent1"/>
+          </a:fillRef>
+          <a:effectRef idx="0">
+            <a:schemeClr val="accent1"/>
+          </a:effectRef>
+          <a:fontRef idx="minor">
+            <a:schemeClr val="lt1"/>
+          </a:fontRef>
+        </p:style>
+        <p:txBody>
+          <a:bodyPr rtlCol="0" anchor="ctr"/>
+          <a:lstStyle/>
+          <a:p>
+            <a:pPr algn="ctr"/>
+            <a:endParaRPr lang="en-GB"/>
+          </a:p>
+        </p:txBody>
+      </p:sp>
+      <p:sp>
+        <p:nvSpPr>
+          <p:cNvPr id="186" name="Rectangle 185">
+            <a:extLst>
+              <a:ext uri="{FF2B5EF4-FFF2-40B4-BE49-F238E27FC236}">
+                <a16:creationId xmlns:a16="http://schemas.microsoft.com/office/drawing/2014/main" id="{450CF98F-7D41-4BA7-83EF-9EC84C13AD87}"/>
+              </a:ext>
+            </a:extLst>
+          </p:cNvPr>
+          <p:cNvSpPr/>
+          <p:nvPr/>
+        </p:nvSpPr>
+        <p:spPr>
+          <a:xfrm>
+            <a:off x="7943871" y="2682907"/>
+            <a:ext cx="483577" cy="461665"/>
+          </a:xfrm>
+          <a:prstGeom prst="rect">
+            <a:avLst/>
+          </a:prstGeom>
+          <a:solidFill>
+            <a:schemeClr val="accent6">
+              <a:lumMod val="60000"/>
+              <a:lumOff val="40000"/>
+            </a:schemeClr>
+          </a:solidFill>
+        </p:spPr>
+        <p:style>
+          <a:lnRef idx="2">
+            <a:schemeClr val="accent1">
+              <a:shade val="50000"/>
+            </a:schemeClr>
+          </a:lnRef>
+          <a:fillRef idx="1">
+            <a:schemeClr val="accent1"/>
+          </a:fillRef>
+          <a:effectRef idx="0">
+            <a:schemeClr val="accent1"/>
+          </a:effectRef>
+          <a:fontRef idx="minor">
+            <a:schemeClr val="lt1"/>
+          </a:fontRef>
+        </p:style>
+        <p:txBody>
+          <a:bodyPr rtlCol="0" anchor="ctr"/>
+          <a:lstStyle/>
+          <a:p>
+            <a:pPr algn="ctr"/>
+            <a:r>
+              <a:rPr lang="en-GB" dirty="0" err="1"/>
+              <a:t>vk</a:t>
+            </a:r>
+            <a:endParaRPr lang="en-GB" dirty="0"/>
+          </a:p>
+        </p:txBody>
+      </p:sp>
+      <p:sp>
+        <p:nvSpPr>
+          <p:cNvPr id="187" name="Rectangle 186">
+            <a:extLst>
+              <a:ext uri="{FF2B5EF4-FFF2-40B4-BE49-F238E27FC236}">
+                <a16:creationId xmlns:a16="http://schemas.microsoft.com/office/drawing/2014/main" id="{F3CA942D-CAD2-410D-B1E2-D4F7E92F01E9}"/>
+              </a:ext>
+            </a:extLst>
+          </p:cNvPr>
+          <p:cNvSpPr/>
+          <p:nvPr/>
+        </p:nvSpPr>
+        <p:spPr>
+          <a:xfrm>
+            <a:off x="8454299" y="2682907"/>
+            <a:ext cx="483577" cy="461665"/>
+          </a:xfrm>
+          <a:prstGeom prst="rect">
+            <a:avLst/>
+          </a:prstGeom>
+          <a:solidFill>
+            <a:schemeClr val="accent6">
+              <a:lumMod val="60000"/>
+              <a:lumOff val="40000"/>
+            </a:schemeClr>
+          </a:solidFill>
+        </p:spPr>
+        <p:style>
+          <a:lnRef idx="2">
+            <a:schemeClr val="accent1">
+              <a:shade val="50000"/>
+            </a:schemeClr>
+          </a:lnRef>
+          <a:fillRef idx="1">
+            <a:schemeClr val="accent1"/>
+          </a:fillRef>
+          <a:effectRef idx="0">
+            <a:schemeClr val="accent1"/>
+          </a:effectRef>
+          <a:fontRef idx="minor">
+            <a:schemeClr val="lt1"/>
+          </a:fontRef>
+        </p:style>
+        <p:txBody>
+          <a:bodyPr rtlCol="0" anchor="ctr"/>
+          <a:lstStyle/>
+          <a:p>
+            <a:pPr algn="ctr"/>
+            <a:r>
+              <a:rPr lang="en-GB" dirty="0"/>
+              <a:t>v3</a:t>
+            </a:r>
+          </a:p>
+        </p:txBody>
+      </p:sp>
+      <p:sp>
+        <p:nvSpPr>
+          <p:cNvPr id="189" name="Rectangle 188">
+            <a:extLst>
+              <a:ext uri="{FF2B5EF4-FFF2-40B4-BE49-F238E27FC236}">
+                <a16:creationId xmlns:a16="http://schemas.microsoft.com/office/drawing/2014/main" id="{26704AC9-E9F5-4038-BC1E-27BBC4714755}"/>
+              </a:ext>
+            </a:extLst>
+          </p:cNvPr>
+          <p:cNvSpPr/>
+          <p:nvPr/>
+        </p:nvSpPr>
+        <p:spPr>
+          <a:xfrm>
+            <a:off x="8964727" y="2682907"/>
+            <a:ext cx="483577" cy="461665"/>
+          </a:xfrm>
+          <a:prstGeom prst="rect">
+            <a:avLst/>
+          </a:prstGeom>
+          <a:solidFill>
+            <a:schemeClr val="accent6">
+              <a:lumMod val="60000"/>
+              <a:lumOff val="40000"/>
+            </a:schemeClr>
+          </a:solidFill>
+        </p:spPr>
+        <p:style>
+          <a:lnRef idx="2">
+            <a:schemeClr val="accent1">
+              <a:shade val="50000"/>
+            </a:schemeClr>
+          </a:lnRef>
+          <a:fillRef idx="1">
+            <a:schemeClr val="accent1"/>
+          </a:fillRef>
+          <a:effectRef idx="0">
+            <a:schemeClr val="accent1"/>
+          </a:effectRef>
+          <a:fontRef idx="minor">
+            <a:schemeClr val="lt1"/>
+          </a:fontRef>
+        </p:style>
+        <p:txBody>
+          <a:bodyPr rtlCol="0" anchor="ctr"/>
+          <a:lstStyle/>
+          <a:p>
+            <a:pPr algn="ctr"/>
+            <a:endParaRPr lang="en-GB"/>
+          </a:p>
+        </p:txBody>
+      </p:sp>
+      <p:sp>
+        <p:nvSpPr>
+          <p:cNvPr id="190" name="Rectangle 189">
+            <a:extLst>
+              <a:ext uri="{FF2B5EF4-FFF2-40B4-BE49-F238E27FC236}">
+                <a16:creationId xmlns:a16="http://schemas.microsoft.com/office/drawing/2014/main" id="{FD1DE105-73DA-4383-AFF2-C5C8D8FEE473}"/>
+              </a:ext>
+            </a:extLst>
+          </p:cNvPr>
+          <p:cNvSpPr/>
+          <p:nvPr/>
+        </p:nvSpPr>
+        <p:spPr>
+          <a:xfrm>
+            <a:off x="9475155" y="2682907"/>
+            <a:ext cx="483577" cy="461665"/>
+          </a:xfrm>
+          <a:prstGeom prst="rect">
+            <a:avLst/>
+          </a:prstGeom>
+          <a:solidFill>
+            <a:schemeClr val="accent6">
+              <a:lumMod val="60000"/>
+              <a:lumOff val="40000"/>
+            </a:schemeClr>
+          </a:solidFill>
+        </p:spPr>
+        <p:style>
+          <a:lnRef idx="2">
+            <a:schemeClr val="accent1">
+              <a:shade val="50000"/>
+            </a:schemeClr>
+          </a:lnRef>
+          <a:fillRef idx="1">
+            <a:schemeClr val="accent1"/>
+          </a:fillRef>
+          <a:effectRef idx="0">
+            <a:schemeClr val="accent1"/>
+          </a:effectRef>
+          <a:fontRef idx="minor">
+            <a:schemeClr val="lt1"/>
+          </a:fontRef>
+        </p:style>
+        <p:txBody>
+          <a:bodyPr rtlCol="0" anchor="ctr"/>
+          <a:lstStyle/>
+          <a:p>
+            <a:pPr algn="ctr"/>
+            <a:r>
+              <a:rPr lang="en-GB" dirty="0" err="1"/>
+              <a:t>vk</a:t>
+            </a:r>
+            <a:endParaRPr lang="en-GB" dirty="0"/>
+          </a:p>
+        </p:txBody>
+      </p:sp>
+      <p:sp>
+        <p:nvSpPr>
+          <p:cNvPr id="192" name="Rectangle 191">
+            <a:extLst>
+              <a:ext uri="{FF2B5EF4-FFF2-40B4-BE49-F238E27FC236}">
+                <a16:creationId xmlns:a16="http://schemas.microsoft.com/office/drawing/2014/main" id="{3B31926D-FFD5-4110-B3E8-B3E082EA4E9A}"/>
+              </a:ext>
+            </a:extLst>
+          </p:cNvPr>
+          <p:cNvSpPr/>
+          <p:nvPr/>
+        </p:nvSpPr>
+        <p:spPr>
+          <a:xfrm>
+            <a:off x="9985583" y="2682907"/>
+            <a:ext cx="483577" cy="461665"/>
+          </a:xfrm>
+          <a:prstGeom prst="rect">
+            <a:avLst/>
+          </a:prstGeom>
+          <a:solidFill>
+            <a:schemeClr val="accent6">
+              <a:lumMod val="60000"/>
+              <a:lumOff val="40000"/>
+            </a:schemeClr>
+          </a:solidFill>
+        </p:spPr>
+        <p:style>
+          <a:lnRef idx="2">
+            <a:schemeClr val="accent1">
+              <a:shade val="50000"/>
+            </a:schemeClr>
+          </a:lnRef>
+          <a:fillRef idx="1">
+            <a:schemeClr val="accent1"/>
+          </a:fillRef>
+          <a:effectRef idx="0">
+            <a:schemeClr val="accent1"/>
+          </a:effectRef>
+          <a:fontRef idx="minor">
+            <a:schemeClr val="lt1"/>
+          </a:fontRef>
+        </p:style>
+        <p:txBody>
+          <a:bodyPr rtlCol="0" anchor="ctr"/>
+          <a:lstStyle/>
+          <a:p>
+            <a:pPr algn="ctr"/>
+            <a:endParaRPr lang="en-GB"/>
+          </a:p>
+        </p:txBody>
+      </p:sp>
+      <p:sp>
+        <p:nvSpPr>
+          <p:cNvPr id="193" name="Rectangle 192">
+            <a:extLst>
+              <a:ext uri="{FF2B5EF4-FFF2-40B4-BE49-F238E27FC236}">
+                <a16:creationId xmlns:a16="http://schemas.microsoft.com/office/drawing/2014/main" id="{D9F3D714-ED5C-4596-95EA-B48072236E85}"/>
+              </a:ext>
+            </a:extLst>
+          </p:cNvPr>
+          <p:cNvSpPr/>
+          <p:nvPr/>
+        </p:nvSpPr>
+        <p:spPr>
+          <a:xfrm>
+            <a:off x="10496011" y="2682907"/>
+            <a:ext cx="483577" cy="461665"/>
+          </a:xfrm>
+          <a:prstGeom prst="rect">
+            <a:avLst/>
+          </a:prstGeom>
+          <a:solidFill>
+            <a:schemeClr val="accent6">
+              <a:lumMod val="60000"/>
+              <a:lumOff val="40000"/>
+            </a:schemeClr>
+          </a:solidFill>
+        </p:spPr>
+        <p:style>
+          <a:lnRef idx="2">
+            <a:schemeClr val="accent1">
+              <a:shade val="50000"/>
+            </a:schemeClr>
+          </a:lnRef>
+          <a:fillRef idx="1">
+            <a:schemeClr val="accent1"/>
+          </a:fillRef>
+          <a:effectRef idx="0">
+            <a:schemeClr val="accent1"/>
+          </a:effectRef>
+          <a:fontRef idx="minor">
+            <a:schemeClr val="lt1"/>
+          </a:fontRef>
+        </p:style>
+        <p:txBody>
+          <a:bodyPr rtlCol="0" anchor="ctr"/>
+          <a:lstStyle/>
+          <a:p>
+            <a:pPr algn="ctr"/>
+            <a:r>
+              <a:rPr lang="en-GB" dirty="0" err="1"/>
+              <a:t>vk</a:t>
+            </a:r>
+            <a:endParaRPr lang="en-GB" dirty="0"/>
+          </a:p>
+        </p:txBody>
+      </p:sp>
+      <p:sp>
+        <p:nvSpPr>
+          <p:cNvPr id="195" name="Rectangle 194">
+            <a:extLst>
+              <a:ext uri="{FF2B5EF4-FFF2-40B4-BE49-F238E27FC236}">
+                <a16:creationId xmlns:a16="http://schemas.microsoft.com/office/drawing/2014/main" id="{F328F279-379E-4ABC-8254-5A37835035B1}"/>
+              </a:ext>
+            </a:extLst>
+          </p:cNvPr>
+          <p:cNvSpPr/>
+          <p:nvPr/>
+        </p:nvSpPr>
+        <p:spPr>
+          <a:xfrm>
+            <a:off x="11006439" y="2682907"/>
+            <a:ext cx="483577" cy="461665"/>
+          </a:xfrm>
+          <a:prstGeom prst="rect">
+            <a:avLst/>
+          </a:prstGeom>
+          <a:solidFill>
+            <a:schemeClr val="accent6">
+              <a:lumMod val="60000"/>
+              <a:lumOff val="40000"/>
+            </a:schemeClr>
+          </a:solidFill>
+        </p:spPr>
+        <p:style>
+          <a:lnRef idx="2">
+            <a:schemeClr val="accent1">
+              <a:shade val="50000"/>
+            </a:schemeClr>
+          </a:lnRef>
+          <a:fillRef idx="1">
+            <a:schemeClr val="accent1"/>
+          </a:fillRef>
+          <a:effectRef idx="0">
+            <a:schemeClr val="accent1"/>
+          </a:effectRef>
+          <a:fontRef idx="minor">
+            <a:schemeClr val="lt1"/>
+          </a:fontRef>
+        </p:style>
+        <p:txBody>
+          <a:bodyPr rtlCol="0" anchor="ctr"/>
+          <a:lstStyle/>
+          <a:p>
+            <a:pPr algn="ctr"/>
+            <a:endParaRPr lang="en-GB" dirty="0"/>
+          </a:p>
+        </p:txBody>
+      </p:sp>
+      <p:sp>
+        <p:nvSpPr>
+          <p:cNvPr id="210" name="TextBox 209">
+            <a:extLst>
+              <a:ext uri="{FF2B5EF4-FFF2-40B4-BE49-F238E27FC236}">
+                <a16:creationId xmlns:a16="http://schemas.microsoft.com/office/drawing/2014/main" id="{04F29981-26EA-48E3-9317-5812CECF8CB5}"/>
+              </a:ext>
+            </a:extLst>
+          </p:cNvPr>
+          <p:cNvSpPr txBox="1"/>
+          <p:nvPr/>
+        </p:nvSpPr>
+        <p:spPr>
+          <a:xfrm>
+            <a:off x="5217882" y="2411769"/>
+            <a:ext cx="1123063" cy="461665"/>
+          </a:xfrm>
+          <a:prstGeom prst="rect">
+            <a:avLst/>
+          </a:prstGeom>
+          <a:noFill/>
+        </p:spPr>
+        <p:txBody>
+          <a:bodyPr wrap="square" rtlCol="0">
+            <a:spAutoFit/>
+          </a:bodyPr>
+          <a:lstStyle/>
+          <a:p>
+            <a:pPr algn="r"/>
+            <a:r>
+              <a:rPr lang="en-US" sz="2400" dirty="0"/>
+              <a:t>tasks</a:t>
+            </a:r>
+          </a:p>
+        </p:txBody>
+      </p:sp>
+      <p:sp>
+        <p:nvSpPr>
+          <p:cNvPr id="211" name="Rectangle: Rounded Corners 210">
+            <a:extLst>
+              <a:ext uri="{FF2B5EF4-FFF2-40B4-BE49-F238E27FC236}">
+                <a16:creationId xmlns:a16="http://schemas.microsoft.com/office/drawing/2014/main" id="{B9062D3D-0C9B-431A-BBFF-89BC58AD53AC}"/>
+              </a:ext>
+            </a:extLst>
+          </p:cNvPr>
+          <p:cNvSpPr/>
+          <p:nvPr/>
+        </p:nvSpPr>
+        <p:spPr>
+          <a:xfrm>
+            <a:off x="6426012" y="3840373"/>
+            <a:ext cx="5077429" cy="537882"/>
+          </a:xfrm>
+          <a:prstGeom prst="roundRect">
+            <a:avLst/>
+          </a:prstGeom>
+        </p:spPr>
+        <p:style>
+          <a:lnRef idx="2">
+            <a:schemeClr val="accent1">
+              <a:shade val="50000"/>
+            </a:schemeClr>
+          </a:lnRef>
+          <a:fillRef idx="1">
+            <a:schemeClr val="accent1"/>
+          </a:fillRef>
+          <a:effectRef idx="0">
+            <a:schemeClr val="accent1"/>
+          </a:effectRef>
+          <a:fontRef idx="minor">
+            <a:schemeClr val="lt1"/>
+          </a:fontRef>
+        </p:style>
+        <p:txBody>
+          <a:bodyPr rtlCol="0" anchor="ctr"/>
+          <a:lstStyle/>
+          <a:p>
+            <a:pPr algn="ctr"/>
+            <a:r>
+              <a:rPr lang="en-GB" dirty="0"/>
+              <a:t>Sequential execution, process P1</a:t>
+            </a:r>
+          </a:p>
+        </p:txBody>
+      </p:sp>
+      <p:sp>
+        <p:nvSpPr>
+          <p:cNvPr id="213" name="Arrow: Down 212">
+            <a:extLst>
+              <a:ext uri="{FF2B5EF4-FFF2-40B4-BE49-F238E27FC236}">
+                <a16:creationId xmlns:a16="http://schemas.microsoft.com/office/drawing/2014/main" id="{F4BBC499-701D-446C-BE18-75B0F1011082}"/>
+              </a:ext>
+            </a:extLst>
+          </p:cNvPr>
+          <p:cNvSpPr/>
+          <p:nvPr/>
+        </p:nvSpPr>
+        <p:spPr>
+          <a:xfrm>
+            <a:off x="8722938" y="3321830"/>
+            <a:ext cx="483577" cy="461665"/>
+          </a:xfrm>
+          <a:prstGeom prst="downArrow">
+            <a:avLst/>
+          </a:prstGeom>
+          <a:solidFill>
+            <a:srgbClr val="FF0000"/>
+          </a:solidFill>
+        </p:spPr>
+        <p:style>
+          <a:lnRef idx="2">
+            <a:schemeClr val="accent1">
+              <a:shade val="50000"/>
+            </a:schemeClr>
+          </a:lnRef>
+          <a:fillRef idx="1">
+            <a:schemeClr val="accent1"/>
+          </a:fillRef>
+          <a:effectRef idx="0">
+            <a:schemeClr val="accent1"/>
+          </a:effectRef>
+          <a:fontRef idx="minor">
+            <a:schemeClr val="lt1"/>
+          </a:fontRef>
+        </p:style>
+        <p:txBody>
+          <a:bodyPr rtlCol="0" anchor="ctr"/>
+          <a:lstStyle/>
+          <a:p>
+            <a:pPr algn="ctr"/>
+            <a:endParaRPr lang="en-GB"/>
+          </a:p>
+        </p:txBody>
+      </p:sp>
+      <p:sp>
+        <p:nvSpPr>
+          <p:cNvPr id="217" name="Arrow: Down 216">
+            <a:extLst>
+              <a:ext uri="{FF2B5EF4-FFF2-40B4-BE49-F238E27FC236}">
+                <a16:creationId xmlns:a16="http://schemas.microsoft.com/office/drawing/2014/main" id="{9FA3A00A-A094-40D1-8311-002C9CA15CFC}"/>
+              </a:ext>
+            </a:extLst>
+          </p:cNvPr>
+          <p:cNvSpPr/>
+          <p:nvPr/>
+        </p:nvSpPr>
+        <p:spPr>
+          <a:xfrm>
+            <a:off x="8722938" y="4479296"/>
+            <a:ext cx="483577" cy="461665"/>
+          </a:xfrm>
+          <a:prstGeom prst="downArrow">
+            <a:avLst/>
+          </a:prstGeom>
+          <a:solidFill>
+            <a:srgbClr val="FF0000"/>
+          </a:solidFill>
+        </p:spPr>
+        <p:style>
+          <a:lnRef idx="2">
+            <a:schemeClr val="accent1">
+              <a:shade val="50000"/>
+            </a:schemeClr>
+          </a:lnRef>
+          <a:fillRef idx="1">
+            <a:schemeClr val="accent1"/>
+          </a:fillRef>
+          <a:effectRef idx="0">
+            <a:schemeClr val="accent1"/>
+          </a:effectRef>
+          <a:fontRef idx="minor">
+            <a:schemeClr val="lt1"/>
+          </a:fontRef>
+        </p:style>
+        <p:txBody>
+          <a:bodyPr rtlCol="0" anchor="ctr"/>
+          <a:lstStyle/>
+          <a:p>
+            <a:pPr algn="ctr"/>
+            <a:endParaRPr lang="en-GB"/>
+          </a:p>
+        </p:txBody>
+      </p:sp>
+      <p:sp>
+        <p:nvSpPr>
+          <p:cNvPr id="219" name="Rectangle 218">
+            <a:extLst>
+              <a:ext uri="{FF2B5EF4-FFF2-40B4-BE49-F238E27FC236}">
+                <a16:creationId xmlns:a16="http://schemas.microsoft.com/office/drawing/2014/main" id="{CB067D37-C0E0-4660-A903-C8D29A45DD73}"/>
+              </a:ext>
+            </a:extLst>
+          </p:cNvPr>
+          <p:cNvSpPr/>
+          <p:nvPr/>
+        </p:nvSpPr>
+        <p:spPr>
+          <a:xfrm>
+            <a:off x="6412587" y="2192803"/>
+            <a:ext cx="483577" cy="461665"/>
+          </a:xfrm>
+          <a:prstGeom prst="rect">
+            <a:avLst/>
+          </a:prstGeom>
+          <a:solidFill>
+            <a:schemeClr val="accent6">
+              <a:lumMod val="60000"/>
+              <a:lumOff val="40000"/>
+            </a:schemeClr>
+          </a:solidFill>
+        </p:spPr>
+        <p:style>
+          <a:lnRef idx="2">
+            <a:schemeClr val="accent1">
+              <a:shade val="50000"/>
+            </a:schemeClr>
+          </a:lnRef>
+          <a:fillRef idx="1">
+            <a:schemeClr val="accent1"/>
+          </a:fillRef>
+          <a:effectRef idx="0">
+            <a:schemeClr val="accent1"/>
+          </a:effectRef>
+          <a:fontRef idx="minor">
+            <a:schemeClr val="lt1"/>
+          </a:fontRef>
+        </p:style>
+        <p:txBody>
+          <a:bodyPr rtlCol="0" anchor="ctr"/>
+          <a:lstStyle/>
+          <a:p>
+            <a:pPr algn="ctr"/>
+            <a:r>
+              <a:rPr lang="en-GB" dirty="0"/>
+              <a:t>v1</a:t>
+            </a:r>
+          </a:p>
+        </p:txBody>
+      </p:sp>
+      <p:sp>
+        <p:nvSpPr>
+          <p:cNvPr id="220" name="Rectangle 219">
+            <a:extLst>
+              <a:ext uri="{FF2B5EF4-FFF2-40B4-BE49-F238E27FC236}">
+                <a16:creationId xmlns:a16="http://schemas.microsoft.com/office/drawing/2014/main" id="{FBBF887C-750F-4909-8E33-B7DD7E7C3CE2}"/>
+              </a:ext>
+            </a:extLst>
+          </p:cNvPr>
+          <p:cNvSpPr/>
+          <p:nvPr/>
+        </p:nvSpPr>
+        <p:spPr>
+          <a:xfrm>
+            <a:off x="6923015" y="2192803"/>
+            <a:ext cx="483577" cy="461665"/>
+          </a:xfrm>
+          <a:prstGeom prst="rect">
+            <a:avLst/>
+          </a:prstGeom>
+          <a:solidFill>
+            <a:schemeClr val="accent6">
+              <a:lumMod val="60000"/>
+              <a:lumOff val="40000"/>
+            </a:schemeClr>
+          </a:solidFill>
+        </p:spPr>
+        <p:style>
+          <a:lnRef idx="2">
+            <a:schemeClr val="accent1">
+              <a:shade val="50000"/>
+            </a:schemeClr>
+          </a:lnRef>
+          <a:fillRef idx="1">
+            <a:schemeClr val="accent1"/>
+          </a:fillRef>
+          <a:effectRef idx="0">
+            <a:schemeClr val="accent1"/>
+          </a:effectRef>
+          <a:fontRef idx="minor">
+            <a:schemeClr val="lt1"/>
+          </a:fontRef>
+        </p:style>
+        <p:txBody>
+          <a:bodyPr rtlCol="0" anchor="ctr"/>
+          <a:lstStyle/>
+          <a:p>
+            <a:pPr algn="ctr"/>
+            <a:r>
+              <a:rPr lang="en-GB" dirty="0"/>
+              <a:t>v1</a:t>
+            </a:r>
+          </a:p>
+        </p:txBody>
+      </p:sp>
+      <p:sp>
+        <p:nvSpPr>
+          <p:cNvPr id="221" name="Rectangle 220">
+            <a:extLst>
+              <a:ext uri="{FF2B5EF4-FFF2-40B4-BE49-F238E27FC236}">
+                <a16:creationId xmlns:a16="http://schemas.microsoft.com/office/drawing/2014/main" id="{226BB957-E0EE-4CD2-A728-B581EBF9BCA0}"/>
+              </a:ext>
+            </a:extLst>
+          </p:cNvPr>
+          <p:cNvSpPr/>
+          <p:nvPr/>
+        </p:nvSpPr>
+        <p:spPr>
+          <a:xfrm>
+            <a:off x="7433443" y="2192803"/>
+            <a:ext cx="483577" cy="461665"/>
+          </a:xfrm>
+          <a:prstGeom prst="rect">
+            <a:avLst/>
+          </a:prstGeom>
+          <a:solidFill>
+            <a:schemeClr val="accent6">
+              <a:lumMod val="60000"/>
+              <a:lumOff val="40000"/>
+            </a:schemeClr>
+          </a:solidFill>
+        </p:spPr>
+        <p:style>
+          <a:lnRef idx="2">
+            <a:schemeClr val="accent1">
+              <a:shade val="50000"/>
+            </a:schemeClr>
+          </a:lnRef>
+          <a:fillRef idx="1">
+            <a:schemeClr val="accent1"/>
+          </a:fillRef>
+          <a:effectRef idx="0">
+            <a:schemeClr val="accent1"/>
+          </a:effectRef>
+          <a:fontRef idx="minor">
+            <a:schemeClr val="lt1"/>
+          </a:fontRef>
+        </p:style>
+        <p:txBody>
+          <a:bodyPr rtlCol="0" anchor="ctr"/>
+          <a:lstStyle/>
+          <a:p>
+            <a:pPr algn="ctr"/>
+            <a:r>
+              <a:rPr lang="en-GB" dirty="0"/>
+              <a:t>v1</a:t>
+            </a:r>
+          </a:p>
+        </p:txBody>
+      </p:sp>
+      <p:sp>
+        <p:nvSpPr>
+          <p:cNvPr id="222" name="Rectangle 221">
+            <a:extLst>
+              <a:ext uri="{FF2B5EF4-FFF2-40B4-BE49-F238E27FC236}">
+                <a16:creationId xmlns:a16="http://schemas.microsoft.com/office/drawing/2014/main" id="{C4C8D948-E121-4C87-89DA-50646D4137E5}"/>
+              </a:ext>
+            </a:extLst>
+          </p:cNvPr>
+          <p:cNvSpPr/>
+          <p:nvPr/>
+        </p:nvSpPr>
+        <p:spPr>
+          <a:xfrm>
+            <a:off x="7943871" y="2192803"/>
+            <a:ext cx="483577" cy="461665"/>
+          </a:xfrm>
+          <a:prstGeom prst="rect">
+            <a:avLst/>
+          </a:prstGeom>
+          <a:solidFill>
+            <a:schemeClr val="accent6">
+              <a:lumMod val="60000"/>
+              <a:lumOff val="40000"/>
+            </a:schemeClr>
+          </a:solidFill>
+        </p:spPr>
+        <p:style>
+          <a:lnRef idx="2">
+            <a:schemeClr val="accent1">
+              <a:shade val="50000"/>
+            </a:schemeClr>
+          </a:lnRef>
+          <a:fillRef idx="1">
+            <a:schemeClr val="accent1"/>
+          </a:fillRef>
+          <a:effectRef idx="0">
+            <a:schemeClr val="accent1"/>
+          </a:effectRef>
+          <a:fontRef idx="minor">
+            <a:schemeClr val="lt1"/>
+          </a:fontRef>
+        </p:style>
+        <p:txBody>
+          <a:bodyPr rtlCol="0" anchor="ctr"/>
+          <a:lstStyle/>
+          <a:p>
+            <a:pPr algn="ctr"/>
+            <a:r>
+              <a:rPr lang="en-GB" dirty="0"/>
+              <a:t>v1</a:t>
+            </a:r>
+          </a:p>
+        </p:txBody>
+      </p:sp>
+      <p:sp>
+        <p:nvSpPr>
+          <p:cNvPr id="223" name="Rectangle 222">
+            <a:extLst>
+              <a:ext uri="{FF2B5EF4-FFF2-40B4-BE49-F238E27FC236}">
+                <a16:creationId xmlns:a16="http://schemas.microsoft.com/office/drawing/2014/main" id="{30D57FF5-B1BB-469B-9809-585B8D97BEC8}"/>
+              </a:ext>
+            </a:extLst>
+          </p:cNvPr>
+          <p:cNvSpPr/>
+          <p:nvPr/>
+        </p:nvSpPr>
+        <p:spPr>
+          <a:xfrm>
+            <a:off x="8454299" y="2192803"/>
+            <a:ext cx="483577" cy="461665"/>
+          </a:xfrm>
+          <a:prstGeom prst="rect">
+            <a:avLst/>
+          </a:prstGeom>
+          <a:solidFill>
+            <a:schemeClr val="accent6">
+              <a:lumMod val="60000"/>
+              <a:lumOff val="40000"/>
+            </a:schemeClr>
+          </a:solidFill>
+        </p:spPr>
+        <p:style>
+          <a:lnRef idx="2">
+            <a:schemeClr val="accent1">
+              <a:shade val="50000"/>
+            </a:schemeClr>
+          </a:lnRef>
+          <a:fillRef idx="1">
+            <a:schemeClr val="accent1"/>
+          </a:fillRef>
+          <a:effectRef idx="0">
+            <a:schemeClr val="accent1"/>
+          </a:effectRef>
+          <a:fontRef idx="minor">
+            <a:schemeClr val="lt1"/>
+          </a:fontRef>
+        </p:style>
+        <p:txBody>
+          <a:bodyPr rtlCol="0" anchor="ctr"/>
+          <a:lstStyle/>
+          <a:p>
+            <a:pPr algn="ctr"/>
+            <a:r>
+              <a:rPr lang="en-GB" dirty="0"/>
+              <a:t>v2</a:t>
+            </a:r>
+          </a:p>
+        </p:txBody>
+      </p:sp>
+      <p:sp>
+        <p:nvSpPr>
+          <p:cNvPr id="224" name="Rectangle 223">
+            <a:extLst>
+              <a:ext uri="{FF2B5EF4-FFF2-40B4-BE49-F238E27FC236}">
+                <a16:creationId xmlns:a16="http://schemas.microsoft.com/office/drawing/2014/main" id="{D604A4B7-EE28-41D8-8115-3F39F279AE39}"/>
+              </a:ext>
+            </a:extLst>
+          </p:cNvPr>
+          <p:cNvSpPr/>
+          <p:nvPr/>
+        </p:nvSpPr>
+        <p:spPr>
+          <a:xfrm>
+            <a:off x="8964727" y="2192803"/>
+            <a:ext cx="483577" cy="461665"/>
+          </a:xfrm>
+          <a:prstGeom prst="rect">
+            <a:avLst/>
+          </a:prstGeom>
+          <a:solidFill>
+            <a:schemeClr val="accent6">
+              <a:lumMod val="60000"/>
+              <a:lumOff val="40000"/>
+            </a:schemeClr>
+          </a:solidFill>
+        </p:spPr>
+        <p:style>
+          <a:lnRef idx="2">
+            <a:schemeClr val="accent1">
+              <a:shade val="50000"/>
+            </a:schemeClr>
+          </a:lnRef>
+          <a:fillRef idx="1">
+            <a:schemeClr val="accent1"/>
+          </a:fillRef>
+          <a:effectRef idx="0">
+            <a:schemeClr val="accent1"/>
+          </a:effectRef>
+          <a:fontRef idx="minor">
+            <a:schemeClr val="lt1"/>
+          </a:fontRef>
+        </p:style>
+        <p:txBody>
+          <a:bodyPr rtlCol="0" anchor="ctr"/>
+          <a:lstStyle/>
+          <a:p>
+            <a:pPr algn="ctr"/>
+            <a:r>
+              <a:rPr lang="en-GB" dirty="0"/>
+              <a:t>v2</a:t>
+            </a:r>
+          </a:p>
+        </p:txBody>
+      </p:sp>
+      <p:sp>
+        <p:nvSpPr>
+          <p:cNvPr id="225" name="Rectangle 224">
+            <a:extLst>
+              <a:ext uri="{FF2B5EF4-FFF2-40B4-BE49-F238E27FC236}">
+                <a16:creationId xmlns:a16="http://schemas.microsoft.com/office/drawing/2014/main" id="{F7BB2C4F-DC28-4A50-94BE-F228089356A7}"/>
+              </a:ext>
+            </a:extLst>
+          </p:cNvPr>
+          <p:cNvSpPr/>
+          <p:nvPr/>
+        </p:nvSpPr>
+        <p:spPr>
+          <a:xfrm>
+            <a:off x="9475155" y="2192803"/>
+            <a:ext cx="483577" cy="461665"/>
+          </a:xfrm>
+          <a:prstGeom prst="rect">
+            <a:avLst/>
+          </a:prstGeom>
+          <a:solidFill>
+            <a:schemeClr val="accent6">
+              <a:lumMod val="60000"/>
+              <a:lumOff val="40000"/>
+            </a:schemeClr>
+          </a:solidFill>
+        </p:spPr>
+        <p:style>
+          <a:lnRef idx="2">
+            <a:schemeClr val="accent1">
+              <a:shade val="50000"/>
+            </a:schemeClr>
+          </a:lnRef>
+          <a:fillRef idx="1">
+            <a:schemeClr val="accent1"/>
+          </a:fillRef>
+          <a:effectRef idx="0">
+            <a:schemeClr val="accent1"/>
+          </a:effectRef>
+          <a:fontRef idx="minor">
+            <a:schemeClr val="lt1"/>
+          </a:fontRef>
+        </p:style>
+        <p:txBody>
+          <a:bodyPr rtlCol="0" anchor="ctr"/>
+          <a:lstStyle/>
+          <a:p>
+            <a:pPr algn="ctr"/>
+            <a:r>
+              <a:rPr lang="en-GB" dirty="0"/>
+              <a:t>v2</a:t>
+            </a:r>
+          </a:p>
+        </p:txBody>
+      </p:sp>
+      <p:sp>
+        <p:nvSpPr>
+          <p:cNvPr id="226" name="Rectangle 225">
+            <a:extLst>
+              <a:ext uri="{FF2B5EF4-FFF2-40B4-BE49-F238E27FC236}">
+                <a16:creationId xmlns:a16="http://schemas.microsoft.com/office/drawing/2014/main" id="{97B2E77A-4E12-4EEA-9207-102D7C0F26B0}"/>
+              </a:ext>
+            </a:extLst>
+          </p:cNvPr>
+          <p:cNvSpPr/>
+          <p:nvPr/>
+        </p:nvSpPr>
+        <p:spPr>
+          <a:xfrm>
+            <a:off x="9985583" y="2192803"/>
+            <a:ext cx="483577" cy="461665"/>
+          </a:xfrm>
+          <a:prstGeom prst="rect">
+            <a:avLst/>
+          </a:prstGeom>
+          <a:solidFill>
+            <a:schemeClr val="accent6">
+              <a:lumMod val="60000"/>
+              <a:lumOff val="40000"/>
+            </a:schemeClr>
+          </a:solidFill>
+        </p:spPr>
+        <p:style>
+          <a:lnRef idx="2">
+            <a:schemeClr val="accent1">
+              <a:shade val="50000"/>
+            </a:schemeClr>
+          </a:lnRef>
+          <a:fillRef idx="1">
+            <a:schemeClr val="accent1"/>
+          </a:fillRef>
+          <a:effectRef idx="0">
+            <a:schemeClr val="accent1"/>
+          </a:effectRef>
+          <a:fontRef idx="minor">
+            <a:schemeClr val="lt1"/>
+          </a:fontRef>
+        </p:style>
+        <p:txBody>
+          <a:bodyPr rtlCol="0" anchor="ctr"/>
+          <a:lstStyle/>
+          <a:p>
+            <a:pPr algn="ctr"/>
+            <a:r>
+              <a:rPr lang="en-GB" dirty="0"/>
+              <a:t>v3</a:t>
+            </a:r>
+          </a:p>
+        </p:txBody>
+      </p:sp>
+      <p:sp>
+        <p:nvSpPr>
+          <p:cNvPr id="227" name="Rectangle 226">
+            <a:extLst>
+              <a:ext uri="{FF2B5EF4-FFF2-40B4-BE49-F238E27FC236}">
+                <a16:creationId xmlns:a16="http://schemas.microsoft.com/office/drawing/2014/main" id="{8F0DE4D7-E72B-440D-85B7-E4FEE6E8C308}"/>
+              </a:ext>
+            </a:extLst>
+          </p:cNvPr>
+          <p:cNvSpPr/>
+          <p:nvPr/>
+        </p:nvSpPr>
+        <p:spPr>
+          <a:xfrm>
+            <a:off x="10496011" y="2192803"/>
+            <a:ext cx="483577" cy="461665"/>
+          </a:xfrm>
+          <a:prstGeom prst="rect">
+            <a:avLst/>
+          </a:prstGeom>
+          <a:solidFill>
+            <a:schemeClr val="accent6">
+              <a:lumMod val="60000"/>
+              <a:lumOff val="40000"/>
+            </a:schemeClr>
+          </a:solidFill>
+        </p:spPr>
+        <p:style>
+          <a:lnRef idx="2">
+            <a:schemeClr val="accent1">
+              <a:shade val="50000"/>
+            </a:schemeClr>
+          </a:lnRef>
+          <a:fillRef idx="1">
+            <a:schemeClr val="accent1"/>
+          </a:fillRef>
+          <a:effectRef idx="0">
+            <a:schemeClr val="accent1"/>
+          </a:effectRef>
+          <a:fontRef idx="minor">
+            <a:schemeClr val="lt1"/>
+          </a:fontRef>
+        </p:style>
+        <p:txBody>
+          <a:bodyPr rtlCol="0" anchor="ctr"/>
+          <a:lstStyle/>
+          <a:p>
+            <a:pPr algn="ctr"/>
+            <a:r>
+              <a:rPr lang="en-GB" dirty="0"/>
+              <a:t>v3</a:t>
+            </a:r>
+          </a:p>
+        </p:txBody>
+      </p:sp>
+      <p:sp>
+        <p:nvSpPr>
+          <p:cNvPr id="228" name="Rectangle 227">
+            <a:extLst>
+              <a:ext uri="{FF2B5EF4-FFF2-40B4-BE49-F238E27FC236}">
+                <a16:creationId xmlns:a16="http://schemas.microsoft.com/office/drawing/2014/main" id="{526F6894-7726-4755-B407-4A0DD049F39B}"/>
+              </a:ext>
+            </a:extLst>
+          </p:cNvPr>
+          <p:cNvSpPr/>
+          <p:nvPr/>
+        </p:nvSpPr>
+        <p:spPr>
+          <a:xfrm>
+            <a:off x="11006439" y="2192803"/>
+            <a:ext cx="483577" cy="461665"/>
+          </a:xfrm>
+          <a:prstGeom prst="rect">
+            <a:avLst/>
+          </a:prstGeom>
+          <a:solidFill>
+            <a:schemeClr val="accent6">
+              <a:lumMod val="60000"/>
+              <a:lumOff val="40000"/>
+            </a:schemeClr>
+          </a:solidFill>
+        </p:spPr>
+        <p:style>
+          <a:lnRef idx="2">
+            <a:schemeClr val="accent1">
+              <a:shade val="50000"/>
+            </a:schemeClr>
+          </a:lnRef>
+          <a:fillRef idx="1">
+            <a:schemeClr val="accent1"/>
+          </a:fillRef>
+          <a:effectRef idx="0">
+            <a:schemeClr val="accent1"/>
+          </a:effectRef>
+          <a:fontRef idx="minor">
+            <a:schemeClr val="lt1"/>
+          </a:fontRef>
+        </p:style>
+        <p:txBody>
+          <a:bodyPr rtlCol="0" anchor="ctr"/>
+          <a:lstStyle/>
+          <a:p>
+            <a:pPr algn="ctr"/>
+            <a:endParaRPr lang="en-GB"/>
+          </a:p>
+        </p:txBody>
+      </p:sp>
+      <p:sp>
+        <p:nvSpPr>
+          <p:cNvPr id="229" name="Rectangle 228">
+            <a:extLst>
+              <a:ext uri="{FF2B5EF4-FFF2-40B4-BE49-F238E27FC236}">
+                <a16:creationId xmlns:a16="http://schemas.microsoft.com/office/drawing/2014/main" id="{F6476AE3-B54B-46AB-BB40-3BA878F3E03B}"/>
+              </a:ext>
+            </a:extLst>
+          </p:cNvPr>
+          <p:cNvSpPr/>
+          <p:nvPr/>
+        </p:nvSpPr>
+        <p:spPr>
+          <a:xfrm>
+            <a:off x="6426012" y="5079776"/>
+            <a:ext cx="483577" cy="461665"/>
+          </a:xfrm>
+          <a:prstGeom prst="rect">
+            <a:avLst/>
+          </a:prstGeom>
+          <a:solidFill>
+            <a:srgbClr val="FFC000"/>
+          </a:solidFill>
+        </p:spPr>
+        <p:style>
+          <a:lnRef idx="2">
+            <a:schemeClr val="accent1">
+              <a:shade val="50000"/>
+            </a:schemeClr>
+          </a:lnRef>
+          <a:fillRef idx="1">
+            <a:schemeClr val="accent1"/>
+          </a:fillRef>
+          <a:effectRef idx="0">
+            <a:schemeClr val="accent1"/>
+          </a:effectRef>
+          <a:fontRef idx="minor">
+            <a:schemeClr val="lt1"/>
+          </a:fontRef>
+        </p:style>
+        <p:txBody>
+          <a:bodyPr rtlCol="0" anchor="ctr"/>
+          <a:lstStyle/>
+          <a:p>
+            <a:pPr algn="ctr"/>
+            <a:endParaRPr lang="en-GB" dirty="0"/>
+          </a:p>
+        </p:txBody>
+      </p:sp>
+      <p:sp>
+        <p:nvSpPr>
+          <p:cNvPr id="230" name="Rectangle 229">
+            <a:extLst>
+              <a:ext uri="{FF2B5EF4-FFF2-40B4-BE49-F238E27FC236}">
+                <a16:creationId xmlns:a16="http://schemas.microsoft.com/office/drawing/2014/main" id="{8171F00E-39F2-46E8-8521-F2D625937EFE}"/>
+              </a:ext>
+            </a:extLst>
+          </p:cNvPr>
+          <p:cNvSpPr/>
+          <p:nvPr/>
+        </p:nvSpPr>
+        <p:spPr>
+          <a:xfrm>
+            <a:off x="6936440" y="5079776"/>
+            <a:ext cx="483577" cy="461665"/>
+          </a:xfrm>
+          <a:prstGeom prst="rect">
+            <a:avLst/>
+          </a:prstGeom>
+          <a:solidFill>
+            <a:srgbClr val="FFC000"/>
+          </a:solidFill>
+        </p:spPr>
+        <p:style>
+          <a:lnRef idx="2">
+            <a:schemeClr val="accent1">
+              <a:shade val="50000"/>
+            </a:schemeClr>
+          </a:lnRef>
+          <a:fillRef idx="1">
+            <a:schemeClr val="accent1"/>
+          </a:fillRef>
+          <a:effectRef idx="0">
+            <a:schemeClr val="accent1"/>
+          </a:effectRef>
+          <a:fontRef idx="minor">
+            <a:schemeClr val="lt1"/>
+          </a:fontRef>
+        </p:style>
+        <p:txBody>
+          <a:bodyPr rtlCol="0" anchor="ctr"/>
+          <a:lstStyle/>
+          <a:p>
+            <a:pPr algn="ctr"/>
+            <a:endParaRPr lang="en-GB" dirty="0"/>
+          </a:p>
+        </p:txBody>
+      </p:sp>
+      <p:sp>
+        <p:nvSpPr>
+          <p:cNvPr id="231" name="Rectangle 230">
+            <a:extLst>
+              <a:ext uri="{FF2B5EF4-FFF2-40B4-BE49-F238E27FC236}">
+                <a16:creationId xmlns:a16="http://schemas.microsoft.com/office/drawing/2014/main" id="{0BD7EC86-31A8-42B7-B36D-0E694AFC432E}"/>
+              </a:ext>
+            </a:extLst>
+          </p:cNvPr>
+          <p:cNvSpPr/>
+          <p:nvPr/>
+        </p:nvSpPr>
+        <p:spPr>
+          <a:xfrm>
+            <a:off x="7446868" y="5079776"/>
+            <a:ext cx="483577" cy="461665"/>
+          </a:xfrm>
+          <a:prstGeom prst="rect">
+            <a:avLst/>
+          </a:prstGeom>
+          <a:solidFill>
+            <a:srgbClr val="FFC000"/>
+          </a:solidFill>
+        </p:spPr>
+        <p:style>
+          <a:lnRef idx="2">
+            <a:schemeClr val="accent1">
+              <a:shade val="50000"/>
+            </a:schemeClr>
+          </a:lnRef>
+          <a:fillRef idx="1">
+            <a:schemeClr val="accent1"/>
+          </a:fillRef>
+          <a:effectRef idx="0">
+            <a:schemeClr val="accent1"/>
+          </a:effectRef>
+          <a:fontRef idx="minor">
+            <a:schemeClr val="lt1"/>
+          </a:fontRef>
+        </p:style>
+        <p:txBody>
+          <a:bodyPr rtlCol="0" anchor="ctr"/>
+          <a:lstStyle/>
+          <a:p>
+            <a:pPr algn="ctr"/>
+            <a:endParaRPr lang="en-GB" dirty="0"/>
+          </a:p>
+        </p:txBody>
+      </p:sp>
+      <p:sp>
+        <p:nvSpPr>
+          <p:cNvPr id="232" name="Rectangle 231">
+            <a:extLst>
+              <a:ext uri="{FF2B5EF4-FFF2-40B4-BE49-F238E27FC236}">
+                <a16:creationId xmlns:a16="http://schemas.microsoft.com/office/drawing/2014/main" id="{7E57E50B-1770-4694-9361-F9A009BED5F6}"/>
+              </a:ext>
+            </a:extLst>
+          </p:cNvPr>
+          <p:cNvSpPr/>
+          <p:nvPr/>
+        </p:nvSpPr>
+        <p:spPr>
+          <a:xfrm>
+            <a:off x="7957296" y="5079776"/>
+            <a:ext cx="483577" cy="461665"/>
+          </a:xfrm>
+          <a:prstGeom prst="rect">
+            <a:avLst/>
+          </a:prstGeom>
+          <a:solidFill>
+            <a:srgbClr val="FFC000"/>
+          </a:solidFill>
+        </p:spPr>
+        <p:style>
+          <a:lnRef idx="2">
+            <a:schemeClr val="accent1">
+              <a:shade val="50000"/>
+            </a:schemeClr>
+          </a:lnRef>
+          <a:fillRef idx="1">
+            <a:schemeClr val="accent1"/>
+          </a:fillRef>
+          <a:effectRef idx="0">
+            <a:schemeClr val="accent1"/>
+          </a:effectRef>
+          <a:fontRef idx="minor">
+            <a:schemeClr val="lt1"/>
+          </a:fontRef>
+        </p:style>
+        <p:txBody>
+          <a:bodyPr rtlCol="0" anchor="ctr"/>
+          <a:lstStyle/>
+          <a:p>
+            <a:pPr algn="ctr"/>
+            <a:endParaRPr lang="en-GB" dirty="0"/>
+          </a:p>
+        </p:txBody>
+      </p:sp>
+      <p:sp>
+        <p:nvSpPr>
+          <p:cNvPr id="233" name="Rectangle 232">
+            <a:extLst>
+              <a:ext uri="{FF2B5EF4-FFF2-40B4-BE49-F238E27FC236}">
+                <a16:creationId xmlns:a16="http://schemas.microsoft.com/office/drawing/2014/main" id="{17218AAF-0C3F-4BF0-8175-8F20F013AC5E}"/>
+              </a:ext>
+            </a:extLst>
+          </p:cNvPr>
+          <p:cNvSpPr/>
+          <p:nvPr/>
+        </p:nvSpPr>
+        <p:spPr>
+          <a:xfrm>
+            <a:off x="8467724" y="5079776"/>
+            <a:ext cx="483577" cy="461665"/>
+          </a:xfrm>
+          <a:prstGeom prst="rect">
+            <a:avLst/>
+          </a:prstGeom>
+          <a:solidFill>
+            <a:srgbClr val="FFC000"/>
+          </a:solidFill>
+        </p:spPr>
+        <p:style>
+          <a:lnRef idx="2">
+            <a:schemeClr val="accent1">
+              <a:shade val="50000"/>
+            </a:schemeClr>
+          </a:lnRef>
+          <a:fillRef idx="1">
+            <a:schemeClr val="accent1"/>
+          </a:fillRef>
+          <a:effectRef idx="0">
+            <a:schemeClr val="accent1"/>
+          </a:effectRef>
+          <a:fontRef idx="minor">
+            <a:schemeClr val="lt1"/>
+          </a:fontRef>
+        </p:style>
+        <p:txBody>
+          <a:bodyPr rtlCol="0" anchor="ctr"/>
+          <a:lstStyle/>
+          <a:p>
+            <a:pPr algn="ctr"/>
+            <a:endParaRPr lang="en-GB" dirty="0"/>
+          </a:p>
+        </p:txBody>
+      </p:sp>
+      <p:sp>
+        <p:nvSpPr>
+          <p:cNvPr id="234" name="Rectangle 233">
+            <a:extLst>
+              <a:ext uri="{FF2B5EF4-FFF2-40B4-BE49-F238E27FC236}">
+                <a16:creationId xmlns:a16="http://schemas.microsoft.com/office/drawing/2014/main" id="{27EB5D15-DE7F-4D7A-B506-974ABDA668C5}"/>
+              </a:ext>
+            </a:extLst>
+          </p:cNvPr>
+          <p:cNvSpPr/>
+          <p:nvPr/>
+        </p:nvSpPr>
+        <p:spPr>
+          <a:xfrm>
+            <a:off x="8978152" y="5079776"/>
+            <a:ext cx="483577" cy="461665"/>
+          </a:xfrm>
+          <a:prstGeom prst="rect">
+            <a:avLst/>
+          </a:prstGeom>
+          <a:solidFill>
+            <a:srgbClr val="FFC000"/>
+          </a:solidFill>
+        </p:spPr>
+        <p:style>
+          <a:lnRef idx="2">
+            <a:schemeClr val="accent1">
+              <a:shade val="50000"/>
+            </a:schemeClr>
+          </a:lnRef>
+          <a:fillRef idx="1">
+            <a:schemeClr val="accent1"/>
+          </a:fillRef>
+          <a:effectRef idx="0">
+            <a:schemeClr val="accent1"/>
+          </a:effectRef>
+          <a:fontRef idx="minor">
+            <a:schemeClr val="lt1"/>
+          </a:fontRef>
+        </p:style>
+        <p:txBody>
+          <a:bodyPr rtlCol="0" anchor="ctr"/>
+          <a:lstStyle/>
+          <a:p>
+            <a:pPr algn="ctr"/>
+            <a:endParaRPr lang="en-GB" dirty="0"/>
+          </a:p>
+        </p:txBody>
+      </p:sp>
+      <p:sp>
+        <p:nvSpPr>
+          <p:cNvPr id="235" name="Rectangle 234">
+            <a:extLst>
+              <a:ext uri="{FF2B5EF4-FFF2-40B4-BE49-F238E27FC236}">
+                <a16:creationId xmlns:a16="http://schemas.microsoft.com/office/drawing/2014/main" id="{1225D82F-6412-465E-9787-FB6DD676967D}"/>
+              </a:ext>
+            </a:extLst>
+          </p:cNvPr>
+          <p:cNvSpPr/>
+          <p:nvPr/>
+        </p:nvSpPr>
+        <p:spPr>
+          <a:xfrm>
+            <a:off x="9488580" y="5079776"/>
+            <a:ext cx="483577" cy="461665"/>
+          </a:xfrm>
+          <a:prstGeom prst="rect">
+            <a:avLst/>
+          </a:prstGeom>
+          <a:solidFill>
+            <a:srgbClr val="FFC000"/>
+          </a:solidFill>
+        </p:spPr>
+        <p:style>
+          <a:lnRef idx="2">
+            <a:schemeClr val="accent1">
+              <a:shade val="50000"/>
+            </a:schemeClr>
+          </a:lnRef>
+          <a:fillRef idx="1">
+            <a:schemeClr val="accent1"/>
+          </a:fillRef>
+          <a:effectRef idx="0">
+            <a:schemeClr val="accent1"/>
+          </a:effectRef>
+          <a:fontRef idx="minor">
+            <a:schemeClr val="lt1"/>
+          </a:fontRef>
+        </p:style>
+        <p:txBody>
+          <a:bodyPr rtlCol="0" anchor="ctr"/>
+          <a:lstStyle/>
+          <a:p>
+            <a:pPr algn="ctr"/>
+            <a:endParaRPr lang="en-GB" dirty="0"/>
+          </a:p>
+        </p:txBody>
+      </p:sp>
+      <p:sp>
+        <p:nvSpPr>
+          <p:cNvPr id="236" name="Rectangle 235">
+            <a:extLst>
+              <a:ext uri="{FF2B5EF4-FFF2-40B4-BE49-F238E27FC236}">
+                <a16:creationId xmlns:a16="http://schemas.microsoft.com/office/drawing/2014/main" id="{6A587031-738E-4914-92FF-EECBC882F700}"/>
+              </a:ext>
+            </a:extLst>
+          </p:cNvPr>
+          <p:cNvSpPr/>
+          <p:nvPr/>
+        </p:nvSpPr>
+        <p:spPr>
+          <a:xfrm>
+            <a:off x="9999008" y="5079776"/>
+            <a:ext cx="483577" cy="461665"/>
+          </a:xfrm>
+          <a:prstGeom prst="rect">
+            <a:avLst/>
+          </a:prstGeom>
+          <a:solidFill>
+            <a:srgbClr val="FFC000"/>
+          </a:solidFill>
+        </p:spPr>
+        <p:style>
+          <a:lnRef idx="2">
+            <a:schemeClr val="accent1">
+              <a:shade val="50000"/>
+            </a:schemeClr>
+          </a:lnRef>
+          <a:fillRef idx="1">
+            <a:schemeClr val="accent1"/>
+          </a:fillRef>
+          <a:effectRef idx="0">
+            <a:schemeClr val="accent1"/>
+          </a:effectRef>
+          <a:fontRef idx="minor">
+            <a:schemeClr val="lt1"/>
+          </a:fontRef>
+        </p:style>
+        <p:txBody>
+          <a:bodyPr rtlCol="0" anchor="ctr"/>
+          <a:lstStyle/>
+          <a:p>
+            <a:pPr algn="ctr"/>
+            <a:endParaRPr lang="en-GB" dirty="0"/>
+          </a:p>
+        </p:txBody>
+      </p:sp>
+      <p:sp>
+        <p:nvSpPr>
+          <p:cNvPr id="237" name="Rectangle 236">
+            <a:extLst>
+              <a:ext uri="{FF2B5EF4-FFF2-40B4-BE49-F238E27FC236}">
+                <a16:creationId xmlns:a16="http://schemas.microsoft.com/office/drawing/2014/main" id="{6CE5C69A-6FF8-44AA-A846-874C0EE610C0}"/>
+              </a:ext>
+            </a:extLst>
+          </p:cNvPr>
+          <p:cNvSpPr/>
+          <p:nvPr/>
+        </p:nvSpPr>
+        <p:spPr>
+          <a:xfrm>
+            <a:off x="10509436" y="5079776"/>
+            <a:ext cx="483577" cy="461665"/>
+          </a:xfrm>
+          <a:prstGeom prst="rect">
+            <a:avLst/>
+          </a:prstGeom>
+          <a:solidFill>
+            <a:srgbClr val="FFC000"/>
+          </a:solidFill>
+        </p:spPr>
+        <p:style>
+          <a:lnRef idx="2">
+            <a:schemeClr val="accent1">
+              <a:shade val="50000"/>
+            </a:schemeClr>
+          </a:lnRef>
+          <a:fillRef idx="1">
+            <a:schemeClr val="accent1"/>
+          </a:fillRef>
+          <a:effectRef idx="0">
+            <a:schemeClr val="accent1"/>
+          </a:effectRef>
+          <a:fontRef idx="minor">
+            <a:schemeClr val="lt1"/>
+          </a:fontRef>
+        </p:style>
+        <p:txBody>
+          <a:bodyPr rtlCol="0" anchor="ctr"/>
+          <a:lstStyle/>
+          <a:p>
+            <a:pPr algn="ctr"/>
+            <a:endParaRPr lang="en-GB" dirty="0"/>
+          </a:p>
+        </p:txBody>
+      </p:sp>
+      <p:sp>
+        <p:nvSpPr>
+          <p:cNvPr id="238" name="Rectangle 237">
+            <a:extLst>
+              <a:ext uri="{FF2B5EF4-FFF2-40B4-BE49-F238E27FC236}">
+                <a16:creationId xmlns:a16="http://schemas.microsoft.com/office/drawing/2014/main" id="{EE55B2E4-6E57-4189-8A2B-D65C67A74FD8}"/>
+              </a:ext>
+            </a:extLst>
+          </p:cNvPr>
+          <p:cNvSpPr/>
+          <p:nvPr/>
+        </p:nvSpPr>
+        <p:spPr>
+          <a:xfrm>
+            <a:off x="11019864" y="5079776"/>
+            <a:ext cx="483577" cy="461665"/>
+          </a:xfrm>
+          <a:prstGeom prst="rect">
+            <a:avLst/>
+          </a:prstGeom>
+          <a:solidFill>
+            <a:srgbClr val="FFC000"/>
+          </a:solidFill>
+        </p:spPr>
+        <p:style>
+          <a:lnRef idx="2">
+            <a:schemeClr val="accent1">
+              <a:shade val="50000"/>
+            </a:schemeClr>
+          </a:lnRef>
+          <a:fillRef idx="1">
+            <a:schemeClr val="accent1"/>
+          </a:fillRef>
+          <a:effectRef idx="0">
+            <a:schemeClr val="accent1"/>
+          </a:effectRef>
+          <a:fontRef idx="minor">
+            <a:schemeClr val="lt1"/>
+          </a:fontRef>
+        </p:style>
+        <p:txBody>
+          <a:bodyPr rtlCol="0" anchor="ctr"/>
+          <a:lstStyle/>
+          <a:p>
+            <a:pPr algn="ctr"/>
+            <a:endParaRPr lang="en-GB"/>
+          </a:p>
+        </p:txBody>
+      </p:sp>
+      <p:sp>
+        <p:nvSpPr>
+          <p:cNvPr id="239" name="Arrow: Down 238">
+            <a:extLst>
+              <a:ext uri="{FF2B5EF4-FFF2-40B4-BE49-F238E27FC236}">
+                <a16:creationId xmlns:a16="http://schemas.microsoft.com/office/drawing/2014/main" id="{42EE2116-92C2-4C32-BD8D-69D4D3124BC6}"/>
+              </a:ext>
+            </a:extLst>
+          </p:cNvPr>
+          <p:cNvSpPr/>
+          <p:nvPr/>
+        </p:nvSpPr>
+        <p:spPr>
+          <a:xfrm>
+            <a:off x="3301514" y="2406052"/>
+            <a:ext cx="483577" cy="461665"/>
+          </a:xfrm>
+          <a:prstGeom prst="downArrow">
+            <a:avLst/>
+          </a:prstGeom>
+          <a:solidFill>
+            <a:schemeClr val="tx2"/>
+          </a:solidFill>
+        </p:spPr>
+        <p:style>
+          <a:lnRef idx="2">
+            <a:schemeClr val="accent1">
+              <a:shade val="50000"/>
+            </a:schemeClr>
+          </a:lnRef>
+          <a:fillRef idx="1">
+            <a:schemeClr val="accent1"/>
+          </a:fillRef>
+          <a:effectRef idx="0">
+            <a:schemeClr val="accent1"/>
+          </a:effectRef>
+          <a:fontRef idx="minor">
+            <a:schemeClr val="lt1"/>
+          </a:fontRef>
+        </p:style>
+        <p:txBody>
+          <a:bodyPr rtlCol="0" anchor="ctr"/>
+          <a:lstStyle/>
+          <a:p>
+            <a:pPr algn="ctr"/>
+            <a:endParaRPr lang="en-GB"/>
+          </a:p>
+        </p:txBody>
+      </p:sp>
+    </p:spTree>
+    <p:extLst>
+      <p:ext uri="{BB962C8B-B14F-4D97-AF65-F5344CB8AC3E}">
+        <p14:creationId xmlns:p14="http://schemas.microsoft.com/office/powerpoint/2010/main" val="2999621790"/>
+      </p:ext>
+    </p:extLst>
+  </p:cSld>
+  <p:clrMapOvr>
+    <a:masterClrMapping/>
+  </p:clrMapOvr>
+</p:sld>
+</file>
+
+<file path=ppt/slides/slide5.xml><?xml version="1.0" encoding="utf-8"?>
+<p:sld xmlns:a="http://schemas.openxmlformats.org/drawingml/2006/main" xmlns:r="http://schemas.openxmlformats.org/officeDocument/2006/relationships" xmlns:p="http://schemas.openxmlformats.org/presentationml/2006/main">
+  <p:cSld>
+    <p:spTree>
+      <p:nvGrpSpPr>
+        <p:cNvPr id="1" name=""/>
+        <p:cNvGrpSpPr/>
+        <p:nvPr/>
+      </p:nvGrpSpPr>
+      <p:grpSpPr>
+        <a:xfrm>
+          <a:off x="0" y="0"/>
+          <a:ext cx="0" cy="0"/>
+          <a:chOff x="0" y="0"/>
+          <a:chExt cx="0" cy="0"/>
+        </a:xfrm>
+      </p:grpSpPr>
+      <p:sp>
+        <p:nvSpPr>
+          <p:cNvPr id="6" name="TextBox 5">
+            <a:extLst>
+              <a:ext uri="{FF2B5EF4-FFF2-40B4-BE49-F238E27FC236}">
+                <a16:creationId xmlns:a16="http://schemas.microsoft.com/office/drawing/2014/main" id="{44F353AB-F501-4724-906A-9727030DE365}"/>
+              </a:ext>
+            </a:extLst>
+          </p:cNvPr>
+          <p:cNvSpPr txBox="1"/>
+          <p:nvPr/>
+        </p:nvSpPr>
+        <p:spPr>
+          <a:xfrm>
+            <a:off x="450761" y="412123"/>
+            <a:ext cx="8075053" cy="461665"/>
+          </a:xfrm>
+          <a:prstGeom prst="rect">
+            <a:avLst/>
+          </a:prstGeom>
+          <a:noFill/>
+        </p:spPr>
+        <p:txBody>
+          <a:bodyPr wrap="square" rtlCol="0">
+            <a:spAutoFit/>
+          </a:bodyPr>
+          <a:lstStyle/>
+          <a:p>
+            <a:r>
+              <a:rPr lang="en-US" sz="2400" dirty="0"/>
+              <a:t>Case 1 - computing a sparse distance matrix, parallel scheme</a:t>
+            </a:r>
+          </a:p>
+        </p:txBody>
+      </p:sp>
+      <p:sp>
+        <p:nvSpPr>
+          <p:cNvPr id="15" name="TextBox 14">
+            <a:extLst>
+              <a:ext uri="{FF2B5EF4-FFF2-40B4-BE49-F238E27FC236}">
+                <a16:creationId xmlns:a16="http://schemas.microsoft.com/office/drawing/2014/main" id="{836BFE35-437A-4358-AB66-71A3B4D2546A}"/>
+              </a:ext>
+            </a:extLst>
+          </p:cNvPr>
+          <p:cNvSpPr txBox="1"/>
+          <p:nvPr/>
+        </p:nvSpPr>
+        <p:spPr>
+          <a:xfrm>
+            <a:off x="450761" y="1534327"/>
+            <a:ext cx="1123063" cy="461665"/>
+          </a:xfrm>
+          <a:prstGeom prst="rect">
+            <a:avLst/>
+          </a:prstGeom>
+          <a:noFill/>
+        </p:spPr>
+        <p:txBody>
+          <a:bodyPr wrap="square" rtlCol="0">
+            <a:spAutoFit/>
+          </a:bodyPr>
+          <a:lstStyle/>
+          <a:p>
+            <a:pPr algn="r"/>
+            <a:r>
+              <a:rPr lang="en-US" sz="2400" dirty="0"/>
+              <a:t>vectors</a:t>
+            </a:r>
+          </a:p>
+        </p:txBody>
+      </p:sp>
+      <p:sp>
+        <p:nvSpPr>
+          <p:cNvPr id="155" name="Rectangle 154">
+            <a:extLst>
+              <a:ext uri="{FF2B5EF4-FFF2-40B4-BE49-F238E27FC236}">
+                <a16:creationId xmlns:a16="http://schemas.microsoft.com/office/drawing/2014/main" id="{80462AEA-3D40-456D-AE39-74CE9659E588}"/>
+              </a:ext>
+            </a:extLst>
+          </p:cNvPr>
+          <p:cNvSpPr/>
+          <p:nvPr/>
+        </p:nvSpPr>
+        <p:spPr>
+          <a:xfrm>
+            <a:off x="2289450" y="1534327"/>
+            <a:ext cx="483577" cy="461665"/>
+          </a:xfrm>
+          <a:prstGeom prst="rect">
+            <a:avLst/>
+          </a:prstGeom>
+          <a:solidFill>
+            <a:schemeClr val="accent6">
+              <a:lumMod val="60000"/>
+              <a:lumOff val="40000"/>
+            </a:schemeClr>
+          </a:solidFill>
+        </p:spPr>
+        <p:style>
+          <a:lnRef idx="2">
+            <a:schemeClr val="accent1">
+              <a:shade val="50000"/>
+            </a:schemeClr>
+          </a:lnRef>
+          <a:fillRef idx="1">
+            <a:schemeClr val="accent1"/>
+          </a:fillRef>
+          <a:effectRef idx="0">
+            <a:schemeClr val="accent1"/>
+          </a:effectRef>
+          <a:fontRef idx="minor">
+            <a:schemeClr val="lt1"/>
+          </a:fontRef>
+        </p:style>
+        <p:txBody>
+          <a:bodyPr rtlCol="0" anchor="ctr"/>
+          <a:lstStyle/>
+          <a:p>
+            <a:pPr algn="ctr"/>
+            <a:r>
+              <a:rPr lang="en-GB" dirty="0"/>
+              <a:t>v1</a:t>
+            </a:r>
+          </a:p>
+        </p:txBody>
+      </p:sp>
+      <p:sp>
+        <p:nvSpPr>
+          <p:cNvPr id="158" name="Rectangle 157">
+            <a:extLst>
+              <a:ext uri="{FF2B5EF4-FFF2-40B4-BE49-F238E27FC236}">
+                <a16:creationId xmlns:a16="http://schemas.microsoft.com/office/drawing/2014/main" id="{E8CB7802-CF0F-4736-B43D-F1E73C9347D9}"/>
+              </a:ext>
+            </a:extLst>
+          </p:cNvPr>
+          <p:cNvSpPr/>
+          <p:nvPr/>
+        </p:nvSpPr>
+        <p:spPr>
+          <a:xfrm>
+            <a:off x="2799878" y="1534327"/>
+            <a:ext cx="483577" cy="461665"/>
+          </a:xfrm>
+          <a:prstGeom prst="rect">
+            <a:avLst/>
+          </a:prstGeom>
+          <a:solidFill>
+            <a:schemeClr val="accent6">
+              <a:lumMod val="60000"/>
+              <a:lumOff val="40000"/>
+            </a:schemeClr>
+          </a:solidFill>
+        </p:spPr>
+        <p:style>
+          <a:lnRef idx="2">
+            <a:schemeClr val="accent1">
+              <a:shade val="50000"/>
+            </a:schemeClr>
+          </a:lnRef>
+          <a:fillRef idx="1">
+            <a:schemeClr val="accent1"/>
+          </a:fillRef>
+          <a:effectRef idx="0">
+            <a:schemeClr val="accent1"/>
+          </a:effectRef>
+          <a:fontRef idx="minor">
+            <a:schemeClr val="lt1"/>
+          </a:fontRef>
+        </p:style>
+        <p:txBody>
+          <a:bodyPr rtlCol="0" anchor="ctr"/>
+          <a:lstStyle/>
+          <a:p>
+            <a:pPr algn="ctr"/>
+            <a:r>
+              <a:rPr lang="en-GB" dirty="0"/>
+              <a:t>v2</a:t>
+            </a:r>
+          </a:p>
+        </p:txBody>
+      </p:sp>
+      <p:sp>
+        <p:nvSpPr>
+          <p:cNvPr id="161" name="Rectangle 160">
+            <a:extLst>
+              <a:ext uri="{FF2B5EF4-FFF2-40B4-BE49-F238E27FC236}">
+                <a16:creationId xmlns:a16="http://schemas.microsoft.com/office/drawing/2014/main" id="{81043BAA-1429-40BD-8A38-EBC8C29376EA}"/>
+              </a:ext>
+            </a:extLst>
+          </p:cNvPr>
+          <p:cNvSpPr/>
+          <p:nvPr/>
+        </p:nvSpPr>
+        <p:spPr>
+          <a:xfrm>
+            <a:off x="3301514" y="1534327"/>
+            <a:ext cx="483577" cy="461665"/>
+          </a:xfrm>
+          <a:prstGeom prst="rect">
+            <a:avLst/>
+          </a:prstGeom>
+          <a:solidFill>
+            <a:schemeClr val="accent6">
+              <a:lumMod val="60000"/>
+              <a:lumOff val="40000"/>
+            </a:schemeClr>
+          </a:solidFill>
+        </p:spPr>
+        <p:style>
+          <a:lnRef idx="2">
+            <a:schemeClr val="accent1">
+              <a:shade val="50000"/>
+            </a:schemeClr>
+          </a:lnRef>
+          <a:fillRef idx="1">
+            <a:schemeClr val="accent1"/>
+          </a:fillRef>
+          <a:effectRef idx="0">
+            <a:schemeClr val="accent1"/>
+          </a:effectRef>
+          <a:fontRef idx="minor">
+            <a:schemeClr val="lt1"/>
+          </a:fontRef>
+        </p:style>
+        <p:txBody>
+          <a:bodyPr rtlCol="0" anchor="ctr"/>
+          <a:lstStyle/>
+          <a:p>
+            <a:pPr algn="ctr"/>
+            <a:r>
+              <a:rPr lang="en-GB" dirty="0"/>
+              <a:t>v3</a:t>
+            </a:r>
+          </a:p>
+        </p:txBody>
+      </p:sp>
+      <p:sp>
+        <p:nvSpPr>
+          <p:cNvPr id="164" name="Rectangle 163">
+            <a:extLst>
+              <a:ext uri="{FF2B5EF4-FFF2-40B4-BE49-F238E27FC236}">
+                <a16:creationId xmlns:a16="http://schemas.microsoft.com/office/drawing/2014/main" id="{8404CA95-23EA-464A-BF21-1AAFBCE58673}"/>
+              </a:ext>
+            </a:extLst>
+          </p:cNvPr>
+          <p:cNvSpPr/>
+          <p:nvPr/>
+        </p:nvSpPr>
+        <p:spPr>
+          <a:xfrm>
+            <a:off x="3811942" y="1534327"/>
+            <a:ext cx="483577" cy="461665"/>
+          </a:xfrm>
+          <a:prstGeom prst="rect">
+            <a:avLst/>
+          </a:prstGeom>
+          <a:solidFill>
+            <a:schemeClr val="accent6">
+              <a:lumMod val="60000"/>
+              <a:lumOff val="40000"/>
+            </a:schemeClr>
+          </a:solidFill>
+        </p:spPr>
+        <p:style>
+          <a:lnRef idx="2">
+            <a:schemeClr val="accent1">
+              <a:shade val="50000"/>
+            </a:schemeClr>
+          </a:lnRef>
+          <a:fillRef idx="1">
+            <a:schemeClr val="accent1"/>
+          </a:fillRef>
+          <a:effectRef idx="0">
+            <a:schemeClr val="accent1"/>
+          </a:effectRef>
+          <a:fontRef idx="minor">
+            <a:schemeClr val="lt1"/>
+          </a:fontRef>
+        </p:style>
+        <p:txBody>
+          <a:bodyPr rtlCol="0" anchor="ctr"/>
+          <a:lstStyle/>
+          <a:p>
+            <a:pPr algn="ctr"/>
+            <a:endParaRPr lang="en-GB"/>
+          </a:p>
+        </p:txBody>
+      </p:sp>
+      <p:sp>
+        <p:nvSpPr>
+          <p:cNvPr id="167" name="Rectangle 166">
+            <a:extLst>
+              <a:ext uri="{FF2B5EF4-FFF2-40B4-BE49-F238E27FC236}">
+                <a16:creationId xmlns:a16="http://schemas.microsoft.com/office/drawing/2014/main" id="{8A0B8125-7B4E-41B0-89D0-51642E86A0C4}"/>
+              </a:ext>
+            </a:extLst>
+          </p:cNvPr>
+          <p:cNvSpPr/>
+          <p:nvPr/>
+        </p:nvSpPr>
+        <p:spPr>
+          <a:xfrm>
+            <a:off x="4322370" y="1534327"/>
+            <a:ext cx="483577" cy="461665"/>
+          </a:xfrm>
+          <a:prstGeom prst="rect">
+            <a:avLst/>
+          </a:prstGeom>
+          <a:solidFill>
+            <a:schemeClr val="accent6">
+              <a:lumMod val="60000"/>
+              <a:lumOff val="40000"/>
+            </a:schemeClr>
+          </a:solidFill>
+        </p:spPr>
+        <p:style>
+          <a:lnRef idx="2">
+            <a:schemeClr val="accent1">
+              <a:shade val="50000"/>
+            </a:schemeClr>
+          </a:lnRef>
+          <a:fillRef idx="1">
+            <a:schemeClr val="accent1"/>
+          </a:fillRef>
+          <a:effectRef idx="0">
+            <a:schemeClr val="accent1"/>
+          </a:effectRef>
+          <a:fontRef idx="minor">
+            <a:schemeClr val="lt1"/>
+          </a:fontRef>
+        </p:style>
+        <p:txBody>
+          <a:bodyPr rtlCol="0" anchor="ctr"/>
+          <a:lstStyle/>
+          <a:p>
+            <a:pPr algn="ctr"/>
+            <a:r>
+              <a:rPr lang="en-GB" dirty="0" err="1"/>
+              <a:t>vk</a:t>
+            </a:r>
+            <a:endParaRPr lang="en-GB" dirty="0"/>
+          </a:p>
+        </p:txBody>
+      </p:sp>
+      <p:sp>
+        <p:nvSpPr>
+          <p:cNvPr id="118" name="TextBox 117">
+            <a:extLst>
+              <a:ext uri="{FF2B5EF4-FFF2-40B4-BE49-F238E27FC236}">
+                <a16:creationId xmlns:a16="http://schemas.microsoft.com/office/drawing/2014/main" id="{2C7C70F8-01FA-4EF2-A726-4F2EDADAD21E}"/>
+              </a:ext>
+            </a:extLst>
+          </p:cNvPr>
+          <p:cNvSpPr txBox="1"/>
+          <p:nvPr/>
+        </p:nvSpPr>
+        <p:spPr>
+          <a:xfrm>
+            <a:off x="172857" y="2194866"/>
+            <a:ext cx="1400967" cy="830997"/>
+          </a:xfrm>
+          <a:prstGeom prst="rect">
+            <a:avLst/>
+          </a:prstGeom>
+          <a:noFill/>
+        </p:spPr>
+        <p:txBody>
+          <a:bodyPr wrap="square" rtlCol="0">
+            <a:spAutoFit/>
+          </a:bodyPr>
+          <a:lstStyle/>
+          <a:p>
+            <a:pPr algn="r"/>
+            <a:r>
+              <a:rPr lang="en-US" sz="2400" dirty="0"/>
+              <a:t>distance matrix</a:t>
+            </a:r>
+          </a:p>
+        </p:txBody>
+      </p:sp>
+      <p:sp>
+        <p:nvSpPr>
+          <p:cNvPr id="119" name="Rectangle 118">
+            <a:extLst>
+              <a:ext uri="{FF2B5EF4-FFF2-40B4-BE49-F238E27FC236}">
+                <a16:creationId xmlns:a16="http://schemas.microsoft.com/office/drawing/2014/main" id="{F6E767B4-1638-4275-979F-4FA441E79200}"/>
+              </a:ext>
+            </a:extLst>
+          </p:cNvPr>
+          <p:cNvSpPr/>
+          <p:nvPr/>
+        </p:nvSpPr>
+        <p:spPr>
+          <a:xfrm>
+            <a:off x="2289450" y="2194866"/>
+            <a:ext cx="483577" cy="461665"/>
+          </a:xfrm>
+          <a:prstGeom prst="rect">
+            <a:avLst/>
+          </a:prstGeom>
+          <a:solidFill>
+            <a:schemeClr val="accent6">
+              <a:lumMod val="60000"/>
+              <a:lumOff val="40000"/>
+            </a:schemeClr>
+          </a:solidFill>
+        </p:spPr>
+        <p:style>
+          <a:lnRef idx="2">
+            <a:schemeClr val="accent1">
+              <a:shade val="50000"/>
+            </a:schemeClr>
+          </a:lnRef>
+          <a:fillRef idx="1">
+            <a:schemeClr val="accent1"/>
+          </a:fillRef>
+          <a:effectRef idx="0">
+            <a:schemeClr val="accent1"/>
+          </a:effectRef>
+          <a:fontRef idx="minor">
+            <a:schemeClr val="lt1"/>
+          </a:fontRef>
+        </p:style>
+        <p:txBody>
+          <a:bodyPr rtlCol="0" anchor="ctr"/>
+          <a:lstStyle/>
+          <a:p>
+            <a:pPr algn="ctr"/>
+            <a:r>
+              <a:rPr lang="en-GB" dirty="0"/>
+              <a:t>v1</a:t>
+            </a:r>
+          </a:p>
+        </p:txBody>
+      </p:sp>
+      <p:sp>
+        <p:nvSpPr>
+          <p:cNvPr id="120" name="Rectangle 119">
+            <a:extLst>
+              <a:ext uri="{FF2B5EF4-FFF2-40B4-BE49-F238E27FC236}">
+                <a16:creationId xmlns:a16="http://schemas.microsoft.com/office/drawing/2014/main" id="{C2F47C36-E4F3-4B23-9349-143D08A5E988}"/>
+              </a:ext>
+            </a:extLst>
+          </p:cNvPr>
+          <p:cNvSpPr/>
+          <p:nvPr/>
+        </p:nvSpPr>
+        <p:spPr>
+          <a:xfrm>
+            <a:off x="2799878" y="2194866"/>
+            <a:ext cx="483577" cy="461665"/>
+          </a:xfrm>
+          <a:prstGeom prst="rect">
+            <a:avLst/>
+          </a:prstGeom>
+          <a:solidFill>
+            <a:schemeClr val="accent6">
+              <a:lumMod val="60000"/>
+              <a:lumOff val="40000"/>
+            </a:schemeClr>
+          </a:solidFill>
+        </p:spPr>
+        <p:style>
+          <a:lnRef idx="2">
+            <a:schemeClr val="accent1">
+              <a:shade val="50000"/>
+            </a:schemeClr>
+          </a:lnRef>
+          <a:fillRef idx="1">
+            <a:schemeClr val="accent1"/>
+          </a:fillRef>
+          <a:effectRef idx="0">
+            <a:schemeClr val="accent1"/>
+          </a:effectRef>
+          <a:fontRef idx="minor">
+            <a:schemeClr val="lt1"/>
+          </a:fontRef>
+        </p:style>
+        <p:txBody>
+          <a:bodyPr rtlCol="0" anchor="ctr"/>
+          <a:lstStyle/>
+          <a:p>
+            <a:pPr algn="ctr"/>
+            <a:r>
+              <a:rPr lang="en-GB" dirty="0"/>
+              <a:t>v2</a:t>
+            </a:r>
+          </a:p>
+        </p:txBody>
+      </p:sp>
+      <p:sp>
+        <p:nvSpPr>
+          <p:cNvPr id="121" name="Rectangle 120">
+            <a:extLst>
+              <a:ext uri="{FF2B5EF4-FFF2-40B4-BE49-F238E27FC236}">
+                <a16:creationId xmlns:a16="http://schemas.microsoft.com/office/drawing/2014/main" id="{76E9578F-66A8-41EF-90C0-956AA228AD0D}"/>
+              </a:ext>
+            </a:extLst>
+          </p:cNvPr>
+          <p:cNvSpPr/>
+          <p:nvPr/>
+        </p:nvSpPr>
+        <p:spPr>
+          <a:xfrm>
+            <a:off x="3301514" y="2194866"/>
+            <a:ext cx="483577" cy="461665"/>
+          </a:xfrm>
+          <a:prstGeom prst="rect">
+            <a:avLst/>
+          </a:prstGeom>
+          <a:solidFill>
+            <a:schemeClr val="accent6">
+              <a:lumMod val="60000"/>
+              <a:lumOff val="40000"/>
+            </a:schemeClr>
+          </a:solidFill>
+        </p:spPr>
+        <p:style>
+          <a:lnRef idx="2">
+            <a:schemeClr val="accent1">
+              <a:shade val="50000"/>
+            </a:schemeClr>
+          </a:lnRef>
+          <a:fillRef idx="1">
+            <a:schemeClr val="accent1"/>
+          </a:fillRef>
+          <a:effectRef idx="0">
+            <a:schemeClr val="accent1"/>
+          </a:effectRef>
+          <a:fontRef idx="minor">
+            <a:schemeClr val="lt1"/>
+          </a:fontRef>
+        </p:style>
+        <p:txBody>
+          <a:bodyPr rtlCol="0" anchor="ctr"/>
+          <a:lstStyle/>
+          <a:p>
+            <a:pPr algn="ctr"/>
+            <a:r>
+              <a:rPr lang="en-GB" dirty="0"/>
+              <a:t>v3</a:t>
+            </a:r>
+          </a:p>
+        </p:txBody>
+      </p:sp>
+      <p:sp>
+        <p:nvSpPr>
+          <p:cNvPr id="122" name="Rectangle 121">
+            <a:extLst>
+              <a:ext uri="{FF2B5EF4-FFF2-40B4-BE49-F238E27FC236}">
+                <a16:creationId xmlns:a16="http://schemas.microsoft.com/office/drawing/2014/main" id="{ED657AD9-D42C-4FBD-B80F-10FE25961644}"/>
+              </a:ext>
+            </a:extLst>
+          </p:cNvPr>
+          <p:cNvSpPr/>
+          <p:nvPr/>
+        </p:nvSpPr>
+        <p:spPr>
+          <a:xfrm>
+            <a:off x="3811942" y="2194866"/>
+            <a:ext cx="483577" cy="461665"/>
+          </a:xfrm>
+          <a:prstGeom prst="rect">
+            <a:avLst/>
+          </a:prstGeom>
+          <a:solidFill>
+            <a:schemeClr val="accent6">
+              <a:lumMod val="60000"/>
+              <a:lumOff val="40000"/>
+            </a:schemeClr>
+          </a:solidFill>
+        </p:spPr>
+        <p:style>
+          <a:lnRef idx="2">
+            <a:schemeClr val="accent1">
+              <a:shade val="50000"/>
+            </a:schemeClr>
+          </a:lnRef>
+          <a:fillRef idx="1">
+            <a:schemeClr val="accent1"/>
+          </a:fillRef>
+          <a:effectRef idx="0">
+            <a:schemeClr val="accent1"/>
+          </a:effectRef>
+          <a:fontRef idx="minor">
+            <a:schemeClr val="lt1"/>
+          </a:fontRef>
+        </p:style>
+        <p:txBody>
+          <a:bodyPr rtlCol="0" anchor="ctr"/>
+          <a:lstStyle/>
+          <a:p>
+            <a:pPr algn="ctr"/>
+            <a:endParaRPr lang="en-GB"/>
+          </a:p>
+        </p:txBody>
+      </p:sp>
+      <p:sp>
+        <p:nvSpPr>
+          <p:cNvPr id="123" name="Rectangle 122">
+            <a:extLst>
+              <a:ext uri="{FF2B5EF4-FFF2-40B4-BE49-F238E27FC236}">
+                <a16:creationId xmlns:a16="http://schemas.microsoft.com/office/drawing/2014/main" id="{86134F71-03C7-42ED-8B7B-BD4F2F0042F7}"/>
+              </a:ext>
+            </a:extLst>
+          </p:cNvPr>
+          <p:cNvSpPr/>
+          <p:nvPr/>
+        </p:nvSpPr>
+        <p:spPr>
+          <a:xfrm>
+            <a:off x="4322370" y="2194866"/>
+            <a:ext cx="483577" cy="461665"/>
+          </a:xfrm>
+          <a:prstGeom prst="rect">
+            <a:avLst/>
+          </a:prstGeom>
+          <a:solidFill>
+            <a:schemeClr val="accent6">
+              <a:lumMod val="60000"/>
+              <a:lumOff val="40000"/>
+            </a:schemeClr>
+          </a:solidFill>
+        </p:spPr>
+        <p:style>
+          <a:lnRef idx="2">
+            <a:schemeClr val="accent1">
+              <a:shade val="50000"/>
+            </a:schemeClr>
+          </a:lnRef>
+          <a:fillRef idx="1">
+            <a:schemeClr val="accent1"/>
+          </a:fillRef>
+          <a:effectRef idx="0">
+            <a:schemeClr val="accent1"/>
+          </a:effectRef>
+          <a:fontRef idx="minor">
+            <a:schemeClr val="lt1"/>
+          </a:fontRef>
+        </p:style>
+        <p:txBody>
+          <a:bodyPr rtlCol="0" anchor="ctr"/>
+          <a:lstStyle/>
+          <a:p>
+            <a:pPr algn="ctr"/>
+            <a:r>
+              <a:rPr lang="en-GB" dirty="0" err="1"/>
+              <a:t>vk</a:t>
+            </a:r>
+            <a:endParaRPr lang="en-GB" dirty="0"/>
+          </a:p>
+        </p:txBody>
+      </p:sp>
+      <p:sp>
+        <p:nvSpPr>
+          <p:cNvPr id="124" name="Rectangle 123">
+            <a:extLst>
+              <a:ext uri="{FF2B5EF4-FFF2-40B4-BE49-F238E27FC236}">
+                <a16:creationId xmlns:a16="http://schemas.microsoft.com/office/drawing/2014/main" id="{33D69B6C-EF1B-409D-9129-10067CAF65EB}"/>
+              </a:ext>
+            </a:extLst>
+          </p:cNvPr>
+          <p:cNvSpPr/>
+          <p:nvPr/>
+        </p:nvSpPr>
+        <p:spPr>
+          <a:xfrm>
+            <a:off x="1779497" y="2682907"/>
+            <a:ext cx="483577" cy="461665"/>
+          </a:xfrm>
+          <a:prstGeom prst="rect">
+            <a:avLst/>
+          </a:prstGeom>
+          <a:solidFill>
+            <a:schemeClr val="accent6">
+              <a:lumMod val="60000"/>
+              <a:lumOff val="40000"/>
+            </a:schemeClr>
+          </a:solidFill>
+        </p:spPr>
+        <p:style>
+          <a:lnRef idx="2">
+            <a:schemeClr val="accent1">
+              <a:shade val="50000"/>
+            </a:schemeClr>
+          </a:lnRef>
+          <a:fillRef idx="1">
+            <a:schemeClr val="accent1"/>
+          </a:fillRef>
+          <a:effectRef idx="0">
+            <a:schemeClr val="accent1"/>
+          </a:effectRef>
+          <a:fontRef idx="minor">
+            <a:schemeClr val="lt1"/>
+          </a:fontRef>
+        </p:style>
+        <p:txBody>
+          <a:bodyPr rtlCol="0" anchor="ctr"/>
+          <a:lstStyle/>
+          <a:p>
+            <a:pPr algn="ctr"/>
+            <a:r>
+              <a:rPr lang="en-GB" dirty="0"/>
+              <a:t>v1</a:t>
+            </a:r>
+          </a:p>
+        </p:txBody>
+      </p:sp>
+      <p:sp>
+        <p:nvSpPr>
+          <p:cNvPr id="125" name="Rectangle 124">
+            <a:extLst>
+              <a:ext uri="{FF2B5EF4-FFF2-40B4-BE49-F238E27FC236}">
+                <a16:creationId xmlns:a16="http://schemas.microsoft.com/office/drawing/2014/main" id="{FE0A2368-7574-45CA-8B58-1C101382B590}"/>
+              </a:ext>
+            </a:extLst>
+          </p:cNvPr>
+          <p:cNvSpPr/>
+          <p:nvPr/>
+        </p:nvSpPr>
+        <p:spPr>
+          <a:xfrm>
+            <a:off x="1779497" y="3171079"/>
+            <a:ext cx="483577" cy="461665"/>
+          </a:xfrm>
+          <a:prstGeom prst="rect">
+            <a:avLst/>
+          </a:prstGeom>
+          <a:solidFill>
+            <a:schemeClr val="accent6">
+              <a:lumMod val="60000"/>
+              <a:lumOff val="40000"/>
+            </a:schemeClr>
+          </a:solidFill>
+        </p:spPr>
+        <p:style>
+          <a:lnRef idx="2">
+            <a:schemeClr val="accent1">
+              <a:shade val="50000"/>
+            </a:schemeClr>
+          </a:lnRef>
+          <a:fillRef idx="1">
+            <a:schemeClr val="accent1"/>
+          </a:fillRef>
+          <a:effectRef idx="0">
+            <a:schemeClr val="accent1"/>
+          </a:effectRef>
+          <a:fontRef idx="minor">
+            <a:schemeClr val="lt1"/>
+          </a:fontRef>
+        </p:style>
+        <p:txBody>
+          <a:bodyPr rtlCol="0" anchor="ctr"/>
+          <a:lstStyle/>
+          <a:p>
+            <a:pPr algn="ctr"/>
+            <a:r>
+              <a:rPr lang="en-GB" dirty="0"/>
+              <a:t>v2</a:t>
+            </a:r>
+          </a:p>
+        </p:txBody>
+      </p:sp>
+      <p:sp>
+        <p:nvSpPr>
+          <p:cNvPr id="126" name="Rectangle 125">
+            <a:extLst>
+              <a:ext uri="{FF2B5EF4-FFF2-40B4-BE49-F238E27FC236}">
+                <a16:creationId xmlns:a16="http://schemas.microsoft.com/office/drawing/2014/main" id="{6EE31AFC-D88B-4C93-81EA-EECC1826AF03}"/>
+              </a:ext>
+            </a:extLst>
+          </p:cNvPr>
+          <p:cNvSpPr/>
+          <p:nvPr/>
+        </p:nvSpPr>
+        <p:spPr>
+          <a:xfrm>
+            <a:off x="1779497" y="3659251"/>
+            <a:ext cx="483577" cy="461665"/>
+          </a:xfrm>
+          <a:prstGeom prst="rect">
+            <a:avLst/>
+          </a:prstGeom>
+          <a:solidFill>
+            <a:schemeClr val="accent6">
+              <a:lumMod val="60000"/>
+              <a:lumOff val="40000"/>
+            </a:schemeClr>
+          </a:solidFill>
+        </p:spPr>
+        <p:style>
+          <a:lnRef idx="2">
+            <a:schemeClr val="accent1">
+              <a:shade val="50000"/>
+            </a:schemeClr>
+          </a:lnRef>
+          <a:fillRef idx="1">
+            <a:schemeClr val="accent1"/>
+          </a:fillRef>
+          <a:effectRef idx="0">
+            <a:schemeClr val="accent1"/>
+          </a:effectRef>
+          <a:fontRef idx="minor">
+            <a:schemeClr val="lt1"/>
+          </a:fontRef>
+        </p:style>
+        <p:txBody>
+          <a:bodyPr rtlCol="0" anchor="ctr"/>
+          <a:lstStyle/>
+          <a:p>
+            <a:pPr algn="ctr"/>
+            <a:r>
+              <a:rPr lang="en-GB" dirty="0"/>
+              <a:t>v3</a:t>
+            </a:r>
+          </a:p>
+        </p:txBody>
+      </p:sp>
+      <p:sp>
+        <p:nvSpPr>
+          <p:cNvPr id="127" name="Rectangle 126">
+            <a:extLst>
+              <a:ext uri="{FF2B5EF4-FFF2-40B4-BE49-F238E27FC236}">
+                <a16:creationId xmlns:a16="http://schemas.microsoft.com/office/drawing/2014/main" id="{CE7970C0-BFC9-4BAC-9159-47ED47FC6150}"/>
+              </a:ext>
+            </a:extLst>
+          </p:cNvPr>
+          <p:cNvSpPr/>
+          <p:nvPr/>
+        </p:nvSpPr>
+        <p:spPr>
+          <a:xfrm>
+            <a:off x="1779497" y="4147423"/>
+            <a:ext cx="483577" cy="461665"/>
+          </a:xfrm>
+          <a:prstGeom prst="rect">
+            <a:avLst/>
+          </a:prstGeom>
+          <a:solidFill>
+            <a:schemeClr val="accent6">
+              <a:lumMod val="60000"/>
+              <a:lumOff val="40000"/>
+            </a:schemeClr>
+          </a:solidFill>
+        </p:spPr>
+        <p:style>
+          <a:lnRef idx="2">
+            <a:schemeClr val="accent1">
+              <a:shade val="50000"/>
+            </a:schemeClr>
+          </a:lnRef>
+          <a:fillRef idx="1">
+            <a:schemeClr val="accent1"/>
+          </a:fillRef>
+          <a:effectRef idx="0">
+            <a:schemeClr val="accent1"/>
+          </a:effectRef>
+          <a:fontRef idx="minor">
+            <a:schemeClr val="lt1"/>
+          </a:fontRef>
+        </p:style>
+        <p:txBody>
+          <a:bodyPr rtlCol="0" anchor="ctr"/>
+          <a:lstStyle/>
+          <a:p>
+            <a:pPr algn="ctr"/>
+            <a:endParaRPr lang="en-GB"/>
+          </a:p>
+        </p:txBody>
+      </p:sp>
+      <p:sp>
+        <p:nvSpPr>
+          <p:cNvPr id="128" name="Rectangle 127">
+            <a:extLst>
+              <a:ext uri="{FF2B5EF4-FFF2-40B4-BE49-F238E27FC236}">
+                <a16:creationId xmlns:a16="http://schemas.microsoft.com/office/drawing/2014/main" id="{8A47CC4D-8516-45E2-B67D-EBC3E5D1F5CE}"/>
+              </a:ext>
+            </a:extLst>
+          </p:cNvPr>
+          <p:cNvSpPr/>
+          <p:nvPr/>
+        </p:nvSpPr>
+        <p:spPr>
+          <a:xfrm>
+            <a:off x="1779497" y="4635595"/>
+            <a:ext cx="483577" cy="461665"/>
+          </a:xfrm>
+          <a:prstGeom prst="rect">
+            <a:avLst/>
+          </a:prstGeom>
+          <a:solidFill>
+            <a:schemeClr val="accent6">
+              <a:lumMod val="60000"/>
+              <a:lumOff val="40000"/>
+            </a:schemeClr>
+          </a:solidFill>
+        </p:spPr>
+        <p:style>
+          <a:lnRef idx="2">
+            <a:schemeClr val="accent1">
+              <a:shade val="50000"/>
+            </a:schemeClr>
+          </a:lnRef>
+          <a:fillRef idx="1">
+            <a:schemeClr val="accent1"/>
+          </a:fillRef>
+          <a:effectRef idx="0">
+            <a:schemeClr val="accent1"/>
+          </a:effectRef>
+          <a:fontRef idx="minor">
+            <a:schemeClr val="lt1"/>
+          </a:fontRef>
+        </p:style>
+        <p:txBody>
+          <a:bodyPr rtlCol="0" anchor="ctr"/>
+          <a:lstStyle/>
+          <a:p>
+            <a:pPr algn="ctr"/>
+            <a:r>
+              <a:rPr lang="en-GB" dirty="0" err="1"/>
+              <a:t>vk</a:t>
+            </a:r>
+            <a:endParaRPr lang="en-GB" dirty="0"/>
+          </a:p>
+        </p:txBody>
+      </p:sp>
+      <p:sp>
+        <p:nvSpPr>
+          <p:cNvPr id="130" name="Rectangle 129">
+            <a:extLst>
+              <a:ext uri="{FF2B5EF4-FFF2-40B4-BE49-F238E27FC236}">
+                <a16:creationId xmlns:a16="http://schemas.microsoft.com/office/drawing/2014/main" id="{FEDF05F4-0DDC-4D46-B207-202D26990485}"/>
+              </a:ext>
+            </a:extLst>
+          </p:cNvPr>
+          <p:cNvSpPr/>
+          <p:nvPr/>
+        </p:nvSpPr>
+        <p:spPr>
+          <a:xfrm>
+            <a:off x="2289450" y="2682907"/>
+            <a:ext cx="483577" cy="461665"/>
+          </a:xfrm>
+          <a:prstGeom prst="rect">
+            <a:avLst/>
+          </a:prstGeom>
+          <a:solidFill>
+            <a:schemeClr val="bg1">
+              <a:lumMod val="75000"/>
+            </a:schemeClr>
+          </a:solidFill>
+        </p:spPr>
+        <p:style>
+          <a:lnRef idx="2">
+            <a:schemeClr val="accent1">
+              <a:shade val="50000"/>
+            </a:schemeClr>
+          </a:lnRef>
+          <a:fillRef idx="1">
+            <a:schemeClr val="accent1"/>
+          </a:fillRef>
+          <a:effectRef idx="0">
+            <a:schemeClr val="accent1"/>
+          </a:effectRef>
+          <a:fontRef idx="minor">
+            <a:schemeClr val="lt1"/>
+          </a:fontRef>
+        </p:style>
+        <p:txBody>
+          <a:bodyPr rtlCol="0" anchor="ctr"/>
+          <a:lstStyle/>
+          <a:p>
+            <a:pPr algn="ctr"/>
+            <a:r>
+              <a:rPr lang="en-GB" dirty="0">
+                <a:solidFill>
+                  <a:schemeClr val="tx1"/>
+                </a:solidFill>
+              </a:rPr>
+              <a:t>0</a:t>
+            </a:r>
+          </a:p>
+        </p:txBody>
+      </p:sp>
+      <p:sp>
+        <p:nvSpPr>
+          <p:cNvPr id="131" name="Rectangle 130">
+            <a:extLst>
+              <a:ext uri="{FF2B5EF4-FFF2-40B4-BE49-F238E27FC236}">
+                <a16:creationId xmlns:a16="http://schemas.microsoft.com/office/drawing/2014/main" id="{29ECF4B4-9B07-4B8C-86C2-4E6A6AD3C50C}"/>
+              </a:ext>
+            </a:extLst>
+          </p:cNvPr>
+          <p:cNvSpPr/>
+          <p:nvPr/>
+        </p:nvSpPr>
+        <p:spPr>
+          <a:xfrm>
+            <a:off x="2289450" y="3171079"/>
+            <a:ext cx="483577" cy="461665"/>
+          </a:xfrm>
+          <a:prstGeom prst="rect">
+            <a:avLst/>
+          </a:prstGeom>
+          <a:solidFill>
+            <a:schemeClr val="bg2">
+              <a:lumMod val="90000"/>
+            </a:schemeClr>
+          </a:solidFill>
+        </p:spPr>
+        <p:style>
+          <a:lnRef idx="2">
+            <a:schemeClr val="accent1">
+              <a:shade val="50000"/>
+            </a:schemeClr>
+          </a:lnRef>
+          <a:fillRef idx="1">
+            <a:schemeClr val="accent1"/>
+          </a:fillRef>
+          <a:effectRef idx="0">
+            <a:schemeClr val="accent1"/>
+          </a:effectRef>
+          <a:fontRef idx="minor">
+            <a:schemeClr val="lt1"/>
+          </a:fontRef>
+        </p:style>
+        <p:txBody>
+          <a:bodyPr rtlCol="0" anchor="ctr"/>
+          <a:lstStyle/>
+          <a:p>
+            <a:pPr algn="ctr"/>
+            <a:endParaRPr lang="en-GB" dirty="0"/>
+          </a:p>
+        </p:txBody>
+      </p:sp>
+      <p:sp>
+        <p:nvSpPr>
+          <p:cNvPr id="132" name="Rectangle 131">
+            <a:extLst>
+              <a:ext uri="{FF2B5EF4-FFF2-40B4-BE49-F238E27FC236}">
+                <a16:creationId xmlns:a16="http://schemas.microsoft.com/office/drawing/2014/main" id="{9CE4BE78-629E-472B-B68C-D0A948C8D52F}"/>
+              </a:ext>
+            </a:extLst>
+          </p:cNvPr>
+          <p:cNvSpPr/>
+          <p:nvPr/>
+        </p:nvSpPr>
+        <p:spPr>
+          <a:xfrm>
+            <a:off x="2289450" y="3659251"/>
+            <a:ext cx="483577" cy="461665"/>
+          </a:xfrm>
+          <a:prstGeom prst="rect">
+            <a:avLst/>
+          </a:prstGeom>
+          <a:solidFill>
+            <a:schemeClr val="bg2">
+              <a:lumMod val="90000"/>
+            </a:schemeClr>
+          </a:solidFill>
+        </p:spPr>
+        <p:style>
+          <a:lnRef idx="2">
+            <a:schemeClr val="accent1">
+              <a:shade val="50000"/>
+            </a:schemeClr>
+          </a:lnRef>
+          <a:fillRef idx="1">
+            <a:schemeClr val="accent1"/>
+          </a:fillRef>
+          <a:effectRef idx="0">
+            <a:schemeClr val="accent1"/>
+          </a:effectRef>
+          <a:fontRef idx="minor">
+            <a:schemeClr val="lt1"/>
+          </a:fontRef>
+        </p:style>
+        <p:txBody>
+          <a:bodyPr rtlCol="0" anchor="ctr"/>
+          <a:lstStyle/>
+          <a:p>
+            <a:pPr algn="ctr"/>
+            <a:endParaRPr lang="en-GB" dirty="0"/>
+          </a:p>
+        </p:txBody>
+      </p:sp>
+      <p:sp>
+        <p:nvSpPr>
+          <p:cNvPr id="133" name="Rectangle 132">
+            <a:extLst>
+              <a:ext uri="{FF2B5EF4-FFF2-40B4-BE49-F238E27FC236}">
+                <a16:creationId xmlns:a16="http://schemas.microsoft.com/office/drawing/2014/main" id="{F35739EC-1D69-4564-AF47-95C3D7C4A0FD}"/>
+              </a:ext>
+            </a:extLst>
+          </p:cNvPr>
+          <p:cNvSpPr/>
+          <p:nvPr/>
+        </p:nvSpPr>
+        <p:spPr>
+          <a:xfrm>
+            <a:off x="2289450" y="4147423"/>
+            <a:ext cx="483577" cy="461665"/>
+          </a:xfrm>
+          <a:prstGeom prst="rect">
+            <a:avLst/>
+          </a:prstGeom>
+          <a:solidFill>
+            <a:schemeClr val="bg2">
+              <a:lumMod val="90000"/>
+            </a:schemeClr>
+          </a:solidFill>
+        </p:spPr>
+        <p:style>
+          <a:lnRef idx="2">
+            <a:schemeClr val="accent1">
+              <a:shade val="50000"/>
+            </a:schemeClr>
+          </a:lnRef>
+          <a:fillRef idx="1">
+            <a:schemeClr val="accent1"/>
+          </a:fillRef>
+          <a:effectRef idx="0">
+            <a:schemeClr val="accent1"/>
+          </a:effectRef>
+          <a:fontRef idx="minor">
+            <a:schemeClr val="lt1"/>
+          </a:fontRef>
+        </p:style>
+        <p:txBody>
+          <a:bodyPr rtlCol="0" anchor="ctr"/>
+          <a:lstStyle/>
+          <a:p>
+            <a:pPr algn="ctr"/>
+            <a:endParaRPr lang="en-GB"/>
+          </a:p>
+        </p:txBody>
+      </p:sp>
+      <p:sp>
+        <p:nvSpPr>
+          <p:cNvPr id="134" name="Rectangle 133">
+            <a:extLst>
+              <a:ext uri="{FF2B5EF4-FFF2-40B4-BE49-F238E27FC236}">
+                <a16:creationId xmlns:a16="http://schemas.microsoft.com/office/drawing/2014/main" id="{22CC21C1-CAA5-4AF9-B39B-0A080C9E9F9D}"/>
+              </a:ext>
+            </a:extLst>
+          </p:cNvPr>
+          <p:cNvSpPr/>
+          <p:nvPr/>
+        </p:nvSpPr>
+        <p:spPr>
+          <a:xfrm>
+            <a:off x="2289450" y="4635595"/>
+            <a:ext cx="483577" cy="461665"/>
+          </a:xfrm>
+          <a:prstGeom prst="rect">
+            <a:avLst/>
+          </a:prstGeom>
+          <a:solidFill>
+            <a:schemeClr val="bg2">
+              <a:lumMod val="90000"/>
+            </a:schemeClr>
+          </a:solidFill>
+        </p:spPr>
+        <p:style>
+          <a:lnRef idx="2">
+            <a:schemeClr val="accent1">
+              <a:shade val="50000"/>
+            </a:schemeClr>
+          </a:lnRef>
+          <a:fillRef idx="1">
+            <a:schemeClr val="accent1"/>
+          </a:fillRef>
+          <a:effectRef idx="0">
+            <a:schemeClr val="accent1"/>
+          </a:effectRef>
+          <a:fontRef idx="minor">
+            <a:schemeClr val="lt1"/>
+          </a:fontRef>
+        </p:style>
+        <p:txBody>
+          <a:bodyPr rtlCol="0" anchor="ctr"/>
+          <a:lstStyle/>
+          <a:p>
+            <a:pPr algn="ctr"/>
+            <a:endParaRPr lang="en-GB" dirty="0"/>
+          </a:p>
+        </p:txBody>
+      </p:sp>
+      <p:sp>
+        <p:nvSpPr>
+          <p:cNvPr id="145" name="Rectangle 144">
+            <a:extLst>
+              <a:ext uri="{FF2B5EF4-FFF2-40B4-BE49-F238E27FC236}">
+                <a16:creationId xmlns:a16="http://schemas.microsoft.com/office/drawing/2014/main" id="{BD6809B7-C0EA-4A9C-AAB2-9F3B05CFA700}"/>
+              </a:ext>
+            </a:extLst>
+          </p:cNvPr>
+          <p:cNvSpPr/>
+          <p:nvPr/>
+        </p:nvSpPr>
+        <p:spPr>
+          <a:xfrm>
+            <a:off x="2799878" y="2682907"/>
+            <a:ext cx="483577" cy="461665"/>
+          </a:xfrm>
+          <a:prstGeom prst="rect">
+            <a:avLst/>
+          </a:prstGeom>
+          <a:solidFill>
+            <a:srgbClr val="FFC000"/>
+          </a:solidFill>
+        </p:spPr>
+        <p:style>
+          <a:lnRef idx="2">
+            <a:schemeClr val="accent1">
+              <a:shade val="50000"/>
+            </a:schemeClr>
+          </a:lnRef>
+          <a:fillRef idx="1">
+            <a:schemeClr val="accent1"/>
+          </a:fillRef>
+          <a:effectRef idx="0">
+            <a:schemeClr val="accent1"/>
+          </a:effectRef>
+          <a:fontRef idx="minor">
+            <a:schemeClr val="lt1"/>
+          </a:fontRef>
+        </p:style>
+        <p:txBody>
+          <a:bodyPr rtlCol="0" anchor="ctr"/>
+          <a:lstStyle/>
+          <a:p>
+            <a:pPr algn="ctr"/>
+            <a:endParaRPr lang="en-GB" dirty="0"/>
+          </a:p>
+        </p:txBody>
+      </p:sp>
+      <p:sp>
+        <p:nvSpPr>
+          <p:cNvPr id="146" name="Rectangle 145">
+            <a:extLst>
+              <a:ext uri="{FF2B5EF4-FFF2-40B4-BE49-F238E27FC236}">
+                <a16:creationId xmlns:a16="http://schemas.microsoft.com/office/drawing/2014/main" id="{7B6732B2-3B87-4D2C-BD40-7B14AD97ED63}"/>
+              </a:ext>
+            </a:extLst>
+          </p:cNvPr>
+          <p:cNvSpPr/>
+          <p:nvPr/>
+        </p:nvSpPr>
+        <p:spPr>
+          <a:xfrm>
+            <a:off x="2799878" y="3171079"/>
+            <a:ext cx="483577" cy="461665"/>
+          </a:xfrm>
+          <a:prstGeom prst="rect">
+            <a:avLst/>
+          </a:prstGeom>
+          <a:solidFill>
+            <a:schemeClr val="bg1">
+              <a:lumMod val="75000"/>
+            </a:schemeClr>
+          </a:solidFill>
+        </p:spPr>
+        <p:style>
+          <a:lnRef idx="2">
+            <a:schemeClr val="accent1">
+              <a:shade val="50000"/>
+            </a:schemeClr>
+          </a:lnRef>
+          <a:fillRef idx="1">
+            <a:schemeClr val="accent1"/>
+          </a:fillRef>
+          <a:effectRef idx="0">
+            <a:schemeClr val="accent1"/>
+          </a:effectRef>
+          <a:fontRef idx="minor">
+            <a:schemeClr val="lt1"/>
+          </a:fontRef>
+        </p:style>
+        <p:txBody>
+          <a:bodyPr rtlCol="0" anchor="ctr"/>
+          <a:lstStyle/>
+          <a:p>
+            <a:pPr algn="ctr"/>
+            <a:r>
+              <a:rPr lang="en-GB" dirty="0">
+                <a:solidFill>
+                  <a:schemeClr val="tx1"/>
+                </a:solidFill>
+              </a:rPr>
+              <a:t>0</a:t>
+            </a:r>
+          </a:p>
+        </p:txBody>
+      </p:sp>
+      <p:sp>
+        <p:nvSpPr>
+          <p:cNvPr id="147" name="Rectangle 146">
+            <a:extLst>
+              <a:ext uri="{FF2B5EF4-FFF2-40B4-BE49-F238E27FC236}">
+                <a16:creationId xmlns:a16="http://schemas.microsoft.com/office/drawing/2014/main" id="{D42C9829-3E90-40BE-A73E-68844AA11E3C}"/>
+              </a:ext>
+            </a:extLst>
+          </p:cNvPr>
+          <p:cNvSpPr/>
+          <p:nvPr/>
+        </p:nvSpPr>
+        <p:spPr>
+          <a:xfrm>
+            <a:off x="2799878" y="3659251"/>
+            <a:ext cx="483577" cy="461665"/>
+          </a:xfrm>
+          <a:prstGeom prst="rect">
+            <a:avLst/>
+          </a:prstGeom>
+          <a:solidFill>
+            <a:schemeClr val="bg2">
+              <a:lumMod val="90000"/>
+            </a:schemeClr>
+          </a:solidFill>
+        </p:spPr>
+        <p:style>
+          <a:lnRef idx="2">
+            <a:schemeClr val="accent1">
+              <a:shade val="50000"/>
+            </a:schemeClr>
+          </a:lnRef>
+          <a:fillRef idx="1">
+            <a:schemeClr val="accent1"/>
+          </a:fillRef>
+          <a:effectRef idx="0">
+            <a:schemeClr val="accent1"/>
+          </a:effectRef>
+          <a:fontRef idx="minor">
+            <a:schemeClr val="lt1"/>
+          </a:fontRef>
+        </p:style>
+        <p:txBody>
+          <a:bodyPr rtlCol="0" anchor="ctr"/>
+          <a:lstStyle/>
+          <a:p>
+            <a:pPr algn="ctr"/>
+            <a:endParaRPr lang="en-GB" dirty="0"/>
+          </a:p>
+        </p:txBody>
+      </p:sp>
+      <p:sp>
+        <p:nvSpPr>
+          <p:cNvPr id="154" name="Rectangle 153">
+            <a:extLst>
+              <a:ext uri="{FF2B5EF4-FFF2-40B4-BE49-F238E27FC236}">
+                <a16:creationId xmlns:a16="http://schemas.microsoft.com/office/drawing/2014/main" id="{0A3DEF28-3CF4-4432-A7CE-43ABF3123F05}"/>
+              </a:ext>
+            </a:extLst>
+          </p:cNvPr>
+          <p:cNvSpPr/>
+          <p:nvPr/>
+        </p:nvSpPr>
+        <p:spPr>
+          <a:xfrm>
+            <a:off x="2799878" y="4147423"/>
+            <a:ext cx="483577" cy="461665"/>
+          </a:xfrm>
+          <a:prstGeom prst="rect">
+            <a:avLst/>
+          </a:prstGeom>
+          <a:solidFill>
+            <a:schemeClr val="bg2">
+              <a:lumMod val="90000"/>
+            </a:schemeClr>
+          </a:solidFill>
+        </p:spPr>
+        <p:style>
+          <a:lnRef idx="2">
+            <a:schemeClr val="accent1">
+              <a:shade val="50000"/>
+            </a:schemeClr>
+          </a:lnRef>
+          <a:fillRef idx="1">
+            <a:schemeClr val="accent1"/>
+          </a:fillRef>
+          <a:effectRef idx="0">
+            <a:schemeClr val="accent1"/>
+          </a:effectRef>
+          <a:fontRef idx="minor">
+            <a:schemeClr val="lt1"/>
+          </a:fontRef>
+        </p:style>
+        <p:txBody>
+          <a:bodyPr rtlCol="0" anchor="ctr"/>
+          <a:lstStyle/>
+          <a:p>
+            <a:pPr algn="ctr"/>
+            <a:endParaRPr lang="en-GB"/>
+          </a:p>
+        </p:txBody>
+      </p:sp>
+      <p:sp>
+        <p:nvSpPr>
+          <p:cNvPr id="156" name="Rectangle 155">
+            <a:extLst>
+              <a:ext uri="{FF2B5EF4-FFF2-40B4-BE49-F238E27FC236}">
+                <a16:creationId xmlns:a16="http://schemas.microsoft.com/office/drawing/2014/main" id="{EB7D1001-6A71-4641-A69F-A46EB9E8BEC5}"/>
+              </a:ext>
+            </a:extLst>
+          </p:cNvPr>
+          <p:cNvSpPr/>
+          <p:nvPr/>
+        </p:nvSpPr>
+        <p:spPr>
+          <a:xfrm>
+            <a:off x="2799878" y="4635595"/>
+            <a:ext cx="483577" cy="461665"/>
+          </a:xfrm>
+          <a:prstGeom prst="rect">
+            <a:avLst/>
+          </a:prstGeom>
+          <a:solidFill>
+            <a:schemeClr val="bg2">
+              <a:lumMod val="90000"/>
+            </a:schemeClr>
+          </a:solidFill>
+        </p:spPr>
+        <p:style>
+          <a:lnRef idx="2">
+            <a:schemeClr val="accent1">
+              <a:shade val="50000"/>
+            </a:schemeClr>
+          </a:lnRef>
+          <a:fillRef idx="1">
+            <a:schemeClr val="accent1"/>
+          </a:fillRef>
+          <a:effectRef idx="0">
+            <a:schemeClr val="accent1"/>
+          </a:effectRef>
+          <a:fontRef idx="minor">
+            <a:schemeClr val="lt1"/>
+          </a:fontRef>
+        </p:style>
+        <p:txBody>
+          <a:bodyPr rtlCol="0" anchor="ctr"/>
+          <a:lstStyle/>
+          <a:p>
+            <a:pPr algn="ctr"/>
+            <a:r>
+              <a:rPr lang="en-GB" dirty="0">
+                <a:solidFill>
+                  <a:schemeClr val="tx1"/>
+                </a:solidFill>
+              </a:rPr>
+              <a:t>v</a:t>
+            </a:r>
+          </a:p>
+        </p:txBody>
+      </p:sp>
+      <p:sp>
+        <p:nvSpPr>
+          <p:cNvPr id="157" name="Rectangle 156">
+            <a:extLst>
+              <a:ext uri="{FF2B5EF4-FFF2-40B4-BE49-F238E27FC236}">
+                <a16:creationId xmlns:a16="http://schemas.microsoft.com/office/drawing/2014/main" id="{F13D0BFF-4AD1-45D9-90B1-C7CDB6B606E9}"/>
+              </a:ext>
+            </a:extLst>
+          </p:cNvPr>
+          <p:cNvSpPr/>
+          <p:nvPr/>
+        </p:nvSpPr>
+        <p:spPr>
+          <a:xfrm>
+            <a:off x="3301514" y="2682907"/>
+            <a:ext cx="483577" cy="461665"/>
+          </a:xfrm>
+          <a:prstGeom prst="rect">
+            <a:avLst/>
+          </a:prstGeom>
+          <a:solidFill>
+            <a:srgbClr val="FFC000"/>
+          </a:solidFill>
+        </p:spPr>
+        <p:style>
+          <a:lnRef idx="2">
+            <a:schemeClr val="accent1">
+              <a:shade val="50000"/>
+            </a:schemeClr>
+          </a:lnRef>
+          <a:fillRef idx="1">
+            <a:schemeClr val="accent1"/>
+          </a:fillRef>
+          <a:effectRef idx="0">
+            <a:schemeClr val="accent1"/>
+          </a:effectRef>
+          <a:fontRef idx="minor">
+            <a:schemeClr val="lt1"/>
+          </a:fontRef>
+        </p:style>
+        <p:txBody>
+          <a:bodyPr rtlCol="0" anchor="ctr"/>
+          <a:lstStyle/>
+          <a:p>
+            <a:pPr algn="ctr"/>
+            <a:endParaRPr lang="en-GB" dirty="0"/>
+          </a:p>
+        </p:txBody>
+      </p:sp>
+      <p:sp>
+        <p:nvSpPr>
+          <p:cNvPr id="159" name="Rectangle 158">
+            <a:extLst>
+              <a:ext uri="{FF2B5EF4-FFF2-40B4-BE49-F238E27FC236}">
+                <a16:creationId xmlns:a16="http://schemas.microsoft.com/office/drawing/2014/main" id="{FAEBB8D7-3087-48FC-8CA1-834DDE1F44A6}"/>
+              </a:ext>
+            </a:extLst>
+          </p:cNvPr>
+          <p:cNvSpPr/>
+          <p:nvPr/>
+        </p:nvSpPr>
+        <p:spPr>
+          <a:xfrm>
+            <a:off x="3301514" y="3171079"/>
+            <a:ext cx="483577" cy="461665"/>
+          </a:xfrm>
+          <a:prstGeom prst="rect">
+            <a:avLst/>
+          </a:prstGeom>
+          <a:solidFill>
+            <a:srgbClr val="FFC000"/>
+          </a:solidFill>
+        </p:spPr>
+        <p:style>
+          <a:lnRef idx="2">
+            <a:schemeClr val="accent1">
+              <a:shade val="50000"/>
+            </a:schemeClr>
+          </a:lnRef>
+          <a:fillRef idx="1">
+            <a:schemeClr val="accent1"/>
+          </a:fillRef>
+          <a:effectRef idx="0">
+            <a:schemeClr val="accent1"/>
+          </a:effectRef>
+          <a:fontRef idx="minor">
+            <a:schemeClr val="lt1"/>
+          </a:fontRef>
+        </p:style>
+        <p:txBody>
+          <a:bodyPr rtlCol="0" anchor="ctr"/>
+          <a:lstStyle/>
+          <a:p>
+            <a:pPr algn="ctr"/>
+            <a:endParaRPr lang="en-GB" dirty="0"/>
+          </a:p>
+        </p:txBody>
+      </p:sp>
+      <p:sp>
+        <p:nvSpPr>
+          <p:cNvPr id="160" name="Rectangle 159">
+            <a:extLst>
+              <a:ext uri="{FF2B5EF4-FFF2-40B4-BE49-F238E27FC236}">
+                <a16:creationId xmlns:a16="http://schemas.microsoft.com/office/drawing/2014/main" id="{96BA91A9-AFFE-4A8D-934C-A7FBE28A2A80}"/>
+              </a:ext>
+            </a:extLst>
+          </p:cNvPr>
+          <p:cNvSpPr/>
+          <p:nvPr/>
+        </p:nvSpPr>
+        <p:spPr>
+          <a:xfrm>
+            <a:off x="3301514" y="3659251"/>
+            <a:ext cx="483577" cy="461665"/>
+          </a:xfrm>
+          <a:prstGeom prst="rect">
+            <a:avLst/>
+          </a:prstGeom>
+          <a:solidFill>
+            <a:schemeClr val="bg1">
+              <a:lumMod val="75000"/>
+            </a:schemeClr>
+          </a:solidFill>
+        </p:spPr>
+        <p:style>
+          <a:lnRef idx="2">
+            <a:schemeClr val="accent1">
+              <a:shade val="50000"/>
+            </a:schemeClr>
+          </a:lnRef>
+          <a:fillRef idx="1">
+            <a:schemeClr val="accent1"/>
+          </a:fillRef>
+          <a:effectRef idx="0">
+            <a:schemeClr val="accent1"/>
+          </a:effectRef>
+          <a:fontRef idx="minor">
+            <a:schemeClr val="lt1"/>
+          </a:fontRef>
+        </p:style>
+        <p:txBody>
+          <a:bodyPr rtlCol="0" anchor="ctr"/>
+          <a:lstStyle/>
+          <a:p>
+            <a:pPr algn="ctr"/>
+            <a:r>
+              <a:rPr lang="en-GB" dirty="0">
+                <a:solidFill>
+                  <a:schemeClr val="tx1"/>
+                </a:solidFill>
+              </a:rPr>
+              <a:t>0</a:t>
+            </a:r>
+          </a:p>
+        </p:txBody>
+      </p:sp>
+      <p:sp>
+        <p:nvSpPr>
+          <p:cNvPr id="162" name="Rectangle 161">
+            <a:extLst>
+              <a:ext uri="{FF2B5EF4-FFF2-40B4-BE49-F238E27FC236}">
+                <a16:creationId xmlns:a16="http://schemas.microsoft.com/office/drawing/2014/main" id="{23AC048D-67F6-48F9-8376-605C9E48DFC7}"/>
+              </a:ext>
+            </a:extLst>
+          </p:cNvPr>
+          <p:cNvSpPr/>
+          <p:nvPr/>
+        </p:nvSpPr>
+        <p:spPr>
+          <a:xfrm>
+            <a:off x="3301514" y="4147423"/>
+            <a:ext cx="483577" cy="461665"/>
+          </a:xfrm>
+          <a:prstGeom prst="rect">
+            <a:avLst/>
+          </a:prstGeom>
+          <a:solidFill>
+            <a:schemeClr val="bg2">
+              <a:lumMod val="90000"/>
+            </a:schemeClr>
+          </a:solidFill>
+        </p:spPr>
+        <p:style>
+          <a:lnRef idx="2">
+            <a:schemeClr val="accent1">
+              <a:shade val="50000"/>
+            </a:schemeClr>
+          </a:lnRef>
+          <a:fillRef idx="1">
+            <a:schemeClr val="accent1"/>
+          </a:fillRef>
+          <a:effectRef idx="0">
+            <a:schemeClr val="accent1"/>
+          </a:effectRef>
+          <a:fontRef idx="minor">
+            <a:schemeClr val="lt1"/>
+          </a:fontRef>
+        </p:style>
+        <p:txBody>
+          <a:bodyPr rtlCol="0" anchor="ctr"/>
+          <a:lstStyle/>
+          <a:p>
+            <a:pPr algn="ctr"/>
+            <a:endParaRPr lang="en-GB"/>
+          </a:p>
+        </p:txBody>
+      </p:sp>
+      <p:sp>
+        <p:nvSpPr>
+          <p:cNvPr id="163" name="Rectangle 162">
+            <a:extLst>
+              <a:ext uri="{FF2B5EF4-FFF2-40B4-BE49-F238E27FC236}">
+                <a16:creationId xmlns:a16="http://schemas.microsoft.com/office/drawing/2014/main" id="{DFEA23D0-C8A9-4817-8D73-8D8D5D713265}"/>
+              </a:ext>
+            </a:extLst>
+          </p:cNvPr>
+          <p:cNvSpPr/>
+          <p:nvPr/>
+        </p:nvSpPr>
+        <p:spPr>
+          <a:xfrm>
+            <a:off x="3301514" y="4635595"/>
+            <a:ext cx="483577" cy="461665"/>
+          </a:xfrm>
+          <a:prstGeom prst="rect">
+            <a:avLst/>
+          </a:prstGeom>
+          <a:solidFill>
+            <a:schemeClr val="bg2">
+              <a:lumMod val="90000"/>
+            </a:schemeClr>
+          </a:solidFill>
+        </p:spPr>
+        <p:style>
+          <a:lnRef idx="2">
+            <a:schemeClr val="accent1">
+              <a:shade val="50000"/>
+            </a:schemeClr>
+          </a:lnRef>
+          <a:fillRef idx="1">
+            <a:schemeClr val="accent1"/>
+          </a:fillRef>
+          <a:effectRef idx="0">
+            <a:schemeClr val="accent1"/>
+          </a:effectRef>
+          <a:fontRef idx="minor">
+            <a:schemeClr val="lt1"/>
+          </a:fontRef>
+        </p:style>
+        <p:txBody>
+          <a:bodyPr rtlCol="0" anchor="ctr"/>
+          <a:lstStyle/>
+          <a:p>
+            <a:pPr algn="ctr"/>
+            <a:endParaRPr lang="en-GB" dirty="0"/>
+          </a:p>
+        </p:txBody>
+      </p:sp>
+      <p:sp>
+        <p:nvSpPr>
+          <p:cNvPr id="165" name="Rectangle 164">
+            <a:extLst>
+              <a:ext uri="{FF2B5EF4-FFF2-40B4-BE49-F238E27FC236}">
+                <a16:creationId xmlns:a16="http://schemas.microsoft.com/office/drawing/2014/main" id="{7A7C967F-9A52-4F10-8974-A99D3BD51943}"/>
+              </a:ext>
+            </a:extLst>
+          </p:cNvPr>
+          <p:cNvSpPr/>
+          <p:nvPr/>
+        </p:nvSpPr>
+        <p:spPr>
+          <a:xfrm>
+            <a:off x="3811942" y="2682907"/>
+            <a:ext cx="483577" cy="461665"/>
+          </a:xfrm>
+          <a:prstGeom prst="rect">
+            <a:avLst/>
+          </a:prstGeom>
+          <a:solidFill>
+            <a:srgbClr val="FFC000"/>
+          </a:solidFill>
+        </p:spPr>
+        <p:style>
+          <a:lnRef idx="2">
+            <a:schemeClr val="accent1">
+              <a:shade val="50000"/>
+            </a:schemeClr>
+          </a:lnRef>
+          <a:fillRef idx="1">
+            <a:schemeClr val="accent1"/>
+          </a:fillRef>
+          <a:effectRef idx="0">
+            <a:schemeClr val="accent1"/>
+          </a:effectRef>
+          <a:fontRef idx="minor">
+            <a:schemeClr val="lt1"/>
+          </a:fontRef>
+        </p:style>
+        <p:txBody>
+          <a:bodyPr rtlCol="0" anchor="ctr"/>
+          <a:lstStyle/>
+          <a:p>
+            <a:pPr algn="ctr"/>
+            <a:endParaRPr lang="en-GB" dirty="0"/>
+          </a:p>
+        </p:txBody>
+      </p:sp>
+      <p:sp>
+        <p:nvSpPr>
+          <p:cNvPr id="166" name="Rectangle 165">
+            <a:extLst>
+              <a:ext uri="{FF2B5EF4-FFF2-40B4-BE49-F238E27FC236}">
+                <a16:creationId xmlns:a16="http://schemas.microsoft.com/office/drawing/2014/main" id="{4703AF5E-F048-4DDC-B4CF-F8246F332685}"/>
+              </a:ext>
+            </a:extLst>
+          </p:cNvPr>
+          <p:cNvSpPr/>
+          <p:nvPr/>
+        </p:nvSpPr>
+        <p:spPr>
+          <a:xfrm>
+            <a:off x="3811942" y="3171079"/>
+            <a:ext cx="483577" cy="461665"/>
+          </a:xfrm>
+          <a:prstGeom prst="rect">
+            <a:avLst/>
+          </a:prstGeom>
+          <a:solidFill>
+            <a:srgbClr val="FFC000"/>
+          </a:solidFill>
+        </p:spPr>
+        <p:style>
+          <a:lnRef idx="2">
+            <a:schemeClr val="accent1">
+              <a:shade val="50000"/>
+            </a:schemeClr>
+          </a:lnRef>
+          <a:fillRef idx="1">
+            <a:schemeClr val="accent1"/>
+          </a:fillRef>
+          <a:effectRef idx="0">
+            <a:schemeClr val="accent1"/>
+          </a:effectRef>
+          <a:fontRef idx="minor">
+            <a:schemeClr val="lt1"/>
+          </a:fontRef>
+        </p:style>
+        <p:txBody>
+          <a:bodyPr rtlCol="0" anchor="ctr"/>
+          <a:lstStyle/>
+          <a:p>
+            <a:pPr algn="ctr"/>
+            <a:endParaRPr lang="en-GB" dirty="0"/>
+          </a:p>
+        </p:txBody>
+      </p:sp>
+      <p:sp>
+        <p:nvSpPr>
+          <p:cNvPr id="168" name="Rectangle 167">
+            <a:extLst>
+              <a:ext uri="{FF2B5EF4-FFF2-40B4-BE49-F238E27FC236}">
+                <a16:creationId xmlns:a16="http://schemas.microsoft.com/office/drawing/2014/main" id="{317D2FB0-C57E-42B9-971B-681D81AD8169}"/>
+              </a:ext>
+            </a:extLst>
+          </p:cNvPr>
+          <p:cNvSpPr/>
+          <p:nvPr/>
+        </p:nvSpPr>
+        <p:spPr>
+          <a:xfrm>
+            <a:off x="3811942" y="3659251"/>
+            <a:ext cx="483577" cy="461665"/>
+          </a:xfrm>
+          <a:prstGeom prst="rect">
+            <a:avLst/>
+          </a:prstGeom>
+          <a:solidFill>
+            <a:srgbClr val="FFC000"/>
+          </a:solidFill>
+        </p:spPr>
+        <p:style>
+          <a:lnRef idx="2">
+            <a:schemeClr val="accent1">
+              <a:shade val="50000"/>
+            </a:schemeClr>
+          </a:lnRef>
+          <a:fillRef idx="1">
+            <a:schemeClr val="accent1"/>
+          </a:fillRef>
+          <a:effectRef idx="0">
+            <a:schemeClr val="accent1"/>
+          </a:effectRef>
+          <a:fontRef idx="minor">
+            <a:schemeClr val="lt1"/>
+          </a:fontRef>
+        </p:style>
+        <p:txBody>
+          <a:bodyPr rtlCol="0" anchor="ctr"/>
+          <a:lstStyle/>
+          <a:p>
+            <a:pPr algn="ctr"/>
+            <a:endParaRPr lang="en-GB" dirty="0"/>
+          </a:p>
+        </p:txBody>
+      </p:sp>
+      <p:sp>
+        <p:nvSpPr>
+          <p:cNvPr id="169" name="Rectangle 168">
+            <a:extLst>
+              <a:ext uri="{FF2B5EF4-FFF2-40B4-BE49-F238E27FC236}">
+                <a16:creationId xmlns:a16="http://schemas.microsoft.com/office/drawing/2014/main" id="{6725D031-6AEA-47DA-AF2F-8E43F3DE4118}"/>
+              </a:ext>
+            </a:extLst>
+          </p:cNvPr>
+          <p:cNvSpPr/>
+          <p:nvPr/>
+        </p:nvSpPr>
+        <p:spPr>
+          <a:xfrm>
+            <a:off x="3811942" y="4147423"/>
+            <a:ext cx="483577" cy="461665"/>
+          </a:xfrm>
+          <a:prstGeom prst="rect">
+            <a:avLst/>
+          </a:prstGeom>
+          <a:solidFill>
+            <a:schemeClr val="bg1">
+              <a:lumMod val="75000"/>
+            </a:schemeClr>
+          </a:solidFill>
+        </p:spPr>
+        <p:style>
+          <a:lnRef idx="2">
+            <a:schemeClr val="accent1">
+              <a:shade val="50000"/>
+            </a:schemeClr>
+          </a:lnRef>
+          <a:fillRef idx="1">
+            <a:schemeClr val="accent1"/>
+          </a:fillRef>
+          <a:effectRef idx="0">
+            <a:schemeClr val="accent1"/>
+          </a:effectRef>
+          <a:fontRef idx="minor">
+            <a:schemeClr val="lt1"/>
+          </a:fontRef>
+        </p:style>
+        <p:txBody>
+          <a:bodyPr rtlCol="0" anchor="ctr"/>
+          <a:lstStyle/>
+          <a:p>
+            <a:pPr algn="ctr"/>
+            <a:r>
+              <a:rPr lang="en-GB" dirty="0">
+                <a:solidFill>
+                  <a:schemeClr val="tx1"/>
+                </a:solidFill>
+              </a:rPr>
+              <a:t>0</a:t>
+            </a:r>
+          </a:p>
+        </p:txBody>
+      </p:sp>
+      <p:sp>
+        <p:nvSpPr>
+          <p:cNvPr id="171" name="Rectangle 170">
+            <a:extLst>
+              <a:ext uri="{FF2B5EF4-FFF2-40B4-BE49-F238E27FC236}">
+                <a16:creationId xmlns:a16="http://schemas.microsoft.com/office/drawing/2014/main" id="{006B8B6E-E061-4292-827B-A5875B0FB652}"/>
+              </a:ext>
+            </a:extLst>
+          </p:cNvPr>
+          <p:cNvSpPr/>
+          <p:nvPr/>
+        </p:nvSpPr>
+        <p:spPr>
+          <a:xfrm>
+            <a:off x="3811942" y="4635595"/>
+            <a:ext cx="483577" cy="461665"/>
+          </a:xfrm>
+          <a:prstGeom prst="rect">
+            <a:avLst/>
+          </a:prstGeom>
+          <a:solidFill>
+            <a:schemeClr val="bg2">
+              <a:lumMod val="90000"/>
+            </a:schemeClr>
+          </a:solidFill>
+        </p:spPr>
+        <p:style>
+          <a:lnRef idx="2">
+            <a:schemeClr val="accent1">
+              <a:shade val="50000"/>
+            </a:schemeClr>
+          </a:lnRef>
+          <a:fillRef idx="1">
+            <a:schemeClr val="accent1"/>
+          </a:fillRef>
+          <a:effectRef idx="0">
+            <a:schemeClr val="accent1"/>
+          </a:effectRef>
+          <a:fontRef idx="minor">
+            <a:schemeClr val="lt1"/>
+          </a:fontRef>
+        </p:style>
+        <p:txBody>
+          <a:bodyPr rtlCol="0" anchor="ctr"/>
+          <a:lstStyle/>
+          <a:p>
+            <a:pPr algn="ctr"/>
+            <a:endParaRPr lang="en-GB" dirty="0"/>
+          </a:p>
+        </p:txBody>
+      </p:sp>
+      <p:sp>
+        <p:nvSpPr>
+          <p:cNvPr id="172" name="Rectangle 171">
+            <a:extLst>
+              <a:ext uri="{FF2B5EF4-FFF2-40B4-BE49-F238E27FC236}">
+                <a16:creationId xmlns:a16="http://schemas.microsoft.com/office/drawing/2014/main" id="{915B8D62-03A8-4E54-84E4-94C9D8E140BD}"/>
+              </a:ext>
+            </a:extLst>
+          </p:cNvPr>
+          <p:cNvSpPr/>
+          <p:nvPr/>
+        </p:nvSpPr>
+        <p:spPr>
+          <a:xfrm>
+            <a:off x="4322370" y="2682907"/>
+            <a:ext cx="483577" cy="461665"/>
+          </a:xfrm>
+          <a:prstGeom prst="rect">
+            <a:avLst/>
+          </a:prstGeom>
+          <a:solidFill>
+            <a:srgbClr val="FFC000"/>
+          </a:solidFill>
+        </p:spPr>
+        <p:style>
+          <a:lnRef idx="2">
+            <a:schemeClr val="accent1">
+              <a:shade val="50000"/>
+            </a:schemeClr>
+          </a:lnRef>
+          <a:fillRef idx="1">
+            <a:schemeClr val="accent1"/>
+          </a:fillRef>
+          <a:effectRef idx="0">
+            <a:schemeClr val="accent1"/>
+          </a:effectRef>
+          <a:fontRef idx="minor">
+            <a:schemeClr val="lt1"/>
+          </a:fontRef>
+        </p:style>
+        <p:txBody>
+          <a:bodyPr rtlCol="0" anchor="ctr"/>
+          <a:lstStyle/>
+          <a:p>
+            <a:pPr algn="ctr"/>
+            <a:endParaRPr lang="en-GB" dirty="0"/>
+          </a:p>
+        </p:txBody>
+      </p:sp>
+      <p:sp>
+        <p:nvSpPr>
+          <p:cNvPr id="174" name="Rectangle 173">
+            <a:extLst>
+              <a:ext uri="{FF2B5EF4-FFF2-40B4-BE49-F238E27FC236}">
+                <a16:creationId xmlns:a16="http://schemas.microsoft.com/office/drawing/2014/main" id="{7033B9D4-5807-4C40-9543-F7C3443E2707}"/>
+              </a:ext>
+            </a:extLst>
+          </p:cNvPr>
+          <p:cNvSpPr/>
+          <p:nvPr/>
+        </p:nvSpPr>
+        <p:spPr>
+          <a:xfrm>
+            <a:off x="4322370" y="3171079"/>
+            <a:ext cx="483577" cy="461665"/>
+          </a:xfrm>
+          <a:prstGeom prst="rect">
+            <a:avLst/>
+          </a:prstGeom>
+          <a:solidFill>
+            <a:srgbClr val="FFC000"/>
+          </a:solidFill>
+        </p:spPr>
+        <p:style>
+          <a:lnRef idx="2">
+            <a:schemeClr val="accent1">
+              <a:shade val="50000"/>
+            </a:schemeClr>
+          </a:lnRef>
+          <a:fillRef idx="1">
+            <a:schemeClr val="accent1"/>
+          </a:fillRef>
+          <a:effectRef idx="0">
+            <a:schemeClr val="accent1"/>
+          </a:effectRef>
+          <a:fontRef idx="minor">
+            <a:schemeClr val="lt1"/>
+          </a:fontRef>
+        </p:style>
+        <p:txBody>
+          <a:bodyPr rtlCol="0" anchor="ctr"/>
+          <a:lstStyle/>
+          <a:p>
+            <a:pPr algn="ctr"/>
+            <a:r>
+              <a:rPr lang="en-GB" dirty="0">
+                <a:solidFill>
+                  <a:schemeClr val="tx1"/>
+                </a:solidFill>
+              </a:rPr>
+              <a:t>v</a:t>
+            </a:r>
+          </a:p>
+        </p:txBody>
+      </p:sp>
+      <p:sp>
+        <p:nvSpPr>
+          <p:cNvPr id="175" name="Rectangle 174">
+            <a:extLst>
+              <a:ext uri="{FF2B5EF4-FFF2-40B4-BE49-F238E27FC236}">
+                <a16:creationId xmlns:a16="http://schemas.microsoft.com/office/drawing/2014/main" id="{BFD936E7-DAA8-452C-ACB2-ECE71AE7E7D5}"/>
+              </a:ext>
+            </a:extLst>
+          </p:cNvPr>
+          <p:cNvSpPr/>
+          <p:nvPr/>
+        </p:nvSpPr>
+        <p:spPr>
+          <a:xfrm>
+            <a:off x="4322370" y="3659251"/>
+            <a:ext cx="483577" cy="461665"/>
+          </a:xfrm>
+          <a:prstGeom prst="rect">
+            <a:avLst/>
+          </a:prstGeom>
+          <a:solidFill>
+            <a:srgbClr val="FFC000"/>
+          </a:solidFill>
+        </p:spPr>
+        <p:style>
+          <a:lnRef idx="2">
+            <a:schemeClr val="accent1">
+              <a:shade val="50000"/>
+            </a:schemeClr>
+          </a:lnRef>
+          <a:fillRef idx="1">
+            <a:schemeClr val="accent1"/>
+          </a:fillRef>
+          <a:effectRef idx="0">
+            <a:schemeClr val="accent1"/>
+          </a:effectRef>
+          <a:fontRef idx="minor">
+            <a:schemeClr val="lt1"/>
+          </a:fontRef>
+        </p:style>
+        <p:txBody>
+          <a:bodyPr rtlCol="0" anchor="ctr"/>
+          <a:lstStyle/>
+          <a:p>
+            <a:pPr algn="ctr"/>
+            <a:endParaRPr lang="en-GB" dirty="0"/>
+          </a:p>
+        </p:txBody>
+      </p:sp>
+      <p:sp>
+        <p:nvSpPr>
+          <p:cNvPr id="177" name="Rectangle 176">
+            <a:extLst>
+              <a:ext uri="{FF2B5EF4-FFF2-40B4-BE49-F238E27FC236}">
+                <a16:creationId xmlns:a16="http://schemas.microsoft.com/office/drawing/2014/main" id="{290B07F5-8C03-4C88-817A-0CE7F6497F02}"/>
+              </a:ext>
+            </a:extLst>
+          </p:cNvPr>
+          <p:cNvSpPr/>
+          <p:nvPr/>
+        </p:nvSpPr>
+        <p:spPr>
+          <a:xfrm>
+            <a:off x="4322370" y="4147423"/>
+            <a:ext cx="483577" cy="461665"/>
+          </a:xfrm>
+          <a:prstGeom prst="rect">
+            <a:avLst/>
+          </a:prstGeom>
+          <a:solidFill>
+            <a:srgbClr val="FFC000"/>
+          </a:solidFill>
+        </p:spPr>
+        <p:style>
+          <a:lnRef idx="2">
+            <a:schemeClr val="accent1">
+              <a:shade val="50000"/>
+            </a:schemeClr>
+          </a:lnRef>
+          <a:fillRef idx="1">
+            <a:schemeClr val="accent1"/>
+          </a:fillRef>
+          <a:effectRef idx="0">
+            <a:schemeClr val="accent1"/>
+          </a:effectRef>
+          <a:fontRef idx="minor">
+            <a:schemeClr val="lt1"/>
+          </a:fontRef>
+        </p:style>
+        <p:txBody>
+          <a:bodyPr rtlCol="0" anchor="ctr"/>
+          <a:lstStyle/>
+          <a:p>
+            <a:pPr algn="ctr"/>
+            <a:endParaRPr lang="en-GB"/>
+          </a:p>
+        </p:txBody>
+      </p:sp>
+      <p:sp>
+        <p:nvSpPr>
+          <p:cNvPr id="178" name="Rectangle 177">
+            <a:extLst>
+              <a:ext uri="{FF2B5EF4-FFF2-40B4-BE49-F238E27FC236}">
+                <a16:creationId xmlns:a16="http://schemas.microsoft.com/office/drawing/2014/main" id="{140783D1-032E-40CD-996E-293959A3A438}"/>
+              </a:ext>
+            </a:extLst>
+          </p:cNvPr>
+          <p:cNvSpPr/>
+          <p:nvPr/>
+        </p:nvSpPr>
+        <p:spPr>
+          <a:xfrm>
+            <a:off x="4322370" y="4635595"/>
+            <a:ext cx="483577" cy="461665"/>
+          </a:xfrm>
+          <a:prstGeom prst="rect">
+            <a:avLst/>
+          </a:prstGeom>
+          <a:solidFill>
+            <a:schemeClr val="bg1">
+              <a:lumMod val="75000"/>
+            </a:schemeClr>
+          </a:solidFill>
+        </p:spPr>
+        <p:style>
+          <a:lnRef idx="2">
+            <a:schemeClr val="accent1">
+              <a:shade val="50000"/>
+            </a:schemeClr>
+          </a:lnRef>
+          <a:fillRef idx="1">
+            <a:schemeClr val="accent1"/>
+          </a:fillRef>
+          <a:effectRef idx="0">
+            <a:schemeClr val="accent1"/>
+          </a:effectRef>
+          <a:fontRef idx="minor">
+            <a:schemeClr val="lt1"/>
+          </a:fontRef>
+        </p:style>
+        <p:txBody>
+          <a:bodyPr rtlCol="0" anchor="ctr"/>
+          <a:lstStyle/>
+          <a:p>
+            <a:pPr algn="ctr"/>
+            <a:r>
+              <a:rPr lang="en-GB">
+                <a:solidFill>
+                  <a:schemeClr val="tx1"/>
+                </a:solidFill>
+              </a:rPr>
+              <a:t>0</a:t>
+            </a:r>
+            <a:endParaRPr lang="en-GB" dirty="0">
+              <a:solidFill>
+                <a:schemeClr val="tx1"/>
+              </a:solidFill>
+            </a:endParaRPr>
+          </a:p>
+        </p:txBody>
+      </p:sp>
+      <p:sp>
+        <p:nvSpPr>
+          <p:cNvPr id="181" name="Rectangle 180">
+            <a:extLst>
+              <a:ext uri="{FF2B5EF4-FFF2-40B4-BE49-F238E27FC236}">
+                <a16:creationId xmlns:a16="http://schemas.microsoft.com/office/drawing/2014/main" id="{03046F60-20C8-4617-9B8D-F5D1912A7793}"/>
+              </a:ext>
+            </a:extLst>
+          </p:cNvPr>
+          <p:cNvSpPr/>
+          <p:nvPr/>
+        </p:nvSpPr>
+        <p:spPr>
+          <a:xfrm>
+            <a:off x="6412587" y="2682907"/>
+            <a:ext cx="483577" cy="461665"/>
+          </a:xfrm>
+          <a:prstGeom prst="rect">
+            <a:avLst/>
+          </a:prstGeom>
+          <a:solidFill>
+            <a:schemeClr val="accent6">
+              <a:lumMod val="60000"/>
+              <a:lumOff val="40000"/>
+            </a:schemeClr>
+          </a:solidFill>
+        </p:spPr>
+        <p:style>
+          <a:lnRef idx="2">
+            <a:schemeClr val="accent1">
+              <a:shade val="50000"/>
+            </a:schemeClr>
+          </a:lnRef>
+          <a:fillRef idx="1">
+            <a:schemeClr val="accent1"/>
+          </a:fillRef>
+          <a:effectRef idx="0">
+            <a:schemeClr val="accent1"/>
+          </a:effectRef>
+          <a:fontRef idx="minor">
+            <a:schemeClr val="lt1"/>
+          </a:fontRef>
+        </p:style>
+        <p:txBody>
+          <a:bodyPr rtlCol="0" anchor="ctr"/>
+          <a:lstStyle/>
+          <a:p>
+            <a:pPr algn="ctr"/>
+            <a:r>
+              <a:rPr lang="en-GB" dirty="0"/>
+              <a:t>v2</a:t>
+            </a:r>
+          </a:p>
+        </p:txBody>
+      </p:sp>
+      <p:sp>
+        <p:nvSpPr>
+          <p:cNvPr id="183" name="Rectangle 182">
+            <a:extLst>
+              <a:ext uri="{FF2B5EF4-FFF2-40B4-BE49-F238E27FC236}">
+                <a16:creationId xmlns:a16="http://schemas.microsoft.com/office/drawing/2014/main" id="{B1D9B311-16E7-4992-B777-95C295857BB7}"/>
+              </a:ext>
+            </a:extLst>
+          </p:cNvPr>
+          <p:cNvSpPr/>
+          <p:nvPr/>
+        </p:nvSpPr>
+        <p:spPr>
+          <a:xfrm>
+            <a:off x="6923015" y="2682907"/>
+            <a:ext cx="483577" cy="461665"/>
+          </a:xfrm>
+          <a:prstGeom prst="rect">
+            <a:avLst/>
+          </a:prstGeom>
+          <a:solidFill>
+            <a:schemeClr val="accent6">
+              <a:lumMod val="60000"/>
+              <a:lumOff val="40000"/>
+            </a:schemeClr>
+          </a:solidFill>
+        </p:spPr>
+        <p:style>
+          <a:lnRef idx="2">
+            <a:schemeClr val="accent1">
+              <a:shade val="50000"/>
+            </a:schemeClr>
+          </a:lnRef>
+          <a:fillRef idx="1">
+            <a:schemeClr val="accent1"/>
+          </a:fillRef>
+          <a:effectRef idx="0">
+            <a:schemeClr val="accent1"/>
+          </a:effectRef>
+          <a:fontRef idx="minor">
+            <a:schemeClr val="lt1"/>
+          </a:fontRef>
+        </p:style>
+        <p:txBody>
+          <a:bodyPr rtlCol="0" anchor="ctr"/>
+          <a:lstStyle/>
+          <a:p>
+            <a:pPr algn="ctr"/>
+            <a:r>
+              <a:rPr lang="en-GB" dirty="0"/>
+              <a:t>v3</a:t>
+            </a:r>
+          </a:p>
+        </p:txBody>
+      </p:sp>
+      <p:sp>
+        <p:nvSpPr>
+          <p:cNvPr id="184" name="Rectangle 183">
+            <a:extLst>
+              <a:ext uri="{FF2B5EF4-FFF2-40B4-BE49-F238E27FC236}">
+                <a16:creationId xmlns:a16="http://schemas.microsoft.com/office/drawing/2014/main" id="{A94110CB-7815-4F8B-9876-E41354DA6C0C}"/>
+              </a:ext>
+            </a:extLst>
+          </p:cNvPr>
+          <p:cNvSpPr/>
+          <p:nvPr/>
+        </p:nvSpPr>
+        <p:spPr>
+          <a:xfrm>
+            <a:off x="7433443" y="2682907"/>
+            <a:ext cx="483577" cy="461665"/>
+          </a:xfrm>
+          <a:prstGeom prst="rect">
+            <a:avLst/>
+          </a:prstGeom>
+          <a:solidFill>
+            <a:schemeClr val="accent6">
+              <a:lumMod val="60000"/>
+              <a:lumOff val="40000"/>
+            </a:schemeClr>
+          </a:solidFill>
+        </p:spPr>
+        <p:style>
+          <a:lnRef idx="2">
+            <a:schemeClr val="accent1">
+              <a:shade val="50000"/>
+            </a:schemeClr>
+          </a:lnRef>
+          <a:fillRef idx="1">
+            <a:schemeClr val="accent1"/>
+          </a:fillRef>
+          <a:effectRef idx="0">
+            <a:schemeClr val="accent1"/>
+          </a:effectRef>
+          <a:fontRef idx="minor">
+            <a:schemeClr val="lt1"/>
+          </a:fontRef>
+        </p:style>
+        <p:txBody>
+          <a:bodyPr rtlCol="0" anchor="ctr"/>
+          <a:lstStyle/>
+          <a:p>
+            <a:pPr algn="ctr"/>
+            <a:endParaRPr lang="en-GB"/>
+          </a:p>
+        </p:txBody>
+      </p:sp>
+      <p:sp>
+        <p:nvSpPr>
+          <p:cNvPr id="186" name="Rectangle 185">
+            <a:extLst>
+              <a:ext uri="{FF2B5EF4-FFF2-40B4-BE49-F238E27FC236}">
+                <a16:creationId xmlns:a16="http://schemas.microsoft.com/office/drawing/2014/main" id="{450CF98F-7D41-4BA7-83EF-9EC84C13AD87}"/>
+              </a:ext>
+            </a:extLst>
+          </p:cNvPr>
+          <p:cNvSpPr/>
+          <p:nvPr/>
+        </p:nvSpPr>
+        <p:spPr>
+          <a:xfrm>
+            <a:off x="7943871" y="2682907"/>
+            <a:ext cx="483577" cy="461665"/>
+          </a:xfrm>
+          <a:prstGeom prst="rect">
+            <a:avLst/>
+          </a:prstGeom>
+          <a:solidFill>
+            <a:schemeClr val="accent6">
+              <a:lumMod val="60000"/>
+              <a:lumOff val="40000"/>
+            </a:schemeClr>
+          </a:solidFill>
+        </p:spPr>
+        <p:style>
+          <a:lnRef idx="2">
+            <a:schemeClr val="accent1">
+              <a:shade val="50000"/>
+            </a:schemeClr>
+          </a:lnRef>
+          <a:fillRef idx="1">
+            <a:schemeClr val="accent1"/>
+          </a:fillRef>
+          <a:effectRef idx="0">
+            <a:schemeClr val="accent1"/>
+          </a:effectRef>
+          <a:fontRef idx="minor">
+            <a:schemeClr val="lt1"/>
+          </a:fontRef>
+        </p:style>
+        <p:txBody>
+          <a:bodyPr rtlCol="0" anchor="ctr"/>
+          <a:lstStyle/>
+          <a:p>
+            <a:pPr algn="ctr"/>
+            <a:r>
+              <a:rPr lang="en-GB" dirty="0" err="1"/>
+              <a:t>vk</a:t>
+            </a:r>
+            <a:endParaRPr lang="en-GB" dirty="0"/>
+          </a:p>
+        </p:txBody>
+      </p:sp>
+      <p:sp>
+        <p:nvSpPr>
+          <p:cNvPr id="187" name="Rectangle 186">
+            <a:extLst>
+              <a:ext uri="{FF2B5EF4-FFF2-40B4-BE49-F238E27FC236}">
+                <a16:creationId xmlns:a16="http://schemas.microsoft.com/office/drawing/2014/main" id="{F3CA942D-CAD2-410D-B1E2-D4F7E92F01E9}"/>
+              </a:ext>
+            </a:extLst>
+          </p:cNvPr>
+          <p:cNvSpPr/>
+          <p:nvPr/>
+        </p:nvSpPr>
+        <p:spPr>
+          <a:xfrm>
+            <a:off x="8454299" y="2682907"/>
+            <a:ext cx="483577" cy="461665"/>
+          </a:xfrm>
+          <a:prstGeom prst="rect">
+            <a:avLst/>
+          </a:prstGeom>
+          <a:solidFill>
+            <a:schemeClr val="accent6">
+              <a:lumMod val="60000"/>
+              <a:lumOff val="40000"/>
+            </a:schemeClr>
+          </a:solidFill>
+        </p:spPr>
+        <p:style>
+          <a:lnRef idx="2">
+            <a:schemeClr val="accent1">
+              <a:shade val="50000"/>
+            </a:schemeClr>
+          </a:lnRef>
+          <a:fillRef idx="1">
+            <a:schemeClr val="accent1"/>
+          </a:fillRef>
+          <a:effectRef idx="0">
+            <a:schemeClr val="accent1"/>
+          </a:effectRef>
+          <a:fontRef idx="minor">
+            <a:schemeClr val="lt1"/>
+          </a:fontRef>
+        </p:style>
+        <p:txBody>
+          <a:bodyPr rtlCol="0" anchor="ctr"/>
+          <a:lstStyle/>
+          <a:p>
+            <a:pPr algn="ctr"/>
+            <a:r>
+              <a:rPr lang="en-GB" dirty="0"/>
+              <a:t>v3</a:t>
+            </a:r>
+          </a:p>
+        </p:txBody>
+      </p:sp>
+      <p:sp>
+        <p:nvSpPr>
+          <p:cNvPr id="189" name="Rectangle 188">
+            <a:extLst>
+              <a:ext uri="{FF2B5EF4-FFF2-40B4-BE49-F238E27FC236}">
+                <a16:creationId xmlns:a16="http://schemas.microsoft.com/office/drawing/2014/main" id="{26704AC9-E9F5-4038-BC1E-27BBC4714755}"/>
+              </a:ext>
+            </a:extLst>
+          </p:cNvPr>
+          <p:cNvSpPr/>
+          <p:nvPr/>
+        </p:nvSpPr>
+        <p:spPr>
+          <a:xfrm>
+            <a:off x="8964727" y="2682907"/>
+            <a:ext cx="483577" cy="461665"/>
+          </a:xfrm>
+          <a:prstGeom prst="rect">
+            <a:avLst/>
+          </a:prstGeom>
+          <a:solidFill>
+            <a:schemeClr val="accent6">
+              <a:lumMod val="60000"/>
+              <a:lumOff val="40000"/>
+            </a:schemeClr>
+          </a:solidFill>
+        </p:spPr>
+        <p:style>
+          <a:lnRef idx="2">
+            <a:schemeClr val="accent1">
+              <a:shade val="50000"/>
+            </a:schemeClr>
+          </a:lnRef>
+          <a:fillRef idx="1">
+            <a:schemeClr val="accent1"/>
+          </a:fillRef>
+          <a:effectRef idx="0">
+            <a:schemeClr val="accent1"/>
+          </a:effectRef>
+          <a:fontRef idx="minor">
+            <a:schemeClr val="lt1"/>
+          </a:fontRef>
+        </p:style>
+        <p:txBody>
+          <a:bodyPr rtlCol="0" anchor="ctr"/>
+          <a:lstStyle/>
+          <a:p>
+            <a:pPr algn="ctr"/>
+            <a:endParaRPr lang="en-GB"/>
+          </a:p>
+        </p:txBody>
+      </p:sp>
+      <p:sp>
+        <p:nvSpPr>
+          <p:cNvPr id="190" name="Rectangle 189">
+            <a:extLst>
+              <a:ext uri="{FF2B5EF4-FFF2-40B4-BE49-F238E27FC236}">
+                <a16:creationId xmlns:a16="http://schemas.microsoft.com/office/drawing/2014/main" id="{FD1DE105-73DA-4383-AFF2-C5C8D8FEE473}"/>
+              </a:ext>
+            </a:extLst>
+          </p:cNvPr>
+          <p:cNvSpPr/>
+          <p:nvPr/>
+        </p:nvSpPr>
+        <p:spPr>
+          <a:xfrm>
+            <a:off x="9475155" y="2682907"/>
+            <a:ext cx="483577" cy="461665"/>
+          </a:xfrm>
+          <a:prstGeom prst="rect">
+            <a:avLst/>
+          </a:prstGeom>
+          <a:solidFill>
+            <a:schemeClr val="accent6">
+              <a:lumMod val="60000"/>
+              <a:lumOff val="40000"/>
+            </a:schemeClr>
+          </a:solidFill>
+        </p:spPr>
+        <p:style>
+          <a:lnRef idx="2">
+            <a:schemeClr val="accent1">
+              <a:shade val="50000"/>
+            </a:schemeClr>
+          </a:lnRef>
+          <a:fillRef idx="1">
+            <a:schemeClr val="accent1"/>
+          </a:fillRef>
+          <a:effectRef idx="0">
+            <a:schemeClr val="accent1"/>
+          </a:effectRef>
+          <a:fontRef idx="minor">
+            <a:schemeClr val="lt1"/>
+          </a:fontRef>
+        </p:style>
+        <p:txBody>
+          <a:bodyPr rtlCol="0" anchor="ctr"/>
+          <a:lstStyle/>
+          <a:p>
+            <a:pPr algn="ctr"/>
+            <a:r>
+              <a:rPr lang="en-GB" dirty="0" err="1"/>
+              <a:t>vk</a:t>
+            </a:r>
+            <a:endParaRPr lang="en-GB" dirty="0"/>
+          </a:p>
+        </p:txBody>
+      </p:sp>
+      <p:sp>
+        <p:nvSpPr>
+          <p:cNvPr id="192" name="Rectangle 191">
+            <a:extLst>
+              <a:ext uri="{FF2B5EF4-FFF2-40B4-BE49-F238E27FC236}">
+                <a16:creationId xmlns:a16="http://schemas.microsoft.com/office/drawing/2014/main" id="{3B31926D-FFD5-4110-B3E8-B3E082EA4E9A}"/>
+              </a:ext>
+            </a:extLst>
+          </p:cNvPr>
+          <p:cNvSpPr/>
+          <p:nvPr/>
+        </p:nvSpPr>
+        <p:spPr>
+          <a:xfrm>
+            <a:off x="9985583" y="2682907"/>
+            <a:ext cx="483577" cy="461665"/>
+          </a:xfrm>
+          <a:prstGeom prst="rect">
+            <a:avLst/>
+          </a:prstGeom>
+          <a:solidFill>
+            <a:schemeClr val="accent6">
+              <a:lumMod val="60000"/>
+              <a:lumOff val="40000"/>
+            </a:schemeClr>
+          </a:solidFill>
+        </p:spPr>
+        <p:style>
+          <a:lnRef idx="2">
+            <a:schemeClr val="accent1">
+              <a:shade val="50000"/>
+            </a:schemeClr>
+          </a:lnRef>
+          <a:fillRef idx="1">
+            <a:schemeClr val="accent1"/>
+          </a:fillRef>
+          <a:effectRef idx="0">
+            <a:schemeClr val="accent1"/>
+          </a:effectRef>
+          <a:fontRef idx="minor">
+            <a:schemeClr val="lt1"/>
+          </a:fontRef>
+        </p:style>
+        <p:txBody>
+          <a:bodyPr rtlCol="0" anchor="ctr"/>
+          <a:lstStyle/>
+          <a:p>
+            <a:pPr algn="ctr"/>
+            <a:endParaRPr lang="en-GB"/>
+          </a:p>
+        </p:txBody>
+      </p:sp>
+      <p:sp>
+        <p:nvSpPr>
+          <p:cNvPr id="193" name="Rectangle 192">
+            <a:extLst>
+              <a:ext uri="{FF2B5EF4-FFF2-40B4-BE49-F238E27FC236}">
+                <a16:creationId xmlns:a16="http://schemas.microsoft.com/office/drawing/2014/main" id="{D9F3D714-ED5C-4596-95EA-B48072236E85}"/>
+              </a:ext>
+            </a:extLst>
+          </p:cNvPr>
+          <p:cNvSpPr/>
+          <p:nvPr/>
+        </p:nvSpPr>
+        <p:spPr>
+          <a:xfrm>
+            <a:off x="10496011" y="2682907"/>
+            <a:ext cx="483577" cy="461665"/>
+          </a:xfrm>
+          <a:prstGeom prst="rect">
+            <a:avLst/>
+          </a:prstGeom>
+          <a:solidFill>
+            <a:schemeClr val="accent6">
+              <a:lumMod val="60000"/>
+              <a:lumOff val="40000"/>
+            </a:schemeClr>
+          </a:solidFill>
+        </p:spPr>
+        <p:style>
+          <a:lnRef idx="2">
+            <a:schemeClr val="accent1">
+              <a:shade val="50000"/>
+            </a:schemeClr>
+          </a:lnRef>
+          <a:fillRef idx="1">
+            <a:schemeClr val="accent1"/>
+          </a:fillRef>
+          <a:effectRef idx="0">
+            <a:schemeClr val="accent1"/>
+          </a:effectRef>
+          <a:fontRef idx="minor">
+            <a:schemeClr val="lt1"/>
+          </a:fontRef>
+        </p:style>
+        <p:txBody>
+          <a:bodyPr rtlCol="0" anchor="ctr"/>
+          <a:lstStyle/>
+          <a:p>
+            <a:pPr algn="ctr"/>
+            <a:r>
+              <a:rPr lang="en-GB" dirty="0" err="1"/>
+              <a:t>vk</a:t>
+            </a:r>
+            <a:endParaRPr lang="en-GB" dirty="0"/>
+          </a:p>
+        </p:txBody>
+      </p:sp>
+      <p:sp>
+        <p:nvSpPr>
+          <p:cNvPr id="195" name="Rectangle 194">
+            <a:extLst>
+              <a:ext uri="{FF2B5EF4-FFF2-40B4-BE49-F238E27FC236}">
+                <a16:creationId xmlns:a16="http://schemas.microsoft.com/office/drawing/2014/main" id="{F328F279-379E-4ABC-8254-5A37835035B1}"/>
+              </a:ext>
+            </a:extLst>
+          </p:cNvPr>
+          <p:cNvSpPr/>
+          <p:nvPr/>
+        </p:nvSpPr>
+        <p:spPr>
+          <a:xfrm>
+            <a:off x="11006439" y="2682907"/>
+            <a:ext cx="483577" cy="461665"/>
+          </a:xfrm>
+          <a:prstGeom prst="rect">
+            <a:avLst/>
+          </a:prstGeom>
+          <a:solidFill>
+            <a:schemeClr val="accent6">
+              <a:lumMod val="60000"/>
+              <a:lumOff val="40000"/>
+            </a:schemeClr>
+          </a:solidFill>
+        </p:spPr>
+        <p:style>
+          <a:lnRef idx="2">
+            <a:schemeClr val="accent1">
+              <a:shade val="50000"/>
+            </a:schemeClr>
+          </a:lnRef>
+          <a:fillRef idx="1">
+            <a:schemeClr val="accent1"/>
+          </a:fillRef>
+          <a:effectRef idx="0">
+            <a:schemeClr val="accent1"/>
+          </a:effectRef>
+          <a:fontRef idx="minor">
+            <a:schemeClr val="lt1"/>
+          </a:fontRef>
+        </p:style>
+        <p:txBody>
+          <a:bodyPr rtlCol="0" anchor="ctr"/>
+          <a:lstStyle/>
+          <a:p>
+            <a:pPr algn="ctr"/>
+            <a:endParaRPr lang="en-GB" dirty="0"/>
+          </a:p>
+        </p:txBody>
+      </p:sp>
+      <p:sp>
+        <p:nvSpPr>
+          <p:cNvPr id="210" name="TextBox 209">
+            <a:extLst>
+              <a:ext uri="{FF2B5EF4-FFF2-40B4-BE49-F238E27FC236}">
+                <a16:creationId xmlns:a16="http://schemas.microsoft.com/office/drawing/2014/main" id="{04F29981-26EA-48E3-9317-5812CECF8CB5}"/>
+              </a:ext>
+            </a:extLst>
+          </p:cNvPr>
+          <p:cNvSpPr txBox="1"/>
+          <p:nvPr/>
+        </p:nvSpPr>
+        <p:spPr>
+          <a:xfrm>
+            <a:off x="4805947" y="2682907"/>
+            <a:ext cx="1123063" cy="461665"/>
+          </a:xfrm>
+          <a:prstGeom prst="rect">
+            <a:avLst/>
+          </a:prstGeom>
+          <a:noFill/>
+        </p:spPr>
+        <p:txBody>
+          <a:bodyPr wrap="square" rtlCol="0">
+            <a:spAutoFit/>
+          </a:bodyPr>
+          <a:lstStyle/>
+          <a:p>
+            <a:pPr algn="r"/>
+            <a:r>
+              <a:rPr lang="en-US" sz="2400" dirty="0"/>
+              <a:t>tasks</a:t>
+            </a:r>
+          </a:p>
+        </p:txBody>
+      </p:sp>
+      <p:sp>
+        <p:nvSpPr>
+          <p:cNvPr id="211" name="Rectangle: Rounded Corners 210">
+            <a:extLst>
+              <a:ext uri="{FF2B5EF4-FFF2-40B4-BE49-F238E27FC236}">
+                <a16:creationId xmlns:a16="http://schemas.microsoft.com/office/drawing/2014/main" id="{B9062D3D-0C9B-431A-BBFF-89BC58AD53AC}"/>
+              </a:ext>
+            </a:extLst>
+          </p:cNvPr>
+          <p:cNvSpPr/>
+          <p:nvPr/>
+        </p:nvSpPr>
+        <p:spPr>
+          <a:xfrm>
+            <a:off x="6426013" y="3840373"/>
+            <a:ext cx="2511864" cy="537882"/>
+          </a:xfrm>
+          <a:prstGeom prst="roundRect">
+            <a:avLst/>
+          </a:prstGeom>
+        </p:spPr>
+        <p:style>
+          <a:lnRef idx="2">
+            <a:schemeClr val="accent1">
+              <a:shade val="50000"/>
+            </a:schemeClr>
+          </a:lnRef>
+          <a:fillRef idx="1">
+            <a:schemeClr val="accent1"/>
+          </a:fillRef>
+          <a:effectRef idx="0">
+            <a:schemeClr val="accent1"/>
+          </a:effectRef>
+          <a:fontRef idx="minor">
+            <a:schemeClr val="lt1"/>
+          </a:fontRef>
+        </p:style>
+        <p:txBody>
+          <a:bodyPr rtlCol="0" anchor="ctr"/>
+          <a:lstStyle/>
+          <a:p>
+            <a:pPr algn="ctr"/>
+            <a:r>
+              <a:rPr lang="en-GB" dirty="0"/>
+              <a:t>Parallel execution</a:t>
+            </a:r>
+          </a:p>
+          <a:p>
+            <a:pPr algn="ctr"/>
+            <a:r>
+              <a:rPr lang="en-GB" dirty="0"/>
+              <a:t>process P1</a:t>
+            </a:r>
+          </a:p>
+        </p:txBody>
+      </p:sp>
+      <p:sp>
+        <p:nvSpPr>
+          <p:cNvPr id="213" name="Arrow: Down 212">
+            <a:extLst>
+              <a:ext uri="{FF2B5EF4-FFF2-40B4-BE49-F238E27FC236}">
+                <a16:creationId xmlns:a16="http://schemas.microsoft.com/office/drawing/2014/main" id="{F4BBC499-701D-446C-BE18-75B0F1011082}"/>
+              </a:ext>
+            </a:extLst>
+          </p:cNvPr>
+          <p:cNvSpPr/>
+          <p:nvPr/>
+        </p:nvSpPr>
+        <p:spPr>
+          <a:xfrm>
+            <a:off x="9992296" y="3261640"/>
+            <a:ext cx="483577" cy="461665"/>
+          </a:xfrm>
+          <a:prstGeom prst="downArrow">
+            <a:avLst/>
+          </a:prstGeom>
+          <a:solidFill>
+            <a:srgbClr val="FF0000"/>
+          </a:solidFill>
+        </p:spPr>
+        <p:style>
+          <a:lnRef idx="2">
+            <a:schemeClr val="accent1">
+              <a:shade val="50000"/>
+            </a:schemeClr>
+          </a:lnRef>
+          <a:fillRef idx="1">
+            <a:schemeClr val="accent1"/>
+          </a:fillRef>
+          <a:effectRef idx="0">
+            <a:schemeClr val="accent1"/>
+          </a:effectRef>
+          <a:fontRef idx="minor">
+            <a:schemeClr val="lt1"/>
+          </a:fontRef>
+        </p:style>
+        <p:txBody>
+          <a:bodyPr rtlCol="0" anchor="ctr"/>
+          <a:lstStyle/>
+          <a:p>
+            <a:pPr algn="ctr"/>
+            <a:endParaRPr lang="en-GB"/>
+          </a:p>
+        </p:txBody>
+      </p:sp>
+      <p:sp>
+        <p:nvSpPr>
+          <p:cNvPr id="217" name="Arrow: Down 216">
+            <a:extLst>
+              <a:ext uri="{FF2B5EF4-FFF2-40B4-BE49-F238E27FC236}">
+                <a16:creationId xmlns:a16="http://schemas.microsoft.com/office/drawing/2014/main" id="{9FA3A00A-A094-40D1-8311-002C9CA15CFC}"/>
+              </a:ext>
+            </a:extLst>
+          </p:cNvPr>
+          <p:cNvSpPr/>
+          <p:nvPr/>
+        </p:nvSpPr>
+        <p:spPr>
+          <a:xfrm>
+            <a:off x="8722938" y="4498183"/>
+            <a:ext cx="483577" cy="461665"/>
+          </a:xfrm>
+          <a:prstGeom prst="downArrow">
+            <a:avLst/>
+          </a:prstGeom>
+          <a:solidFill>
+            <a:srgbClr val="FF0000"/>
+          </a:solidFill>
+        </p:spPr>
+        <p:style>
+          <a:lnRef idx="2">
+            <a:schemeClr val="accent1">
+              <a:shade val="50000"/>
+            </a:schemeClr>
+          </a:lnRef>
+          <a:fillRef idx="1">
+            <a:schemeClr val="accent1"/>
+          </a:fillRef>
+          <a:effectRef idx="0">
+            <a:schemeClr val="accent1"/>
+          </a:effectRef>
+          <a:fontRef idx="minor">
+            <a:schemeClr val="lt1"/>
+          </a:fontRef>
+        </p:style>
+        <p:txBody>
+          <a:bodyPr rtlCol="0" anchor="ctr"/>
+          <a:lstStyle/>
+          <a:p>
+            <a:pPr algn="ctr"/>
+            <a:endParaRPr lang="en-GB"/>
+          </a:p>
+        </p:txBody>
+      </p:sp>
+      <p:sp>
+        <p:nvSpPr>
+          <p:cNvPr id="219" name="Rectangle 218">
+            <a:extLst>
+              <a:ext uri="{FF2B5EF4-FFF2-40B4-BE49-F238E27FC236}">
+                <a16:creationId xmlns:a16="http://schemas.microsoft.com/office/drawing/2014/main" id="{CB067D37-C0E0-4660-A903-C8D29A45DD73}"/>
+              </a:ext>
+            </a:extLst>
+          </p:cNvPr>
+          <p:cNvSpPr/>
+          <p:nvPr/>
+        </p:nvSpPr>
+        <p:spPr>
+          <a:xfrm>
+            <a:off x="6412587" y="2192803"/>
+            <a:ext cx="483577" cy="461665"/>
+          </a:xfrm>
+          <a:prstGeom prst="rect">
+            <a:avLst/>
+          </a:prstGeom>
+          <a:solidFill>
+            <a:schemeClr val="accent6">
+              <a:lumMod val="60000"/>
+              <a:lumOff val="40000"/>
+            </a:schemeClr>
+          </a:solidFill>
+        </p:spPr>
+        <p:style>
+          <a:lnRef idx="2">
+            <a:schemeClr val="accent1">
+              <a:shade val="50000"/>
+            </a:schemeClr>
+          </a:lnRef>
+          <a:fillRef idx="1">
+            <a:schemeClr val="accent1"/>
+          </a:fillRef>
+          <a:effectRef idx="0">
+            <a:schemeClr val="accent1"/>
+          </a:effectRef>
+          <a:fontRef idx="minor">
+            <a:schemeClr val="lt1"/>
+          </a:fontRef>
+        </p:style>
+        <p:txBody>
+          <a:bodyPr rtlCol="0" anchor="ctr"/>
+          <a:lstStyle/>
+          <a:p>
+            <a:pPr algn="ctr"/>
+            <a:r>
+              <a:rPr lang="en-GB" dirty="0"/>
+              <a:t>v1</a:t>
+            </a:r>
+          </a:p>
+        </p:txBody>
+      </p:sp>
+      <p:sp>
+        <p:nvSpPr>
+          <p:cNvPr id="220" name="Rectangle 219">
+            <a:extLst>
+              <a:ext uri="{FF2B5EF4-FFF2-40B4-BE49-F238E27FC236}">
+                <a16:creationId xmlns:a16="http://schemas.microsoft.com/office/drawing/2014/main" id="{FBBF887C-750F-4909-8E33-B7DD7E7C3CE2}"/>
+              </a:ext>
+            </a:extLst>
+          </p:cNvPr>
+          <p:cNvSpPr/>
+          <p:nvPr/>
+        </p:nvSpPr>
+        <p:spPr>
+          <a:xfrm>
+            <a:off x="6923015" y="2192803"/>
+            <a:ext cx="483577" cy="461665"/>
+          </a:xfrm>
+          <a:prstGeom prst="rect">
+            <a:avLst/>
+          </a:prstGeom>
+          <a:solidFill>
+            <a:schemeClr val="accent6">
+              <a:lumMod val="60000"/>
+              <a:lumOff val="40000"/>
+            </a:schemeClr>
+          </a:solidFill>
+        </p:spPr>
+        <p:style>
+          <a:lnRef idx="2">
+            <a:schemeClr val="accent1">
+              <a:shade val="50000"/>
+            </a:schemeClr>
+          </a:lnRef>
+          <a:fillRef idx="1">
+            <a:schemeClr val="accent1"/>
+          </a:fillRef>
+          <a:effectRef idx="0">
+            <a:schemeClr val="accent1"/>
+          </a:effectRef>
+          <a:fontRef idx="minor">
+            <a:schemeClr val="lt1"/>
+          </a:fontRef>
+        </p:style>
+        <p:txBody>
+          <a:bodyPr rtlCol="0" anchor="ctr"/>
+          <a:lstStyle/>
+          <a:p>
+            <a:pPr algn="ctr"/>
+            <a:r>
+              <a:rPr lang="en-GB" dirty="0"/>
+              <a:t>v1</a:t>
+            </a:r>
+          </a:p>
+        </p:txBody>
+      </p:sp>
+      <p:sp>
+        <p:nvSpPr>
+          <p:cNvPr id="221" name="Rectangle 220">
+            <a:extLst>
+              <a:ext uri="{FF2B5EF4-FFF2-40B4-BE49-F238E27FC236}">
+                <a16:creationId xmlns:a16="http://schemas.microsoft.com/office/drawing/2014/main" id="{226BB957-E0EE-4CD2-A728-B581EBF9BCA0}"/>
+              </a:ext>
+            </a:extLst>
+          </p:cNvPr>
+          <p:cNvSpPr/>
+          <p:nvPr/>
+        </p:nvSpPr>
+        <p:spPr>
+          <a:xfrm>
+            <a:off x="7433443" y="2192803"/>
+            <a:ext cx="483577" cy="461665"/>
+          </a:xfrm>
+          <a:prstGeom prst="rect">
+            <a:avLst/>
+          </a:prstGeom>
+          <a:solidFill>
+            <a:schemeClr val="accent6">
+              <a:lumMod val="60000"/>
+              <a:lumOff val="40000"/>
+            </a:schemeClr>
+          </a:solidFill>
+        </p:spPr>
+        <p:style>
+          <a:lnRef idx="2">
+            <a:schemeClr val="accent1">
+              <a:shade val="50000"/>
+            </a:schemeClr>
+          </a:lnRef>
+          <a:fillRef idx="1">
+            <a:schemeClr val="accent1"/>
+          </a:fillRef>
+          <a:effectRef idx="0">
+            <a:schemeClr val="accent1"/>
+          </a:effectRef>
+          <a:fontRef idx="minor">
+            <a:schemeClr val="lt1"/>
+          </a:fontRef>
+        </p:style>
+        <p:txBody>
+          <a:bodyPr rtlCol="0" anchor="ctr"/>
+          <a:lstStyle/>
+          <a:p>
+            <a:pPr algn="ctr"/>
+            <a:r>
+              <a:rPr lang="en-GB" dirty="0"/>
+              <a:t>v1</a:t>
+            </a:r>
+          </a:p>
+        </p:txBody>
+      </p:sp>
+      <p:sp>
+        <p:nvSpPr>
+          <p:cNvPr id="222" name="Rectangle 221">
+            <a:extLst>
+              <a:ext uri="{FF2B5EF4-FFF2-40B4-BE49-F238E27FC236}">
+                <a16:creationId xmlns:a16="http://schemas.microsoft.com/office/drawing/2014/main" id="{C4C8D948-E121-4C87-89DA-50646D4137E5}"/>
+              </a:ext>
+            </a:extLst>
+          </p:cNvPr>
+          <p:cNvSpPr/>
+          <p:nvPr/>
+        </p:nvSpPr>
+        <p:spPr>
+          <a:xfrm>
+            <a:off x="7943871" y="2192803"/>
+            <a:ext cx="483577" cy="461665"/>
+          </a:xfrm>
+          <a:prstGeom prst="rect">
+            <a:avLst/>
+          </a:prstGeom>
+          <a:solidFill>
+            <a:schemeClr val="accent6">
+              <a:lumMod val="60000"/>
+              <a:lumOff val="40000"/>
+            </a:schemeClr>
+          </a:solidFill>
+        </p:spPr>
+        <p:style>
+          <a:lnRef idx="2">
+            <a:schemeClr val="accent1">
+              <a:shade val="50000"/>
+            </a:schemeClr>
+          </a:lnRef>
+          <a:fillRef idx="1">
+            <a:schemeClr val="accent1"/>
+          </a:fillRef>
+          <a:effectRef idx="0">
+            <a:schemeClr val="accent1"/>
+          </a:effectRef>
+          <a:fontRef idx="minor">
+            <a:schemeClr val="lt1"/>
+          </a:fontRef>
+        </p:style>
+        <p:txBody>
+          <a:bodyPr rtlCol="0" anchor="ctr"/>
+          <a:lstStyle/>
+          <a:p>
+            <a:pPr algn="ctr"/>
+            <a:r>
+              <a:rPr lang="en-GB" dirty="0"/>
+              <a:t>v1</a:t>
+            </a:r>
+          </a:p>
+        </p:txBody>
+      </p:sp>
+      <p:sp>
+        <p:nvSpPr>
+          <p:cNvPr id="223" name="Rectangle 222">
+            <a:extLst>
+              <a:ext uri="{FF2B5EF4-FFF2-40B4-BE49-F238E27FC236}">
+                <a16:creationId xmlns:a16="http://schemas.microsoft.com/office/drawing/2014/main" id="{30D57FF5-B1BB-469B-9809-585B8D97BEC8}"/>
+              </a:ext>
+            </a:extLst>
+          </p:cNvPr>
+          <p:cNvSpPr/>
+          <p:nvPr/>
+        </p:nvSpPr>
+        <p:spPr>
+          <a:xfrm>
+            <a:off x="8454299" y="2192803"/>
+            <a:ext cx="483577" cy="461665"/>
+          </a:xfrm>
+          <a:prstGeom prst="rect">
+            <a:avLst/>
+          </a:prstGeom>
+          <a:solidFill>
+            <a:schemeClr val="accent6">
+              <a:lumMod val="60000"/>
+              <a:lumOff val="40000"/>
+            </a:schemeClr>
+          </a:solidFill>
+        </p:spPr>
+        <p:style>
+          <a:lnRef idx="2">
+            <a:schemeClr val="accent1">
+              <a:shade val="50000"/>
+            </a:schemeClr>
+          </a:lnRef>
+          <a:fillRef idx="1">
+            <a:schemeClr val="accent1"/>
+          </a:fillRef>
+          <a:effectRef idx="0">
+            <a:schemeClr val="accent1"/>
+          </a:effectRef>
+          <a:fontRef idx="minor">
+            <a:schemeClr val="lt1"/>
+          </a:fontRef>
+        </p:style>
+        <p:txBody>
+          <a:bodyPr rtlCol="0" anchor="ctr"/>
+          <a:lstStyle/>
+          <a:p>
+            <a:pPr algn="ctr"/>
+            <a:r>
+              <a:rPr lang="en-GB" dirty="0"/>
+              <a:t>v2</a:t>
+            </a:r>
+          </a:p>
+        </p:txBody>
+      </p:sp>
+      <p:sp>
+        <p:nvSpPr>
+          <p:cNvPr id="224" name="Rectangle 223">
+            <a:extLst>
+              <a:ext uri="{FF2B5EF4-FFF2-40B4-BE49-F238E27FC236}">
+                <a16:creationId xmlns:a16="http://schemas.microsoft.com/office/drawing/2014/main" id="{D604A4B7-EE28-41D8-8115-3F39F279AE39}"/>
+              </a:ext>
+            </a:extLst>
+          </p:cNvPr>
+          <p:cNvSpPr/>
+          <p:nvPr/>
+        </p:nvSpPr>
+        <p:spPr>
+          <a:xfrm>
+            <a:off x="8964727" y="2192803"/>
+            <a:ext cx="483577" cy="461665"/>
+          </a:xfrm>
+          <a:prstGeom prst="rect">
+            <a:avLst/>
+          </a:prstGeom>
+          <a:solidFill>
+            <a:schemeClr val="accent6">
+              <a:lumMod val="60000"/>
+              <a:lumOff val="40000"/>
+            </a:schemeClr>
+          </a:solidFill>
+        </p:spPr>
+        <p:style>
+          <a:lnRef idx="2">
+            <a:schemeClr val="accent1">
+              <a:shade val="50000"/>
+            </a:schemeClr>
+          </a:lnRef>
+          <a:fillRef idx="1">
+            <a:schemeClr val="accent1"/>
+          </a:fillRef>
+          <a:effectRef idx="0">
+            <a:schemeClr val="accent1"/>
+          </a:effectRef>
+          <a:fontRef idx="minor">
+            <a:schemeClr val="lt1"/>
+          </a:fontRef>
+        </p:style>
+        <p:txBody>
+          <a:bodyPr rtlCol="0" anchor="ctr"/>
+          <a:lstStyle/>
+          <a:p>
+            <a:pPr algn="ctr"/>
+            <a:r>
+              <a:rPr lang="en-GB" dirty="0"/>
+              <a:t>v2</a:t>
+            </a:r>
+          </a:p>
+        </p:txBody>
+      </p:sp>
+      <p:sp>
+        <p:nvSpPr>
+          <p:cNvPr id="225" name="Rectangle 224">
+            <a:extLst>
+              <a:ext uri="{FF2B5EF4-FFF2-40B4-BE49-F238E27FC236}">
+                <a16:creationId xmlns:a16="http://schemas.microsoft.com/office/drawing/2014/main" id="{F7BB2C4F-DC28-4A50-94BE-F228089356A7}"/>
+              </a:ext>
+            </a:extLst>
+          </p:cNvPr>
+          <p:cNvSpPr/>
+          <p:nvPr/>
+        </p:nvSpPr>
+        <p:spPr>
+          <a:xfrm>
+            <a:off x="9475155" y="2192803"/>
+            <a:ext cx="483577" cy="461665"/>
+          </a:xfrm>
+          <a:prstGeom prst="rect">
+            <a:avLst/>
+          </a:prstGeom>
+          <a:solidFill>
+            <a:schemeClr val="accent6">
+              <a:lumMod val="60000"/>
+              <a:lumOff val="40000"/>
+            </a:schemeClr>
+          </a:solidFill>
+        </p:spPr>
+        <p:style>
+          <a:lnRef idx="2">
+            <a:schemeClr val="accent1">
+              <a:shade val="50000"/>
+            </a:schemeClr>
+          </a:lnRef>
+          <a:fillRef idx="1">
+            <a:schemeClr val="accent1"/>
+          </a:fillRef>
+          <a:effectRef idx="0">
+            <a:schemeClr val="accent1"/>
+          </a:effectRef>
+          <a:fontRef idx="minor">
+            <a:schemeClr val="lt1"/>
+          </a:fontRef>
+        </p:style>
+        <p:txBody>
+          <a:bodyPr rtlCol="0" anchor="ctr"/>
+          <a:lstStyle/>
+          <a:p>
+            <a:pPr algn="ctr"/>
+            <a:r>
+              <a:rPr lang="en-GB" dirty="0"/>
+              <a:t>v2</a:t>
+            </a:r>
+          </a:p>
+        </p:txBody>
+      </p:sp>
+      <p:sp>
+        <p:nvSpPr>
+          <p:cNvPr id="226" name="Rectangle 225">
+            <a:extLst>
+              <a:ext uri="{FF2B5EF4-FFF2-40B4-BE49-F238E27FC236}">
+                <a16:creationId xmlns:a16="http://schemas.microsoft.com/office/drawing/2014/main" id="{97B2E77A-4E12-4EEA-9207-102D7C0F26B0}"/>
+              </a:ext>
+            </a:extLst>
+          </p:cNvPr>
+          <p:cNvSpPr/>
+          <p:nvPr/>
+        </p:nvSpPr>
+        <p:spPr>
+          <a:xfrm>
+            <a:off x="9985583" y="2192803"/>
+            <a:ext cx="483577" cy="461665"/>
+          </a:xfrm>
+          <a:prstGeom prst="rect">
+            <a:avLst/>
+          </a:prstGeom>
+          <a:solidFill>
+            <a:schemeClr val="accent6">
+              <a:lumMod val="60000"/>
+              <a:lumOff val="40000"/>
+            </a:schemeClr>
+          </a:solidFill>
+        </p:spPr>
+        <p:style>
+          <a:lnRef idx="2">
+            <a:schemeClr val="accent1">
+              <a:shade val="50000"/>
+            </a:schemeClr>
+          </a:lnRef>
+          <a:fillRef idx="1">
+            <a:schemeClr val="accent1"/>
+          </a:fillRef>
+          <a:effectRef idx="0">
+            <a:schemeClr val="accent1"/>
+          </a:effectRef>
+          <a:fontRef idx="minor">
+            <a:schemeClr val="lt1"/>
+          </a:fontRef>
+        </p:style>
+        <p:txBody>
+          <a:bodyPr rtlCol="0" anchor="ctr"/>
+          <a:lstStyle/>
+          <a:p>
+            <a:pPr algn="ctr"/>
+            <a:r>
+              <a:rPr lang="en-GB" dirty="0"/>
+              <a:t>v3</a:t>
+            </a:r>
+          </a:p>
+        </p:txBody>
+      </p:sp>
+      <p:sp>
+        <p:nvSpPr>
+          <p:cNvPr id="227" name="Rectangle 226">
+            <a:extLst>
+              <a:ext uri="{FF2B5EF4-FFF2-40B4-BE49-F238E27FC236}">
+                <a16:creationId xmlns:a16="http://schemas.microsoft.com/office/drawing/2014/main" id="{8F0DE4D7-E72B-440D-85B7-E4FEE6E8C308}"/>
+              </a:ext>
+            </a:extLst>
+          </p:cNvPr>
+          <p:cNvSpPr/>
+          <p:nvPr/>
+        </p:nvSpPr>
+        <p:spPr>
+          <a:xfrm>
+            <a:off x="10496011" y="2192803"/>
+            <a:ext cx="483577" cy="461665"/>
+          </a:xfrm>
+          <a:prstGeom prst="rect">
+            <a:avLst/>
+          </a:prstGeom>
+          <a:solidFill>
+            <a:schemeClr val="accent6">
+              <a:lumMod val="60000"/>
+              <a:lumOff val="40000"/>
+            </a:schemeClr>
+          </a:solidFill>
+        </p:spPr>
+        <p:style>
+          <a:lnRef idx="2">
+            <a:schemeClr val="accent1">
+              <a:shade val="50000"/>
+            </a:schemeClr>
+          </a:lnRef>
+          <a:fillRef idx="1">
+            <a:schemeClr val="accent1"/>
+          </a:fillRef>
+          <a:effectRef idx="0">
+            <a:schemeClr val="accent1"/>
+          </a:effectRef>
+          <a:fontRef idx="minor">
+            <a:schemeClr val="lt1"/>
+          </a:fontRef>
+        </p:style>
+        <p:txBody>
+          <a:bodyPr rtlCol="0" anchor="ctr"/>
+          <a:lstStyle/>
+          <a:p>
+            <a:pPr algn="ctr"/>
+            <a:r>
+              <a:rPr lang="en-GB" dirty="0"/>
+              <a:t>v3</a:t>
+            </a:r>
+          </a:p>
+        </p:txBody>
+      </p:sp>
+      <p:sp>
+        <p:nvSpPr>
+          <p:cNvPr id="228" name="Rectangle 227">
+            <a:extLst>
+              <a:ext uri="{FF2B5EF4-FFF2-40B4-BE49-F238E27FC236}">
+                <a16:creationId xmlns:a16="http://schemas.microsoft.com/office/drawing/2014/main" id="{526F6894-7726-4755-B407-4A0DD049F39B}"/>
+              </a:ext>
+            </a:extLst>
+          </p:cNvPr>
+          <p:cNvSpPr/>
+          <p:nvPr/>
+        </p:nvSpPr>
+        <p:spPr>
+          <a:xfrm>
+            <a:off x="11006439" y="2192803"/>
+            <a:ext cx="483577" cy="461665"/>
+          </a:xfrm>
+          <a:prstGeom prst="rect">
+            <a:avLst/>
+          </a:prstGeom>
+          <a:solidFill>
+            <a:schemeClr val="accent6">
+              <a:lumMod val="60000"/>
+              <a:lumOff val="40000"/>
+            </a:schemeClr>
+          </a:solidFill>
+        </p:spPr>
+        <p:style>
+          <a:lnRef idx="2">
+            <a:schemeClr val="accent1">
+              <a:shade val="50000"/>
+            </a:schemeClr>
+          </a:lnRef>
+          <a:fillRef idx="1">
+            <a:schemeClr val="accent1"/>
+          </a:fillRef>
+          <a:effectRef idx="0">
+            <a:schemeClr val="accent1"/>
+          </a:effectRef>
+          <a:fontRef idx="minor">
+            <a:schemeClr val="lt1"/>
+          </a:fontRef>
+        </p:style>
+        <p:txBody>
+          <a:bodyPr rtlCol="0" anchor="ctr"/>
+          <a:lstStyle/>
+          <a:p>
+            <a:pPr algn="ctr"/>
+            <a:endParaRPr lang="en-GB"/>
+          </a:p>
+        </p:txBody>
+      </p:sp>
+      <p:sp>
+        <p:nvSpPr>
+          <p:cNvPr id="229" name="Rectangle 228">
+            <a:extLst>
+              <a:ext uri="{FF2B5EF4-FFF2-40B4-BE49-F238E27FC236}">
+                <a16:creationId xmlns:a16="http://schemas.microsoft.com/office/drawing/2014/main" id="{F6476AE3-B54B-46AB-BB40-3BA878F3E03B}"/>
+              </a:ext>
+            </a:extLst>
+          </p:cNvPr>
+          <p:cNvSpPr/>
+          <p:nvPr/>
+        </p:nvSpPr>
+        <p:spPr>
+          <a:xfrm>
+            <a:off x="6426012" y="5079776"/>
+            <a:ext cx="483577" cy="461665"/>
+          </a:xfrm>
+          <a:prstGeom prst="rect">
+            <a:avLst/>
+          </a:prstGeom>
+          <a:solidFill>
+            <a:srgbClr val="FFC000"/>
+          </a:solidFill>
+        </p:spPr>
+        <p:style>
+          <a:lnRef idx="2">
+            <a:schemeClr val="accent1">
+              <a:shade val="50000"/>
+            </a:schemeClr>
+          </a:lnRef>
+          <a:fillRef idx="1">
+            <a:schemeClr val="accent1"/>
+          </a:fillRef>
+          <a:effectRef idx="0">
+            <a:schemeClr val="accent1"/>
+          </a:effectRef>
+          <a:fontRef idx="minor">
+            <a:schemeClr val="lt1"/>
+          </a:fontRef>
+        </p:style>
+        <p:txBody>
+          <a:bodyPr rtlCol="0" anchor="ctr"/>
+          <a:lstStyle/>
+          <a:p>
+            <a:pPr algn="ctr"/>
+            <a:endParaRPr lang="en-GB" dirty="0"/>
+          </a:p>
+        </p:txBody>
+      </p:sp>
+      <p:sp>
+        <p:nvSpPr>
+          <p:cNvPr id="230" name="Rectangle 229">
+            <a:extLst>
+              <a:ext uri="{FF2B5EF4-FFF2-40B4-BE49-F238E27FC236}">
+                <a16:creationId xmlns:a16="http://schemas.microsoft.com/office/drawing/2014/main" id="{8171F00E-39F2-46E8-8521-F2D625937EFE}"/>
+              </a:ext>
+            </a:extLst>
+          </p:cNvPr>
+          <p:cNvSpPr/>
+          <p:nvPr/>
+        </p:nvSpPr>
+        <p:spPr>
+          <a:xfrm>
+            <a:off x="6936440" y="5079776"/>
+            <a:ext cx="483577" cy="461665"/>
+          </a:xfrm>
+          <a:prstGeom prst="rect">
+            <a:avLst/>
+          </a:prstGeom>
+          <a:solidFill>
+            <a:srgbClr val="FFC000"/>
+          </a:solidFill>
+        </p:spPr>
+        <p:style>
+          <a:lnRef idx="2">
+            <a:schemeClr val="accent1">
+              <a:shade val="50000"/>
+            </a:schemeClr>
+          </a:lnRef>
+          <a:fillRef idx="1">
+            <a:schemeClr val="accent1"/>
+          </a:fillRef>
+          <a:effectRef idx="0">
+            <a:schemeClr val="accent1"/>
+          </a:effectRef>
+          <a:fontRef idx="minor">
+            <a:schemeClr val="lt1"/>
+          </a:fontRef>
+        </p:style>
+        <p:txBody>
+          <a:bodyPr rtlCol="0" anchor="ctr"/>
+          <a:lstStyle/>
+          <a:p>
+            <a:pPr algn="ctr"/>
+            <a:endParaRPr lang="en-GB" dirty="0"/>
+          </a:p>
+        </p:txBody>
+      </p:sp>
+      <p:sp>
+        <p:nvSpPr>
+          <p:cNvPr id="231" name="Rectangle 230">
+            <a:extLst>
+              <a:ext uri="{FF2B5EF4-FFF2-40B4-BE49-F238E27FC236}">
+                <a16:creationId xmlns:a16="http://schemas.microsoft.com/office/drawing/2014/main" id="{0BD7EC86-31A8-42B7-B36D-0E694AFC432E}"/>
+              </a:ext>
+            </a:extLst>
+          </p:cNvPr>
+          <p:cNvSpPr/>
+          <p:nvPr/>
+        </p:nvSpPr>
+        <p:spPr>
+          <a:xfrm>
+            <a:off x="7446868" y="5079776"/>
+            <a:ext cx="483577" cy="461665"/>
+          </a:xfrm>
+          <a:prstGeom prst="rect">
+            <a:avLst/>
+          </a:prstGeom>
+          <a:solidFill>
+            <a:srgbClr val="FFC000"/>
+          </a:solidFill>
+        </p:spPr>
+        <p:style>
+          <a:lnRef idx="2">
+            <a:schemeClr val="accent1">
+              <a:shade val="50000"/>
+            </a:schemeClr>
+          </a:lnRef>
+          <a:fillRef idx="1">
+            <a:schemeClr val="accent1"/>
+          </a:fillRef>
+          <a:effectRef idx="0">
+            <a:schemeClr val="accent1"/>
+          </a:effectRef>
+          <a:fontRef idx="minor">
+            <a:schemeClr val="lt1"/>
+          </a:fontRef>
+        </p:style>
+        <p:txBody>
+          <a:bodyPr rtlCol="0" anchor="ctr"/>
+          <a:lstStyle/>
+          <a:p>
+            <a:pPr algn="ctr"/>
+            <a:endParaRPr lang="en-GB" dirty="0"/>
+          </a:p>
+        </p:txBody>
+      </p:sp>
+      <p:sp>
+        <p:nvSpPr>
+          <p:cNvPr id="232" name="Rectangle 231">
+            <a:extLst>
+              <a:ext uri="{FF2B5EF4-FFF2-40B4-BE49-F238E27FC236}">
+                <a16:creationId xmlns:a16="http://schemas.microsoft.com/office/drawing/2014/main" id="{7E57E50B-1770-4694-9361-F9A009BED5F6}"/>
+              </a:ext>
+            </a:extLst>
+          </p:cNvPr>
+          <p:cNvSpPr/>
+          <p:nvPr/>
+        </p:nvSpPr>
+        <p:spPr>
+          <a:xfrm>
+            <a:off x="7957296" y="5079776"/>
+            <a:ext cx="483577" cy="461665"/>
+          </a:xfrm>
+          <a:prstGeom prst="rect">
+            <a:avLst/>
+          </a:prstGeom>
+          <a:solidFill>
+            <a:srgbClr val="FFC000"/>
+          </a:solidFill>
+        </p:spPr>
+        <p:style>
+          <a:lnRef idx="2">
+            <a:schemeClr val="accent1">
+              <a:shade val="50000"/>
+            </a:schemeClr>
+          </a:lnRef>
+          <a:fillRef idx="1">
+            <a:schemeClr val="accent1"/>
+          </a:fillRef>
+          <a:effectRef idx="0">
+            <a:schemeClr val="accent1"/>
+          </a:effectRef>
+          <a:fontRef idx="minor">
+            <a:schemeClr val="lt1"/>
+          </a:fontRef>
+        </p:style>
+        <p:txBody>
+          <a:bodyPr rtlCol="0" anchor="ctr"/>
+          <a:lstStyle/>
+          <a:p>
+            <a:pPr algn="ctr"/>
+            <a:endParaRPr lang="en-GB" dirty="0"/>
+          </a:p>
+        </p:txBody>
+      </p:sp>
+      <p:sp>
+        <p:nvSpPr>
+          <p:cNvPr id="233" name="Rectangle 232">
+            <a:extLst>
+              <a:ext uri="{FF2B5EF4-FFF2-40B4-BE49-F238E27FC236}">
+                <a16:creationId xmlns:a16="http://schemas.microsoft.com/office/drawing/2014/main" id="{17218AAF-0C3F-4BF0-8175-8F20F013AC5E}"/>
+              </a:ext>
+            </a:extLst>
+          </p:cNvPr>
+          <p:cNvSpPr/>
+          <p:nvPr/>
+        </p:nvSpPr>
+        <p:spPr>
+          <a:xfrm>
+            <a:off x="8467724" y="5079776"/>
+            <a:ext cx="483577" cy="461665"/>
+          </a:xfrm>
+          <a:prstGeom prst="rect">
+            <a:avLst/>
+          </a:prstGeom>
+          <a:solidFill>
+            <a:srgbClr val="FFC000"/>
+          </a:solidFill>
+        </p:spPr>
+        <p:style>
+          <a:lnRef idx="2">
+            <a:schemeClr val="accent1">
+              <a:shade val="50000"/>
+            </a:schemeClr>
+          </a:lnRef>
+          <a:fillRef idx="1">
+            <a:schemeClr val="accent1"/>
+          </a:fillRef>
+          <a:effectRef idx="0">
+            <a:schemeClr val="accent1"/>
+          </a:effectRef>
+          <a:fontRef idx="minor">
+            <a:schemeClr val="lt1"/>
+          </a:fontRef>
+        </p:style>
+        <p:txBody>
+          <a:bodyPr rtlCol="0" anchor="ctr"/>
+          <a:lstStyle/>
+          <a:p>
+            <a:pPr algn="ctr"/>
+            <a:endParaRPr lang="en-GB" dirty="0"/>
+          </a:p>
+        </p:txBody>
+      </p:sp>
+      <p:sp>
+        <p:nvSpPr>
+          <p:cNvPr id="234" name="Rectangle 233">
+            <a:extLst>
+              <a:ext uri="{FF2B5EF4-FFF2-40B4-BE49-F238E27FC236}">
+                <a16:creationId xmlns:a16="http://schemas.microsoft.com/office/drawing/2014/main" id="{27EB5D15-DE7F-4D7A-B506-974ABDA668C5}"/>
+              </a:ext>
+            </a:extLst>
+          </p:cNvPr>
+          <p:cNvSpPr/>
+          <p:nvPr/>
+        </p:nvSpPr>
+        <p:spPr>
+          <a:xfrm>
+            <a:off x="8978152" y="5079776"/>
+            <a:ext cx="483577" cy="461665"/>
+          </a:xfrm>
+          <a:prstGeom prst="rect">
+            <a:avLst/>
+          </a:prstGeom>
+          <a:solidFill>
+            <a:srgbClr val="FFC000"/>
+          </a:solidFill>
+        </p:spPr>
+        <p:style>
+          <a:lnRef idx="2">
+            <a:schemeClr val="accent1">
+              <a:shade val="50000"/>
+            </a:schemeClr>
+          </a:lnRef>
+          <a:fillRef idx="1">
+            <a:schemeClr val="accent1"/>
+          </a:fillRef>
+          <a:effectRef idx="0">
+            <a:schemeClr val="accent1"/>
+          </a:effectRef>
+          <a:fontRef idx="minor">
+            <a:schemeClr val="lt1"/>
+          </a:fontRef>
+        </p:style>
+        <p:txBody>
+          <a:bodyPr rtlCol="0" anchor="ctr"/>
+          <a:lstStyle/>
+          <a:p>
+            <a:pPr algn="ctr"/>
+            <a:endParaRPr lang="en-GB" dirty="0"/>
+          </a:p>
+        </p:txBody>
+      </p:sp>
+      <p:sp>
+        <p:nvSpPr>
+          <p:cNvPr id="235" name="Rectangle 234">
+            <a:extLst>
+              <a:ext uri="{FF2B5EF4-FFF2-40B4-BE49-F238E27FC236}">
+                <a16:creationId xmlns:a16="http://schemas.microsoft.com/office/drawing/2014/main" id="{1225D82F-6412-465E-9787-FB6DD676967D}"/>
+              </a:ext>
+            </a:extLst>
+          </p:cNvPr>
+          <p:cNvSpPr/>
+          <p:nvPr/>
+        </p:nvSpPr>
+        <p:spPr>
+          <a:xfrm>
+            <a:off x="9488580" y="5079776"/>
+            <a:ext cx="483577" cy="461665"/>
+          </a:xfrm>
+          <a:prstGeom prst="rect">
+            <a:avLst/>
+          </a:prstGeom>
+          <a:solidFill>
+            <a:srgbClr val="FFC000"/>
+          </a:solidFill>
+        </p:spPr>
+        <p:style>
+          <a:lnRef idx="2">
+            <a:schemeClr val="accent1">
+              <a:shade val="50000"/>
+            </a:schemeClr>
+          </a:lnRef>
+          <a:fillRef idx="1">
+            <a:schemeClr val="accent1"/>
+          </a:fillRef>
+          <a:effectRef idx="0">
+            <a:schemeClr val="accent1"/>
+          </a:effectRef>
+          <a:fontRef idx="minor">
+            <a:schemeClr val="lt1"/>
+          </a:fontRef>
+        </p:style>
+        <p:txBody>
+          <a:bodyPr rtlCol="0" anchor="ctr"/>
+          <a:lstStyle/>
+          <a:p>
+            <a:pPr algn="ctr"/>
+            <a:endParaRPr lang="en-GB" dirty="0"/>
+          </a:p>
+        </p:txBody>
+      </p:sp>
+      <p:sp>
+        <p:nvSpPr>
+          <p:cNvPr id="236" name="Rectangle 235">
+            <a:extLst>
+              <a:ext uri="{FF2B5EF4-FFF2-40B4-BE49-F238E27FC236}">
+                <a16:creationId xmlns:a16="http://schemas.microsoft.com/office/drawing/2014/main" id="{6A587031-738E-4914-92FF-EECBC882F700}"/>
+              </a:ext>
+            </a:extLst>
+          </p:cNvPr>
+          <p:cNvSpPr/>
+          <p:nvPr/>
+        </p:nvSpPr>
+        <p:spPr>
+          <a:xfrm>
+            <a:off x="9999008" y="5079776"/>
+            <a:ext cx="483577" cy="461665"/>
+          </a:xfrm>
+          <a:prstGeom prst="rect">
+            <a:avLst/>
+          </a:prstGeom>
+          <a:solidFill>
+            <a:srgbClr val="FFC000"/>
+          </a:solidFill>
+        </p:spPr>
+        <p:style>
+          <a:lnRef idx="2">
+            <a:schemeClr val="accent1">
+              <a:shade val="50000"/>
+            </a:schemeClr>
+          </a:lnRef>
+          <a:fillRef idx="1">
+            <a:schemeClr val="accent1"/>
+          </a:fillRef>
+          <a:effectRef idx="0">
+            <a:schemeClr val="accent1"/>
+          </a:effectRef>
+          <a:fontRef idx="minor">
+            <a:schemeClr val="lt1"/>
+          </a:fontRef>
+        </p:style>
+        <p:txBody>
+          <a:bodyPr rtlCol="0" anchor="ctr"/>
+          <a:lstStyle/>
+          <a:p>
+            <a:pPr algn="ctr"/>
+            <a:endParaRPr lang="en-GB" dirty="0"/>
+          </a:p>
+        </p:txBody>
+      </p:sp>
+      <p:sp>
+        <p:nvSpPr>
+          <p:cNvPr id="237" name="Rectangle 236">
+            <a:extLst>
+              <a:ext uri="{FF2B5EF4-FFF2-40B4-BE49-F238E27FC236}">
+                <a16:creationId xmlns:a16="http://schemas.microsoft.com/office/drawing/2014/main" id="{6CE5C69A-6FF8-44AA-A846-874C0EE610C0}"/>
+              </a:ext>
+            </a:extLst>
+          </p:cNvPr>
+          <p:cNvSpPr/>
+          <p:nvPr/>
+        </p:nvSpPr>
+        <p:spPr>
+          <a:xfrm>
+            <a:off x="10509436" y="5079776"/>
+            <a:ext cx="483577" cy="461665"/>
+          </a:xfrm>
+          <a:prstGeom prst="rect">
+            <a:avLst/>
+          </a:prstGeom>
+          <a:solidFill>
+            <a:srgbClr val="FFC000"/>
+          </a:solidFill>
+        </p:spPr>
+        <p:style>
+          <a:lnRef idx="2">
+            <a:schemeClr val="accent1">
+              <a:shade val="50000"/>
+            </a:schemeClr>
+          </a:lnRef>
+          <a:fillRef idx="1">
+            <a:schemeClr val="accent1"/>
+          </a:fillRef>
+          <a:effectRef idx="0">
+            <a:schemeClr val="accent1"/>
+          </a:effectRef>
+          <a:fontRef idx="minor">
+            <a:schemeClr val="lt1"/>
+          </a:fontRef>
+        </p:style>
+        <p:txBody>
+          <a:bodyPr rtlCol="0" anchor="ctr"/>
+          <a:lstStyle/>
+          <a:p>
+            <a:pPr algn="ctr"/>
+            <a:endParaRPr lang="en-GB" dirty="0"/>
+          </a:p>
+        </p:txBody>
+      </p:sp>
+      <p:sp>
+        <p:nvSpPr>
+          <p:cNvPr id="238" name="Rectangle 237">
+            <a:extLst>
+              <a:ext uri="{FF2B5EF4-FFF2-40B4-BE49-F238E27FC236}">
+                <a16:creationId xmlns:a16="http://schemas.microsoft.com/office/drawing/2014/main" id="{EE55B2E4-6E57-4189-8A2B-D65C67A74FD8}"/>
+              </a:ext>
+            </a:extLst>
+          </p:cNvPr>
+          <p:cNvSpPr/>
+          <p:nvPr/>
+        </p:nvSpPr>
+        <p:spPr>
+          <a:xfrm>
+            <a:off x="11019864" y="5079776"/>
+            <a:ext cx="483577" cy="461665"/>
+          </a:xfrm>
+          <a:prstGeom prst="rect">
+            <a:avLst/>
+          </a:prstGeom>
+          <a:solidFill>
+            <a:srgbClr val="FFC000"/>
+          </a:solidFill>
+        </p:spPr>
+        <p:style>
+          <a:lnRef idx="2">
+            <a:schemeClr val="accent1">
+              <a:shade val="50000"/>
+            </a:schemeClr>
+          </a:lnRef>
+          <a:fillRef idx="1">
+            <a:schemeClr val="accent1"/>
+          </a:fillRef>
+          <a:effectRef idx="0">
+            <a:schemeClr val="accent1"/>
+          </a:effectRef>
+          <a:fontRef idx="minor">
+            <a:schemeClr val="lt1"/>
+          </a:fontRef>
+        </p:style>
+        <p:txBody>
+          <a:bodyPr rtlCol="0" anchor="ctr"/>
+          <a:lstStyle/>
+          <a:p>
+            <a:pPr algn="ctr"/>
+            <a:endParaRPr lang="en-GB"/>
+          </a:p>
+        </p:txBody>
+      </p:sp>
+      <p:cxnSp>
+        <p:nvCxnSpPr>
+          <p:cNvPr id="3" name="Straight Connector 2">
+            <a:extLst>
+              <a:ext uri="{FF2B5EF4-FFF2-40B4-BE49-F238E27FC236}">
+                <a16:creationId xmlns:a16="http://schemas.microsoft.com/office/drawing/2014/main" id="{C4980317-3C1E-4B2B-9C8C-6DA1648F6AD6}"/>
+              </a:ext>
+            </a:extLst>
+          </p:cNvPr>
+          <p:cNvCxnSpPr>
+            <a:cxnSpLocks/>
+          </p:cNvCxnSpPr>
+          <p:nvPr/>
+        </p:nvCxnSpPr>
+        <p:spPr>
+          <a:xfrm>
+            <a:off x="8954894" y="1934218"/>
+            <a:ext cx="0" cy="1561368"/>
+          </a:xfrm>
+          <a:prstGeom prst="line">
+            <a:avLst/>
+          </a:prstGeom>
+          <a:ln w="19050"/>
+        </p:spPr>
+        <p:style>
+          <a:lnRef idx="1">
+            <a:schemeClr val="accent1"/>
+          </a:lnRef>
+          <a:fillRef idx="0">
+            <a:schemeClr val="accent1"/>
+          </a:fillRef>
+          <a:effectRef idx="0">
+            <a:schemeClr val="accent1"/>
+          </a:effectRef>
+          <a:fontRef idx="minor">
+            <a:schemeClr val="tx1"/>
+          </a:fontRef>
+        </p:style>
+      </p:cxnSp>
+      <p:sp>
+        <p:nvSpPr>
+          <p:cNvPr id="81" name="Arrow: Down 80">
+            <a:extLst>
+              <a:ext uri="{FF2B5EF4-FFF2-40B4-BE49-F238E27FC236}">
+                <a16:creationId xmlns:a16="http://schemas.microsoft.com/office/drawing/2014/main" id="{466F5154-B160-4ADE-B3AC-E6D72C341A05}"/>
+              </a:ext>
+            </a:extLst>
+          </p:cNvPr>
+          <p:cNvSpPr/>
+          <p:nvPr/>
+        </p:nvSpPr>
+        <p:spPr>
+          <a:xfrm>
+            <a:off x="7440157" y="3261640"/>
+            <a:ext cx="483577" cy="461665"/>
+          </a:xfrm>
+          <a:prstGeom prst="downArrow">
+            <a:avLst/>
+          </a:prstGeom>
+          <a:solidFill>
+            <a:srgbClr val="FF0000"/>
+          </a:solidFill>
+        </p:spPr>
+        <p:style>
+          <a:lnRef idx="2">
+            <a:schemeClr val="accent1">
+              <a:shade val="50000"/>
+            </a:schemeClr>
+          </a:lnRef>
+          <a:fillRef idx="1">
+            <a:schemeClr val="accent1"/>
+          </a:fillRef>
+          <a:effectRef idx="0">
+            <a:schemeClr val="accent1"/>
+          </a:effectRef>
+          <a:fontRef idx="minor">
+            <a:schemeClr val="lt1"/>
+          </a:fontRef>
+        </p:style>
+        <p:txBody>
+          <a:bodyPr rtlCol="0" anchor="ctr"/>
+          <a:lstStyle/>
+          <a:p>
+            <a:pPr algn="ctr"/>
+            <a:endParaRPr lang="en-GB"/>
+          </a:p>
+        </p:txBody>
+      </p:sp>
+      <p:sp>
+        <p:nvSpPr>
+          <p:cNvPr id="82" name="Rectangle: Rounded Corners 81">
+            <a:extLst>
+              <a:ext uri="{FF2B5EF4-FFF2-40B4-BE49-F238E27FC236}">
+                <a16:creationId xmlns:a16="http://schemas.microsoft.com/office/drawing/2014/main" id="{F645188C-1E15-4F23-B708-05061677FEDD}"/>
+              </a:ext>
+            </a:extLst>
+          </p:cNvPr>
+          <p:cNvSpPr/>
+          <p:nvPr/>
+        </p:nvSpPr>
+        <p:spPr>
+          <a:xfrm>
+            <a:off x="8978152" y="3840373"/>
+            <a:ext cx="2511864" cy="537882"/>
+          </a:xfrm>
+          <a:prstGeom prst="roundRect">
+            <a:avLst/>
+          </a:prstGeom>
+        </p:spPr>
+        <p:style>
+          <a:lnRef idx="2">
+            <a:schemeClr val="accent1">
+              <a:shade val="50000"/>
+            </a:schemeClr>
+          </a:lnRef>
+          <a:fillRef idx="1">
+            <a:schemeClr val="accent1"/>
+          </a:fillRef>
+          <a:effectRef idx="0">
+            <a:schemeClr val="accent1"/>
+          </a:effectRef>
+          <a:fontRef idx="minor">
+            <a:schemeClr val="lt1"/>
+          </a:fontRef>
+        </p:style>
+        <p:txBody>
+          <a:bodyPr rtlCol="0" anchor="ctr"/>
+          <a:lstStyle/>
+          <a:p>
+            <a:pPr algn="ctr"/>
+            <a:r>
+              <a:rPr lang="en-GB" dirty="0"/>
+              <a:t>Parallel execution</a:t>
+            </a:r>
+          </a:p>
+          <a:p>
+            <a:pPr algn="ctr"/>
+            <a:r>
+              <a:rPr lang="en-GB" dirty="0"/>
+              <a:t>process P2</a:t>
+            </a:r>
+          </a:p>
+        </p:txBody>
+      </p:sp>
+    </p:spTree>
+    <p:extLst>
+      <p:ext uri="{BB962C8B-B14F-4D97-AF65-F5344CB8AC3E}">
+        <p14:creationId xmlns:p14="http://schemas.microsoft.com/office/powerpoint/2010/main" val="147541386"/>
+      </p:ext>
+    </p:extLst>
+  </p:cSld>
+  <p:clrMapOvr>
+    <a:masterClrMapping/>
+  </p:clrMapOvr>
+</p:sld>
+</file>
+
+<file path=ppt/slides/slide6.xml><?xml version="1.0" encoding="utf-8"?>
+<p:sld xmlns:a="http://schemas.openxmlformats.org/drawingml/2006/main" xmlns:r="http://schemas.openxmlformats.org/officeDocument/2006/relationships" xmlns:p="http://schemas.openxmlformats.org/presentationml/2006/main">
+  <p:cSld>
+    <p:bg>
+      <p:bgPr>
+        <a:solidFill>
+          <a:schemeClr val="bg1"/>
+        </a:solidFill>
+        <a:effectLst/>
+      </p:bgPr>
+    </p:bg>
+    <p:spTree>
+      <p:nvGrpSpPr>
+        <p:cNvPr id="1" name=""/>
+        <p:cNvGrpSpPr/>
+        <p:nvPr/>
+      </p:nvGrpSpPr>
+      <p:grpSpPr>
+        <a:xfrm>
+          <a:off x="0" y="0"/>
+          <a:ext cx="0" cy="0"/>
+          <a:chOff x="0" y="0"/>
+          <a:chExt cx="0" cy="0"/>
+        </a:xfrm>
+      </p:grpSpPr>
+      <p:sp>
+        <p:nvSpPr>
+          <p:cNvPr id="9" name="Rectangle 8">
+            <a:extLst>
+              <a:ext uri="{FF2B5EF4-FFF2-40B4-BE49-F238E27FC236}">
+                <a16:creationId xmlns:a16="http://schemas.microsoft.com/office/drawing/2014/main" id="{23962611-DFD5-4092-AAFD-559E3DFCE2C9}"/>
+              </a:ext>
+              <a:ext uri="{C183D7F6-B498-43B3-948B-1728B52AA6E4}">
+                <adec:decorative xmlns:adec="http://schemas.microsoft.com/office/drawing/2017/decorative" val="1"/>
+              </a:ext>
+            </a:extLst>
+          </p:cNvPr>
+          <p:cNvSpPr>
+            <a:spLocks noGrp="1" noRot="1" noChangeAspect="1" noMove="1" noResize="1" noEditPoints="1" noAdjustHandles="1" noChangeArrowheads="1" noChangeShapeType="1" noTextEdit="1"/>
+          </p:cNvSpPr>
+          <p:nvPr>
+            <p:extLst>
+              <p:ext uri="{386F3935-93C4-4BCD-93E2-E3B085C9AB24}">
+                <p16:designElem xmlns:p16="http://schemas.microsoft.com/office/powerpoint/2015/main" val="1"/>
+              </p:ext>
+            </p:extLst>
+          </p:nvPr>
+        </p:nvSpPr>
+        <p:spPr>
+          <a:xfrm>
+            <a:off x="475488" y="0"/>
+            <a:ext cx="10910292" cy="6858000"/>
+          </a:xfrm>
+          <a:prstGeom prst="rect">
+            <a:avLst/>
+          </a:prstGeom>
+          <a:gradFill>
+            <a:gsLst>
+              <a:gs pos="0">
+                <a:schemeClr val="accent1">
+                  <a:lumMod val="90000"/>
+                </a:schemeClr>
+              </a:gs>
+              <a:gs pos="25000">
+                <a:schemeClr val="accent1">
+                  <a:lumMod val="90000"/>
+                </a:schemeClr>
+              </a:gs>
+              <a:gs pos="94000">
+                <a:schemeClr val="bg2">
+                  <a:lumMod val="25000"/>
+                </a:schemeClr>
+              </a:gs>
+              <a:gs pos="100000">
+                <a:schemeClr val="bg2">
+                  <a:lumMod val="25000"/>
+                </a:schemeClr>
+              </a:gs>
+            </a:gsLst>
+            <a:lin ang="4200000" scaled="0"/>
+          </a:gradFill>
+          <a:ln>
+            <a:noFill/>
+          </a:ln>
+        </p:spPr>
+        <p:style>
+          <a:lnRef idx="2">
+            <a:schemeClr val="accent1">
+              <a:shade val="50000"/>
+            </a:schemeClr>
+          </a:lnRef>
+          <a:fillRef idx="1">
+            <a:schemeClr val="accent1"/>
+          </a:fillRef>
+          <a:effectRef idx="0">
+            <a:schemeClr val="accent1"/>
+          </a:effectRef>
+          <a:fontRef idx="minor">
+            <a:schemeClr val="lt1"/>
+          </a:fontRef>
+        </p:style>
+        <p:txBody>
+          <a:bodyPr rtlCol="0" anchor="ctr"/>
+          <a:lstStyle/>
+          <a:p>
+            <a:pPr algn="ctr"/>
+            <a:endParaRPr lang="en-US"/>
+          </a:p>
+        </p:txBody>
+      </p:sp>
+      <p:pic>
+        <p:nvPicPr>
+          <p:cNvPr id="11" name="Picture 10">
+            <a:extLst>
+              <a:ext uri="{FF2B5EF4-FFF2-40B4-BE49-F238E27FC236}">
+                <a16:creationId xmlns:a16="http://schemas.microsoft.com/office/drawing/2014/main" id="{2270F1FA-0425-408F-9861-80BF5AFB276D}"/>
+              </a:ext>
+              <a:ext uri="{C183D7F6-B498-43B3-948B-1728B52AA6E4}">
+                <adec:decorative xmlns:adec="http://schemas.microsoft.com/office/drawing/2017/decorative" val="1"/>
+              </a:ext>
+            </a:extLst>
+          </p:cNvPr>
+          <p:cNvPicPr>
+            <a:picLocks noGrp="1" noRot="1" noChangeAspect="1" noMove="1" noResize="1" noEditPoints="1" noAdjustHandles="1" noChangeArrowheads="1" noChangeShapeType="1" noCrop="1"/>
+          </p:cNvPicPr>
+          <p:nvPr>
+            <p:extLst>
+              <p:ext uri="{386F3935-93C4-4BCD-93E2-E3B085C9AB24}">
+                <p16:designElem xmlns:p16="http://schemas.microsoft.com/office/powerpoint/2015/main" val="1"/>
+              </p:ext>
+            </p:extLst>
+          </p:nvPr>
+        </p:nvPicPr>
+        <p:blipFill>
+          <a:blip r:embed="rId2">
+            <a:extLst>
+              <a:ext uri="{28A0092B-C50C-407E-A947-70E740481C1C}">
+                <a14:useLocalDpi xmlns:a14="http://schemas.microsoft.com/office/drawing/2010/main" val="0"/>
+              </a:ext>
+            </a:extLst>
+          </a:blip>
+          <a:stretch>
+            <a:fillRect/>
+          </a:stretch>
+        </p:blipFill>
+        <p:spPr>
+          <a:xfrm>
+            <a:off x="0" y="0"/>
+            <a:ext cx="12192000" cy="6858000"/>
+          </a:xfrm>
+          <a:prstGeom prst="rect">
+            <a:avLst/>
+          </a:prstGeom>
+        </p:spPr>
+      </p:pic>
+      <p:sp>
+        <p:nvSpPr>
+          <p:cNvPr id="4" name="TextBox 3">
+            <a:extLst>
+              <a:ext uri="{FF2B5EF4-FFF2-40B4-BE49-F238E27FC236}">
+                <a16:creationId xmlns:a16="http://schemas.microsoft.com/office/drawing/2014/main" id="{085FA545-9F6E-43BD-8330-060D45C25324}"/>
+              </a:ext>
+            </a:extLst>
+          </p:cNvPr>
+          <p:cNvSpPr txBox="1"/>
+          <p:nvPr/>
+        </p:nvSpPr>
+        <p:spPr>
+          <a:xfrm>
+            <a:off x="3045368" y="2043663"/>
+            <a:ext cx="6105194" cy="2031055"/>
+          </a:xfrm>
+          <a:prstGeom prst="rect">
+            <a:avLst/>
+          </a:prstGeom>
+        </p:spPr>
+        <p:txBody>
+          <a:bodyPr vert="horz" lIns="91440" tIns="45720" rIns="91440" bIns="45720" rtlCol="0" anchor="b">
+            <a:normAutofit lnSpcReduction="10000"/>
+          </a:bodyPr>
+          <a:lstStyle/>
+          <a:p>
+            <a:pPr algn="ctr">
+              <a:lnSpc>
+                <a:spcPct val="90000"/>
+              </a:lnSpc>
+              <a:spcBef>
+                <a:spcPct val="0"/>
+              </a:spcBef>
+              <a:spcAft>
+                <a:spcPts val="600"/>
+              </a:spcAft>
+            </a:pPr>
+            <a:r>
+              <a:rPr lang="en-US" sz="4800" dirty="0">
+                <a:solidFill>
+                  <a:schemeClr val="bg1"/>
+                </a:solidFill>
+              </a:rPr>
+              <a:t>Case 2 – computing the average of a large sample</a:t>
+            </a:r>
+            <a:endParaRPr lang="en-US" sz="4700" kern="1200" dirty="0">
+              <a:solidFill>
+                <a:schemeClr val="bg1"/>
+              </a:solidFill>
+              <a:latin typeface="+mj-lt"/>
+              <a:ea typeface="+mj-ea"/>
+              <a:cs typeface="+mj-cs"/>
+            </a:endParaRPr>
+          </a:p>
+        </p:txBody>
+      </p:sp>
+    </p:spTree>
+    <p:extLst>
+      <p:ext uri="{BB962C8B-B14F-4D97-AF65-F5344CB8AC3E}">
+        <p14:creationId xmlns:p14="http://schemas.microsoft.com/office/powerpoint/2010/main" val="2034897567"/>
+      </p:ext>
+    </p:extLst>
+  </p:cSld>
+  <p:clrMapOvr>
+    <a:masterClrMapping/>
+  </p:clrMapOvr>
+</p:sld>
+</file>
+
+<file path=ppt/slides/slide7.xml><?xml version="1.0" encoding="utf-8"?>
 <p:sld xmlns:a="http://schemas.openxmlformats.org/drawingml/2006/main" xmlns:r="http://schemas.openxmlformats.org/officeDocument/2006/relationships" xmlns:p="http://schemas.openxmlformats.org/presentationml/2006/main">
   <p:cSld>
     <p:spTree>
@@ -7270,8 +15798,8 @@
           </p:txBody>
         </p:sp>
       </p:grpSp>
-      <mc:AlternateContent xmlns:mc="http://schemas.openxmlformats.org/markup-compatibility/2006">
-        <mc:Choice xmlns:p14="http://schemas.microsoft.com/office/powerpoint/2010/main" Requires="p14">
+      <mc:AlternateContent xmlns:mc="http://schemas.openxmlformats.org/markup-compatibility/2006" xmlns:p14="http://schemas.microsoft.com/office/powerpoint/2010/main">
+        <mc:Choice Requires="p14">
           <p:contentPart p14:bwMode="auto" r:id="rId2">
             <p14:nvContentPartPr>
               <p14:cNvPr id="148" name="Ink 147">
@@ -7290,7 +15818,7 @@
             </p14:xfrm>
           </p:contentPart>
         </mc:Choice>
-        <mc:Fallback>
+        <mc:Fallback xmlns="">
           <p:pic>
             <p:nvPicPr>
               <p:cNvPr id="148" name="Ink 147">
@@ -8539,8 +17067,8 @@
           </a:p>
         </p:txBody>
       </p:sp>
-      <mc:AlternateContent xmlns:mc="http://schemas.openxmlformats.org/markup-compatibility/2006">
-        <mc:Choice xmlns:a14="http://schemas.microsoft.com/office/drawing/2010/main" Requires="a14">
+      <mc:AlternateContent xmlns:mc="http://schemas.openxmlformats.org/markup-compatibility/2006" xmlns:a14="http://schemas.microsoft.com/office/drawing/2010/main">
+        <mc:Choice Requires="a14">
           <p:sp>
             <p:nvSpPr>
               <p:cNvPr id="8" name="TextBox 7">
@@ -8569,6 +17097,7 @@
               </a:bodyPr>
               <a:lstStyle/>
               <a:p>
+                <a:pPr/>
                 <a14:m>
                   <m:oMathPara xmlns:m="http://schemas.openxmlformats.org/officeDocument/2006/math">
                     <m:oMathParaPr>
@@ -8639,7 +17168,7 @@
             </p:txBody>
           </p:sp>
         </mc:Choice>
-        <mc:Fallback>
+        <mc:Fallback xmlns="">
           <p:sp>
             <p:nvSpPr>
               <p:cNvPr id="8" name="TextBox 7">
@@ -8697,7 +17226,7 @@
 </p:sld>
 </file>
 
-<file path=ppt/slides/slide5.xml><?xml version="1.0" encoding="utf-8"?>
+<file path=ppt/slides/slide8.xml><?xml version="1.0" encoding="utf-8"?>
 <p:sld xmlns:a="http://schemas.openxmlformats.org/drawingml/2006/main" xmlns:r="http://schemas.openxmlformats.org/officeDocument/2006/relationships" xmlns:p="http://schemas.openxmlformats.org/presentationml/2006/main">
   <p:cSld>
     <p:spTree>
@@ -11325,8 +19854,8 @@
           </p:txBody>
         </p:sp>
       </p:grpSp>
-      <mc:AlternateContent xmlns:mc="http://schemas.openxmlformats.org/markup-compatibility/2006">
-        <mc:Choice xmlns:p14="http://schemas.microsoft.com/office/powerpoint/2010/main" Requires="p14">
+      <mc:AlternateContent xmlns:mc="http://schemas.openxmlformats.org/markup-compatibility/2006" xmlns:p14="http://schemas.microsoft.com/office/powerpoint/2010/main">
+        <mc:Choice Requires="p14">
           <p:contentPart p14:bwMode="auto" r:id="rId2">
             <p14:nvContentPartPr>
               <p14:cNvPr id="148" name="Ink 147">
@@ -11345,7 +19874,7 @@
             </p14:xfrm>
           </p:contentPart>
         </mc:Choice>
-        <mc:Fallback>
+        <mc:Fallback xmlns="">
           <p:pic>
             <p:nvPicPr>
               <p:cNvPr id="148" name="Ink 147">
@@ -13041,8 +21570,8 @@
           </a:p>
         </p:txBody>
       </p:sp>
-      <mc:AlternateContent xmlns:mc="http://schemas.openxmlformats.org/markup-compatibility/2006">
-        <mc:Choice xmlns:a14="http://schemas.microsoft.com/office/drawing/2010/main" Requires="a14">
+      <mc:AlternateContent xmlns:mc="http://schemas.openxmlformats.org/markup-compatibility/2006" xmlns:a14="http://schemas.microsoft.com/office/drawing/2010/main">
+        <mc:Choice Requires="a14">
           <p:sp>
             <p:nvSpPr>
               <p:cNvPr id="129" name="TextBox 128">
@@ -13071,6 +21600,7 @@
               </a:bodyPr>
               <a:lstStyle/>
               <a:p>
+                <a:pPr/>
                 <a14:m>
                   <m:oMathPara xmlns:m="http://schemas.openxmlformats.org/officeDocument/2006/math">
                     <m:oMathParaPr>
@@ -13141,7 +21671,7 @@
             </p:txBody>
           </p:sp>
         </mc:Choice>
-        <mc:Fallback>
+        <mc:Fallback xmlns="">
           <p:sp>
             <p:nvSpPr>
               <p:cNvPr id="129" name="TextBox 128">
@@ -13199,7 +21729,7 @@
 </p:sld>
 </file>
 
-<file path=ppt/slides/slide6.xml><?xml version="1.0" encoding="utf-8"?>
+<file path=ppt/slides/slide9.xml><?xml version="1.0" encoding="utf-8"?>
 <p:sld xmlns:a="http://schemas.openxmlformats.org/drawingml/2006/main" xmlns:r="http://schemas.openxmlformats.org/officeDocument/2006/relationships" xmlns:p="http://schemas.openxmlformats.org/presentationml/2006/main">
   <p:cSld>
     <p:bg>
@@ -13379,296 +21909,6 @@
           <a:bodyPr vert="horz" lIns="91440" tIns="45720" rIns="91440" bIns="45720" rtlCol="0" anchor="b">
             <a:normAutofit/>
           </a:bodyPr>
-          <a:lstStyle/>
-          <a:p>
-            <a:pPr algn="ctr">
-              <a:lnSpc>
-                <a:spcPct val="90000"/>
-              </a:lnSpc>
-              <a:spcBef>
-                <a:spcPct val="0"/>
-              </a:spcBef>
-              <a:spcAft>
-                <a:spcPts val="600"/>
-              </a:spcAft>
-            </a:pPr>
-            <a:r>
-              <a:rPr lang="en-US" sz="4800" dirty="0">
-                <a:solidFill>
-                  <a:schemeClr val="bg1"/>
-                </a:solidFill>
-              </a:rPr>
-              <a:t>Case 2 – computing a dense distance matrix</a:t>
-            </a:r>
-            <a:endParaRPr lang="en-US" sz="4700" kern="1200" dirty="0">
-              <a:solidFill>
-                <a:schemeClr val="bg1"/>
-              </a:solidFill>
-              <a:latin typeface="+mj-lt"/>
-              <a:ea typeface="+mj-ea"/>
-              <a:cs typeface="+mj-cs"/>
-            </a:endParaRPr>
-          </a:p>
-        </p:txBody>
-      </p:sp>
-    </p:spTree>
-    <p:extLst>
-      <p:ext uri="{BB962C8B-B14F-4D97-AF65-F5344CB8AC3E}">
-        <p14:creationId xmlns:p14="http://schemas.microsoft.com/office/powerpoint/2010/main" val="2034897567"/>
-      </p:ext>
-    </p:extLst>
-  </p:cSld>
-  <p:clrMapOvr>
-    <a:masterClrMapping/>
-  </p:clrMapOvr>
-</p:sld>
-</file>
-
-<file path=ppt/slides/slide7.xml><?xml version="1.0" encoding="utf-8"?>
-<p:sld xmlns:a="http://schemas.openxmlformats.org/drawingml/2006/main" xmlns:r="http://schemas.openxmlformats.org/officeDocument/2006/relationships" xmlns:p="http://schemas.openxmlformats.org/presentationml/2006/main">
-  <p:cSld>
-    <p:spTree>
-      <p:nvGrpSpPr>
-        <p:cNvPr id="1" name=""/>
-        <p:cNvGrpSpPr/>
-        <p:nvPr/>
-      </p:nvGrpSpPr>
-      <p:grpSpPr>
-        <a:xfrm>
-          <a:off x="0" y="0"/>
-          <a:ext cx="0" cy="0"/>
-          <a:chOff x="0" y="0"/>
-          <a:chExt cx="0" cy="0"/>
-        </a:xfrm>
-      </p:grpSpPr>
-      <p:sp>
-        <p:nvSpPr>
-          <p:cNvPr id="4" name="TextBox 3">
-            <a:extLst>
-              <a:ext uri="{FF2B5EF4-FFF2-40B4-BE49-F238E27FC236}">
-                <a16:creationId xmlns:a16="http://schemas.microsoft.com/office/drawing/2014/main" id="{352C43F7-575A-46D3-9AD8-A453F60D418F}"/>
-              </a:ext>
-            </a:extLst>
-          </p:cNvPr>
-          <p:cNvSpPr txBox="1"/>
-          <p:nvPr/>
-        </p:nvSpPr>
-        <p:spPr>
-          <a:xfrm>
-            <a:off x="450761" y="412123"/>
-            <a:ext cx="8075053" cy="461665"/>
-          </a:xfrm>
-          <a:prstGeom prst="rect">
-            <a:avLst/>
-          </a:prstGeom>
-          <a:noFill/>
-        </p:spPr>
-        <p:txBody>
-          <a:bodyPr wrap="square" rtlCol="0">
-            <a:spAutoFit/>
-          </a:bodyPr>
-          <a:lstStyle/>
-          <a:p>
-            <a:r>
-              <a:rPr lang="en-US" sz="2400" dirty="0"/>
-              <a:t>To resume in a future meeting ;)</a:t>
-            </a:r>
-          </a:p>
-        </p:txBody>
-      </p:sp>
-    </p:spTree>
-    <p:extLst>
-      <p:ext uri="{BB962C8B-B14F-4D97-AF65-F5344CB8AC3E}">
-        <p14:creationId xmlns:p14="http://schemas.microsoft.com/office/powerpoint/2010/main" val="3977190176"/>
-      </p:ext>
-    </p:extLst>
-  </p:cSld>
-  <p:clrMapOvr>
-    <a:masterClrMapping/>
-  </p:clrMapOvr>
-</p:sld>
-</file>
-
-<file path=ppt/slides/slide8.xml><?xml version="1.0" encoding="utf-8"?>
-<p:sld xmlns:a="http://schemas.openxmlformats.org/drawingml/2006/main" xmlns:r="http://schemas.openxmlformats.org/officeDocument/2006/relationships" xmlns:p="http://schemas.openxmlformats.org/presentationml/2006/main">
-  <p:cSld>
-    <p:bg>
-      <p:bgPr>
-        <a:solidFill>
-          <a:schemeClr val="bg1"/>
-        </a:solidFill>
-        <a:effectLst/>
-      </p:bgPr>
-    </p:bg>
-    <p:spTree>
-      <p:nvGrpSpPr>
-        <p:cNvPr id="1" name=""/>
-        <p:cNvGrpSpPr/>
-        <p:nvPr/>
-      </p:nvGrpSpPr>
-      <p:grpSpPr>
-        <a:xfrm>
-          <a:off x="0" y="0"/>
-          <a:ext cx="0" cy="0"/>
-          <a:chOff x="0" y="0"/>
-          <a:chExt cx="0" cy="0"/>
-        </a:xfrm>
-      </p:grpSpPr>
-      <p:sp>
-        <p:nvSpPr>
-          <p:cNvPr id="9" name="Rectangle 8">
-            <a:extLst>
-              <a:ext uri="{FF2B5EF4-FFF2-40B4-BE49-F238E27FC236}">
-                <a16:creationId xmlns:a16="http://schemas.microsoft.com/office/drawing/2014/main" id="{23962611-DFD5-4092-AAFD-559E3DFCE2C9}"/>
-              </a:ext>
-              <a:ext uri="{C183D7F6-B498-43B3-948B-1728B52AA6E4}">
-                <adec:decorative xmlns:adec="http://schemas.microsoft.com/office/drawing/2017/decorative" val="1"/>
-              </a:ext>
-            </a:extLst>
-          </p:cNvPr>
-          <p:cNvSpPr>
-            <a:spLocks noGrp="1" noRot="1" noChangeAspect="1" noMove="1" noResize="1" noEditPoints="1" noAdjustHandles="1" noChangeArrowheads="1" noChangeShapeType="1" noTextEdit="1"/>
-          </p:cNvSpPr>
-          <p:nvPr>
-            <p:extLst>
-              <p:ext uri="{386F3935-93C4-4BCD-93E2-E3B085C9AB24}">
-                <p16:designElem xmlns:p16="http://schemas.microsoft.com/office/powerpoint/2015/main" val="1"/>
-              </p:ext>
-            </p:extLst>
-          </p:nvPr>
-        </p:nvSpPr>
-        <p:spPr>
-          <a:xfrm>
-            <a:off x="475488" y="0"/>
-            <a:ext cx="10910292" cy="6858000"/>
-          </a:xfrm>
-          <a:prstGeom prst="rect">
-            <a:avLst/>
-          </a:prstGeom>
-          <a:gradFill>
-            <a:gsLst>
-              <a:gs pos="0">
-                <a:schemeClr val="accent1">
-                  <a:lumMod val="90000"/>
-                </a:schemeClr>
-              </a:gs>
-              <a:gs pos="25000">
-                <a:schemeClr val="accent1">
-                  <a:lumMod val="90000"/>
-                </a:schemeClr>
-              </a:gs>
-              <a:gs pos="94000">
-                <a:schemeClr val="bg2">
-                  <a:lumMod val="25000"/>
-                </a:schemeClr>
-              </a:gs>
-              <a:gs pos="100000">
-                <a:schemeClr val="bg2">
-                  <a:lumMod val="25000"/>
-                </a:schemeClr>
-              </a:gs>
-            </a:gsLst>
-            <a:lin ang="4200000" scaled="0"/>
-          </a:gradFill>
-          <a:ln>
-            <a:noFill/>
-          </a:ln>
-        </p:spPr>
-        <p:style>
-          <a:lnRef idx="2">
-            <a:schemeClr val="accent1">
-              <a:shade val="50000"/>
-            </a:schemeClr>
-          </a:lnRef>
-          <a:fillRef idx="1">
-            <a:schemeClr val="accent1"/>
-          </a:fillRef>
-          <a:effectRef idx="0">
-            <a:schemeClr val="accent1"/>
-          </a:effectRef>
-          <a:fontRef idx="minor">
-            <a:schemeClr val="lt1"/>
-          </a:fontRef>
-        </p:style>
-        <p:txBody>
-          <a:bodyPr rtlCol="0" anchor="ctr"/>
-          <a:lstStyle/>
-          <a:p>
-            <a:pPr algn="ctr"/>
-            <a:endParaRPr lang="en-US"/>
-          </a:p>
-        </p:txBody>
-      </p:sp>
-      <p:pic>
-        <p:nvPicPr>
-          <p:cNvPr id="11" name="Picture 10">
-            <a:extLst>
-              <a:ext uri="{FF2B5EF4-FFF2-40B4-BE49-F238E27FC236}">
-                <a16:creationId xmlns:a16="http://schemas.microsoft.com/office/drawing/2014/main" id="{2270F1FA-0425-408F-9861-80BF5AFB276D}"/>
-              </a:ext>
-              <a:ext uri="{C183D7F6-B498-43B3-948B-1728B52AA6E4}">
-                <adec:decorative xmlns:adec="http://schemas.microsoft.com/office/drawing/2017/decorative" val="1"/>
-              </a:ext>
-            </a:extLst>
-          </p:cNvPr>
-          <p:cNvPicPr>
-            <a:picLocks noGrp="1" noRot="1" noChangeAspect="1" noMove="1" noResize="1" noEditPoints="1" noAdjustHandles="1" noChangeArrowheads="1" noChangeShapeType="1" noCrop="1"/>
-          </p:cNvPicPr>
-          <p:nvPr>
-            <p:extLst>
-              <p:ext uri="{386F3935-93C4-4BCD-93E2-E3B085C9AB24}">
-                <p16:designElem xmlns:p16="http://schemas.microsoft.com/office/powerpoint/2015/main" val="1"/>
-              </p:ext>
-            </p:extLst>
-          </p:nvPr>
-        </p:nvPicPr>
-        <p:blipFill>
-          <a:blip r:embed="rId2">
-            <a:extLst>
-              <a:ext uri="{28A0092B-C50C-407E-A947-70E740481C1C}">
-                <a14:useLocalDpi xmlns:a14="http://schemas.microsoft.com/office/drawing/2010/main" val="0"/>
-              </a:ext>
-            </a:extLst>
-          </a:blip>
-          <a:stretch>
-            <a:fillRect/>
-          </a:stretch>
-        </p:blipFill>
-        <p:spPr>
-          <a:xfrm>
-            <a:off x="0" y="0"/>
-            <a:ext cx="12192000" cy="6858000"/>
-          </a:xfrm>
-          <a:prstGeom prst="rect">
-            <a:avLst/>
-          </a:prstGeom>
-        </p:spPr>
-      </p:pic>
-      <p:sp>
-        <p:nvSpPr>
-          <p:cNvPr id="4" name="TextBox 3">
-            <a:extLst>
-              <a:ext uri="{FF2B5EF4-FFF2-40B4-BE49-F238E27FC236}">
-                <a16:creationId xmlns:a16="http://schemas.microsoft.com/office/drawing/2014/main" id="{085FA545-9F6E-43BD-8330-060D45C25324}"/>
-              </a:ext>
-            </a:extLst>
-          </p:cNvPr>
-          <p:cNvSpPr txBox="1"/>
-          <p:nvPr/>
-        </p:nvSpPr>
-        <p:spPr>
-          <a:xfrm>
-            <a:off x="3045368" y="2043663"/>
-            <a:ext cx="6105194" cy="2031055"/>
-          </a:xfrm>
-          <a:prstGeom prst="rect">
-            <a:avLst/>
-          </a:prstGeom>
-        </p:spPr>
-        <p:txBody>
-          <a:bodyPr vert="horz" lIns="91440" tIns="45720" rIns="91440" bIns="45720" rtlCol="0" anchor="b">
-            <a:normAutofit/>
-          </a:bodyPr>
           <a:lstStyle>
             <a:defPPr>
               <a:defRPr lang="en-US"/>
@@ -13696,7 +21936,7 @@
           <a:p>
             <a:r>
               <a:rPr lang="en-US" b="1" dirty="0"/>
-              <a:t>Case 3 – computing a sparse document/term matrix</a:t>
+              <a:t>Case 3 – TBD</a:t>
             </a:r>
           </a:p>
         </p:txBody>
@@ -13705,71 +21945,6 @@
     <p:extLst>
       <p:ext uri="{BB962C8B-B14F-4D97-AF65-F5344CB8AC3E}">
         <p14:creationId xmlns:p14="http://schemas.microsoft.com/office/powerpoint/2010/main" val="4018994200"/>
-      </p:ext>
-    </p:extLst>
-  </p:cSld>
-  <p:clrMapOvr>
-    <a:masterClrMapping/>
-  </p:clrMapOvr>
-</p:sld>
-</file>
-
-<file path=ppt/slides/slide9.xml><?xml version="1.0" encoding="utf-8"?>
-<p:sld xmlns:a="http://schemas.openxmlformats.org/drawingml/2006/main" xmlns:r="http://schemas.openxmlformats.org/officeDocument/2006/relationships" xmlns:p="http://schemas.openxmlformats.org/presentationml/2006/main">
-  <p:cSld>
-    <p:spTree>
-      <p:nvGrpSpPr>
-        <p:cNvPr id="1" name=""/>
-        <p:cNvGrpSpPr/>
-        <p:nvPr/>
-      </p:nvGrpSpPr>
-      <p:grpSpPr>
-        <a:xfrm>
-          <a:off x="0" y="0"/>
-          <a:ext cx="0" cy="0"/>
-          <a:chOff x="0" y="0"/>
-          <a:chExt cx="0" cy="0"/>
-        </a:xfrm>
-      </p:grpSpPr>
-      <p:sp>
-        <p:nvSpPr>
-          <p:cNvPr id="4" name="TextBox 3">
-            <a:extLst>
-              <a:ext uri="{FF2B5EF4-FFF2-40B4-BE49-F238E27FC236}">
-                <a16:creationId xmlns:a16="http://schemas.microsoft.com/office/drawing/2014/main" id="{352C43F7-575A-46D3-9AD8-A453F60D418F}"/>
-              </a:ext>
-            </a:extLst>
-          </p:cNvPr>
-          <p:cNvSpPr txBox="1"/>
-          <p:nvPr/>
-        </p:nvSpPr>
-        <p:spPr>
-          <a:xfrm>
-            <a:off x="450761" y="412123"/>
-            <a:ext cx="8075053" cy="461665"/>
-          </a:xfrm>
-          <a:prstGeom prst="rect">
-            <a:avLst/>
-          </a:prstGeom>
-          <a:noFill/>
-        </p:spPr>
-        <p:txBody>
-          <a:bodyPr wrap="square" rtlCol="0">
-            <a:spAutoFit/>
-          </a:bodyPr>
-          <a:lstStyle/>
-          <a:p>
-            <a:r>
-              <a:rPr lang="en-US" sz="2400" dirty="0"/>
-              <a:t>To resume in a future meeting ;)</a:t>
-            </a:r>
-          </a:p>
-        </p:txBody>
-      </p:sp>
-    </p:spTree>
-    <p:extLst>
-      <p:ext uri="{BB962C8B-B14F-4D97-AF65-F5344CB8AC3E}">
-        <p14:creationId xmlns:p14="http://schemas.microsoft.com/office/powerpoint/2010/main" val="687256570"/>
       </p:ext>
     </p:extLst>
   </p:cSld>

--- a/BoT in Python.pptx
+++ b/BoT in Python.pptx
@@ -13,11 +13,12 @@
     <p:sldId id="262" r:id="rId7"/>
     <p:sldId id="263" r:id="rId8"/>
     <p:sldId id="264" r:id="rId9"/>
-    <p:sldId id="261" r:id="rId10"/>
-    <p:sldId id="266" r:id="rId11"/>
-    <p:sldId id="267" r:id="rId12"/>
-    <p:sldId id="259" r:id="rId13"/>
-    <p:sldId id="257" r:id="rId14"/>
+    <p:sldId id="270" r:id="rId10"/>
+    <p:sldId id="261" r:id="rId11"/>
+    <p:sldId id="266" r:id="rId12"/>
+    <p:sldId id="267" r:id="rId13"/>
+    <p:sldId id="259" r:id="rId14"/>
+    <p:sldId id="257" r:id="rId15"/>
   </p:sldIdLst>
   <p:sldSz cx="12192000" cy="6858000"/>
   <p:notesSz cx="6858000" cy="9144000"/>
@@ -270,6 +271,35 @@
 </file>
 
 <file path=ppt/ink/ink6.xml><?xml version="1.0" encoding="utf-8"?>
+<inkml:ink xmlns:inkml="http://www.w3.org/2003/InkML">
+  <inkml:definitions>
+    <inkml:context xml:id="ctx0">
+      <inkml:inkSource xml:id="inkSrc0">
+        <inkml:traceFormat>
+          <inkml:channel name="X" type="integer" min="-2.14748E9" max="2.14748E9" units="cm"/>
+          <inkml:channel name="Y" type="integer" min="-2.14748E9" max="2.14748E9" units="cm"/>
+        </inkml:traceFormat>
+        <inkml:channelProperties>
+          <inkml:channelProperty channel="X" name="resolution" value="1000" units="1/cm"/>
+          <inkml:channelProperty channel="Y" name="resolution" value="1000" units="1/cm"/>
+        </inkml:channelProperties>
+      </inkml:inkSource>
+      <inkml:timestamp xml:id="ts0" timeString="2020-06-22T19:21:50.494"/>
+    </inkml:context>
+    <inkml:brush xml:id="br0">
+      <inkml:brushProperty name="width" value="0.3" units="cm"/>
+      <inkml:brushProperty name="height" value="0.6" units="cm"/>
+      <inkml:brushProperty name="color" value="#FF2500"/>
+      <inkml:brushProperty name="tip" value="rectangle"/>
+      <inkml:brushProperty name="rasterOp" value="maskPen"/>
+      <inkml:brushProperty name="ignorePressure" value="1"/>
+    </inkml:brush>
+  </inkml:definitions>
+  <inkml:trace contextRef="#ctx0" brushRef="#br0">585 162,'-1'-1,"-1"-1,0 1,1-1,-1-1,1 1,-1-1,1 0,-1 0,1-1,-2-4,-8-17,-3 2,-1 3,0 3,0 3,-30-11,23 20,0 4,-40 21,47-9,1 2,-1 3,1 3,-1 2,-20 47,14-19,0 5,-32 110,39-116,1 2,0 3,1 3,0 1,-12 85,17-94,0 1,1 2,0 0,1 2,1 0,0 1,-5 108,6-60,1 1,1 0,1 0,1 1,1-1,6 117,-3-135,0-2,1-1,1-1,1-1,0-2,1-2,22 129,-21-148,1-2,1-2,0-3,1-2,0-2,23 61,-8-36,1-6,44 72,-29-72,-1-9,1-7,58 29,138-10,-69-89,-137 7,0-7,65-79,-84 79,0-3,-1-2,0-4,1-2,-2-2,20-67,-25 75,-1-1,0-1,-1-2,0-1,0-2,0 0,-1-1,0-2,0 0,-2-1,1 0,3-46,-4 25,0-1,-1 0,0-1,-1 0,-1 0,0 0,-1 0,-1 0,0 1,0 0,-2 1,1 0,-2 1,0 1,0 1,-14-89,-2 4,-2 4,-1 4,-46-191,46 228,0 4,-2 6,0 4,-36-80,5 31</inkml:trace>
+</inkml:ink>
+</file>
+
+<file path=ppt/ink/ink7.xml><?xml version="1.0" encoding="utf-8"?>
 <inkml:ink xmlns:inkml="http://www.w3.org/2003/InkML">
   <inkml:definitions>
     <inkml:context xml:id="ctx0">
@@ -3604,7 +3634,7 @@
             </a:pPr>
             <a:r>
               <a:rPr lang="en-US" sz="2400" dirty="0"/>
-              <a:t>Case 1 – computing a sparse distance matrix</a:t>
+              <a:t>Case 1 – computing a distance matrix</a:t>
             </a:r>
           </a:p>
           <a:p>
@@ -3681,6 +3711,14 @@
 <file path=ppt/slides/slide10.xml><?xml version="1.0" encoding="utf-8"?>
 <p:sld xmlns:a="http://schemas.openxmlformats.org/drawingml/2006/main" xmlns:r="http://schemas.openxmlformats.org/officeDocument/2006/relationships" xmlns:p="http://schemas.openxmlformats.org/presentationml/2006/main">
   <p:cSld>
+    <p:bg>
+      <p:bgPr>
+        <a:solidFill>
+          <a:schemeClr val="bg1"/>
+        </a:solidFill>
+        <a:effectLst/>
+      </p:bgPr>
+    </p:bg>
     <p:spTree>
       <p:nvGrpSpPr>
         <p:cNvPr id="1" name=""/>
@@ -3697,10 +3735,140 @@
       </p:grpSpPr>
       <p:sp>
         <p:nvSpPr>
+          <p:cNvPr id="9" name="Rectangle 8">
+            <a:extLst>
+              <a:ext uri="{FF2B5EF4-FFF2-40B4-BE49-F238E27FC236}">
+                <a16:creationId xmlns:a16="http://schemas.microsoft.com/office/drawing/2014/main" id="{23962611-DFD5-4092-AAFD-559E3DFCE2C9}"/>
+              </a:ext>
+              <a:ext uri="{C183D7F6-B498-43B3-948B-1728B52AA6E4}">
+                <adec:decorative xmlns:adec="http://schemas.microsoft.com/office/drawing/2017/decorative" val="1"/>
+              </a:ext>
+            </a:extLst>
+          </p:cNvPr>
+          <p:cNvSpPr>
+            <a:spLocks noGrp="1" noRot="1" noChangeAspect="1" noMove="1" noResize="1" noEditPoints="1" noAdjustHandles="1" noChangeArrowheads="1" noChangeShapeType="1" noTextEdit="1"/>
+          </p:cNvSpPr>
+          <p:nvPr>
+            <p:extLst>
+              <p:ext uri="{386F3935-93C4-4BCD-93E2-E3B085C9AB24}">
+                <p16:designElem xmlns:p16="http://schemas.microsoft.com/office/powerpoint/2015/main" val="1"/>
+              </p:ext>
+            </p:extLst>
+          </p:nvPr>
+        </p:nvSpPr>
+        <p:spPr>
+          <a:xfrm>
+            <a:off x="475488" y="0"/>
+            <a:ext cx="10910292" cy="6858000"/>
+          </a:xfrm>
+          <a:prstGeom prst="rect">
+            <a:avLst/>
+          </a:prstGeom>
+          <a:gradFill>
+            <a:gsLst>
+              <a:gs pos="0">
+                <a:schemeClr val="accent1">
+                  <a:lumMod val="90000"/>
+                </a:schemeClr>
+              </a:gs>
+              <a:gs pos="25000">
+                <a:schemeClr val="accent1">
+                  <a:lumMod val="90000"/>
+                </a:schemeClr>
+              </a:gs>
+              <a:gs pos="94000">
+                <a:schemeClr val="bg2">
+                  <a:lumMod val="25000"/>
+                </a:schemeClr>
+              </a:gs>
+              <a:gs pos="100000">
+                <a:schemeClr val="bg2">
+                  <a:lumMod val="25000"/>
+                </a:schemeClr>
+              </a:gs>
+            </a:gsLst>
+            <a:lin ang="4200000" scaled="0"/>
+          </a:gradFill>
+          <a:ln>
+            <a:noFill/>
+          </a:ln>
+        </p:spPr>
+        <p:style>
+          <a:lnRef idx="2">
+            <a:schemeClr val="accent1">
+              <a:shade val="50000"/>
+            </a:schemeClr>
+          </a:lnRef>
+          <a:fillRef idx="1">
+            <a:schemeClr val="accent1"/>
+          </a:fillRef>
+          <a:effectRef idx="0">
+            <a:schemeClr val="accent1"/>
+          </a:effectRef>
+          <a:fontRef idx="minor">
+            <a:schemeClr val="lt1"/>
+          </a:fontRef>
+        </p:style>
+        <p:txBody>
+          <a:bodyPr rtlCol="0" anchor="ctr"/>
+          <a:lstStyle/>
+          <a:p>
+            <a:pPr algn="ctr"/>
+            <a:endParaRPr lang="en-US"/>
+          </a:p>
+        </p:txBody>
+      </p:sp>
+      <p:pic>
+        <p:nvPicPr>
+          <p:cNvPr id="11" name="Picture 10">
+            <a:extLst>
+              <a:ext uri="{FF2B5EF4-FFF2-40B4-BE49-F238E27FC236}">
+                <a16:creationId xmlns:a16="http://schemas.microsoft.com/office/drawing/2014/main" id="{2270F1FA-0425-408F-9861-80BF5AFB276D}"/>
+              </a:ext>
+              <a:ext uri="{C183D7F6-B498-43B3-948B-1728B52AA6E4}">
+                <adec:decorative xmlns:adec="http://schemas.microsoft.com/office/drawing/2017/decorative" val="1"/>
+              </a:ext>
+            </a:extLst>
+          </p:cNvPr>
+          <p:cNvPicPr>
+            <a:picLocks noGrp="1" noRot="1" noChangeAspect="1" noMove="1" noResize="1" noEditPoints="1" noAdjustHandles="1" noChangeArrowheads="1" noChangeShapeType="1" noCrop="1"/>
+          </p:cNvPicPr>
+          <p:nvPr>
+            <p:extLst>
+              <p:ext uri="{386F3935-93C4-4BCD-93E2-E3B085C9AB24}">
+                <p16:designElem xmlns:p16="http://schemas.microsoft.com/office/powerpoint/2015/main" val="1"/>
+              </p:ext>
+            </p:extLst>
+          </p:nvPr>
+        </p:nvPicPr>
+        <p:blipFill>
+          <a:blip r:embed="rId2">
+            <a:extLst>
+              <a:ext uri="{28A0092B-C50C-407E-A947-70E740481C1C}">
+                <a14:useLocalDpi xmlns:a14="http://schemas.microsoft.com/office/drawing/2010/main" val="0"/>
+              </a:ext>
+            </a:extLst>
+          </a:blip>
+          <a:stretch>
+            <a:fillRect/>
+          </a:stretch>
+        </p:blipFill>
+        <p:spPr>
+          <a:xfrm>
+            <a:off x="0" y="0"/>
+            <a:ext cx="12192000" cy="6858000"/>
+          </a:xfrm>
+          <a:prstGeom prst="rect">
+            <a:avLst/>
+          </a:prstGeom>
+        </p:spPr>
+      </p:pic>
+      <p:sp>
+        <p:nvSpPr>
           <p:cNvPr id="4" name="TextBox 3">
             <a:extLst>
               <a:ext uri="{FF2B5EF4-FFF2-40B4-BE49-F238E27FC236}">
-                <a16:creationId xmlns:a16="http://schemas.microsoft.com/office/drawing/2014/main" id="{352C43F7-575A-46D3-9AD8-A453F60D418F}"/>
+                <a16:creationId xmlns:a16="http://schemas.microsoft.com/office/drawing/2014/main" id="{085FA545-9F6E-43BD-8330-060D45C25324}"/>
               </a:ext>
             </a:extLst>
           </p:cNvPr>
@@ -3709,23 +3877,45 @@
         </p:nvSpPr>
         <p:spPr>
           <a:xfrm>
-            <a:off x="450761" y="412123"/>
-            <a:ext cx="8075053" cy="461665"/>
+            <a:off x="3045368" y="2043663"/>
+            <a:ext cx="6105194" cy="2031055"/>
           </a:xfrm>
           <a:prstGeom prst="rect">
             <a:avLst/>
           </a:prstGeom>
-          <a:noFill/>
-        </p:spPr>
-        <p:txBody>
-          <a:bodyPr wrap="square" rtlCol="0">
-            <a:spAutoFit/>
+        </p:spPr>
+        <p:txBody>
+          <a:bodyPr vert="horz" lIns="91440" tIns="45720" rIns="91440" bIns="45720" rtlCol="0" anchor="b">
+            <a:normAutofit/>
           </a:bodyPr>
-          <a:lstStyle/>
+          <a:lstStyle>
+            <a:defPPr>
+              <a:defRPr lang="en-US"/>
+            </a:defPPr>
+            <a:lvl1pPr algn="ctr">
+              <a:lnSpc>
+                <a:spcPct val="90000"/>
+              </a:lnSpc>
+              <a:spcBef>
+                <a:spcPct val="0"/>
+              </a:spcBef>
+              <a:spcAft>
+                <a:spcPts val="600"/>
+              </a:spcAft>
+              <a:defRPr sz="4700">
+                <a:solidFill>
+                  <a:srgbClr val="FFFFFF"/>
+                </a:solidFill>
+                <a:latin typeface="+mj-lt"/>
+                <a:ea typeface="+mj-ea"/>
+                <a:cs typeface="+mj-cs"/>
+              </a:defRPr>
+            </a:lvl1pPr>
+          </a:lstStyle>
           <a:p>
             <a:r>
-              <a:rPr lang="en-US" sz="2400" dirty="0"/>
-              <a:t>To be resumed in a future meeting ;)</a:t>
+              <a:rPr lang="en-US" b="1" dirty="0"/>
+              <a:t>Case 3 – TBD</a:t>
             </a:r>
           </a:p>
         </p:txBody>
@@ -3733,7 +3923,7 @@
     </p:spTree>
     <p:extLst>
       <p:ext uri="{BB962C8B-B14F-4D97-AF65-F5344CB8AC3E}">
-        <p14:creationId xmlns:p14="http://schemas.microsoft.com/office/powerpoint/2010/main" val="687256570"/>
+        <p14:creationId xmlns:p14="http://schemas.microsoft.com/office/powerpoint/2010/main" val="4018994200"/>
       </p:ext>
     </p:extLst>
   </p:cSld>
@@ -3765,6 +3955,71 @@
           <p:cNvPr id="4" name="TextBox 3">
             <a:extLst>
               <a:ext uri="{FF2B5EF4-FFF2-40B4-BE49-F238E27FC236}">
+                <a16:creationId xmlns:a16="http://schemas.microsoft.com/office/drawing/2014/main" id="{352C43F7-575A-46D3-9AD8-A453F60D418F}"/>
+              </a:ext>
+            </a:extLst>
+          </p:cNvPr>
+          <p:cNvSpPr txBox="1"/>
+          <p:nvPr/>
+        </p:nvSpPr>
+        <p:spPr>
+          <a:xfrm>
+            <a:off x="450761" y="412123"/>
+            <a:ext cx="8075053" cy="461665"/>
+          </a:xfrm>
+          <a:prstGeom prst="rect">
+            <a:avLst/>
+          </a:prstGeom>
+          <a:noFill/>
+        </p:spPr>
+        <p:txBody>
+          <a:bodyPr wrap="square" rtlCol="0">
+            <a:spAutoFit/>
+          </a:bodyPr>
+          <a:lstStyle/>
+          <a:p>
+            <a:r>
+              <a:rPr lang="en-US" sz="2400" dirty="0"/>
+              <a:t>To be resumed in a future meeting ;)</a:t>
+            </a:r>
+          </a:p>
+        </p:txBody>
+      </p:sp>
+    </p:spTree>
+    <p:extLst>
+      <p:ext uri="{BB962C8B-B14F-4D97-AF65-F5344CB8AC3E}">
+        <p14:creationId xmlns:p14="http://schemas.microsoft.com/office/powerpoint/2010/main" val="687256570"/>
+      </p:ext>
+    </p:extLst>
+  </p:cSld>
+  <p:clrMapOvr>
+    <a:masterClrMapping/>
+  </p:clrMapOvr>
+</p:sld>
+</file>
+
+<file path=ppt/slides/slide12.xml><?xml version="1.0" encoding="utf-8"?>
+<p:sld xmlns:a="http://schemas.openxmlformats.org/drawingml/2006/main" xmlns:r="http://schemas.openxmlformats.org/officeDocument/2006/relationships" xmlns:p="http://schemas.openxmlformats.org/presentationml/2006/main">
+  <p:cSld>
+    <p:spTree>
+      <p:nvGrpSpPr>
+        <p:cNvPr id="1" name=""/>
+        <p:cNvGrpSpPr/>
+        <p:nvPr/>
+      </p:nvGrpSpPr>
+      <p:grpSpPr>
+        <a:xfrm>
+          <a:off x="0" y="0"/>
+          <a:ext cx="0" cy="0"/>
+          <a:chOff x="0" y="0"/>
+          <a:chExt cx="0" cy="0"/>
+        </a:xfrm>
+      </p:grpSpPr>
+      <p:sp>
+        <p:nvSpPr>
+          <p:cNvPr id="4" name="TextBox 3">
+            <a:extLst>
+              <a:ext uri="{FF2B5EF4-FFF2-40B4-BE49-F238E27FC236}">
                 <a16:creationId xmlns:a16="http://schemas.microsoft.com/office/drawing/2014/main" id="{AC6B4A5D-15B2-47FE-AF77-FA3634E427F0}"/>
               </a:ext>
             </a:extLst>
@@ -3884,7 +4139,7 @@
 </p:sld>
 </file>
 
-<file path=ppt/slides/slide12.xml><?xml version="1.0" encoding="utf-8"?>
+<file path=ppt/slides/slide13.xml><?xml version="1.0" encoding="utf-8"?>
 <p:sld xmlns:a="http://schemas.openxmlformats.org/drawingml/2006/main" xmlns:r="http://schemas.openxmlformats.org/officeDocument/2006/relationships" xmlns:p="http://schemas.openxmlformats.org/presentationml/2006/main" show="0">
   <p:cSld>
     <p:spTree>
@@ -3978,7 +4233,7 @@
 </p:sld>
 </file>
 
-<file path=ppt/slides/slide13.xml><?xml version="1.0" encoding="utf-8"?>
+<file path=ppt/slides/slide14.xml><?xml version="1.0" encoding="utf-8"?>
 <p:sld xmlns:a="http://schemas.openxmlformats.org/drawingml/2006/main" xmlns:r="http://schemas.openxmlformats.org/officeDocument/2006/relationships" xmlns:p="http://schemas.openxmlformats.org/presentationml/2006/main" show="0">
   <p:cSld>
     <p:spTree>
@@ -4734,7 +4989,7 @@
                 <a:ea typeface="+mj-ea"/>
                 <a:cs typeface="+mj-cs"/>
               </a:rPr>
-              <a:t>Case 1 – computing a sparse distance matrix</a:t>
+              <a:t>Case 1 – computing a distance matrix</a:t>
             </a:r>
           </a:p>
         </p:txBody>
@@ -4799,7 +5054,7 @@
           <a:p>
             <a:r>
               <a:rPr lang="en-US" sz="2400" dirty="0"/>
-              <a:t>Case 1 - computing a sparse distance matrix, sequential scheme</a:t>
+              <a:t>Case 1 - computing a distance matrix, sequential scheme</a:t>
             </a:r>
           </a:p>
         </p:txBody>
@@ -4818,8 +5073,8 @@
         </p:nvSpPr>
         <p:spPr>
           <a:xfrm>
-            <a:off x="-545123" y="1332106"/>
-            <a:ext cx="2807722" cy="830997"/>
+            <a:off x="262889" y="1332106"/>
+            <a:ext cx="1999709" cy="830997"/>
           </a:xfrm>
           <a:prstGeom prst="rect">
             <a:avLst/>
@@ -8811,6 +9066,42 @@
           <a:p>
             <a:pPr algn="ctr"/>
             <a:endParaRPr lang="en-GB"/>
+          </a:p>
+        </p:txBody>
+      </p:sp>
+      <p:sp>
+        <p:nvSpPr>
+          <p:cNvPr id="80" name="TextBox 79">
+            <a:extLst>
+              <a:ext uri="{FF2B5EF4-FFF2-40B4-BE49-F238E27FC236}">
+                <a16:creationId xmlns:a16="http://schemas.microsoft.com/office/drawing/2014/main" id="{A9695E6F-B94D-44AA-A243-C0560B5D4BBA}"/>
+              </a:ext>
+            </a:extLst>
+          </p:cNvPr>
+          <p:cNvSpPr txBox="1"/>
+          <p:nvPr/>
+        </p:nvSpPr>
+        <p:spPr>
+          <a:xfrm>
+            <a:off x="6426012" y="5621053"/>
+            <a:ext cx="5064004" cy="461665"/>
+          </a:xfrm>
+          <a:prstGeom prst="rect">
+            <a:avLst/>
+          </a:prstGeom>
+          <a:noFill/>
+        </p:spPr>
+        <p:txBody>
+          <a:bodyPr wrap="square" rtlCol="0">
+            <a:spAutoFit/>
+          </a:bodyPr>
+          <a:lstStyle/>
+          <a:p>
+            <a:pPr algn="ctr"/>
+            <a:r>
+              <a:rPr lang="en-US" sz="2400" dirty="0"/>
+              <a:t>distance matrix</a:t>
+            </a:r>
           </a:p>
         </p:txBody>
       </p:sp>
@@ -8874,53 +9165,17 @@
           <a:p>
             <a:r>
               <a:rPr lang="en-US" sz="2400" dirty="0"/>
-              <a:t>Case 1 - computing a sparse distance matrix, parallel scheme</a:t>
+              <a:t>Case 1 - computing a distance matrix, parallel scheme</a:t>
             </a:r>
           </a:p>
         </p:txBody>
       </p:sp>
       <p:sp>
         <p:nvSpPr>
-          <p:cNvPr id="15" name="TextBox 14">
-            <a:extLst>
-              <a:ext uri="{FF2B5EF4-FFF2-40B4-BE49-F238E27FC236}">
-                <a16:creationId xmlns:a16="http://schemas.microsoft.com/office/drawing/2014/main" id="{836BFE35-437A-4358-AB66-71A3B4D2546A}"/>
-              </a:ext>
-            </a:extLst>
-          </p:cNvPr>
-          <p:cNvSpPr txBox="1"/>
-          <p:nvPr/>
-        </p:nvSpPr>
-        <p:spPr>
-          <a:xfrm>
-            <a:off x="450761" y="1534327"/>
-            <a:ext cx="1123063" cy="461665"/>
-          </a:xfrm>
-          <a:prstGeom prst="rect">
-            <a:avLst/>
-          </a:prstGeom>
-          <a:noFill/>
-        </p:spPr>
-        <p:txBody>
-          <a:bodyPr wrap="square" rtlCol="0">
-            <a:spAutoFit/>
-          </a:bodyPr>
-          <a:lstStyle/>
-          <a:p>
-            <a:pPr algn="r"/>
-            <a:r>
-              <a:rPr lang="en-US" sz="2400" dirty="0"/>
-              <a:t>vectors</a:t>
-            </a:r>
-          </a:p>
-        </p:txBody>
-      </p:sp>
-      <p:sp>
-        <p:nvSpPr>
-          <p:cNvPr id="155" name="Rectangle 154">
-            <a:extLst>
-              <a:ext uri="{FF2B5EF4-FFF2-40B4-BE49-F238E27FC236}">
-                <a16:creationId xmlns:a16="http://schemas.microsoft.com/office/drawing/2014/main" id="{80462AEA-3D40-456D-AE39-74CE9659E588}"/>
+          <p:cNvPr id="181" name="Rectangle 180">
+            <a:extLst>
+              <a:ext uri="{FF2B5EF4-FFF2-40B4-BE49-F238E27FC236}">
+                <a16:creationId xmlns:a16="http://schemas.microsoft.com/office/drawing/2014/main" id="{03046F60-20C8-4617-9B8D-F5D1912A7793}"/>
               </a:ext>
             </a:extLst>
           </p:cNvPr>
@@ -8929,7 +9184,7 @@
         </p:nvSpPr>
         <p:spPr>
           <a:xfrm>
-            <a:off x="2289450" y="1534327"/>
+            <a:off x="6412587" y="2682907"/>
             <a:ext cx="483577" cy="461665"/>
           </a:xfrm>
           <a:prstGeom prst="rect">
@@ -8965,17 +9220,17 @@
             <a:pPr algn="ctr"/>
             <a:r>
               <a:rPr lang="en-GB" dirty="0"/>
-              <a:t>v1</a:t>
+              <a:t>v2</a:t>
             </a:r>
           </a:p>
         </p:txBody>
       </p:sp>
       <p:sp>
         <p:nvSpPr>
-          <p:cNvPr id="158" name="Rectangle 157">
-            <a:extLst>
-              <a:ext uri="{FF2B5EF4-FFF2-40B4-BE49-F238E27FC236}">
-                <a16:creationId xmlns:a16="http://schemas.microsoft.com/office/drawing/2014/main" id="{E8CB7802-CF0F-4736-B43D-F1E73C9347D9}"/>
+          <p:cNvPr id="183" name="Rectangle 182">
+            <a:extLst>
+              <a:ext uri="{FF2B5EF4-FFF2-40B4-BE49-F238E27FC236}">
+                <a16:creationId xmlns:a16="http://schemas.microsoft.com/office/drawing/2014/main" id="{B1D9B311-16E7-4992-B777-95C295857BB7}"/>
               </a:ext>
             </a:extLst>
           </p:cNvPr>
@@ -8984,7 +9239,7 @@
         </p:nvSpPr>
         <p:spPr>
           <a:xfrm>
-            <a:off x="2799878" y="1534327"/>
+            <a:off x="6923015" y="2682907"/>
             <a:ext cx="483577" cy="461665"/>
           </a:xfrm>
           <a:prstGeom prst="rect">
@@ -9020,17 +9275,17 @@
             <a:pPr algn="ctr"/>
             <a:r>
               <a:rPr lang="en-GB" dirty="0"/>
-              <a:t>v2</a:t>
+              <a:t>v3</a:t>
             </a:r>
           </a:p>
         </p:txBody>
       </p:sp>
       <p:sp>
         <p:nvSpPr>
-          <p:cNvPr id="161" name="Rectangle 160">
-            <a:extLst>
-              <a:ext uri="{FF2B5EF4-FFF2-40B4-BE49-F238E27FC236}">
-                <a16:creationId xmlns:a16="http://schemas.microsoft.com/office/drawing/2014/main" id="{81043BAA-1429-40BD-8A38-EBC8C29376EA}"/>
+          <p:cNvPr id="184" name="Rectangle 183">
+            <a:extLst>
+              <a:ext uri="{FF2B5EF4-FFF2-40B4-BE49-F238E27FC236}">
+                <a16:creationId xmlns:a16="http://schemas.microsoft.com/office/drawing/2014/main" id="{A94110CB-7815-4F8B-9876-E41354DA6C0C}"/>
               </a:ext>
             </a:extLst>
           </p:cNvPr>
@@ -9039,7 +9294,7 @@
         </p:nvSpPr>
         <p:spPr>
           <a:xfrm>
-            <a:off x="3301514" y="1534327"/>
+            <a:off x="7433443" y="2682907"/>
             <a:ext cx="483577" cy="461665"/>
           </a:xfrm>
           <a:prstGeom prst="rect">
@@ -9073,19 +9328,16 @@
           <a:lstStyle/>
           <a:p>
             <a:pPr algn="ctr"/>
-            <a:r>
-              <a:rPr lang="en-GB" dirty="0"/>
-              <a:t>v3</a:t>
-            </a:r>
-          </a:p>
-        </p:txBody>
-      </p:sp>
-      <p:sp>
-        <p:nvSpPr>
-          <p:cNvPr id="164" name="Rectangle 163">
-            <a:extLst>
-              <a:ext uri="{FF2B5EF4-FFF2-40B4-BE49-F238E27FC236}">
-                <a16:creationId xmlns:a16="http://schemas.microsoft.com/office/drawing/2014/main" id="{8404CA95-23EA-464A-BF21-1AAFBCE58673}"/>
+            <a:endParaRPr lang="en-GB"/>
+          </a:p>
+        </p:txBody>
+      </p:sp>
+      <p:sp>
+        <p:nvSpPr>
+          <p:cNvPr id="186" name="Rectangle 185">
+            <a:extLst>
+              <a:ext uri="{FF2B5EF4-FFF2-40B4-BE49-F238E27FC236}">
+                <a16:creationId xmlns:a16="http://schemas.microsoft.com/office/drawing/2014/main" id="{450CF98F-7D41-4BA7-83EF-9EC84C13AD87}"/>
               </a:ext>
             </a:extLst>
           </p:cNvPr>
@@ -9094,59 +9346,7 @@
         </p:nvSpPr>
         <p:spPr>
           <a:xfrm>
-            <a:off x="3811942" y="1534327"/>
-            <a:ext cx="483577" cy="461665"/>
-          </a:xfrm>
-          <a:prstGeom prst="rect">
-            <a:avLst/>
-          </a:prstGeom>
-          <a:solidFill>
-            <a:schemeClr val="accent6">
-              <a:lumMod val="60000"/>
-              <a:lumOff val="40000"/>
-            </a:schemeClr>
-          </a:solidFill>
-        </p:spPr>
-        <p:style>
-          <a:lnRef idx="2">
-            <a:schemeClr val="accent1">
-              <a:shade val="50000"/>
-            </a:schemeClr>
-          </a:lnRef>
-          <a:fillRef idx="1">
-            <a:schemeClr val="accent1"/>
-          </a:fillRef>
-          <a:effectRef idx="0">
-            <a:schemeClr val="accent1"/>
-          </a:effectRef>
-          <a:fontRef idx="minor">
-            <a:schemeClr val="lt1"/>
-          </a:fontRef>
-        </p:style>
-        <p:txBody>
-          <a:bodyPr rtlCol="0" anchor="ctr"/>
-          <a:lstStyle/>
-          <a:p>
-            <a:pPr algn="ctr"/>
-            <a:endParaRPr lang="en-GB"/>
-          </a:p>
-        </p:txBody>
-      </p:sp>
-      <p:sp>
-        <p:nvSpPr>
-          <p:cNvPr id="167" name="Rectangle 166">
-            <a:extLst>
-              <a:ext uri="{FF2B5EF4-FFF2-40B4-BE49-F238E27FC236}">
-                <a16:creationId xmlns:a16="http://schemas.microsoft.com/office/drawing/2014/main" id="{8A0B8125-7B4E-41B0-89D0-51642E86A0C4}"/>
-              </a:ext>
-            </a:extLst>
-          </p:cNvPr>
-          <p:cNvSpPr/>
-          <p:nvPr/>
-        </p:nvSpPr>
-        <p:spPr>
-          <a:xfrm>
-            <a:off x="4322370" y="1534327"/>
+            <a:off x="7943871" y="2682907"/>
             <a:ext cx="483577" cy="461665"/>
           </a:xfrm>
           <a:prstGeom prst="rect">
@@ -9190,46 +9390,10 @@
       </p:sp>
       <p:sp>
         <p:nvSpPr>
-          <p:cNvPr id="118" name="TextBox 117">
-            <a:extLst>
-              <a:ext uri="{FF2B5EF4-FFF2-40B4-BE49-F238E27FC236}">
-                <a16:creationId xmlns:a16="http://schemas.microsoft.com/office/drawing/2014/main" id="{2C7C70F8-01FA-4EF2-A726-4F2EDADAD21E}"/>
-              </a:ext>
-            </a:extLst>
-          </p:cNvPr>
-          <p:cNvSpPr txBox="1"/>
-          <p:nvPr/>
-        </p:nvSpPr>
-        <p:spPr>
-          <a:xfrm>
-            <a:off x="172857" y="2194866"/>
-            <a:ext cx="1400967" cy="830997"/>
-          </a:xfrm>
-          <a:prstGeom prst="rect">
-            <a:avLst/>
-          </a:prstGeom>
-          <a:noFill/>
-        </p:spPr>
-        <p:txBody>
-          <a:bodyPr wrap="square" rtlCol="0">
-            <a:spAutoFit/>
-          </a:bodyPr>
-          <a:lstStyle/>
-          <a:p>
-            <a:pPr algn="r"/>
-            <a:r>
-              <a:rPr lang="en-US" sz="2400" dirty="0"/>
-              <a:t>distance matrix</a:t>
-            </a:r>
-          </a:p>
-        </p:txBody>
-      </p:sp>
-      <p:sp>
-        <p:nvSpPr>
-          <p:cNvPr id="119" name="Rectangle 118">
-            <a:extLst>
-              <a:ext uri="{FF2B5EF4-FFF2-40B4-BE49-F238E27FC236}">
-                <a16:creationId xmlns:a16="http://schemas.microsoft.com/office/drawing/2014/main" id="{F6E767B4-1638-4275-979F-4FA441E79200}"/>
+          <p:cNvPr id="187" name="Rectangle 186">
+            <a:extLst>
+              <a:ext uri="{FF2B5EF4-FFF2-40B4-BE49-F238E27FC236}">
+                <a16:creationId xmlns:a16="http://schemas.microsoft.com/office/drawing/2014/main" id="{F3CA942D-CAD2-410D-B1E2-D4F7E92F01E9}"/>
               </a:ext>
             </a:extLst>
           </p:cNvPr>
@@ -9238,7 +9402,7 @@
         </p:nvSpPr>
         <p:spPr>
           <a:xfrm>
-            <a:off x="2289450" y="2194866"/>
+            <a:off x="8454299" y="2682907"/>
             <a:ext cx="483577" cy="461665"/>
           </a:xfrm>
           <a:prstGeom prst="rect">
@@ -9274,17 +9438,17 @@
             <a:pPr algn="ctr"/>
             <a:r>
               <a:rPr lang="en-GB" dirty="0"/>
-              <a:t>v1</a:t>
+              <a:t>v3</a:t>
             </a:r>
           </a:p>
         </p:txBody>
       </p:sp>
       <p:sp>
         <p:nvSpPr>
-          <p:cNvPr id="120" name="Rectangle 119">
-            <a:extLst>
-              <a:ext uri="{FF2B5EF4-FFF2-40B4-BE49-F238E27FC236}">
-                <a16:creationId xmlns:a16="http://schemas.microsoft.com/office/drawing/2014/main" id="{C2F47C36-E4F3-4B23-9349-143D08A5E988}"/>
+          <p:cNvPr id="189" name="Rectangle 188">
+            <a:extLst>
+              <a:ext uri="{FF2B5EF4-FFF2-40B4-BE49-F238E27FC236}">
+                <a16:creationId xmlns:a16="http://schemas.microsoft.com/office/drawing/2014/main" id="{26704AC9-E9F5-4038-BC1E-27BBC4714755}"/>
               </a:ext>
             </a:extLst>
           </p:cNvPr>
@@ -9293,7 +9457,7 @@
         </p:nvSpPr>
         <p:spPr>
           <a:xfrm>
-            <a:off x="2799878" y="2194866"/>
+            <a:off x="8964727" y="2682907"/>
             <a:ext cx="483577" cy="461665"/>
           </a:xfrm>
           <a:prstGeom prst="rect">
@@ -9327,19 +9491,16 @@
           <a:lstStyle/>
           <a:p>
             <a:pPr algn="ctr"/>
-            <a:r>
-              <a:rPr lang="en-GB" dirty="0"/>
-              <a:t>v2</a:t>
-            </a:r>
-          </a:p>
-        </p:txBody>
-      </p:sp>
-      <p:sp>
-        <p:nvSpPr>
-          <p:cNvPr id="121" name="Rectangle 120">
-            <a:extLst>
-              <a:ext uri="{FF2B5EF4-FFF2-40B4-BE49-F238E27FC236}">
-                <a16:creationId xmlns:a16="http://schemas.microsoft.com/office/drawing/2014/main" id="{76E9578F-66A8-41EF-90C0-956AA228AD0D}"/>
+            <a:endParaRPr lang="en-GB"/>
+          </a:p>
+        </p:txBody>
+      </p:sp>
+      <p:sp>
+        <p:nvSpPr>
+          <p:cNvPr id="190" name="Rectangle 189">
+            <a:extLst>
+              <a:ext uri="{FF2B5EF4-FFF2-40B4-BE49-F238E27FC236}">
+                <a16:creationId xmlns:a16="http://schemas.microsoft.com/office/drawing/2014/main" id="{FD1DE105-73DA-4383-AFF2-C5C8D8FEE473}"/>
               </a:ext>
             </a:extLst>
           </p:cNvPr>
@@ -9348,114 +9509,7 @@
         </p:nvSpPr>
         <p:spPr>
           <a:xfrm>
-            <a:off x="3301514" y="2194866"/>
-            <a:ext cx="483577" cy="461665"/>
-          </a:xfrm>
-          <a:prstGeom prst="rect">
-            <a:avLst/>
-          </a:prstGeom>
-          <a:solidFill>
-            <a:schemeClr val="accent6">
-              <a:lumMod val="60000"/>
-              <a:lumOff val="40000"/>
-            </a:schemeClr>
-          </a:solidFill>
-        </p:spPr>
-        <p:style>
-          <a:lnRef idx="2">
-            <a:schemeClr val="accent1">
-              <a:shade val="50000"/>
-            </a:schemeClr>
-          </a:lnRef>
-          <a:fillRef idx="1">
-            <a:schemeClr val="accent1"/>
-          </a:fillRef>
-          <a:effectRef idx="0">
-            <a:schemeClr val="accent1"/>
-          </a:effectRef>
-          <a:fontRef idx="minor">
-            <a:schemeClr val="lt1"/>
-          </a:fontRef>
-        </p:style>
-        <p:txBody>
-          <a:bodyPr rtlCol="0" anchor="ctr"/>
-          <a:lstStyle/>
-          <a:p>
-            <a:pPr algn="ctr"/>
-            <a:r>
-              <a:rPr lang="en-GB" dirty="0"/>
-              <a:t>v3</a:t>
-            </a:r>
-          </a:p>
-        </p:txBody>
-      </p:sp>
-      <p:sp>
-        <p:nvSpPr>
-          <p:cNvPr id="122" name="Rectangle 121">
-            <a:extLst>
-              <a:ext uri="{FF2B5EF4-FFF2-40B4-BE49-F238E27FC236}">
-                <a16:creationId xmlns:a16="http://schemas.microsoft.com/office/drawing/2014/main" id="{ED657AD9-D42C-4FBD-B80F-10FE25961644}"/>
-              </a:ext>
-            </a:extLst>
-          </p:cNvPr>
-          <p:cNvSpPr/>
-          <p:nvPr/>
-        </p:nvSpPr>
-        <p:spPr>
-          <a:xfrm>
-            <a:off x="3811942" y="2194866"/>
-            <a:ext cx="483577" cy="461665"/>
-          </a:xfrm>
-          <a:prstGeom prst="rect">
-            <a:avLst/>
-          </a:prstGeom>
-          <a:solidFill>
-            <a:schemeClr val="accent6">
-              <a:lumMod val="60000"/>
-              <a:lumOff val="40000"/>
-            </a:schemeClr>
-          </a:solidFill>
-        </p:spPr>
-        <p:style>
-          <a:lnRef idx="2">
-            <a:schemeClr val="accent1">
-              <a:shade val="50000"/>
-            </a:schemeClr>
-          </a:lnRef>
-          <a:fillRef idx="1">
-            <a:schemeClr val="accent1"/>
-          </a:fillRef>
-          <a:effectRef idx="0">
-            <a:schemeClr val="accent1"/>
-          </a:effectRef>
-          <a:fontRef idx="minor">
-            <a:schemeClr val="lt1"/>
-          </a:fontRef>
-        </p:style>
-        <p:txBody>
-          <a:bodyPr rtlCol="0" anchor="ctr"/>
-          <a:lstStyle/>
-          <a:p>
-            <a:pPr algn="ctr"/>
-            <a:endParaRPr lang="en-GB"/>
-          </a:p>
-        </p:txBody>
-      </p:sp>
-      <p:sp>
-        <p:nvSpPr>
-          <p:cNvPr id="123" name="Rectangle 122">
-            <a:extLst>
-              <a:ext uri="{FF2B5EF4-FFF2-40B4-BE49-F238E27FC236}">
-                <a16:creationId xmlns:a16="http://schemas.microsoft.com/office/drawing/2014/main" id="{86134F71-03C7-42ED-8B7B-BD4F2F0042F7}"/>
-              </a:ext>
-            </a:extLst>
-          </p:cNvPr>
-          <p:cNvSpPr/>
-          <p:nvPr/>
-        </p:nvSpPr>
-        <p:spPr>
-          <a:xfrm>
-            <a:off x="4322370" y="2194866"/>
+            <a:off x="9475155" y="2682907"/>
             <a:ext cx="483577" cy="461665"/>
           </a:xfrm>
           <a:prstGeom prst="rect">
@@ -9499,10 +9553,10 @@
       </p:sp>
       <p:sp>
         <p:nvSpPr>
-          <p:cNvPr id="124" name="Rectangle 123">
-            <a:extLst>
-              <a:ext uri="{FF2B5EF4-FFF2-40B4-BE49-F238E27FC236}">
-                <a16:creationId xmlns:a16="http://schemas.microsoft.com/office/drawing/2014/main" id="{33D69B6C-EF1B-409D-9129-10067CAF65EB}"/>
+          <p:cNvPr id="192" name="Rectangle 191">
+            <a:extLst>
+              <a:ext uri="{FF2B5EF4-FFF2-40B4-BE49-F238E27FC236}">
+                <a16:creationId xmlns:a16="http://schemas.microsoft.com/office/drawing/2014/main" id="{3B31926D-FFD5-4110-B3E8-B3E082EA4E9A}"/>
               </a:ext>
             </a:extLst>
           </p:cNvPr>
@@ -9511,7 +9565,7 @@
         </p:nvSpPr>
         <p:spPr>
           <a:xfrm>
-            <a:off x="1779497" y="2682907"/>
+            <a:off x="9985583" y="2682907"/>
             <a:ext cx="483577" cy="461665"/>
           </a:xfrm>
           <a:prstGeom prst="rect">
@@ -9545,19 +9599,16 @@
           <a:lstStyle/>
           <a:p>
             <a:pPr algn="ctr"/>
-            <a:r>
-              <a:rPr lang="en-GB" dirty="0"/>
-              <a:t>v1</a:t>
-            </a:r>
-          </a:p>
-        </p:txBody>
-      </p:sp>
-      <p:sp>
-        <p:nvSpPr>
-          <p:cNvPr id="125" name="Rectangle 124">
-            <a:extLst>
-              <a:ext uri="{FF2B5EF4-FFF2-40B4-BE49-F238E27FC236}">
-                <a16:creationId xmlns:a16="http://schemas.microsoft.com/office/drawing/2014/main" id="{FE0A2368-7574-45CA-8B58-1C101382B590}"/>
+            <a:endParaRPr lang="en-GB"/>
+          </a:p>
+        </p:txBody>
+      </p:sp>
+      <p:sp>
+        <p:nvSpPr>
+          <p:cNvPr id="193" name="Rectangle 192">
+            <a:extLst>
+              <a:ext uri="{FF2B5EF4-FFF2-40B4-BE49-F238E27FC236}">
+                <a16:creationId xmlns:a16="http://schemas.microsoft.com/office/drawing/2014/main" id="{D9F3D714-ED5C-4596-95EA-B48072236E85}"/>
               </a:ext>
             </a:extLst>
           </p:cNvPr>
@@ -9566,169 +9617,7 @@
         </p:nvSpPr>
         <p:spPr>
           <a:xfrm>
-            <a:off x="1779497" y="3171079"/>
-            <a:ext cx="483577" cy="461665"/>
-          </a:xfrm>
-          <a:prstGeom prst="rect">
-            <a:avLst/>
-          </a:prstGeom>
-          <a:solidFill>
-            <a:schemeClr val="accent6">
-              <a:lumMod val="60000"/>
-              <a:lumOff val="40000"/>
-            </a:schemeClr>
-          </a:solidFill>
-        </p:spPr>
-        <p:style>
-          <a:lnRef idx="2">
-            <a:schemeClr val="accent1">
-              <a:shade val="50000"/>
-            </a:schemeClr>
-          </a:lnRef>
-          <a:fillRef idx="1">
-            <a:schemeClr val="accent1"/>
-          </a:fillRef>
-          <a:effectRef idx="0">
-            <a:schemeClr val="accent1"/>
-          </a:effectRef>
-          <a:fontRef idx="minor">
-            <a:schemeClr val="lt1"/>
-          </a:fontRef>
-        </p:style>
-        <p:txBody>
-          <a:bodyPr rtlCol="0" anchor="ctr"/>
-          <a:lstStyle/>
-          <a:p>
-            <a:pPr algn="ctr"/>
-            <a:r>
-              <a:rPr lang="en-GB" dirty="0"/>
-              <a:t>v2</a:t>
-            </a:r>
-          </a:p>
-        </p:txBody>
-      </p:sp>
-      <p:sp>
-        <p:nvSpPr>
-          <p:cNvPr id="126" name="Rectangle 125">
-            <a:extLst>
-              <a:ext uri="{FF2B5EF4-FFF2-40B4-BE49-F238E27FC236}">
-                <a16:creationId xmlns:a16="http://schemas.microsoft.com/office/drawing/2014/main" id="{6EE31AFC-D88B-4C93-81EA-EECC1826AF03}"/>
-              </a:ext>
-            </a:extLst>
-          </p:cNvPr>
-          <p:cNvSpPr/>
-          <p:nvPr/>
-        </p:nvSpPr>
-        <p:spPr>
-          <a:xfrm>
-            <a:off x="1779497" y="3659251"/>
-            <a:ext cx="483577" cy="461665"/>
-          </a:xfrm>
-          <a:prstGeom prst="rect">
-            <a:avLst/>
-          </a:prstGeom>
-          <a:solidFill>
-            <a:schemeClr val="accent6">
-              <a:lumMod val="60000"/>
-              <a:lumOff val="40000"/>
-            </a:schemeClr>
-          </a:solidFill>
-        </p:spPr>
-        <p:style>
-          <a:lnRef idx="2">
-            <a:schemeClr val="accent1">
-              <a:shade val="50000"/>
-            </a:schemeClr>
-          </a:lnRef>
-          <a:fillRef idx="1">
-            <a:schemeClr val="accent1"/>
-          </a:fillRef>
-          <a:effectRef idx="0">
-            <a:schemeClr val="accent1"/>
-          </a:effectRef>
-          <a:fontRef idx="minor">
-            <a:schemeClr val="lt1"/>
-          </a:fontRef>
-        </p:style>
-        <p:txBody>
-          <a:bodyPr rtlCol="0" anchor="ctr"/>
-          <a:lstStyle/>
-          <a:p>
-            <a:pPr algn="ctr"/>
-            <a:r>
-              <a:rPr lang="en-GB" dirty="0"/>
-              <a:t>v3</a:t>
-            </a:r>
-          </a:p>
-        </p:txBody>
-      </p:sp>
-      <p:sp>
-        <p:nvSpPr>
-          <p:cNvPr id="127" name="Rectangle 126">
-            <a:extLst>
-              <a:ext uri="{FF2B5EF4-FFF2-40B4-BE49-F238E27FC236}">
-                <a16:creationId xmlns:a16="http://schemas.microsoft.com/office/drawing/2014/main" id="{CE7970C0-BFC9-4BAC-9159-47ED47FC6150}"/>
-              </a:ext>
-            </a:extLst>
-          </p:cNvPr>
-          <p:cNvSpPr/>
-          <p:nvPr/>
-        </p:nvSpPr>
-        <p:spPr>
-          <a:xfrm>
-            <a:off x="1779497" y="4147423"/>
-            <a:ext cx="483577" cy="461665"/>
-          </a:xfrm>
-          <a:prstGeom prst="rect">
-            <a:avLst/>
-          </a:prstGeom>
-          <a:solidFill>
-            <a:schemeClr val="accent6">
-              <a:lumMod val="60000"/>
-              <a:lumOff val="40000"/>
-            </a:schemeClr>
-          </a:solidFill>
-        </p:spPr>
-        <p:style>
-          <a:lnRef idx="2">
-            <a:schemeClr val="accent1">
-              <a:shade val="50000"/>
-            </a:schemeClr>
-          </a:lnRef>
-          <a:fillRef idx="1">
-            <a:schemeClr val="accent1"/>
-          </a:fillRef>
-          <a:effectRef idx="0">
-            <a:schemeClr val="accent1"/>
-          </a:effectRef>
-          <a:fontRef idx="minor">
-            <a:schemeClr val="lt1"/>
-          </a:fontRef>
-        </p:style>
-        <p:txBody>
-          <a:bodyPr rtlCol="0" anchor="ctr"/>
-          <a:lstStyle/>
-          <a:p>
-            <a:pPr algn="ctr"/>
-            <a:endParaRPr lang="en-GB"/>
-          </a:p>
-        </p:txBody>
-      </p:sp>
-      <p:sp>
-        <p:nvSpPr>
-          <p:cNvPr id="128" name="Rectangle 127">
-            <a:extLst>
-              <a:ext uri="{FF2B5EF4-FFF2-40B4-BE49-F238E27FC236}">
-                <a16:creationId xmlns:a16="http://schemas.microsoft.com/office/drawing/2014/main" id="{8A47CC4D-8516-45E2-B67D-EBC3E5D1F5CE}"/>
-              </a:ext>
-            </a:extLst>
-          </p:cNvPr>
-          <p:cNvSpPr/>
-          <p:nvPr/>
-        </p:nvSpPr>
-        <p:spPr>
-          <a:xfrm>
-            <a:off x="1779497" y="4635595"/>
+            <a:off x="10496011" y="2682907"/>
             <a:ext cx="483577" cy="461665"/>
           </a:xfrm>
           <a:prstGeom prst="rect">
@@ -9772,10 +9661,10 @@
       </p:sp>
       <p:sp>
         <p:nvSpPr>
-          <p:cNvPr id="130" name="Rectangle 129">
-            <a:extLst>
-              <a:ext uri="{FF2B5EF4-FFF2-40B4-BE49-F238E27FC236}">
-                <a16:creationId xmlns:a16="http://schemas.microsoft.com/office/drawing/2014/main" id="{FEDF05F4-0DDC-4D46-B207-202D26990485}"/>
+          <p:cNvPr id="195" name="Rectangle 194">
+            <a:extLst>
+              <a:ext uri="{FF2B5EF4-FFF2-40B4-BE49-F238E27FC236}">
+                <a16:creationId xmlns:a16="http://schemas.microsoft.com/office/drawing/2014/main" id="{F328F279-379E-4ABC-8254-5A37835035B1}"/>
               </a:ext>
             </a:extLst>
           </p:cNvPr>
@@ -9784,7 +9673,2249 @@
         </p:nvSpPr>
         <p:spPr>
           <a:xfrm>
-            <a:off x="2289450" y="2682907"/>
+            <a:off x="11006439" y="2682907"/>
+            <a:ext cx="483577" cy="461665"/>
+          </a:xfrm>
+          <a:prstGeom prst="rect">
+            <a:avLst/>
+          </a:prstGeom>
+          <a:solidFill>
+            <a:schemeClr val="accent6">
+              <a:lumMod val="60000"/>
+              <a:lumOff val="40000"/>
+            </a:schemeClr>
+          </a:solidFill>
+        </p:spPr>
+        <p:style>
+          <a:lnRef idx="2">
+            <a:schemeClr val="accent1">
+              <a:shade val="50000"/>
+            </a:schemeClr>
+          </a:lnRef>
+          <a:fillRef idx="1">
+            <a:schemeClr val="accent1"/>
+          </a:fillRef>
+          <a:effectRef idx="0">
+            <a:schemeClr val="accent1"/>
+          </a:effectRef>
+          <a:fontRef idx="minor">
+            <a:schemeClr val="lt1"/>
+          </a:fontRef>
+        </p:style>
+        <p:txBody>
+          <a:bodyPr rtlCol="0" anchor="ctr"/>
+          <a:lstStyle/>
+          <a:p>
+            <a:pPr algn="ctr"/>
+            <a:endParaRPr lang="en-GB" dirty="0"/>
+          </a:p>
+        </p:txBody>
+      </p:sp>
+      <p:sp>
+        <p:nvSpPr>
+          <p:cNvPr id="211" name="Rectangle: Rounded Corners 210">
+            <a:extLst>
+              <a:ext uri="{FF2B5EF4-FFF2-40B4-BE49-F238E27FC236}">
+                <a16:creationId xmlns:a16="http://schemas.microsoft.com/office/drawing/2014/main" id="{B9062D3D-0C9B-431A-BBFF-89BC58AD53AC}"/>
+              </a:ext>
+            </a:extLst>
+          </p:cNvPr>
+          <p:cNvSpPr/>
+          <p:nvPr/>
+        </p:nvSpPr>
+        <p:spPr>
+          <a:xfrm>
+            <a:off x="6426013" y="3840373"/>
+            <a:ext cx="2511864" cy="537882"/>
+          </a:xfrm>
+          <a:prstGeom prst="roundRect">
+            <a:avLst/>
+          </a:prstGeom>
+        </p:spPr>
+        <p:style>
+          <a:lnRef idx="2">
+            <a:schemeClr val="accent1">
+              <a:shade val="50000"/>
+            </a:schemeClr>
+          </a:lnRef>
+          <a:fillRef idx="1">
+            <a:schemeClr val="accent1"/>
+          </a:fillRef>
+          <a:effectRef idx="0">
+            <a:schemeClr val="accent1"/>
+          </a:effectRef>
+          <a:fontRef idx="minor">
+            <a:schemeClr val="lt1"/>
+          </a:fontRef>
+        </p:style>
+        <p:txBody>
+          <a:bodyPr rtlCol="0" anchor="ctr"/>
+          <a:lstStyle/>
+          <a:p>
+            <a:pPr algn="ctr"/>
+            <a:r>
+              <a:rPr lang="en-GB" dirty="0"/>
+              <a:t>Parallel execution</a:t>
+            </a:r>
+          </a:p>
+          <a:p>
+            <a:pPr algn="ctr"/>
+            <a:r>
+              <a:rPr lang="en-GB" dirty="0"/>
+              <a:t>process P1</a:t>
+            </a:r>
+          </a:p>
+        </p:txBody>
+      </p:sp>
+      <p:sp>
+        <p:nvSpPr>
+          <p:cNvPr id="213" name="Arrow: Down 212">
+            <a:extLst>
+              <a:ext uri="{FF2B5EF4-FFF2-40B4-BE49-F238E27FC236}">
+                <a16:creationId xmlns:a16="http://schemas.microsoft.com/office/drawing/2014/main" id="{F4BBC499-701D-446C-BE18-75B0F1011082}"/>
+              </a:ext>
+            </a:extLst>
+          </p:cNvPr>
+          <p:cNvSpPr/>
+          <p:nvPr/>
+        </p:nvSpPr>
+        <p:spPr>
+          <a:xfrm>
+            <a:off x="9992296" y="3261640"/>
+            <a:ext cx="483577" cy="461665"/>
+          </a:xfrm>
+          <a:prstGeom prst="downArrow">
+            <a:avLst/>
+          </a:prstGeom>
+          <a:solidFill>
+            <a:srgbClr val="FF0000"/>
+          </a:solidFill>
+        </p:spPr>
+        <p:style>
+          <a:lnRef idx="2">
+            <a:schemeClr val="accent1">
+              <a:shade val="50000"/>
+            </a:schemeClr>
+          </a:lnRef>
+          <a:fillRef idx="1">
+            <a:schemeClr val="accent1"/>
+          </a:fillRef>
+          <a:effectRef idx="0">
+            <a:schemeClr val="accent1"/>
+          </a:effectRef>
+          <a:fontRef idx="minor">
+            <a:schemeClr val="lt1"/>
+          </a:fontRef>
+        </p:style>
+        <p:txBody>
+          <a:bodyPr rtlCol="0" anchor="ctr"/>
+          <a:lstStyle/>
+          <a:p>
+            <a:pPr algn="ctr"/>
+            <a:endParaRPr lang="en-GB"/>
+          </a:p>
+        </p:txBody>
+      </p:sp>
+      <p:sp>
+        <p:nvSpPr>
+          <p:cNvPr id="217" name="Arrow: Down 216">
+            <a:extLst>
+              <a:ext uri="{FF2B5EF4-FFF2-40B4-BE49-F238E27FC236}">
+                <a16:creationId xmlns:a16="http://schemas.microsoft.com/office/drawing/2014/main" id="{9FA3A00A-A094-40D1-8311-002C9CA15CFC}"/>
+              </a:ext>
+            </a:extLst>
+          </p:cNvPr>
+          <p:cNvSpPr/>
+          <p:nvPr/>
+        </p:nvSpPr>
+        <p:spPr>
+          <a:xfrm>
+            <a:off x="8722938" y="4498183"/>
+            <a:ext cx="483577" cy="461665"/>
+          </a:xfrm>
+          <a:prstGeom prst="downArrow">
+            <a:avLst/>
+          </a:prstGeom>
+          <a:solidFill>
+            <a:srgbClr val="FF0000"/>
+          </a:solidFill>
+        </p:spPr>
+        <p:style>
+          <a:lnRef idx="2">
+            <a:schemeClr val="accent1">
+              <a:shade val="50000"/>
+            </a:schemeClr>
+          </a:lnRef>
+          <a:fillRef idx="1">
+            <a:schemeClr val="accent1"/>
+          </a:fillRef>
+          <a:effectRef idx="0">
+            <a:schemeClr val="accent1"/>
+          </a:effectRef>
+          <a:fontRef idx="minor">
+            <a:schemeClr val="lt1"/>
+          </a:fontRef>
+        </p:style>
+        <p:txBody>
+          <a:bodyPr rtlCol="0" anchor="ctr"/>
+          <a:lstStyle/>
+          <a:p>
+            <a:pPr algn="ctr"/>
+            <a:endParaRPr lang="en-GB"/>
+          </a:p>
+        </p:txBody>
+      </p:sp>
+      <p:sp>
+        <p:nvSpPr>
+          <p:cNvPr id="219" name="Rectangle 218">
+            <a:extLst>
+              <a:ext uri="{FF2B5EF4-FFF2-40B4-BE49-F238E27FC236}">
+                <a16:creationId xmlns:a16="http://schemas.microsoft.com/office/drawing/2014/main" id="{CB067D37-C0E0-4660-A903-C8D29A45DD73}"/>
+              </a:ext>
+            </a:extLst>
+          </p:cNvPr>
+          <p:cNvSpPr/>
+          <p:nvPr/>
+        </p:nvSpPr>
+        <p:spPr>
+          <a:xfrm>
+            <a:off x="6412587" y="2192803"/>
+            <a:ext cx="483577" cy="461665"/>
+          </a:xfrm>
+          <a:prstGeom prst="rect">
+            <a:avLst/>
+          </a:prstGeom>
+          <a:solidFill>
+            <a:schemeClr val="accent6">
+              <a:lumMod val="60000"/>
+              <a:lumOff val="40000"/>
+            </a:schemeClr>
+          </a:solidFill>
+        </p:spPr>
+        <p:style>
+          <a:lnRef idx="2">
+            <a:schemeClr val="accent1">
+              <a:shade val="50000"/>
+            </a:schemeClr>
+          </a:lnRef>
+          <a:fillRef idx="1">
+            <a:schemeClr val="accent1"/>
+          </a:fillRef>
+          <a:effectRef idx="0">
+            <a:schemeClr val="accent1"/>
+          </a:effectRef>
+          <a:fontRef idx="minor">
+            <a:schemeClr val="lt1"/>
+          </a:fontRef>
+        </p:style>
+        <p:txBody>
+          <a:bodyPr rtlCol="0" anchor="ctr"/>
+          <a:lstStyle/>
+          <a:p>
+            <a:pPr algn="ctr"/>
+            <a:r>
+              <a:rPr lang="en-GB" dirty="0"/>
+              <a:t>v1</a:t>
+            </a:r>
+          </a:p>
+        </p:txBody>
+      </p:sp>
+      <p:sp>
+        <p:nvSpPr>
+          <p:cNvPr id="220" name="Rectangle 219">
+            <a:extLst>
+              <a:ext uri="{FF2B5EF4-FFF2-40B4-BE49-F238E27FC236}">
+                <a16:creationId xmlns:a16="http://schemas.microsoft.com/office/drawing/2014/main" id="{FBBF887C-750F-4909-8E33-B7DD7E7C3CE2}"/>
+              </a:ext>
+            </a:extLst>
+          </p:cNvPr>
+          <p:cNvSpPr/>
+          <p:nvPr/>
+        </p:nvSpPr>
+        <p:spPr>
+          <a:xfrm>
+            <a:off x="6923015" y="2192803"/>
+            <a:ext cx="483577" cy="461665"/>
+          </a:xfrm>
+          <a:prstGeom prst="rect">
+            <a:avLst/>
+          </a:prstGeom>
+          <a:solidFill>
+            <a:schemeClr val="accent6">
+              <a:lumMod val="60000"/>
+              <a:lumOff val="40000"/>
+            </a:schemeClr>
+          </a:solidFill>
+        </p:spPr>
+        <p:style>
+          <a:lnRef idx="2">
+            <a:schemeClr val="accent1">
+              <a:shade val="50000"/>
+            </a:schemeClr>
+          </a:lnRef>
+          <a:fillRef idx="1">
+            <a:schemeClr val="accent1"/>
+          </a:fillRef>
+          <a:effectRef idx="0">
+            <a:schemeClr val="accent1"/>
+          </a:effectRef>
+          <a:fontRef idx="minor">
+            <a:schemeClr val="lt1"/>
+          </a:fontRef>
+        </p:style>
+        <p:txBody>
+          <a:bodyPr rtlCol="0" anchor="ctr"/>
+          <a:lstStyle/>
+          <a:p>
+            <a:pPr algn="ctr"/>
+            <a:r>
+              <a:rPr lang="en-GB" dirty="0"/>
+              <a:t>v1</a:t>
+            </a:r>
+          </a:p>
+        </p:txBody>
+      </p:sp>
+      <p:sp>
+        <p:nvSpPr>
+          <p:cNvPr id="221" name="Rectangle 220">
+            <a:extLst>
+              <a:ext uri="{FF2B5EF4-FFF2-40B4-BE49-F238E27FC236}">
+                <a16:creationId xmlns:a16="http://schemas.microsoft.com/office/drawing/2014/main" id="{226BB957-E0EE-4CD2-A728-B581EBF9BCA0}"/>
+              </a:ext>
+            </a:extLst>
+          </p:cNvPr>
+          <p:cNvSpPr/>
+          <p:nvPr/>
+        </p:nvSpPr>
+        <p:spPr>
+          <a:xfrm>
+            <a:off x="7433443" y="2192803"/>
+            <a:ext cx="483577" cy="461665"/>
+          </a:xfrm>
+          <a:prstGeom prst="rect">
+            <a:avLst/>
+          </a:prstGeom>
+          <a:solidFill>
+            <a:schemeClr val="accent6">
+              <a:lumMod val="60000"/>
+              <a:lumOff val="40000"/>
+            </a:schemeClr>
+          </a:solidFill>
+        </p:spPr>
+        <p:style>
+          <a:lnRef idx="2">
+            <a:schemeClr val="accent1">
+              <a:shade val="50000"/>
+            </a:schemeClr>
+          </a:lnRef>
+          <a:fillRef idx="1">
+            <a:schemeClr val="accent1"/>
+          </a:fillRef>
+          <a:effectRef idx="0">
+            <a:schemeClr val="accent1"/>
+          </a:effectRef>
+          <a:fontRef idx="minor">
+            <a:schemeClr val="lt1"/>
+          </a:fontRef>
+        </p:style>
+        <p:txBody>
+          <a:bodyPr rtlCol="0" anchor="ctr"/>
+          <a:lstStyle/>
+          <a:p>
+            <a:pPr algn="ctr"/>
+            <a:r>
+              <a:rPr lang="en-GB" dirty="0"/>
+              <a:t>v1</a:t>
+            </a:r>
+          </a:p>
+        </p:txBody>
+      </p:sp>
+      <p:sp>
+        <p:nvSpPr>
+          <p:cNvPr id="222" name="Rectangle 221">
+            <a:extLst>
+              <a:ext uri="{FF2B5EF4-FFF2-40B4-BE49-F238E27FC236}">
+                <a16:creationId xmlns:a16="http://schemas.microsoft.com/office/drawing/2014/main" id="{C4C8D948-E121-4C87-89DA-50646D4137E5}"/>
+              </a:ext>
+            </a:extLst>
+          </p:cNvPr>
+          <p:cNvSpPr/>
+          <p:nvPr/>
+        </p:nvSpPr>
+        <p:spPr>
+          <a:xfrm>
+            <a:off x="7943871" y="2192803"/>
+            <a:ext cx="483577" cy="461665"/>
+          </a:xfrm>
+          <a:prstGeom prst="rect">
+            <a:avLst/>
+          </a:prstGeom>
+          <a:solidFill>
+            <a:schemeClr val="accent6">
+              <a:lumMod val="60000"/>
+              <a:lumOff val="40000"/>
+            </a:schemeClr>
+          </a:solidFill>
+        </p:spPr>
+        <p:style>
+          <a:lnRef idx="2">
+            <a:schemeClr val="accent1">
+              <a:shade val="50000"/>
+            </a:schemeClr>
+          </a:lnRef>
+          <a:fillRef idx="1">
+            <a:schemeClr val="accent1"/>
+          </a:fillRef>
+          <a:effectRef idx="0">
+            <a:schemeClr val="accent1"/>
+          </a:effectRef>
+          <a:fontRef idx="minor">
+            <a:schemeClr val="lt1"/>
+          </a:fontRef>
+        </p:style>
+        <p:txBody>
+          <a:bodyPr rtlCol="0" anchor="ctr"/>
+          <a:lstStyle/>
+          <a:p>
+            <a:pPr algn="ctr"/>
+            <a:r>
+              <a:rPr lang="en-GB" dirty="0"/>
+              <a:t>v1</a:t>
+            </a:r>
+          </a:p>
+        </p:txBody>
+      </p:sp>
+      <p:sp>
+        <p:nvSpPr>
+          <p:cNvPr id="223" name="Rectangle 222">
+            <a:extLst>
+              <a:ext uri="{FF2B5EF4-FFF2-40B4-BE49-F238E27FC236}">
+                <a16:creationId xmlns:a16="http://schemas.microsoft.com/office/drawing/2014/main" id="{30D57FF5-B1BB-469B-9809-585B8D97BEC8}"/>
+              </a:ext>
+            </a:extLst>
+          </p:cNvPr>
+          <p:cNvSpPr/>
+          <p:nvPr/>
+        </p:nvSpPr>
+        <p:spPr>
+          <a:xfrm>
+            <a:off x="8454299" y="2192803"/>
+            <a:ext cx="483577" cy="461665"/>
+          </a:xfrm>
+          <a:prstGeom prst="rect">
+            <a:avLst/>
+          </a:prstGeom>
+          <a:solidFill>
+            <a:schemeClr val="accent6">
+              <a:lumMod val="60000"/>
+              <a:lumOff val="40000"/>
+            </a:schemeClr>
+          </a:solidFill>
+        </p:spPr>
+        <p:style>
+          <a:lnRef idx="2">
+            <a:schemeClr val="accent1">
+              <a:shade val="50000"/>
+            </a:schemeClr>
+          </a:lnRef>
+          <a:fillRef idx="1">
+            <a:schemeClr val="accent1"/>
+          </a:fillRef>
+          <a:effectRef idx="0">
+            <a:schemeClr val="accent1"/>
+          </a:effectRef>
+          <a:fontRef idx="minor">
+            <a:schemeClr val="lt1"/>
+          </a:fontRef>
+        </p:style>
+        <p:txBody>
+          <a:bodyPr rtlCol="0" anchor="ctr"/>
+          <a:lstStyle/>
+          <a:p>
+            <a:pPr algn="ctr"/>
+            <a:r>
+              <a:rPr lang="en-GB" dirty="0"/>
+              <a:t>v2</a:t>
+            </a:r>
+          </a:p>
+        </p:txBody>
+      </p:sp>
+      <p:sp>
+        <p:nvSpPr>
+          <p:cNvPr id="224" name="Rectangle 223">
+            <a:extLst>
+              <a:ext uri="{FF2B5EF4-FFF2-40B4-BE49-F238E27FC236}">
+                <a16:creationId xmlns:a16="http://schemas.microsoft.com/office/drawing/2014/main" id="{D604A4B7-EE28-41D8-8115-3F39F279AE39}"/>
+              </a:ext>
+            </a:extLst>
+          </p:cNvPr>
+          <p:cNvSpPr/>
+          <p:nvPr/>
+        </p:nvSpPr>
+        <p:spPr>
+          <a:xfrm>
+            <a:off x="8964727" y="2192803"/>
+            <a:ext cx="483577" cy="461665"/>
+          </a:xfrm>
+          <a:prstGeom prst="rect">
+            <a:avLst/>
+          </a:prstGeom>
+          <a:solidFill>
+            <a:schemeClr val="accent6">
+              <a:lumMod val="60000"/>
+              <a:lumOff val="40000"/>
+            </a:schemeClr>
+          </a:solidFill>
+        </p:spPr>
+        <p:style>
+          <a:lnRef idx="2">
+            <a:schemeClr val="accent1">
+              <a:shade val="50000"/>
+            </a:schemeClr>
+          </a:lnRef>
+          <a:fillRef idx="1">
+            <a:schemeClr val="accent1"/>
+          </a:fillRef>
+          <a:effectRef idx="0">
+            <a:schemeClr val="accent1"/>
+          </a:effectRef>
+          <a:fontRef idx="minor">
+            <a:schemeClr val="lt1"/>
+          </a:fontRef>
+        </p:style>
+        <p:txBody>
+          <a:bodyPr rtlCol="0" anchor="ctr"/>
+          <a:lstStyle/>
+          <a:p>
+            <a:pPr algn="ctr"/>
+            <a:r>
+              <a:rPr lang="en-GB" dirty="0"/>
+              <a:t>v2</a:t>
+            </a:r>
+          </a:p>
+        </p:txBody>
+      </p:sp>
+      <p:sp>
+        <p:nvSpPr>
+          <p:cNvPr id="225" name="Rectangle 224">
+            <a:extLst>
+              <a:ext uri="{FF2B5EF4-FFF2-40B4-BE49-F238E27FC236}">
+                <a16:creationId xmlns:a16="http://schemas.microsoft.com/office/drawing/2014/main" id="{F7BB2C4F-DC28-4A50-94BE-F228089356A7}"/>
+              </a:ext>
+            </a:extLst>
+          </p:cNvPr>
+          <p:cNvSpPr/>
+          <p:nvPr/>
+        </p:nvSpPr>
+        <p:spPr>
+          <a:xfrm>
+            <a:off x="9475155" y="2192803"/>
+            <a:ext cx="483577" cy="461665"/>
+          </a:xfrm>
+          <a:prstGeom prst="rect">
+            <a:avLst/>
+          </a:prstGeom>
+          <a:solidFill>
+            <a:schemeClr val="accent6">
+              <a:lumMod val="60000"/>
+              <a:lumOff val="40000"/>
+            </a:schemeClr>
+          </a:solidFill>
+        </p:spPr>
+        <p:style>
+          <a:lnRef idx="2">
+            <a:schemeClr val="accent1">
+              <a:shade val="50000"/>
+            </a:schemeClr>
+          </a:lnRef>
+          <a:fillRef idx="1">
+            <a:schemeClr val="accent1"/>
+          </a:fillRef>
+          <a:effectRef idx="0">
+            <a:schemeClr val="accent1"/>
+          </a:effectRef>
+          <a:fontRef idx="minor">
+            <a:schemeClr val="lt1"/>
+          </a:fontRef>
+        </p:style>
+        <p:txBody>
+          <a:bodyPr rtlCol="0" anchor="ctr"/>
+          <a:lstStyle/>
+          <a:p>
+            <a:pPr algn="ctr"/>
+            <a:r>
+              <a:rPr lang="en-GB" dirty="0"/>
+              <a:t>v2</a:t>
+            </a:r>
+          </a:p>
+        </p:txBody>
+      </p:sp>
+      <p:sp>
+        <p:nvSpPr>
+          <p:cNvPr id="226" name="Rectangle 225">
+            <a:extLst>
+              <a:ext uri="{FF2B5EF4-FFF2-40B4-BE49-F238E27FC236}">
+                <a16:creationId xmlns:a16="http://schemas.microsoft.com/office/drawing/2014/main" id="{97B2E77A-4E12-4EEA-9207-102D7C0F26B0}"/>
+              </a:ext>
+            </a:extLst>
+          </p:cNvPr>
+          <p:cNvSpPr/>
+          <p:nvPr/>
+        </p:nvSpPr>
+        <p:spPr>
+          <a:xfrm>
+            <a:off x="9985583" y="2192803"/>
+            <a:ext cx="483577" cy="461665"/>
+          </a:xfrm>
+          <a:prstGeom prst="rect">
+            <a:avLst/>
+          </a:prstGeom>
+          <a:solidFill>
+            <a:schemeClr val="accent6">
+              <a:lumMod val="60000"/>
+              <a:lumOff val="40000"/>
+            </a:schemeClr>
+          </a:solidFill>
+        </p:spPr>
+        <p:style>
+          <a:lnRef idx="2">
+            <a:schemeClr val="accent1">
+              <a:shade val="50000"/>
+            </a:schemeClr>
+          </a:lnRef>
+          <a:fillRef idx="1">
+            <a:schemeClr val="accent1"/>
+          </a:fillRef>
+          <a:effectRef idx="0">
+            <a:schemeClr val="accent1"/>
+          </a:effectRef>
+          <a:fontRef idx="minor">
+            <a:schemeClr val="lt1"/>
+          </a:fontRef>
+        </p:style>
+        <p:txBody>
+          <a:bodyPr rtlCol="0" anchor="ctr"/>
+          <a:lstStyle/>
+          <a:p>
+            <a:pPr algn="ctr"/>
+            <a:r>
+              <a:rPr lang="en-GB" dirty="0"/>
+              <a:t>v3</a:t>
+            </a:r>
+          </a:p>
+        </p:txBody>
+      </p:sp>
+      <p:sp>
+        <p:nvSpPr>
+          <p:cNvPr id="227" name="Rectangle 226">
+            <a:extLst>
+              <a:ext uri="{FF2B5EF4-FFF2-40B4-BE49-F238E27FC236}">
+                <a16:creationId xmlns:a16="http://schemas.microsoft.com/office/drawing/2014/main" id="{8F0DE4D7-E72B-440D-85B7-E4FEE6E8C308}"/>
+              </a:ext>
+            </a:extLst>
+          </p:cNvPr>
+          <p:cNvSpPr/>
+          <p:nvPr/>
+        </p:nvSpPr>
+        <p:spPr>
+          <a:xfrm>
+            <a:off x="10496011" y="2192803"/>
+            <a:ext cx="483577" cy="461665"/>
+          </a:xfrm>
+          <a:prstGeom prst="rect">
+            <a:avLst/>
+          </a:prstGeom>
+          <a:solidFill>
+            <a:schemeClr val="accent6">
+              <a:lumMod val="60000"/>
+              <a:lumOff val="40000"/>
+            </a:schemeClr>
+          </a:solidFill>
+        </p:spPr>
+        <p:style>
+          <a:lnRef idx="2">
+            <a:schemeClr val="accent1">
+              <a:shade val="50000"/>
+            </a:schemeClr>
+          </a:lnRef>
+          <a:fillRef idx="1">
+            <a:schemeClr val="accent1"/>
+          </a:fillRef>
+          <a:effectRef idx="0">
+            <a:schemeClr val="accent1"/>
+          </a:effectRef>
+          <a:fontRef idx="minor">
+            <a:schemeClr val="lt1"/>
+          </a:fontRef>
+        </p:style>
+        <p:txBody>
+          <a:bodyPr rtlCol="0" anchor="ctr"/>
+          <a:lstStyle/>
+          <a:p>
+            <a:pPr algn="ctr"/>
+            <a:r>
+              <a:rPr lang="en-GB" dirty="0"/>
+              <a:t>v3</a:t>
+            </a:r>
+          </a:p>
+        </p:txBody>
+      </p:sp>
+      <p:sp>
+        <p:nvSpPr>
+          <p:cNvPr id="228" name="Rectangle 227">
+            <a:extLst>
+              <a:ext uri="{FF2B5EF4-FFF2-40B4-BE49-F238E27FC236}">
+                <a16:creationId xmlns:a16="http://schemas.microsoft.com/office/drawing/2014/main" id="{526F6894-7726-4755-B407-4A0DD049F39B}"/>
+              </a:ext>
+            </a:extLst>
+          </p:cNvPr>
+          <p:cNvSpPr/>
+          <p:nvPr/>
+        </p:nvSpPr>
+        <p:spPr>
+          <a:xfrm>
+            <a:off x="11006439" y="2192803"/>
+            <a:ext cx="483577" cy="461665"/>
+          </a:xfrm>
+          <a:prstGeom prst="rect">
+            <a:avLst/>
+          </a:prstGeom>
+          <a:solidFill>
+            <a:schemeClr val="accent6">
+              <a:lumMod val="60000"/>
+              <a:lumOff val="40000"/>
+            </a:schemeClr>
+          </a:solidFill>
+        </p:spPr>
+        <p:style>
+          <a:lnRef idx="2">
+            <a:schemeClr val="accent1">
+              <a:shade val="50000"/>
+            </a:schemeClr>
+          </a:lnRef>
+          <a:fillRef idx="1">
+            <a:schemeClr val="accent1"/>
+          </a:fillRef>
+          <a:effectRef idx="0">
+            <a:schemeClr val="accent1"/>
+          </a:effectRef>
+          <a:fontRef idx="minor">
+            <a:schemeClr val="lt1"/>
+          </a:fontRef>
+        </p:style>
+        <p:txBody>
+          <a:bodyPr rtlCol="0" anchor="ctr"/>
+          <a:lstStyle/>
+          <a:p>
+            <a:pPr algn="ctr"/>
+            <a:endParaRPr lang="en-GB"/>
+          </a:p>
+        </p:txBody>
+      </p:sp>
+      <p:sp>
+        <p:nvSpPr>
+          <p:cNvPr id="229" name="Rectangle 228">
+            <a:extLst>
+              <a:ext uri="{FF2B5EF4-FFF2-40B4-BE49-F238E27FC236}">
+                <a16:creationId xmlns:a16="http://schemas.microsoft.com/office/drawing/2014/main" id="{F6476AE3-B54B-46AB-BB40-3BA878F3E03B}"/>
+              </a:ext>
+            </a:extLst>
+          </p:cNvPr>
+          <p:cNvSpPr/>
+          <p:nvPr/>
+        </p:nvSpPr>
+        <p:spPr>
+          <a:xfrm>
+            <a:off x="6426012" y="5079776"/>
+            <a:ext cx="483577" cy="461665"/>
+          </a:xfrm>
+          <a:prstGeom prst="rect">
+            <a:avLst/>
+          </a:prstGeom>
+          <a:solidFill>
+            <a:srgbClr val="FFC000"/>
+          </a:solidFill>
+        </p:spPr>
+        <p:style>
+          <a:lnRef idx="2">
+            <a:schemeClr val="accent1">
+              <a:shade val="50000"/>
+            </a:schemeClr>
+          </a:lnRef>
+          <a:fillRef idx="1">
+            <a:schemeClr val="accent1"/>
+          </a:fillRef>
+          <a:effectRef idx="0">
+            <a:schemeClr val="accent1"/>
+          </a:effectRef>
+          <a:fontRef idx="minor">
+            <a:schemeClr val="lt1"/>
+          </a:fontRef>
+        </p:style>
+        <p:txBody>
+          <a:bodyPr rtlCol="0" anchor="ctr"/>
+          <a:lstStyle/>
+          <a:p>
+            <a:pPr algn="ctr"/>
+            <a:endParaRPr lang="en-GB" dirty="0"/>
+          </a:p>
+        </p:txBody>
+      </p:sp>
+      <p:sp>
+        <p:nvSpPr>
+          <p:cNvPr id="230" name="Rectangle 229">
+            <a:extLst>
+              <a:ext uri="{FF2B5EF4-FFF2-40B4-BE49-F238E27FC236}">
+                <a16:creationId xmlns:a16="http://schemas.microsoft.com/office/drawing/2014/main" id="{8171F00E-39F2-46E8-8521-F2D625937EFE}"/>
+              </a:ext>
+            </a:extLst>
+          </p:cNvPr>
+          <p:cNvSpPr/>
+          <p:nvPr/>
+        </p:nvSpPr>
+        <p:spPr>
+          <a:xfrm>
+            <a:off x="6936440" y="5079776"/>
+            <a:ext cx="483577" cy="461665"/>
+          </a:xfrm>
+          <a:prstGeom prst="rect">
+            <a:avLst/>
+          </a:prstGeom>
+          <a:solidFill>
+            <a:srgbClr val="FFC000"/>
+          </a:solidFill>
+        </p:spPr>
+        <p:style>
+          <a:lnRef idx="2">
+            <a:schemeClr val="accent1">
+              <a:shade val="50000"/>
+            </a:schemeClr>
+          </a:lnRef>
+          <a:fillRef idx="1">
+            <a:schemeClr val="accent1"/>
+          </a:fillRef>
+          <a:effectRef idx="0">
+            <a:schemeClr val="accent1"/>
+          </a:effectRef>
+          <a:fontRef idx="minor">
+            <a:schemeClr val="lt1"/>
+          </a:fontRef>
+        </p:style>
+        <p:txBody>
+          <a:bodyPr rtlCol="0" anchor="ctr"/>
+          <a:lstStyle/>
+          <a:p>
+            <a:pPr algn="ctr"/>
+            <a:endParaRPr lang="en-GB" dirty="0"/>
+          </a:p>
+        </p:txBody>
+      </p:sp>
+      <p:sp>
+        <p:nvSpPr>
+          <p:cNvPr id="231" name="Rectangle 230">
+            <a:extLst>
+              <a:ext uri="{FF2B5EF4-FFF2-40B4-BE49-F238E27FC236}">
+                <a16:creationId xmlns:a16="http://schemas.microsoft.com/office/drawing/2014/main" id="{0BD7EC86-31A8-42B7-B36D-0E694AFC432E}"/>
+              </a:ext>
+            </a:extLst>
+          </p:cNvPr>
+          <p:cNvSpPr/>
+          <p:nvPr/>
+        </p:nvSpPr>
+        <p:spPr>
+          <a:xfrm>
+            <a:off x="7446868" y="5079776"/>
+            <a:ext cx="483577" cy="461665"/>
+          </a:xfrm>
+          <a:prstGeom prst="rect">
+            <a:avLst/>
+          </a:prstGeom>
+          <a:solidFill>
+            <a:srgbClr val="FFC000"/>
+          </a:solidFill>
+        </p:spPr>
+        <p:style>
+          <a:lnRef idx="2">
+            <a:schemeClr val="accent1">
+              <a:shade val="50000"/>
+            </a:schemeClr>
+          </a:lnRef>
+          <a:fillRef idx="1">
+            <a:schemeClr val="accent1"/>
+          </a:fillRef>
+          <a:effectRef idx="0">
+            <a:schemeClr val="accent1"/>
+          </a:effectRef>
+          <a:fontRef idx="minor">
+            <a:schemeClr val="lt1"/>
+          </a:fontRef>
+        </p:style>
+        <p:txBody>
+          <a:bodyPr rtlCol="0" anchor="ctr"/>
+          <a:lstStyle/>
+          <a:p>
+            <a:pPr algn="ctr"/>
+            <a:endParaRPr lang="en-GB" dirty="0"/>
+          </a:p>
+        </p:txBody>
+      </p:sp>
+      <p:sp>
+        <p:nvSpPr>
+          <p:cNvPr id="232" name="Rectangle 231">
+            <a:extLst>
+              <a:ext uri="{FF2B5EF4-FFF2-40B4-BE49-F238E27FC236}">
+                <a16:creationId xmlns:a16="http://schemas.microsoft.com/office/drawing/2014/main" id="{7E57E50B-1770-4694-9361-F9A009BED5F6}"/>
+              </a:ext>
+            </a:extLst>
+          </p:cNvPr>
+          <p:cNvSpPr/>
+          <p:nvPr/>
+        </p:nvSpPr>
+        <p:spPr>
+          <a:xfrm>
+            <a:off x="7957296" y="5079776"/>
+            <a:ext cx="483577" cy="461665"/>
+          </a:xfrm>
+          <a:prstGeom prst="rect">
+            <a:avLst/>
+          </a:prstGeom>
+          <a:solidFill>
+            <a:srgbClr val="FFC000"/>
+          </a:solidFill>
+        </p:spPr>
+        <p:style>
+          <a:lnRef idx="2">
+            <a:schemeClr val="accent1">
+              <a:shade val="50000"/>
+            </a:schemeClr>
+          </a:lnRef>
+          <a:fillRef idx="1">
+            <a:schemeClr val="accent1"/>
+          </a:fillRef>
+          <a:effectRef idx="0">
+            <a:schemeClr val="accent1"/>
+          </a:effectRef>
+          <a:fontRef idx="minor">
+            <a:schemeClr val="lt1"/>
+          </a:fontRef>
+        </p:style>
+        <p:txBody>
+          <a:bodyPr rtlCol="0" anchor="ctr"/>
+          <a:lstStyle/>
+          <a:p>
+            <a:pPr algn="ctr"/>
+            <a:endParaRPr lang="en-GB" dirty="0"/>
+          </a:p>
+        </p:txBody>
+      </p:sp>
+      <p:sp>
+        <p:nvSpPr>
+          <p:cNvPr id="233" name="Rectangle 232">
+            <a:extLst>
+              <a:ext uri="{FF2B5EF4-FFF2-40B4-BE49-F238E27FC236}">
+                <a16:creationId xmlns:a16="http://schemas.microsoft.com/office/drawing/2014/main" id="{17218AAF-0C3F-4BF0-8175-8F20F013AC5E}"/>
+              </a:ext>
+            </a:extLst>
+          </p:cNvPr>
+          <p:cNvSpPr/>
+          <p:nvPr/>
+        </p:nvSpPr>
+        <p:spPr>
+          <a:xfrm>
+            <a:off x="8467724" y="5079776"/>
+            <a:ext cx="483577" cy="461665"/>
+          </a:xfrm>
+          <a:prstGeom prst="rect">
+            <a:avLst/>
+          </a:prstGeom>
+          <a:solidFill>
+            <a:srgbClr val="FFC000"/>
+          </a:solidFill>
+        </p:spPr>
+        <p:style>
+          <a:lnRef idx="2">
+            <a:schemeClr val="accent1">
+              <a:shade val="50000"/>
+            </a:schemeClr>
+          </a:lnRef>
+          <a:fillRef idx="1">
+            <a:schemeClr val="accent1"/>
+          </a:fillRef>
+          <a:effectRef idx="0">
+            <a:schemeClr val="accent1"/>
+          </a:effectRef>
+          <a:fontRef idx="minor">
+            <a:schemeClr val="lt1"/>
+          </a:fontRef>
+        </p:style>
+        <p:txBody>
+          <a:bodyPr rtlCol="0" anchor="ctr"/>
+          <a:lstStyle/>
+          <a:p>
+            <a:pPr algn="ctr"/>
+            <a:endParaRPr lang="en-GB" dirty="0"/>
+          </a:p>
+        </p:txBody>
+      </p:sp>
+      <p:sp>
+        <p:nvSpPr>
+          <p:cNvPr id="234" name="Rectangle 233">
+            <a:extLst>
+              <a:ext uri="{FF2B5EF4-FFF2-40B4-BE49-F238E27FC236}">
+                <a16:creationId xmlns:a16="http://schemas.microsoft.com/office/drawing/2014/main" id="{27EB5D15-DE7F-4D7A-B506-974ABDA668C5}"/>
+              </a:ext>
+            </a:extLst>
+          </p:cNvPr>
+          <p:cNvSpPr/>
+          <p:nvPr/>
+        </p:nvSpPr>
+        <p:spPr>
+          <a:xfrm>
+            <a:off x="8978152" y="5079776"/>
+            <a:ext cx="483577" cy="461665"/>
+          </a:xfrm>
+          <a:prstGeom prst="rect">
+            <a:avLst/>
+          </a:prstGeom>
+          <a:solidFill>
+            <a:srgbClr val="FFC000"/>
+          </a:solidFill>
+        </p:spPr>
+        <p:style>
+          <a:lnRef idx="2">
+            <a:schemeClr val="accent1">
+              <a:shade val="50000"/>
+            </a:schemeClr>
+          </a:lnRef>
+          <a:fillRef idx="1">
+            <a:schemeClr val="accent1"/>
+          </a:fillRef>
+          <a:effectRef idx="0">
+            <a:schemeClr val="accent1"/>
+          </a:effectRef>
+          <a:fontRef idx="minor">
+            <a:schemeClr val="lt1"/>
+          </a:fontRef>
+        </p:style>
+        <p:txBody>
+          <a:bodyPr rtlCol="0" anchor="ctr"/>
+          <a:lstStyle/>
+          <a:p>
+            <a:pPr algn="ctr"/>
+            <a:endParaRPr lang="en-GB" dirty="0"/>
+          </a:p>
+        </p:txBody>
+      </p:sp>
+      <p:sp>
+        <p:nvSpPr>
+          <p:cNvPr id="235" name="Rectangle 234">
+            <a:extLst>
+              <a:ext uri="{FF2B5EF4-FFF2-40B4-BE49-F238E27FC236}">
+                <a16:creationId xmlns:a16="http://schemas.microsoft.com/office/drawing/2014/main" id="{1225D82F-6412-465E-9787-FB6DD676967D}"/>
+              </a:ext>
+            </a:extLst>
+          </p:cNvPr>
+          <p:cNvSpPr/>
+          <p:nvPr/>
+        </p:nvSpPr>
+        <p:spPr>
+          <a:xfrm>
+            <a:off x="9488580" y="5079776"/>
+            <a:ext cx="483577" cy="461665"/>
+          </a:xfrm>
+          <a:prstGeom prst="rect">
+            <a:avLst/>
+          </a:prstGeom>
+          <a:solidFill>
+            <a:srgbClr val="FFC000"/>
+          </a:solidFill>
+        </p:spPr>
+        <p:style>
+          <a:lnRef idx="2">
+            <a:schemeClr val="accent1">
+              <a:shade val="50000"/>
+            </a:schemeClr>
+          </a:lnRef>
+          <a:fillRef idx="1">
+            <a:schemeClr val="accent1"/>
+          </a:fillRef>
+          <a:effectRef idx="0">
+            <a:schemeClr val="accent1"/>
+          </a:effectRef>
+          <a:fontRef idx="minor">
+            <a:schemeClr val="lt1"/>
+          </a:fontRef>
+        </p:style>
+        <p:txBody>
+          <a:bodyPr rtlCol="0" anchor="ctr"/>
+          <a:lstStyle/>
+          <a:p>
+            <a:pPr algn="ctr"/>
+            <a:endParaRPr lang="en-GB" dirty="0"/>
+          </a:p>
+        </p:txBody>
+      </p:sp>
+      <p:sp>
+        <p:nvSpPr>
+          <p:cNvPr id="236" name="Rectangle 235">
+            <a:extLst>
+              <a:ext uri="{FF2B5EF4-FFF2-40B4-BE49-F238E27FC236}">
+                <a16:creationId xmlns:a16="http://schemas.microsoft.com/office/drawing/2014/main" id="{6A587031-738E-4914-92FF-EECBC882F700}"/>
+              </a:ext>
+            </a:extLst>
+          </p:cNvPr>
+          <p:cNvSpPr/>
+          <p:nvPr/>
+        </p:nvSpPr>
+        <p:spPr>
+          <a:xfrm>
+            <a:off x="9999008" y="5079776"/>
+            <a:ext cx="483577" cy="461665"/>
+          </a:xfrm>
+          <a:prstGeom prst="rect">
+            <a:avLst/>
+          </a:prstGeom>
+          <a:solidFill>
+            <a:srgbClr val="FFC000"/>
+          </a:solidFill>
+        </p:spPr>
+        <p:style>
+          <a:lnRef idx="2">
+            <a:schemeClr val="accent1">
+              <a:shade val="50000"/>
+            </a:schemeClr>
+          </a:lnRef>
+          <a:fillRef idx="1">
+            <a:schemeClr val="accent1"/>
+          </a:fillRef>
+          <a:effectRef idx="0">
+            <a:schemeClr val="accent1"/>
+          </a:effectRef>
+          <a:fontRef idx="minor">
+            <a:schemeClr val="lt1"/>
+          </a:fontRef>
+        </p:style>
+        <p:txBody>
+          <a:bodyPr rtlCol="0" anchor="ctr"/>
+          <a:lstStyle/>
+          <a:p>
+            <a:pPr algn="ctr"/>
+            <a:endParaRPr lang="en-GB" dirty="0"/>
+          </a:p>
+        </p:txBody>
+      </p:sp>
+      <p:sp>
+        <p:nvSpPr>
+          <p:cNvPr id="237" name="Rectangle 236">
+            <a:extLst>
+              <a:ext uri="{FF2B5EF4-FFF2-40B4-BE49-F238E27FC236}">
+                <a16:creationId xmlns:a16="http://schemas.microsoft.com/office/drawing/2014/main" id="{6CE5C69A-6FF8-44AA-A846-874C0EE610C0}"/>
+              </a:ext>
+            </a:extLst>
+          </p:cNvPr>
+          <p:cNvSpPr/>
+          <p:nvPr/>
+        </p:nvSpPr>
+        <p:spPr>
+          <a:xfrm>
+            <a:off x="10509436" y="5079776"/>
+            <a:ext cx="483577" cy="461665"/>
+          </a:xfrm>
+          <a:prstGeom prst="rect">
+            <a:avLst/>
+          </a:prstGeom>
+          <a:solidFill>
+            <a:srgbClr val="FFC000"/>
+          </a:solidFill>
+        </p:spPr>
+        <p:style>
+          <a:lnRef idx="2">
+            <a:schemeClr val="accent1">
+              <a:shade val="50000"/>
+            </a:schemeClr>
+          </a:lnRef>
+          <a:fillRef idx="1">
+            <a:schemeClr val="accent1"/>
+          </a:fillRef>
+          <a:effectRef idx="0">
+            <a:schemeClr val="accent1"/>
+          </a:effectRef>
+          <a:fontRef idx="minor">
+            <a:schemeClr val="lt1"/>
+          </a:fontRef>
+        </p:style>
+        <p:txBody>
+          <a:bodyPr rtlCol="0" anchor="ctr"/>
+          <a:lstStyle/>
+          <a:p>
+            <a:pPr algn="ctr"/>
+            <a:endParaRPr lang="en-GB" dirty="0"/>
+          </a:p>
+        </p:txBody>
+      </p:sp>
+      <p:sp>
+        <p:nvSpPr>
+          <p:cNvPr id="238" name="Rectangle 237">
+            <a:extLst>
+              <a:ext uri="{FF2B5EF4-FFF2-40B4-BE49-F238E27FC236}">
+                <a16:creationId xmlns:a16="http://schemas.microsoft.com/office/drawing/2014/main" id="{EE55B2E4-6E57-4189-8A2B-D65C67A74FD8}"/>
+              </a:ext>
+            </a:extLst>
+          </p:cNvPr>
+          <p:cNvSpPr/>
+          <p:nvPr/>
+        </p:nvSpPr>
+        <p:spPr>
+          <a:xfrm>
+            <a:off x="11019864" y="5079776"/>
+            <a:ext cx="483577" cy="461665"/>
+          </a:xfrm>
+          <a:prstGeom prst="rect">
+            <a:avLst/>
+          </a:prstGeom>
+          <a:solidFill>
+            <a:srgbClr val="FFC000"/>
+          </a:solidFill>
+        </p:spPr>
+        <p:style>
+          <a:lnRef idx="2">
+            <a:schemeClr val="accent1">
+              <a:shade val="50000"/>
+            </a:schemeClr>
+          </a:lnRef>
+          <a:fillRef idx="1">
+            <a:schemeClr val="accent1"/>
+          </a:fillRef>
+          <a:effectRef idx="0">
+            <a:schemeClr val="accent1"/>
+          </a:effectRef>
+          <a:fontRef idx="minor">
+            <a:schemeClr val="lt1"/>
+          </a:fontRef>
+        </p:style>
+        <p:txBody>
+          <a:bodyPr rtlCol="0" anchor="ctr"/>
+          <a:lstStyle/>
+          <a:p>
+            <a:pPr algn="ctr"/>
+            <a:endParaRPr lang="en-GB"/>
+          </a:p>
+        </p:txBody>
+      </p:sp>
+      <p:cxnSp>
+        <p:nvCxnSpPr>
+          <p:cNvPr id="3" name="Straight Connector 2">
+            <a:extLst>
+              <a:ext uri="{FF2B5EF4-FFF2-40B4-BE49-F238E27FC236}">
+                <a16:creationId xmlns:a16="http://schemas.microsoft.com/office/drawing/2014/main" id="{C4980317-3C1E-4B2B-9C8C-6DA1648F6AD6}"/>
+              </a:ext>
+            </a:extLst>
+          </p:cNvPr>
+          <p:cNvCxnSpPr>
+            <a:cxnSpLocks/>
+          </p:cNvCxnSpPr>
+          <p:nvPr/>
+        </p:nvCxnSpPr>
+        <p:spPr>
+          <a:xfrm>
+            <a:off x="8954894" y="1934218"/>
+            <a:ext cx="0" cy="1561368"/>
+          </a:xfrm>
+          <a:prstGeom prst="line">
+            <a:avLst/>
+          </a:prstGeom>
+          <a:ln w="19050"/>
+        </p:spPr>
+        <p:style>
+          <a:lnRef idx="1">
+            <a:schemeClr val="accent1"/>
+          </a:lnRef>
+          <a:fillRef idx="0">
+            <a:schemeClr val="accent1"/>
+          </a:fillRef>
+          <a:effectRef idx="0">
+            <a:schemeClr val="accent1"/>
+          </a:effectRef>
+          <a:fontRef idx="minor">
+            <a:schemeClr val="tx1"/>
+          </a:fontRef>
+        </p:style>
+      </p:cxnSp>
+      <p:sp>
+        <p:nvSpPr>
+          <p:cNvPr id="81" name="Arrow: Down 80">
+            <a:extLst>
+              <a:ext uri="{FF2B5EF4-FFF2-40B4-BE49-F238E27FC236}">
+                <a16:creationId xmlns:a16="http://schemas.microsoft.com/office/drawing/2014/main" id="{466F5154-B160-4ADE-B3AC-E6D72C341A05}"/>
+              </a:ext>
+            </a:extLst>
+          </p:cNvPr>
+          <p:cNvSpPr/>
+          <p:nvPr/>
+        </p:nvSpPr>
+        <p:spPr>
+          <a:xfrm>
+            <a:off x="7440157" y="3261640"/>
+            <a:ext cx="483577" cy="461665"/>
+          </a:xfrm>
+          <a:prstGeom prst="downArrow">
+            <a:avLst/>
+          </a:prstGeom>
+          <a:solidFill>
+            <a:srgbClr val="FF0000"/>
+          </a:solidFill>
+        </p:spPr>
+        <p:style>
+          <a:lnRef idx="2">
+            <a:schemeClr val="accent1">
+              <a:shade val="50000"/>
+            </a:schemeClr>
+          </a:lnRef>
+          <a:fillRef idx="1">
+            <a:schemeClr val="accent1"/>
+          </a:fillRef>
+          <a:effectRef idx="0">
+            <a:schemeClr val="accent1"/>
+          </a:effectRef>
+          <a:fontRef idx="minor">
+            <a:schemeClr val="lt1"/>
+          </a:fontRef>
+        </p:style>
+        <p:txBody>
+          <a:bodyPr rtlCol="0" anchor="ctr"/>
+          <a:lstStyle/>
+          <a:p>
+            <a:pPr algn="ctr"/>
+            <a:endParaRPr lang="en-GB"/>
+          </a:p>
+        </p:txBody>
+      </p:sp>
+      <p:sp>
+        <p:nvSpPr>
+          <p:cNvPr id="82" name="Rectangle: Rounded Corners 81">
+            <a:extLst>
+              <a:ext uri="{FF2B5EF4-FFF2-40B4-BE49-F238E27FC236}">
+                <a16:creationId xmlns:a16="http://schemas.microsoft.com/office/drawing/2014/main" id="{F645188C-1E15-4F23-B708-05061677FEDD}"/>
+              </a:ext>
+            </a:extLst>
+          </p:cNvPr>
+          <p:cNvSpPr/>
+          <p:nvPr/>
+        </p:nvSpPr>
+        <p:spPr>
+          <a:xfrm>
+            <a:off x="8978152" y="3840373"/>
+            <a:ext cx="2511864" cy="537882"/>
+          </a:xfrm>
+          <a:prstGeom prst="roundRect">
+            <a:avLst/>
+          </a:prstGeom>
+        </p:spPr>
+        <p:style>
+          <a:lnRef idx="2">
+            <a:schemeClr val="accent1">
+              <a:shade val="50000"/>
+            </a:schemeClr>
+          </a:lnRef>
+          <a:fillRef idx="1">
+            <a:schemeClr val="accent1"/>
+          </a:fillRef>
+          <a:effectRef idx="0">
+            <a:schemeClr val="accent1"/>
+          </a:effectRef>
+          <a:fontRef idx="minor">
+            <a:schemeClr val="lt1"/>
+          </a:fontRef>
+        </p:style>
+        <p:txBody>
+          <a:bodyPr rtlCol="0" anchor="ctr"/>
+          <a:lstStyle/>
+          <a:p>
+            <a:pPr algn="ctr"/>
+            <a:r>
+              <a:rPr lang="en-GB" dirty="0"/>
+              <a:t>Parallel execution</a:t>
+            </a:r>
+          </a:p>
+          <a:p>
+            <a:pPr algn="ctr"/>
+            <a:r>
+              <a:rPr lang="en-GB" dirty="0"/>
+              <a:t>process P2</a:t>
+            </a:r>
+          </a:p>
+        </p:txBody>
+      </p:sp>
+      <p:sp>
+        <p:nvSpPr>
+          <p:cNvPr id="83" name="Rectangle 82">
+            <a:extLst>
+              <a:ext uri="{FF2B5EF4-FFF2-40B4-BE49-F238E27FC236}">
+                <a16:creationId xmlns:a16="http://schemas.microsoft.com/office/drawing/2014/main" id="{A09AEB02-0145-4F51-ABD3-E20AB6CC3B68}"/>
+              </a:ext>
+            </a:extLst>
+          </p:cNvPr>
+          <p:cNvSpPr/>
+          <p:nvPr/>
+        </p:nvSpPr>
+        <p:spPr>
+          <a:xfrm>
+            <a:off x="2289450" y="1534327"/>
+            <a:ext cx="483577" cy="461665"/>
+          </a:xfrm>
+          <a:prstGeom prst="rect">
+            <a:avLst/>
+          </a:prstGeom>
+          <a:solidFill>
+            <a:schemeClr val="accent6">
+              <a:lumMod val="60000"/>
+              <a:lumOff val="40000"/>
+            </a:schemeClr>
+          </a:solidFill>
+        </p:spPr>
+        <p:style>
+          <a:lnRef idx="2">
+            <a:schemeClr val="accent1">
+              <a:shade val="50000"/>
+            </a:schemeClr>
+          </a:lnRef>
+          <a:fillRef idx="1">
+            <a:schemeClr val="accent1"/>
+          </a:fillRef>
+          <a:effectRef idx="0">
+            <a:schemeClr val="accent1"/>
+          </a:effectRef>
+          <a:fontRef idx="minor">
+            <a:schemeClr val="lt1"/>
+          </a:fontRef>
+        </p:style>
+        <p:txBody>
+          <a:bodyPr rtlCol="0" anchor="ctr"/>
+          <a:lstStyle/>
+          <a:p>
+            <a:pPr algn="ctr"/>
+            <a:r>
+              <a:rPr lang="en-GB" dirty="0"/>
+              <a:t>v1</a:t>
+            </a:r>
+          </a:p>
+        </p:txBody>
+      </p:sp>
+      <p:sp>
+        <p:nvSpPr>
+          <p:cNvPr id="84" name="Rectangle 83">
+            <a:extLst>
+              <a:ext uri="{FF2B5EF4-FFF2-40B4-BE49-F238E27FC236}">
+                <a16:creationId xmlns:a16="http://schemas.microsoft.com/office/drawing/2014/main" id="{37A95156-0361-4B7F-82E0-6174CDFCE679}"/>
+              </a:ext>
+            </a:extLst>
+          </p:cNvPr>
+          <p:cNvSpPr/>
+          <p:nvPr/>
+        </p:nvSpPr>
+        <p:spPr>
+          <a:xfrm>
+            <a:off x="2799878" y="1534327"/>
+            <a:ext cx="483577" cy="461665"/>
+          </a:xfrm>
+          <a:prstGeom prst="rect">
+            <a:avLst/>
+          </a:prstGeom>
+          <a:solidFill>
+            <a:schemeClr val="accent6">
+              <a:lumMod val="60000"/>
+              <a:lumOff val="40000"/>
+            </a:schemeClr>
+          </a:solidFill>
+        </p:spPr>
+        <p:style>
+          <a:lnRef idx="2">
+            <a:schemeClr val="accent1">
+              <a:shade val="50000"/>
+            </a:schemeClr>
+          </a:lnRef>
+          <a:fillRef idx="1">
+            <a:schemeClr val="accent1"/>
+          </a:fillRef>
+          <a:effectRef idx="0">
+            <a:schemeClr val="accent1"/>
+          </a:effectRef>
+          <a:fontRef idx="minor">
+            <a:schemeClr val="lt1"/>
+          </a:fontRef>
+        </p:style>
+        <p:txBody>
+          <a:bodyPr rtlCol="0" anchor="ctr"/>
+          <a:lstStyle/>
+          <a:p>
+            <a:pPr algn="ctr"/>
+            <a:r>
+              <a:rPr lang="en-GB" dirty="0"/>
+              <a:t>v2</a:t>
+            </a:r>
+          </a:p>
+        </p:txBody>
+      </p:sp>
+      <p:sp>
+        <p:nvSpPr>
+          <p:cNvPr id="85" name="Rectangle 84">
+            <a:extLst>
+              <a:ext uri="{FF2B5EF4-FFF2-40B4-BE49-F238E27FC236}">
+                <a16:creationId xmlns:a16="http://schemas.microsoft.com/office/drawing/2014/main" id="{DF816BCD-D7B0-4ED5-B31A-C047529CFBC4}"/>
+              </a:ext>
+            </a:extLst>
+          </p:cNvPr>
+          <p:cNvSpPr/>
+          <p:nvPr/>
+        </p:nvSpPr>
+        <p:spPr>
+          <a:xfrm>
+            <a:off x="3301514" y="1534327"/>
+            <a:ext cx="483577" cy="461665"/>
+          </a:xfrm>
+          <a:prstGeom prst="rect">
+            <a:avLst/>
+          </a:prstGeom>
+          <a:solidFill>
+            <a:schemeClr val="accent6">
+              <a:lumMod val="60000"/>
+              <a:lumOff val="40000"/>
+            </a:schemeClr>
+          </a:solidFill>
+        </p:spPr>
+        <p:style>
+          <a:lnRef idx="2">
+            <a:schemeClr val="accent1">
+              <a:shade val="50000"/>
+            </a:schemeClr>
+          </a:lnRef>
+          <a:fillRef idx="1">
+            <a:schemeClr val="accent1"/>
+          </a:fillRef>
+          <a:effectRef idx="0">
+            <a:schemeClr val="accent1"/>
+          </a:effectRef>
+          <a:fontRef idx="minor">
+            <a:schemeClr val="lt1"/>
+          </a:fontRef>
+        </p:style>
+        <p:txBody>
+          <a:bodyPr rtlCol="0" anchor="ctr"/>
+          <a:lstStyle/>
+          <a:p>
+            <a:pPr algn="ctr"/>
+            <a:r>
+              <a:rPr lang="en-GB" dirty="0"/>
+              <a:t>v3</a:t>
+            </a:r>
+          </a:p>
+        </p:txBody>
+      </p:sp>
+      <p:sp>
+        <p:nvSpPr>
+          <p:cNvPr id="86" name="Rectangle 85">
+            <a:extLst>
+              <a:ext uri="{FF2B5EF4-FFF2-40B4-BE49-F238E27FC236}">
+                <a16:creationId xmlns:a16="http://schemas.microsoft.com/office/drawing/2014/main" id="{CB877047-CC70-4377-9D0E-C409AFA2B982}"/>
+              </a:ext>
+            </a:extLst>
+          </p:cNvPr>
+          <p:cNvSpPr/>
+          <p:nvPr/>
+        </p:nvSpPr>
+        <p:spPr>
+          <a:xfrm>
+            <a:off x="3811942" y="1534327"/>
+            <a:ext cx="483577" cy="461665"/>
+          </a:xfrm>
+          <a:prstGeom prst="rect">
+            <a:avLst/>
+          </a:prstGeom>
+          <a:solidFill>
+            <a:schemeClr val="accent6">
+              <a:lumMod val="60000"/>
+              <a:lumOff val="40000"/>
+            </a:schemeClr>
+          </a:solidFill>
+        </p:spPr>
+        <p:style>
+          <a:lnRef idx="2">
+            <a:schemeClr val="accent1">
+              <a:shade val="50000"/>
+            </a:schemeClr>
+          </a:lnRef>
+          <a:fillRef idx="1">
+            <a:schemeClr val="accent1"/>
+          </a:fillRef>
+          <a:effectRef idx="0">
+            <a:schemeClr val="accent1"/>
+          </a:effectRef>
+          <a:fontRef idx="minor">
+            <a:schemeClr val="lt1"/>
+          </a:fontRef>
+        </p:style>
+        <p:txBody>
+          <a:bodyPr rtlCol="0" anchor="ctr"/>
+          <a:lstStyle/>
+          <a:p>
+            <a:pPr algn="ctr"/>
+            <a:endParaRPr lang="en-GB"/>
+          </a:p>
+        </p:txBody>
+      </p:sp>
+      <p:sp>
+        <p:nvSpPr>
+          <p:cNvPr id="87" name="Rectangle 86">
+            <a:extLst>
+              <a:ext uri="{FF2B5EF4-FFF2-40B4-BE49-F238E27FC236}">
+                <a16:creationId xmlns:a16="http://schemas.microsoft.com/office/drawing/2014/main" id="{F2B8B8EA-DC19-464F-AACB-B510CC10CF6F}"/>
+              </a:ext>
+            </a:extLst>
+          </p:cNvPr>
+          <p:cNvSpPr/>
+          <p:nvPr/>
+        </p:nvSpPr>
+        <p:spPr>
+          <a:xfrm>
+            <a:off x="4322370" y="1534327"/>
+            <a:ext cx="483577" cy="461665"/>
+          </a:xfrm>
+          <a:prstGeom prst="rect">
+            <a:avLst/>
+          </a:prstGeom>
+          <a:solidFill>
+            <a:schemeClr val="accent6">
+              <a:lumMod val="60000"/>
+              <a:lumOff val="40000"/>
+            </a:schemeClr>
+          </a:solidFill>
+        </p:spPr>
+        <p:style>
+          <a:lnRef idx="2">
+            <a:schemeClr val="accent1">
+              <a:shade val="50000"/>
+            </a:schemeClr>
+          </a:lnRef>
+          <a:fillRef idx="1">
+            <a:schemeClr val="accent1"/>
+          </a:fillRef>
+          <a:effectRef idx="0">
+            <a:schemeClr val="accent1"/>
+          </a:effectRef>
+          <a:fontRef idx="minor">
+            <a:schemeClr val="lt1"/>
+          </a:fontRef>
+        </p:style>
+        <p:txBody>
+          <a:bodyPr rtlCol="0" anchor="ctr"/>
+          <a:lstStyle/>
+          <a:p>
+            <a:pPr algn="ctr"/>
+            <a:r>
+              <a:rPr lang="en-GB" dirty="0" err="1"/>
+              <a:t>vk</a:t>
+            </a:r>
+            <a:endParaRPr lang="en-GB" dirty="0"/>
+          </a:p>
+        </p:txBody>
+      </p:sp>
+      <p:sp>
+        <p:nvSpPr>
+          <p:cNvPr id="88" name="TextBox 87">
+            <a:extLst>
+              <a:ext uri="{FF2B5EF4-FFF2-40B4-BE49-F238E27FC236}">
+                <a16:creationId xmlns:a16="http://schemas.microsoft.com/office/drawing/2014/main" id="{EC280099-B158-4FA6-8F8D-FDE2BC82F916}"/>
+              </a:ext>
+            </a:extLst>
+          </p:cNvPr>
+          <p:cNvSpPr txBox="1"/>
+          <p:nvPr/>
+        </p:nvSpPr>
+        <p:spPr>
+          <a:xfrm>
+            <a:off x="172857" y="4401734"/>
+            <a:ext cx="1400967" cy="830997"/>
+          </a:xfrm>
+          <a:prstGeom prst="rect">
+            <a:avLst/>
+          </a:prstGeom>
+          <a:noFill/>
+        </p:spPr>
+        <p:txBody>
+          <a:bodyPr wrap="square" rtlCol="0">
+            <a:spAutoFit/>
+          </a:bodyPr>
+          <a:lstStyle/>
+          <a:p>
+            <a:pPr algn="r"/>
+            <a:r>
+              <a:rPr lang="en-US" sz="2400" dirty="0"/>
+              <a:t>distance matrix</a:t>
+            </a:r>
+          </a:p>
+        </p:txBody>
+      </p:sp>
+      <p:sp>
+        <p:nvSpPr>
+          <p:cNvPr id="89" name="Rectangle 88">
+            <a:extLst>
+              <a:ext uri="{FF2B5EF4-FFF2-40B4-BE49-F238E27FC236}">
+                <a16:creationId xmlns:a16="http://schemas.microsoft.com/office/drawing/2014/main" id="{0EAE415D-94EA-48B0-82B8-FADA55D5873D}"/>
+              </a:ext>
+            </a:extLst>
+          </p:cNvPr>
+          <p:cNvSpPr/>
+          <p:nvPr/>
+        </p:nvSpPr>
+        <p:spPr>
+          <a:xfrm>
+            <a:off x="2289450" y="3126850"/>
+            <a:ext cx="483577" cy="461665"/>
+          </a:xfrm>
+          <a:prstGeom prst="rect">
+            <a:avLst/>
+          </a:prstGeom>
+          <a:solidFill>
+            <a:schemeClr val="accent6">
+              <a:lumMod val="60000"/>
+              <a:lumOff val="40000"/>
+            </a:schemeClr>
+          </a:solidFill>
+        </p:spPr>
+        <p:style>
+          <a:lnRef idx="2">
+            <a:schemeClr val="accent1">
+              <a:shade val="50000"/>
+            </a:schemeClr>
+          </a:lnRef>
+          <a:fillRef idx="1">
+            <a:schemeClr val="accent1"/>
+          </a:fillRef>
+          <a:effectRef idx="0">
+            <a:schemeClr val="accent1"/>
+          </a:effectRef>
+          <a:fontRef idx="minor">
+            <a:schemeClr val="lt1"/>
+          </a:fontRef>
+        </p:style>
+        <p:txBody>
+          <a:bodyPr rtlCol="0" anchor="ctr"/>
+          <a:lstStyle/>
+          <a:p>
+            <a:pPr algn="ctr"/>
+            <a:r>
+              <a:rPr lang="en-GB" dirty="0"/>
+              <a:t>v1</a:t>
+            </a:r>
+          </a:p>
+        </p:txBody>
+      </p:sp>
+      <p:sp>
+        <p:nvSpPr>
+          <p:cNvPr id="90" name="Rectangle 89">
+            <a:extLst>
+              <a:ext uri="{FF2B5EF4-FFF2-40B4-BE49-F238E27FC236}">
+                <a16:creationId xmlns:a16="http://schemas.microsoft.com/office/drawing/2014/main" id="{39B3FD15-5EB9-4197-A4BF-81B46DFB47F0}"/>
+              </a:ext>
+            </a:extLst>
+          </p:cNvPr>
+          <p:cNvSpPr/>
+          <p:nvPr/>
+        </p:nvSpPr>
+        <p:spPr>
+          <a:xfrm>
+            <a:off x="2799878" y="3126850"/>
+            <a:ext cx="483577" cy="461665"/>
+          </a:xfrm>
+          <a:prstGeom prst="rect">
+            <a:avLst/>
+          </a:prstGeom>
+          <a:solidFill>
+            <a:schemeClr val="accent6">
+              <a:lumMod val="60000"/>
+              <a:lumOff val="40000"/>
+            </a:schemeClr>
+          </a:solidFill>
+        </p:spPr>
+        <p:style>
+          <a:lnRef idx="2">
+            <a:schemeClr val="accent1">
+              <a:shade val="50000"/>
+            </a:schemeClr>
+          </a:lnRef>
+          <a:fillRef idx="1">
+            <a:schemeClr val="accent1"/>
+          </a:fillRef>
+          <a:effectRef idx="0">
+            <a:schemeClr val="accent1"/>
+          </a:effectRef>
+          <a:fontRef idx="minor">
+            <a:schemeClr val="lt1"/>
+          </a:fontRef>
+        </p:style>
+        <p:txBody>
+          <a:bodyPr rtlCol="0" anchor="ctr"/>
+          <a:lstStyle/>
+          <a:p>
+            <a:pPr algn="ctr"/>
+            <a:r>
+              <a:rPr lang="en-GB" dirty="0"/>
+              <a:t>v2</a:t>
+            </a:r>
+          </a:p>
+        </p:txBody>
+      </p:sp>
+      <p:sp>
+        <p:nvSpPr>
+          <p:cNvPr id="91" name="Rectangle 90">
+            <a:extLst>
+              <a:ext uri="{FF2B5EF4-FFF2-40B4-BE49-F238E27FC236}">
+                <a16:creationId xmlns:a16="http://schemas.microsoft.com/office/drawing/2014/main" id="{3CB4C523-6AC9-46C7-8DE7-170FF2D26EFC}"/>
+              </a:ext>
+            </a:extLst>
+          </p:cNvPr>
+          <p:cNvSpPr/>
+          <p:nvPr/>
+        </p:nvSpPr>
+        <p:spPr>
+          <a:xfrm>
+            <a:off x="3301514" y="3126850"/>
+            <a:ext cx="483577" cy="461665"/>
+          </a:xfrm>
+          <a:prstGeom prst="rect">
+            <a:avLst/>
+          </a:prstGeom>
+          <a:solidFill>
+            <a:schemeClr val="accent6">
+              <a:lumMod val="60000"/>
+              <a:lumOff val="40000"/>
+            </a:schemeClr>
+          </a:solidFill>
+        </p:spPr>
+        <p:style>
+          <a:lnRef idx="2">
+            <a:schemeClr val="accent1">
+              <a:shade val="50000"/>
+            </a:schemeClr>
+          </a:lnRef>
+          <a:fillRef idx="1">
+            <a:schemeClr val="accent1"/>
+          </a:fillRef>
+          <a:effectRef idx="0">
+            <a:schemeClr val="accent1"/>
+          </a:effectRef>
+          <a:fontRef idx="minor">
+            <a:schemeClr val="lt1"/>
+          </a:fontRef>
+        </p:style>
+        <p:txBody>
+          <a:bodyPr rtlCol="0" anchor="ctr"/>
+          <a:lstStyle/>
+          <a:p>
+            <a:pPr algn="ctr"/>
+            <a:r>
+              <a:rPr lang="en-GB" dirty="0"/>
+              <a:t>v3</a:t>
+            </a:r>
+          </a:p>
+        </p:txBody>
+      </p:sp>
+      <p:sp>
+        <p:nvSpPr>
+          <p:cNvPr id="92" name="Rectangle 91">
+            <a:extLst>
+              <a:ext uri="{FF2B5EF4-FFF2-40B4-BE49-F238E27FC236}">
+                <a16:creationId xmlns:a16="http://schemas.microsoft.com/office/drawing/2014/main" id="{40B6C464-8200-4BA8-BAF6-91500864F686}"/>
+              </a:ext>
+            </a:extLst>
+          </p:cNvPr>
+          <p:cNvSpPr/>
+          <p:nvPr/>
+        </p:nvSpPr>
+        <p:spPr>
+          <a:xfrm>
+            <a:off x="3811942" y="3126850"/>
+            <a:ext cx="483577" cy="461665"/>
+          </a:xfrm>
+          <a:prstGeom prst="rect">
+            <a:avLst/>
+          </a:prstGeom>
+          <a:solidFill>
+            <a:schemeClr val="accent6">
+              <a:lumMod val="60000"/>
+              <a:lumOff val="40000"/>
+            </a:schemeClr>
+          </a:solidFill>
+        </p:spPr>
+        <p:style>
+          <a:lnRef idx="2">
+            <a:schemeClr val="accent1">
+              <a:shade val="50000"/>
+            </a:schemeClr>
+          </a:lnRef>
+          <a:fillRef idx="1">
+            <a:schemeClr val="accent1"/>
+          </a:fillRef>
+          <a:effectRef idx="0">
+            <a:schemeClr val="accent1"/>
+          </a:effectRef>
+          <a:fontRef idx="minor">
+            <a:schemeClr val="lt1"/>
+          </a:fontRef>
+        </p:style>
+        <p:txBody>
+          <a:bodyPr rtlCol="0" anchor="ctr"/>
+          <a:lstStyle/>
+          <a:p>
+            <a:pPr algn="ctr"/>
+            <a:endParaRPr lang="en-GB"/>
+          </a:p>
+        </p:txBody>
+      </p:sp>
+      <p:sp>
+        <p:nvSpPr>
+          <p:cNvPr id="93" name="Rectangle 92">
+            <a:extLst>
+              <a:ext uri="{FF2B5EF4-FFF2-40B4-BE49-F238E27FC236}">
+                <a16:creationId xmlns:a16="http://schemas.microsoft.com/office/drawing/2014/main" id="{7D741F43-CBA3-4A98-BA95-1DA1F2B6DA54}"/>
+              </a:ext>
+            </a:extLst>
+          </p:cNvPr>
+          <p:cNvSpPr/>
+          <p:nvPr/>
+        </p:nvSpPr>
+        <p:spPr>
+          <a:xfrm>
+            <a:off x="4322370" y="3126850"/>
+            <a:ext cx="483577" cy="461665"/>
+          </a:xfrm>
+          <a:prstGeom prst="rect">
+            <a:avLst/>
+          </a:prstGeom>
+          <a:solidFill>
+            <a:schemeClr val="accent6">
+              <a:lumMod val="60000"/>
+              <a:lumOff val="40000"/>
+            </a:schemeClr>
+          </a:solidFill>
+        </p:spPr>
+        <p:style>
+          <a:lnRef idx="2">
+            <a:schemeClr val="accent1">
+              <a:shade val="50000"/>
+            </a:schemeClr>
+          </a:lnRef>
+          <a:fillRef idx="1">
+            <a:schemeClr val="accent1"/>
+          </a:fillRef>
+          <a:effectRef idx="0">
+            <a:schemeClr val="accent1"/>
+          </a:effectRef>
+          <a:fontRef idx="minor">
+            <a:schemeClr val="lt1"/>
+          </a:fontRef>
+        </p:style>
+        <p:txBody>
+          <a:bodyPr rtlCol="0" anchor="ctr"/>
+          <a:lstStyle/>
+          <a:p>
+            <a:pPr algn="ctr"/>
+            <a:r>
+              <a:rPr lang="en-GB" dirty="0" err="1"/>
+              <a:t>vk</a:t>
+            </a:r>
+            <a:endParaRPr lang="en-GB" dirty="0"/>
+          </a:p>
+        </p:txBody>
+      </p:sp>
+      <p:sp>
+        <p:nvSpPr>
+          <p:cNvPr id="94" name="Rectangle 93">
+            <a:extLst>
+              <a:ext uri="{FF2B5EF4-FFF2-40B4-BE49-F238E27FC236}">
+                <a16:creationId xmlns:a16="http://schemas.microsoft.com/office/drawing/2014/main" id="{65895650-6B97-412B-8839-951EE20BBA99}"/>
+              </a:ext>
+            </a:extLst>
+          </p:cNvPr>
+          <p:cNvSpPr/>
+          <p:nvPr/>
+        </p:nvSpPr>
+        <p:spPr>
+          <a:xfrm>
+            <a:off x="1779497" y="3614891"/>
+            <a:ext cx="483577" cy="461665"/>
+          </a:xfrm>
+          <a:prstGeom prst="rect">
+            <a:avLst/>
+          </a:prstGeom>
+          <a:solidFill>
+            <a:schemeClr val="accent6">
+              <a:lumMod val="60000"/>
+              <a:lumOff val="40000"/>
+            </a:schemeClr>
+          </a:solidFill>
+        </p:spPr>
+        <p:style>
+          <a:lnRef idx="2">
+            <a:schemeClr val="accent1">
+              <a:shade val="50000"/>
+            </a:schemeClr>
+          </a:lnRef>
+          <a:fillRef idx="1">
+            <a:schemeClr val="accent1"/>
+          </a:fillRef>
+          <a:effectRef idx="0">
+            <a:schemeClr val="accent1"/>
+          </a:effectRef>
+          <a:fontRef idx="minor">
+            <a:schemeClr val="lt1"/>
+          </a:fontRef>
+        </p:style>
+        <p:txBody>
+          <a:bodyPr rtlCol="0" anchor="ctr"/>
+          <a:lstStyle/>
+          <a:p>
+            <a:pPr algn="ctr"/>
+            <a:r>
+              <a:rPr lang="en-GB" dirty="0"/>
+              <a:t>v1</a:t>
+            </a:r>
+          </a:p>
+        </p:txBody>
+      </p:sp>
+      <p:sp>
+        <p:nvSpPr>
+          <p:cNvPr id="95" name="Rectangle 94">
+            <a:extLst>
+              <a:ext uri="{FF2B5EF4-FFF2-40B4-BE49-F238E27FC236}">
+                <a16:creationId xmlns:a16="http://schemas.microsoft.com/office/drawing/2014/main" id="{F78FCF64-D66A-4AB6-8060-BA6BB7080D85}"/>
+              </a:ext>
+            </a:extLst>
+          </p:cNvPr>
+          <p:cNvSpPr/>
+          <p:nvPr/>
+        </p:nvSpPr>
+        <p:spPr>
+          <a:xfrm>
+            <a:off x="1779497" y="4103063"/>
+            <a:ext cx="483577" cy="461665"/>
+          </a:xfrm>
+          <a:prstGeom prst="rect">
+            <a:avLst/>
+          </a:prstGeom>
+          <a:solidFill>
+            <a:schemeClr val="accent6">
+              <a:lumMod val="60000"/>
+              <a:lumOff val="40000"/>
+            </a:schemeClr>
+          </a:solidFill>
+        </p:spPr>
+        <p:style>
+          <a:lnRef idx="2">
+            <a:schemeClr val="accent1">
+              <a:shade val="50000"/>
+            </a:schemeClr>
+          </a:lnRef>
+          <a:fillRef idx="1">
+            <a:schemeClr val="accent1"/>
+          </a:fillRef>
+          <a:effectRef idx="0">
+            <a:schemeClr val="accent1"/>
+          </a:effectRef>
+          <a:fontRef idx="minor">
+            <a:schemeClr val="lt1"/>
+          </a:fontRef>
+        </p:style>
+        <p:txBody>
+          <a:bodyPr rtlCol="0" anchor="ctr"/>
+          <a:lstStyle/>
+          <a:p>
+            <a:pPr algn="ctr"/>
+            <a:r>
+              <a:rPr lang="en-GB" dirty="0"/>
+              <a:t>v2</a:t>
+            </a:r>
+          </a:p>
+        </p:txBody>
+      </p:sp>
+      <p:sp>
+        <p:nvSpPr>
+          <p:cNvPr id="96" name="Rectangle 95">
+            <a:extLst>
+              <a:ext uri="{FF2B5EF4-FFF2-40B4-BE49-F238E27FC236}">
+                <a16:creationId xmlns:a16="http://schemas.microsoft.com/office/drawing/2014/main" id="{52CC7A2E-774D-4681-8F76-A744BC7F1755}"/>
+              </a:ext>
+            </a:extLst>
+          </p:cNvPr>
+          <p:cNvSpPr/>
+          <p:nvPr/>
+        </p:nvSpPr>
+        <p:spPr>
+          <a:xfrm>
+            <a:off x="1779497" y="4591235"/>
+            <a:ext cx="483577" cy="461665"/>
+          </a:xfrm>
+          <a:prstGeom prst="rect">
+            <a:avLst/>
+          </a:prstGeom>
+          <a:solidFill>
+            <a:schemeClr val="accent6">
+              <a:lumMod val="60000"/>
+              <a:lumOff val="40000"/>
+            </a:schemeClr>
+          </a:solidFill>
+        </p:spPr>
+        <p:style>
+          <a:lnRef idx="2">
+            <a:schemeClr val="accent1">
+              <a:shade val="50000"/>
+            </a:schemeClr>
+          </a:lnRef>
+          <a:fillRef idx="1">
+            <a:schemeClr val="accent1"/>
+          </a:fillRef>
+          <a:effectRef idx="0">
+            <a:schemeClr val="accent1"/>
+          </a:effectRef>
+          <a:fontRef idx="minor">
+            <a:schemeClr val="lt1"/>
+          </a:fontRef>
+        </p:style>
+        <p:txBody>
+          <a:bodyPr rtlCol="0" anchor="ctr"/>
+          <a:lstStyle/>
+          <a:p>
+            <a:pPr algn="ctr"/>
+            <a:r>
+              <a:rPr lang="en-GB" dirty="0"/>
+              <a:t>v3</a:t>
+            </a:r>
+          </a:p>
+        </p:txBody>
+      </p:sp>
+      <p:sp>
+        <p:nvSpPr>
+          <p:cNvPr id="97" name="Rectangle 96">
+            <a:extLst>
+              <a:ext uri="{FF2B5EF4-FFF2-40B4-BE49-F238E27FC236}">
+                <a16:creationId xmlns:a16="http://schemas.microsoft.com/office/drawing/2014/main" id="{4B8DFD04-A96A-44C8-BD95-163E0170B9E8}"/>
+              </a:ext>
+            </a:extLst>
+          </p:cNvPr>
+          <p:cNvSpPr/>
+          <p:nvPr/>
+        </p:nvSpPr>
+        <p:spPr>
+          <a:xfrm>
+            <a:off x="1779497" y="5079407"/>
+            <a:ext cx="483577" cy="461665"/>
+          </a:xfrm>
+          <a:prstGeom prst="rect">
+            <a:avLst/>
+          </a:prstGeom>
+          <a:solidFill>
+            <a:schemeClr val="accent6">
+              <a:lumMod val="60000"/>
+              <a:lumOff val="40000"/>
+            </a:schemeClr>
+          </a:solidFill>
+        </p:spPr>
+        <p:style>
+          <a:lnRef idx="2">
+            <a:schemeClr val="accent1">
+              <a:shade val="50000"/>
+            </a:schemeClr>
+          </a:lnRef>
+          <a:fillRef idx="1">
+            <a:schemeClr val="accent1"/>
+          </a:fillRef>
+          <a:effectRef idx="0">
+            <a:schemeClr val="accent1"/>
+          </a:effectRef>
+          <a:fontRef idx="minor">
+            <a:schemeClr val="lt1"/>
+          </a:fontRef>
+        </p:style>
+        <p:txBody>
+          <a:bodyPr rtlCol="0" anchor="ctr"/>
+          <a:lstStyle/>
+          <a:p>
+            <a:pPr algn="ctr"/>
+            <a:endParaRPr lang="en-GB"/>
+          </a:p>
+        </p:txBody>
+      </p:sp>
+      <p:sp>
+        <p:nvSpPr>
+          <p:cNvPr id="98" name="Rectangle 97">
+            <a:extLst>
+              <a:ext uri="{FF2B5EF4-FFF2-40B4-BE49-F238E27FC236}">
+                <a16:creationId xmlns:a16="http://schemas.microsoft.com/office/drawing/2014/main" id="{3746E1DD-9DB1-446F-A7D8-124133361735}"/>
+              </a:ext>
+            </a:extLst>
+          </p:cNvPr>
+          <p:cNvSpPr/>
+          <p:nvPr/>
+        </p:nvSpPr>
+        <p:spPr>
+          <a:xfrm>
+            <a:off x="1779497" y="5567579"/>
+            <a:ext cx="483577" cy="461665"/>
+          </a:xfrm>
+          <a:prstGeom prst="rect">
+            <a:avLst/>
+          </a:prstGeom>
+          <a:solidFill>
+            <a:schemeClr val="accent6">
+              <a:lumMod val="60000"/>
+              <a:lumOff val="40000"/>
+            </a:schemeClr>
+          </a:solidFill>
+        </p:spPr>
+        <p:style>
+          <a:lnRef idx="2">
+            <a:schemeClr val="accent1">
+              <a:shade val="50000"/>
+            </a:schemeClr>
+          </a:lnRef>
+          <a:fillRef idx="1">
+            <a:schemeClr val="accent1"/>
+          </a:fillRef>
+          <a:effectRef idx="0">
+            <a:schemeClr val="accent1"/>
+          </a:effectRef>
+          <a:fontRef idx="minor">
+            <a:schemeClr val="lt1"/>
+          </a:fontRef>
+        </p:style>
+        <p:txBody>
+          <a:bodyPr rtlCol="0" anchor="ctr"/>
+          <a:lstStyle/>
+          <a:p>
+            <a:pPr algn="ctr"/>
+            <a:r>
+              <a:rPr lang="en-GB" dirty="0" err="1"/>
+              <a:t>vk</a:t>
+            </a:r>
+            <a:endParaRPr lang="en-GB" dirty="0"/>
+          </a:p>
+        </p:txBody>
+      </p:sp>
+      <p:sp>
+        <p:nvSpPr>
+          <p:cNvPr id="99" name="Rectangle 98">
+            <a:extLst>
+              <a:ext uri="{FF2B5EF4-FFF2-40B4-BE49-F238E27FC236}">
+                <a16:creationId xmlns:a16="http://schemas.microsoft.com/office/drawing/2014/main" id="{6FE9D6CE-CC37-46F2-85D0-908B8A96A839}"/>
+              </a:ext>
+            </a:extLst>
+          </p:cNvPr>
+          <p:cNvSpPr/>
+          <p:nvPr/>
+        </p:nvSpPr>
+        <p:spPr>
+          <a:xfrm>
+            <a:off x="2289450" y="3614891"/>
             <a:ext cx="483577" cy="461665"/>
           </a:xfrm>
           <a:prstGeom prst="rect">
@@ -9830,10 +11961,10 @@
       </p:sp>
       <p:sp>
         <p:nvSpPr>
-          <p:cNvPr id="131" name="Rectangle 130">
-            <a:extLst>
-              <a:ext uri="{FF2B5EF4-FFF2-40B4-BE49-F238E27FC236}">
-                <a16:creationId xmlns:a16="http://schemas.microsoft.com/office/drawing/2014/main" id="{29ECF4B4-9B07-4B8C-86C2-4E6A6AD3C50C}"/>
+          <p:cNvPr id="100" name="Rectangle 99">
+            <a:extLst>
+              <a:ext uri="{FF2B5EF4-FFF2-40B4-BE49-F238E27FC236}">
+                <a16:creationId xmlns:a16="http://schemas.microsoft.com/office/drawing/2014/main" id="{32447CE2-654C-4245-ABD2-3C7FAE2B9F32}"/>
               </a:ext>
             </a:extLst>
           </p:cNvPr>
@@ -9842,7 +11973,7 @@
         </p:nvSpPr>
         <p:spPr>
           <a:xfrm>
-            <a:off x="2289450" y="3171079"/>
+            <a:off x="2289450" y="4103063"/>
             <a:ext cx="483577" cy="461665"/>
           </a:xfrm>
           <a:prstGeom prst="rect">
@@ -9881,10 +12012,10 @@
       </p:sp>
       <p:sp>
         <p:nvSpPr>
-          <p:cNvPr id="132" name="Rectangle 131">
-            <a:extLst>
-              <a:ext uri="{FF2B5EF4-FFF2-40B4-BE49-F238E27FC236}">
-                <a16:creationId xmlns:a16="http://schemas.microsoft.com/office/drawing/2014/main" id="{9CE4BE78-629E-472B-B68C-D0A948C8D52F}"/>
+          <p:cNvPr id="101" name="Rectangle 100">
+            <a:extLst>
+              <a:ext uri="{FF2B5EF4-FFF2-40B4-BE49-F238E27FC236}">
+                <a16:creationId xmlns:a16="http://schemas.microsoft.com/office/drawing/2014/main" id="{BC764430-9960-4CEF-91B7-0659BA1A5BA7}"/>
               </a:ext>
             </a:extLst>
           </p:cNvPr>
@@ -9893,7 +12024,7 @@
         </p:nvSpPr>
         <p:spPr>
           <a:xfrm>
-            <a:off x="2289450" y="3659251"/>
+            <a:off x="2289450" y="4591235"/>
             <a:ext cx="483577" cy="461665"/>
           </a:xfrm>
           <a:prstGeom prst="rect">
@@ -9932,10 +12063,10 @@
       </p:sp>
       <p:sp>
         <p:nvSpPr>
-          <p:cNvPr id="133" name="Rectangle 132">
-            <a:extLst>
-              <a:ext uri="{FF2B5EF4-FFF2-40B4-BE49-F238E27FC236}">
-                <a16:creationId xmlns:a16="http://schemas.microsoft.com/office/drawing/2014/main" id="{F35739EC-1D69-4564-AF47-95C3D7C4A0FD}"/>
+          <p:cNvPr id="102" name="Rectangle 101">
+            <a:extLst>
+              <a:ext uri="{FF2B5EF4-FFF2-40B4-BE49-F238E27FC236}">
+                <a16:creationId xmlns:a16="http://schemas.microsoft.com/office/drawing/2014/main" id="{22DBFC41-6F95-41F1-9411-7213AC1EF5EB}"/>
               </a:ext>
             </a:extLst>
           </p:cNvPr>
@@ -9944,7 +12075,7 @@
         </p:nvSpPr>
         <p:spPr>
           <a:xfrm>
-            <a:off x="2289450" y="4147423"/>
+            <a:off x="2289450" y="5079407"/>
             <a:ext cx="483577" cy="461665"/>
           </a:xfrm>
           <a:prstGeom prst="rect">
@@ -9983,10 +12114,10 @@
       </p:sp>
       <p:sp>
         <p:nvSpPr>
-          <p:cNvPr id="134" name="Rectangle 133">
-            <a:extLst>
-              <a:ext uri="{FF2B5EF4-FFF2-40B4-BE49-F238E27FC236}">
-                <a16:creationId xmlns:a16="http://schemas.microsoft.com/office/drawing/2014/main" id="{22CC21C1-CAA5-4AF9-B39B-0A080C9E9F9D}"/>
+          <p:cNvPr id="103" name="Rectangle 102">
+            <a:extLst>
+              <a:ext uri="{FF2B5EF4-FFF2-40B4-BE49-F238E27FC236}">
+                <a16:creationId xmlns:a16="http://schemas.microsoft.com/office/drawing/2014/main" id="{4F27CE88-1E0F-4DCD-ADA5-E811A10E66B8}"/>
               </a:ext>
             </a:extLst>
           </p:cNvPr>
@@ -9995,7 +12126,7 @@
         </p:nvSpPr>
         <p:spPr>
           <a:xfrm>
-            <a:off x="2289450" y="4635595"/>
+            <a:off x="2289450" y="5567579"/>
             <a:ext cx="483577" cy="461665"/>
           </a:xfrm>
           <a:prstGeom prst="rect">
@@ -10034,10 +12165,10 @@
       </p:sp>
       <p:sp>
         <p:nvSpPr>
-          <p:cNvPr id="145" name="Rectangle 144">
-            <a:extLst>
-              <a:ext uri="{FF2B5EF4-FFF2-40B4-BE49-F238E27FC236}">
-                <a16:creationId xmlns:a16="http://schemas.microsoft.com/office/drawing/2014/main" id="{BD6809B7-C0EA-4A9C-AAB2-9F3B05CFA700}"/>
+          <p:cNvPr id="104" name="Rectangle 103">
+            <a:extLst>
+              <a:ext uri="{FF2B5EF4-FFF2-40B4-BE49-F238E27FC236}">
+                <a16:creationId xmlns:a16="http://schemas.microsoft.com/office/drawing/2014/main" id="{B5F4A3CE-7B2D-4B3B-9642-9528048F9D76}"/>
               </a:ext>
             </a:extLst>
           </p:cNvPr>
@@ -10046,7 +12177,7 @@
         </p:nvSpPr>
         <p:spPr>
           <a:xfrm>
-            <a:off x="2799878" y="2682907"/>
+            <a:off x="2799878" y="3614891"/>
             <a:ext cx="483577" cy="461665"/>
           </a:xfrm>
           <a:prstGeom prst="rect">
@@ -10083,10 +12214,10 @@
       </p:sp>
       <p:sp>
         <p:nvSpPr>
-          <p:cNvPr id="146" name="Rectangle 145">
-            <a:extLst>
-              <a:ext uri="{FF2B5EF4-FFF2-40B4-BE49-F238E27FC236}">
-                <a16:creationId xmlns:a16="http://schemas.microsoft.com/office/drawing/2014/main" id="{7B6732B2-3B87-4D2C-BD40-7B14AD97ED63}"/>
+          <p:cNvPr id="105" name="Rectangle 104">
+            <a:extLst>
+              <a:ext uri="{FF2B5EF4-FFF2-40B4-BE49-F238E27FC236}">
+                <a16:creationId xmlns:a16="http://schemas.microsoft.com/office/drawing/2014/main" id="{3267C3F4-0ECB-4D4E-AA91-DC1764BDCE10}"/>
               </a:ext>
             </a:extLst>
           </p:cNvPr>
@@ -10095,7 +12226,7 @@
         </p:nvSpPr>
         <p:spPr>
           <a:xfrm>
-            <a:off x="2799878" y="3171079"/>
+            <a:off x="2799878" y="4103063"/>
             <a:ext cx="483577" cy="461665"/>
           </a:xfrm>
           <a:prstGeom prst="rect">
@@ -10141,10 +12272,10 @@
       </p:sp>
       <p:sp>
         <p:nvSpPr>
-          <p:cNvPr id="147" name="Rectangle 146">
-            <a:extLst>
-              <a:ext uri="{FF2B5EF4-FFF2-40B4-BE49-F238E27FC236}">
-                <a16:creationId xmlns:a16="http://schemas.microsoft.com/office/drawing/2014/main" id="{D42C9829-3E90-40BE-A73E-68844AA11E3C}"/>
+          <p:cNvPr id="106" name="Rectangle 105">
+            <a:extLst>
+              <a:ext uri="{FF2B5EF4-FFF2-40B4-BE49-F238E27FC236}">
+                <a16:creationId xmlns:a16="http://schemas.microsoft.com/office/drawing/2014/main" id="{A8B77207-069E-4F2A-89A3-408E6E0753DB}"/>
               </a:ext>
             </a:extLst>
           </p:cNvPr>
@@ -10153,7 +12284,7 @@
         </p:nvSpPr>
         <p:spPr>
           <a:xfrm>
-            <a:off x="2799878" y="3659251"/>
+            <a:off x="2799878" y="4591235"/>
             <a:ext cx="483577" cy="461665"/>
           </a:xfrm>
           <a:prstGeom prst="rect">
@@ -10192,10 +12323,10 @@
       </p:sp>
       <p:sp>
         <p:nvSpPr>
-          <p:cNvPr id="154" name="Rectangle 153">
-            <a:extLst>
-              <a:ext uri="{FF2B5EF4-FFF2-40B4-BE49-F238E27FC236}">
-                <a16:creationId xmlns:a16="http://schemas.microsoft.com/office/drawing/2014/main" id="{0A3DEF28-3CF4-4432-A7CE-43ABF3123F05}"/>
+          <p:cNvPr id="107" name="Rectangle 106">
+            <a:extLst>
+              <a:ext uri="{FF2B5EF4-FFF2-40B4-BE49-F238E27FC236}">
+                <a16:creationId xmlns:a16="http://schemas.microsoft.com/office/drawing/2014/main" id="{014652C0-96E5-45D6-B217-9A809ACBDDB3}"/>
               </a:ext>
             </a:extLst>
           </p:cNvPr>
@@ -10204,7 +12335,7 @@
         </p:nvSpPr>
         <p:spPr>
           <a:xfrm>
-            <a:off x="2799878" y="4147423"/>
+            <a:off x="2799878" y="5079407"/>
             <a:ext cx="483577" cy="461665"/>
           </a:xfrm>
           <a:prstGeom prst="rect">
@@ -10243,10 +12374,10 @@
       </p:sp>
       <p:sp>
         <p:nvSpPr>
-          <p:cNvPr id="156" name="Rectangle 155">
-            <a:extLst>
-              <a:ext uri="{FF2B5EF4-FFF2-40B4-BE49-F238E27FC236}">
-                <a16:creationId xmlns:a16="http://schemas.microsoft.com/office/drawing/2014/main" id="{EB7D1001-6A71-4641-A69F-A46EB9E8BEC5}"/>
+          <p:cNvPr id="108" name="Rectangle 107">
+            <a:extLst>
+              <a:ext uri="{FF2B5EF4-FFF2-40B4-BE49-F238E27FC236}">
+                <a16:creationId xmlns:a16="http://schemas.microsoft.com/office/drawing/2014/main" id="{F5C59FD8-0AA2-451D-BEFF-10730BD4CD37}"/>
               </a:ext>
             </a:extLst>
           </p:cNvPr>
@@ -10255,7 +12386,7 @@
         </p:nvSpPr>
         <p:spPr>
           <a:xfrm>
-            <a:off x="2799878" y="4635595"/>
+            <a:off x="2799878" y="5567579"/>
             <a:ext cx="483577" cy="461665"/>
           </a:xfrm>
           <a:prstGeom prst="rect">
@@ -10301,10 +12432,10 @@
       </p:sp>
       <p:sp>
         <p:nvSpPr>
-          <p:cNvPr id="157" name="Rectangle 156">
-            <a:extLst>
-              <a:ext uri="{FF2B5EF4-FFF2-40B4-BE49-F238E27FC236}">
-                <a16:creationId xmlns:a16="http://schemas.microsoft.com/office/drawing/2014/main" id="{F13D0BFF-4AD1-45D9-90B1-C7CDB6B606E9}"/>
+          <p:cNvPr id="109" name="Rectangle 108">
+            <a:extLst>
+              <a:ext uri="{FF2B5EF4-FFF2-40B4-BE49-F238E27FC236}">
+                <a16:creationId xmlns:a16="http://schemas.microsoft.com/office/drawing/2014/main" id="{6C8EA17A-FE61-4461-8E3B-735D06273C68}"/>
               </a:ext>
             </a:extLst>
           </p:cNvPr>
@@ -10313,7 +12444,7 @@
         </p:nvSpPr>
         <p:spPr>
           <a:xfrm>
-            <a:off x="3301514" y="2682907"/>
+            <a:off x="3301514" y="3614891"/>
             <a:ext cx="483577" cy="461665"/>
           </a:xfrm>
           <a:prstGeom prst="rect">
@@ -10350,10 +12481,10 @@
       </p:sp>
       <p:sp>
         <p:nvSpPr>
-          <p:cNvPr id="159" name="Rectangle 158">
-            <a:extLst>
-              <a:ext uri="{FF2B5EF4-FFF2-40B4-BE49-F238E27FC236}">
-                <a16:creationId xmlns:a16="http://schemas.microsoft.com/office/drawing/2014/main" id="{FAEBB8D7-3087-48FC-8CA1-834DDE1F44A6}"/>
+          <p:cNvPr id="110" name="Rectangle 109">
+            <a:extLst>
+              <a:ext uri="{FF2B5EF4-FFF2-40B4-BE49-F238E27FC236}">
+                <a16:creationId xmlns:a16="http://schemas.microsoft.com/office/drawing/2014/main" id="{4B0880CA-3836-456D-BD88-CE27A6160C7C}"/>
               </a:ext>
             </a:extLst>
           </p:cNvPr>
@@ -10362,7 +12493,7 @@
         </p:nvSpPr>
         <p:spPr>
           <a:xfrm>
-            <a:off x="3301514" y="3171079"/>
+            <a:off x="3301514" y="4103063"/>
             <a:ext cx="483577" cy="461665"/>
           </a:xfrm>
           <a:prstGeom prst="rect">
@@ -10399,10 +12530,10 @@
       </p:sp>
       <p:sp>
         <p:nvSpPr>
-          <p:cNvPr id="160" name="Rectangle 159">
-            <a:extLst>
-              <a:ext uri="{FF2B5EF4-FFF2-40B4-BE49-F238E27FC236}">
-                <a16:creationId xmlns:a16="http://schemas.microsoft.com/office/drawing/2014/main" id="{96BA91A9-AFFE-4A8D-934C-A7FBE28A2A80}"/>
+          <p:cNvPr id="111" name="Rectangle 110">
+            <a:extLst>
+              <a:ext uri="{FF2B5EF4-FFF2-40B4-BE49-F238E27FC236}">
+                <a16:creationId xmlns:a16="http://schemas.microsoft.com/office/drawing/2014/main" id="{5EA2FE08-9CC5-42E8-AD64-2EB3412E2532}"/>
               </a:ext>
             </a:extLst>
           </p:cNvPr>
@@ -10411,7 +12542,7 @@
         </p:nvSpPr>
         <p:spPr>
           <a:xfrm>
-            <a:off x="3301514" y="3659251"/>
+            <a:off x="3301514" y="4591235"/>
             <a:ext cx="483577" cy="461665"/>
           </a:xfrm>
           <a:prstGeom prst="rect">
@@ -10457,10 +12588,10 @@
       </p:sp>
       <p:sp>
         <p:nvSpPr>
-          <p:cNvPr id="162" name="Rectangle 161">
-            <a:extLst>
-              <a:ext uri="{FF2B5EF4-FFF2-40B4-BE49-F238E27FC236}">
-                <a16:creationId xmlns:a16="http://schemas.microsoft.com/office/drawing/2014/main" id="{23AC048D-67F6-48F9-8376-605C9E48DFC7}"/>
+          <p:cNvPr id="112" name="Rectangle 111">
+            <a:extLst>
+              <a:ext uri="{FF2B5EF4-FFF2-40B4-BE49-F238E27FC236}">
+                <a16:creationId xmlns:a16="http://schemas.microsoft.com/office/drawing/2014/main" id="{10D12961-BE93-4F8C-9D2C-C21AC5511192}"/>
               </a:ext>
             </a:extLst>
           </p:cNvPr>
@@ -10469,7 +12600,7 @@
         </p:nvSpPr>
         <p:spPr>
           <a:xfrm>
-            <a:off x="3301514" y="4147423"/>
+            <a:off x="3301514" y="5079407"/>
             <a:ext cx="483577" cy="461665"/>
           </a:xfrm>
           <a:prstGeom prst="rect">
@@ -10508,10 +12639,10 @@
       </p:sp>
       <p:sp>
         <p:nvSpPr>
-          <p:cNvPr id="163" name="Rectangle 162">
-            <a:extLst>
-              <a:ext uri="{FF2B5EF4-FFF2-40B4-BE49-F238E27FC236}">
-                <a16:creationId xmlns:a16="http://schemas.microsoft.com/office/drawing/2014/main" id="{DFEA23D0-C8A9-4817-8D73-8D8D5D713265}"/>
+          <p:cNvPr id="113" name="Rectangle 112">
+            <a:extLst>
+              <a:ext uri="{FF2B5EF4-FFF2-40B4-BE49-F238E27FC236}">
+                <a16:creationId xmlns:a16="http://schemas.microsoft.com/office/drawing/2014/main" id="{26C7B161-757A-477E-82DB-C2D649F49AED}"/>
               </a:ext>
             </a:extLst>
           </p:cNvPr>
@@ -10520,7 +12651,7 @@
         </p:nvSpPr>
         <p:spPr>
           <a:xfrm>
-            <a:off x="3301514" y="4635595"/>
+            <a:off x="3301514" y="5567579"/>
             <a:ext cx="483577" cy="461665"/>
           </a:xfrm>
           <a:prstGeom prst="rect">
@@ -10559,10 +12690,10 @@
       </p:sp>
       <p:sp>
         <p:nvSpPr>
-          <p:cNvPr id="165" name="Rectangle 164">
-            <a:extLst>
-              <a:ext uri="{FF2B5EF4-FFF2-40B4-BE49-F238E27FC236}">
-                <a16:creationId xmlns:a16="http://schemas.microsoft.com/office/drawing/2014/main" id="{7A7C967F-9A52-4F10-8974-A99D3BD51943}"/>
+          <p:cNvPr id="114" name="Rectangle 113">
+            <a:extLst>
+              <a:ext uri="{FF2B5EF4-FFF2-40B4-BE49-F238E27FC236}">
+                <a16:creationId xmlns:a16="http://schemas.microsoft.com/office/drawing/2014/main" id="{2E83CD1B-AFE6-4BFE-99ED-83C683429015}"/>
               </a:ext>
             </a:extLst>
           </p:cNvPr>
@@ -10571,7 +12702,7 @@
         </p:nvSpPr>
         <p:spPr>
           <a:xfrm>
-            <a:off x="3811942" y="2682907"/>
+            <a:off x="3811942" y="3614891"/>
             <a:ext cx="483577" cy="461665"/>
           </a:xfrm>
           <a:prstGeom prst="rect">
@@ -10608,10 +12739,10 @@
       </p:sp>
       <p:sp>
         <p:nvSpPr>
-          <p:cNvPr id="166" name="Rectangle 165">
-            <a:extLst>
-              <a:ext uri="{FF2B5EF4-FFF2-40B4-BE49-F238E27FC236}">
-                <a16:creationId xmlns:a16="http://schemas.microsoft.com/office/drawing/2014/main" id="{4703AF5E-F048-4DDC-B4CF-F8246F332685}"/>
+          <p:cNvPr id="115" name="Rectangle 114">
+            <a:extLst>
+              <a:ext uri="{FF2B5EF4-FFF2-40B4-BE49-F238E27FC236}">
+                <a16:creationId xmlns:a16="http://schemas.microsoft.com/office/drawing/2014/main" id="{A4AFB317-E77B-4A37-B947-5F223041B71F}"/>
               </a:ext>
             </a:extLst>
           </p:cNvPr>
@@ -10620,7 +12751,7 @@
         </p:nvSpPr>
         <p:spPr>
           <a:xfrm>
-            <a:off x="3811942" y="3171079"/>
+            <a:off x="3811942" y="4103063"/>
             <a:ext cx="483577" cy="461665"/>
           </a:xfrm>
           <a:prstGeom prst="rect">
@@ -10657,10 +12788,10 @@
       </p:sp>
       <p:sp>
         <p:nvSpPr>
-          <p:cNvPr id="168" name="Rectangle 167">
-            <a:extLst>
-              <a:ext uri="{FF2B5EF4-FFF2-40B4-BE49-F238E27FC236}">
-                <a16:creationId xmlns:a16="http://schemas.microsoft.com/office/drawing/2014/main" id="{317D2FB0-C57E-42B9-971B-681D81AD8169}"/>
+          <p:cNvPr id="116" name="Rectangle 115">
+            <a:extLst>
+              <a:ext uri="{FF2B5EF4-FFF2-40B4-BE49-F238E27FC236}">
+                <a16:creationId xmlns:a16="http://schemas.microsoft.com/office/drawing/2014/main" id="{3BCB1167-4F15-4782-AAB9-6C0D20F284EA}"/>
               </a:ext>
             </a:extLst>
           </p:cNvPr>
@@ -10669,7 +12800,7 @@
         </p:nvSpPr>
         <p:spPr>
           <a:xfrm>
-            <a:off x="3811942" y="3659251"/>
+            <a:off x="3811942" y="4591235"/>
             <a:ext cx="483577" cy="461665"/>
           </a:xfrm>
           <a:prstGeom prst="rect">
@@ -10706,10 +12837,10 @@
       </p:sp>
       <p:sp>
         <p:nvSpPr>
-          <p:cNvPr id="169" name="Rectangle 168">
-            <a:extLst>
-              <a:ext uri="{FF2B5EF4-FFF2-40B4-BE49-F238E27FC236}">
-                <a16:creationId xmlns:a16="http://schemas.microsoft.com/office/drawing/2014/main" id="{6725D031-6AEA-47DA-AF2F-8E43F3DE4118}"/>
+          <p:cNvPr id="117" name="Rectangle 116">
+            <a:extLst>
+              <a:ext uri="{FF2B5EF4-FFF2-40B4-BE49-F238E27FC236}">
+                <a16:creationId xmlns:a16="http://schemas.microsoft.com/office/drawing/2014/main" id="{343719F5-E0F6-4574-A568-A803F054979F}"/>
               </a:ext>
             </a:extLst>
           </p:cNvPr>
@@ -10718,7 +12849,7 @@
         </p:nvSpPr>
         <p:spPr>
           <a:xfrm>
-            <a:off x="3811942" y="4147423"/>
+            <a:off x="3811942" y="5079407"/>
             <a:ext cx="483577" cy="461665"/>
           </a:xfrm>
           <a:prstGeom prst="rect">
@@ -10764,10 +12895,10 @@
       </p:sp>
       <p:sp>
         <p:nvSpPr>
-          <p:cNvPr id="171" name="Rectangle 170">
-            <a:extLst>
-              <a:ext uri="{FF2B5EF4-FFF2-40B4-BE49-F238E27FC236}">
-                <a16:creationId xmlns:a16="http://schemas.microsoft.com/office/drawing/2014/main" id="{006B8B6E-E061-4292-827B-A5875B0FB652}"/>
+          <p:cNvPr id="129" name="Rectangle 128">
+            <a:extLst>
+              <a:ext uri="{FF2B5EF4-FFF2-40B4-BE49-F238E27FC236}">
+                <a16:creationId xmlns:a16="http://schemas.microsoft.com/office/drawing/2014/main" id="{A0971DC0-CC9B-4046-B75C-908C73521CB3}"/>
               </a:ext>
             </a:extLst>
           </p:cNvPr>
@@ -10776,7 +12907,7 @@
         </p:nvSpPr>
         <p:spPr>
           <a:xfrm>
-            <a:off x="3811942" y="4635595"/>
+            <a:off x="3811942" y="5567579"/>
             <a:ext cx="483577" cy="461665"/>
           </a:xfrm>
           <a:prstGeom prst="rect">
@@ -10815,10 +12946,10 @@
       </p:sp>
       <p:sp>
         <p:nvSpPr>
-          <p:cNvPr id="172" name="Rectangle 171">
-            <a:extLst>
-              <a:ext uri="{FF2B5EF4-FFF2-40B4-BE49-F238E27FC236}">
-                <a16:creationId xmlns:a16="http://schemas.microsoft.com/office/drawing/2014/main" id="{915B8D62-03A8-4E54-84E4-94C9D8E140BD}"/>
+          <p:cNvPr id="135" name="Rectangle 134">
+            <a:extLst>
+              <a:ext uri="{FF2B5EF4-FFF2-40B4-BE49-F238E27FC236}">
+                <a16:creationId xmlns:a16="http://schemas.microsoft.com/office/drawing/2014/main" id="{D2AF23EC-3E23-4BB6-96B7-63477B43427A}"/>
               </a:ext>
             </a:extLst>
           </p:cNvPr>
@@ -10827,7 +12958,7 @@
         </p:nvSpPr>
         <p:spPr>
           <a:xfrm>
-            <a:off x="4322370" y="2682907"/>
+            <a:off x="4322370" y="3614891"/>
             <a:ext cx="483577" cy="461665"/>
           </a:xfrm>
           <a:prstGeom prst="rect">
@@ -10864,10 +12995,10 @@
       </p:sp>
       <p:sp>
         <p:nvSpPr>
-          <p:cNvPr id="174" name="Rectangle 173">
-            <a:extLst>
-              <a:ext uri="{FF2B5EF4-FFF2-40B4-BE49-F238E27FC236}">
-                <a16:creationId xmlns:a16="http://schemas.microsoft.com/office/drawing/2014/main" id="{7033B9D4-5807-4C40-9543-F7C3443E2707}"/>
+          <p:cNvPr id="136" name="Rectangle 135">
+            <a:extLst>
+              <a:ext uri="{FF2B5EF4-FFF2-40B4-BE49-F238E27FC236}">
+                <a16:creationId xmlns:a16="http://schemas.microsoft.com/office/drawing/2014/main" id="{9F8EFC80-6B39-4564-A522-9C8D93A9D169}"/>
               </a:ext>
             </a:extLst>
           </p:cNvPr>
@@ -10876,7 +13007,7 @@
         </p:nvSpPr>
         <p:spPr>
           <a:xfrm>
-            <a:off x="4322370" y="3171079"/>
+            <a:off x="4322370" y="4103063"/>
             <a:ext cx="483577" cy="461665"/>
           </a:xfrm>
           <a:prstGeom prst="rect">
@@ -10920,10 +13051,10 @@
       </p:sp>
       <p:sp>
         <p:nvSpPr>
-          <p:cNvPr id="175" name="Rectangle 174">
-            <a:extLst>
-              <a:ext uri="{FF2B5EF4-FFF2-40B4-BE49-F238E27FC236}">
-                <a16:creationId xmlns:a16="http://schemas.microsoft.com/office/drawing/2014/main" id="{BFD936E7-DAA8-452C-ACB2-ECE71AE7E7D5}"/>
+          <p:cNvPr id="137" name="Rectangle 136">
+            <a:extLst>
+              <a:ext uri="{FF2B5EF4-FFF2-40B4-BE49-F238E27FC236}">
+                <a16:creationId xmlns:a16="http://schemas.microsoft.com/office/drawing/2014/main" id="{B792A80D-D5BE-4667-BDCC-EDF5BFF0E53C}"/>
               </a:ext>
             </a:extLst>
           </p:cNvPr>
@@ -10932,7 +13063,7 @@
         </p:nvSpPr>
         <p:spPr>
           <a:xfrm>
-            <a:off x="4322370" y="3659251"/>
+            <a:off x="4322370" y="4591235"/>
             <a:ext cx="483577" cy="461665"/>
           </a:xfrm>
           <a:prstGeom prst="rect">
@@ -10969,10 +13100,10 @@
       </p:sp>
       <p:sp>
         <p:nvSpPr>
-          <p:cNvPr id="177" name="Rectangle 176">
-            <a:extLst>
-              <a:ext uri="{FF2B5EF4-FFF2-40B4-BE49-F238E27FC236}">
-                <a16:creationId xmlns:a16="http://schemas.microsoft.com/office/drawing/2014/main" id="{290B07F5-8C03-4C88-817A-0CE7F6497F02}"/>
+          <p:cNvPr id="138" name="Rectangle 137">
+            <a:extLst>
+              <a:ext uri="{FF2B5EF4-FFF2-40B4-BE49-F238E27FC236}">
+                <a16:creationId xmlns:a16="http://schemas.microsoft.com/office/drawing/2014/main" id="{29E413F9-7DDC-473F-AF2B-84018A09D151}"/>
               </a:ext>
             </a:extLst>
           </p:cNvPr>
@@ -10981,7 +13112,7 @@
         </p:nvSpPr>
         <p:spPr>
           <a:xfrm>
-            <a:off x="4322370" y="4147423"/>
+            <a:off x="4322370" y="5079407"/>
             <a:ext cx="483577" cy="461665"/>
           </a:xfrm>
           <a:prstGeom prst="rect">
@@ -11018,10 +13149,10 @@
       </p:sp>
       <p:sp>
         <p:nvSpPr>
-          <p:cNvPr id="178" name="Rectangle 177">
-            <a:extLst>
-              <a:ext uri="{FF2B5EF4-FFF2-40B4-BE49-F238E27FC236}">
-                <a16:creationId xmlns:a16="http://schemas.microsoft.com/office/drawing/2014/main" id="{140783D1-032E-40CD-996E-293959A3A438}"/>
+          <p:cNvPr id="139" name="Rectangle 138">
+            <a:extLst>
+              <a:ext uri="{FF2B5EF4-FFF2-40B4-BE49-F238E27FC236}">
+                <a16:creationId xmlns:a16="http://schemas.microsoft.com/office/drawing/2014/main" id="{1BC7E25D-BA95-45BE-BEBC-CD00A548D03E}"/>
               </a:ext>
             </a:extLst>
           </p:cNvPr>
@@ -11030,7 +13161,7 @@
         </p:nvSpPr>
         <p:spPr>
           <a:xfrm>
-            <a:off x="4322370" y="4635595"/>
+            <a:off x="4322370" y="5567579"/>
             <a:ext cx="483577" cy="461665"/>
           </a:xfrm>
           <a:prstGeom prst="rect">
@@ -11081,10 +13212,10 @@
       </p:sp>
       <p:sp>
         <p:nvSpPr>
-          <p:cNvPr id="181" name="Rectangle 180">
-            <a:extLst>
-              <a:ext uri="{FF2B5EF4-FFF2-40B4-BE49-F238E27FC236}">
-                <a16:creationId xmlns:a16="http://schemas.microsoft.com/office/drawing/2014/main" id="{03046F60-20C8-4617-9B8D-F5D1912A7793}"/>
+          <p:cNvPr id="140" name="Arrow: Down 139">
+            <a:extLst>
+              <a:ext uri="{FF2B5EF4-FFF2-40B4-BE49-F238E27FC236}">
+                <a16:creationId xmlns:a16="http://schemas.microsoft.com/office/drawing/2014/main" id="{F28DB453-60FA-46B0-BF49-6D344DF2FFEF}"/>
               </a:ext>
             </a:extLst>
           </p:cNvPr>
@@ -11093,17 +13224,14 @@
         </p:nvSpPr>
         <p:spPr>
           <a:xfrm>
-            <a:off x="6412587" y="2682907"/>
+            <a:off x="3301514" y="2406052"/>
             <a:ext cx="483577" cy="461665"/>
           </a:xfrm>
-          <a:prstGeom prst="rect">
+          <a:prstGeom prst="downArrow">
             <a:avLst/>
           </a:prstGeom>
           <a:solidFill>
-            <a:schemeClr val="accent6">
-              <a:lumMod val="60000"/>
-              <a:lumOff val="40000"/>
-            </a:schemeClr>
+            <a:schemeClr val="tx2"/>
           </a:solidFill>
         </p:spPr>
         <p:style>
@@ -11127,505 +13255,88 @@
           <a:lstStyle/>
           <a:p>
             <a:pPr algn="ctr"/>
+            <a:endParaRPr lang="en-GB"/>
+          </a:p>
+        </p:txBody>
+      </p:sp>
+      <p:sp>
+        <p:nvSpPr>
+          <p:cNvPr id="141" name="TextBox 140">
+            <a:extLst>
+              <a:ext uri="{FF2B5EF4-FFF2-40B4-BE49-F238E27FC236}">
+                <a16:creationId xmlns:a16="http://schemas.microsoft.com/office/drawing/2014/main" id="{E297CF3C-320D-4376-B774-87C969246E31}"/>
+              </a:ext>
+            </a:extLst>
+          </p:cNvPr>
+          <p:cNvSpPr txBox="1"/>
+          <p:nvPr/>
+        </p:nvSpPr>
+        <p:spPr>
+          <a:xfrm>
+            <a:off x="262889" y="1332106"/>
+            <a:ext cx="1999709" cy="830997"/>
+          </a:xfrm>
+          <a:prstGeom prst="rect">
+            <a:avLst/>
+          </a:prstGeom>
+          <a:noFill/>
+        </p:spPr>
+        <p:txBody>
+          <a:bodyPr wrap="square" rtlCol="0">
+            <a:spAutoFit/>
+          </a:bodyPr>
+          <a:lstStyle/>
+          <a:p>
+            <a:pPr algn="r"/>
             <a:r>
-              <a:rPr lang="en-GB" dirty="0"/>
-              <a:t>v2</a:t>
+              <a:rPr lang="en-US" sz="2400" dirty="0"/>
+              <a:t>k-dimensional  vectors</a:t>
             </a:r>
           </a:p>
         </p:txBody>
       </p:sp>
       <p:sp>
         <p:nvSpPr>
-          <p:cNvPr id="183" name="Rectangle 182">
-            <a:extLst>
-              <a:ext uri="{FF2B5EF4-FFF2-40B4-BE49-F238E27FC236}">
-                <a16:creationId xmlns:a16="http://schemas.microsoft.com/office/drawing/2014/main" id="{B1D9B311-16E7-4992-B777-95C295857BB7}"/>
-              </a:ext>
-            </a:extLst>
-          </p:cNvPr>
-          <p:cNvSpPr/>
-          <p:nvPr/>
-        </p:nvSpPr>
-        <p:spPr>
-          <a:xfrm>
-            <a:off x="6923015" y="2682907"/>
-            <a:ext cx="483577" cy="461665"/>
+          <p:cNvPr id="142" name="TextBox 141">
+            <a:extLst>
+              <a:ext uri="{FF2B5EF4-FFF2-40B4-BE49-F238E27FC236}">
+                <a16:creationId xmlns:a16="http://schemas.microsoft.com/office/drawing/2014/main" id="{6D59FD05-7615-4C77-BBBA-86F955E3DE88}"/>
+              </a:ext>
+            </a:extLst>
+          </p:cNvPr>
+          <p:cNvSpPr txBox="1"/>
+          <p:nvPr/>
+        </p:nvSpPr>
+        <p:spPr>
+          <a:xfrm>
+            <a:off x="6426012" y="5621053"/>
+            <a:ext cx="5064004" cy="461665"/>
           </a:xfrm>
           <a:prstGeom prst="rect">
             <a:avLst/>
           </a:prstGeom>
-          <a:solidFill>
-            <a:schemeClr val="accent6">
-              <a:lumMod val="60000"/>
-              <a:lumOff val="40000"/>
-            </a:schemeClr>
-          </a:solidFill>
-        </p:spPr>
-        <p:style>
-          <a:lnRef idx="2">
-            <a:schemeClr val="accent1">
-              <a:shade val="50000"/>
-            </a:schemeClr>
-          </a:lnRef>
-          <a:fillRef idx="1">
-            <a:schemeClr val="accent1"/>
-          </a:fillRef>
-          <a:effectRef idx="0">
-            <a:schemeClr val="accent1"/>
-          </a:effectRef>
-          <a:fontRef idx="minor">
-            <a:schemeClr val="lt1"/>
-          </a:fontRef>
-        </p:style>
-        <p:txBody>
-          <a:bodyPr rtlCol="0" anchor="ctr"/>
+          <a:noFill/>
+        </p:spPr>
+        <p:txBody>
+          <a:bodyPr wrap="square" rtlCol="0">
+            <a:spAutoFit/>
+          </a:bodyPr>
           <a:lstStyle/>
           <a:p>
             <a:pPr algn="ctr"/>
             <a:r>
-              <a:rPr lang="en-GB" dirty="0"/>
-              <a:t>v3</a:t>
+              <a:rPr lang="en-US" sz="2400" dirty="0"/>
+              <a:t>distance matrix</a:t>
             </a:r>
           </a:p>
         </p:txBody>
       </p:sp>
       <p:sp>
         <p:nvSpPr>
-          <p:cNvPr id="184" name="Rectangle 183">
-            <a:extLst>
-              <a:ext uri="{FF2B5EF4-FFF2-40B4-BE49-F238E27FC236}">
-                <a16:creationId xmlns:a16="http://schemas.microsoft.com/office/drawing/2014/main" id="{A94110CB-7815-4F8B-9876-E41354DA6C0C}"/>
-              </a:ext>
-            </a:extLst>
-          </p:cNvPr>
-          <p:cNvSpPr/>
-          <p:nvPr/>
-        </p:nvSpPr>
-        <p:spPr>
-          <a:xfrm>
-            <a:off x="7433443" y="2682907"/>
-            <a:ext cx="483577" cy="461665"/>
-          </a:xfrm>
-          <a:prstGeom prst="rect">
-            <a:avLst/>
-          </a:prstGeom>
-          <a:solidFill>
-            <a:schemeClr val="accent6">
-              <a:lumMod val="60000"/>
-              <a:lumOff val="40000"/>
-            </a:schemeClr>
-          </a:solidFill>
-        </p:spPr>
-        <p:style>
-          <a:lnRef idx="2">
-            <a:schemeClr val="accent1">
-              <a:shade val="50000"/>
-            </a:schemeClr>
-          </a:lnRef>
-          <a:fillRef idx="1">
-            <a:schemeClr val="accent1"/>
-          </a:fillRef>
-          <a:effectRef idx="0">
-            <a:schemeClr val="accent1"/>
-          </a:effectRef>
-          <a:fontRef idx="minor">
-            <a:schemeClr val="lt1"/>
-          </a:fontRef>
-        </p:style>
-        <p:txBody>
-          <a:bodyPr rtlCol="0" anchor="ctr"/>
-          <a:lstStyle/>
-          <a:p>
-            <a:pPr algn="ctr"/>
-            <a:endParaRPr lang="en-GB"/>
-          </a:p>
-        </p:txBody>
-      </p:sp>
-      <p:sp>
-        <p:nvSpPr>
-          <p:cNvPr id="186" name="Rectangle 185">
-            <a:extLst>
-              <a:ext uri="{FF2B5EF4-FFF2-40B4-BE49-F238E27FC236}">
-                <a16:creationId xmlns:a16="http://schemas.microsoft.com/office/drawing/2014/main" id="{450CF98F-7D41-4BA7-83EF-9EC84C13AD87}"/>
-              </a:ext>
-            </a:extLst>
-          </p:cNvPr>
-          <p:cNvSpPr/>
-          <p:nvPr/>
-        </p:nvSpPr>
-        <p:spPr>
-          <a:xfrm>
-            <a:off x="7943871" y="2682907"/>
-            <a:ext cx="483577" cy="461665"/>
-          </a:xfrm>
-          <a:prstGeom prst="rect">
-            <a:avLst/>
-          </a:prstGeom>
-          <a:solidFill>
-            <a:schemeClr val="accent6">
-              <a:lumMod val="60000"/>
-              <a:lumOff val="40000"/>
-            </a:schemeClr>
-          </a:solidFill>
-        </p:spPr>
-        <p:style>
-          <a:lnRef idx="2">
-            <a:schemeClr val="accent1">
-              <a:shade val="50000"/>
-            </a:schemeClr>
-          </a:lnRef>
-          <a:fillRef idx="1">
-            <a:schemeClr val="accent1"/>
-          </a:fillRef>
-          <a:effectRef idx="0">
-            <a:schemeClr val="accent1"/>
-          </a:effectRef>
-          <a:fontRef idx="minor">
-            <a:schemeClr val="lt1"/>
-          </a:fontRef>
-        </p:style>
-        <p:txBody>
-          <a:bodyPr rtlCol="0" anchor="ctr"/>
-          <a:lstStyle/>
-          <a:p>
-            <a:pPr algn="ctr"/>
-            <a:r>
-              <a:rPr lang="en-GB" dirty="0" err="1"/>
-              <a:t>vk</a:t>
-            </a:r>
-            <a:endParaRPr lang="en-GB" dirty="0"/>
-          </a:p>
-        </p:txBody>
-      </p:sp>
-      <p:sp>
-        <p:nvSpPr>
-          <p:cNvPr id="187" name="Rectangle 186">
-            <a:extLst>
-              <a:ext uri="{FF2B5EF4-FFF2-40B4-BE49-F238E27FC236}">
-                <a16:creationId xmlns:a16="http://schemas.microsoft.com/office/drawing/2014/main" id="{F3CA942D-CAD2-410D-B1E2-D4F7E92F01E9}"/>
-              </a:ext>
-            </a:extLst>
-          </p:cNvPr>
-          <p:cNvSpPr/>
-          <p:nvPr/>
-        </p:nvSpPr>
-        <p:spPr>
-          <a:xfrm>
-            <a:off x="8454299" y="2682907"/>
-            <a:ext cx="483577" cy="461665"/>
-          </a:xfrm>
-          <a:prstGeom prst="rect">
-            <a:avLst/>
-          </a:prstGeom>
-          <a:solidFill>
-            <a:schemeClr val="accent6">
-              <a:lumMod val="60000"/>
-              <a:lumOff val="40000"/>
-            </a:schemeClr>
-          </a:solidFill>
-        </p:spPr>
-        <p:style>
-          <a:lnRef idx="2">
-            <a:schemeClr val="accent1">
-              <a:shade val="50000"/>
-            </a:schemeClr>
-          </a:lnRef>
-          <a:fillRef idx="1">
-            <a:schemeClr val="accent1"/>
-          </a:fillRef>
-          <a:effectRef idx="0">
-            <a:schemeClr val="accent1"/>
-          </a:effectRef>
-          <a:fontRef idx="minor">
-            <a:schemeClr val="lt1"/>
-          </a:fontRef>
-        </p:style>
-        <p:txBody>
-          <a:bodyPr rtlCol="0" anchor="ctr"/>
-          <a:lstStyle/>
-          <a:p>
-            <a:pPr algn="ctr"/>
-            <a:r>
-              <a:rPr lang="en-GB" dirty="0"/>
-              <a:t>v3</a:t>
-            </a:r>
-          </a:p>
-        </p:txBody>
-      </p:sp>
-      <p:sp>
-        <p:nvSpPr>
-          <p:cNvPr id="189" name="Rectangle 188">
-            <a:extLst>
-              <a:ext uri="{FF2B5EF4-FFF2-40B4-BE49-F238E27FC236}">
-                <a16:creationId xmlns:a16="http://schemas.microsoft.com/office/drawing/2014/main" id="{26704AC9-E9F5-4038-BC1E-27BBC4714755}"/>
-              </a:ext>
-            </a:extLst>
-          </p:cNvPr>
-          <p:cNvSpPr/>
-          <p:nvPr/>
-        </p:nvSpPr>
-        <p:spPr>
-          <a:xfrm>
-            <a:off x="8964727" y="2682907"/>
-            <a:ext cx="483577" cy="461665"/>
-          </a:xfrm>
-          <a:prstGeom prst="rect">
-            <a:avLst/>
-          </a:prstGeom>
-          <a:solidFill>
-            <a:schemeClr val="accent6">
-              <a:lumMod val="60000"/>
-              <a:lumOff val="40000"/>
-            </a:schemeClr>
-          </a:solidFill>
-        </p:spPr>
-        <p:style>
-          <a:lnRef idx="2">
-            <a:schemeClr val="accent1">
-              <a:shade val="50000"/>
-            </a:schemeClr>
-          </a:lnRef>
-          <a:fillRef idx="1">
-            <a:schemeClr val="accent1"/>
-          </a:fillRef>
-          <a:effectRef idx="0">
-            <a:schemeClr val="accent1"/>
-          </a:effectRef>
-          <a:fontRef idx="minor">
-            <a:schemeClr val="lt1"/>
-          </a:fontRef>
-        </p:style>
-        <p:txBody>
-          <a:bodyPr rtlCol="0" anchor="ctr"/>
-          <a:lstStyle/>
-          <a:p>
-            <a:pPr algn="ctr"/>
-            <a:endParaRPr lang="en-GB"/>
-          </a:p>
-        </p:txBody>
-      </p:sp>
-      <p:sp>
-        <p:nvSpPr>
-          <p:cNvPr id="190" name="Rectangle 189">
-            <a:extLst>
-              <a:ext uri="{FF2B5EF4-FFF2-40B4-BE49-F238E27FC236}">
-                <a16:creationId xmlns:a16="http://schemas.microsoft.com/office/drawing/2014/main" id="{FD1DE105-73DA-4383-AFF2-C5C8D8FEE473}"/>
-              </a:ext>
-            </a:extLst>
-          </p:cNvPr>
-          <p:cNvSpPr/>
-          <p:nvPr/>
-        </p:nvSpPr>
-        <p:spPr>
-          <a:xfrm>
-            <a:off x="9475155" y="2682907"/>
-            <a:ext cx="483577" cy="461665"/>
-          </a:xfrm>
-          <a:prstGeom prst="rect">
-            <a:avLst/>
-          </a:prstGeom>
-          <a:solidFill>
-            <a:schemeClr val="accent6">
-              <a:lumMod val="60000"/>
-              <a:lumOff val="40000"/>
-            </a:schemeClr>
-          </a:solidFill>
-        </p:spPr>
-        <p:style>
-          <a:lnRef idx="2">
-            <a:schemeClr val="accent1">
-              <a:shade val="50000"/>
-            </a:schemeClr>
-          </a:lnRef>
-          <a:fillRef idx="1">
-            <a:schemeClr val="accent1"/>
-          </a:fillRef>
-          <a:effectRef idx="0">
-            <a:schemeClr val="accent1"/>
-          </a:effectRef>
-          <a:fontRef idx="minor">
-            <a:schemeClr val="lt1"/>
-          </a:fontRef>
-        </p:style>
-        <p:txBody>
-          <a:bodyPr rtlCol="0" anchor="ctr"/>
-          <a:lstStyle/>
-          <a:p>
-            <a:pPr algn="ctr"/>
-            <a:r>
-              <a:rPr lang="en-GB" dirty="0" err="1"/>
-              <a:t>vk</a:t>
-            </a:r>
-            <a:endParaRPr lang="en-GB" dirty="0"/>
-          </a:p>
-        </p:txBody>
-      </p:sp>
-      <p:sp>
-        <p:nvSpPr>
-          <p:cNvPr id="192" name="Rectangle 191">
-            <a:extLst>
-              <a:ext uri="{FF2B5EF4-FFF2-40B4-BE49-F238E27FC236}">
-                <a16:creationId xmlns:a16="http://schemas.microsoft.com/office/drawing/2014/main" id="{3B31926D-FFD5-4110-B3E8-B3E082EA4E9A}"/>
-              </a:ext>
-            </a:extLst>
-          </p:cNvPr>
-          <p:cNvSpPr/>
-          <p:nvPr/>
-        </p:nvSpPr>
-        <p:spPr>
-          <a:xfrm>
-            <a:off x="9985583" y="2682907"/>
-            <a:ext cx="483577" cy="461665"/>
-          </a:xfrm>
-          <a:prstGeom prst="rect">
-            <a:avLst/>
-          </a:prstGeom>
-          <a:solidFill>
-            <a:schemeClr val="accent6">
-              <a:lumMod val="60000"/>
-              <a:lumOff val="40000"/>
-            </a:schemeClr>
-          </a:solidFill>
-        </p:spPr>
-        <p:style>
-          <a:lnRef idx="2">
-            <a:schemeClr val="accent1">
-              <a:shade val="50000"/>
-            </a:schemeClr>
-          </a:lnRef>
-          <a:fillRef idx="1">
-            <a:schemeClr val="accent1"/>
-          </a:fillRef>
-          <a:effectRef idx="0">
-            <a:schemeClr val="accent1"/>
-          </a:effectRef>
-          <a:fontRef idx="minor">
-            <a:schemeClr val="lt1"/>
-          </a:fontRef>
-        </p:style>
-        <p:txBody>
-          <a:bodyPr rtlCol="0" anchor="ctr"/>
-          <a:lstStyle/>
-          <a:p>
-            <a:pPr algn="ctr"/>
-            <a:endParaRPr lang="en-GB"/>
-          </a:p>
-        </p:txBody>
-      </p:sp>
-      <p:sp>
-        <p:nvSpPr>
-          <p:cNvPr id="193" name="Rectangle 192">
-            <a:extLst>
-              <a:ext uri="{FF2B5EF4-FFF2-40B4-BE49-F238E27FC236}">
-                <a16:creationId xmlns:a16="http://schemas.microsoft.com/office/drawing/2014/main" id="{D9F3D714-ED5C-4596-95EA-B48072236E85}"/>
-              </a:ext>
-            </a:extLst>
-          </p:cNvPr>
-          <p:cNvSpPr/>
-          <p:nvPr/>
-        </p:nvSpPr>
-        <p:spPr>
-          <a:xfrm>
-            <a:off x="10496011" y="2682907"/>
-            <a:ext cx="483577" cy="461665"/>
-          </a:xfrm>
-          <a:prstGeom prst="rect">
-            <a:avLst/>
-          </a:prstGeom>
-          <a:solidFill>
-            <a:schemeClr val="accent6">
-              <a:lumMod val="60000"/>
-              <a:lumOff val="40000"/>
-            </a:schemeClr>
-          </a:solidFill>
-        </p:spPr>
-        <p:style>
-          <a:lnRef idx="2">
-            <a:schemeClr val="accent1">
-              <a:shade val="50000"/>
-            </a:schemeClr>
-          </a:lnRef>
-          <a:fillRef idx="1">
-            <a:schemeClr val="accent1"/>
-          </a:fillRef>
-          <a:effectRef idx="0">
-            <a:schemeClr val="accent1"/>
-          </a:effectRef>
-          <a:fontRef idx="minor">
-            <a:schemeClr val="lt1"/>
-          </a:fontRef>
-        </p:style>
-        <p:txBody>
-          <a:bodyPr rtlCol="0" anchor="ctr"/>
-          <a:lstStyle/>
-          <a:p>
-            <a:pPr algn="ctr"/>
-            <a:r>
-              <a:rPr lang="en-GB" dirty="0" err="1"/>
-              <a:t>vk</a:t>
-            </a:r>
-            <a:endParaRPr lang="en-GB" dirty="0"/>
-          </a:p>
-        </p:txBody>
-      </p:sp>
-      <p:sp>
-        <p:nvSpPr>
-          <p:cNvPr id="195" name="Rectangle 194">
-            <a:extLst>
-              <a:ext uri="{FF2B5EF4-FFF2-40B4-BE49-F238E27FC236}">
-                <a16:creationId xmlns:a16="http://schemas.microsoft.com/office/drawing/2014/main" id="{F328F279-379E-4ABC-8254-5A37835035B1}"/>
-              </a:ext>
-            </a:extLst>
-          </p:cNvPr>
-          <p:cNvSpPr/>
-          <p:nvPr/>
-        </p:nvSpPr>
-        <p:spPr>
-          <a:xfrm>
-            <a:off x="11006439" y="2682907"/>
-            <a:ext cx="483577" cy="461665"/>
-          </a:xfrm>
-          <a:prstGeom prst="rect">
-            <a:avLst/>
-          </a:prstGeom>
-          <a:solidFill>
-            <a:schemeClr val="accent6">
-              <a:lumMod val="60000"/>
-              <a:lumOff val="40000"/>
-            </a:schemeClr>
-          </a:solidFill>
-        </p:spPr>
-        <p:style>
-          <a:lnRef idx="2">
-            <a:schemeClr val="accent1">
-              <a:shade val="50000"/>
-            </a:schemeClr>
-          </a:lnRef>
-          <a:fillRef idx="1">
-            <a:schemeClr val="accent1"/>
-          </a:fillRef>
-          <a:effectRef idx="0">
-            <a:schemeClr val="accent1"/>
-          </a:effectRef>
-          <a:fontRef idx="minor">
-            <a:schemeClr val="lt1"/>
-          </a:fontRef>
-        </p:style>
-        <p:txBody>
-          <a:bodyPr rtlCol="0" anchor="ctr"/>
-          <a:lstStyle/>
-          <a:p>
-            <a:pPr algn="ctr"/>
-            <a:endParaRPr lang="en-GB" dirty="0"/>
-          </a:p>
-        </p:txBody>
-      </p:sp>
-      <p:sp>
-        <p:nvSpPr>
-          <p:cNvPr id="210" name="TextBox 209">
-            <a:extLst>
-              <a:ext uri="{FF2B5EF4-FFF2-40B4-BE49-F238E27FC236}">
-                <a16:creationId xmlns:a16="http://schemas.microsoft.com/office/drawing/2014/main" id="{04F29981-26EA-48E3-9317-5812CECF8CB5}"/>
+          <p:cNvPr id="143" name="TextBox 142">
+            <a:extLst>
+              <a:ext uri="{FF2B5EF4-FFF2-40B4-BE49-F238E27FC236}">
+                <a16:creationId xmlns:a16="http://schemas.microsoft.com/office/drawing/2014/main" id="{203D6F76-E536-4C0E-AC5E-6DB7991D186C}"/>
               </a:ext>
             </a:extLst>
           </p:cNvPr>
@@ -11634,7 +13345,7 @@
         </p:nvSpPr>
         <p:spPr>
           <a:xfrm>
-            <a:off x="4805947" y="2682907"/>
+            <a:off x="5217882" y="2411769"/>
             <a:ext cx="1123063" cy="461665"/>
           </a:xfrm>
           <a:prstGeom prst="rect">
@@ -11652,1341 +13363,6 @@
             <a:r>
               <a:rPr lang="en-US" sz="2400" dirty="0"/>
               <a:t>tasks</a:t>
-            </a:r>
-          </a:p>
-        </p:txBody>
-      </p:sp>
-      <p:sp>
-        <p:nvSpPr>
-          <p:cNvPr id="211" name="Rectangle: Rounded Corners 210">
-            <a:extLst>
-              <a:ext uri="{FF2B5EF4-FFF2-40B4-BE49-F238E27FC236}">
-                <a16:creationId xmlns:a16="http://schemas.microsoft.com/office/drawing/2014/main" id="{B9062D3D-0C9B-431A-BBFF-89BC58AD53AC}"/>
-              </a:ext>
-            </a:extLst>
-          </p:cNvPr>
-          <p:cNvSpPr/>
-          <p:nvPr/>
-        </p:nvSpPr>
-        <p:spPr>
-          <a:xfrm>
-            <a:off x="6426013" y="3840373"/>
-            <a:ext cx="2511864" cy="537882"/>
-          </a:xfrm>
-          <a:prstGeom prst="roundRect">
-            <a:avLst/>
-          </a:prstGeom>
-        </p:spPr>
-        <p:style>
-          <a:lnRef idx="2">
-            <a:schemeClr val="accent1">
-              <a:shade val="50000"/>
-            </a:schemeClr>
-          </a:lnRef>
-          <a:fillRef idx="1">
-            <a:schemeClr val="accent1"/>
-          </a:fillRef>
-          <a:effectRef idx="0">
-            <a:schemeClr val="accent1"/>
-          </a:effectRef>
-          <a:fontRef idx="minor">
-            <a:schemeClr val="lt1"/>
-          </a:fontRef>
-        </p:style>
-        <p:txBody>
-          <a:bodyPr rtlCol="0" anchor="ctr"/>
-          <a:lstStyle/>
-          <a:p>
-            <a:pPr algn="ctr"/>
-            <a:r>
-              <a:rPr lang="en-GB" dirty="0"/>
-              <a:t>Parallel execution</a:t>
-            </a:r>
-          </a:p>
-          <a:p>
-            <a:pPr algn="ctr"/>
-            <a:r>
-              <a:rPr lang="en-GB" dirty="0"/>
-              <a:t>process P1</a:t>
-            </a:r>
-          </a:p>
-        </p:txBody>
-      </p:sp>
-      <p:sp>
-        <p:nvSpPr>
-          <p:cNvPr id="213" name="Arrow: Down 212">
-            <a:extLst>
-              <a:ext uri="{FF2B5EF4-FFF2-40B4-BE49-F238E27FC236}">
-                <a16:creationId xmlns:a16="http://schemas.microsoft.com/office/drawing/2014/main" id="{F4BBC499-701D-446C-BE18-75B0F1011082}"/>
-              </a:ext>
-            </a:extLst>
-          </p:cNvPr>
-          <p:cNvSpPr/>
-          <p:nvPr/>
-        </p:nvSpPr>
-        <p:spPr>
-          <a:xfrm>
-            <a:off x="9992296" y="3261640"/>
-            <a:ext cx="483577" cy="461665"/>
-          </a:xfrm>
-          <a:prstGeom prst="downArrow">
-            <a:avLst/>
-          </a:prstGeom>
-          <a:solidFill>
-            <a:srgbClr val="FF0000"/>
-          </a:solidFill>
-        </p:spPr>
-        <p:style>
-          <a:lnRef idx="2">
-            <a:schemeClr val="accent1">
-              <a:shade val="50000"/>
-            </a:schemeClr>
-          </a:lnRef>
-          <a:fillRef idx="1">
-            <a:schemeClr val="accent1"/>
-          </a:fillRef>
-          <a:effectRef idx="0">
-            <a:schemeClr val="accent1"/>
-          </a:effectRef>
-          <a:fontRef idx="minor">
-            <a:schemeClr val="lt1"/>
-          </a:fontRef>
-        </p:style>
-        <p:txBody>
-          <a:bodyPr rtlCol="0" anchor="ctr"/>
-          <a:lstStyle/>
-          <a:p>
-            <a:pPr algn="ctr"/>
-            <a:endParaRPr lang="en-GB"/>
-          </a:p>
-        </p:txBody>
-      </p:sp>
-      <p:sp>
-        <p:nvSpPr>
-          <p:cNvPr id="217" name="Arrow: Down 216">
-            <a:extLst>
-              <a:ext uri="{FF2B5EF4-FFF2-40B4-BE49-F238E27FC236}">
-                <a16:creationId xmlns:a16="http://schemas.microsoft.com/office/drawing/2014/main" id="{9FA3A00A-A094-40D1-8311-002C9CA15CFC}"/>
-              </a:ext>
-            </a:extLst>
-          </p:cNvPr>
-          <p:cNvSpPr/>
-          <p:nvPr/>
-        </p:nvSpPr>
-        <p:spPr>
-          <a:xfrm>
-            <a:off x="8722938" y="4498183"/>
-            <a:ext cx="483577" cy="461665"/>
-          </a:xfrm>
-          <a:prstGeom prst="downArrow">
-            <a:avLst/>
-          </a:prstGeom>
-          <a:solidFill>
-            <a:srgbClr val="FF0000"/>
-          </a:solidFill>
-        </p:spPr>
-        <p:style>
-          <a:lnRef idx="2">
-            <a:schemeClr val="accent1">
-              <a:shade val="50000"/>
-            </a:schemeClr>
-          </a:lnRef>
-          <a:fillRef idx="1">
-            <a:schemeClr val="accent1"/>
-          </a:fillRef>
-          <a:effectRef idx="0">
-            <a:schemeClr val="accent1"/>
-          </a:effectRef>
-          <a:fontRef idx="minor">
-            <a:schemeClr val="lt1"/>
-          </a:fontRef>
-        </p:style>
-        <p:txBody>
-          <a:bodyPr rtlCol="0" anchor="ctr"/>
-          <a:lstStyle/>
-          <a:p>
-            <a:pPr algn="ctr"/>
-            <a:endParaRPr lang="en-GB"/>
-          </a:p>
-        </p:txBody>
-      </p:sp>
-      <p:sp>
-        <p:nvSpPr>
-          <p:cNvPr id="219" name="Rectangle 218">
-            <a:extLst>
-              <a:ext uri="{FF2B5EF4-FFF2-40B4-BE49-F238E27FC236}">
-                <a16:creationId xmlns:a16="http://schemas.microsoft.com/office/drawing/2014/main" id="{CB067D37-C0E0-4660-A903-C8D29A45DD73}"/>
-              </a:ext>
-            </a:extLst>
-          </p:cNvPr>
-          <p:cNvSpPr/>
-          <p:nvPr/>
-        </p:nvSpPr>
-        <p:spPr>
-          <a:xfrm>
-            <a:off x="6412587" y="2192803"/>
-            <a:ext cx="483577" cy="461665"/>
-          </a:xfrm>
-          <a:prstGeom prst="rect">
-            <a:avLst/>
-          </a:prstGeom>
-          <a:solidFill>
-            <a:schemeClr val="accent6">
-              <a:lumMod val="60000"/>
-              <a:lumOff val="40000"/>
-            </a:schemeClr>
-          </a:solidFill>
-        </p:spPr>
-        <p:style>
-          <a:lnRef idx="2">
-            <a:schemeClr val="accent1">
-              <a:shade val="50000"/>
-            </a:schemeClr>
-          </a:lnRef>
-          <a:fillRef idx="1">
-            <a:schemeClr val="accent1"/>
-          </a:fillRef>
-          <a:effectRef idx="0">
-            <a:schemeClr val="accent1"/>
-          </a:effectRef>
-          <a:fontRef idx="minor">
-            <a:schemeClr val="lt1"/>
-          </a:fontRef>
-        </p:style>
-        <p:txBody>
-          <a:bodyPr rtlCol="0" anchor="ctr"/>
-          <a:lstStyle/>
-          <a:p>
-            <a:pPr algn="ctr"/>
-            <a:r>
-              <a:rPr lang="en-GB" dirty="0"/>
-              <a:t>v1</a:t>
-            </a:r>
-          </a:p>
-        </p:txBody>
-      </p:sp>
-      <p:sp>
-        <p:nvSpPr>
-          <p:cNvPr id="220" name="Rectangle 219">
-            <a:extLst>
-              <a:ext uri="{FF2B5EF4-FFF2-40B4-BE49-F238E27FC236}">
-                <a16:creationId xmlns:a16="http://schemas.microsoft.com/office/drawing/2014/main" id="{FBBF887C-750F-4909-8E33-B7DD7E7C3CE2}"/>
-              </a:ext>
-            </a:extLst>
-          </p:cNvPr>
-          <p:cNvSpPr/>
-          <p:nvPr/>
-        </p:nvSpPr>
-        <p:spPr>
-          <a:xfrm>
-            <a:off x="6923015" y="2192803"/>
-            <a:ext cx="483577" cy="461665"/>
-          </a:xfrm>
-          <a:prstGeom prst="rect">
-            <a:avLst/>
-          </a:prstGeom>
-          <a:solidFill>
-            <a:schemeClr val="accent6">
-              <a:lumMod val="60000"/>
-              <a:lumOff val="40000"/>
-            </a:schemeClr>
-          </a:solidFill>
-        </p:spPr>
-        <p:style>
-          <a:lnRef idx="2">
-            <a:schemeClr val="accent1">
-              <a:shade val="50000"/>
-            </a:schemeClr>
-          </a:lnRef>
-          <a:fillRef idx="1">
-            <a:schemeClr val="accent1"/>
-          </a:fillRef>
-          <a:effectRef idx="0">
-            <a:schemeClr val="accent1"/>
-          </a:effectRef>
-          <a:fontRef idx="minor">
-            <a:schemeClr val="lt1"/>
-          </a:fontRef>
-        </p:style>
-        <p:txBody>
-          <a:bodyPr rtlCol="0" anchor="ctr"/>
-          <a:lstStyle/>
-          <a:p>
-            <a:pPr algn="ctr"/>
-            <a:r>
-              <a:rPr lang="en-GB" dirty="0"/>
-              <a:t>v1</a:t>
-            </a:r>
-          </a:p>
-        </p:txBody>
-      </p:sp>
-      <p:sp>
-        <p:nvSpPr>
-          <p:cNvPr id="221" name="Rectangle 220">
-            <a:extLst>
-              <a:ext uri="{FF2B5EF4-FFF2-40B4-BE49-F238E27FC236}">
-                <a16:creationId xmlns:a16="http://schemas.microsoft.com/office/drawing/2014/main" id="{226BB957-E0EE-4CD2-A728-B581EBF9BCA0}"/>
-              </a:ext>
-            </a:extLst>
-          </p:cNvPr>
-          <p:cNvSpPr/>
-          <p:nvPr/>
-        </p:nvSpPr>
-        <p:spPr>
-          <a:xfrm>
-            <a:off x="7433443" y="2192803"/>
-            <a:ext cx="483577" cy="461665"/>
-          </a:xfrm>
-          <a:prstGeom prst="rect">
-            <a:avLst/>
-          </a:prstGeom>
-          <a:solidFill>
-            <a:schemeClr val="accent6">
-              <a:lumMod val="60000"/>
-              <a:lumOff val="40000"/>
-            </a:schemeClr>
-          </a:solidFill>
-        </p:spPr>
-        <p:style>
-          <a:lnRef idx="2">
-            <a:schemeClr val="accent1">
-              <a:shade val="50000"/>
-            </a:schemeClr>
-          </a:lnRef>
-          <a:fillRef idx="1">
-            <a:schemeClr val="accent1"/>
-          </a:fillRef>
-          <a:effectRef idx="0">
-            <a:schemeClr val="accent1"/>
-          </a:effectRef>
-          <a:fontRef idx="minor">
-            <a:schemeClr val="lt1"/>
-          </a:fontRef>
-        </p:style>
-        <p:txBody>
-          <a:bodyPr rtlCol="0" anchor="ctr"/>
-          <a:lstStyle/>
-          <a:p>
-            <a:pPr algn="ctr"/>
-            <a:r>
-              <a:rPr lang="en-GB" dirty="0"/>
-              <a:t>v1</a:t>
-            </a:r>
-          </a:p>
-        </p:txBody>
-      </p:sp>
-      <p:sp>
-        <p:nvSpPr>
-          <p:cNvPr id="222" name="Rectangle 221">
-            <a:extLst>
-              <a:ext uri="{FF2B5EF4-FFF2-40B4-BE49-F238E27FC236}">
-                <a16:creationId xmlns:a16="http://schemas.microsoft.com/office/drawing/2014/main" id="{C4C8D948-E121-4C87-89DA-50646D4137E5}"/>
-              </a:ext>
-            </a:extLst>
-          </p:cNvPr>
-          <p:cNvSpPr/>
-          <p:nvPr/>
-        </p:nvSpPr>
-        <p:spPr>
-          <a:xfrm>
-            <a:off x="7943871" y="2192803"/>
-            <a:ext cx="483577" cy="461665"/>
-          </a:xfrm>
-          <a:prstGeom prst="rect">
-            <a:avLst/>
-          </a:prstGeom>
-          <a:solidFill>
-            <a:schemeClr val="accent6">
-              <a:lumMod val="60000"/>
-              <a:lumOff val="40000"/>
-            </a:schemeClr>
-          </a:solidFill>
-        </p:spPr>
-        <p:style>
-          <a:lnRef idx="2">
-            <a:schemeClr val="accent1">
-              <a:shade val="50000"/>
-            </a:schemeClr>
-          </a:lnRef>
-          <a:fillRef idx="1">
-            <a:schemeClr val="accent1"/>
-          </a:fillRef>
-          <a:effectRef idx="0">
-            <a:schemeClr val="accent1"/>
-          </a:effectRef>
-          <a:fontRef idx="minor">
-            <a:schemeClr val="lt1"/>
-          </a:fontRef>
-        </p:style>
-        <p:txBody>
-          <a:bodyPr rtlCol="0" anchor="ctr"/>
-          <a:lstStyle/>
-          <a:p>
-            <a:pPr algn="ctr"/>
-            <a:r>
-              <a:rPr lang="en-GB" dirty="0"/>
-              <a:t>v1</a:t>
-            </a:r>
-          </a:p>
-        </p:txBody>
-      </p:sp>
-      <p:sp>
-        <p:nvSpPr>
-          <p:cNvPr id="223" name="Rectangle 222">
-            <a:extLst>
-              <a:ext uri="{FF2B5EF4-FFF2-40B4-BE49-F238E27FC236}">
-                <a16:creationId xmlns:a16="http://schemas.microsoft.com/office/drawing/2014/main" id="{30D57FF5-B1BB-469B-9809-585B8D97BEC8}"/>
-              </a:ext>
-            </a:extLst>
-          </p:cNvPr>
-          <p:cNvSpPr/>
-          <p:nvPr/>
-        </p:nvSpPr>
-        <p:spPr>
-          <a:xfrm>
-            <a:off x="8454299" y="2192803"/>
-            <a:ext cx="483577" cy="461665"/>
-          </a:xfrm>
-          <a:prstGeom prst="rect">
-            <a:avLst/>
-          </a:prstGeom>
-          <a:solidFill>
-            <a:schemeClr val="accent6">
-              <a:lumMod val="60000"/>
-              <a:lumOff val="40000"/>
-            </a:schemeClr>
-          </a:solidFill>
-        </p:spPr>
-        <p:style>
-          <a:lnRef idx="2">
-            <a:schemeClr val="accent1">
-              <a:shade val="50000"/>
-            </a:schemeClr>
-          </a:lnRef>
-          <a:fillRef idx="1">
-            <a:schemeClr val="accent1"/>
-          </a:fillRef>
-          <a:effectRef idx="0">
-            <a:schemeClr val="accent1"/>
-          </a:effectRef>
-          <a:fontRef idx="minor">
-            <a:schemeClr val="lt1"/>
-          </a:fontRef>
-        </p:style>
-        <p:txBody>
-          <a:bodyPr rtlCol="0" anchor="ctr"/>
-          <a:lstStyle/>
-          <a:p>
-            <a:pPr algn="ctr"/>
-            <a:r>
-              <a:rPr lang="en-GB" dirty="0"/>
-              <a:t>v2</a:t>
-            </a:r>
-          </a:p>
-        </p:txBody>
-      </p:sp>
-      <p:sp>
-        <p:nvSpPr>
-          <p:cNvPr id="224" name="Rectangle 223">
-            <a:extLst>
-              <a:ext uri="{FF2B5EF4-FFF2-40B4-BE49-F238E27FC236}">
-                <a16:creationId xmlns:a16="http://schemas.microsoft.com/office/drawing/2014/main" id="{D604A4B7-EE28-41D8-8115-3F39F279AE39}"/>
-              </a:ext>
-            </a:extLst>
-          </p:cNvPr>
-          <p:cNvSpPr/>
-          <p:nvPr/>
-        </p:nvSpPr>
-        <p:spPr>
-          <a:xfrm>
-            <a:off x="8964727" y="2192803"/>
-            <a:ext cx="483577" cy="461665"/>
-          </a:xfrm>
-          <a:prstGeom prst="rect">
-            <a:avLst/>
-          </a:prstGeom>
-          <a:solidFill>
-            <a:schemeClr val="accent6">
-              <a:lumMod val="60000"/>
-              <a:lumOff val="40000"/>
-            </a:schemeClr>
-          </a:solidFill>
-        </p:spPr>
-        <p:style>
-          <a:lnRef idx="2">
-            <a:schemeClr val="accent1">
-              <a:shade val="50000"/>
-            </a:schemeClr>
-          </a:lnRef>
-          <a:fillRef idx="1">
-            <a:schemeClr val="accent1"/>
-          </a:fillRef>
-          <a:effectRef idx="0">
-            <a:schemeClr val="accent1"/>
-          </a:effectRef>
-          <a:fontRef idx="minor">
-            <a:schemeClr val="lt1"/>
-          </a:fontRef>
-        </p:style>
-        <p:txBody>
-          <a:bodyPr rtlCol="0" anchor="ctr"/>
-          <a:lstStyle/>
-          <a:p>
-            <a:pPr algn="ctr"/>
-            <a:r>
-              <a:rPr lang="en-GB" dirty="0"/>
-              <a:t>v2</a:t>
-            </a:r>
-          </a:p>
-        </p:txBody>
-      </p:sp>
-      <p:sp>
-        <p:nvSpPr>
-          <p:cNvPr id="225" name="Rectangle 224">
-            <a:extLst>
-              <a:ext uri="{FF2B5EF4-FFF2-40B4-BE49-F238E27FC236}">
-                <a16:creationId xmlns:a16="http://schemas.microsoft.com/office/drawing/2014/main" id="{F7BB2C4F-DC28-4A50-94BE-F228089356A7}"/>
-              </a:ext>
-            </a:extLst>
-          </p:cNvPr>
-          <p:cNvSpPr/>
-          <p:nvPr/>
-        </p:nvSpPr>
-        <p:spPr>
-          <a:xfrm>
-            <a:off x="9475155" y="2192803"/>
-            <a:ext cx="483577" cy="461665"/>
-          </a:xfrm>
-          <a:prstGeom prst="rect">
-            <a:avLst/>
-          </a:prstGeom>
-          <a:solidFill>
-            <a:schemeClr val="accent6">
-              <a:lumMod val="60000"/>
-              <a:lumOff val="40000"/>
-            </a:schemeClr>
-          </a:solidFill>
-        </p:spPr>
-        <p:style>
-          <a:lnRef idx="2">
-            <a:schemeClr val="accent1">
-              <a:shade val="50000"/>
-            </a:schemeClr>
-          </a:lnRef>
-          <a:fillRef idx="1">
-            <a:schemeClr val="accent1"/>
-          </a:fillRef>
-          <a:effectRef idx="0">
-            <a:schemeClr val="accent1"/>
-          </a:effectRef>
-          <a:fontRef idx="minor">
-            <a:schemeClr val="lt1"/>
-          </a:fontRef>
-        </p:style>
-        <p:txBody>
-          <a:bodyPr rtlCol="0" anchor="ctr"/>
-          <a:lstStyle/>
-          <a:p>
-            <a:pPr algn="ctr"/>
-            <a:r>
-              <a:rPr lang="en-GB" dirty="0"/>
-              <a:t>v2</a:t>
-            </a:r>
-          </a:p>
-        </p:txBody>
-      </p:sp>
-      <p:sp>
-        <p:nvSpPr>
-          <p:cNvPr id="226" name="Rectangle 225">
-            <a:extLst>
-              <a:ext uri="{FF2B5EF4-FFF2-40B4-BE49-F238E27FC236}">
-                <a16:creationId xmlns:a16="http://schemas.microsoft.com/office/drawing/2014/main" id="{97B2E77A-4E12-4EEA-9207-102D7C0F26B0}"/>
-              </a:ext>
-            </a:extLst>
-          </p:cNvPr>
-          <p:cNvSpPr/>
-          <p:nvPr/>
-        </p:nvSpPr>
-        <p:spPr>
-          <a:xfrm>
-            <a:off x="9985583" y="2192803"/>
-            <a:ext cx="483577" cy="461665"/>
-          </a:xfrm>
-          <a:prstGeom prst="rect">
-            <a:avLst/>
-          </a:prstGeom>
-          <a:solidFill>
-            <a:schemeClr val="accent6">
-              <a:lumMod val="60000"/>
-              <a:lumOff val="40000"/>
-            </a:schemeClr>
-          </a:solidFill>
-        </p:spPr>
-        <p:style>
-          <a:lnRef idx="2">
-            <a:schemeClr val="accent1">
-              <a:shade val="50000"/>
-            </a:schemeClr>
-          </a:lnRef>
-          <a:fillRef idx="1">
-            <a:schemeClr val="accent1"/>
-          </a:fillRef>
-          <a:effectRef idx="0">
-            <a:schemeClr val="accent1"/>
-          </a:effectRef>
-          <a:fontRef idx="minor">
-            <a:schemeClr val="lt1"/>
-          </a:fontRef>
-        </p:style>
-        <p:txBody>
-          <a:bodyPr rtlCol="0" anchor="ctr"/>
-          <a:lstStyle/>
-          <a:p>
-            <a:pPr algn="ctr"/>
-            <a:r>
-              <a:rPr lang="en-GB" dirty="0"/>
-              <a:t>v3</a:t>
-            </a:r>
-          </a:p>
-        </p:txBody>
-      </p:sp>
-      <p:sp>
-        <p:nvSpPr>
-          <p:cNvPr id="227" name="Rectangle 226">
-            <a:extLst>
-              <a:ext uri="{FF2B5EF4-FFF2-40B4-BE49-F238E27FC236}">
-                <a16:creationId xmlns:a16="http://schemas.microsoft.com/office/drawing/2014/main" id="{8F0DE4D7-E72B-440D-85B7-E4FEE6E8C308}"/>
-              </a:ext>
-            </a:extLst>
-          </p:cNvPr>
-          <p:cNvSpPr/>
-          <p:nvPr/>
-        </p:nvSpPr>
-        <p:spPr>
-          <a:xfrm>
-            <a:off x="10496011" y="2192803"/>
-            <a:ext cx="483577" cy="461665"/>
-          </a:xfrm>
-          <a:prstGeom prst="rect">
-            <a:avLst/>
-          </a:prstGeom>
-          <a:solidFill>
-            <a:schemeClr val="accent6">
-              <a:lumMod val="60000"/>
-              <a:lumOff val="40000"/>
-            </a:schemeClr>
-          </a:solidFill>
-        </p:spPr>
-        <p:style>
-          <a:lnRef idx="2">
-            <a:schemeClr val="accent1">
-              <a:shade val="50000"/>
-            </a:schemeClr>
-          </a:lnRef>
-          <a:fillRef idx="1">
-            <a:schemeClr val="accent1"/>
-          </a:fillRef>
-          <a:effectRef idx="0">
-            <a:schemeClr val="accent1"/>
-          </a:effectRef>
-          <a:fontRef idx="minor">
-            <a:schemeClr val="lt1"/>
-          </a:fontRef>
-        </p:style>
-        <p:txBody>
-          <a:bodyPr rtlCol="0" anchor="ctr"/>
-          <a:lstStyle/>
-          <a:p>
-            <a:pPr algn="ctr"/>
-            <a:r>
-              <a:rPr lang="en-GB" dirty="0"/>
-              <a:t>v3</a:t>
-            </a:r>
-          </a:p>
-        </p:txBody>
-      </p:sp>
-      <p:sp>
-        <p:nvSpPr>
-          <p:cNvPr id="228" name="Rectangle 227">
-            <a:extLst>
-              <a:ext uri="{FF2B5EF4-FFF2-40B4-BE49-F238E27FC236}">
-                <a16:creationId xmlns:a16="http://schemas.microsoft.com/office/drawing/2014/main" id="{526F6894-7726-4755-B407-4A0DD049F39B}"/>
-              </a:ext>
-            </a:extLst>
-          </p:cNvPr>
-          <p:cNvSpPr/>
-          <p:nvPr/>
-        </p:nvSpPr>
-        <p:spPr>
-          <a:xfrm>
-            <a:off x="11006439" y="2192803"/>
-            <a:ext cx="483577" cy="461665"/>
-          </a:xfrm>
-          <a:prstGeom prst="rect">
-            <a:avLst/>
-          </a:prstGeom>
-          <a:solidFill>
-            <a:schemeClr val="accent6">
-              <a:lumMod val="60000"/>
-              <a:lumOff val="40000"/>
-            </a:schemeClr>
-          </a:solidFill>
-        </p:spPr>
-        <p:style>
-          <a:lnRef idx="2">
-            <a:schemeClr val="accent1">
-              <a:shade val="50000"/>
-            </a:schemeClr>
-          </a:lnRef>
-          <a:fillRef idx="1">
-            <a:schemeClr val="accent1"/>
-          </a:fillRef>
-          <a:effectRef idx="0">
-            <a:schemeClr val="accent1"/>
-          </a:effectRef>
-          <a:fontRef idx="minor">
-            <a:schemeClr val="lt1"/>
-          </a:fontRef>
-        </p:style>
-        <p:txBody>
-          <a:bodyPr rtlCol="0" anchor="ctr"/>
-          <a:lstStyle/>
-          <a:p>
-            <a:pPr algn="ctr"/>
-            <a:endParaRPr lang="en-GB"/>
-          </a:p>
-        </p:txBody>
-      </p:sp>
-      <p:sp>
-        <p:nvSpPr>
-          <p:cNvPr id="229" name="Rectangle 228">
-            <a:extLst>
-              <a:ext uri="{FF2B5EF4-FFF2-40B4-BE49-F238E27FC236}">
-                <a16:creationId xmlns:a16="http://schemas.microsoft.com/office/drawing/2014/main" id="{F6476AE3-B54B-46AB-BB40-3BA878F3E03B}"/>
-              </a:ext>
-            </a:extLst>
-          </p:cNvPr>
-          <p:cNvSpPr/>
-          <p:nvPr/>
-        </p:nvSpPr>
-        <p:spPr>
-          <a:xfrm>
-            <a:off x="6426012" y="5079776"/>
-            <a:ext cx="483577" cy="461665"/>
-          </a:xfrm>
-          <a:prstGeom prst="rect">
-            <a:avLst/>
-          </a:prstGeom>
-          <a:solidFill>
-            <a:srgbClr val="FFC000"/>
-          </a:solidFill>
-        </p:spPr>
-        <p:style>
-          <a:lnRef idx="2">
-            <a:schemeClr val="accent1">
-              <a:shade val="50000"/>
-            </a:schemeClr>
-          </a:lnRef>
-          <a:fillRef idx="1">
-            <a:schemeClr val="accent1"/>
-          </a:fillRef>
-          <a:effectRef idx="0">
-            <a:schemeClr val="accent1"/>
-          </a:effectRef>
-          <a:fontRef idx="minor">
-            <a:schemeClr val="lt1"/>
-          </a:fontRef>
-        </p:style>
-        <p:txBody>
-          <a:bodyPr rtlCol="0" anchor="ctr"/>
-          <a:lstStyle/>
-          <a:p>
-            <a:pPr algn="ctr"/>
-            <a:endParaRPr lang="en-GB" dirty="0"/>
-          </a:p>
-        </p:txBody>
-      </p:sp>
-      <p:sp>
-        <p:nvSpPr>
-          <p:cNvPr id="230" name="Rectangle 229">
-            <a:extLst>
-              <a:ext uri="{FF2B5EF4-FFF2-40B4-BE49-F238E27FC236}">
-                <a16:creationId xmlns:a16="http://schemas.microsoft.com/office/drawing/2014/main" id="{8171F00E-39F2-46E8-8521-F2D625937EFE}"/>
-              </a:ext>
-            </a:extLst>
-          </p:cNvPr>
-          <p:cNvSpPr/>
-          <p:nvPr/>
-        </p:nvSpPr>
-        <p:spPr>
-          <a:xfrm>
-            <a:off x="6936440" y="5079776"/>
-            <a:ext cx="483577" cy="461665"/>
-          </a:xfrm>
-          <a:prstGeom prst="rect">
-            <a:avLst/>
-          </a:prstGeom>
-          <a:solidFill>
-            <a:srgbClr val="FFC000"/>
-          </a:solidFill>
-        </p:spPr>
-        <p:style>
-          <a:lnRef idx="2">
-            <a:schemeClr val="accent1">
-              <a:shade val="50000"/>
-            </a:schemeClr>
-          </a:lnRef>
-          <a:fillRef idx="1">
-            <a:schemeClr val="accent1"/>
-          </a:fillRef>
-          <a:effectRef idx="0">
-            <a:schemeClr val="accent1"/>
-          </a:effectRef>
-          <a:fontRef idx="minor">
-            <a:schemeClr val="lt1"/>
-          </a:fontRef>
-        </p:style>
-        <p:txBody>
-          <a:bodyPr rtlCol="0" anchor="ctr"/>
-          <a:lstStyle/>
-          <a:p>
-            <a:pPr algn="ctr"/>
-            <a:endParaRPr lang="en-GB" dirty="0"/>
-          </a:p>
-        </p:txBody>
-      </p:sp>
-      <p:sp>
-        <p:nvSpPr>
-          <p:cNvPr id="231" name="Rectangle 230">
-            <a:extLst>
-              <a:ext uri="{FF2B5EF4-FFF2-40B4-BE49-F238E27FC236}">
-                <a16:creationId xmlns:a16="http://schemas.microsoft.com/office/drawing/2014/main" id="{0BD7EC86-31A8-42B7-B36D-0E694AFC432E}"/>
-              </a:ext>
-            </a:extLst>
-          </p:cNvPr>
-          <p:cNvSpPr/>
-          <p:nvPr/>
-        </p:nvSpPr>
-        <p:spPr>
-          <a:xfrm>
-            <a:off x="7446868" y="5079776"/>
-            <a:ext cx="483577" cy="461665"/>
-          </a:xfrm>
-          <a:prstGeom prst="rect">
-            <a:avLst/>
-          </a:prstGeom>
-          <a:solidFill>
-            <a:srgbClr val="FFC000"/>
-          </a:solidFill>
-        </p:spPr>
-        <p:style>
-          <a:lnRef idx="2">
-            <a:schemeClr val="accent1">
-              <a:shade val="50000"/>
-            </a:schemeClr>
-          </a:lnRef>
-          <a:fillRef idx="1">
-            <a:schemeClr val="accent1"/>
-          </a:fillRef>
-          <a:effectRef idx="0">
-            <a:schemeClr val="accent1"/>
-          </a:effectRef>
-          <a:fontRef idx="minor">
-            <a:schemeClr val="lt1"/>
-          </a:fontRef>
-        </p:style>
-        <p:txBody>
-          <a:bodyPr rtlCol="0" anchor="ctr"/>
-          <a:lstStyle/>
-          <a:p>
-            <a:pPr algn="ctr"/>
-            <a:endParaRPr lang="en-GB" dirty="0"/>
-          </a:p>
-        </p:txBody>
-      </p:sp>
-      <p:sp>
-        <p:nvSpPr>
-          <p:cNvPr id="232" name="Rectangle 231">
-            <a:extLst>
-              <a:ext uri="{FF2B5EF4-FFF2-40B4-BE49-F238E27FC236}">
-                <a16:creationId xmlns:a16="http://schemas.microsoft.com/office/drawing/2014/main" id="{7E57E50B-1770-4694-9361-F9A009BED5F6}"/>
-              </a:ext>
-            </a:extLst>
-          </p:cNvPr>
-          <p:cNvSpPr/>
-          <p:nvPr/>
-        </p:nvSpPr>
-        <p:spPr>
-          <a:xfrm>
-            <a:off x="7957296" y="5079776"/>
-            <a:ext cx="483577" cy="461665"/>
-          </a:xfrm>
-          <a:prstGeom prst="rect">
-            <a:avLst/>
-          </a:prstGeom>
-          <a:solidFill>
-            <a:srgbClr val="FFC000"/>
-          </a:solidFill>
-        </p:spPr>
-        <p:style>
-          <a:lnRef idx="2">
-            <a:schemeClr val="accent1">
-              <a:shade val="50000"/>
-            </a:schemeClr>
-          </a:lnRef>
-          <a:fillRef idx="1">
-            <a:schemeClr val="accent1"/>
-          </a:fillRef>
-          <a:effectRef idx="0">
-            <a:schemeClr val="accent1"/>
-          </a:effectRef>
-          <a:fontRef idx="minor">
-            <a:schemeClr val="lt1"/>
-          </a:fontRef>
-        </p:style>
-        <p:txBody>
-          <a:bodyPr rtlCol="0" anchor="ctr"/>
-          <a:lstStyle/>
-          <a:p>
-            <a:pPr algn="ctr"/>
-            <a:endParaRPr lang="en-GB" dirty="0"/>
-          </a:p>
-        </p:txBody>
-      </p:sp>
-      <p:sp>
-        <p:nvSpPr>
-          <p:cNvPr id="233" name="Rectangle 232">
-            <a:extLst>
-              <a:ext uri="{FF2B5EF4-FFF2-40B4-BE49-F238E27FC236}">
-                <a16:creationId xmlns:a16="http://schemas.microsoft.com/office/drawing/2014/main" id="{17218AAF-0C3F-4BF0-8175-8F20F013AC5E}"/>
-              </a:ext>
-            </a:extLst>
-          </p:cNvPr>
-          <p:cNvSpPr/>
-          <p:nvPr/>
-        </p:nvSpPr>
-        <p:spPr>
-          <a:xfrm>
-            <a:off x="8467724" y="5079776"/>
-            <a:ext cx="483577" cy="461665"/>
-          </a:xfrm>
-          <a:prstGeom prst="rect">
-            <a:avLst/>
-          </a:prstGeom>
-          <a:solidFill>
-            <a:srgbClr val="FFC000"/>
-          </a:solidFill>
-        </p:spPr>
-        <p:style>
-          <a:lnRef idx="2">
-            <a:schemeClr val="accent1">
-              <a:shade val="50000"/>
-            </a:schemeClr>
-          </a:lnRef>
-          <a:fillRef idx="1">
-            <a:schemeClr val="accent1"/>
-          </a:fillRef>
-          <a:effectRef idx="0">
-            <a:schemeClr val="accent1"/>
-          </a:effectRef>
-          <a:fontRef idx="minor">
-            <a:schemeClr val="lt1"/>
-          </a:fontRef>
-        </p:style>
-        <p:txBody>
-          <a:bodyPr rtlCol="0" anchor="ctr"/>
-          <a:lstStyle/>
-          <a:p>
-            <a:pPr algn="ctr"/>
-            <a:endParaRPr lang="en-GB" dirty="0"/>
-          </a:p>
-        </p:txBody>
-      </p:sp>
-      <p:sp>
-        <p:nvSpPr>
-          <p:cNvPr id="234" name="Rectangle 233">
-            <a:extLst>
-              <a:ext uri="{FF2B5EF4-FFF2-40B4-BE49-F238E27FC236}">
-                <a16:creationId xmlns:a16="http://schemas.microsoft.com/office/drawing/2014/main" id="{27EB5D15-DE7F-4D7A-B506-974ABDA668C5}"/>
-              </a:ext>
-            </a:extLst>
-          </p:cNvPr>
-          <p:cNvSpPr/>
-          <p:nvPr/>
-        </p:nvSpPr>
-        <p:spPr>
-          <a:xfrm>
-            <a:off x="8978152" y="5079776"/>
-            <a:ext cx="483577" cy="461665"/>
-          </a:xfrm>
-          <a:prstGeom prst="rect">
-            <a:avLst/>
-          </a:prstGeom>
-          <a:solidFill>
-            <a:srgbClr val="FFC000"/>
-          </a:solidFill>
-        </p:spPr>
-        <p:style>
-          <a:lnRef idx="2">
-            <a:schemeClr val="accent1">
-              <a:shade val="50000"/>
-            </a:schemeClr>
-          </a:lnRef>
-          <a:fillRef idx="1">
-            <a:schemeClr val="accent1"/>
-          </a:fillRef>
-          <a:effectRef idx="0">
-            <a:schemeClr val="accent1"/>
-          </a:effectRef>
-          <a:fontRef idx="minor">
-            <a:schemeClr val="lt1"/>
-          </a:fontRef>
-        </p:style>
-        <p:txBody>
-          <a:bodyPr rtlCol="0" anchor="ctr"/>
-          <a:lstStyle/>
-          <a:p>
-            <a:pPr algn="ctr"/>
-            <a:endParaRPr lang="en-GB" dirty="0"/>
-          </a:p>
-        </p:txBody>
-      </p:sp>
-      <p:sp>
-        <p:nvSpPr>
-          <p:cNvPr id="235" name="Rectangle 234">
-            <a:extLst>
-              <a:ext uri="{FF2B5EF4-FFF2-40B4-BE49-F238E27FC236}">
-                <a16:creationId xmlns:a16="http://schemas.microsoft.com/office/drawing/2014/main" id="{1225D82F-6412-465E-9787-FB6DD676967D}"/>
-              </a:ext>
-            </a:extLst>
-          </p:cNvPr>
-          <p:cNvSpPr/>
-          <p:nvPr/>
-        </p:nvSpPr>
-        <p:spPr>
-          <a:xfrm>
-            <a:off x="9488580" y="5079776"/>
-            <a:ext cx="483577" cy="461665"/>
-          </a:xfrm>
-          <a:prstGeom prst="rect">
-            <a:avLst/>
-          </a:prstGeom>
-          <a:solidFill>
-            <a:srgbClr val="FFC000"/>
-          </a:solidFill>
-        </p:spPr>
-        <p:style>
-          <a:lnRef idx="2">
-            <a:schemeClr val="accent1">
-              <a:shade val="50000"/>
-            </a:schemeClr>
-          </a:lnRef>
-          <a:fillRef idx="1">
-            <a:schemeClr val="accent1"/>
-          </a:fillRef>
-          <a:effectRef idx="0">
-            <a:schemeClr val="accent1"/>
-          </a:effectRef>
-          <a:fontRef idx="minor">
-            <a:schemeClr val="lt1"/>
-          </a:fontRef>
-        </p:style>
-        <p:txBody>
-          <a:bodyPr rtlCol="0" anchor="ctr"/>
-          <a:lstStyle/>
-          <a:p>
-            <a:pPr algn="ctr"/>
-            <a:endParaRPr lang="en-GB" dirty="0"/>
-          </a:p>
-        </p:txBody>
-      </p:sp>
-      <p:sp>
-        <p:nvSpPr>
-          <p:cNvPr id="236" name="Rectangle 235">
-            <a:extLst>
-              <a:ext uri="{FF2B5EF4-FFF2-40B4-BE49-F238E27FC236}">
-                <a16:creationId xmlns:a16="http://schemas.microsoft.com/office/drawing/2014/main" id="{6A587031-738E-4914-92FF-EECBC882F700}"/>
-              </a:ext>
-            </a:extLst>
-          </p:cNvPr>
-          <p:cNvSpPr/>
-          <p:nvPr/>
-        </p:nvSpPr>
-        <p:spPr>
-          <a:xfrm>
-            <a:off x="9999008" y="5079776"/>
-            <a:ext cx="483577" cy="461665"/>
-          </a:xfrm>
-          <a:prstGeom prst="rect">
-            <a:avLst/>
-          </a:prstGeom>
-          <a:solidFill>
-            <a:srgbClr val="FFC000"/>
-          </a:solidFill>
-        </p:spPr>
-        <p:style>
-          <a:lnRef idx="2">
-            <a:schemeClr val="accent1">
-              <a:shade val="50000"/>
-            </a:schemeClr>
-          </a:lnRef>
-          <a:fillRef idx="1">
-            <a:schemeClr val="accent1"/>
-          </a:fillRef>
-          <a:effectRef idx="0">
-            <a:schemeClr val="accent1"/>
-          </a:effectRef>
-          <a:fontRef idx="minor">
-            <a:schemeClr val="lt1"/>
-          </a:fontRef>
-        </p:style>
-        <p:txBody>
-          <a:bodyPr rtlCol="0" anchor="ctr"/>
-          <a:lstStyle/>
-          <a:p>
-            <a:pPr algn="ctr"/>
-            <a:endParaRPr lang="en-GB" dirty="0"/>
-          </a:p>
-        </p:txBody>
-      </p:sp>
-      <p:sp>
-        <p:nvSpPr>
-          <p:cNvPr id="237" name="Rectangle 236">
-            <a:extLst>
-              <a:ext uri="{FF2B5EF4-FFF2-40B4-BE49-F238E27FC236}">
-                <a16:creationId xmlns:a16="http://schemas.microsoft.com/office/drawing/2014/main" id="{6CE5C69A-6FF8-44AA-A846-874C0EE610C0}"/>
-              </a:ext>
-            </a:extLst>
-          </p:cNvPr>
-          <p:cNvSpPr/>
-          <p:nvPr/>
-        </p:nvSpPr>
-        <p:spPr>
-          <a:xfrm>
-            <a:off x="10509436" y="5079776"/>
-            <a:ext cx="483577" cy="461665"/>
-          </a:xfrm>
-          <a:prstGeom prst="rect">
-            <a:avLst/>
-          </a:prstGeom>
-          <a:solidFill>
-            <a:srgbClr val="FFC000"/>
-          </a:solidFill>
-        </p:spPr>
-        <p:style>
-          <a:lnRef idx="2">
-            <a:schemeClr val="accent1">
-              <a:shade val="50000"/>
-            </a:schemeClr>
-          </a:lnRef>
-          <a:fillRef idx="1">
-            <a:schemeClr val="accent1"/>
-          </a:fillRef>
-          <a:effectRef idx="0">
-            <a:schemeClr val="accent1"/>
-          </a:effectRef>
-          <a:fontRef idx="minor">
-            <a:schemeClr val="lt1"/>
-          </a:fontRef>
-        </p:style>
-        <p:txBody>
-          <a:bodyPr rtlCol="0" anchor="ctr"/>
-          <a:lstStyle/>
-          <a:p>
-            <a:pPr algn="ctr"/>
-            <a:endParaRPr lang="en-GB" dirty="0"/>
-          </a:p>
-        </p:txBody>
-      </p:sp>
-      <p:sp>
-        <p:nvSpPr>
-          <p:cNvPr id="238" name="Rectangle 237">
-            <a:extLst>
-              <a:ext uri="{FF2B5EF4-FFF2-40B4-BE49-F238E27FC236}">
-                <a16:creationId xmlns:a16="http://schemas.microsoft.com/office/drawing/2014/main" id="{EE55B2E4-6E57-4189-8A2B-D65C67A74FD8}"/>
-              </a:ext>
-            </a:extLst>
-          </p:cNvPr>
-          <p:cNvSpPr/>
-          <p:nvPr/>
-        </p:nvSpPr>
-        <p:spPr>
-          <a:xfrm>
-            <a:off x="11019864" y="5079776"/>
-            <a:ext cx="483577" cy="461665"/>
-          </a:xfrm>
-          <a:prstGeom prst="rect">
-            <a:avLst/>
-          </a:prstGeom>
-          <a:solidFill>
-            <a:srgbClr val="FFC000"/>
-          </a:solidFill>
-        </p:spPr>
-        <p:style>
-          <a:lnRef idx="2">
-            <a:schemeClr val="accent1">
-              <a:shade val="50000"/>
-            </a:schemeClr>
-          </a:lnRef>
-          <a:fillRef idx="1">
-            <a:schemeClr val="accent1"/>
-          </a:fillRef>
-          <a:effectRef idx="0">
-            <a:schemeClr val="accent1"/>
-          </a:effectRef>
-          <a:fontRef idx="minor">
-            <a:schemeClr val="lt1"/>
-          </a:fontRef>
-        </p:style>
-        <p:txBody>
-          <a:bodyPr rtlCol="0" anchor="ctr"/>
-          <a:lstStyle/>
-          <a:p>
-            <a:pPr algn="ctr"/>
-            <a:endParaRPr lang="en-GB"/>
-          </a:p>
-        </p:txBody>
-      </p:sp>
-      <p:cxnSp>
-        <p:nvCxnSpPr>
-          <p:cNvPr id="3" name="Straight Connector 2">
-            <a:extLst>
-              <a:ext uri="{FF2B5EF4-FFF2-40B4-BE49-F238E27FC236}">
-                <a16:creationId xmlns:a16="http://schemas.microsoft.com/office/drawing/2014/main" id="{C4980317-3C1E-4B2B-9C8C-6DA1648F6AD6}"/>
-              </a:ext>
-            </a:extLst>
-          </p:cNvPr>
-          <p:cNvCxnSpPr>
-            <a:cxnSpLocks/>
-          </p:cNvCxnSpPr>
-          <p:nvPr/>
-        </p:nvCxnSpPr>
-        <p:spPr>
-          <a:xfrm>
-            <a:off x="8954894" y="1934218"/>
-            <a:ext cx="0" cy="1561368"/>
-          </a:xfrm>
-          <a:prstGeom prst="line">
-            <a:avLst/>
-          </a:prstGeom>
-          <a:ln w="19050"/>
-        </p:spPr>
-        <p:style>
-          <a:lnRef idx="1">
-            <a:schemeClr val="accent1"/>
-          </a:lnRef>
-          <a:fillRef idx="0">
-            <a:schemeClr val="accent1"/>
-          </a:fillRef>
-          <a:effectRef idx="0">
-            <a:schemeClr val="accent1"/>
-          </a:effectRef>
-          <a:fontRef idx="minor">
-            <a:schemeClr val="tx1"/>
-          </a:fontRef>
-        </p:style>
-      </p:cxnSp>
-      <p:sp>
-        <p:nvSpPr>
-          <p:cNvPr id="81" name="Arrow: Down 80">
-            <a:extLst>
-              <a:ext uri="{FF2B5EF4-FFF2-40B4-BE49-F238E27FC236}">
-                <a16:creationId xmlns:a16="http://schemas.microsoft.com/office/drawing/2014/main" id="{466F5154-B160-4ADE-B3AC-E6D72C341A05}"/>
-              </a:ext>
-            </a:extLst>
-          </p:cNvPr>
-          <p:cNvSpPr/>
-          <p:nvPr/>
-        </p:nvSpPr>
-        <p:spPr>
-          <a:xfrm>
-            <a:off x="7440157" y="3261640"/>
-            <a:ext cx="483577" cy="461665"/>
-          </a:xfrm>
-          <a:prstGeom prst="downArrow">
-            <a:avLst/>
-          </a:prstGeom>
-          <a:solidFill>
-            <a:srgbClr val="FF0000"/>
-          </a:solidFill>
-        </p:spPr>
-        <p:style>
-          <a:lnRef idx="2">
-            <a:schemeClr val="accent1">
-              <a:shade val="50000"/>
-            </a:schemeClr>
-          </a:lnRef>
-          <a:fillRef idx="1">
-            <a:schemeClr val="accent1"/>
-          </a:fillRef>
-          <a:effectRef idx="0">
-            <a:schemeClr val="accent1"/>
-          </a:effectRef>
-          <a:fontRef idx="minor">
-            <a:schemeClr val="lt1"/>
-          </a:fontRef>
-        </p:style>
-        <p:txBody>
-          <a:bodyPr rtlCol="0" anchor="ctr"/>
-          <a:lstStyle/>
-          <a:p>
-            <a:pPr algn="ctr"/>
-            <a:endParaRPr lang="en-GB"/>
-          </a:p>
-        </p:txBody>
-      </p:sp>
-      <p:sp>
-        <p:nvSpPr>
-          <p:cNvPr id="82" name="Rectangle: Rounded Corners 81">
-            <a:extLst>
-              <a:ext uri="{FF2B5EF4-FFF2-40B4-BE49-F238E27FC236}">
-                <a16:creationId xmlns:a16="http://schemas.microsoft.com/office/drawing/2014/main" id="{F645188C-1E15-4F23-B708-05061677FEDD}"/>
-              </a:ext>
-            </a:extLst>
-          </p:cNvPr>
-          <p:cNvSpPr/>
-          <p:nvPr/>
-        </p:nvSpPr>
-        <p:spPr>
-          <a:xfrm>
-            <a:off x="8978152" y="3840373"/>
-            <a:ext cx="2511864" cy="537882"/>
-          </a:xfrm>
-          <a:prstGeom prst="roundRect">
-            <a:avLst/>
-          </a:prstGeom>
-        </p:spPr>
-        <p:style>
-          <a:lnRef idx="2">
-            <a:schemeClr val="accent1">
-              <a:shade val="50000"/>
-            </a:schemeClr>
-          </a:lnRef>
-          <a:fillRef idx="1">
-            <a:schemeClr val="accent1"/>
-          </a:fillRef>
-          <a:effectRef idx="0">
-            <a:schemeClr val="accent1"/>
-          </a:effectRef>
-          <a:fontRef idx="minor">
-            <a:schemeClr val="lt1"/>
-          </a:fontRef>
-        </p:style>
-        <p:txBody>
-          <a:bodyPr rtlCol="0" anchor="ctr"/>
-          <a:lstStyle/>
-          <a:p>
-            <a:pPr algn="ctr"/>
-            <a:r>
-              <a:rPr lang="en-GB" dirty="0"/>
-              <a:t>Parallel execution</a:t>
-            </a:r>
-          </a:p>
-          <a:p>
-            <a:pPr algn="ctr"/>
-            <a:r>
-              <a:rPr lang="en-GB" dirty="0"/>
-              <a:t>process P2</a:t>
             </a:r>
           </a:p>
         </p:txBody>
@@ -13276,7 +13652,7 @@
           <a:p>
             <a:r>
               <a:rPr lang="en-US" sz="2400" dirty="0"/>
-              <a:t>Case 1 - computing the average of a very large sample</a:t>
+              <a:t>Case 2 - computing the average of a large sample</a:t>
             </a:r>
           </a:p>
         </p:txBody>
@@ -15677,7 +16053,7 @@
             <a:pPr algn="ctr"/>
             <a:r>
               <a:rPr lang="en-GB" dirty="0"/>
-              <a:t>Sequential execution, main core</a:t>
+              <a:t>Sequential execution, process P1</a:t>
             </a:r>
           </a:p>
         </p:txBody>
@@ -17067,8 +17443,8 @@
           </a:p>
         </p:txBody>
       </p:sp>
-      <mc:AlternateContent xmlns:mc="http://schemas.openxmlformats.org/markup-compatibility/2006" xmlns:a14="http://schemas.microsoft.com/office/drawing/2010/main">
-        <mc:Choice Requires="a14">
+      <mc:AlternateContent xmlns:mc="http://schemas.openxmlformats.org/markup-compatibility/2006">
+        <mc:Choice xmlns:a14="http://schemas.microsoft.com/office/drawing/2010/main" Requires="a14">
           <p:sp>
             <p:nvSpPr>
               <p:cNvPr id="8" name="TextBox 7">
@@ -17083,7 +17459,7 @@
             </p:nvSpPr>
             <p:spPr>
               <a:xfrm>
-                <a:off x="638619" y="6155491"/>
+                <a:off x="1436594" y="4758856"/>
                 <a:ext cx="1595950" cy="574516"/>
               </a:xfrm>
               <a:prstGeom prst="rect">
@@ -17168,7 +17544,7 @@
             </p:txBody>
           </p:sp>
         </mc:Choice>
-        <mc:Fallback xmlns="">
+        <mc:Fallback>
           <p:sp>
             <p:nvSpPr>
               <p:cNvPr id="8" name="TextBox 7">
@@ -17185,7 +17561,7 @@
             </p:nvSpPr>
             <p:spPr>
               <a:xfrm>
-                <a:off x="638619" y="6155491"/>
+                <a:off x="1436594" y="4758856"/>
                 <a:ext cx="1595950" cy="574516"/>
               </a:xfrm>
               <a:prstGeom prst="rect">
@@ -17203,7 +17579,7 @@
               <a:lstStyle/>
               <a:p>
                 <a:r>
-                  <a:rPr lang="en-GB">
+                  <a:rPr lang="en-US">
                     <a:noFill/>
                   </a:rPr>
                   <a:t> </a:t>
@@ -17273,60 +17649,8 @@
           <a:p>
             <a:r>
               <a:rPr lang="en-US" sz="2400" dirty="0"/>
-              <a:t>Case 1 - computing the average of a very large sample</a:t>
+              <a:t>Case 2 - computing the average of a large sample</a:t>
             </a:r>
-          </a:p>
-        </p:txBody>
-      </p:sp>
-      <p:sp>
-        <p:nvSpPr>
-          <p:cNvPr id="21" name="Rectangle 20">
-            <a:extLst>
-              <a:ext uri="{FF2B5EF4-FFF2-40B4-BE49-F238E27FC236}">
-                <a16:creationId xmlns:a16="http://schemas.microsoft.com/office/drawing/2014/main" id="{A3839430-232D-4BF0-AD5D-856F8741DAFC}"/>
-              </a:ext>
-            </a:extLst>
-          </p:cNvPr>
-          <p:cNvSpPr/>
-          <p:nvPr/>
-        </p:nvSpPr>
-        <p:spPr>
-          <a:xfrm>
-            <a:off x="9218951" y="6237234"/>
-            <a:ext cx="2540833" cy="286335"/>
-          </a:xfrm>
-          <a:prstGeom prst="rect">
-            <a:avLst/>
-          </a:prstGeom>
-          <a:solidFill>
-            <a:schemeClr val="bg1"/>
-          </a:solidFill>
-          <a:ln>
-            <a:noFill/>
-          </a:ln>
-        </p:spPr>
-        <p:style>
-          <a:lnRef idx="2">
-            <a:schemeClr val="accent1">
-              <a:shade val="50000"/>
-            </a:schemeClr>
-          </a:lnRef>
-          <a:fillRef idx="1">
-            <a:schemeClr val="accent1"/>
-          </a:fillRef>
-          <a:effectRef idx="0">
-            <a:schemeClr val="accent1"/>
-          </a:effectRef>
-          <a:fontRef idx="minor">
-            <a:schemeClr val="lt1"/>
-          </a:fontRef>
-        </p:style>
-        <p:txBody>
-          <a:bodyPr rtlCol="0" anchor="ctr"/>
-          <a:lstStyle/>
-          <a:p>
-            <a:pPr algn="ctr"/>
-            <a:endParaRPr lang="en-US"/>
           </a:p>
         </p:txBody>
       </p:sp>
@@ -19733,7 +20057,7 @@
             <a:pPr algn="ctr"/>
             <a:r>
               <a:rPr lang="en-GB" dirty="0"/>
-              <a:t>core 1</a:t>
+              <a:t>process P1</a:t>
             </a:r>
           </a:p>
         </p:txBody>
@@ -21130,7 +21454,7 @@
             <a:pPr algn="ctr"/>
             <a:r>
               <a:rPr lang="en-GB" dirty="0"/>
-              <a:t>core 2</a:t>
+              <a:t>process P2</a:t>
             </a:r>
           </a:p>
         </p:txBody>
@@ -21186,7 +21510,7 @@
             <a:pPr algn="ctr"/>
             <a:r>
               <a:rPr lang="en-GB" dirty="0"/>
-              <a:t>core 3</a:t>
+              <a:t>process P3</a:t>
             </a:r>
           </a:p>
         </p:txBody>
@@ -21242,7 +21566,7 @@
             <a:pPr algn="ctr"/>
             <a:r>
               <a:rPr lang="en-GB" dirty="0"/>
-              <a:t>core 4</a:t>
+              <a:t>process P4</a:t>
             </a:r>
           </a:p>
         </p:txBody>
@@ -21570,14 +21894,14 @@
           </a:p>
         </p:txBody>
       </p:sp>
-      <mc:AlternateContent xmlns:mc="http://schemas.openxmlformats.org/markup-compatibility/2006" xmlns:a14="http://schemas.microsoft.com/office/drawing/2010/main">
-        <mc:Choice Requires="a14">
+      <mc:AlternateContent xmlns:mc="http://schemas.openxmlformats.org/markup-compatibility/2006">
+        <mc:Choice xmlns:a14="http://schemas.microsoft.com/office/drawing/2010/main" Requires="a14">
           <p:sp>
             <p:nvSpPr>
-              <p:cNvPr id="129" name="TextBox 128">
+              <p:cNvPr id="127" name="TextBox 126">
                 <a:extLst>
                   <a:ext uri="{FF2B5EF4-FFF2-40B4-BE49-F238E27FC236}">
-                    <a16:creationId xmlns:a16="http://schemas.microsoft.com/office/drawing/2014/main" id="{C66040A9-156F-4FF6-96A6-AA2EAB355031}"/>
+                    <a16:creationId xmlns:a16="http://schemas.microsoft.com/office/drawing/2014/main" id="{7F2B82E6-30A2-4591-8E1E-4B5972FEC722}"/>
                   </a:ext>
                 </a:extLst>
               </p:cNvPr>
@@ -21586,7 +21910,7 @@
             </p:nvSpPr>
             <p:spPr>
               <a:xfrm>
-                <a:off x="638619" y="6155491"/>
+                <a:off x="1436594" y="4758856"/>
                 <a:ext cx="1595950" cy="574516"/>
               </a:xfrm>
               <a:prstGeom prst="rect">
@@ -21671,13 +21995,13 @@
             </p:txBody>
           </p:sp>
         </mc:Choice>
-        <mc:Fallback xmlns="">
+        <mc:Fallback>
           <p:sp>
             <p:nvSpPr>
-              <p:cNvPr id="129" name="TextBox 128">
+              <p:cNvPr id="127" name="TextBox 126">
                 <a:extLst>
                   <a:ext uri="{FF2B5EF4-FFF2-40B4-BE49-F238E27FC236}">
-                    <a16:creationId xmlns:a16="http://schemas.microsoft.com/office/drawing/2014/main" id="{C66040A9-156F-4FF6-96A6-AA2EAB355031}"/>
+                    <a16:creationId xmlns:a16="http://schemas.microsoft.com/office/drawing/2014/main" id="{7F2B82E6-30A2-4591-8E1E-4B5972FEC722}"/>
                   </a:ext>
                 </a:extLst>
               </p:cNvPr>
@@ -21688,7 +22012,7 @@
             </p:nvSpPr>
             <p:spPr>
               <a:xfrm>
-                <a:off x="638619" y="6155491"/>
+                <a:off x="1436594" y="4758856"/>
                 <a:ext cx="1595950" cy="574516"/>
               </a:xfrm>
               <a:prstGeom prst="rect">
@@ -21706,7 +22030,7 @@
               <a:lstStyle/>
               <a:p>
                 <a:r>
-                  <a:rPr lang="en-GB">
+                  <a:rPr lang="en-US">
                     <a:noFill/>
                   </a:rPr>
                   <a:t> </a:t>
@@ -21732,14 +22056,6 @@
 <file path=ppt/slides/slide9.xml><?xml version="1.0" encoding="utf-8"?>
 <p:sld xmlns:a="http://schemas.openxmlformats.org/drawingml/2006/main" xmlns:r="http://schemas.openxmlformats.org/officeDocument/2006/relationships" xmlns:p="http://schemas.openxmlformats.org/presentationml/2006/main">
   <p:cSld>
-    <p:bg>
-      <p:bgPr>
-        <a:solidFill>
-          <a:schemeClr val="bg1"/>
-        </a:solidFill>
-        <a:effectLst/>
-      </p:bgPr>
-    </p:bg>
     <p:spTree>
       <p:nvGrpSpPr>
         <p:cNvPr id="1" name=""/>
@@ -21756,63 +22072,2411 @@
       </p:grpSpPr>
       <p:sp>
         <p:nvSpPr>
-          <p:cNvPr id="9" name="Rectangle 8">
-            <a:extLst>
-              <a:ext uri="{FF2B5EF4-FFF2-40B4-BE49-F238E27FC236}">
-                <a16:creationId xmlns:a16="http://schemas.microsoft.com/office/drawing/2014/main" id="{23962611-DFD5-4092-AAFD-559E3DFCE2C9}"/>
-              </a:ext>
-              <a:ext uri="{C183D7F6-B498-43B3-948B-1728B52AA6E4}">
-                <adec:decorative xmlns:adec="http://schemas.microsoft.com/office/drawing/2017/decorative" val="1"/>
-              </a:ext>
-            </a:extLst>
-          </p:cNvPr>
-          <p:cNvSpPr>
-            <a:spLocks noGrp="1" noRot="1" noChangeAspect="1" noMove="1" noResize="1" noEditPoints="1" noAdjustHandles="1" noChangeArrowheads="1" noChangeShapeType="1" noTextEdit="1"/>
-          </p:cNvSpPr>
-          <p:nvPr>
-            <p:extLst>
-              <p:ext uri="{386F3935-93C4-4BCD-93E2-E3B085C9AB24}">
-                <p16:designElem xmlns:p16="http://schemas.microsoft.com/office/powerpoint/2015/main" val="1"/>
-              </p:ext>
-            </p:extLst>
-          </p:nvPr>
-        </p:nvSpPr>
-        <p:spPr>
-          <a:xfrm>
-            <a:off x="475488" y="0"/>
-            <a:ext cx="10910292" cy="6858000"/>
+          <p:cNvPr id="6" name="TextBox 5">
+            <a:extLst>
+              <a:ext uri="{FF2B5EF4-FFF2-40B4-BE49-F238E27FC236}">
+                <a16:creationId xmlns:a16="http://schemas.microsoft.com/office/drawing/2014/main" id="{44F353AB-F501-4724-906A-9727030DE365}"/>
+              </a:ext>
+            </a:extLst>
+          </p:cNvPr>
+          <p:cNvSpPr txBox="1"/>
+          <p:nvPr/>
+        </p:nvSpPr>
+        <p:spPr>
+          <a:xfrm>
+            <a:off x="450761" y="412123"/>
+            <a:ext cx="8075053" cy="461665"/>
           </a:xfrm>
           <a:prstGeom prst="rect">
             <a:avLst/>
           </a:prstGeom>
-          <a:gradFill>
-            <a:gsLst>
-              <a:gs pos="0">
-                <a:schemeClr val="accent1">
-                  <a:lumMod val="90000"/>
-                </a:schemeClr>
-              </a:gs>
-              <a:gs pos="25000">
-                <a:schemeClr val="accent1">
-                  <a:lumMod val="90000"/>
-                </a:schemeClr>
-              </a:gs>
-              <a:gs pos="94000">
-                <a:schemeClr val="bg2">
-                  <a:lumMod val="25000"/>
-                </a:schemeClr>
-              </a:gs>
-              <a:gs pos="100000">
-                <a:schemeClr val="bg2">
-                  <a:lumMod val="25000"/>
-                </a:schemeClr>
-              </a:gs>
-            </a:gsLst>
-            <a:lin ang="4200000" scaled="0"/>
-          </a:gradFill>
-          <a:ln>
-            <a:noFill/>
-          </a:ln>
+          <a:noFill/>
+        </p:spPr>
+        <p:txBody>
+          <a:bodyPr wrap="square" rtlCol="0">
+            <a:spAutoFit/>
+          </a:bodyPr>
+          <a:lstStyle/>
+          <a:p>
+            <a:r>
+              <a:rPr lang="en-US" sz="2400" dirty="0"/>
+              <a:t>Case 2 - computing the average of a large sample</a:t>
+            </a:r>
+          </a:p>
+        </p:txBody>
+      </p:sp>
+      <p:sp>
+        <p:nvSpPr>
+          <p:cNvPr id="13" name="TextBox 12">
+            <a:extLst>
+              <a:ext uri="{FF2B5EF4-FFF2-40B4-BE49-F238E27FC236}">
+                <a16:creationId xmlns:a16="http://schemas.microsoft.com/office/drawing/2014/main" id="{FBFBA05A-1386-4DD7-BCC9-DE335E29925A}"/>
+              </a:ext>
+            </a:extLst>
+          </p:cNvPr>
+          <p:cNvSpPr txBox="1"/>
+          <p:nvPr/>
+        </p:nvSpPr>
+        <p:spPr>
+          <a:xfrm>
+            <a:off x="325258" y="2277208"/>
+            <a:ext cx="970662" cy="461665"/>
+          </a:xfrm>
+          <a:prstGeom prst="rect">
+            <a:avLst/>
+          </a:prstGeom>
+          <a:noFill/>
+        </p:spPr>
+        <p:txBody>
+          <a:bodyPr wrap="square" rtlCol="0">
+            <a:spAutoFit/>
+          </a:bodyPr>
+          <a:lstStyle/>
+          <a:p>
+            <a:pPr algn="r"/>
+            <a:r>
+              <a:rPr lang="en-US" sz="2400" dirty="0"/>
+              <a:t>height</a:t>
+            </a:r>
+          </a:p>
+        </p:txBody>
+      </p:sp>
+      <p:grpSp>
+        <p:nvGrpSpPr>
+          <p:cNvPr id="4" name="Group 3">
+            <a:extLst>
+              <a:ext uri="{FF2B5EF4-FFF2-40B4-BE49-F238E27FC236}">
+                <a16:creationId xmlns:a16="http://schemas.microsoft.com/office/drawing/2014/main" id="{BF98151B-01FF-4530-A1F9-B1B1928C6AB4}"/>
+              </a:ext>
+            </a:extLst>
+          </p:cNvPr>
+          <p:cNvGrpSpPr/>
+          <p:nvPr/>
+        </p:nvGrpSpPr>
+        <p:grpSpPr>
+          <a:xfrm>
+            <a:off x="1436596" y="2277209"/>
+            <a:ext cx="483577" cy="923330"/>
+            <a:chOff x="1714500" y="1591408"/>
+            <a:chExt cx="483577" cy="923330"/>
+          </a:xfrm>
+        </p:grpSpPr>
+        <p:sp>
+          <p:nvSpPr>
+            <p:cNvPr id="3" name="Rectangle 2">
+              <a:extLst>
+                <a:ext uri="{FF2B5EF4-FFF2-40B4-BE49-F238E27FC236}">
+                  <a16:creationId xmlns:a16="http://schemas.microsoft.com/office/drawing/2014/main" id="{8FBBD292-8536-4070-AB94-2B9DED320732}"/>
+                </a:ext>
+              </a:extLst>
+            </p:cNvPr>
+            <p:cNvSpPr/>
+            <p:nvPr/>
+          </p:nvSpPr>
+          <p:spPr>
+            <a:xfrm>
+              <a:off x="1714500" y="1591408"/>
+              <a:ext cx="483577" cy="461665"/>
+            </a:xfrm>
+            <a:prstGeom prst="rect">
+              <a:avLst/>
+            </a:prstGeom>
+          </p:spPr>
+          <p:style>
+            <a:lnRef idx="2">
+              <a:schemeClr val="accent1">
+                <a:shade val="50000"/>
+              </a:schemeClr>
+            </a:lnRef>
+            <a:fillRef idx="1">
+              <a:schemeClr val="accent1"/>
+            </a:fillRef>
+            <a:effectRef idx="0">
+              <a:schemeClr val="accent1"/>
+            </a:effectRef>
+            <a:fontRef idx="minor">
+              <a:schemeClr val="lt1"/>
+            </a:fontRef>
+          </p:style>
+          <p:txBody>
+            <a:bodyPr rtlCol="0" anchor="ctr"/>
+            <a:lstStyle/>
+            <a:p>
+              <a:pPr algn="ctr"/>
+              <a:endParaRPr lang="en-GB"/>
+            </a:p>
+          </p:txBody>
+        </p:sp>
+        <p:sp>
+          <p:nvSpPr>
+            <p:cNvPr id="14" name="Rectangle 13">
+              <a:extLst>
+                <a:ext uri="{FF2B5EF4-FFF2-40B4-BE49-F238E27FC236}">
+                  <a16:creationId xmlns:a16="http://schemas.microsoft.com/office/drawing/2014/main" id="{EC1A0A35-D1EB-4DCA-9851-40713E903695}"/>
+                </a:ext>
+              </a:extLst>
+            </p:cNvPr>
+            <p:cNvSpPr/>
+            <p:nvPr/>
+          </p:nvSpPr>
+          <p:spPr>
+            <a:xfrm>
+              <a:off x="1714500" y="2053073"/>
+              <a:ext cx="483577" cy="461665"/>
+            </a:xfrm>
+            <a:prstGeom prst="rect">
+              <a:avLst/>
+            </a:prstGeom>
+            <a:solidFill>
+              <a:schemeClr val="accent3"/>
+            </a:solidFill>
+          </p:spPr>
+          <p:style>
+            <a:lnRef idx="2">
+              <a:schemeClr val="accent1">
+                <a:shade val="50000"/>
+              </a:schemeClr>
+            </a:lnRef>
+            <a:fillRef idx="1">
+              <a:schemeClr val="accent1"/>
+            </a:fillRef>
+            <a:effectRef idx="0">
+              <a:schemeClr val="accent1"/>
+            </a:effectRef>
+            <a:fontRef idx="minor">
+              <a:schemeClr val="lt1"/>
+            </a:fontRef>
+          </p:style>
+          <p:txBody>
+            <a:bodyPr rtlCol="0" anchor="ctr"/>
+            <a:lstStyle/>
+            <a:p>
+              <a:pPr algn="ctr"/>
+              <a:endParaRPr lang="en-GB"/>
+            </a:p>
+          </p:txBody>
+        </p:sp>
+      </p:grpSp>
+      <p:sp>
+        <p:nvSpPr>
+          <p:cNvPr id="15" name="TextBox 14">
+            <a:extLst>
+              <a:ext uri="{FF2B5EF4-FFF2-40B4-BE49-F238E27FC236}">
+                <a16:creationId xmlns:a16="http://schemas.microsoft.com/office/drawing/2014/main" id="{836BFE35-437A-4358-AB66-71A3B4D2546A}"/>
+              </a:ext>
+            </a:extLst>
+          </p:cNvPr>
+          <p:cNvSpPr txBox="1"/>
+          <p:nvPr/>
+        </p:nvSpPr>
+        <p:spPr>
+          <a:xfrm>
+            <a:off x="172857" y="2738873"/>
+            <a:ext cx="1123063" cy="461665"/>
+          </a:xfrm>
+          <a:prstGeom prst="rect">
+            <a:avLst/>
+          </a:prstGeom>
+          <a:noFill/>
+        </p:spPr>
+        <p:txBody>
+          <a:bodyPr wrap="square" rtlCol="0">
+            <a:spAutoFit/>
+          </a:bodyPr>
+          <a:lstStyle/>
+          <a:p>
+            <a:pPr algn="r"/>
+            <a:r>
+              <a:rPr lang="en-US" sz="2400" dirty="0"/>
+              <a:t>weight</a:t>
+            </a:r>
+          </a:p>
+        </p:txBody>
+      </p:sp>
+      <p:grpSp>
+        <p:nvGrpSpPr>
+          <p:cNvPr id="64" name="Group 63">
+            <a:extLst>
+              <a:ext uri="{FF2B5EF4-FFF2-40B4-BE49-F238E27FC236}">
+                <a16:creationId xmlns:a16="http://schemas.microsoft.com/office/drawing/2014/main" id="{6C7A02C3-12E3-4EFE-9AA8-87202BD809E4}"/>
+              </a:ext>
+            </a:extLst>
+          </p:cNvPr>
+          <p:cNvGrpSpPr/>
+          <p:nvPr/>
+        </p:nvGrpSpPr>
+        <p:grpSpPr>
+          <a:xfrm>
+            <a:off x="1947024" y="2277209"/>
+            <a:ext cx="483577" cy="923330"/>
+            <a:chOff x="1714500" y="1591408"/>
+            <a:chExt cx="483577" cy="923330"/>
+          </a:xfrm>
+        </p:grpSpPr>
+        <p:sp>
+          <p:nvSpPr>
+            <p:cNvPr id="65" name="Rectangle 64">
+              <a:extLst>
+                <a:ext uri="{FF2B5EF4-FFF2-40B4-BE49-F238E27FC236}">
+                  <a16:creationId xmlns:a16="http://schemas.microsoft.com/office/drawing/2014/main" id="{83FBD113-E516-4929-83AC-0E42CD8E10C9}"/>
+                </a:ext>
+              </a:extLst>
+            </p:cNvPr>
+            <p:cNvSpPr/>
+            <p:nvPr/>
+          </p:nvSpPr>
+          <p:spPr>
+            <a:xfrm>
+              <a:off x="1714500" y="1591408"/>
+              <a:ext cx="483577" cy="461665"/>
+            </a:xfrm>
+            <a:prstGeom prst="rect">
+              <a:avLst/>
+            </a:prstGeom>
+          </p:spPr>
+          <p:style>
+            <a:lnRef idx="2">
+              <a:schemeClr val="accent1">
+                <a:shade val="50000"/>
+              </a:schemeClr>
+            </a:lnRef>
+            <a:fillRef idx="1">
+              <a:schemeClr val="accent1"/>
+            </a:fillRef>
+            <a:effectRef idx="0">
+              <a:schemeClr val="accent1"/>
+            </a:effectRef>
+            <a:fontRef idx="minor">
+              <a:schemeClr val="lt1"/>
+            </a:fontRef>
+          </p:style>
+          <p:txBody>
+            <a:bodyPr rtlCol="0" anchor="ctr"/>
+            <a:lstStyle/>
+            <a:p>
+              <a:pPr algn="ctr"/>
+              <a:endParaRPr lang="en-GB"/>
+            </a:p>
+          </p:txBody>
+        </p:sp>
+        <p:sp>
+          <p:nvSpPr>
+            <p:cNvPr id="66" name="Rectangle 65">
+              <a:extLst>
+                <a:ext uri="{FF2B5EF4-FFF2-40B4-BE49-F238E27FC236}">
+                  <a16:creationId xmlns:a16="http://schemas.microsoft.com/office/drawing/2014/main" id="{EA4DD757-4A84-4C36-B9D7-676D9B0758A4}"/>
+                </a:ext>
+              </a:extLst>
+            </p:cNvPr>
+            <p:cNvSpPr/>
+            <p:nvPr/>
+          </p:nvSpPr>
+          <p:spPr>
+            <a:xfrm>
+              <a:off x="1714500" y="2053073"/>
+              <a:ext cx="483577" cy="461665"/>
+            </a:xfrm>
+            <a:prstGeom prst="rect">
+              <a:avLst/>
+            </a:prstGeom>
+            <a:solidFill>
+              <a:schemeClr val="accent3"/>
+            </a:solidFill>
+          </p:spPr>
+          <p:style>
+            <a:lnRef idx="2">
+              <a:schemeClr val="accent1">
+                <a:shade val="50000"/>
+              </a:schemeClr>
+            </a:lnRef>
+            <a:fillRef idx="1">
+              <a:schemeClr val="accent1"/>
+            </a:fillRef>
+            <a:effectRef idx="0">
+              <a:schemeClr val="accent1"/>
+            </a:effectRef>
+            <a:fontRef idx="minor">
+              <a:schemeClr val="lt1"/>
+            </a:fontRef>
+          </p:style>
+          <p:txBody>
+            <a:bodyPr rtlCol="0" anchor="ctr"/>
+            <a:lstStyle/>
+            <a:p>
+              <a:pPr algn="ctr"/>
+              <a:endParaRPr lang="en-GB"/>
+            </a:p>
+          </p:txBody>
+        </p:sp>
+      </p:grpSp>
+      <p:grpSp>
+        <p:nvGrpSpPr>
+          <p:cNvPr id="67" name="Group 66">
+            <a:extLst>
+              <a:ext uri="{FF2B5EF4-FFF2-40B4-BE49-F238E27FC236}">
+                <a16:creationId xmlns:a16="http://schemas.microsoft.com/office/drawing/2014/main" id="{113BF118-661F-42A5-AED3-3FEBD06948BD}"/>
+              </a:ext>
+            </a:extLst>
+          </p:cNvPr>
+          <p:cNvGrpSpPr/>
+          <p:nvPr/>
+        </p:nvGrpSpPr>
+        <p:grpSpPr>
+          <a:xfrm>
+            <a:off x="2457452" y="2277209"/>
+            <a:ext cx="483577" cy="923330"/>
+            <a:chOff x="1714500" y="1591408"/>
+            <a:chExt cx="483577" cy="923330"/>
+          </a:xfrm>
+        </p:grpSpPr>
+        <p:sp>
+          <p:nvSpPr>
+            <p:cNvPr id="68" name="Rectangle 67">
+              <a:extLst>
+                <a:ext uri="{FF2B5EF4-FFF2-40B4-BE49-F238E27FC236}">
+                  <a16:creationId xmlns:a16="http://schemas.microsoft.com/office/drawing/2014/main" id="{4444B01D-3DED-4831-BE9D-C10B7AF22F25}"/>
+                </a:ext>
+              </a:extLst>
+            </p:cNvPr>
+            <p:cNvSpPr/>
+            <p:nvPr/>
+          </p:nvSpPr>
+          <p:spPr>
+            <a:xfrm>
+              <a:off x="1714500" y="1591408"/>
+              <a:ext cx="483577" cy="461665"/>
+            </a:xfrm>
+            <a:prstGeom prst="rect">
+              <a:avLst/>
+            </a:prstGeom>
+          </p:spPr>
+          <p:style>
+            <a:lnRef idx="2">
+              <a:schemeClr val="accent1">
+                <a:shade val="50000"/>
+              </a:schemeClr>
+            </a:lnRef>
+            <a:fillRef idx="1">
+              <a:schemeClr val="accent1"/>
+            </a:fillRef>
+            <a:effectRef idx="0">
+              <a:schemeClr val="accent1"/>
+            </a:effectRef>
+            <a:fontRef idx="minor">
+              <a:schemeClr val="lt1"/>
+            </a:fontRef>
+          </p:style>
+          <p:txBody>
+            <a:bodyPr rtlCol="0" anchor="ctr"/>
+            <a:lstStyle/>
+            <a:p>
+              <a:pPr algn="ctr"/>
+              <a:endParaRPr lang="en-GB"/>
+            </a:p>
+          </p:txBody>
+        </p:sp>
+        <p:sp>
+          <p:nvSpPr>
+            <p:cNvPr id="69" name="Rectangle 68">
+              <a:extLst>
+                <a:ext uri="{FF2B5EF4-FFF2-40B4-BE49-F238E27FC236}">
+                  <a16:creationId xmlns:a16="http://schemas.microsoft.com/office/drawing/2014/main" id="{92E26926-270D-4119-BD5B-6934C5E2B651}"/>
+                </a:ext>
+              </a:extLst>
+            </p:cNvPr>
+            <p:cNvSpPr/>
+            <p:nvPr/>
+          </p:nvSpPr>
+          <p:spPr>
+            <a:xfrm>
+              <a:off x="1714500" y="2053073"/>
+              <a:ext cx="483577" cy="461665"/>
+            </a:xfrm>
+            <a:prstGeom prst="rect">
+              <a:avLst/>
+            </a:prstGeom>
+            <a:solidFill>
+              <a:schemeClr val="accent3"/>
+            </a:solidFill>
+          </p:spPr>
+          <p:style>
+            <a:lnRef idx="2">
+              <a:schemeClr val="accent1">
+                <a:shade val="50000"/>
+              </a:schemeClr>
+            </a:lnRef>
+            <a:fillRef idx="1">
+              <a:schemeClr val="accent1"/>
+            </a:fillRef>
+            <a:effectRef idx="0">
+              <a:schemeClr val="accent1"/>
+            </a:effectRef>
+            <a:fontRef idx="minor">
+              <a:schemeClr val="lt1"/>
+            </a:fontRef>
+          </p:style>
+          <p:txBody>
+            <a:bodyPr rtlCol="0" anchor="ctr"/>
+            <a:lstStyle/>
+            <a:p>
+              <a:pPr algn="ctr"/>
+              <a:endParaRPr lang="en-GB"/>
+            </a:p>
+          </p:txBody>
+        </p:sp>
+      </p:grpSp>
+      <p:grpSp>
+        <p:nvGrpSpPr>
+          <p:cNvPr id="70" name="Group 69">
+            <a:extLst>
+              <a:ext uri="{FF2B5EF4-FFF2-40B4-BE49-F238E27FC236}">
+                <a16:creationId xmlns:a16="http://schemas.microsoft.com/office/drawing/2014/main" id="{51477DE1-ADB8-4539-829D-C22C727D8EC3}"/>
+              </a:ext>
+            </a:extLst>
+          </p:cNvPr>
+          <p:cNvGrpSpPr/>
+          <p:nvPr/>
+        </p:nvGrpSpPr>
+        <p:grpSpPr>
+          <a:xfrm>
+            <a:off x="2967880" y="2277209"/>
+            <a:ext cx="483577" cy="923330"/>
+            <a:chOff x="1714500" y="1591408"/>
+            <a:chExt cx="483577" cy="923330"/>
+          </a:xfrm>
+        </p:grpSpPr>
+        <p:sp>
+          <p:nvSpPr>
+            <p:cNvPr id="71" name="Rectangle 70">
+              <a:extLst>
+                <a:ext uri="{FF2B5EF4-FFF2-40B4-BE49-F238E27FC236}">
+                  <a16:creationId xmlns:a16="http://schemas.microsoft.com/office/drawing/2014/main" id="{099B2BC2-EE0C-49CF-8DB9-03B73F9D81CC}"/>
+                </a:ext>
+              </a:extLst>
+            </p:cNvPr>
+            <p:cNvSpPr/>
+            <p:nvPr/>
+          </p:nvSpPr>
+          <p:spPr>
+            <a:xfrm>
+              <a:off x="1714500" y="1591408"/>
+              <a:ext cx="483577" cy="461665"/>
+            </a:xfrm>
+            <a:prstGeom prst="rect">
+              <a:avLst/>
+            </a:prstGeom>
+          </p:spPr>
+          <p:style>
+            <a:lnRef idx="2">
+              <a:schemeClr val="accent1">
+                <a:shade val="50000"/>
+              </a:schemeClr>
+            </a:lnRef>
+            <a:fillRef idx="1">
+              <a:schemeClr val="accent1"/>
+            </a:fillRef>
+            <a:effectRef idx="0">
+              <a:schemeClr val="accent1"/>
+            </a:effectRef>
+            <a:fontRef idx="minor">
+              <a:schemeClr val="lt1"/>
+            </a:fontRef>
+          </p:style>
+          <p:txBody>
+            <a:bodyPr rtlCol="0" anchor="ctr"/>
+            <a:lstStyle/>
+            <a:p>
+              <a:pPr algn="ctr"/>
+              <a:endParaRPr lang="en-GB"/>
+            </a:p>
+          </p:txBody>
+        </p:sp>
+        <p:sp>
+          <p:nvSpPr>
+            <p:cNvPr id="72" name="Rectangle 71">
+              <a:extLst>
+                <a:ext uri="{FF2B5EF4-FFF2-40B4-BE49-F238E27FC236}">
+                  <a16:creationId xmlns:a16="http://schemas.microsoft.com/office/drawing/2014/main" id="{750434CC-A8F6-4FFA-8830-B7EDF30F0471}"/>
+                </a:ext>
+              </a:extLst>
+            </p:cNvPr>
+            <p:cNvSpPr/>
+            <p:nvPr/>
+          </p:nvSpPr>
+          <p:spPr>
+            <a:xfrm>
+              <a:off x="1714500" y="2053073"/>
+              <a:ext cx="483577" cy="461665"/>
+            </a:xfrm>
+            <a:prstGeom prst="rect">
+              <a:avLst/>
+            </a:prstGeom>
+            <a:solidFill>
+              <a:schemeClr val="accent3"/>
+            </a:solidFill>
+          </p:spPr>
+          <p:style>
+            <a:lnRef idx="2">
+              <a:schemeClr val="accent1">
+                <a:shade val="50000"/>
+              </a:schemeClr>
+            </a:lnRef>
+            <a:fillRef idx="1">
+              <a:schemeClr val="accent1"/>
+            </a:fillRef>
+            <a:effectRef idx="0">
+              <a:schemeClr val="accent1"/>
+            </a:effectRef>
+            <a:fontRef idx="minor">
+              <a:schemeClr val="lt1"/>
+            </a:fontRef>
+          </p:style>
+          <p:txBody>
+            <a:bodyPr rtlCol="0" anchor="ctr"/>
+            <a:lstStyle/>
+            <a:p>
+              <a:pPr algn="ctr"/>
+              <a:endParaRPr lang="en-GB"/>
+            </a:p>
+          </p:txBody>
+        </p:sp>
+      </p:grpSp>
+      <p:grpSp>
+        <p:nvGrpSpPr>
+          <p:cNvPr id="73" name="Group 72">
+            <a:extLst>
+              <a:ext uri="{FF2B5EF4-FFF2-40B4-BE49-F238E27FC236}">
+                <a16:creationId xmlns:a16="http://schemas.microsoft.com/office/drawing/2014/main" id="{CDC28ED3-8C9C-434C-9E31-E89AE6400FC4}"/>
+              </a:ext>
+            </a:extLst>
+          </p:cNvPr>
+          <p:cNvGrpSpPr/>
+          <p:nvPr/>
+        </p:nvGrpSpPr>
+        <p:grpSpPr>
+          <a:xfrm>
+            <a:off x="3478308" y="2277209"/>
+            <a:ext cx="483577" cy="923330"/>
+            <a:chOff x="1714500" y="1591408"/>
+            <a:chExt cx="483577" cy="923330"/>
+          </a:xfrm>
+        </p:grpSpPr>
+        <p:sp>
+          <p:nvSpPr>
+            <p:cNvPr id="74" name="Rectangle 73">
+              <a:extLst>
+                <a:ext uri="{FF2B5EF4-FFF2-40B4-BE49-F238E27FC236}">
+                  <a16:creationId xmlns:a16="http://schemas.microsoft.com/office/drawing/2014/main" id="{39E84664-57E8-46EE-ABFD-CB5A05B7EE9F}"/>
+                </a:ext>
+              </a:extLst>
+            </p:cNvPr>
+            <p:cNvSpPr/>
+            <p:nvPr/>
+          </p:nvSpPr>
+          <p:spPr>
+            <a:xfrm>
+              <a:off x="1714500" y="1591408"/>
+              <a:ext cx="483577" cy="461665"/>
+            </a:xfrm>
+            <a:prstGeom prst="rect">
+              <a:avLst/>
+            </a:prstGeom>
+          </p:spPr>
+          <p:style>
+            <a:lnRef idx="2">
+              <a:schemeClr val="accent1">
+                <a:shade val="50000"/>
+              </a:schemeClr>
+            </a:lnRef>
+            <a:fillRef idx="1">
+              <a:schemeClr val="accent1"/>
+            </a:fillRef>
+            <a:effectRef idx="0">
+              <a:schemeClr val="accent1"/>
+            </a:effectRef>
+            <a:fontRef idx="minor">
+              <a:schemeClr val="lt1"/>
+            </a:fontRef>
+          </p:style>
+          <p:txBody>
+            <a:bodyPr rtlCol="0" anchor="ctr"/>
+            <a:lstStyle/>
+            <a:p>
+              <a:pPr algn="ctr"/>
+              <a:endParaRPr lang="en-GB"/>
+            </a:p>
+          </p:txBody>
+        </p:sp>
+        <p:sp>
+          <p:nvSpPr>
+            <p:cNvPr id="75" name="Rectangle 74">
+              <a:extLst>
+                <a:ext uri="{FF2B5EF4-FFF2-40B4-BE49-F238E27FC236}">
+                  <a16:creationId xmlns:a16="http://schemas.microsoft.com/office/drawing/2014/main" id="{45761627-7D0F-401F-92D5-1A9C9CDC16D8}"/>
+                </a:ext>
+              </a:extLst>
+            </p:cNvPr>
+            <p:cNvSpPr/>
+            <p:nvPr/>
+          </p:nvSpPr>
+          <p:spPr>
+            <a:xfrm>
+              <a:off x="1714500" y="2053073"/>
+              <a:ext cx="483577" cy="461665"/>
+            </a:xfrm>
+            <a:prstGeom prst="rect">
+              <a:avLst/>
+            </a:prstGeom>
+            <a:solidFill>
+              <a:schemeClr val="accent3"/>
+            </a:solidFill>
+          </p:spPr>
+          <p:style>
+            <a:lnRef idx="2">
+              <a:schemeClr val="accent1">
+                <a:shade val="50000"/>
+              </a:schemeClr>
+            </a:lnRef>
+            <a:fillRef idx="1">
+              <a:schemeClr val="accent1"/>
+            </a:fillRef>
+            <a:effectRef idx="0">
+              <a:schemeClr val="accent1"/>
+            </a:effectRef>
+            <a:fontRef idx="minor">
+              <a:schemeClr val="lt1"/>
+            </a:fontRef>
+          </p:style>
+          <p:txBody>
+            <a:bodyPr rtlCol="0" anchor="ctr"/>
+            <a:lstStyle/>
+            <a:p>
+              <a:pPr algn="ctr"/>
+              <a:endParaRPr lang="en-GB"/>
+            </a:p>
+          </p:txBody>
+        </p:sp>
+      </p:grpSp>
+      <p:grpSp>
+        <p:nvGrpSpPr>
+          <p:cNvPr id="76" name="Group 75">
+            <a:extLst>
+              <a:ext uri="{FF2B5EF4-FFF2-40B4-BE49-F238E27FC236}">
+                <a16:creationId xmlns:a16="http://schemas.microsoft.com/office/drawing/2014/main" id="{65CE4FAD-3956-4A4B-A55A-66D13B94CAE8}"/>
+              </a:ext>
+            </a:extLst>
+          </p:cNvPr>
+          <p:cNvGrpSpPr/>
+          <p:nvPr/>
+        </p:nvGrpSpPr>
+        <p:grpSpPr>
+          <a:xfrm>
+            <a:off x="3988736" y="2277209"/>
+            <a:ext cx="483577" cy="923330"/>
+            <a:chOff x="1714500" y="1591408"/>
+            <a:chExt cx="483577" cy="923330"/>
+          </a:xfrm>
+        </p:grpSpPr>
+        <p:sp>
+          <p:nvSpPr>
+            <p:cNvPr id="77" name="Rectangle 76">
+              <a:extLst>
+                <a:ext uri="{FF2B5EF4-FFF2-40B4-BE49-F238E27FC236}">
+                  <a16:creationId xmlns:a16="http://schemas.microsoft.com/office/drawing/2014/main" id="{766AE563-7AAB-4ECD-BA68-4B403611842D}"/>
+                </a:ext>
+              </a:extLst>
+            </p:cNvPr>
+            <p:cNvSpPr/>
+            <p:nvPr/>
+          </p:nvSpPr>
+          <p:spPr>
+            <a:xfrm>
+              <a:off x="1714500" y="1591408"/>
+              <a:ext cx="483577" cy="461665"/>
+            </a:xfrm>
+            <a:prstGeom prst="rect">
+              <a:avLst/>
+            </a:prstGeom>
+          </p:spPr>
+          <p:style>
+            <a:lnRef idx="2">
+              <a:schemeClr val="accent1">
+                <a:shade val="50000"/>
+              </a:schemeClr>
+            </a:lnRef>
+            <a:fillRef idx="1">
+              <a:schemeClr val="accent1"/>
+            </a:fillRef>
+            <a:effectRef idx="0">
+              <a:schemeClr val="accent1"/>
+            </a:effectRef>
+            <a:fontRef idx="minor">
+              <a:schemeClr val="lt1"/>
+            </a:fontRef>
+          </p:style>
+          <p:txBody>
+            <a:bodyPr rtlCol="0" anchor="ctr"/>
+            <a:lstStyle/>
+            <a:p>
+              <a:pPr algn="ctr"/>
+              <a:endParaRPr lang="en-GB"/>
+            </a:p>
+          </p:txBody>
+        </p:sp>
+        <p:sp>
+          <p:nvSpPr>
+            <p:cNvPr id="78" name="Rectangle 77">
+              <a:extLst>
+                <a:ext uri="{FF2B5EF4-FFF2-40B4-BE49-F238E27FC236}">
+                  <a16:creationId xmlns:a16="http://schemas.microsoft.com/office/drawing/2014/main" id="{E1DC1561-0012-4797-8BF0-4C307FF713E0}"/>
+                </a:ext>
+              </a:extLst>
+            </p:cNvPr>
+            <p:cNvSpPr/>
+            <p:nvPr/>
+          </p:nvSpPr>
+          <p:spPr>
+            <a:xfrm>
+              <a:off x="1714500" y="2053073"/>
+              <a:ext cx="483577" cy="461665"/>
+            </a:xfrm>
+            <a:prstGeom prst="rect">
+              <a:avLst/>
+            </a:prstGeom>
+            <a:solidFill>
+              <a:schemeClr val="accent3"/>
+            </a:solidFill>
+          </p:spPr>
+          <p:style>
+            <a:lnRef idx="2">
+              <a:schemeClr val="accent1">
+                <a:shade val="50000"/>
+              </a:schemeClr>
+            </a:lnRef>
+            <a:fillRef idx="1">
+              <a:schemeClr val="accent1"/>
+            </a:fillRef>
+            <a:effectRef idx="0">
+              <a:schemeClr val="accent1"/>
+            </a:effectRef>
+            <a:fontRef idx="minor">
+              <a:schemeClr val="lt1"/>
+            </a:fontRef>
+          </p:style>
+          <p:txBody>
+            <a:bodyPr rtlCol="0" anchor="ctr"/>
+            <a:lstStyle/>
+            <a:p>
+              <a:pPr algn="ctr"/>
+              <a:endParaRPr lang="en-GB"/>
+            </a:p>
+          </p:txBody>
+        </p:sp>
+      </p:grpSp>
+      <p:grpSp>
+        <p:nvGrpSpPr>
+          <p:cNvPr id="79" name="Group 78">
+            <a:extLst>
+              <a:ext uri="{FF2B5EF4-FFF2-40B4-BE49-F238E27FC236}">
+                <a16:creationId xmlns:a16="http://schemas.microsoft.com/office/drawing/2014/main" id="{AA7320CD-E2C2-4E5F-A04A-F270D25DD669}"/>
+              </a:ext>
+            </a:extLst>
+          </p:cNvPr>
+          <p:cNvGrpSpPr/>
+          <p:nvPr/>
+        </p:nvGrpSpPr>
+        <p:grpSpPr>
+          <a:xfrm>
+            <a:off x="4499164" y="2277209"/>
+            <a:ext cx="483577" cy="923330"/>
+            <a:chOff x="1714500" y="1591408"/>
+            <a:chExt cx="483577" cy="923330"/>
+          </a:xfrm>
+        </p:grpSpPr>
+        <p:sp>
+          <p:nvSpPr>
+            <p:cNvPr id="80" name="Rectangle 79">
+              <a:extLst>
+                <a:ext uri="{FF2B5EF4-FFF2-40B4-BE49-F238E27FC236}">
+                  <a16:creationId xmlns:a16="http://schemas.microsoft.com/office/drawing/2014/main" id="{7698A794-3CE3-4BBC-BEEB-8D0D6C1EF54C}"/>
+                </a:ext>
+              </a:extLst>
+            </p:cNvPr>
+            <p:cNvSpPr/>
+            <p:nvPr/>
+          </p:nvSpPr>
+          <p:spPr>
+            <a:xfrm>
+              <a:off x="1714500" y="1591408"/>
+              <a:ext cx="483577" cy="461665"/>
+            </a:xfrm>
+            <a:prstGeom prst="rect">
+              <a:avLst/>
+            </a:prstGeom>
+          </p:spPr>
+          <p:style>
+            <a:lnRef idx="2">
+              <a:schemeClr val="accent1">
+                <a:shade val="50000"/>
+              </a:schemeClr>
+            </a:lnRef>
+            <a:fillRef idx="1">
+              <a:schemeClr val="accent1"/>
+            </a:fillRef>
+            <a:effectRef idx="0">
+              <a:schemeClr val="accent1"/>
+            </a:effectRef>
+            <a:fontRef idx="minor">
+              <a:schemeClr val="lt1"/>
+            </a:fontRef>
+          </p:style>
+          <p:txBody>
+            <a:bodyPr rtlCol="0" anchor="ctr"/>
+            <a:lstStyle/>
+            <a:p>
+              <a:pPr algn="ctr"/>
+              <a:endParaRPr lang="en-GB"/>
+            </a:p>
+          </p:txBody>
+        </p:sp>
+        <p:sp>
+          <p:nvSpPr>
+            <p:cNvPr id="81" name="Rectangle 80">
+              <a:extLst>
+                <a:ext uri="{FF2B5EF4-FFF2-40B4-BE49-F238E27FC236}">
+                  <a16:creationId xmlns:a16="http://schemas.microsoft.com/office/drawing/2014/main" id="{D49C15A5-ABD8-4B96-B58D-081F1BE951A6}"/>
+                </a:ext>
+              </a:extLst>
+            </p:cNvPr>
+            <p:cNvSpPr/>
+            <p:nvPr/>
+          </p:nvSpPr>
+          <p:spPr>
+            <a:xfrm>
+              <a:off x="1714500" y="2053073"/>
+              <a:ext cx="483577" cy="461665"/>
+            </a:xfrm>
+            <a:prstGeom prst="rect">
+              <a:avLst/>
+            </a:prstGeom>
+            <a:solidFill>
+              <a:schemeClr val="accent3"/>
+            </a:solidFill>
+          </p:spPr>
+          <p:style>
+            <a:lnRef idx="2">
+              <a:schemeClr val="accent1">
+                <a:shade val="50000"/>
+              </a:schemeClr>
+            </a:lnRef>
+            <a:fillRef idx="1">
+              <a:schemeClr val="accent1"/>
+            </a:fillRef>
+            <a:effectRef idx="0">
+              <a:schemeClr val="accent1"/>
+            </a:effectRef>
+            <a:fontRef idx="minor">
+              <a:schemeClr val="lt1"/>
+            </a:fontRef>
+          </p:style>
+          <p:txBody>
+            <a:bodyPr rtlCol="0" anchor="ctr"/>
+            <a:lstStyle/>
+            <a:p>
+              <a:pPr algn="ctr"/>
+              <a:endParaRPr lang="en-GB"/>
+            </a:p>
+          </p:txBody>
+        </p:sp>
+      </p:grpSp>
+      <p:grpSp>
+        <p:nvGrpSpPr>
+          <p:cNvPr id="82" name="Group 81">
+            <a:extLst>
+              <a:ext uri="{FF2B5EF4-FFF2-40B4-BE49-F238E27FC236}">
+                <a16:creationId xmlns:a16="http://schemas.microsoft.com/office/drawing/2014/main" id="{E60878DA-D2B2-4986-9B51-094AB4ADEB13}"/>
+              </a:ext>
+            </a:extLst>
+          </p:cNvPr>
+          <p:cNvGrpSpPr/>
+          <p:nvPr/>
+        </p:nvGrpSpPr>
+        <p:grpSpPr>
+          <a:xfrm>
+            <a:off x="5009592" y="2277209"/>
+            <a:ext cx="483577" cy="923330"/>
+            <a:chOff x="1714500" y="1591408"/>
+            <a:chExt cx="483577" cy="923330"/>
+          </a:xfrm>
+        </p:grpSpPr>
+        <p:sp>
+          <p:nvSpPr>
+            <p:cNvPr id="83" name="Rectangle 82">
+              <a:extLst>
+                <a:ext uri="{FF2B5EF4-FFF2-40B4-BE49-F238E27FC236}">
+                  <a16:creationId xmlns:a16="http://schemas.microsoft.com/office/drawing/2014/main" id="{2924BD3C-0199-49A5-B11E-77DEC51423CD}"/>
+                </a:ext>
+              </a:extLst>
+            </p:cNvPr>
+            <p:cNvSpPr/>
+            <p:nvPr/>
+          </p:nvSpPr>
+          <p:spPr>
+            <a:xfrm>
+              <a:off x="1714500" y="1591408"/>
+              <a:ext cx="483577" cy="461665"/>
+            </a:xfrm>
+            <a:prstGeom prst="rect">
+              <a:avLst/>
+            </a:prstGeom>
+          </p:spPr>
+          <p:style>
+            <a:lnRef idx="2">
+              <a:schemeClr val="accent1">
+                <a:shade val="50000"/>
+              </a:schemeClr>
+            </a:lnRef>
+            <a:fillRef idx="1">
+              <a:schemeClr val="accent1"/>
+            </a:fillRef>
+            <a:effectRef idx="0">
+              <a:schemeClr val="accent1"/>
+            </a:effectRef>
+            <a:fontRef idx="minor">
+              <a:schemeClr val="lt1"/>
+            </a:fontRef>
+          </p:style>
+          <p:txBody>
+            <a:bodyPr rtlCol="0" anchor="ctr"/>
+            <a:lstStyle/>
+            <a:p>
+              <a:pPr algn="ctr"/>
+              <a:endParaRPr lang="en-GB"/>
+            </a:p>
+          </p:txBody>
+        </p:sp>
+        <p:sp>
+          <p:nvSpPr>
+            <p:cNvPr id="84" name="Rectangle 83">
+              <a:extLst>
+                <a:ext uri="{FF2B5EF4-FFF2-40B4-BE49-F238E27FC236}">
+                  <a16:creationId xmlns:a16="http://schemas.microsoft.com/office/drawing/2014/main" id="{E8A67E25-54FB-44B6-8D10-92B3EB04B109}"/>
+                </a:ext>
+              </a:extLst>
+            </p:cNvPr>
+            <p:cNvSpPr/>
+            <p:nvPr/>
+          </p:nvSpPr>
+          <p:spPr>
+            <a:xfrm>
+              <a:off x="1714500" y="2053073"/>
+              <a:ext cx="483577" cy="461665"/>
+            </a:xfrm>
+            <a:prstGeom prst="rect">
+              <a:avLst/>
+            </a:prstGeom>
+            <a:solidFill>
+              <a:schemeClr val="accent3"/>
+            </a:solidFill>
+          </p:spPr>
+          <p:style>
+            <a:lnRef idx="2">
+              <a:schemeClr val="accent1">
+                <a:shade val="50000"/>
+              </a:schemeClr>
+            </a:lnRef>
+            <a:fillRef idx="1">
+              <a:schemeClr val="accent1"/>
+            </a:fillRef>
+            <a:effectRef idx="0">
+              <a:schemeClr val="accent1"/>
+            </a:effectRef>
+            <a:fontRef idx="minor">
+              <a:schemeClr val="lt1"/>
+            </a:fontRef>
+          </p:style>
+          <p:txBody>
+            <a:bodyPr rtlCol="0" anchor="ctr"/>
+            <a:lstStyle/>
+            <a:p>
+              <a:pPr algn="ctr"/>
+              <a:endParaRPr lang="en-GB"/>
+            </a:p>
+          </p:txBody>
+        </p:sp>
+      </p:grpSp>
+      <p:grpSp>
+        <p:nvGrpSpPr>
+          <p:cNvPr id="85" name="Group 84">
+            <a:extLst>
+              <a:ext uri="{FF2B5EF4-FFF2-40B4-BE49-F238E27FC236}">
+                <a16:creationId xmlns:a16="http://schemas.microsoft.com/office/drawing/2014/main" id="{9AD41AE9-3DE8-4607-8F32-DB4D04DEBCF9}"/>
+              </a:ext>
+            </a:extLst>
+          </p:cNvPr>
+          <p:cNvGrpSpPr/>
+          <p:nvPr/>
+        </p:nvGrpSpPr>
+        <p:grpSpPr>
+          <a:xfrm>
+            <a:off x="5520020" y="2277209"/>
+            <a:ext cx="483577" cy="923330"/>
+            <a:chOff x="1714500" y="1591408"/>
+            <a:chExt cx="483577" cy="923330"/>
+          </a:xfrm>
+        </p:grpSpPr>
+        <p:sp>
+          <p:nvSpPr>
+            <p:cNvPr id="86" name="Rectangle 85">
+              <a:extLst>
+                <a:ext uri="{FF2B5EF4-FFF2-40B4-BE49-F238E27FC236}">
+                  <a16:creationId xmlns:a16="http://schemas.microsoft.com/office/drawing/2014/main" id="{6CFE3B9A-ACBD-48DB-92AF-72D04A623709}"/>
+                </a:ext>
+              </a:extLst>
+            </p:cNvPr>
+            <p:cNvSpPr/>
+            <p:nvPr/>
+          </p:nvSpPr>
+          <p:spPr>
+            <a:xfrm>
+              <a:off x="1714500" y="1591408"/>
+              <a:ext cx="483577" cy="461665"/>
+            </a:xfrm>
+            <a:prstGeom prst="rect">
+              <a:avLst/>
+            </a:prstGeom>
+          </p:spPr>
+          <p:style>
+            <a:lnRef idx="2">
+              <a:schemeClr val="accent1">
+                <a:shade val="50000"/>
+              </a:schemeClr>
+            </a:lnRef>
+            <a:fillRef idx="1">
+              <a:schemeClr val="accent1"/>
+            </a:fillRef>
+            <a:effectRef idx="0">
+              <a:schemeClr val="accent1"/>
+            </a:effectRef>
+            <a:fontRef idx="minor">
+              <a:schemeClr val="lt1"/>
+            </a:fontRef>
+          </p:style>
+          <p:txBody>
+            <a:bodyPr rtlCol="0" anchor="ctr"/>
+            <a:lstStyle/>
+            <a:p>
+              <a:pPr algn="ctr"/>
+              <a:endParaRPr lang="en-GB"/>
+            </a:p>
+          </p:txBody>
+        </p:sp>
+        <p:sp>
+          <p:nvSpPr>
+            <p:cNvPr id="87" name="Rectangle 86">
+              <a:extLst>
+                <a:ext uri="{FF2B5EF4-FFF2-40B4-BE49-F238E27FC236}">
+                  <a16:creationId xmlns:a16="http://schemas.microsoft.com/office/drawing/2014/main" id="{00DD0895-4F5D-43F3-AAB4-21D16DC850EE}"/>
+                </a:ext>
+              </a:extLst>
+            </p:cNvPr>
+            <p:cNvSpPr/>
+            <p:nvPr/>
+          </p:nvSpPr>
+          <p:spPr>
+            <a:xfrm>
+              <a:off x="1714500" y="2053073"/>
+              <a:ext cx="483577" cy="461665"/>
+            </a:xfrm>
+            <a:prstGeom prst="rect">
+              <a:avLst/>
+            </a:prstGeom>
+            <a:solidFill>
+              <a:schemeClr val="accent3"/>
+            </a:solidFill>
+          </p:spPr>
+          <p:style>
+            <a:lnRef idx="2">
+              <a:schemeClr val="accent1">
+                <a:shade val="50000"/>
+              </a:schemeClr>
+            </a:lnRef>
+            <a:fillRef idx="1">
+              <a:schemeClr val="accent1"/>
+            </a:fillRef>
+            <a:effectRef idx="0">
+              <a:schemeClr val="accent1"/>
+            </a:effectRef>
+            <a:fontRef idx="minor">
+              <a:schemeClr val="lt1"/>
+            </a:fontRef>
+          </p:style>
+          <p:txBody>
+            <a:bodyPr rtlCol="0" anchor="ctr"/>
+            <a:lstStyle/>
+            <a:p>
+              <a:pPr algn="ctr"/>
+              <a:endParaRPr lang="en-GB"/>
+            </a:p>
+          </p:txBody>
+        </p:sp>
+      </p:grpSp>
+      <p:grpSp>
+        <p:nvGrpSpPr>
+          <p:cNvPr id="88" name="Group 87">
+            <a:extLst>
+              <a:ext uri="{FF2B5EF4-FFF2-40B4-BE49-F238E27FC236}">
+                <a16:creationId xmlns:a16="http://schemas.microsoft.com/office/drawing/2014/main" id="{90126F34-CD92-4AF7-A17C-8BADB4305CBC}"/>
+              </a:ext>
+            </a:extLst>
+          </p:cNvPr>
+          <p:cNvGrpSpPr/>
+          <p:nvPr/>
+        </p:nvGrpSpPr>
+        <p:grpSpPr>
+          <a:xfrm>
+            <a:off x="6030448" y="2277209"/>
+            <a:ext cx="483577" cy="923330"/>
+            <a:chOff x="1714500" y="1591408"/>
+            <a:chExt cx="483577" cy="923330"/>
+          </a:xfrm>
+        </p:grpSpPr>
+        <p:sp>
+          <p:nvSpPr>
+            <p:cNvPr id="89" name="Rectangle 88">
+              <a:extLst>
+                <a:ext uri="{FF2B5EF4-FFF2-40B4-BE49-F238E27FC236}">
+                  <a16:creationId xmlns:a16="http://schemas.microsoft.com/office/drawing/2014/main" id="{8ABE7218-DADF-4C43-A0F2-A5C10087F9D4}"/>
+                </a:ext>
+              </a:extLst>
+            </p:cNvPr>
+            <p:cNvSpPr/>
+            <p:nvPr/>
+          </p:nvSpPr>
+          <p:spPr>
+            <a:xfrm>
+              <a:off x="1714500" y="1591408"/>
+              <a:ext cx="483577" cy="461665"/>
+            </a:xfrm>
+            <a:prstGeom prst="rect">
+              <a:avLst/>
+            </a:prstGeom>
+          </p:spPr>
+          <p:style>
+            <a:lnRef idx="2">
+              <a:schemeClr val="accent1">
+                <a:shade val="50000"/>
+              </a:schemeClr>
+            </a:lnRef>
+            <a:fillRef idx="1">
+              <a:schemeClr val="accent1"/>
+            </a:fillRef>
+            <a:effectRef idx="0">
+              <a:schemeClr val="accent1"/>
+            </a:effectRef>
+            <a:fontRef idx="minor">
+              <a:schemeClr val="lt1"/>
+            </a:fontRef>
+          </p:style>
+          <p:txBody>
+            <a:bodyPr rtlCol="0" anchor="ctr"/>
+            <a:lstStyle/>
+            <a:p>
+              <a:pPr algn="ctr"/>
+              <a:endParaRPr lang="en-GB"/>
+            </a:p>
+          </p:txBody>
+        </p:sp>
+        <p:sp>
+          <p:nvSpPr>
+            <p:cNvPr id="90" name="Rectangle 89">
+              <a:extLst>
+                <a:ext uri="{FF2B5EF4-FFF2-40B4-BE49-F238E27FC236}">
+                  <a16:creationId xmlns:a16="http://schemas.microsoft.com/office/drawing/2014/main" id="{01DEF27C-D1E8-4599-A887-80CB537D4C27}"/>
+                </a:ext>
+              </a:extLst>
+            </p:cNvPr>
+            <p:cNvSpPr/>
+            <p:nvPr/>
+          </p:nvSpPr>
+          <p:spPr>
+            <a:xfrm>
+              <a:off x="1714500" y="2053073"/>
+              <a:ext cx="483577" cy="461665"/>
+            </a:xfrm>
+            <a:prstGeom prst="rect">
+              <a:avLst/>
+            </a:prstGeom>
+            <a:solidFill>
+              <a:schemeClr val="accent3"/>
+            </a:solidFill>
+          </p:spPr>
+          <p:style>
+            <a:lnRef idx="2">
+              <a:schemeClr val="accent1">
+                <a:shade val="50000"/>
+              </a:schemeClr>
+            </a:lnRef>
+            <a:fillRef idx="1">
+              <a:schemeClr val="accent1"/>
+            </a:fillRef>
+            <a:effectRef idx="0">
+              <a:schemeClr val="accent1"/>
+            </a:effectRef>
+            <a:fontRef idx="minor">
+              <a:schemeClr val="lt1"/>
+            </a:fontRef>
+          </p:style>
+          <p:txBody>
+            <a:bodyPr rtlCol="0" anchor="ctr"/>
+            <a:lstStyle/>
+            <a:p>
+              <a:pPr algn="ctr"/>
+              <a:endParaRPr lang="en-GB"/>
+            </a:p>
+          </p:txBody>
+        </p:sp>
+      </p:grpSp>
+      <p:grpSp>
+        <p:nvGrpSpPr>
+          <p:cNvPr id="91" name="Group 90">
+            <a:extLst>
+              <a:ext uri="{FF2B5EF4-FFF2-40B4-BE49-F238E27FC236}">
+                <a16:creationId xmlns:a16="http://schemas.microsoft.com/office/drawing/2014/main" id="{31783236-903A-49A5-94CE-86B348EDF3AA}"/>
+              </a:ext>
+            </a:extLst>
+          </p:cNvPr>
+          <p:cNvGrpSpPr/>
+          <p:nvPr/>
+        </p:nvGrpSpPr>
+        <p:grpSpPr>
+          <a:xfrm>
+            <a:off x="6540876" y="2277209"/>
+            <a:ext cx="483577" cy="923330"/>
+            <a:chOff x="1714500" y="1591408"/>
+            <a:chExt cx="483577" cy="923330"/>
+          </a:xfrm>
+        </p:grpSpPr>
+        <p:sp>
+          <p:nvSpPr>
+            <p:cNvPr id="92" name="Rectangle 91">
+              <a:extLst>
+                <a:ext uri="{FF2B5EF4-FFF2-40B4-BE49-F238E27FC236}">
+                  <a16:creationId xmlns:a16="http://schemas.microsoft.com/office/drawing/2014/main" id="{C880895A-B6A5-498A-A0F5-35727C2C6514}"/>
+                </a:ext>
+              </a:extLst>
+            </p:cNvPr>
+            <p:cNvSpPr/>
+            <p:nvPr/>
+          </p:nvSpPr>
+          <p:spPr>
+            <a:xfrm>
+              <a:off x="1714500" y="1591408"/>
+              <a:ext cx="483577" cy="461665"/>
+            </a:xfrm>
+            <a:prstGeom prst="rect">
+              <a:avLst/>
+            </a:prstGeom>
+          </p:spPr>
+          <p:style>
+            <a:lnRef idx="2">
+              <a:schemeClr val="accent1">
+                <a:shade val="50000"/>
+              </a:schemeClr>
+            </a:lnRef>
+            <a:fillRef idx="1">
+              <a:schemeClr val="accent1"/>
+            </a:fillRef>
+            <a:effectRef idx="0">
+              <a:schemeClr val="accent1"/>
+            </a:effectRef>
+            <a:fontRef idx="minor">
+              <a:schemeClr val="lt1"/>
+            </a:fontRef>
+          </p:style>
+          <p:txBody>
+            <a:bodyPr rtlCol="0" anchor="ctr"/>
+            <a:lstStyle/>
+            <a:p>
+              <a:pPr algn="ctr"/>
+              <a:endParaRPr lang="en-GB"/>
+            </a:p>
+          </p:txBody>
+        </p:sp>
+        <p:sp>
+          <p:nvSpPr>
+            <p:cNvPr id="93" name="Rectangle 92">
+              <a:extLst>
+                <a:ext uri="{FF2B5EF4-FFF2-40B4-BE49-F238E27FC236}">
+                  <a16:creationId xmlns:a16="http://schemas.microsoft.com/office/drawing/2014/main" id="{3EB03234-A890-4E93-8A6D-A6733CE954D7}"/>
+                </a:ext>
+              </a:extLst>
+            </p:cNvPr>
+            <p:cNvSpPr/>
+            <p:nvPr/>
+          </p:nvSpPr>
+          <p:spPr>
+            <a:xfrm>
+              <a:off x="1714500" y="2053073"/>
+              <a:ext cx="483577" cy="461665"/>
+            </a:xfrm>
+            <a:prstGeom prst="rect">
+              <a:avLst/>
+            </a:prstGeom>
+            <a:solidFill>
+              <a:schemeClr val="accent3"/>
+            </a:solidFill>
+          </p:spPr>
+          <p:style>
+            <a:lnRef idx="2">
+              <a:schemeClr val="accent1">
+                <a:shade val="50000"/>
+              </a:schemeClr>
+            </a:lnRef>
+            <a:fillRef idx="1">
+              <a:schemeClr val="accent1"/>
+            </a:fillRef>
+            <a:effectRef idx="0">
+              <a:schemeClr val="accent1"/>
+            </a:effectRef>
+            <a:fontRef idx="minor">
+              <a:schemeClr val="lt1"/>
+            </a:fontRef>
+          </p:style>
+          <p:txBody>
+            <a:bodyPr rtlCol="0" anchor="ctr"/>
+            <a:lstStyle/>
+            <a:p>
+              <a:pPr algn="ctr"/>
+              <a:endParaRPr lang="en-GB"/>
+            </a:p>
+          </p:txBody>
+        </p:sp>
+      </p:grpSp>
+      <p:grpSp>
+        <p:nvGrpSpPr>
+          <p:cNvPr id="94" name="Group 93">
+            <a:extLst>
+              <a:ext uri="{FF2B5EF4-FFF2-40B4-BE49-F238E27FC236}">
+                <a16:creationId xmlns:a16="http://schemas.microsoft.com/office/drawing/2014/main" id="{6D5FF56C-3F65-4BD2-A022-48C094AE7C2D}"/>
+              </a:ext>
+            </a:extLst>
+          </p:cNvPr>
+          <p:cNvGrpSpPr/>
+          <p:nvPr/>
+        </p:nvGrpSpPr>
+        <p:grpSpPr>
+          <a:xfrm>
+            <a:off x="7051304" y="2277209"/>
+            <a:ext cx="483577" cy="923330"/>
+            <a:chOff x="1714500" y="1591408"/>
+            <a:chExt cx="483577" cy="923330"/>
+          </a:xfrm>
+        </p:grpSpPr>
+        <p:sp>
+          <p:nvSpPr>
+            <p:cNvPr id="95" name="Rectangle 94">
+              <a:extLst>
+                <a:ext uri="{FF2B5EF4-FFF2-40B4-BE49-F238E27FC236}">
+                  <a16:creationId xmlns:a16="http://schemas.microsoft.com/office/drawing/2014/main" id="{97100DA1-E118-4937-B909-4F118BB4AF08}"/>
+                </a:ext>
+              </a:extLst>
+            </p:cNvPr>
+            <p:cNvSpPr/>
+            <p:nvPr/>
+          </p:nvSpPr>
+          <p:spPr>
+            <a:xfrm>
+              <a:off x="1714500" y="1591408"/>
+              <a:ext cx="483577" cy="461665"/>
+            </a:xfrm>
+            <a:prstGeom prst="rect">
+              <a:avLst/>
+            </a:prstGeom>
+          </p:spPr>
+          <p:style>
+            <a:lnRef idx="2">
+              <a:schemeClr val="accent1">
+                <a:shade val="50000"/>
+              </a:schemeClr>
+            </a:lnRef>
+            <a:fillRef idx="1">
+              <a:schemeClr val="accent1"/>
+            </a:fillRef>
+            <a:effectRef idx="0">
+              <a:schemeClr val="accent1"/>
+            </a:effectRef>
+            <a:fontRef idx="minor">
+              <a:schemeClr val="lt1"/>
+            </a:fontRef>
+          </p:style>
+          <p:txBody>
+            <a:bodyPr rtlCol="0" anchor="ctr"/>
+            <a:lstStyle/>
+            <a:p>
+              <a:pPr algn="ctr"/>
+              <a:endParaRPr lang="en-GB"/>
+            </a:p>
+          </p:txBody>
+        </p:sp>
+        <p:sp>
+          <p:nvSpPr>
+            <p:cNvPr id="96" name="Rectangle 95">
+              <a:extLst>
+                <a:ext uri="{FF2B5EF4-FFF2-40B4-BE49-F238E27FC236}">
+                  <a16:creationId xmlns:a16="http://schemas.microsoft.com/office/drawing/2014/main" id="{AE6E58DF-EFB3-42EA-9F73-994E58E99182}"/>
+                </a:ext>
+              </a:extLst>
+            </p:cNvPr>
+            <p:cNvSpPr/>
+            <p:nvPr/>
+          </p:nvSpPr>
+          <p:spPr>
+            <a:xfrm>
+              <a:off x="1714500" y="2053073"/>
+              <a:ext cx="483577" cy="461665"/>
+            </a:xfrm>
+            <a:prstGeom prst="rect">
+              <a:avLst/>
+            </a:prstGeom>
+            <a:solidFill>
+              <a:schemeClr val="accent3"/>
+            </a:solidFill>
+          </p:spPr>
+          <p:style>
+            <a:lnRef idx="2">
+              <a:schemeClr val="accent1">
+                <a:shade val="50000"/>
+              </a:schemeClr>
+            </a:lnRef>
+            <a:fillRef idx="1">
+              <a:schemeClr val="accent1"/>
+            </a:fillRef>
+            <a:effectRef idx="0">
+              <a:schemeClr val="accent1"/>
+            </a:effectRef>
+            <a:fontRef idx="minor">
+              <a:schemeClr val="lt1"/>
+            </a:fontRef>
+          </p:style>
+          <p:txBody>
+            <a:bodyPr rtlCol="0" anchor="ctr"/>
+            <a:lstStyle/>
+            <a:p>
+              <a:pPr algn="ctr"/>
+              <a:endParaRPr lang="en-GB"/>
+            </a:p>
+          </p:txBody>
+        </p:sp>
+      </p:grpSp>
+      <p:grpSp>
+        <p:nvGrpSpPr>
+          <p:cNvPr id="97" name="Group 96">
+            <a:extLst>
+              <a:ext uri="{FF2B5EF4-FFF2-40B4-BE49-F238E27FC236}">
+                <a16:creationId xmlns:a16="http://schemas.microsoft.com/office/drawing/2014/main" id="{CDE9CFCF-A8CD-4AF7-AE7D-668BCF3FDBBA}"/>
+              </a:ext>
+            </a:extLst>
+          </p:cNvPr>
+          <p:cNvGrpSpPr/>
+          <p:nvPr/>
+        </p:nvGrpSpPr>
+        <p:grpSpPr>
+          <a:xfrm>
+            <a:off x="7561732" y="2277209"/>
+            <a:ext cx="483577" cy="923330"/>
+            <a:chOff x="1714500" y="1591408"/>
+            <a:chExt cx="483577" cy="923330"/>
+          </a:xfrm>
+        </p:grpSpPr>
+        <p:sp>
+          <p:nvSpPr>
+            <p:cNvPr id="98" name="Rectangle 97">
+              <a:extLst>
+                <a:ext uri="{FF2B5EF4-FFF2-40B4-BE49-F238E27FC236}">
+                  <a16:creationId xmlns:a16="http://schemas.microsoft.com/office/drawing/2014/main" id="{2FD4FFBA-AF67-405D-9E48-C91DFD75D10B}"/>
+                </a:ext>
+              </a:extLst>
+            </p:cNvPr>
+            <p:cNvSpPr/>
+            <p:nvPr/>
+          </p:nvSpPr>
+          <p:spPr>
+            <a:xfrm>
+              <a:off x="1714500" y="1591408"/>
+              <a:ext cx="483577" cy="461665"/>
+            </a:xfrm>
+            <a:prstGeom prst="rect">
+              <a:avLst/>
+            </a:prstGeom>
+          </p:spPr>
+          <p:style>
+            <a:lnRef idx="2">
+              <a:schemeClr val="accent1">
+                <a:shade val="50000"/>
+              </a:schemeClr>
+            </a:lnRef>
+            <a:fillRef idx="1">
+              <a:schemeClr val="accent1"/>
+            </a:fillRef>
+            <a:effectRef idx="0">
+              <a:schemeClr val="accent1"/>
+            </a:effectRef>
+            <a:fontRef idx="minor">
+              <a:schemeClr val="lt1"/>
+            </a:fontRef>
+          </p:style>
+          <p:txBody>
+            <a:bodyPr rtlCol="0" anchor="ctr"/>
+            <a:lstStyle/>
+            <a:p>
+              <a:pPr algn="ctr"/>
+              <a:endParaRPr lang="en-GB"/>
+            </a:p>
+          </p:txBody>
+        </p:sp>
+        <p:sp>
+          <p:nvSpPr>
+            <p:cNvPr id="99" name="Rectangle 98">
+              <a:extLst>
+                <a:ext uri="{FF2B5EF4-FFF2-40B4-BE49-F238E27FC236}">
+                  <a16:creationId xmlns:a16="http://schemas.microsoft.com/office/drawing/2014/main" id="{1FFF5589-8088-48C7-8E53-CC6448ACE929}"/>
+                </a:ext>
+              </a:extLst>
+            </p:cNvPr>
+            <p:cNvSpPr/>
+            <p:nvPr/>
+          </p:nvSpPr>
+          <p:spPr>
+            <a:xfrm>
+              <a:off x="1714500" y="2053073"/>
+              <a:ext cx="483577" cy="461665"/>
+            </a:xfrm>
+            <a:prstGeom prst="rect">
+              <a:avLst/>
+            </a:prstGeom>
+            <a:solidFill>
+              <a:schemeClr val="accent3"/>
+            </a:solidFill>
+          </p:spPr>
+          <p:style>
+            <a:lnRef idx="2">
+              <a:schemeClr val="accent1">
+                <a:shade val="50000"/>
+              </a:schemeClr>
+            </a:lnRef>
+            <a:fillRef idx="1">
+              <a:schemeClr val="accent1"/>
+            </a:fillRef>
+            <a:effectRef idx="0">
+              <a:schemeClr val="accent1"/>
+            </a:effectRef>
+            <a:fontRef idx="minor">
+              <a:schemeClr val="lt1"/>
+            </a:fontRef>
+          </p:style>
+          <p:txBody>
+            <a:bodyPr rtlCol="0" anchor="ctr"/>
+            <a:lstStyle/>
+            <a:p>
+              <a:pPr algn="ctr"/>
+              <a:endParaRPr lang="en-GB"/>
+            </a:p>
+          </p:txBody>
+        </p:sp>
+      </p:grpSp>
+      <p:grpSp>
+        <p:nvGrpSpPr>
+          <p:cNvPr id="100" name="Group 99">
+            <a:extLst>
+              <a:ext uri="{FF2B5EF4-FFF2-40B4-BE49-F238E27FC236}">
+                <a16:creationId xmlns:a16="http://schemas.microsoft.com/office/drawing/2014/main" id="{0E8E05D6-EBF1-4846-A6F4-00C59AA61F99}"/>
+              </a:ext>
+            </a:extLst>
+          </p:cNvPr>
+          <p:cNvGrpSpPr/>
+          <p:nvPr/>
+        </p:nvGrpSpPr>
+        <p:grpSpPr>
+          <a:xfrm>
+            <a:off x="8072160" y="2277209"/>
+            <a:ext cx="483577" cy="923330"/>
+            <a:chOff x="1714500" y="1591408"/>
+            <a:chExt cx="483577" cy="923330"/>
+          </a:xfrm>
+        </p:grpSpPr>
+        <p:sp>
+          <p:nvSpPr>
+            <p:cNvPr id="101" name="Rectangle 100">
+              <a:extLst>
+                <a:ext uri="{FF2B5EF4-FFF2-40B4-BE49-F238E27FC236}">
+                  <a16:creationId xmlns:a16="http://schemas.microsoft.com/office/drawing/2014/main" id="{56EBD5DD-06CA-43A2-8973-4C7699E7EE12}"/>
+                </a:ext>
+              </a:extLst>
+            </p:cNvPr>
+            <p:cNvSpPr/>
+            <p:nvPr/>
+          </p:nvSpPr>
+          <p:spPr>
+            <a:xfrm>
+              <a:off x="1714500" y="1591408"/>
+              <a:ext cx="483577" cy="461665"/>
+            </a:xfrm>
+            <a:prstGeom prst="rect">
+              <a:avLst/>
+            </a:prstGeom>
+          </p:spPr>
+          <p:style>
+            <a:lnRef idx="2">
+              <a:schemeClr val="accent1">
+                <a:shade val="50000"/>
+              </a:schemeClr>
+            </a:lnRef>
+            <a:fillRef idx="1">
+              <a:schemeClr val="accent1"/>
+            </a:fillRef>
+            <a:effectRef idx="0">
+              <a:schemeClr val="accent1"/>
+            </a:effectRef>
+            <a:fontRef idx="minor">
+              <a:schemeClr val="lt1"/>
+            </a:fontRef>
+          </p:style>
+          <p:txBody>
+            <a:bodyPr rtlCol="0" anchor="ctr"/>
+            <a:lstStyle/>
+            <a:p>
+              <a:pPr algn="ctr"/>
+              <a:endParaRPr lang="en-GB"/>
+            </a:p>
+          </p:txBody>
+        </p:sp>
+        <p:sp>
+          <p:nvSpPr>
+            <p:cNvPr id="102" name="Rectangle 101">
+              <a:extLst>
+                <a:ext uri="{FF2B5EF4-FFF2-40B4-BE49-F238E27FC236}">
+                  <a16:creationId xmlns:a16="http://schemas.microsoft.com/office/drawing/2014/main" id="{6983935F-C07A-4BDB-AE11-492009F7FBB8}"/>
+                </a:ext>
+              </a:extLst>
+            </p:cNvPr>
+            <p:cNvSpPr/>
+            <p:nvPr/>
+          </p:nvSpPr>
+          <p:spPr>
+            <a:xfrm>
+              <a:off x="1714500" y="2053073"/>
+              <a:ext cx="483577" cy="461665"/>
+            </a:xfrm>
+            <a:prstGeom prst="rect">
+              <a:avLst/>
+            </a:prstGeom>
+            <a:solidFill>
+              <a:schemeClr val="accent3"/>
+            </a:solidFill>
+          </p:spPr>
+          <p:style>
+            <a:lnRef idx="2">
+              <a:schemeClr val="accent1">
+                <a:shade val="50000"/>
+              </a:schemeClr>
+            </a:lnRef>
+            <a:fillRef idx="1">
+              <a:schemeClr val="accent1"/>
+            </a:fillRef>
+            <a:effectRef idx="0">
+              <a:schemeClr val="accent1"/>
+            </a:effectRef>
+            <a:fontRef idx="minor">
+              <a:schemeClr val="lt1"/>
+            </a:fontRef>
+          </p:style>
+          <p:txBody>
+            <a:bodyPr rtlCol="0" anchor="ctr"/>
+            <a:lstStyle/>
+            <a:p>
+              <a:pPr algn="ctr"/>
+              <a:endParaRPr lang="en-GB"/>
+            </a:p>
+          </p:txBody>
+        </p:sp>
+      </p:grpSp>
+      <p:grpSp>
+        <p:nvGrpSpPr>
+          <p:cNvPr id="103" name="Group 102">
+            <a:extLst>
+              <a:ext uri="{FF2B5EF4-FFF2-40B4-BE49-F238E27FC236}">
+                <a16:creationId xmlns:a16="http://schemas.microsoft.com/office/drawing/2014/main" id="{BC94F5B2-86A9-4407-82AA-F2E5B6CA70FD}"/>
+              </a:ext>
+            </a:extLst>
+          </p:cNvPr>
+          <p:cNvGrpSpPr/>
+          <p:nvPr/>
+        </p:nvGrpSpPr>
+        <p:grpSpPr>
+          <a:xfrm>
+            <a:off x="8582588" y="2277209"/>
+            <a:ext cx="483577" cy="923330"/>
+            <a:chOff x="1714500" y="1591408"/>
+            <a:chExt cx="483577" cy="923330"/>
+          </a:xfrm>
+        </p:grpSpPr>
+        <p:sp>
+          <p:nvSpPr>
+            <p:cNvPr id="104" name="Rectangle 103">
+              <a:extLst>
+                <a:ext uri="{FF2B5EF4-FFF2-40B4-BE49-F238E27FC236}">
+                  <a16:creationId xmlns:a16="http://schemas.microsoft.com/office/drawing/2014/main" id="{35CB2E4D-444F-49CE-AC5B-BE2B162F49A8}"/>
+                </a:ext>
+              </a:extLst>
+            </p:cNvPr>
+            <p:cNvSpPr/>
+            <p:nvPr/>
+          </p:nvSpPr>
+          <p:spPr>
+            <a:xfrm>
+              <a:off x="1714500" y="1591408"/>
+              <a:ext cx="483577" cy="461665"/>
+            </a:xfrm>
+            <a:prstGeom prst="rect">
+              <a:avLst/>
+            </a:prstGeom>
+          </p:spPr>
+          <p:style>
+            <a:lnRef idx="2">
+              <a:schemeClr val="accent1">
+                <a:shade val="50000"/>
+              </a:schemeClr>
+            </a:lnRef>
+            <a:fillRef idx="1">
+              <a:schemeClr val="accent1"/>
+            </a:fillRef>
+            <a:effectRef idx="0">
+              <a:schemeClr val="accent1"/>
+            </a:effectRef>
+            <a:fontRef idx="minor">
+              <a:schemeClr val="lt1"/>
+            </a:fontRef>
+          </p:style>
+          <p:txBody>
+            <a:bodyPr rtlCol="0" anchor="ctr"/>
+            <a:lstStyle/>
+            <a:p>
+              <a:pPr algn="ctr"/>
+              <a:endParaRPr lang="en-GB"/>
+            </a:p>
+          </p:txBody>
+        </p:sp>
+        <p:sp>
+          <p:nvSpPr>
+            <p:cNvPr id="105" name="Rectangle 104">
+              <a:extLst>
+                <a:ext uri="{FF2B5EF4-FFF2-40B4-BE49-F238E27FC236}">
+                  <a16:creationId xmlns:a16="http://schemas.microsoft.com/office/drawing/2014/main" id="{7E17953F-03B0-4346-A774-BCEA65AE2A45}"/>
+                </a:ext>
+              </a:extLst>
+            </p:cNvPr>
+            <p:cNvSpPr/>
+            <p:nvPr/>
+          </p:nvSpPr>
+          <p:spPr>
+            <a:xfrm>
+              <a:off x="1714500" y="2053073"/>
+              <a:ext cx="483577" cy="461665"/>
+            </a:xfrm>
+            <a:prstGeom prst="rect">
+              <a:avLst/>
+            </a:prstGeom>
+            <a:solidFill>
+              <a:schemeClr val="accent3"/>
+            </a:solidFill>
+          </p:spPr>
+          <p:style>
+            <a:lnRef idx="2">
+              <a:schemeClr val="accent1">
+                <a:shade val="50000"/>
+              </a:schemeClr>
+            </a:lnRef>
+            <a:fillRef idx="1">
+              <a:schemeClr val="accent1"/>
+            </a:fillRef>
+            <a:effectRef idx="0">
+              <a:schemeClr val="accent1"/>
+            </a:effectRef>
+            <a:fontRef idx="minor">
+              <a:schemeClr val="lt1"/>
+            </a:fontRef>
+          </p:style>
+          <p:txBody>
+            <a:bodyPr rtlCol="0" anchor="ctr"/>
+            <a:lstStyle/>
+            <a:p>
+              <a:pPr algn="ctr"/>
+              <a:endParaRPr lang="en-GB"/>
+            </a:p>
+          </p:txBody>
+        </p:sp>
+      </p:grpSp>
+      <p:grpSp>
+        <p:nvGrpSpPr>
+          <p:cNvPr id="106" name="Group 105">
+            <a:extLst>
+              <a:ext uri="{FF2B5EF4-FFF2-40B4-BE49-F238E27FC236}">
+                <a16:creationId xmlns:a16="http://schemas.microsoft.com/office/drawing/2014/main" id="{0856BEC6-759B-4559-A821-6865EBAE74B0}"/>
+              </a:ext>
+            </a:extLst>
+          </p:cNvPr>
+          <p:cNvGrpSpPr/>
+          <p:nvPr/>
+        </p:nvGrpSpPr>
+        <p:grpSpPr>
+          <a:xfrm>
+            <a:off x="9093016" y="2277209"/>
+            <a:ext cx="483577" cy="923330"/>
+            <a:chOff x="1714500" y="1591408"/>
+            <a:chExt cx="483577" cy="923330"/>
+          </a:xfrm>
+        </p:grpSpPr>
+        <p:sp>
+          <p:nvSpPr>
+            <p:cNvPr id="107" name="Rectangle 106">
+              <a:extLst>
+                <a:ext uri="{FF2B5EF4-FFF2-40B4-BE49-F238E27FC236}">
+                  <a16:creationId xmlns:a16="http://schemas.microsoft.com/office/drawing/2014/main" id="{2A462202-987D-4F83-9638-C76E62A60418}"/>
+                </a:ext>
+              </a:extLst>
+            </p:cNvPr>
+            <p:cNvSpPr/>
+            <p:nvPr/>
+          </p:nvSpPr>
+          <p:spPr>
+            <a:xfrm>
+              <a:off x="1714500" y="1591408"/>
+              <a:ext cx="483577" cy="461665"/>
+            </a:xfrm>
+            <a:prstGeom prst="rect">
+              <a:avLst/>
+            </a:prstGeom>
+          </p:spPr>
+          <p:style>
+            <a:lnRef idx="2">
+              <a:schemeClr val="accent1">
+                <a:shade val="50000"/>
+              </a:schemeClr>
+            </a:lnRef>
+            <a:fillRef idx="1">
+              <a:schemeClr val="accent1"/>
+            </a:fillRef>
+            <a:effectRef idx="0">
+              <a:schemeClr val="accent1"/>
+            </a:effectRef>
+            <a:fontRef idx="minor">
+              <a:schemeClr val="lt1"/>
+            </a:fontRef>
+          </p:style>
+          <p:txBody>
+            <a:bodyPr rtlCol="0" anchor="ctr"/>
+            <a:lstStyle/>
+            <a:p>
+              <a:pPr algn="ctr"/>
+              <a:endParaRPr lang="en-GB"/>
+            </a:p>
+          </p:txBody>
+        </p:sp>
+        <p:sp>
+          <p:nvSpPr>
+            <p:cNvPr id="108" name="Rectangle 107">
+              <a:extLst>
+                <a:ext uri="{FF2B5EF4-FFF2-40B4-BE49-F238E27FC236}">
+                  <a16:creationId xmlns:a16="http://schemas.microsoft.com/office/drawing/2014/main" id="{B60A0148-13EA-4B56-8431-8A64277B0746}"/>
+                </a:ext>
+              </a:extLst>
+            </p:cNvPr>
+            <p:cNvSpPr/>
+            <p:nvPr/>
+          </p:nvSpPr>
+          <p:spPr>
+            <a:xfrm>
+              <a:off x="1714500" y="2053073"/>
+              <a:ext cx="483577" cy="461665"/>
+            </a:xfrm>
+            <a:prstGeom prst="rect">
+              <a:avLst/>
+            </a:prstGeom>
+            <a:solidFill>
+              <a:schemeClr val="accent3"/>
+            </a:solidFill>
+          </p:spPr>
+          <p:style>
+            <a:lnRef idx="2">
+              <a:schemeClr val="accent1">
+                <a:shade val="50000"/>
+              </a:schemeClr>
+            </a:lnRef>
+            <a:fillRef idx="1">
+              <a:schemeClr val="accent1"/>
+            </a:fillRef>
+            <a:effectRef idx="0">
+              <a:schemeClr val="accent1"/>
+            </a:effectRef>
+            <a:fontRef idx="minor">
+              <a:schemeClr val="lt1"/>
+            </a:fontRef>
+          </p:style>
+          <p:txBody>
+            <a:bodyPr rtlCol="0" anchor="ctr"/>
+            <a:lstStyle/>
+            <a:p>
+              <a:pPr algn="ctr"/>
+              <a:endParaRPr lang="en-GB"/>
+            </a:p>
+          </p:txBody>
+        </p:sp>
+      </p:grpSp>
+      <p:grpSp>
+        <p:nvGrpSpPr>
+          <p:cNvPr id="109" name="Group 108">
+            <a:extLst>
+              <a:ext uri="{FF2B5EF4-FFF2-40B4-BE49-F238E27FC236}">
+                <a16:creationId xmlns:a16="http://schemas.microsoft.com/office/drawing/2014/main" id="{D34B98E0-0412-40EC-83CA-DDCD8E108856}"/>
+              </a:ext>
+            </a:extLst>
+          </p:cNvPr>
+          <p:cNvGrpSpPr/>
+          <p:nvPr/>
+        </p:nvGrpSpPr>
+        <p:grpSpPr>
+          <a:xfrm>
+            <a:off x="9603444" y="2277209"/>
+            <a:ext cx="483577" cy="923330"/>
+            <a:chOff x="1714500" y="1591408"/>
+            <a:chExt cx="483577" cy="923330"/>
+          </a:xfrm>
+        </p:grpSpPr>
+        <p:sp>
+          <p:nvSpPr>
+            <p:cNvPr id="110" name="Rectangle 109">
+              <a:extLst>
+                <a:ext uri="{FF2B5EF4-FFF2-40B4-BE49-F238E27FC236}">
+                  <a16:creationId xmlns:a16="http://schemas.microsoft.com/office/drawing/2014/main" id="{0467851E-D0D7-4958-BC23-00D1F5119A36}"/>
+                </a:ext>
+              </a:extLst>
+            </p:cNvPr>
+            <p:cNvSpPr/>
+            <p:nvPr/>
+          </p:nvSpPr>
+          <p:spPr>
+            <a:xfrm>
+              <a:off x="1714500" y="1591408"/>
+              <a:ext cx="483577" cy="461665"/>
+            </a:xfrm>
+            <a:prstGeom prst="rect">
+              <a:avLst/>
+            </a:prstGeom>
+          </p:spPr>
+          <p:style>
+            <a:lnRef idx="2">
+              <a:schemeClr val="accent1">
+                <a:shade val="50000"/>
+              </a:schemeClr>
+            </a:lnRef>
+            <a:fillRef idx="1">
+              <a:schemeClr val="accent1"/>
+            </a:fillRef>
+            <a:effectRef idx="0">
+              <a:schemeClr val="accent1"/>
+            </a:effectRef>
+            <a:fontRef idx="minor">
+              <a:schemeClr val="lt1"/>
+            </a:fontRef>
+          </p:style>
+          <p:txBody>
+            <a:bodyPr rtlCol="0" anchor="ctr"/>
+            <a:lstStyle/>
+            <a:p>
+              <a:pPr algn="ctr"/>
+              <a:endParaRPr lang="en-GB"/>
+            </a:p>
+          </p:txBody>
+        </p:sp>
+        <p:sp>
+          <p:nvSpPr>
+            <p:cNvPr id="111" name="Rectangle 110">
+              <a:extLst>
+                <a:ext uri="{FF2B5EF4-FFF2-40B4-BE49-F238E27FC236}">
+                  <a16:creationId xmlns:a16="http://schemas.microsoft.com/office/drawing/2014/main" id="{D50F37C2-12E7-4071-95C6-AC233E28552C}"/>
+                </a:ext>
+              </a:extLst>
+            </p:cNvPr>
+            <p:cNvSpPr/>
+            <p:nvPr/>
+          </p:nvSpPr>
+          <p:spPr>
+            <a:xfrm>
+              <a:off x="1714500" y="2053073"/>
+              <a:ext cx="483577" cy="461665"/>
+            </a:xfrm>
+            <a:prstGeom prst="rect">
+              <a:avLst/>
+            </a:prstGeom>
+            <a:solidFill>
+              <a:schemeClr val="accent3"/>
+            </a:solidFill>
+          </p:spPr>
+          <p:style>
+            <a:lnRef idx="2">
+              <a:schemeClr val="accent1">
+                <a:shade val="50000"/>
+              </a:schemeClr>
+            </a:lnRef>
+            <a:fillRef idx="1">
+              <a:schemeClr val="accent1"/>
+            </a:fillRef>
+            <a:effectRef idx="0">
+              <a:schemeClr val="accent1"/>
+            </a:effectRef>
+            <a:fontRef idx="minor">
+              <a:schemeClr val="lt1"/>
+            </a:fontRef>
+          </p:style>
+          <p:txBody>
+            <a:bodyPr rtlCol="0" anchor="ctr"/>
+            <a:lstStyle/>
+            <a:p>
+              <a:pPr algn="ctr"/>
+              <a:endParaRPr lang="en-GB"/>
+            </a:p>
+          </p:txBody>
+        </p:sp>
+      </p:grpSp>
+      <p:grpSp>
+        <p:nvGrpSpPr>
+          <p:cNvPr id="112" name="Group 111">
+            <a:extLst>
+              <a:ext uri="{FF2B5EF4-FFF2-40B4-BE49-F238E27FC236}">
+                <a16:creationId xmlns:a16="http://schemas.microsoft.com/office/drawing/2014/main" id="{78101538-D19C-49A3-A639-07A5FFCDAECF}"/>
+              </a:ext>
+            </a:extLst>
+          </p:cNvPr>
+          <p:cNvGrpSpPr/>
+          <p:nvPr/>
+        </p:nvGrpSpPr>
+        <p:grpSpPr>
+          <a:xfrm>
+            <a:off x="10113872" y="2277209"/>
+            <a:ext cx="483577" cy="923330"/>
+            <a:chOff x="1714500" y="1591408"/>
+            <a:chExt cx="483577" cy="923330"/>
+          </a:xfrm>
+        </p:grpSpPr>
+        <p:sp>
+          <p:nvSpPr>
+            <p:cNvPr id="113" name="Rectangle 112">
+              <a:extLst>
+                <a:ext uri="{FF2B5EF4-FFF2-40B4-BE49-F238E27FC236}">
+                  <a16:creationId xmlns:a16="http://schemas.microsoft.com/office/drawing/2014/main" id="{F8EAD7F2-2AB1-49D2-9A9B-49D09930636A}"/>
+                </a:ext>
+              </a:extLst>
+            </p:cNvPr>
+            <p:cNvSpPr/>
+            <p:nvPr/>
+          </p:nvSpPr>
+          <p:spPr>
+            <a:xfrm>
+              <a:off x="1714500" y="1591408"/>
+              <a:ext cx="483577" cy="461665"/>
+            </a:xfrm>
+            <a:prstGeom prst="rect">
+              <a:avLst/>
+            </a:prstGeom>
+          </p:spPr>
+          <p:style>
+            <a:lnRef idx="2">
+              <a:schemeClr val="accent1">
+                <a:shade val="50000"/>
+              </a:schemeClr>
+            </a:lnRef>
+            <a:fillRef idx="1">
+              <a:schemeClr val="accent1"/>
+            </a:fillRef>
+            <a:effectRef idx="0">
+              <a:schemeClr val="accent1"/>
+            </a:effectRef>
+            <a:fontRef idx="minor">
+              <a:schemeClr val="lt1"/>
+            </a:fontRef>
+          </p:style>
+          <p:txBody>
+            <a:bodyPr rtlCol="0" anchor="ctr"/>
+            <a:lstStyle/>
+            <a:p>
+              <a:pPr algn="ctr"/>
+              <a:endParaRPr lang="en-GB"/>
+            </a:p>
+          </p:txBody>
+        </p:sp>
+        <p:sp>
+          <p:nvSpPr>
+            <p:cNvPr id="114" name="Rectangle 113">
+              <a:extLst>
+                <a:ext uri="{FF2B5EF4-FFF2-40B4-BE49-F238E27FC236}">
+                  <a16:creationId xmlns:a16="http://schemas.microsoft.com/office/drawing/2014/main" id="{C8E321B4-4C1D-4216-8242-DC175C29E1A9}"/>
+                </a:ext>
+              </a:extLst>
+            </p:cNvPr>
+            <p:cNvSpPr/>
+            <p:nvPr/>
+          </p:nvSpPr>
+          <p:spPr>
+            <a:xfrm>
+              <a:off x="1714500" y="2053073"/>
+              <a:ext cx="483577" cy="461665"/>
+            </a:xfrm>
+            <a:prstGeom prst="rect">
+              <a:avLst/>
+            </a:prstGeom>
+            <a:solidFill>
+              <a:schemeClr val="accent3"/>
+            </a:solidFill>
+          </p:spPr>
+          <p:style>
+            <a:lnRef idx="2">
+              <a:schemeClr val="accent1">
+                <a:shade val="50000"/>
+              </a:schemeClr>
+            </a:lnRef>
+            <a:fillRef idx="1">
+              <a:schemeClr val="accent1"/>
+            </a:fillRef>
+            <a:effectRef idx="0">
+              <a:schemeClr val="accent1"/>
+            </a:effectRef>
+            <a:fontRef idx="minor">
+              <a:schemeClr val="lt1"/>
+            </a:fontRef>
+          </p:style>
+          <p:txBody>
+            <a:bodyPr rtlCol="0" anchor="ctr"/>
+            <a:lstStyle/>
+            <a:p>
+              <a:pPr algn="ctr"/>
+              <a:endParaRPr lang="en-GB"/>
+            </a:p>
+          </p:txBody>
+        </p:sp>
+      </p:grpSp>
+      <p:grpSp>
+        <p:nvGrpSpPr>
+          <p:cNvPr id="115" name="Group 114">
+            <a:extLst>
+              <a:ext uri="{FF2B5EF4-FFF2-40B4-BE49-F238E27FC236}">
+                <a16:creationId xmlns:a16="http://schemas.microsoft.com/office/drawing/2014/main" id="{EC06A0E8-830F-4893-9CBC-F3C109F541FD}"/>
+              </a:ext>
+            </a:extLst>
+          </p:cNvPr>
+          <p:cNvGrpSpPr/>
+          <p:nvPr/>
+        </p:nvGrpSpPr>
+        <p:grpSpPr>
+          <a:xfrm>
+            <a:off x="10624301" y="2277209"/>
+            <a:ext cx="483577" cy="923330"/>
+            <a:chOff x="1714500" y="1591408"/>
+            <a:chExt cx="483577" cy="923330"/>
+          </a:xfrm>
+        </p:grpSpPr>
+        <p:sp>
+          <p:nvSpPr>
+            <p:cNvPr id="116" name="Rectangle 115">
+              <a:extLst>
+                <a:ext uri="{FF2B5EF4-FFF2-40B4-BE49-F238E27FC236}">
+                  <a16:creationId xmlns:a16="http://schemas.microsoft.com/office/drawing/2014/main" id="{AEBCB2F3-2AE3-4F5E-899B-2E6069B370A1}"/>
+                </a:ext>
+              </a:extLst>
+            </p:cNvPr>
+            <p:cNvSpPr/>
+            <p:nvPr/>
+          </p:nvSpPr>
+          <p:spPr>
+            <a:xfrm>
+              <a:off x="1714500" y="1591408"/>
+              <a:ext cx="483577" cy="461665"/>
+            </a:xfrm>
+            <a:prstGeom prst="rect">
+              <a:avLst/>
+            </a:prstGeom>
+          </p:spPr>
+          <p:style>
+            <a:lnRef idx="2">
+              <a:schemeClr val="accent1">
+                <a:shade val="50000"/>
+              </a:schemeClr>
+            </a:lnRef>
+            <a:fillRef idx="1">
+              <a:schemeClr val="accent1"/>
+            </a:fillRef>
+            <a:effectRef idx="0">
+              <a:schemeClr val="accent1"/>
+            </a:effectRef>
+            <a:fontRef idx="minor">
+              <a:schemeClr val="lt1"/>
+            </a:fontRef>
+          </p:style>
+          <p:txBody>
+            <a:bodyPr rtlCol="0" anchor="ctr"/>
+            <a:lstStyle/>
+            <a:p>
+              <a:pPr algn="ctr"/>
+              <a:endParaRPr lang="en-GB"/>
+            </a:p>
+          </p:txBody>
+        </p:sp>
+        <p:sp>
+          <p:nvSpPr>
+            <p:cNvPr id="117" name="Rectangle 116">
+              <a:extLst>
+                <a:ext uri="{FF2B5EF4-FFF2-40B4-BE49-F238E27FC236}">
+                  <a16:creationId xmlns:a16="http://schemas.microsoft.com/office/drawing/2014/main" id="{2421C1F6-1D56-405F-86E8-D098CF26B96C}"/>
+                </a:ext>
+              </a:extLst>
+            </p:cNvPr>
+            <p:cNvSpPr/>
+            <p:nvPr/>
+          </p:nvSpPr>
+          <p:spPr>
+            <a:xfrm>
+              <a:off x="1714500" y="2053073"/>
+              <a:ext cx="483577" cy="461665"/>
+            </a:xfrm>
+            <a:prstGeom prst="rect">
+              <a:avLst/>
+            </a:prstGeom>
+            <a:solidFill>
+              <a:schemeClr val="accent3"/>
+            </a:solidFill>
+          </p:spPr>
+          <p:style>
+            <a:lnRef idx="2">
+              <a:schemeClr val="accent1">
+                <a:shade val="50000"/>
+              </a:schemeClr>
+            </a:lnRef>
+            <a:fillRef idx="1">
+              <a:schemeClr val="accent1"/>
+            </a:fillRef>
+            <a:effectRef idx="0">
+              <a:schemeClr val="accent1"/>
+            </a:effectRef>
+            <a:fontRef idx="minor">
+              <a:schemeClr val="lt1"/>
+            </a:fontRef>
+          </p:style>
+          <p:txBody>
+            <a:bodyPr rtlCol="0" anchor="ctr"/>
+            <a:lstStyle/>
+            <a:p>
+              <a:pPr algn="ctr"/>
+              <a:endParaRPr lang="en-GB"/>
+            </a:p>
+          </p:txBody>
+        </p:sp>
+      </p:grpSp>
+      <p:sp>
+        <p:nvSpPr>
+          <p:cNvPr id="149" name="TextBox 148">
+            <a:extLst>
+              <a:ext uri="{FF2B5EF4-FFF2-40B4-BE49-F238E27FC236}">
+                <a16:creationId xmlns:a16="http://schemas.microsoft.com/office/drawing/2014/main" id="{F383D9BD-01D4-4BD7-92C8-A8722E41E7D0}"/>
+              </a:ext>
+            </a:extLst>
+          </p:cNvPr>
+          <p:cNvSpPr txBox="1"/>
+          <p:nvPr/>
+        </p:nvSpPr>
+        <p:spPr>
+          <a:xfrm>
+            <a:off x="1714500" y="1575498"/>
+            <a:ext cx="9671282" cy="461665"/>
+          </a:xfrm>
+          <a:prstGeom prst="rect">
+            <a:avLst/>
+          </a:prstGeom>
+          <a:noFill/>
+        </p:spPr>
+        <p:txBody>
+          <a:bodyPr wrap="square" rtlCol="0">
+            <a:spAutoFit/>
+          </a:bodyPr>
+          <a:lstStyle/>
+          <a:p>
+            <a:pPr algn="ctr"/>
+            <a:r>
+              <a:rPr lang="en-US" sz="2400" dirty="0"/>
+              <a:t>(sample)</a:t>
+            </a:r>
+          </a:p>
+        </p:txBody>
+      </p:sp>
+      <p:sp>
+        <p:nvSpPr>
+          <p:cNvPr id="150" name="TextBox 149">
+            <a:extLst>
+              <a:ext uri="{FF2B5EF4-FFF2-40B4-BE49-F238E27FC236}">
+                <a16:creationId xmlns:a16="http://schemas.microsoft.com/office/drawing/2014/main" id="{850C066A-EA82-4049-B39C-2492ABDEDD7E}"/>
+              </a:ext>
+            </a:extLst>
+          </p:cNvPr>
+          <p:cNvSpPr txBox="1"/>
+          <p:nvPr/>
+        </p:nvSpPr>
+        <p:spPr>
+          <a:xfrm>
+            <a:off x="10364925" y="744501"/>
+            <a:ext cx="1534319" cy="1200329"/>
+          </a:xfrm>
+          <a:prstGeom prst="rect">
+            <a:avLst/>
+          </a:prstGeom>
+          <a:noFill/>
+        </p:spPr>
+        <p:txBody>
+          <a:bodyPr wrap="square" rtlCol="0">
+            <a:spAutoFit/>
+          </a:bodyPr>
+          <a:lstStyle/>
+          <a:p>
+            <a:pPr algn="ctr"/>
+            <a:r>
+              <a:rPr lang="en-US" dirty="0"/>
+              <a:t>Attributes obtained from the same </a:t>
+            </a:r>
+            <a:r>
+              <a:rPr lang="en-US" b="1" dirty="0"/>
+              <a:t>individual</a:t>
+            </a:r>
+          </a:p>
+        </p:txBody>
+      </p:sp>
+      <p:sp>
+        <p:nvSpPr>
+          <p:cNvPr id="5" name="Rectangle: Rounded Corners 4">
+            <a:extLst>
+              <a:ext uri="{FF2B5EF4-FFF2-40B4-BE49-F238E27FC236}">
+                <a16:creationId xmlns:a16="http://schemas.microsoft.com/office/drawing/2014/main" id="{A57808D2-62D9-4A00-9BFA-560D894D15C2}"/>
+              </a:ext>
+            </a:extLst>
+          </p:cNvPr>
+          <p:cNvSpPr/>
+          <p:nvPr/>
+        </p:nvSpPr>
+        <p:spPr>
+          <a:xfrm>
+            <a:off x="1436596" y="4060877"/>
+            <a:ext cx="10184743" cy="537882"/>
+          </a:xfrm>
+          <a:prstGeom prst="roundRect">
+            <a:avLst/>
+          </a:prstGeom>
         </p:spPr>
         <p:style>
           <a:lnRef idx="2">
@@ -21835,61 +24499,495 @@
           <a:lstStyle/>
           <a:p>
             <a:pPr algn="ctr"/>
-            <a:endParaRPr lang="en-US"/>
-          </a:p>
-        </p:txBody>
-      </p:sp>
-      <p:pic>
-        <p:nvPicPr>
-          <p:cNvPr id="11" name="Picture 10">
-            <a:extLst>
-              <a:ext uri="{FF2B5EF4-FFF2-40B4-BE49-F238E27FC236}">
-                <a16:creationId xmlns:a16="http://schemas.microsoft.com/office/drawing/2014/main" id="{2270F1FA-0425-408F-9861-80BF5AFB276D}"/>
-              </a:ext>
-              <a:ext uri="{C183D7F6-B498-43B3-948B-1728B52AA6E4}">
-                <adec:decorative xmlns:adec="http://schemas.microsoft.com/office/drawing/2017/decorative" val="1"/>
-              </a:ext>
-            </a:extLst>
-          </p:cNvPr>
-          <p:cNvPicPr>
-            <a:picLocks noGrp="1" noRot="1" noChangeAspect="1" noMove="1" noResize="1" noEditPoints="1" noAdjustHandles="1" noChangeArrowheads="1" noChangeShapeType="1" noCrop="1"/>
-          </p:cNvPicPr>
-          <p:nvPr>
-            <p:extLst>
-              <p:ext uri="{386F3935-93C4-4BCD-93E2-E3B085C9AB24}">
-                <p16:designElem xmlns:p16="http://schemas.microsoft.com/office/powerpoint/2015/main" val="1"/>
-              </p:ext>
-            </p:extLst>
-          </p:nvPr>
-        </p:nvPicPr>
-        <p:blipFill>
-          <a:blip r:embed="rId2">
-            <a:extLst>
-              <a:ext uri="{28A0092B-C50C-407E-A947-70E740481C1C}">
-                <a14:useLocalDpi xmlns:a14="http://schemas.microsoft.com/office/drawing/2010/main" val="0"/>
-              </a:ext>
-            </a:extLst>
-          </a:blip>
-          <a:stretch>
-            <a:fillRect/>
-          </a:stretch>
-        </p:blipFill>
-        <p:spPr>
-          <a:xfrm>
-            <a:off x="0" y="0"/>
-            <a:ext cx="12192000" cy="6858000"/>
+            <a:r>
+              <a:rPr lang="en-GB" dirty="0"/>
+              <a:t>Sequential execution, process P1</a:t>
+            </a:r>
+          </a:p>
+        </p:txBody>
+      </p:sp>
+      <p:grpSp>
+        <p:nvGrpSpPr>
+          <p:cNvPr id="151" name="Group 150">
+            <a:extLst>
+              <a:ext uri="{FF2B5EF4-FFF2-40B4-BE49-F238E27FC236}">
+                <a16:creationId xmlns:a16="http://schemas.microsoft.com/office/drawing/2014/main" id="{01C0D878-DB6E-41D1-A960-4050DFAC7396}"/>
+              </a:ext>
+            </a:extLst>
+          </p:cNvPr>
+          <p:cNvGrpSpPr/>
+          <p:nvPr/>
+        </p:nvGrpSpPr>
+        <p:grpSpPr>
+          <a:xfrm>
+            <a:off x="11137763" y="2277208"/>
+            <a:ext cx="483577" cy="923330"/>
+            <a:chOff x="1714500" y="1591408"/>
+            <a:chExt cx="483577" cy="923330"/>
+          </a:xfrm>
+        </p:grpSpPr>
+        <p:sp>
+          <p:nvSpPr>
+            <p:cNvPr id="152" name="Rectangle 151">
+              <a:extLst>
+                <a:ext uri="{FF2B5EF4-FFF2-40B4-BE49-F238E27FC236}">
+                  <a16:creationId xmlns:a16="http://schemas.microsoft.com/office/drawing/2014/main" id="{46EC6EA2-FA52-43D5-A72B-9D0026D66AF6}"/>
+                </a:ext>
+              </a:extLst>
+            </p:cNvPr>
+            <p:cNvSpPr/>
+            <p:nvPr/>
+          </p:nvSpPr>
+          <p:spPr>
+            <a:xfrm>
+              <a:off x="1714500" y="1591408"/>
+              <a:ext cx="483577" cy="461665"/>
+            </a:xfrm>
+            <a:prstGeom prst="rect">
+              <a:avLst/>
+            </a:prstGeom>
+          </p:spPr>
+          <p:style>
+            <a:lnRef idx="2">
+              <a:schemeClr val="accent1">
+                <a:shade val="50000"/>
+              </a:schemeClr>
+            </a:lnRef>
+            <a:fillRef idx="1">
+              <a:schemeClr val="accent1"/>
+            </a:fillRef>
+            <a:effectRef idx="0">
+              <a:schemeClr val="accent1"/>
+            </a:effectRef>
+            <a:fontRef idx="minor">
+              <a:schemeClr val="lt1"/>
+            </a:fontRef>
+          </p:style>
+          <p:txBody>
+            <a:bodyPr rtlCol="0" anchor="ctr"/>
+            <a:lstStyle/>
+            <a:p>
+              <a:pPr algn="ctr"/>
+              <a:endParaRPr lang="en-GB"/>
+            </a:p>
+          </p:txBody>
+        </p:sp>
+        <p:sp>
+          <p:nvSpPr>
+            <p:cNvPr id="153" name="Rectangle 152">
+              <a:extLst>
+                <a:ext uri="{FF2B5EF4-FFF2-40B4-BE49-F238E27FC236}">
+                  <a16:creationId xmlns:a16="http://schemas.microsoft.com/office/drawing/2014/main" id="{091F4F09-02E2-4D55-9540-976E4A2D6022}"/>
+                </a:ext>
+              </a:extLst>
+            </p:cNvPr>
+            <p:cNvSpPr/>
+            <p:nvPr/>
+          </p:nvSpPr>
+          <p:spPr>
+            <a:xfrm>
+              <a:off x="1714500" y="2053073"/>
+              <a:ext cx="483577" cy="461665"/>
+            </a:xfrm>
+            <a:prstGeom prst="rect">
+              <a:avLst/>
+            </a:prstGeom>
+            <a:solidFill>
+              <a:schemeClr val="accent3"/>
+            </a:solidFill>
+          </p:spPr>
+          <p:style>
+            <a:lnRef idx="2">
+              <a:schemeClr val="accent1">
+                <a:shade val="50000"/>
+              </a:schemeClr>
+            </a:lnRef>
+            <a:fillRef idx="1">
+              <a:schemeClr val="accent1"/>
+            </a:fillRef>
+            <a:effectRef idx="0">
+              <a:schemeClr val="accent1"/>
+            </a:effectRef>
+            <a:fontRef idx="minor">
+              <a:schemeClr val="lt1"/>
+            </a:fontRef>
+          </p:style>
+          <p:txBody>
+            <a:bodyPr rtlCol="0" anchor="ctr"/>
+            <a:lstStyle/>
+            <a:p>
+              <a:pPr algn="ctr"/>
+              <a:endParaRPr lang="en-GB"/>
+            </a:p>
+          </p:txBody>
+        </p:sp>
+      </p:grpSp>
+      <mc:AlternateContent xmlns:mc="http://schemas.openxmlformats.org/markup-compatibility/2006" xmlns:p14="http://schemas.microsoft.com/office/powerpoint/2010/main">
+        <mc:Choice Requires="p14">
+          <p:contentPart p14:bwMode="auto" r:id="rId2">
+            <p14:nvContentPartPr>
+              <p14:cNvPr id="148" name="Ink 147">
+                <a:extLst>
+                  <a:ext uri="{FF2B5EF4-FFF2-40B4-BE49-F238E27FC236}">
+                    <a16:creationId xmlns:a16="http://schemas.microsoft.com/office/drawing/2014/main" id="{D74413D8-2F39-4536-8D5C-5C4EDB8A1E14}"/>
+                  </a:ext>
+                </a:extLst>
+              </p14:cNvPr>
+              <p14:cNvContentPartPr/>
+              <p14:nvPr/>
+            </p14:nvContentPartPr>
+            <p14:xfrm>
+              <a:off x="11157419" y="1930860"/>
+              <a:ext cx="483577" cy="1431360"/>
+            </p14:xfrm>
+          </p:contentPart>
+        </mc:Choice>
+        <mc:Fallback xmlns="">
+          <p:pic>
+            <p:nvPicPr>
+              <p:cNvPr id="148" name="Ink 147">
+                <a:extLst>
+                  <a:ext uri="{FF2B5EF4-FFF2-40B4-BE49-F238E27FC236}">
+                    <a16:creationId xmlns:a16="http://schemas.microsoft.com/office/drawing/2014/main" id="{D74413D8-2F39-4536-8D5C-5C4EDB8A1E14}"/>
+                  </a:ext>
+                </a:extLst>
+              </p:cNvPr>
+              <p:cNvPicPr/>
+              <p:nvPr/>
+            </p:nvPicPr>
+            <p:blipFill>
+              <a:blip r:embed="rId3"/>
+              <a:stretch>
+                <a:fillRect/>
+              </a:stretch>
+            </p:blipFill>
+            <p:spPr>
+              <a:xfrm>
+                <a:off x="11103448" y="1822860"/>
+                <a:ext cx="591158" cy="1647000"/>
+              </a:xfrm>
+              <a:prstGeom prst="rect">
+                <a:avLst/>
+              </a:prstGeom>
+            </p:spPr>
+          </p:pic>
+        </mc:Fallback>
+      </mc:AlternateContent>
+      <p:sp>
+        <p:nvSpPr>
+          <p:cNvPr id="155" name="Rectangle 154">
+            <a:extLst>
+              <a:ext uri="{FF2B5EF4-FFF2-40B4-BE49-F238E27FC236}">
+                <a16:creationId xmlns:a16="http://schemas.microsoft.com/office/drawing/2014/main" id="{80462AEA-3D40-456D-AE39-74CE9659E588}"/>
+              </a:ext>
+            </a:extLst>
+          </p:cNvPr>
+          <p:cNvSpPr/>
+          <p:nvPr/>
+        </p:nvSpPr>
+        <p:spPr>
+          <a:xfrm>
+            <a:off x="1436595" y="5493468"/>
+            <a:ext cx="483577" cy="461665"/>
           </a:xfrm>
           <a:prstGeom prst="rect">
             <a:avLst/>
           </a:prstGeom>
-        </p:spPr>
-      </p:pic>
-      <p:sp>
-        <p:nvSpPr>
-          <p:cNvPr id="4" name="TextBox 3">
-            <a:extLst>
-              <a:ext uri="{FF2B5EF4-FFF2-40B4-BE49-F238E27FC236}">
-                <a16:creationId xmlns:a16="http://schemas.microsoft.com/office/drawing/2014/main" id="{085FA545-9F6E-43BD-8330-060D45C25324}"/>
+          <a:solidFill>
+            <a:schemeClr val="accent6">
+              <a:lumMod val="60000"/>
+              <a:lumOff val="40000"/>
+            </a:schemeClr>
+          </a:solidFill>
+        </p:spPr>
+        <p:style>
+          <a:lnRef idx="2">
+            <a:schemeClr val="accent1">
+              <a:shade val="50000"/>
+            </a:schemeClr>
+          </a:lnRef>
+          <a:fillRef idx="1">
+            <a:schemeClr val="accent1"/>
+          </a:fillRef>
+          <a:effectRef idx="0">
+            <a:schemeClr val="accent1"/>
+          </a:effectRef>
+          <a:fontRef idx="minor">
+            <a:schemeClr val="lt1"/>
+          </a:fontRef>
+        </p:style>
+        <p:txBody>
+          <a:bodyPr rtlCol="0" anchor="ctr"/>
+          <a:lstStyle/>
+          <a:p>
+            <a:pPr algn="ctr"/>
+            <a:endParaRPr lang="en-GB"/>
+          </a:p>
+        </p:txBody>
+      </p:sp>
+      <p:sp>
+        <p:nvSpPr>
+          <p:cNvPr id="173" name="Rectangle 172">
+            <a:extLst>
+              <a:ext uri="{FF2B5EF4-FFF2-40B4-BE49-F238E27FC236}">
+                <a16:creationId xmlns:a16="http://schemas.microsoft.com/office/drawing/2014/main" id="{44ED37BB-98EE-49EA-93D1-EA83DFF80EC4}"/>
+              </a:ext>
+            </a:extLst>
+          </p:cNvPr>
+          <p:cNvSpPr/>
+          <p:nvPr/>
+        </p:nvSpPr>
+        <p:spPr>
+          <a:xfrm>
+            <a:off x="4499163" y="5493468"/>
+            <a:ext cx="483577" cy="461665"/>
+          </a:xfrm>
+          <a:prstGeom prst="rect">
+            <a:avLst/>
+          </a:prstGeom>
+          <a:solidFill>
+            <a:schemeClr val="accent6">
+              <a:lumMod val="60000"/>
+              <a:lumOff val="40000"/>
+            </a:schemeClr>
+          </a:solidFill>
+        </p:spPr>
+        <p:style>
+          <a:lnRef idx="2">
+            <a:schemeClr val="accent1">
+              <a:shade val="50000"/>
+            </a:schemeClr>
+          </a:lnRef>
+          <a:fillRef idx="1">
+            <a:schemeClr val="accent1"/>
+          </a:fillRef>
+          <a:effectRef idx="0">
+            <a:schemeClr val="accent1"/>
+          </a:effectRef>
+          <a:fontRef idx="minor">
+            <a:schemeClr val="lt1"/>
+          </a:fontRef>
+        </p:style>
+        <p:txBody>
+          <a:bodyPr rtlCol="0" anchor="ctr"/>
+          <a:lstStyle/>
+          <a:p>
+            <a:pPr algn="ctr"/>
+            <a:endParaRPr lang="en-GB"/>
+          </a:p>
+        </p:txBody>
+      </p:sp>
+      <p:sp>
+        <p:nvSpPr>
+          <p:cNvPr id="191" name="Rectangle 190">
+            <a:extLst>
+              <a:ext uri="{FF2B5EF4-FFF2-40B4-BE49-F238E27FC236}">
+                <a16:creationId xmlns:a16="http://schemas.microsoft.com/office/drawing/2014/main" id="{71554541-B045-4CB9-9518-533A3D29BBCE}"/>
+              </a:ext>
+            </a:extLst>
+          </p:cNvPr>
+          <p:cNvSpPr/>
+          <p:nvPr/>
+        </p:nvSpPr>
+        <p:spPr>
+          <a:xfrm>
+            <a:off x="7561731" y="5493468"/>
+            <a:ext cx="483577" cy="461665"/>
+          </a:xfrm>
+          <a:prstGeom prst="rect">
+            <a:avLst/>
+          </a:prstGeom>
+          <a:solidFill>
+            <a:schemeClr val="accent6">
+              <a:lumMod val="60000"/>
+              <a:lumOff val="40000"/>
+            </a:schemeClr>
+          </a:solidFill>
+        </p:spPr>
+        <p:style>
+          <a:lnRef idx="2">
+            <a:schemeClr val="accent1">
+              <a:shade val="50000"/>
+            </a:schemeClr>
+          </a:lnRef>
+          <a:fillRef idx="1">
+            <a:schemeClr val="accent1"/>
+          </a:fillRef>
+          <a:effectRef idx="0">
+            <a:schemeClr val="accent1"/>
+          </a:effectRef>
+          <a:fontRef idx="minor">
+            <a:schemeClr val="lt1"/>
+          </a:fontRef>
+        </p:style>
+        <p:txBody>
+          <a:bodyPr rtlCol="0" anchor="ctr"/>
+          <a:lstStyle/>
+          <a:p>
+            <a:pPr algn="ctr"/>
+            <a:endParaRPr lang="en-GB"/>
+          </a:p>
+        </p:txBody>
+      </p:sp>
+      <p:sp>
+        <p:nvSpPr>
+          <p:cNvPr id="203" name="Rectangle 202">
+            <a:extLst>
+              <a:ext uri="{FF2B5EF4-FFF2-40B4-BE49-F238E27FC236}">
+                <a16:creationId xmlns:a16="http://schemas.microsoft.com/office/drawing/2014/main" id="{7B48F5F2-0CD7-4817-ACFD-A18193977163}"/>
+              </a:ext>
+            </a:extLst>
+          </p:cNvPr>
+          <p:cNvSpPr/>
+          <p:nvPr/>
+        </p:nvSpPr>
+        <p:spPr>
+          <a:xfrm>
+            <a:off x="9603443" y="5493468"/>
+            <a:ext cx="483577" cy="461665"/>
+          </a:xfrm>
+          <a:prstGeom prst="rect">
+            <a:avLst/>
+          </a:prstGeom>
+          <a:solidFill>
+            <a:schemeClr val="accent6">
+              <a:lumMod val="60000"/>
+              <a:lumOff val="40000"/>
+            </a:schemeClr>
+          </a:solidFill>
+        </p:spPr>
+        <p:style>
+          <a:lnRef idx="2">
+            <a:schemeClr val="accent1">
+              <a:shade val="50000"/>
+            </a:schemeClr>
+          </a:lnRef>
+          <a:fillRef idx="1">
+            <a:schemeClr val="accent1"/>
+          </a:fillRef>
+          <a:effectRef idx="0">
+            <a:schemeClr val="accent1"/>
+          </a:effectRef>
+          <a:fontRef idx="minor">
+            <a:schemeClr val="lt1"/>
+          </a:fontRef>
+        </p:style>
+        <p:txBody>
+          <a:bodyPr rtlCol="0" anchor="ctr"/>
+          <a:lstStyle/>
+          <a:p>
+            <a:pPr algn="ctr"/>
+            <a:endParaRPr lang="en-GB"/>
+          </a:p>
+        </p:txBody>
+      </p:sp>
+      <p:sp>
+        <p:nvSpPr>
+          <p:cNvPr id="212" name="Rectangle 211">
+            <a:extLst>
+              <a:ext uri="{FF2B5EF4-FFF2-40B4-BE49-F238E27FC236}">
+                <a16:creationId xmlns:a16="http://schemas.microsoft.com/office/drawing/2014/main" id="{4791ACE5-273D-4E5C-BD92-E7FDF8437B66}"/>
+              </a:ext>
+            </a:extLst>
+          </p:cNvPr>
+          <p:cNvSpPr/>
+          <p:nvPr/>
+        </p:nvSpPr>
+        <p:spPr>
+          <a:xfrm>
+            <a:off x="11137762" y="5493467"/>
+            <a:ext cx="483577" cy="461665"/>
+          </a:xfrm>
+          <a:prstGeom prst="rect">
+            <a:avLst/>
+          </a:prstGeom>
+          <a:solidFill>
+            <a:schemeClr val="accent6">
+              <a:lumMod val="60000"/>
+              <a:lumOff val="40000"/>
+            </a:schemeClr>
+          </a:solidFill>
+        </p:spPr>
+        <p:style>
+          <a:lnRef idx="2">
+            <a:schemeClr val="accent1">
+              <a:shade val="50000"/>
+            </a:schemeClr>
+          </a:lnRef>
+          <a:fillRef idx="1">
+            <a:schemeClr val="accent1"/>
+          </a:fillRef>
+          <a:effectRef idx="0">
+            <a:schemeClr val="accent1"/>
+          </a:effectRef>
+          <a:fontRef idx="minor">
+            <a:schemeClr val="lt1"/>
+          </a:fontRef>
+        </p:style>
+        <p:txBody>
+          <a:bodyPr rtlCol="0" anchor="ctr"/>
+          <a:lstStyle/>
+          <a:p>
+            <a:pPr algn="ctr"/>
+            <a:endParaRPr lang="en-GB"/>
+          </a:p>
+        </p:txBody>
+      </p:sp>
+      <p:sp>
+        <p:nvSpPr>
+          <p:cNvPr id="7" name="Arrow: Down 6">
+            <a:extLst>
+              <a:ext uri="{FF2B5EF4-FFF2-40B4-BE49-F238E27FC236}">
+                <a16:creationId xmlns:a16="http://schemas.microsoft.com/office/drawing/2014/main" id="{33207007-E41E-412D-91CA-9797B658FEFE}"/>
+              </a:ext>
+            </a:extLst>
+          </p:cNvPr>
+          <p:cNvSpPr/>
+          <p:nvPr/>
+        </p:nvSpPr>
+        <p:spPr>
+          <a:xfrm>
+            <a:off x="6287178" y="3473705"/>
+            <a:ext cx="483577" cy="461665"/>
+          </a:xfrm>
+          <a:prstGeom prst="downArrow">
+            <a:avLst/>
+          </a:prstGeom>
+          <a:solidFill>
+            <a:srgbClr val="FF0000"/>
+          </a:solidFill>
+        </p:spPr>
+        <p:style>
+          <a:lnRef idx="2">
+            <a:schemeClr val="accent1">
+              <a:shade val="50000"/>
+            </a:schemeClr>
+          </a:lnRef>
+          <a:fillRef idx="1">
+            <a:schemeClr val="accent1"/>
+          </a:fillRef>
+          <a:effectRef idx="0">
+            <a:schemeClr val="accent1"/>
+          </a:effectRef>
+          <a:fontRef idx="minor">
+            <a:schemeClr val="lt1"/>
+          </a:fontRef>
+        </p:style>
+        <p:txBody>
+          <a:bodyPr rtlCol="0" anchor="ctr"/>
+          <a:lstStyle/>
+          <a:p>
+            <a:pPr algn="ctr"/>
+            <a:endParaRPr lang="en-GB"/>
+          </a:p>
+        </p:txBody>
+      </p:sp>
+      <p:sp>
+        <p:nvSpPr>
+          <p:cNvPr id="214" name="TextBox 213">
+            <a:extLst>
+              <a:ext uri="{FF2B5EF4-FFF2-40B4-BE49-F238E27FC236}">
+                <a16:creationId xmlns:a16="http://schemas.microsoft.com/office/drawing/2014/main" id="{5FA056C3-BDA0-4820-B9E3-127D31493E74}"/>
               </a:ext>
             </a:extLst>
           </p:cNvPr>
@@ -21898,53 +24996,227 @@
         </p:nvSpPr>
         <p:spPr>
           <a:xfrm>
-            <a:off x="3045368" y="2043663"/>
-            <a:ext cx="6105194" cy="2031055"/>
+            <a:off x="172857" y="5493467"/>
+            <a:ext cx="1123063" cy="461665"/>
           </a:xfrm>
           <a:prstGeom prst="rect">
             <a:avLst/>
           </a:prstGeom>
-        </p:spPr>
-        <p:txBody>
-          <a:bodyPr vert="horz" lIns="91440" tIns="45720" rIns="91440" bIns="45720" rtlCol="0" anchor="b">
-            <a:normAutofit/>
+          <a:noFill/>
+        </p:spPr>
+        <p:txBody>
+          <a:bodyPr wrap="square" rtlCol="0">
+            <a:spAutoFit/>
           </a:bodyPr>
-          <a:lstStyle>
-            <a:defPPr>
-              <a:defRPr lang="en-US"/>
-            </a:defPPr>
-            <a:lvl1pPr algn="ctr">
-              <a:lnSpc>
-                <a:spcPct val="90000"/>
-              </a:lnSpc>
-              <a:spcBef>
-                <a:spcPct val="0"/>
-              </a:spcBef>
-              <a:spcAft>
-                <a:spcPts val="600"/>
-              </a:spcAft>
-              <a:defRPr sz="4700">
-                <a:solidFill>
-                  <a:srgbClr val="FFFFFF"/>
-                </a:solidFill>
-                <a:latin typeface="+mj-lt"/>
-                <a:ea typeface="+mj-ea"/>
-                <a:cs typeface="+mj-cs"/>
-              </a:defRPr>
-            </a:lvl1pPr>
-          </a:lstStyle>
-          <a:p>
+          <a:lstStyle/>
+          <a:p>
+            <a:pPr algn="r"/>
             <a:r>
-              <a:rPr lang="en-US" b="1" dirty="0"/>
-              <a:t>Case 3 – TBD</a:t>
+              <a:rPr lang="en-US" sz="2400" dirty="0"/>
+              <a:t>BMI</a:t>
             </a:r>
           </a:p>
         </p:txBody>
       </p:sp>
+      <p:sp>
+        <p:nvSpPr>
+          <p:cNvPr id="215" name="Arrow: Down 214">
+            <a:extLst>
+              <a:ext uri="{FF2B5EF4-FFF2-40B4-BE49-F238E27FC236}">
+                <a16:creationId xmlns:a16="http://schemas.microsoft.com/office/drawing/2014/main" id="{4A823B09-065A-48E7-B0EB-DD8DFE7AC1A9}"/>
+              </a:ext>
+            </a:extLst>
+          </p:cNvPr>
+          <p:cNvSpPr/>
+          <p:nvPr/>
+        </p:nvSpPr>
+        <p:spPr>
+          <a:xfrm>
+            <a:off x="6308352" y="4853858"/>
+            <a:ext cx="483577" cy="461665"/>
+          </a:xfrm>
+          <a:prstGeom prst="downArrow">
+            <a:avLst/>
+          </a:prstGeom>
+          <a:solidFill>
+            <a:srgbClr val="FF0000"/>
+          </a:solidFill>
+        </p:spPr>
+        <p:style>
+          <a:lnRef idx="2">
+            <a:schemeClr val="accent1">
+              <a:shade val="50000"/>
+            </a:schemeClr>
+          </a:lnRef>
+          <a:fillRef idx="1">
+            <a:schemeClr val="accent1"/>
+          </a:fillRef>
+          <a:effectRef idx="0">
+            <a:schemeClr val="accent1"/>
+          </a:effectRef>
+          <a:fontRef idx="minor">
+            <a:schemeClr val="lt1"/>
+          </a:fontRef>
+        </p:style>
+        <p:txBody>
+          <a:bodyPr rtlCol="0" anchor="ctr"/>
+          <a:lstStyle/>
+          <a:p>
+            <a:pPr algn="ctr"/>
+            <a:endParaRPr lang="en-GB"/>
+          </a:p>
+        </p:txBody>
+      </p:sp>
+      <mc:AlternateContent xmlns:mc="http://schemas.openxmlformats.org/markup-compatibility/2006">
+        <mc:Choice xmlns:a14="http://schemas.microsoft.com/office/drawing/2010/main" Requires="a14">
+          <p:sp>
+            <p:nvSpPr>
+              <p:cNvPr id="8" name="TextBox 7">
+                <a:extLst>
+                  <a:ext uri="{FF2B5EF4-FFF2-40B4-BE49-F238E27FC236}">
+                    <a16:creationId xmlns:a16="http://schemas.microsoft.com/office/drawing/2014/main" id="{BF7048DE-393F-4A96-A3A4-28A617748DEF}"/>
+                  </a:ext>
+                </a:extLst>
+              </p:cNvPr>
+              <p:cNvSpPr txBox="1"/>
+              <p:nvPr/>
+            </p:nvSpPr>
+            <p:spPr>
+              <a:xfrm>
+                <a:off x="1436594" y="4758856"/>
+                <a:ext cx="1595950" cy="574516"/>
+              </a:xfrm>
+              <a:prstGeom prst="rect">
+                <a:avLst/>
+              </a:prstGeom>
+              <a:noFill/>
+            </p:spPr>
+            <p:txBody>
+              <a:bodyPr wrap="none" lIns="0" tIns="0" rIns="0" bIns="0" rtlCol="0">
+                <a:spAutoFit/>
+              </a:bodyPr>
+              <a:lstStyle/>
+              <a:p>
+                <a:pPr/>
+                <a14:m>
+                  <m:oMathPara xmlns:m="http://schemas.openxmlformats.org/officeDocument/2006/math">
+                    <m:oMathParaPr>
+                      <m:jc m:val="centerGroup"/>
+                    </m:oMathParaPr>
+                    <m:oMath xmlns:m="http://schemas.openxmlformats.org/officeDocument/2006/math">
+                      <m:r>
+                        <a:rPr lang="pt-BR" b="0" i="1" smtClean="0">
+                          <a:latin typeface="Cambria Math" panose="02040503050406030204" pitchFamily="18" charset="0"/>
+                        </a:rPr>
+                        <m:t>𝐵𝑀𝐼</m:t>
+                      </m:r>
+                      <m:r>
+                        <a:rPr lang="en-GB" i="1" smtClean="0">
+                          <a:latin typeface="Cambria Math" panose="02040503050406030204" pitchFamily="18" charset="0"/>
+                        </a:rPr>
+                        <m:t>=</m:t>
+                      </m:r>
+                      <m:f>
+                        <m:fPr>
+                          <m:ctrlPr>
+                            <a:rPr lang="pt-BR" b="0" i="1" smtClean="0">
+                              <a:latin typeface="Cambria Math" panose="02040503050406030204" pitchFamily="18" charset="0"/>
+                            </a:rPr>
+                          </m:ctrlPr>
+                        </m:fPr>
+                        <m:num>
+                          <m:r>
+                            <a:rPr lang="pt-BR" b="0" i="1" smtClean="0">
+                              <a:latin typeface="Cambria Math" panose="02040503050406030204" pitchFamily="18" charset="0"/>
+                            </a:rPr>
+                            <m:t>𝑤𝑒𝑖𝑔h𝑡</m:t>
+                          </m:r>
+                        </m:num>
+                        <m:den>
+                          <m:sSup>
+                            <m:sSupPr>
+                              <m:ctrlPr>
+                                <a:rPr lang="pt-BR" b="0" i="1" smtClean="0">
+                                  <a:latin typeface="Cambria Math" panose="02040503050406030204" pitchFamily="18" charset="0"/>
+                                </a:rPr>
+                              </m:ctrlPr>
+                            </m:sSupPr>
+                            <m:e>
+                              <m:r>
+                                <a:rPr lang="pt-BR" b="0" i="1" smtClean="0">
+                                  <a:latin typeface="Cambria Math" panose="02040503050406030204" pitchFamily="18" charset="0"/>
+                                </a:rPr>
+                                <m:t>h𝑒𝑖𝑔h𝑡</m:t>
+                              </m:r>
+                            </m:e>
+                            <m:sup>
+                              <m:r>
+                                <a:rPr lang="pt-BR" b="0" i="1" smtClean="0">
+                                  <a:latin typeface="Cambria Math" panose="02040503050406030204" pitchFamily="18" charset="0"/>
+                                </a:rPr>
+                                <m:t>2</m:t>
+                              </m:r>
+                            </m:sup>
+                          </m:sSup>
+                        </m:den>
+                      </m:f>
+                    </m:oMath>
+                  </m:oMathPara>
+                </a14:m>
+                <a:endParaRPr lang="en-GB" dirty="0"/>
+              </a:p>
+            </p:txBody>
+          </p:sp>
+        </mc:Choice>
+        <mc:Fallback>
+          <p:sp>
+            <p:nvSpPr>
+              <p:cNvPr id="8" name="TextBox 7">
+                <a:extLst>
+                  <a:ext uri="{FF2B5EF4-FFF2-40B4-BE49-F238E27FC236}">
+                    <a16:creationId xmlns:a16="http://schemas.microsoft.com/office/drawing/2014/main" id="{BF7048DE-393F-4A96-A3A4-28A617748DEF}"/>
+                  </a:ext>
+                </a:extLst>
+              </p:cNvPr>
+              <p:cNvSpPr txBox="1">
+                <a:spLocks noRot="1" noChangeAspect="1" noMove="1" noResize="1" noEditPoints="1" noAdjustHandles="1" noChangeArrowheads="1" noChangeShapeType="1" noTextEdit="1"/>
+              </p:cNvSpPr>
+              <p:nvPr/>
+            </p:nvSpPr>
+            <p:spPr>
+              <a:xfrm>
+                <a:off x="1436594" y="4758856"/>
+                <a:ext cx="1595950" cy="574516"/>
+              </a:xfrm>
+              <a:prstGeom prst="rect">
+                <a:avLst/>
+              </a:prstGeom>
+              <a:blipFill>
+                <a:blip r:embed="rId4"/>
+                <a:stretch>
+                  <a:fillRect/>
+                </a:stretch>
+              </a:blipFill>
+            </p:spPr>
+            <p:txBody>
+              <a:bodyPr/>
+              <a:lstStyle/>
+              <a:p>
+                <a:r>
+                  <a:rPr lang="en-US">
+                    <a:noFill/>
+                  </a:rPr>
+                  <a:t> </a:t>
+                </a:r>
+              </a:p>
+            </p:txBody>
+          </p:sp>
+        </mc:Fallback>
+      </mc:AlternateContent>
     </p:spTree>
     <p:extLst>
       <p:ext uri="{BB962C8B-B14F-4D97-AF65-F5344CB8AC3E}">
-        <p14:creationId xmlns:p14="http://schemas.microsoft.com/office/powerpoint/2010/main" val="4018994200"/>
+        <p14:creationId xmlns:p14="http://schemas.microsoft.com/office/powerpoint/2010/main" val="3152734876"/>
       </p:ext>
     </p:extLst>
   </p:cSld>

--- a/BoT in Python.pptx
+++ b/BoT in Python.pptx
@@ -10,16 +10,18 @@
     <p:sldId id="260" r:id="rId4"/>
     <p:sldId id="268" r:id="rId5"/>
     <p:sldId id="269" r:id="rId6"/>
-    <p:sldId id="262" r:id="rId7"/>
-    <p:sldId id="263" r:id="rId8"/>
-    <p:sldId id="271" r:id="rId9"/>
-    <p:sldId id="272" r:id="rId10"/>
-    <p:sldId id="261" r:id="rId11"/>
-    <p:sldId id="266" r:id="rId12"/>
-    <p:sldId id="267" r:id="rId13"/>
-    <p:sldId id="273" r:id="rId14"/>
-    <p:sldId id="257" r:id="rId15"/>
-    <p:sldId id="259" r:id="rId16"/>
+    <p:sldId id="274" r:id="rId7"/>
+    <p:sldId id="262" r:id="rId8"/>
+    <p:sldId id="263" r:id="rId9"/>
+    <p:sldId id="271" r:id="rId10"/>
+    <p:sldId id="272" r:id="rId11"/>
+    <p:sldId id="275" r:id="rId12"/>
+    <p:sldId id="261" r:id="rId13"/>
+    <p:sldId id="266" r:id="rId14"/>
+    <p:sldId id="267" r:id="rId15"/>
+    <p:sldId id="273" r:id="rId16"/>
+    <p:sldId id="257" r:id="rId17"/>
+    <p:sldId id="259" r:id="rId18"/>
   </p:sldIdLst>
   <p:sldSz cx="12192000" cy="6858000"/>
   <p:notesSz cx="6858000" cy="9144000"/>
@@ -476,7 +478,7 @@
           <a:p>
             <a:fld id="{CA5A6091-3C97-4184-8E43-BCF8D1872CB5}" type="datetimeFigureOut">
               <a:rPr lang="en-US" smtClean="0"/>
-              <a:t>6/24/2020</a:t>
+              <a:t>6/25/2020</a:t>
             </a:fld>
             <a:endParaRPr lang="en-US"/>
           </a:p>
@@ -674,7 +676,7 @@
           <a:p>
             <a:fld id="{CA5A6091-3C97-4184-8E43-BCF8D1872CB5}" type="datetimeFigureOut">
               <a:rPr lang="en-US" smtClean="0"/>
-              <a:t>6/24/2020</a:t>
+              <a:t>6/25/2020</a:t>
             </a:fld>
             <a:endParaRPr lang="en-US"/>
           </a:p>
@@ -882,7 +884,7 @@
           <a:p>
             <a:fld id="{CA5A6091-3C97-4184-8E43-BCF8D1872CB5}" type="datetimeFigureOut">
               <a:rPr lang="en-US" smtClean="0"/>
-              <a:t>6/24/2020</a:t>
+              <a:t>6/25/2020</a:t>
             </a:fld>
             <a:endParaRPr lang="en-US"/>
           </a:p>
@@ -1080,7 +1082,7 @@
           <a:p>
             <a:fld id="{CA5A6091-3C97-4184-8E43-BCF8D1872CB5}" type="datetimeFigureOut">
               <a:rPr lang="en-US" smtClean="0"/>
-              <a:t>6/24/2020</a:t>
+              <a:t>6/25/2020</a:t>
             </a:fld>
             <a:endParaRPr lang="en-US"/>
           </a:p>
@@ -1355,7 +1357,7 @@
           <a:p>
             <a:fld id="{CA5A6091-3C97-4184-8E43-BCF8D1872CB5}" type="datetimeFigureOut">
               <a:rPr lang="en-US" smtClean="0"/>
-              <a:t>6/24/2020</a:t>
+              <a:t>6/25/2020</a:t>
             </a:fld>
             <a:endParaRPr lang="en-US"/>
           </a:p>
@@ -1620,7 +1622,7 @@
           <a:p>
             <a:fld id="{CA5A6091-3C97-4184-8E43-BCF8D1872CB5}" type="datetimeFigureOut">
               <a:rPr lang="en-US" smtClean="0"/>
-              <a:t>6/24/2020</a:t>
+              <a:t>6/25/2020</a:t>
             </a:fld>
             <a:endParaRPr lang="en-US"/>
           </a:p>
@@ -2032,7 +2034,7 @@
           <a:p>
             <a:fld id="{CA5A6091-3C97-4184-8E43-BCF8D1872CB5}" type="datetimeFigureOut">
               <a:rPr lang="en-US" smtClean="0"/>
-              <a:t>6/24/2020</a:t>
+              <a:t>6/25/2020</a:t>
             </a:fld>
             <a:endParaRPr lang="en-US"/>
           </a:p>
@@ -2173,7 +2175,7 @@
           <a:p>
             <a:fld id="{CA5A6091-3C97-4184-8E43-BCF8D1872CB5}" type="datetimeFigureOut">
               <a:rPr lang="en-US" smtClean="0"/>
-              <a:t>6/24/2020</a:t>
+              <a:t>6/25/2020</a:t>
             </a:fld>
             <a:endParaRPr lang="en-US"/>
           </a:p>
@@ -2286,7 +2288,7 @@
           <a:p>
             <a:fld id="{CA5A6091-3C97-4184-8E43-BCF8D1872CB5}" type="datetimeFigureOut">
               <a:rPr lang="en-US" smtClean="0"/>
-              <a:t>6/24/2020</a:t>
+              <a:t>6/25/2020</a:t>
             </a:fld>
             <a:endParaRPr lang="en-US"/>
           </a:p>
@@ -2597,7 +2599,7 @@
           <a:p>
             <a:fld id="{CA5A6091-3C97-4184-8E43-BCF8D1872CB5}" type="datetimeFigureOut">
               <a:rPr lang="en-US" smtClean="0"/>
-              <a:t>6/24/2020</a:t>
+              <a:t>6/25/2020</a:t>
             </a:fld>
             <a:endParaRPr lang="en-US"/>
           </a:p>
@@ -2885,7 +2887,7 @@
           <a:p>
             <a:fld id="{CA5A6091-3C97-4184-8E43-BCF8D1872CB5}" type="datetimeFigureOut">
               <a:rPr lang="en-US" smtClean="0"/>
-              <a:t>6/24/2020</a:t>
+              <a:t>6/25/2020</a:t>
             </a:fld>
             <a:endParaRPr lang="en-US"/>
           </a:p>
@@ -3126,7 +3128,7 @@
           <a:p>
             <a:fld id="{CA5A6091-3C97-4184-8E43-BCF8D1872CB5}" type="datetimeFigureOut">
               <a:rPr lang="en-US" smtClean="0"/>
-              <a:t>6/24/2020</a:t>
+              <a:t>6/25/2020</a:t>
             </a:fld>
             <a:endParaRPr lang="en-US"/>
           </a:p>
@@ -3712,6 +3714,3048 @@
 <file path=ppt/slides/slide10.xml><?xml version="1.0" encoding="utf-8"?>
 <p:sld xmlns:a="http://schemas.openxmlformats.org/drawingml/2006/main" xmlns:r="http://schemas.openxmlformats.org/officeDocument/2006/relationships" xmlns:p="http://schemas.openxmlformats.org/presentationml/2006/main">
   <p:cSld>
+    <p:spTree>
+      <p:nvGrpSpPr>
+        <p:cNvPr id="1" name=""/>
+        <p:cNvGrpSpPr/>
+        <p:nvPr/>
+      </p:nvGrpSpPr>
+      <p:grpSpPr>
+        <a:xfrm>
+          <a:off x="0" y="0"/>
+          <a:ext cx="0" cy="0"/>
+          <a:chOff x="0" y="0"/>
+          <a:chExt cx="0" cy="0"/>
+        </a:xfrm>
+      </p:grpSpPr>
+      <p:sp>
+        <p:nvSpPr>
+          <p:cNvPr id="6" name="TextBox 5">
+            <a:extLst>
+              <a:ext uri="{FF2B5EF4-FFF2-40B4-BE49-F238E27FC236}">
+                <a16:creationId xmlns:a16="http://schemas.microsoft.com/office/drawing/2014/main" id="{44F353AB-F501-4724-906A-9727030DE365}"/>
+              </a:ext>
+            </a:extLst>
+          </p:cNvPr>
+          <p:cNvSpPr txBox="1"/>
+          <p:nvPr/>
+        </p:nvSpPr>
+        <p:spPr>
+          <a:xfrm>
+            <a:off x="450761" y="412123"/>
+            <a:ext cx="8934308" cy="461665"/>
+          </a:xfrm>
+          <a:prstGeom prst="rect">
+            <a:avLst/>
+          </a:prstGeom>
+          <a:noFill/>
+        </p:spPr>
+        <p:txBody>
+          <a:bodyPr wrap="square" rtlCol="0">
+            <a:spAutoFit/>
+          </a:bodyPr>
+          <a:lstStyle/>
+          <a:p>
+            <a:r>
+              <a:rPr lang="en-US" sz="2400" dirty="0"/>
+              <a:t>Case 2 - computing the average of a large sample, statistical scheme</a:t>
+            </a:r>
+          </a:p>
+        </p:txBody>
+      </p:sp>
+      <p:sp>
+        <p:nvSpPr>
+          <p:cNvPr id="13" name="TextBox 12">
+            <a:extLst>
+              <a:ext uri="{FF2B5EF4-FFF2-40B4-BE49-F238E27FC236}">
+                <a16:creationId xmlns:a16="http://schemas.microsoft.com/office/drawing/2014/main" id="{FBFBA05A-1386-4DD7-BCC9-DE335E29925A}"/>
+              </a:ext>
+            </a:extLst>
+          </p:cNvPr>
+          <p:cNvSpPr txBox="1"/>
+          <p:nvPr/>
+        </p:nvSpPr>
+        <p:spPr>
+          <a:xfrm>
+            <a:off x="325258" y="2277208"/>
+            <a:ext cx="970662" cy="461665"/>
+          </a:xfrm>
+          <a:prstGeom prst="rect">
+            <a:avLst/>
+          </a:prstGeom>
+          <a:noFill/>
+        </p:spPr>
+        <p:txBody>
+          <a:bodyPr wrap="square" rtlCol="0">
+            <a:spAutoFit/>
+          </a:bodyPr>
+          <a:lstStyle/>
+          <a:p>
+            <a:pPr algn="r"/>
+            <a:r>
+              <a:rPr lang="en-US" sz="2400" dirty="0"/>
+              <a:t>height</a:t>
+            </a:r>
+          </a:p>
+        </p:txBody>
+      </p:sp>
+      <p:sp>
+        <p:nvSpPr>
+          <p:cNvPr id="3" name="Rectangle 2">
+            <a:extLst>
+              <a:ext uri="{FF2B5EF4-FFF2-40B4-BE49-F238E27FC236}">
+                <a16:creationId xmlns:a16="http://schemas.microsoft.com/office/drawing/2014/main" id="{8FBBD292-8536-4070-AB94-2B9DED320732}"/>
+              </a:ext>
+            </a:extLst>
+          </p:cNvPr>
+          <p:cNvSpPr/>
+          <p:nvPr/>
+        </p:nvSpPr>
+        <p:spPr>
+          <a:xfrm>
+            <a:off x="1436596" y="2277209"/>
+            <a:ext cx="483577" cy="461665"/>
+          </a:xfrm>
+          <a:prstGeom prst="rect">
+            <a:avLst/>
+          </a:prstGeom>
+          <a:solidFill>
+            <a:schemeClr val="accent6">
+              <a:lumMod val="60000"/>
+              <a:lumOff val="40000"/>
+            </a:schemeClr>
+          </a:solidFill>
+        </p:spPr>
+        <p:style>
+          <a:lnRef idx="2">
+            <a:schemeClr val="accent1">
+              <a:shade val="50000"/>
+            </a:schemeClr>
+          </a:lnRef>
+          <a:fillRef idx="1">
+            <a:schemeClr val="accent1"/>
+          </a:fillRef>
+          <a:effectRef idx="0">
+            <a:schemeClr val="accent1"/>
+          </a:effectRef>
+          <a:fontRef idx="minor">
+            <a:schemeClr val="lt1"/>
+          </a:fontRef>
+        </p:style>
+        <p:txBody>
+          <a:bodyPr rtlCol="0" anchor="ctr"/>
+          <a:lstStyle/>
+          <a:p>
+            <a:pPr algn="ctr"/>
+            <a:endParaRPr lang="en-GB"/>
+          </a:p>
+        </p:txBody>
+      </p:sp>
+      <p:sp>
+        <p:nvSpPr>
+          <p:cNvPr id="14" name="Rectangle 13">
+            <a:extLst>
+              <a:ext uri="{FF2B5EF4-FFF2-40B4-BE49-F238E27FC236}">
+                <a16:creationId xmlns:a16="http://schemas.microsoft.com/office/drawing/2014/main" id="{EC1A0A35-D1EB-4DCA-9851-40713E903695}"/>
+              </a:ext>
+            </a:extLst>
+          </p:cNvPr>
+          <p:cNvSpPr/>
+          <p:nvPr/>
+        </p:nvSpPr>
+        <p:spPr>
+          <a:xfrm>
+            <a:off x="1436596" y="2738874"/>
+            <a:ext cx="483577" cy="461665"/>
+          </a:xfrm>
+          <a:prstGeom prst="rect">
+            <a:avLst/>
+          </a:prstGeom>
+          <a:solidFill>
+            <a:schemeClr val="accent6">
+              <a:lumMod val="75000"/>
+            </a:schemeClr>
+          </a:solidFill>
+        </p:spPr>
+        <p:style>
+          <a:lnRef idx="2">
+            <a:schemeClr val="accent1">
+              <a:shade val="50000"/>
+            </a:schemeClr>
+          </a:lnRef>
+          <a:fillRef idx="1">
+            <a:schemeClr val="accent1"/>
+          </a:fillRef>
+          <a:effectRef idx="0">
+            <a:schemeClr val="accent1"/>
+          </a:effectRef>
+          <a:fontRef idx="minor">
+            <a:schemeClr val="lt1"/>
+          </a:fontRef>
+        </p:style>
+        <p:txBody>
+          <a:bodyPr rtlCol="0" anchor="ctr"/>
+          <a:lstStyle/>
+          <a:p>
+            <a:pPr algn="ctr"/>
+            <a:endParaRPr lang="en-GB"/>
+          </a:p>
+        </p:txBody>
+      </p:sp>
+      <p:sp>
+        <p:nvSpPr>
+          <p:cNvPr id="15" name="TextBox 14">
+            <a:extLst>
+              <a:ext uri="{FF2B5EF4-FFF2-40B4-BE49-F238E27FC236}">
+                <a16:creationId xmlns:a16="http://schemas.microsoft.com/office/drawing/2014/main" id="{836BFE35-437A-4358-AB66-71A3B4D2546A}"/>
+              </a:ext>
+            </a:extLst>
+          </p:cNvPr>
+          <p:cNvSpPr txBox="1"/>
+          <p:nvPr/>
+        </p:nvSpPr>
+        <p:spPr>
+          <a:xfrm>
+            <a:off x="172857" y="2738873"/>
+            <a:ext cx="1123063" cy="461665"/>
+          </a:xfrm>
+          <a:prstGeom prst="rect">
+            <a:avLst/>
+          </a:prstGeom>
+          <a:noFill/>
+        </p:spPr>
+        <p:txBody>
+          <a:bodyPr wrap="square" rtlCol="0">
+            <a:spAutoFit/>
+          </a:bodyPr>
+          <a:lstStyle/>
+          <a:p>
+            <a:pPr algn="r"/>
+            <a:r>
+              <a:rPr lang="en-US" sz="2400" dirty="0"/>
+              <a:t>weight</a:t>
+            </a:r>
+          </a:p>
+        </p:txBody>
+      </p:sp>
+      <p:sp>
+        <p:nvSpPr>
+          <p:cNvPr id="65" name="Rectangle 64">
+            <a:extLst>
+              <a:ext uri="{FF2B5EF4-FFF2-40B4-BE49-F238E27FC236}">
+                <a16:creationId xmlns:a16="http://schemas.microsoft.com/office/drawing/2014/main" id="{83FBD113-E516-4929-83AC-0E42CD8E10C9}"/>
+              </a:ext>
+            </a:extLst>
+          </p:cNvPr>
+          <p:cNvSpPr/>
+          <p:nvPr/>
+        </p:nvSpPr>
+        <p:spPr>
+          <a:xfrm>
+            <a:off x="1947024" y="2277209"/>
+            <a:ext cx="483577" cy="461665"/>
+          </a:xfrm>
+          <a:prstGeom prst="rect">
+            <a:avLst/>
+          </a:prstGeom>
+          <a:solidFill>
+            <a:schemeClr val="accent6">
+              <a:lumMod val="60000"/>
+              <a:lumOff val="40000"/>
+            </a:schemeClr>
+          </a:solidFill>
+        </p:spPr>
+        <p:style>
+          <a:lnRef idx="2">
+            <a:schemeClr val="accent1">
+              <a:shade val="50000"/>
+            </a:schemeClr>
+          </a:lnRef>
+          <a:fillRef idx="1">
+            <a:schemeClr val="accent1"/>
+          </a:fillRef>
+          <a:effectRef idx="0">
+            <a:schemeClr val="accent1"/>
+          </a:effectRef>
+          <a:fontRef idx="minor">
+            <a:schemeClr val="lt1"/>
+          </a:fontRef>
+        </p:style>
+        <p:txBody>
+          <a:bodyPr rtlCol="0" anchor="ctr"/>
+          <a:lstStyle/>
+          <a:p>
+            <a:pPr algn="ctr"/>
+            <a:endParaRPr lang="en-GB"/>
+          </a:p>
+        </p:txBody>
+      </p:sp>
+      <p:sp>
+        <p:nvSpPr>
+          <p:cNvPr id="66" name="Rectangle 65">
+            <a:extLst>
+              <a:ext uri="{FF2B5EF4-FFF2-40B4-BE49-F238E27FC236}">
+                <a16:creationId xmlns:a16="http://schemas.microsoft.com/office/drawing/2014/main" id="{EA4DD757-4A84-4C36-B9D7-676D9B0758A4}"/>
+              </a:ext>
+            </a:extLst>
+          </p:cNvPr>
+          <p:cNvSpPr/>
+          <p:nvPr/>
+        </p:nvSpPr>
+        <p:spPr>
+          <a:xfrm>
+            <a:off x="1947024" y="2738874"/>
+            <a:ext cx="483577" cy="461665"/>
+          </a:xfrm>
+          <a:prstGeom prst="rect">
+            <a:avLst/>
+          </a:prstGeom>
+          <a:solidFill>
+            <a:schemeClr val="accent6">
+              <a:lumMod val="75000"/>
+            </a:schemeClr>
+          </a:solidFill>
+        </p:spPr>
+        <p:style>
+          <a:lnRef idx="2">
+            <a:schemeClr val="accent1">
+              <a:shade val="50000"/>
+            </a:schemeClr>
+          </a:lnRef>
+          <a:fillRef idx="1">
+            <a:schemeClr val="accent1"/>
+          </a:fillRef>
+          <a:effectRef idx="0">
+            <a:schemeClr val="accent1"/>
+          </a:effectRef>
+          <a:fontRef idx="minor">
+            <a:schemeClr val="lt1"/>
+          </a:fontRef>
+        </p:style>
+        <p:txBody>
+          <a:bodyPr rtlCol="0" anchor="ctr"/>
+          <a:lstStyle/>
+          <a:p>
+            <a:pPr algn="ctr"/>
+            <a:endParaRPr lang="en-GB"/>
+          </a:p>
+        </p:txBody>
+      </p:sp>
+      <p:sp>
+        <p:nvSpPr>
+          <p:cNvPr id="68" name="Rectangle 67">
+            <a:extLst>
+              <a:ext uri="{FF2B5EF4-FFF2-40B4-BE49-F238E27FC236}">
+                <a16:creationId xmlns:a16="http://schemas.microsoft.com/office/drawing/2014/main" id="{4444B01D-3DED-4831-BE9D-C10B7AF22F25}"/>
+              </a:ext>
+            </a:extLst>
+          </p:cNvPr>
+          <p:cNvSpPr/>
+          <p:nvPr/>
+        </p:nvSpPr>
+        <p:spPr>
+          <a:xfrm>
+            <a:off x="2457452" y="2277209"/>
+            <a:ext cx="483577" cy="461665"/>
+          </a:xfrm>
+          <a:prstGeom prst="rect">
+            <a:avLst/>
+          </a:prstGeom>
+          <a:solidFill>
+            <a:schemeClr val="accent6">
+              <a:lumMod val="60000"/>
+              <a:lumOff val="40000"/>
+            </a:schemeClr>
+          </a:solidFill>
+        </p:spPr>
+        <p:style>
+          <a:lnRef idx="2">
+            <a:schemeClr val="accent1">
+              <a:shade val="50000"/>
+            </a:schemeClr>
+          </a:lnRef>
+          <a:fillRef idx="1">
+            <a:schemeClr val="accent1"/>
+          </a:fillRef>
+          <a:effectRef idx="0">
+            <a:schemeClr val="accent1"/>
+          </a:effectRef>
+          <a:fontRef idx="minor">
+            <a:schemeClr val="lt1"/>
+          </a:fontRef>
+        </p:style>
+        <p:txBody>
+          <a:bodyPr rtlCol="0" anchor="ctr"/>
+          <a:lstStyle/>
+          <a:p>
+            <a:pPr algn="ctr"/>
+            <a:endParaRPr lang="en-GB"/>
+          </a:p>
+        </p:txBody>
+      </p:sp>
+      <p:sp>
+        <p:nvSpPr>
+          <p:cNvPr id="69" name="Rectangle 68">
+            <a:extLst>
+              <a:ext uri="{FF2B5EF4-FFF2-40B4-BE49-F238E27FC236}">
+                <a16:creationId xmlns:a16="http://schemas.microsoft.com/office/drawing/2014/main" id="{92E26926-270D-4119-BD5B-6934C5E2B651}"/>
+              </a:ext>
+            </a:extLst>
+          </p:cNvPr>
+          <p:cNvSpPr/>
+          <p:nvPr/>
+        </p:nvSpPr>
+        <p:spPr>
+          <a:xfrm>
+            <a:off x="2457452" y="2738874"/>
+            <a:ext cx="483577" cy="461665"/>
+          </a:xfrm>
+          <a:prstGeom prst="rect">
+            <a:avLst/>
+          </a:prstGeom>
+          <a:solidFill>
+            <a:schemeClr val="accent6">
+              <a:lumMod val="75000"/>
+            </a:schemeClr>
+          </a:solidFill>
+        </p:spPr>
+        <p:style>
+          <a:lnRef idx="2">
+            <a:schemeClr val="accent1">
+              <a:shade val="50000"/>
+            </a:schemeClr>
+          </a:lnRef>
+          <a:fillRef idx="1">
+            <a:schemeClr val="accent1"/>
+          </a:fillRef>
+          <a:effectRef idx="0">
+            <a:schemeClr val="accent1"/>
+          </a:effectRef>
+          <a:fontRef idx="minor">
+            <a:schemeClr val="lt1"/>
+          </a:fontRef>
+        </p:style>
+        <p:txBody>
+          <a:bodyPr rtlCol="0" anchor="ctr"/>
+          <a:lstStyle/>
+          <a:p>
+            <a:pPr algn="ctr"/>
+            <a:endParaRPr lang="en-GB"/>
+          </a:p>
+        </p:txBody>
+      </p:sp>
+      <p:sp>
+        <p:nvSpPr>
+          <p:cNvPr id="71" name="Rectangle 70">
+            <a:extLst>
+              <a:ext uri="{FF2B5EF4-FFF2-40B4-BE49-F238E27FC236}">
+                <a16:creationId xmlns:a16="http://schemas.microsoft.com/office/drawing/2014/main" id="{099B2BC2-EE0C-49CF-8DB9-03B73F9D81CC}"/>
+              </a:ext>
+            </a:extLst>
+          </p:cNvPr>
+          <p:cNvSpPr/>
+          <p:nvPr/>
+        </p:nvSpPr>
+        <p:spPr>
+          <a:xfrm>
+            <a:off x="2967880" y="2277209"/>
+            <a:ext cx="483577" cy="461665"/>
+          </a:xfrm>
+          <a:prstGeom prst="rect">
+            <a:avLst/>
+          </a:prstGeom>
+          <a:solidFill>
+            <a:schemeClr val="accent6">
+              <a:lumMod val="60000"/>
+              <a:lumOff val="40000"/>
+            </a:schemeClr>
+          </a:solidFill>
+        </p:spPr>
+        <p:style>
+          <a:lnRef idx="2">
+            <a:schemeClr val="accent1">
+              <a:shade val="50000"/>
+            </a:schemeClr>
+          </a:lnRef>
+          <a:fillRef idx="1">
+            <a:schemeClr val="accent1"/>
+          </a:fillRef>
+          <a:effectRef idx="0">
+            <a:schemeClr val="accent1"/>
+          </a:effectRef>
+          <a:fontRef idx="minor">
+            <a:schemeClr val="lt1"/>
+          </a:fontRef>
+        </p:style>
+        <p:txBody>
+          <a:bodyPr rtlCol="0" anchor="ctr"/>
+          <a:lstStyle/>
+          <a:p>
+            <a:pPr algn="ctr"/>
+            <a:endParaRPr lang="en-GB"/>
+          </a:p>
+        </p:txBody>
+      </p:sp>
+      <p:sp>
+        <p:nvSpPr>
+          <p:cNvPr id="72" name="Rectangle 71">
+            <a:extLst>
+              <a:ext uri="{FF2B5EF4-FFF2-40B4-BE49-F238E27FC236}">
+                <a16:creationId xmlns:a16="http://schemas.microsoft.com/office/drawing/2014/main" id="{750434CC-A8F6-4FFA-8830-B7EDF30F0471}"/>
+              </a:ext>
+            </a:extLst>
+          </p:cNvPr>
+          <p:cNvSpPr/>
+          <p:nvPr/>
+        </p:nvSpPr>
+        <p:spPr>
+          <a:xfrm>
+            <a:off x="2967880" y="2738874"/>
+            <a:ext cx="483577" cy="461665"/>
+          </a:xfrm>
+          <a:prstGeom prst="rect">
+            <a:avLst/>
+          </a:prstGeom>
+          <a:solidFill>
+            <a:schemeClr val="accent6">
+              <a:lumMod val="75000"/>
+            </a:schemeClr>
+          </a:solidFill>
+        </p:spPr>
+        <p:style>
+          <a:lnRef idx="2">
+            <a:schemeClr val="accent1">
+              <a:shade val="50000"/>
+            </a:schemeClr>
+          </a:lnRef>
+          <a:fillRef idx="1">
+            <a:schemeClr val="accent1"/>
+          </a:fillRef>
+          <a:effectRef idx="0">
+            <a:schemeClr val="accent1"/>
+          </a:effectRef>
+          <a:fontRef idx="minor">
+            <a:schemeClr val="lt1"/>
+          </a:fontRef>
+        </p:style>
+        <p:txBody>
+          <a:bodyPr rtlCol="0" anchor="ctr"/>
+          <a:lstStyle/>
+          <a:p>
+            <a:pPr algn="ctr"/>
+            <a:endParaRPr lang="en-GB"/>
+          </a:p>
+        </p:txBody>
+      </p:sp>
+      <p:sp>
+        <p:nvSpPr>
+          <p:cNvPr id="74" name="Rectangle 73">
+            <a:extLst>
+              <a:ext uri="{FF2B5EF4-FFF2-40B4-BE49-F238E27FC236}">
+                <a16:creationId xmlns:a16="http://schemas.microsoft.com/office/drawing/2014/main" id="{39E84664-57E8-46EE-ABFD-CB5A05B7EE9F}"/>
+              </a:ext>
+            </a:extLst>
+          </p:cNvPr>
+          <p:cNvSpPr/>
+          <p:nvPr/>
+        </p:nvSpPr>
+        <p:spPr>
+          <a:xfrm>
+            <a:off x="3478308" y="2277209"/>
+            <a:ext cx="483577" cy="461665"/>
+          </a:xfrm>
+          <a:prstGeom prst="rect">
+            <a:avLst/>
+          </a:prstGeom>
+          <a:solidFill>
+            <a:schemeClr val="accent6">
+              <a:lumMod val="60000"/>
+              <a:lumOff val="40000"/>
+            </a:schemeClr>
+          </a:solidFill>
+        </p:spPr>
+        <p:style>
+          <a:lnRef idx="2">
+            <a:schemeClr val="accent1">
+              <a:shade val="50000"/>
+            </a:schemeClr>
+          </a:lnRef>
+          <a:fillRef idx="1">
+            <a:schemeClr val="accent1"/>
+          </a:fillRef>
+          <a:effectRef idx="0">
+            <a:schemeClr val="accent1"/>
+          </a:effectRef>
+          <a:fontRef idx="minor">
+            <a:schemeClr val="lt1"/>
+          </a:fontRef>
+        </p:style>
+        <p:txBody>
+          <a:bodyPr rtlCol="0" anchor="ctr"/>
+          <a:lstStyle/>
+          <a:p>
+            <a:pPr algn="ctr"/>
+            <a:endParaRPr lang="en-GB"/>
+          </a:p>
+        </p:txBody>
+      </p:sp>
+      <p:sp>
+        <p:nvSpPr>
+          <p:cNvPr id="75" name="Rectangle 74">
+            <a:extLst>
+              <a:ext uri="{FF2B5EF4-FFF2-40B4-BE49-F238E27FC236}">
+                <a16:creationId xmlns:a16="http://schemas.microsoft.com/office/drawing/2014/main" id="{45761627-7D0F-401F-92D5-1A9C9CDC16D8}"/>
+              </a:ext>
+            </a:extLst>
+          </p:cNvPr>
+          <p:cNvSpPr/>
+          <p:nvPr/>
+        </p:nvSpPr>
+        <p:spPr>
+          <a:xfrm>
+            <a:off x="3478308" y="2738874"/>
+            <a:ext cx="483577" cy="461665"/>
+          </a:xfrm>
+          <a:prstGeom prst="rect">
+            <a:avLst/>
+          </a:prstGeom>
+          <a:solidFill>
+            <a:schemeClr val="accent6">
+              <a:lumMod val="75000"/>
+            </a:schemeClr>
+          </a:solidFill>
+        </p:spPr>
+        <p:style>
+          <a:lnRef idx="2">
+            <a:schemeClr val="accent1">
+              <a:shade val="50000"/>
+            </a:schemeClr>
+          </a:lnRef>
+          <a:fillRef idx="1">
+            <a:schemeClr val="accent1"/>
+          </a:fillRef>
+          <a:effectRef idx="0">
+            <a:schemeClr val="accent1"/>
+          </a:effectRef>
+          <a:fontRef idx="minor">
+            <a:schemeClr val="lt1"/>
+          </a:fontRef>
+        </p:style>
+        <p:txBody>
+          <a:bodyPr rtlCol="0" anchor="ctr"/>
+          <a:lstStyle/>
+          <a:p>
+            <a:pPr algn="ctr"/>
+            <a:endParaRPr lang="en-GB"/>
+          </a:p>
+        </p:txBody>
+      </p:sp>
+      <p:sp>
+        <p:nvSpPr>
+          <p:cNvPr id="77" name="Rectangle 76">
+            <a:extLst>
+              <a:ext uri="{FF2B5EF4-FFF2-40B4-BE49-F238E27FC236}">
+                <a16:creationId xmlns:a16="http://schemas.microsoft.com/office/drawing/2014/main" id="{766AE563-7AAB-4ECD-BA68-4B403611842D}"/>
+              </a:ext>
+            </a:extLst>
+          </p:cNvPr>
+          <p:cNvSpPr/>
+          <p:nvPr/>
+        </p:nvSpPr>
+        <p:spPr>
+          <a:xfrm>
+            <a:off x="3988736" y="2277209"/>
+            <a:ext cx="483577" cy="461665"/>
+          </a:xfrm>
+          <a:prstGeom prst="rect">
+            <a:avLst/>
+          </a:prstGeom>
+          <a:solidFill>
+            <a:schemeClr val="accent6">
+              <a:lumMod val="60000"/>
+              <a:lumOff val="40000"/>
+            </a:schemeClr>
+          </a:solidFill>
+        </p:spPr>
+        <p:style>
+          <a:lnRef idx="2">
+            <a:schemeClr val="accent1">
+              <a:shade val="50000"/>
+            </a:schemeClr>
+          </a:lnRef>
+          <a:fillRef idx="1">
+            <a:schemeClr val="accent1"/>
+          </a:fillRef>
+          <a:effectRef idx="0">
+            <a:schemeClr val="accent1"/>
+          </a:effectRef>
+          <a:fontRef idx="minor">
+            <a:schemeClr val="lt1"/>
+          </a:fontRef>
+        </p:style>
+        <p:txBody>
+          <a:bodyPr rtlCol="0" anchor="ctr"/>
+          <a:lstStyle/>
+          <a:p>
+            <a:pPr algn="ctr"/>
+            <a:endParaRPr lang="en-GB"/>
+          </a:p>
+        </p:txBody>
+      </p:sp>
+      <p:sp>
+        <p:nvSpPr>
+          <p:cNvPr id="78" name="Rectangle 77">
+            <a:extLst>
+              <a:ext uri="{FF2B5EF4-FFF2-40B4-BE49-F238E27FC236}">
+                <a16:creationId xmlns:a16="http://schemas.microsoft.com/office/drawing/2014/main" id="{E1DC1561-0012-4797-8BF0-4C307FF713E0}"/>
+              </a:ext>
+            </a:extLst>
+          </p:cNvPr>
+          <p:cNvSpPr/>
+          <p:nvPr/>
+        </p:nvSpPr>
+        <p:spPr>
+          <a:xfrm>
+            <a:off x="3988736" y="2738874"/>
+            <a:ext cx="483577" cy="461665"/>
+          </a:xfrm>
+          <a:prstGeom prst="rect">
+            <a:avLst/>
+          </a:prstGeom>
+          <a:solidFill>
+            <a:schemeClr val="accent6">
+              <a:lumMod val="75000"/>
+            </a:schemeClr>
+          </a:solidFill>
+        </p:spPr>
+        <p:style>
+          <a:lnRef idx="2">
+            <a:schemeClr val="accent1">
+              <a:shade val="50000"/>
+            </a:schemeClr>
+          </a:lnRef>
+          <a:fillRef idx="1">
+            <a:schemeClr val="accent1"/>
+          </a:fillRef>
+          <a:effectRef idx="0">
+            <a:schemeClr val="accent1"/>
+          </a:effectRef>
+          <a:fontRef idx="minor">
+            <a:schemeClr val="lt1"/>
+          </a:fontRef>
+        </p:style>
+        <p:txBody>
+          <a:bodyPr rtlCol="0" anchor="ctr"/>
+          <a:lstStyle/>
+          <a:p>
+            <a:pPr algn="ctr"/>
+            <a:endParaRPr lang="en-GB"/>
+          </a:p>
+        </p:txBody>
+      </p:sp>
+      <p:sp>
+        <p:nvSpPr>
+          <p:cNvPr id="80" name="Rectangle 79">
+            <a:extLst>
+              <a:ext uri="{FF2B5EF4-FFF2-40B4-BE49-F238E27FC236}">
+                <a16:creationId xmlns:a16="http://schemas.microsoft.com/office/drawing/2014/main" id="{7698A794-3CE3-4BBC-BEEB-8D0D6C1EF54C}"/>
+              </a:ext>
+            </a:extLst>
+          </p:cNvPr>
+          <p:cNvSpPr/>
+          <p:nvPr/>
+        </p:nvSpPr>
+        <p:spPr>
+          <a:xfrm>
+            <a:off x="4499164" y="2277209"/>
+            <a:ext cx="483577" cy="461665"/>
+          </a:xfrm>
+          <a:prstGeom prst="rect">
+            <a:avLst/>
+          </a:prstGeom>
+          <a:solidFill>
+            <a:schemeClr val="accent6">
+              <a:lumMod val="60000"/>
+              <a:lumOff val="40000"/>
+            </a:schemeClr>
+          </a:solidFill>
+        </p:spPr>
+        <p:style>
+          <a:lnRef idx="2">
+            <a:schemeClr val="accent1">
+              <a:shade val="50000"/>
+            </a:schemeClr>
+          </a:lnRef>
+          <a:fillRef idx="1">
+            <a:schemeClr val="accent1"/>
+          </a:fillRef>
+          <a:effectRef idx="0">
+            <a:schemeClr val="accent1"/>
+          </a:effectRef>
+          <a:fontRef idx="minor">
+            <a:schemeClr val="lt1"/>
+          </a:fontRef>
+        </p:style>
+        <p:txBody>
+          <a:bodyPr rtlCol="0" anchor="ctr"/>
+          <a:lstStyle/>
+          <a:p>
+            <a:pPr algn="ctr"/>
+            <a:endParaRPr lang="en-GB"/>
+          </a:p>
+        </p:txBody>
+      </p:sp>
+      <p:sp>
+        <p:nvSpPr>
+          <p:cNvPr id="81" name="Rectangle 80">
+            <a:extLst>
+              <a:ext uri="{FF2B5EF4-FFF2-40B4-BE49-F238E27FC236}">
+                <a16:creationId xmlns:a16="http://schemas.microsoft.com/office/drawing/2014/main" id="{D49C15A5-ABD8-4B96-B58D-081F1BE951A6}"/>
+              </a:ext>
+            </a:extLst>
+          </p:cNvPr>
+          <p:cNvSpPr/>
+          <p:nvPr/>
+        </p:nvSpPr>
+        <p:spPr>
+          <a:xfrm>
+            <a:off x="4499164" y="2738874"/>
+            <a:ext cx="483577" cy="461665"/>
+          </a:xfrm>
+          <a:prstGeom prst="rect">
+            <a:avLst/>
+          </a:prstGeom>
+          <a:solidFill>
+            <a:schemeClr val="accent6">
+              <a:lumMod val="75000"/>
+            </a:schemeClr>
+          </a:solidFill>
+        </p:spPr>
+        <p:style>
+          <a:lnRef idx="2">
+            <a:schemeClr val="accent1">
+              <a:shade val="50000"/>
+            </a:schemeClr>
+          </a:lnRef>
+          <a:fillRef idx="1">
+            <a:schemeClr val="accent1"/>
+          </a:fillRef>
+          <a:effectRef idx="0">
+            <a:schemeClr val="accent1"/>
+          </a:effectRef>
+          <a:fontRef idx="minor">
+            <a:schemeClr val="lt1"/>
+          </a:fontRef>
+        </p:style>
+        <p:txBody>
+          <a:bodyPr rtlCol="0" anchor="ctr"/>
+          <a:lstStyle/>
+          <a:p>
+            <a:pPr algn="ctr"/>
+            <a:endParaRPr lang="en-GB"/>
+          </a:p>
+        </p:txBody>
+      </p:sp>
+      <p:sp>
+        <p:nvSpPr>
+          <p:cNvPr id="83" name="Rectangle 82">
+            <a:extLst>
+              <a:ext uri="{FF2B5EF4-FFF2-40B4-BE49-F238E27FC236}">
+                <a16:creationId xmlns:a16="http://schemas.microsoft.com/office/drawing/2014/main" id="{2924BD3C-0199-49A5-B11E-77DEC51423CD}"/>
+              </a:ext>
+            </a:extLst>
+          </p:cNvPr>
+          <p:cNvSpPr/>
+          <p:nvPr/>
+        </p:nvSpPr>
+        <p:spPr>
+          <a:xfrm>
+            <a:off x="5009592" y="2277209"/>
+            <a:ext cx="483577" cy="461665"/>
+          </a:xfrm>
+          <a:prstGeom prst="rect">
+            <a:avLst/>
+          </a:prstGeom>
+          <a:solidFill>
+            <a:schemeClr val="accent6">
+              <a:lumMod val="60000"/>
+              <a:lumOff val="40000"/>
+            </a:schemeClr>
+          </a:solidFill>
+        </p:spPr>
+        <p:style>
+          <a:lnRef idx="2">
+            <a:schemeClr val="accent1">
+              <a:shade val="50000"/>
+            </a:schemeClr>
+          </a:lnRef>
+          <a:fillRef idx="1">
+            <a:schemeClr val="accent1"/>
+          </a:fillRef>
+          <a:effectRef idx="0">
+            <a:schemeClr val="accent1"/>
+          </a:effectRef>
+          <a:fontRef idx="minor">
+            <a:schemeClr val="lt1"/>
+          </a:fontRef>
+        </p:style>
+        <p:txBody>
+          <a:bodyPr rtlCol="0" anchor="ctr"/>
+          <a:lstStyle/>
+          <a:p>
+            <a:pPr algn="ctr"/>
+            <a:endParaRPr lang="en-GB"/>
+          </a:p>
+        </p:txBody>
+      </p:sp>
+      <p:sp>
+        <p:nvSpPr>
+          <p:cNvPr id="84" name="Rectangle 83">
+            <a:extLst>
+              <a:ext uri="{FF2B5EF4-FFF2-40B4-BE49-F238E27FC236}">
+                <a16:creationId xmlns:a16="http://schemas.microsoft.com/office/drawing/2014/main" id="{E8A67E25-54FB-44B6-8D10-92B3EB04B109}"/>
+              </a:ext>
+            </a:extLst>
+          </p:cNvPr>
+          <p:cNvSpPr/>
+          <p:nvPr/>
+        </p:nvSpPr>
+        <p:spPr>
+          <a:xfrm>
+            <a:off x="5009592" y="2738874"/>
+            <a:ext cx="483577" cy="461665"/>
+          </a:xfrm>
+          <a:prstGeom prst="rect">
+            <a:avLst/>
+          </a:prstGeom>
+          <a:solidFill>
+            <a:schemeClr val="accent6">
+              <a:lumMod val="75000"/>
+            </a:schemeClr>
+          </a:solidFill>
+        </p:spPr>
+        <p:style>
+          <a:lnRef idx="2">
+            <a:schemeClr val="accent1">
+              <a:shade val="50000"/>
+            </a:schemeClr>
+          </a:lnRef>
+          <a:fillRef idx="1">
+            <a:schemeClr val="accent1"/>
+          </a:fillRef>
+          <a:effectRef idx="0">
+            <a:schemeClr val="accent1"/>
+          </a:effectRef>
+          <a:fontRef idx="minor">
+            <a:schemeClr val="lt1"/>
+          </a:fontRef>
+        </p:style>
+        <p:txBody>
+          <a:bodyPr rtlCol="0" anchor="ctr"/>
+          <a:lstStyle/>
+          <a:p>
+            <a:pPr algn="ctr"/>
+            <a:endParaRPr lang="en-GB"/>
+          </a:p>
+        </p:txBody>
+      </p:sp>
+      <p:sp>
+        <p:nvSpPr>
+          <p:cNvPr id="86" name="Rectangle 85">
+            <a:extLst>
+              <a:ext uri="{FF2B5EF4-FFF2-40B4-BE49-F238E27FC236}">
+                <a16:creationId xmlns:a16="http://schemas.microsoft.com/office/drawing/2014/main" id="{6CFE3B9A-ACBD-48DB-92AF-72D04A623709}"/>
+              </a:ext>
+            </a:extLst>
+          </p:cNvPr>
+          <p:cNvSpPr/>
+          <p:nvPr/>
+        </p:nvSpPr>
+        <p:spPr>
+          <a:xfrm>
+            <a:off x="5520020" y="2277209"/>
+            <a:ext cx="483577" cy="461665"/>
+          </a:xfrm>
+          <a:prstGeom prst="rect">
+            <a:avLst/>
+          </a:prstGeom>
+          <a:solidFill>
+            <a:schemeClr val="accent6">
+              <a:lumMod val="60000"/>
+              <a:lumOff val="40000"/>
+            </a:schemeClr>
+          </a:solidFill>
+        </p:spPr>
+        <p:style>
+          <a:lnRef idx="2">
+            <a:schemeClr val="accent1">
+              <a:shade val="50000"/>
+            </a:schemeClr>
+          </a:lnRef>
+          <a:fillRef idx="1">
+            <a:schemeClr val="accent1"/>
+          </a:fillRef>
+          <a:effectRef idx="0">
+            <a:schemeClr val="accent1"/>
+          </a:effectRef>
+          <a:fontRef idx="minor">
+            <a:schemeClr val="lt1"/>
+          </a:fontRef>
+        </p:style>
+        <p:txBody>
+          <a:bodyPr rtlCol="0" anchor="ctr"/>
+          <a:lstStyle/>
+          <a:p>
+            <a:pPr algn="ctr"/>
+            <a:endParaRPr lang="en-GB"/>
+          </a:p>
+        </p:txBody>
+      </p:sp>
+      <p:sp>
+        <p:nvSpPr>
+          <p:cNvPr id="87" name="Rectangle 86">
+            <a:extLst>
+              <a:ext uri="{FF2B5EF4-FFF2-40B4-BE49-F238E27FC236}">
+                <a16:creationId xmlns:a16="http://schemas.microsoft.com/office/drawing/2014/main" id="{00DD0895-4F5D-43F3-AAB4-21D16DC850EE}"/>
+              </a:ext>
+            </a:extLst>
+          </p:cNvPr>
+          <p:cNvSpPr/>
+          <p:nvPr/>
+        </p:nvSpPr>
+        <p:spPr>
+          <a:xfrm>
+            <a:off x="5520020" y="2738874"/>
+            <a:ext cx="483577" cy="461665"/>
+          </a:xfrm>
+          <a:prstGeom prst="rect">
+            <a:avLst/>
+          </a:prstGeom>
+          <a:solidFill>
+            <a:schemeClr val="accent6">
+              <a:lumMod val="75000"/>
+            </a:schemeClr>
+          </a:solidFill>
+        </p:spPr>
+        <p:style>
+          <a:lnRef idx="2">
+            <a:schemeClr val="accent1">
+              <a:shade val="50000"/>
+            </a:schemeClr>
+          </a:lnRef>
+          <a:fillRef idx="1">
+            <a:schemeClr val="accent1"/>
+          </a:fillRef>
+          <a:effectRef idx="0">
+            <a:schemeClr val="accent1"/>
+          </a:effectRef>
+          <a:fontRef idx="minor">
+            <a:schemeClr val="lt1"/>
+          </a:fontRef>
+        </p:style>
+        <p:txBody>
+          <a:bodyPr rtlCol="0" anchor="ctr"/>
+          <a:lstStyle/>
+          <a:p>
+            <a:pPr algn="ctr"/>
+            <a:endParaRPr lang="en-GB"/>
+          </a:p>
+        </p:txBody>
+      </p:sp>
+      <p:sp>
+        <p:nvSpPr>
+          <p:cNvPr id="89" name="Rectangle 88">
+            <a:extLst>
+              <a:ext uri="{FF2B5EF4-FFF2-40B4-BE49-F238E27FC236}">
+                <a16:creationId xmlns:a16="http://schemas.microsoft.com/office/drawing/2014/main" id="{8ABE7218-DADF-4C43-A0F2-A5C10087F9D4}"/>
+              </a:ext>
+            </a:extLst>
+          </p:cNvPr>
+          <p:cNvSpPr/>
+          <p:nvPr/>
+        </p:nvSpPr>
+        <p:spPr>
+          <a:xfrm>
+            <a:off x="6030448" y="2277209"/>
+            <a:ext cx="483577" cy="461665"/>
+          </a:xfrm>
+          <a:prstGeom prst="rect">
+            <a:avLst/>
+          </a:prstGeom>
+          <a:solidFill>
+            <a:schemeClr val="accent6">
+              <a:lumMod val="60000"/>
+              <a:lumOff val="40000"/>
+            </a:schemeClr>
+          </a:solidFill>
+        </p:spPr>
+        <p:style>
+          <a:lnRef idx="2">
+            <a:schemeClr val="accent1">
+              <a:shade val="50000"/>
+            </a:schemeClr>
+          </a:lnRef>
+          <a:fillRef idx="1">
+            <a:schemeClr val="accent1"/>
+          </a:fillRef>
+          <a:effectRef idx="0">
+            <a:schemeClr val="accent1"/>
+          </a:effectRef>
+          <a:fontRef idx="minor">
+            <a:schemeClr val="lt1"/>
+          </a:fontRef>
+        </p:style>
+        <p:txBody>
+          <a:bodyPr rtlCol="0" anchor="ctr"/>
+          <a:lstStyle/>
+          <a:p>
+            <a:pPr algn="ctr"/>
+            <a:endParaRPr lang="en-GB"/>
+          </a:p>
+        </p:txBody>
+      </p:sp>
+      <p:sp>
+        <p:nvSpPr>
+          <p:cNvPr id="90" name="Rectangle 89">
+            <a:extLst>
+              <a:ext uri="{FF2B5EF4-FFF2-40B4-BE49-F238E27FC236}">
+                <a16:creationId xmlns:a16="http://schemas.microsoft.com/office/drawing/2014/main" id="{01DEF27C-D1E8-4599-A887-80CB537D4C27}"/>
+              </a:ext>
+            </a:extLst>
+          </p:cNvPr>
+          <p:cNvSpPr/>
+          <p:nvPr/>
+        </p:nvSpPr>
+        <p:spPr>
+          <a:xfrm>
+            <a:off x="6030448" y="2738874"/>
+            <a:ext cx="483577" cy="461665"/>
+          </a:xfrm>
+          <a:prstGeom prst="rect">
+            <a:avLst/>
+          </a:prstGeom>
+          <a:solidFill>
+            <a:schemeClr val="accent6">
+              <a:lumMod val="75000"/>
+            </a:schemeClr>
+          </a:solidFill>
+        </p:spPr>
+        <p:style>
+          <a:lnRef idx="2">
+            <a:schemeClr val="accent1">
+              <a:shade val="50000"/>
+            </a:schemeClr>
+          </a:lnRef>
+          <a:fillRef idx="1">
+            <a:schemeClr val="accent1"/>
+          </a:fillRef>
+          <a:effectRef idx="0">
+            <a:schemeClr val="accent1"/>
+          </a:effectRef>
+          <a:fontRef idx="minor">
+            <a:schemeClr val="lt1"/>
+          </a:fontRef>
+        </p:style>
+        <p:txBody>
+          <a:bodyPr rtlCol="0" anchor="ctr"/>
+          <a:lstStyle/>
+          <a:p>
+            <a:pPr algn="ctr"/>
+            <a:endParaRPr lang="en-GB"/>
+          </a:p>
+        </p:txBody>
+      </p:sp>
+      <p:sp>
+        <p:nvSpPr>
+          <p:cNvPr id="92" name="Rectangle 91">
+            <a:extLst>
+              <a:ext uri="{FF2B5EF4-FFF2-40B4-BE49-F238E27FC236}">
+                <a16:creationId xmlns:a16="http://schemas.microsoft.com/office/drawing/2014/main" id="{C880895A-B6A5-498A-A0F5-35727C2C6514}"/>
+              </a:ext>
+            </a:extLst>
+          </p:cNvPr>
+          <p:cNvSpPr/>
+          <p:nvPr/>
+        </p:nvSpPr>
+        <p:spPr>
+          <a:xfrm>
+            <a:off x="6540876" y="2277209"/>
+            <a:ext cx="483577" cy="461665"/>
+          </a:xfrm>
+          <a:prstGeom prst="rect">
+            <a:avLst/>
+          </a:prstGeom>
+          <a:solidFill>
+            <a:schemeClr val="accent6">
+              <a:lumMod val="60000"/>
+              <a:lumOff val="40000"/>
+            </a:schemeClr>
+          </a:solidFill>
+        </p:spPr>
+        <p:style>
+          <a:lnRef idx="2">
+            <a:schemeClr val="accent1">
+              <a:shade val="50000"/>
+            </a:schemeClr>
+          </a:lnRef>
+          <a:fillRef idx="1">
+            <a:schemeClr val="accent1"/>
+          </a:fillRef>
+          <a:effectRef idx="0">
+            <a:schemeClr val="accent1"/>
+          </a:effectRef>
+          <a:fontRef idx="minor">
+            <a:schemeClr val="lt1"/>
+          </a:fontRef>
+        </p:style>
+        <p:txBody>
+          <a:bodyPr rtlCol="0" anchor="ctr"/>
+          <a:lstStyle/>
+          <a:p>
+            <a:pPr algn="ctr"/>
+            <a:endParaRPr lang="en-GB"/>
+          </a:p>
+        </p:txBody>
+      </p:sp>
+      <p:sp>
+        <p:nvSpPr>
+          <p:cNvPr id="93" name="Rectangle 92">
+            <a:extLst>
+              <a:ext uri="{FF2B5EF4-FFF2-40B4-BE49-F238E27FC236}">
+                <a16:creationId xmlns:a16="http://schemas.microsoft.com/office/drawing/2014/main" id="{3EB03234-A890-4E93-8A6D-A6733CE954D7}"/>
+              </a:ext>
+            </a:extLst>
+          </p:cNvPr>
+          <p:cNvSpPr/>
+          <p:nvPr/>
+        </p:nvSpPr>
+        <p:spPr>
+          <a:xfrm>
+            <a:off x="6540876" y="2738874"/>
+            <a:ext cx="483577" cy="461665"/>
+          </a:xfrm>
+          <a:prstGeom prst="rect">
+            <a:avLst/>
+          </a:prstGeom>
+          <a:solidFill>
+            <a:schemeClr val="accent6">
+              <a:lumMod val="75000"/>
+            </a:schemeClr>
+          </a:solidFill>
+        </p:spPr>
+        <p:style>
+          <a:lnRef idx="2">
+            <a:schemeClr val="accent1">
+              <a:shade val="50000"/>
+            </a:schemeClr>
+          </a:lnRef>
+          <a:fillRef idx="1">
+            <a:schemeClr val="accent1"/>
+          </a:fillRef>
+          <a:effectRef idx="0">
+            <a:schemeClr val="accent1"/>
+          </a:effectRef>
+          <a:fontRef idx="minor">
+            <a:schemeClr val="lt1"/>
+          </a:fontRef>
+        </p:style>
+        <p:txBody>
+          <a:bodyPr rtlCol="0" anchor="ctr"/>
+          <a:lstStyle/>
+          <a:p>
+            <a:pPr algn="ctr"/>
+            <a:endParaRPr lang="en-GB"/>
+          </a:p>
+        </p:txBody>
+      </p:sp>
+      <p:sp>
+        <p:nvSpPr>
+          <p:cNvPr id="95" name="Rectangle 94">
+            <a:extLst>
+              <a:ext uri="{FF2B5EF4-FFF2-40B4-BE49-F238E27FC236}">
+                <a16:creationId xmlns:a16="http://schemas.microsoft.com/office/drawing/2014/main" id="{97100DA1-E118-4937-B909-4F118BB4AF08}"/>
+              </a:ext>
+            </a:extLst>
+          </p:cNvPr>
+          <p:cNvSpPr/>
+          <p:nvPr/>
+        </p:nvSpPr>
+        <p:spPr>
+          <a:xfrm>
+            <a:off x="7051304" y="2277209"/>
+            <a:ext cx="483577" cy="461665"/>
+          </a:xfrm>
+          <a:prstGeom prst="rect">
+            <a:avLst/>
+          </a:prstGeom>
+          <a:solidFill>
+            <a:schemeClr val="accent6">
+              <a:lumMod val="60000"/>
+              <a:lumOff val="40000"/>
+            </a:schemeClr>
+          </a:solidFill>
+        </p:spPr>
+        <p:style>
+          <a:lnRef idx="2">
+            <a:schemeClr val="accent1">
+              <a:shade val="50000"/>
+            </a:schemeClr>
+          </a:lnRef>
+          <a:fillRef idx="1">
+            <a:schemeClr val="accent1"/>
+          </a:fillRef>
+          <a:effectRef idx="0">
+            <a:schemeClr val="accent1"/>
+          </a:effectRef>
+          <a:fontRef idx="minor">
+            <a:schemeClr val="lt1"/>
+          </a:fontRef>
+        </p:style>
+        <p:txBody>
+          <a:bodyPr rtlCol="0" anchor="ctr"/>
+          <a:lstStyle/>
+          <a:p>
+            <a:pPr algn="ctr"/>
+            <a:endParaRPr lang="en-GB"/>
+          </a:p>
+        </p:txBody>
+      </p:sp>
+      <p:sp>
+        <p:nvSpPr>
+          <p:cNvPr id="96" name="Rectangle 95">
+            <a:extLst>
+              <a:ext uri="{FF2B5EF4-FFF2-40B4-BE49-F238E27FC236}">
+                <a16:creationId xmlns:a16="http://schemas.microsoft.com/office/drawing/2014/main" id="{AE6E58DF-EFB3-42EA-9F73-994E58E99182}"/>
+              </a:ext>
+            </a:extLst>
+          </p:cNvPr>
+          <p:cNvSpPr/>
+          <p:nvPr/>
+        </p:nvSpPr>
+        <p:spPr>
+          <a:xfrm>
+            <a:off x="7051304" y="2738874"/>
+            <a:ext cx="483577" cy="461665"/>
+          </a:xfrm>
+          <a:prstGeom prst="rect">
+            <a:avLst/>
+          </a:prstGeom>
+          <a:solidFill>
+            <a:schemeClr val="accent6">
+              <a:lumMod val="75000"/>
+            </a:schemeClr>
+          </a:solidFill>
+        </p:spPr>
+        <p:style>
+          <a:lnRef idx="2">
+            <a:schemeClr val="accent1">
+              <a:shade val="50000"/>
+            </a:schemeClr>
+          </a:lnRef>
+          <a:fillRef idx="1">
+            <a:schemeClr val="accent1"/>
+          </a:fillRef>
+          <a:effectRef idx="0">
+            <a:schemeClr val="accent1"/>
+          </a:effectRef>
+          <a:fontRef idx="minor">
+            <a:schemeClr val="lt1"/>
+          </a:fontRef>
+        </p:style>
+        <p:txBody>
+          <a:bodyPr rtlCol="0" anchor="ctr"/>
+          <a:lstStyle/>
+          <a:p>
+            <a:pPr algn="ctr"/>
+            <a:endParaRPr lang="en-GB"/>
+          </a:p>
+        </p:txBody>
+      </p:sp>
+      <p:sp>
+        <p:nvSpPr>
+          <p:cNvPr id="98" name="Rectangle 97">
+            <a:extLst>
+              <a:ext uri="{FF2B5EF4-FFF2-40B4-BE49-F238E27FC236}">
+                <a16:creationId xmlns:a16="http://schemas.microsoft.com/office/drawing/2014/main" id="{2FD4FFBA-AF67-405D-9E48-C91DFD75D10B}"/>
+              </a:ext>
+            </a:extLst>
+          </p:cNvPr>
+          <p:cNvSpPr/>
+          <p:nvPr/>
+        </p:nvSpPr>
+        <p:spPr>
+          <a:xfrm>
+            <a:off x="7561732" y="2277209"/>
+            <a:ext cx="483577" cy="461665"/>
+          </a:xfrm>
+          <a:prstGeom prst="rect">
+            <a:avLst/>
+          </a:prstGeom>
+          <a:solidFill>
+            <a:schemeClr val="accent6">
+              <a:lumMod val="60000"/>
+              <a:lumOff val="40000"/>
+            </a:schemeClr>
+          </a:solidFill>
+        </p:spPr>
+        <p:style>
+          <a:lnRef idx="2">
+            <a:schemeClr val="accent1">
+              <a:shade val="50000"/>
+            </a:schemeClr>
+          </a:lnRef>
+          <a:fillRef idx="1">
+            <a:schemeClr val="accent1"/>
+          </a:fillRef>
+          <a:effectRef idx="0">
+            <a:schemeClr val="accent1"/>
+          </a:effectRef>
+          <a:fontRef idx="minor">
+            <a:schemeClr val="lt1"/>
+          </a:fontRef>
+        </p:style>
+        <p:txBody>
+          <a:bodyPr rtlCol="0" anchor="ctr"/>
+          <a:lstStyle/>
+          <a:p>
+            <a:pPr algn="ctr"/>
+            <a:endParaRPr lang="en-GB"/>
+          </a:p>
+        </p:txBody>
+      </p:sp>
+      <p:sp>
+        <p:nvSpPr>
+          <p:cNvPr id="99" name="Rectangle 98">
+            <a:extLst>
+              <a:ext uri="{FF2B5EF4-FFF2-40B4-BE49-F238E27FC236}">
+                <a16:creationId xmlns:a16="http://schemas.microsoft.com/office/drawing/2014/main" id="{1FFF5589-8088-48C7-8E53-CC6448ACE929}"/>
+              </a:ext>
+            </a:extLst>
+          </p:cNvPr>
+          <p:cNvSpPr/>
+          <p:nvPr/>
+        </p:nvSpPr>
+        <p:spPr>
+          <a:xfrm>
+            <a:off x="7561732" y="2738874"/>
+            <a:ext cx="483577" cy="461665"/>
+          </a:xfrm>
+          <a:prstGeom prst="rect">
+            <a:avLst/>
+          </a:prstGeom>
+          <a:solidFill>
+            <a:schemeClr val="accent6">
+              <a:lumMod val="75000"/>
+            </a:schemeClr>
+          </a:solidFill>
+        </p:spPr>
+        <p:style>
+          <a:lnRef idx="2">
+            <a:schemeClr val="accent1">
+              <a:shade val="50000"/>
+            </a:schemeClr>
+          </a:lnRef>
+          <a:fillRef idx="1">
+            <a:schemeClr val="accent1"/>
+          </a:fillRef>
+          <a:effectRef idx="0">
+            <a:schemeClr val="accent1"/>
+          </a:effectRef>
+          <a:fontRef idx="minor">
+            <a:schemeClr val="lt1"/>
+          </a:fontRef>
+        </p:style>
+        <p:txBody>
+          <a:bodyPr rtlCol="0" anchor="ctr"/>
+          <a:lstStyle/>
+          <a:p>
+            <a:pPr algn="ctr"/>
+            <a:endParaRPr lang="en-GB"/>
+          </a:p>
+        </p:txBody>
+      </p:sp>
+      <p:sp>
+        <p:nvSpPr>
+          <p:cNvPr id="101" name="Rectangle 100">
+            <a:extLst>
+              <a:ext uri="{FF2B5EF4-FFF2-40B4-BE49-F238E27FC236}">
+                <a16:creationId xmlns:a16="http://schemas.microsoft.com/office/drawing/2014/main" id="{56EBD5DD-06CA-43A2-8973-4C7699E7EE12}"/>
+              </a:ext>
+            </a:extLst>
+          </p:cNvPr>
+          <p:cNvSpPr/>
+          <p:nvPr/>
+        </p:nvSpPr>
+        <p:spPr>
+          <a:xfrm>
+            <a:off x="8072160" y="2277209"/>
+            <a:ext cx="483577" cy="461665"/>
+          </a:xfrm>
+          <a:prstGeom prst="rect">
+            <a:avLst/>
+          </a:prstGeom>
+          <a:solidFill>
+            <a:schemeClr val="accent6">
+              <a:lumMod val="60000"/>
+              <a:lumOff val="40000"/>
+            </a:schemeClr>
+          </a:solidFill>
+        </p:spPr>
+        <p:style>
+          <a:lnRef idx="2">
+            <a:schemeClr val="accent1">
+              <a:shade val="50000"/>
+            </a:schemeClr>
+          </a:lnRef>
+          <a:fillRef idx="1">
+            <a:schemeClr val="accent1"/>
+          </a:fillRef>
+          <a:effectRef idx="0">
+            <a:schemeClr val="accent1"/>
+          </a:effectRef>
+          <a:fontRef idx="minor">
+            <a:schemeClr val="lt1"/>
+          </a:fontRef>
+        </p:style>
+        <p:txBody>
+          <a:bodyPr rtlCol="0" anchor="ctr"/>
+          <a:lstStyle/>
+          <a:p>
+            <a:pPr algn="ctr"/>
+            <a:endParaRPr lang="en-GB"/>
+          </a:p>
+        </p:txBody>
+      </p:sp>
+      <p:sp>
+        <p:nvSpPr>
+          <p:cNvPr id="102" name="Rectangle 101">
+            <a:extLst>
+              <a:ext uri="{FF2B5EF4-FFF2-40B4-BE49-F238E27FC236}">
+                <a16:creationId xmlns:a16="http://schemas.microsoft.com/office/drawing/2014/main" id="{6983935F-C07A-4BDB-AE11-492009F7FBB8}"/>
+              </a:ext>
+            </a:extLst>
+          </p:cNvPr>
+          <p:cNvSpPr/>
+          <p:nvPr/>
+        </p:nvSpPr>
+        <p:spPr>
+          <a:xfrm>
+            <a:off x="8072160" y="2738874"/>
+            <a:ext cx="483577" cy="461665"/>
+          </a:xfrm>
+          <a:prstGeom prst="rect">
+            <a:avLst/>
+          </a:prstGeom>
+          <a:solidFill>
+            <a:schemeClr val="accent6">
+              <a:lumMod val="75000"/>
+            </a:schemeClr>
+          </a:solidFill>
+        </p:spPr>
+        <p:style>
+          <a:lnRef idx="2">
+            <a:schemeClr val="accent1">
+              <a:shade val="50000"/>
+            </a:schemeClr>
+          </a:lnRef>
+          <a:fillRef idx="1">
+            <a:schemeClr val="accent1"/>
+          </a:fillRef>
+          <a:effectRef idx="0">
+            <a:schemeClr val="accent1"/>
+          </a:effectRef>
+          <a:fontRef idx="minor">
+            <a:schemeClr val="lt1"/>
+          </a:fontRef>
+        </p:style>
+        <p:txBody>
+          <a:bodyPr rtlCol="0" anchor="ctr"/>
+          <a:lstStyle/>
+          <a:p>
+            <a:pPr algn="ctr"/>
+            <a:endParaRPr lang="en-GB"/>
+          </a:p>
+        </p:txBody>
+      </p:sp>
+      <p:sp>
+        <p:nvSpPr>
+          <p:cNvPr id="104" name="Rectangle 103">
+            <a:extLst>
+              <a:ext uri="{FF2B5EF4-FFF2-40B4-BE49-F238E27FC236}">
+                <a16:creationId xmlns:a16="http://schemas.microsoft.com/office/drawing/2014/main" id="{35CB2E4D-444F-49CE-AC5B-BE2B162F49A8}"/>
+              </a:ext>
+            </a:extLst>
+          </p:cNvPr>
+          <p:cNvSpPr/>
+          <p:nvPr/>
+        </p:nvSpPr>
+        <p:spPr>
+          <a:xfrm>
+            <a:off x="8582588" y="2277209"/>
+            <a:ext cx="483577" cy="461665"/>
+          </a:xfrm>
+          <a:prstGeom prst="rect">
+            <a:avLst/>
+          </a:prstGeom>
+          <a:solidFill>
+            <a:schemeClr val="accent6">
+              <a:lumMod val="60000"/>
+              <a:lumOff val="40000"/>
+            </a:schemeClr>
+          </a:solidFill>
+        </p:spPr>
+        <p:style>
+          <a:lnRef idx="2">
+            <a:schemeClr val="accent1">
+              <a:shade val="50000"/>
+            </a:schemeClr>
+          </a:lnRef>
+          <a:fillRef idx="1">
+            <a:schemeClr val="accent1"/>
+          </a:fillRef>
+          <a:effectRef idx="0">
+            <a:schemeClr val="accent1"/>
+          </a:effectRef>
+          <a:fontRef idx="minor">
+            <a:schemeClr val="lt1"/>
+          </a:fontRef>
+        </p:style>
+        <p:txBody>
+          <a:bodyPr rtlCol="0" anchor="ctr"/>
+          <a:lstStyle/>
+          <a:p>
+            <a:pPr algn="ctr"/>
+            <a:endParaRPr lang="en-GB"/>
+          </a:p>
+        </p:txBody>
+      </p:sp>
+      <p:sp>
+        <p:nvSpPr>
+          <p:cNvPr id="105" name="Rectangle 104">
+            <a:extLst>
+              <a:ext uri="{FF2B5EF4-FFF2-40B4-BE49-F238E27FC236}">
+                <a16:creationId xmlns:a16="http://schemas.microsoft.com/office/drawing/2014/main" id="{7E17953F-03B0-4346-A774-BCEA65AE2A45}"/>
+              </a:ext>
+            </a:extLst>
+          </p:cNvPr>
+          <p:cNvSpPr/>
+          <p:nvPr/>
+        </p:nvSpPr>
+        <p:spPr>
+          <a:xfrm>
+            <a:off x="8582588" y="2738874"/>
+            <a:ext cx="483577" cy="461665"/>
+          </a:xfrm>
+          <a:prstGeom prst="rect">
+            <a:avLst/>
+          </a:prstGeom>
+          <a:solidFill>
+            <a:schemeClr val="accent6">
+              <a:lumMod val="75000"/>
+            </a:schemeClr>
+          </a:solidFill>
+        </p:spPr>
+        <p:style>
+          <a:lnRef idx="2">
+            <a:schemeClr val="accent1">
+              <a:shade val="50000"/>
+            </a:schemeClr>
+          </a:lnRef>
+          <a:fillRef idx="1">
+            <a:schemeClr val="accent1"/>
+          </a:fillRef>
+          <a:effectRef idx="0">
+            <a:schemeClr val="accent1"/>
+          </a:effectRef>
+          <a:fontRef idx="minor">
+            <a:schemeClr val="lt1"/>
+          </a:fontRef>
+        </p:style>
+        <p:txBody>
+          <a:bodyPr rtlCol="0" anchor="ctr"/>
+          <a:lstStyle/>
+          <a:p>
+            <a:pPr algn="ctr"/>
+            <a:endParaRPr lang="en-GB"/>
+          </a:p>
+        </p:txBody>
+      </p:sp>
+      <p:sp>
+        <p:nvSpPr>
+          <p:cNvPr id="107" name="Rectangle 106">
+            <a:extLst>
+              <a:ext uri="{FF2B5EF4-FFF2-40B4-BE49-F238E27FC236}">
+                <a16:creationId xmlns:a16="http://schemas.microsoft.com/office/drawing/2014/main" id="{2A462202-987D-4F83-9638-C76E62A60418}"/>
+              </a:ext>
+            </a:extLst>
+          </p:cNvPr>
+          <p:cNvSpPr/>
+          <p:nvPr/>
+        </p:nvSpPr>
+        <p:spPr>
+          <a:xfrm>
+            <a:off x="9093016" y="2277209"/>
+            <a:ext cx="483577" cy="461665"/>
+          </a:xfrm>
+          <a:prstGeom prst="rect">
+            <a:avLst/>
+          </a:prstGeom>
+          <a:solidFill>
+            <a:schemeClr val="accent6">
+              <a:lumMod val="60000"/>
+              <a:lumOff val="40000"/>
+            </a:schemeClr>
+          </a:solidFill>
+        </p:spPr>
+        <p:style>
+          <a:lnRef idx="2">
+            <a:schemeClr val="accent1">
+              <a:shade val="50000"/>
+            </a:schemeClr>
+          </a:lnRef>
+          <a:fillRef idx="1">
+            <a:schemeClr val="accent1"/>
+          </a:fillRef>
+          <a:effectRef idx="0">
+            <a:schemeClr val="accent1"/>
+          </a:effectRef>
+          <a:fontRef idx="minor">
+            <a:schemeClr val="lt1"/>
+          </a:fontRef>
+        </p:style>
+        <p:txBody>
+          <a:bodyPr rtlCol="0" anchor="ctr"/>
+          <a:lstStyle/>
+          <a:p>
+            <a:pPr algn="ctr"/>
+            <a:endParaRPr lang="en-GB"/>
+          </a:p>
+        </p:txBody>
+      </p:sp>
+      <p:sp>
+        <p:nvSpPr>
+          <p:cNvPr id="108" name="Rectangle 107">
+            <a:extLst>
+              <a:ext uri="{FF2B5EF4-FFF2-40B4-BE49-F238E27FC236}">
+                <a16:creationId xmlns:a16="http://schemas.microsoft.com/office/drawing/2014/main" id="{B60A0148-13EA-4B56-8431-8A64277B0746}"/>
+              </a:ext>
+            </a:extLst>
+          </p:cNvPr>
+          <p:cNvSpPr/>
+          <p:nvPr/>
+        </p:nvSpPr>
+        <p:spPr>
+          <a:xfrm>
+            <a:off x="9093016" y="2738874"/>
+            <a:ext cx="483577" cy="461665"/>
+          </a:xfrm>
+          <a:prstGeom prst="rect">
+            <a:avLst/>
+          </a:prstGeom>
+          <a:solidFill>
+            <a:schemeClr val="accent6">
+              <a:lumMod val="75000"/>
+            </a:schemeClr>
+          </a:solidFill>
+        </p:spPr>
+        <p:style>
+          <a:lnRef idx="2">
+            <a:schemeClr val="accent1">
+              <a:shade val="50000"/>
+            </a:schemeClr>
+          </a:lnRef>
+          <a:fillRef idx="1">
+            <a:schemeClr val="accent1"/>
+          </a:fillRef>
+          <a:effectRef idx="0">
+            <a:schemeClr val="accent1"/>
+          </a:effectRef>
+          <a:fontRef idx="minor">
+            <a:schemeClr val="lt1"/>
+          </a:fontRef>
+        </p:style>
+        <p:txBody>
+          <a:bodyPr rtlCol="0" anchor="ctr"/>
+          <a:lstStyle/>
+          <a:p>
+            <a:pPr algn="ctr"/>
+            <a:endParaRPr lang="en-GB"/>
+          </a:p>
+        </p:txBody>
+      </p:sp>
+      <p:sp>
+        <p:nvSpPr>
+          <p:cNvPr id="110" name="Rectangle 109">
+            <a:extLst>
+              <a:ext uri="{FF2B5EF4-FFF2-40B4-BE49-F238E27FC236}">
+                <a16:creationId xmlns:a16="http://schemas.microsoft.com/office/drawing/2014/main" id="{0467851E-D0D7-4958-BC23-00D1F5119A36}"/>
+              </a:ext>
+            </a:extLst>
+          </p:cNvPr>
+          <p:cNvSpPr/>
+          <p:nvPr/>
+        </p:nvSpPr>
+        <p:spPr>
+          <a:xfrm>
+            <a:off x="9603444" y="2277209"/>
+            <a:ext cx="483577" cy="461665"/>
+          </a:xfrm>
+          <a:prstGeom prst="rect">
+            <a:avLst/>
+          </a:prstGeom>
+          <a:solidFill>
+            <a:schemeClr val="accent6">
+              <a:lumMod val="60000"/>
+              <a:lumOff val="40000"/>
+            </a:schemeClr>
+          </a:solidFill>
+        </p:spPr>
+        <p:style>
+          <a:lnRef idx="2">
+            <a:schemeClr val="accent1">
+              <a:shade val="50000"/>
+            </a:schemeClr>
+          </a:lnRef>
+          <a:fillRef idx="1">
+            <a:schemeClr val="accent1"/>
+          </a:fillRef>
+          <a:effectRef idx="0">
+            <a:schemeClr val="accent1"/>
+          </a:effectRef>
+          <a:fontRef idx="minor">
+            <a:schemeClr val="lt1"/>
+          </a:fontRef>
+        </p:style>
+        <p:txBody>
+          <a:bodyPr rtlCol="0" anchor="ctr"/>
+          <a:lstStyle/>
+          <a:p>
+            <a:pPr algn="ctr"/>
+            <a:endParaRPr lang="en-GB"/>
+          </a:p>
+        </p:txBody>
+      </p:sp>
+      <p:sp>
+        <p:nvSpPr>
+          <p:cNvPr id="111" name="Rectangle 110">
+            <a:extLst>
+              <a:ext uri="{FF2B5EF4-FFF2-40B4-BE49-F238E27FC236}">
+                <a16:creationId xmlns:a16="http://schemas.microsoft.com/office/drawing/2014/main" id="{D50F37C2-12E7-4071-95C6-AC233E28552C}"/>
+              </a:ext>
+            </a:extLst>
+          </p:cNvPr>
+          <p:cNvSpPr/>
+          <p:nvPr/>
+        </p:nvSpPr>
+        <p:spPr>
+          <a:xfrm>
+            <a:off x="9603444" y="2738874"/>
+            <a:ext cx="483577" cy="461665"/>
+          </a:xfrm>
+          <a:prstGeom prst="rect">
+            <a:avLst/>
+          </a:prstGeom>
+          <a:solidFill>
+            <a:schemeClr val="accent6">
+              <a:lumMod val="75000"/>
+            </a:schemeClr>
+          </a:solidFill>
+        </p:spPr>
+        <p:style>
+          <a:lnRef idx="2">
+            <a:schemeClr val="accent1">
+              <a:shade val="50000"/>
+            </a:schemeClr>
+          </a:lnRef>
+          <a:fillRef idx="1">
+            <a:schemeClr val="accent1"/>
+          </a:fillRef>
+          <a:effectRef idx="0">
+            <a:schemeClr val="accent1"/>
+          </a:effectRef>
+          <a:fontRef idx="minor">
+            <a:schemeClr val="lt1"/>
+          </a:fontRef>
+        </p:style>
+        <p:txBody>
+          <a:bodyPr rtlCol="0" anchor="ctr"/>
+          <a:lstStyle/>
+          <a:p>
+            <a:pPr algn="ctr"/>
+            <a:endParaRPr lang="en-GB"/>
+          </a:p>
+        </p:txBody>
+      </p:sp>
+      <p:sp>
+        <p:nvSpPr>
+          <p:cNvPr id="113" name="Rectangle 112">
+            <a:extLst>
+              <a:ext uri="{FF2B5EF4-FFF2-40B4-BE49-F238E27FC236}">
+                <a16:creationId xmlns:a16="http://schemas.microsoft.com/office/drawing/2014/main" id="{F8EAD7F2-2AB1-49D2-9A9B-49D09930636A}"/>
+              </a:ext>
+            </a:extLst>
+          </p:cNvPr>
+          <p:cNvSpPr/>
+          <p:nvPr/>
+        </p:nvSpPr>
+        <p:spPr>
+          <a:xfrm>
+            <a:off x="10113872" y="2277209"/>
+            <a:ext cx="483577" cy="461665"/>
+          </a:xfrm>
+          <a:prstGeom prst="rect">
+            <a:avLst/>
+          </a:prstGeom>
+          <a:solidFill>
+            <a:schemeClr val="accent6">
+              <a:lumMod val="60000"/>
+              <a:lumOff val="40000"/>
+            </a:schemeClr>
+          </a:solidFill>
+        </p:spPr>
+        <p:style>
+          <a:lnRef idx="2">
+            <a:schemeClr val="accent1">
+              <a:shade val="50000"/>
+            </a:schemeClr>
+          </a:lnRef>
+          <a:fillRef idx="1">
+            <a:schemeClr val="accent1"/>
+          </a:fillRef>
+          <a:effectRef idx="0">
+            <a:schemeClr val="accent1"/>
+          </a:effectRef>
+          <a:fontRef idx="minor">
+            <a:schemeClr val="lt1"/>
+          </a:fontRef>
+        </p:style>
+        <p:txBody>
+          <a:bodyPr rtlCol="0" anchor="ctr"/>
+          <a:lstStyle/>
+          <a:p>
+            <a:pPr algn="ctr"/>
+            <a:endParaRPr lang="en-GB"/>
+          </a:p>
+        </p:txBody>
+      </p:sp>
+      <p:sp>
+        <p:nvSpPr>
+          <p:cNvPr id="114" name="Rectangle 113">
+            <a:extLst>
+              <a:ext uri="{FF2B5EF4-FFF2-40B4-BE49-F238E27FC236}">
+                <a16:creationId xmlns:a16="http://schemas.microsoft.com/office/drawing/2014/main" id="{C8E321B4-4C1D-4216-8242-DC175C29E1A9}"/>
+              </a:ext>
+            </a:extLst>
+          </p:cNvPr>
+          <p:cNvSpPr/>
+          <p:nvPr/>
+        </p:nvSpPr>
+        <p:spPr>
+          <a:xfrm>
+            <a:off x="10113872" y="2738874"/>
+            <a:ext cx="483577" cy="461665"/>
+          </a:xfrm>
+          <a:prstGeom prst="rect">
+            <a:avLst/>
+          </a:prstGeom>
+          <a:solidFill>
+            <a:schemeClr val="accent6">
+              <a:lumMod val="75000"/>
+            </a:schemeClr>
+          </a:solidFill>
+        </p:spPr>
+        <p:style>
+          <a:lnRef idx="2">
+            <a:schemeClr val="accent1">
+              <a:shade val="50000"/>
+            </a:schemeClr>
+          </a:lnRef>
+          <a:fillRef idx="1">
+            <a:schemeClr val="accent1"/>
+          </a:fillRef>
+          <a:effectRef idx="0">
+            <a:schemeClr val="accent1"/>
+          </a:effectRef>
+          <a:fontRef idx="minor">
+            <a:schemeClr val="lt1"/>
+          </a:fontRef>
+        </p:style>
+        <p:txBody>
+          <a:bodyPr rtlCol="0" anchor="ctr"/>
+          <a:lstStyle/>
+          <a:p>
+            <a:pPr algn="ctr"/>
+            <a:endParaRPr lang="en-GB"/>
+          </a:p>
+        </p:txBody>
+      </p:sp>
+      <p:sp>
+        <p:nvSpPr>
+          <p:cNvPr id="116" name="Rectangle 115">
+            <a:extLst>
+              <a:ext uri="{FF2B5EF4-FFF2-40B4-BE49-F238E27FC236}">
+                <a16:creationId xmlns:a16="http://schemas.microsoft.com/office/drawing/2014/main" id="{AEBCB2F3-2AE3-4F5E-899B-2E6069B370A1}"/>
+              </a:ext>
+            </a:extLst>
+          </p:cNvPr>
+          <p:cNvSpPr/>
+          <p:nvPr/>
+        </p:nvSpPr>
+        <p:spPr>
+          <a:xfrm>
+            <a:off x="10624301" y="2277209"/>
+            <a:ext cx="483577" cy="461665"/>
+          </a:xfrm>
+          <a:prstGeom prst="rect">
+            <a:avLst/>
+          </a:prstGeom>
+          <a:solidFill>
+            <a:schemeClr val="accent6">
+              <a:lumMod val="60000"/>
+              <a:lumOff val="40000"/>
+            </a:schemeClr>
+          </a:solidFill>
+        </p:spPr>
+        <p:style>
+          <a:lnRef idx="2">
+            <a:schemeClr val="accent1">
+              <a:shade val="50000"/>
+            </a:schemeClr>
+          </a:lnRef>
+          <a:fillRef idx="1">
+            <a:schemeClr val="accent1"/>
+          </a:fillRef>
+          <a:effectRef idx="0">
+            <a:schemeClr val="accent1"/>
+          </a:effectRef>
+          <a:fontRef idx="minor">
+            <a:schemeClr val="lt1"/>
+          </a:fontRef>
+        </p:style>
+        <p:txBody>
+          <a:bodyPr rtlCol="0" anchor="ctr"/>
+          <a:lstStyle/>
+          <a:p>
+            <a:pPr algn="ctr"/>
+            <a:endParaRPr lang="en-GB"/>
+          </a:p>
+        </p:txBody>
+      </p:sp>
+      <p:sp>
+        <p:nvSpPr>
+          <p:cNvPr id="117" name="Rectangle 116">
+            <a:extLst>
+              <a:ext uri="{FF2B5EF4-FFF2-40B4-BE49-F238E27FC236}">
+                <a16:creationId xmlns:a16="http://schemas.microsoft.com/office/drawing/2014/main" id="{2421C1F6-1D56-405F-86E8-D098CF26B96C}"/>
+              </a:ext>
+            </a:extLst>
+          </p:cNvPr>
+          <p:cNvSpPr/>
+          <p:nvPr/>
+        </p:nvSpPr>
+        <p:spPr>
+          <a:xfrm>
+            <a:off x="10624301" y="2738874"/>
+            <a:ext cx="483577" cy="461665"/>
+          </a:xfrm>
+          <a:prstGeom prst="rect">
+            <a:avLst/>
+          </a:prstGeom>
+          <a:solidFill>
+            <a:schemeClr val="accent6">
+              <a:lumMod val="75000"/>
+            </a:schemeClr>
+          </a:solidFill>
+        </p:spPr>
+        <p:style>
+          <a:lnRef idx="2">
+            <a:schemeClr val="accent1">
+              <a:shade val="50000"/>
+            </a:schemeClr>
+          </a:lnRef>
+          <a:fillRef idx="1">
+            <a:schemeClr val="accent1"/>
+          </a:fillRef>
+          <a:effectRef idx="0">
+            <a:schemeClr val="accent1"/>
+          </a:effectRef>
+          <a:fontRef idx="minor">
+            <a:schemeClr val="lt1"/>
+          </a:fontRef>
+        </p:style>
+        <p:txBody>
+          <a:bodyPr rtlCol="0" anchor="ctr"/>
+          <a:lstStyle/>
+          <a:p>
+            <a:pPr algn="ctr"/>
+            <a:endParaRPr lang="en-GB"/>
+          </a:p>
+        </p:txBody>
+      </p:sp>
+      <p:sp>
+        <p:nvSpPr>
+          <p:cNvPr id="149" name="TextBox 148">
+            <a:extLst>
+              <a:ext uri="{FF2B5EF4-FFF2-40B4-BE49-F238E27FC236}">
+                <a16:creationId xmlns:a16="http://schemas.microsoft.com/office/drawing/2014/main" id="{F383D9BD-01D4-4BD7-92C8-A8722E41E7D0}"/>
+              </a:ext>
+            </a:extLst>
+          </p:cNvPr>
+          <p:cNvSpPr txBox="1"/>
+          <p:nvPr/>
+        </p:nvSpPr>
+        <p:spPr>
+          <a:xfrm>
+            <a:off x="1714500" y="1575498"/>
+            <a:ext cx="9671282" cy="461665"/>
+          </a:xfrm>
+          <a:prstGeom prst="rect">
+            <a:avLst/>
+          </a:prstGeom>
+          <a:noFill/>
+        </p:spPr>
+        <p:txBody>
+          <a:bodyPr wrap="square" rtlCol="0">
+            <a:spAutoFit/>
+          </a:bodyPr>
+          <a:lstStyle/>
+          <a:p>
+            <a:pPr algn="ctr"/>
+            <a:r>
+              <a:rPr lang="en-US" sz="2400" dirty="0"/>
+              <a:t>(sample)</a:t>
+            </a:r>
+          </a:p>
+        </p:txBody>
+      </p:sp>
+      <p:sp>
+        <p:nvSpPr>
+          <p:cNvPr id="150" name="TextBox 149">
+            <a:extLst>
+              <a:ext uri="{FF2B5EF4-FFF2-40B4-BE49-F238E27FC236}">
+                <a16:creationId xmlns:a16="http://schemas.microsoft.com/office/drawing/2014/main" id="{850C066A-EA82-4049-B39C-2492ABDEDD7E}"/>
+              </a:ext>
+            </a:extLst>
+          </p:cNvPr>
+          <p:cNvSpPr txBox="1"/>
+          <p:nvPr/>
+        </p:nvSpPr>
+        <p:spPr>
+          <a:xfrm>
+            <a:off x="10364925" y="744501"/>
+            <a:ext cx="1534319" cy="1200329"/>
+          </a:xfrm>
+          <a:prstGeom prst="rect">
+            <a:avLst/>
+          </a:prstGeom>
+          <a:noFill/>
+        </p:spPr>
+        <p:txBody>
+          <a:bodyPr wrap="square" rtlCol="0">
+            <a:spAutoFit/>
+          </a:bodyPr>
+          <a:lstStyle/>
+          <a:p>
+            <a:pPr algn="ctr"/>
+            <a:r>
+              <a:rPr lang="en-US" dirty="0"/>
+              <a:t>Attributes obtained from the same </a:t>
+            </a:r>
+            <a:r>
+              <a:rPr lang="en-US" b="1" dirty="0"/>
+              <a:t>individual</a:t>
+            </a:r>
+          </a:p>
+        </p:txBody>
+      </p:sp>
+      <p:sp>
+        <p:nvSpPr>
+          <p:cNvPr id="5" name="Rectangle: Rounded Corners 4">
+            <a:extLst>
+              <a:ext uri="{FF2B5EF4-FFF2-40B4-BE49-F238E27FC236}">
+                <a16:creationId xmlns:a16="http://schemas.microsoft.com/office/drawing/2014/main" id="{A57808D2-62D9-4A00-9BFA-560D894D15C2}"/>
+              </a:ext>
+            </a:extLst>
+          </p:cNvPr>
+          <p:cNvSpPr/>
+          <p:nvPr/>
+        </p:nvSpPr>
+        <p:spPr>
+          <a:xfrm>
+            <a:off x="1436596" y="4060877"/>
+            <a:ext cx="10184743" cy="537882"/>
+          </a:xfrm>
+          <a:prstGeom prst="roundRect">
+            <a:avLst/>
+          </a:prstGeom>
+        </p:spPr>
+        <p:style>
+          <a:lnRef idx="2">
+            <a:schemeClr val="accent1">
+              <a:shade val="50000"/>
+            </a:schemeClr>
+          </a:lnRef>
+          <a:fillRef idx="1">
+            <a:schemeClr val="accent1"/>
+          </a:fillRef>
+          <a:effectRef idx="0">
+            <a:schemeClr val="accent1"/>
+          </a:effectRef>
+          <a:fontRef idx="minor">
+            <a:schemeClr val="lt1"/>
+          </a:fontRef>
+        </p:style>
+        <p:txBody>
+          <a:bodyPr rtlCol="0" anchor="ctr"/>
+          <a:lstStyle/>
+          <a:p>
+            <a:pPr algn="ctr"/>
+            <a:r>
+              <a:rPr lang="en-GB" dirty="0"/>
+              <a:t>Sequential execution, process P1</a:t>
+            </a:r>
+          </a:p>
+        </p:txBody>
+      </p:sp>
+      <p:sp>
+        <p:nvSpPr>
+          <p:cNvPr id="152" name="Rectangle 151">
+            <a:extLst>
+              <a:ext uri="{FF2B5EF4-FFF2-40B4-BE49-F238E27FC236}">
+                <a16:creationId xmlns:a16="http://schemas.microsoft.com/office/drawing/2014/main" id="{46EC6EA2-FA52-43D5-A72B-9D0026D66AF6}"/>
+              </a:ext>
+            </a:extLst>
+          </p:cNvPr>
+          <p:cNvSpPr/>
+          <p:nvPr/>
+        </p:nvSpPr>
+        <p:spPr>
+          <a:xfrm>
+            <a:off x="11137763" y="2277208"/>
+            <a:ext cx="483577" cy="461665"/>
+          </a:xfrm>
+          <a:prstGeom prst="rect">
+            <a:avLst/>
+          </a:prstGeom>
+          <a:solidFill>
+            <a:schemeClr val="accent6">
+              <a:lumMod val="60000"/>
+              <a:lumOff val="40000"/>
+            </a:schemeClr>
+          </a:solidFill>
+        </p:spPr>
+        <p:style>
+          <a:lnRef idx="2">
+            <a:schemeClr val="accent1">
+              <a:shade val="50000"/>
+            </a:schemeClr>
+          </a:lnRef>
+          <a:fillRef idx="1">
+            <a:schemeClr val="accent1"/>
+          </a:fillRef>
+          <a:effectRef idx="0">
+            <a:schemeClr val="accent1"/>
+          </a:effectRef>
+          <a:fontRef idx="minor">
+            <a:schemeClr val="lt1"/>
+          </a:fontRef>
+        </p:style>
+        <p:txBody>
+          <a:bodyPr rtlCol="0" anchor="ctr"/>
+          <a:lstStyle/>
+          <a:p>
+            <a:pPr algn="ctr"/>
+            <a:endParaRPr lang="en-GB"/>
+          </a:p>
+        </p:txBody>
+      </p:sp>
+      <p:sp>
+        <p:nvSpPr>
+          <p:cNvPr id="153" name="Rectangle 152">
+            <a:extLst>
+              <a:ext uri="{FF2B5EF4-FFF2-40B4-BE49-F238E27FC236}">
+                <a16:creationId xmlns:a16="http://schemas.microsoft.com/office/drawing/2014/main" id="{091F4F09-02E2-4D55-9540-976E4A2D6022}"/>
+              </a:ext>
+            </a:extLst>
+          </p:cNvPr>
+          <p:cNvSpPr/>
+          <p:nvPr/>
+        </p:nvSpPr>
+        <p:spPr>
+          <a:xfrm>
+            <a:off x="11137763" y="2738873"/>
+            <a:ext cx="483577" cy="461665"/>
+          </a:xfrm>
+          <a:prstGeom prst="rect">
+            <a:avLst/>
+          </a:prstGeom>
+          <a:solidFill>
+            <a:schemeClr val="accent6">
+              <a:lumMod val="75000"/>
+            </a:schemeClr>
+          </a:solidFill>
+        </p:spPr>
+        <p:style>
+          <a:lnRef idx="2">
+            <a:schemeClr val="accent1">
+              <a:shade val="50000"/>
+            </a:schemeClr>
+          </a:lnRef>
+          <a:fillRef idx="1">
+            <a:schemeClr val="accent1"/>
+          </a:fillRef>
+          <a:effectRef idx="0">
+            <a:schemeClr val="accent1"/>
+          </a:effectRef>
+          <a:fontRef idx="minor">
+            <a:schemeClr val="lt1"/>
+          </a:fontRef>
+        </p:style>
+        <p:txBody>
+          <a:bodyPr rtlCol="0" anchor="ctr"/>
+          <a:lstStyle/>
+          <a:p>
+            <a:pPr algn="ctr"/>
+            <a:endParaRPr lang="en-GB"/>
+          </a:p>
+        </p:txBody>
+      </p:sp>
+      <mc:AlternateContent xmlns:mc="http://schemas.openxmlformats.org/markup-compatibility/2006" xmlns:p14="http://schemas.microsoft.com/office/powerpoint/2010/main">
+        <mc:Choice Requires="p14">
+          <p:contentPart p14:bwMode="auto" r:id="rId2">
+            <p14:nvContentPartPr>
+              <p14:cNvPr id="148" name="Ink 147">
+                <a:extLst>
+                  <a:ext uri="{FF2B5EF4-FFF2-40B4-BE49-F238E27FC236}">
+                    <a16:creationId xmlns:a16="http://schemas.microsoft.com/office/drawing/2014/main" id="{D74413D8-2F39-4536-8D5C-5C4EDB8A1E14}"/>
+                  </a:ext>
+                </a:extLst>
+              </p14:cNvPr>
+              <p14:cNvContentPartPr/>
+              <p14:nvPr/>
+            </p14:nvContentPartPr>
+            <p14:xfrm>
+              <a:off x="11157419" y="1930860"/>
+              <a:ext cx="483577" cy="1431360"/>
+            </p14:xfrm>
+          </p:contentPart>
+        </mc:Choice>
+        <mc:Fallback xmlns="">
+          <p:pic>
+            <p:nvPicPr>
+              <p:cNvPr id="148" name="Ink 147">
+                <a:extLst>
+                  <a:ext uri="{FF2B5EF4-FFF2-40B4-BE49-F238E27FC236}">
+                    <a16:creationId xmlns:a16="http://schemas.microsoft.com/office/drawing/2014/main" id="{D74413D8-2F39-4536-8D5C-5C4EDB8A1E14}"/>
+                  </a:ext>
+                </a:extLst>
+              </p:cNvPr>
+              <p:cNvPicPr/>
+              <p:nvPr/>
+            </p:nvPicPr>
+            <p:blipFill>
+              <a:blip r:embed="rId3"/>
+              <a:stretch>
+                <a:fillRect/>
+              </a:stretch>
+            </p:blipFill>
+            <p:spPr>
+              <a:xfrm>
+                <a:off x="11103448" y="1822860"/>
+                <a:ext cx="591158" cy="1647000"/>
+              </a:xfrm>
+              <a:prstGeom prst="rect">
+                <a:avLst/>
+              </a:prstGeom>
+            </p:spPr>
+          </p:pic>
+        </mc:Fallback>
+      </mc:AlternateContent>
+      <p:sp>
+        <p:nvSpPr>
+          <p:cNvPr id="7" name="Arrow: Down 6">
+            <a:extLst>
+              <a:ext uri="{FF2B5EF4-FFF2-40B4-BE49-F238E27FC236}">
+                <a16:creationId xmlns:a16="http://schemas.microsoft.com/office/drawing/2014/main" id="{33207007-E41E-412D-91CA-9797B658FEFE}"/>
+              </a:ext>
+            </a:extLst>
+          </p:cNvPr>
+          <p:cNvSpPr/>
+          <p:nvPr/>
+        </p:nvSpPr>
+        <p:spPr>
+          <a:xfrm>
+            <a:off x="6287178" y="3473705"/>
+            <a:ext cx="483577" cy="461665"/>
+          </a:xfrm>
+          <a:prstGeom prst="downArrow">
+            <a:avLst/>
+          </a:prstGeom>
+          <a:solidFill>
+            <a:srgbClr val="FF0000"/>
+          </a:solidFill>
+        </p:spPr>
+        <p:style>
+          <a:lnRef idx="2">
+            <a:schemeClr val="accent1">
+              <a:shade val="50000"/>
+            </a:schemeClr>
+          </a:lnRef>
+          <a:fillRef idx="1">
+            <a:schemeClr val="accent1"/>
+          </a:fillRef>
+          <a:effectRef idx="0">
+            <a:schemeClr val="accent1"/>
+          </a:effectRef>
+          <a:fontRef idx="minor">
+            <a:schemeClr val="lt1"/>
+          </a:fontRef>
+        </p:style>
+        <p:txBody>
+          <a:bodyPr rtlCol="0" anchor="ctr"/>
+          <a:lstStyle/>
+          <a:p>
+            <a:pPr algn="ctr"/>
+            <a:endParaRPr lang="en-GB"/>
+          </a:p>
+        </p:txBody>
+      </p:sp>
+      <p:sp>
+        <p:nvSpPr>
+          <p:cNvPr id="214" name="TextBox 213">
+            <a:extLst>
+              <a:ext uri="{FF2B5EF4-FFF2-40B4-BE49-F238E27FC236}">
+                <a16:creationId xmlns:a16="http://schemas.microsoft.com/office/drawing/2014/main" id="{5FA056C3-BDA0-4820-B9E3-127D31493E74}"/>
+              </a:ext>
+            </a:extLst>
+          </p:cNvPr>
+          <p:cNvSpPr txBox="1"/>
+          <p:nvPr/>
+        </p:nvSpPr>
+        <p:spPr>
+          <a:xfrm>
+            <a:off x="172857" y="5493467"/>
+            <a:ext cx="1123063" cy="461665"/>
+          </a:xfrm>
+          <a:prstGeom prst="rect">
+            <a:avLst/>
+          </a:prstGeom>
+          <a:noFill/>
+        </p:spPr>
+        <p:txBody>
+          <a:bodyPr wrap="square" rtlCol="0">
+            <a:spAutoFit/>
+          </a:bodyPr>
+          <a:lstStyle/>
+          <a:p>
+            <a:pPr algn="r"/>
+            <a:r>
+              <a:rPr lang="en-US" sz="2400" dirty="0"/>
+              <a:t>BMI</a:t>
+            </a:r>
+          </a:p>
+        </p:txBody>
+      </p:sp>
+      <p:sp>
+        <p:nvSpPr>
+          <p:cNvPr id="215" name="Arrow: Down 214">
+            <a:extLst>
+              <a:ext uri="{FF2B5EF4-FFF2-40B4-BE49-F238E27FC236}">
+                <a16:creationId xmlns:a16="http://schemas.microsoft.com/office/drawing/2014/main" id="{4A823B09-065A-48E7-B0EB-DD8DFE7AC1A9}"/>
+              </a:ext>
+            </a:extLst>
+          </p:cNvPr>
+          <p:cNvSpPr/>
+          <p:nvPr/>
+        </p:nvSpPr>
+        <p:spPr>
+          <a:xfrm>
+            <a:off x="6308352" y="4853858"/>
+            <a:ext cx="483577" cy="461665"/>
+          </a:xfrm>
+          <a:prstGeom prst="downArrow">
+            <a:avLst/>
+          </a:prstGeom>
+          <a:solidFill>
+            <a:srgbClr val="FF0000"/>
+          </a:solidFill>
+        </p:spPr>
+        <p:style>
+          <a:lnRef idx="2">
+            <a:schemeClr val="accent1">
+              <a:shade val="50000"/>
+            </a:schemeClr>
+          </a:lnRef>
+          <a:fillRef idx="1">
+            <a:schemeClr val="accent1"/>
+          </a:fillRef>
+          <a:effectRef idx="0">
+            <a:schemeClr val="accent1"/>
+          </a:effectRef>
+          <a:fontRef idx="minor">
+            <a:schemeClr val="lt1"/>
+          </a:fontRef>
+        </p:style>
+        <p:txBody>
+          <a:bodyPr rtlCol="0" anchor="ctr"/>
+          <a:lstStyle/>
+          <a:p>
+            <a:pPr algn="ctr"/>
+            <a:endParaRPr lang="en-GB"/>
+          </a:p>
+        </p:txBody>
+      </p:sp>
+      <p:sp>
+        <p:nvSpPr>
+          <p:cNvPr id="216" name="Left Brace 215">
+            <a:extLst>
+              <a:ext uri="{FF2B5EF4-FFF2-40B4-BE49-F238E27FC236}">
+                <a16:creationId xmlns:a16="http://schemas.microsoft.com/office/drawing/2014/main" id="{B11D6DD8-06F3-4566-BE51-7748D18FB60A}"/>
+              </a:ext>
+            </a:extLst>
+          </p:cNvPr>
+          <p:cNvSpPr/>
+          <p:nvPr/>
+        </p:nvSpPr>
+        <p:spPr>
+          <a:xfrm rot="16200000">
+            <a:off x="6469017" y="-1790103"/>
+            <a:ext cx="119900" cy="10184745"/>
+          </a:xfrm>
+          <a:prstGeom prst="leftBrace">
+            <a:avLst/>
+          </a:prstGeom>
+        </p:spPr>
+        <p:style>
+          <a:lnRef idx="1">
+            <a:schemeClr val="accent1"/>
+          </a:lnRef>
+          <a:fillRef idx="0">
+            <a:schemeClr val="accent1"/>
+          </a:fillRef>
+          <a:effectRef idx="0">
+            <a:schemeClr val="accent1"/>
+          </a:effectRef>
+          <a:fontRef idx="minor">
+            <a:schemeClr val="tx1"/>
+          </a:fontRef>
+        </p:style>
+        <p:txBody>
+          <a:bodyPr rtlCol="0" anchor="ctr"/>
+          <a:lstStyle/>
+          <a:p>
+            <a:pPr algn="ctr"/>
+            <a:endParaRPr lang="en-GB"/>
+          </a:p>
+        </p:txBody>
+      </p:sp>
+      <mc:AlternateContent xmlns:mc="http://schemas.openxmlformats.org/markup-compatibility/2006" xmlns:a14="http://schemas.microsoft.com/office/drawing/2010/main">
+        <mc:Choice Requires="a14">
+          <p:sp>
+            <p:nvSpPr>
+              <p:cNvPr id="8" name="TextBox 7">
+                <a:extLst>
+                  <a:ext uri="{FF2B5EF4-FFF2-40B4-BE49-F238E27FC236}">
+                    <a16:creationId xmlns:a16="http://schemas.microsoft.com/office/drawing/2014/main" id="{BF7048DE-393F-4A96-A3A4-28A617748DEF}"/>
+                  </a:ext>
+                </a:extLst>
+              </p:cNvPr>
+              <p:cNvSpPr txBox="1"/>
+              <p:nvPr/>
+            </p:nvSpPr>
+            <p:spPr>
+              <a:xfrm>
+                <a:off x="1436594" y="4758856"/>
+                <a:ext cx="1595950" cy="574516"/>
+              </a:xfrm>
+              <a:prstGeom prst="rect">
+                <a:avLst/>
+              </a:prstGeom>
+              <a:noFill/>
+            </p:spPr>
+            <p:txBody>
+              <a:bodyPr wrap="none" lIns="0" tIns="0" rIns="0" bIns="0" rtlCol="0">
+                <a:spAutoFit/>
+              </a:bodyPr>
+              <a:lstStyle/>
+              <a:p>
+                <a:pPr/>
+                <a14:m>
+                  <m:oMathPara xmlns:m="http://schemas.openxmlformats.org/officeDocument/2006/math">
+                    <m:oMathParaPr>
+                      <m:jc m:val="centerGroup"/>
+                    </m:oMathParaPr>
+                    <m:oMath xmlns:m="http://schemas.openxmlformats.org/officeDocument/2006/math">
+                      <m:r>
+                        <a:rPr lang="pt-BR" b="0" i="1" smtClean="0">
+                          <a:latin typeface="Cambria Math" panose="02040503050406030204" pitchFamily="18" charset="0"/>
+                        </a:rPr>
+                        <m:t>𝐵𝑀𝐼</m:t>
+                      </m:r>
+                      <m:r>
+                        <a:rPr lang="en-GB" i="1" smtClean="0">
+                          <a:latin typeface="Cambria Math" panose="02040503050406030204" pitchFamily="18" charset="0"/>
+                        </a:rPr>
+                        <m:t>=</m:t>
+                      </m:r>
+                      <m:f>
+                        <m:fPr>
+                          <m:ctrlPr>
+                            <a:rPr lang="pt-BR" b="0" i="1" smtClean="0">
+                              <a:latin typeface="Cambria Math" panose="02040503050406030204" pitchFamily="18" charset="0"/>
+                            </a:rPr>
+                          </m:ctrlPr>
+                        </m:fPr>
+                        <m:num>
+                          <m:r>
+                            <a:rPr lang="pt-BR" b="0" i="1" smtClean="0">
+                              <a:latin typeface="Cambria Math" panose="02040503050406030204" pitchFamily="18" charset="0"/>
+                            </a:rPr>
+                            <m:t>𝑤𝑒𝑖𝑔h𝑡</m:t>
+                          </m:r>
+                        </m:num>
+                        <m:den>
+                          <m:sSup>
+                            <m:sSupPr>
+                              <m:ctrlPr>
+                                <a:rPr lang="pt-BR" b="0" i="1" smtClean="0">
+                                  <a:latin typeface="Cambria Math" panose="02040503050406030204" pitchFamily="18" charset="0"/>
+                                </a:rPr>
+                              </m:ctrlPr>
+                            </m:sSupPr>
+                            <m:e>
+                              <m:r>
+                                <a:rPr lang="pt-BR" b="0" i="1" smtClean="0">
+                                  <a:latin typeface="Cambria Math" panose="02040503050406030204" pitchFamily="18" charset="0"/>
+                                </a:rPr>
+                                <m:t>h𝑒𝑖𝑔h𝑡</m:t>
+                              </m:r>
+                            </m:e>
+                            <m:sup>
+                              <m:r>
+                                <a:rPr lang="pt-BR" b="0" i="1" smtClean="0">
+                                  <a:latin typeface="Cambria Math" panose="02040503050406030204" pitchFamily="18" charset="0"/>
+                                </a:rPr>
+                                <m:t>2</m:t>
+                              </m:r>
+                            </m:sup>
+                          </m:sSup>
+                        </m:den>
+                      </m:f>
+                    </m:oMath>
+                  </m:oMathPara>
+                </a14:m>
+                <a:endParaRPr lang="en-GB" dirty="0"/>
+              </a:p>
+            </p:txBody>
+          </p:sp>
+        </mc:Choice>
+        <mc:Fallback xmlns="">
+          <p:sp>
+            <p:nvSpPr>
+              <p:cNvPr id="8" name="TextBox 7">
+                <a:extLst>
+                  <a:ext uri="{FF2B5EF4-FFF2-40B4-BE49-F238E27FC236}">
+                    <a16:creationId xmlns:a16="http://schemas.microsoft.com/office/drawing/2014/main" id="{BF7048DE-393F-4A96-A3A4-28A617748DEF}"/>
+                  </a:ext>
+                </a:extLst>
+              </p:cNvPr>
+              <p:cNvSpPr txBox="1">
+                <a:spLocks noRot="1" noChangeAspect="1" noMove="1" noResize="1" noEditPoints="1" noAdjustHandles="1" noChangeArrowheads="1" noChangeShapeType="1" noTextEdit="1"/>
+              </p:cNvSpPr>
+              <p:nvPr/>
+            </p:nvSpPr>
+            <p:spPr>
+              <a:xfrm>
+                <a:off x="1436594" y="4758856"/>
+                <a:ext cx="1595950" cy="574516"/>
+              </a:xfrm>
+              <a:prstGeom prst="rect">
+                <a:avLst/>
+              </a:prstGeom>
+              <a:blipFill>
+                <a:blip r:embed="rId4"/>
+                <a:stretch>
+                  <a:fillRect/>
+                </a:stretch>
+              </a:blipFill>
+            </p:spPr>
+            <p:txBody>
+              <a:bodyPr/>
+              <a:lstStyle/>
+              <a:p>
+                <a:r>
+                  <a:rPr lang="en-US">
+                    <a:noFill/>
+                  </a:rPr>
+                  <a:t> </a:t>
+                </a:r>
+              </a:p>
+            </p:txBody>
+          </p:sp>
+        </mc:Fallback>
+      </mc:AlternateContent>
+      <p:sp>
+        <p:nvSpPr>
+          <p:cNvPr id="76" name="Rectangle 75">
+            <a:extLst>
+              <a:ext uri="{FF2B5EF4-FFF2-40B4-BE49-F238E27FC236}">
+                <a16:creationId xmlns:a16="http://schemas.microsoft.com/office/drawing/2014/main" id="{6CD9635F-8D2B-4E39-B68C-0807C0FFD1B5}"/>
+              </a:ext>
+            </a:extLst>
+          </p:cNvPr>
+          <p:cNvSpPr/>
+          <p:nvPr/>
+        </p:nvSpPr>
+        <p:spPr>
+          <a:xfrm>
+            <a:off x="1436595" y="5493468"/>
+            <a:ext cx="483577" cy="461665"/>
+          </a:xfrm>
+          <a:prstGeom prst="rect">
+            <a:avLst/>
+          </a:prstGeom>
+          <a:solidFill>
+            <a:srgbClr val="FFC000"/>
+          </a:solidFill>
+        </p:spPr>
+        <p:style>
+          <a:lnRef idx="2">
+            <a:schemeClr val="accent1">
+              <a:shade val="50000"/>
+            </a:schemeClr>
+          </a:lnRef>
+          <a:fillRef idx="1">
+            <a:schemeClr val="accent1"/>
+          </a:fillRef>
+          <a:effectRef idx="0">
+            <a:schemeClr val="accent1"/>
+          </a:effectRef>
+          <a:fontRef idx="minor">
+            <a:schemeClr val="lt1"/>
+          </a:fontRef>
+        </p:style>
+        <p:txBody>
+          <a:bodyPr rtlCol="0" anchor="ctr"/>
+          <a:lstStyle/>
+          <a:p>
+            <a:pPr algn="ctr"/>
+            <a:endParaRPr lang="en-GB"/>
+          </a:p>
+        </p:txBody>
+      </p:sp>
+      <p:sp>
+        <p:nvSpPr>
+          <p:cNvPr id="79" name="Rectangle 78">
+            <a:extLst>
+              <a:ext uri="{FF2B5EF4-FFF2-40B4-BE49-F238E27FC236}">
+                <a16:creationId xmlns:a16="http://schemas.microsoft.com/office/drawing/2014/main" id="{29492710-6D7C-4191-A4C2-23C23F19F9A3}"/>
+              </a:ext>
+            </a:extLst>
+          </p:cNvPr>
+          <p:cNvSpPr/>
+          <p:nvPr/>
+        </p:nvSpPr>
+        <p:spPr>
+          <a:xfrm>
+            <a:off x="4499163" y="5493468"/>
+            <a:ext cx="483577" cy="461665"/>
+          </a:xfrm>
+          <a:prstGeom prst="rect">
+            <a:avLst/>
+          </a:prstGeom>
+          <a:solidFill>
+            <a:srgbClr val="FFC000"/>
+          </a:solidFill>
+        </p:spPr>
+        <p:style>
+          <a:lnRef idx="2">
+            <a:schemeClr val="accent1">
+              <a:shade val="50000"/>
+            </a:schemeClr>
+          </a:lnRef>
+          <a:fillRef idx="1">
+            <a:schemeClr val="accent1"/>
+          </a:fillRef>
+          <a:effectRef idx="0">
+            <a:schemeClr val="accent1"/>
+          </a:effectRef>
+          <a:fontRef idx="minor">
+            <a:schemeClr val="lt1"/>
+          </a:fontRef>
+        </p:style>
+        <p:txBody>
+          <a:bodyPr rtlCol="0" anchor="ctr"/>
+          <a:lstStyle/>
+          <a:p>
+            <a:pPr algn="ctr"/>
+            <a:endParaRPr lang="en-GB"/>
+          </a:p>
+        </p:txBody>
+      </p:sp>
+      <p:sp>
+        <p:nvSpPr>
+          <p:cNvPr id="82" name="Rectangle 81">
+            <a:extLst>
+              <a:ext uri="{FF2B5EF4-FFF2-40B4-BE49-F238E27FC236}">
+                <a16:creationId xmlns:a16="http://schemas.microsoft.com/office/drawing/2014/main" id="{1588A702-A4F6-460F-BCA7-33FC95A3E2BA}"/>
+              </a:ext>
+            </a:extLst>
+          </p:cNvPr>
+          <p:cNvSpPr/>
+          <p:nvPr/>
+        </p:nvSpPr>
+        <p:spPr>
+          <a:xfrm>
+            <a:off x="7561731" y="5493468"/>
+            <a:ext cx="483577" cy="461665"/>
+          </a:xfrm>
+          <a:prstGeom prst="rect">
+            <a:avLst/>
+          </a:prstGeom>
+          <a:solidFill>
+            <a:srgbClr val="FFC000"/>
+          </a:solidFill>
+        </p:spPr>
+        <p:style>
+          <a:lnRef idx="2">
+            <a:schemeClr val="accent1">
+              <a:shade val="50000"/>
+            </a:schemeClr>
+          </a:lnRef>
+          <a:fillRef idx="1">
+            <a:schemeClr val="accent1"/>
+          </a:fillRef>
+          <a:effectRef idx="0">
+            <a:schemeClr val="accent1"/>
+          </a:effectRef>
+          <a:fontRef idx="minor">
+            <a:schemeClr val="lt1"/>
+          </a:fontRef>
+        </p:style>
+        <p:txBody>
+          <a:bodyPr rtlCol="0" anchor="ctr"/>
+          <a:lstStyle/>
+          <a:p>
+            <a:pPr algn="ctr"/>
+            <a:endParaRPr lang="en-GB"/>
+          </a:p>
+        </p:txBody>
+      </p:sp>
+      <p:sp>
+        <p:nvSpPr>
+          <p:cNvPr id="85" name="Rectangle 84">
+            <a:extLst>
+              <a:ext uri="{FF2B5EF4-FFF2-40B4-BE49-F238E27FC236}">
+                <a16:creationId xmlns:a16="http://schemas.microsoft.com/office/drawing/2014/main" id="{10856303-E0A6-4E7C-8770-9D7DC4663EBA}"/>
+              </a:ext>
+            </a:extLst>
+          </p:cNvPr>
+          <p:cNvSpPr/>
+          <p:nvPr/>
+        </p:nvSpPr>
+        <p:spPr>
+          <a:xfrm>
+            <a:off x="9603443" y="5493468"/>
+            <a:ext cx="483577" cy="461665"/>
+          </a:xfrm>
+          <a:prstGeom prst="rect">
+            <a:avLst/>
+          </a:prstGeom>
+          <a:solidFill>
+            <a:srgbClr val="FFC000"/>
+          </a:solidFill>
+        </p:spPr>
+        <p:style>
+          <a:lnRef idx="2">
+            <a:schemeClr val="accent1">
+              <a:shade val="50000"/>
+            </a:schemeClr>
+          </a:lnRef>
+          <a:fillRef idx="1">
+            <a:schemeClr val="accent1"/>
+          </a:fillRef>
+          <a:effectRef idx="0">
+            <a:schemeClr val="accent1"/>
+          </a:effectRef>
+          <a:fontRef idx="minor">
+            <a:schemeClr val="lt1"/>
+          </a:fontRef>
+        </p:style>
+        <p:txBody>
+          <a:bodyPr rtlCol="0" anchor="ctr"/>
+          <a:lstStyle/>
+          <a:p>
+            <a:pPr algn="ctr"/>
+            <a:endParaRPr lang="en-GB"/>
+          </a:p>
+        </p:txBody>
+      </p:sp>
+      <p:sp>
+        <p:nvSpPr>
+          <p:cNvPr id="88" name="Rectangle 87">
+            <a:extLst>
+              <a:ext uri="{FF2B5EF4-FFF2-40B4-BE49-F238E27FC236}">
+                <a16:creationId xmlns:a16="http://schemas.microsoft.com/office/drawing/2014/main" id="{3C4F12C8-20AA-417E-BB95-C9BDB6056DE2}"/>
+              </a:ext>
+            </a:extLst>
+          </p:cNvPr>
+          <p:cNvSpPr/>
+          <p:nvPr/>
+        </p:nvSpPr>
+        <p:spPr>
+          <a:xfrm>
+            <a:off x="11137762" y="5493467"/>
+            <a:ext cx="483577" cy="461665"/>
+          </a:xfrm>
+          <a:prstGeom prst="rect">
+            <a:avLst/>
+          </a:prstGeom>
+          <a:solidFill>
+            <a:srgbClr val="FFC000"/>
+          </a:solidFill>
+        </p:spPr>
+        <p:style>
+          <a:lnRef idx="2">
+            <a:schemeClr val="accent1">
+              <a:shade val="50000"/>
+            </a:schemeClr>
+          </a:lnRef>
+          <a:fillRef idx="1">
+            <a:schemeClr val="accent1"/>
+          </a:fillRef>
+          <a:effectRef idx="0">
+            <a:schemeClr val="accent1"/>
+          </a:effectRef>
+          <a:fontRef idx="minor">
+            <a:schemeClr val="lt1"/>
+          </a:fontRef>
+        </p:style>
+        <p:txBody>
+          <a:bodyPr rtlCol="0" anchor="ctr"/>
+          <a:lstStyle/>
+          <a:p>
+            <a:pPr algn="ctr"/>
+            <a:endParaRPr lang="en-GB"/>
+          </a:p>
+        </p:txBody>
+      </p:sp>
+    </p:spTree>
+    <p:extLst>
+      <p:ext uri="{BB962C8B-B14F-4D97-AF65-F5344CB8AC3E}">
+        <p14:creationId xmlns:p14="http://schemas.microsoft.com/office/powerpoint/2010/main" val="3590041358"/>
+      </p:ext>
+    </p:extLst>
+  </p:cSld>
+  <p:clrMapOvr>
+    <a:masterClrMapping/>
+  </p:clrMapOvr>
+</p:sld>
+</file>
+
+<file path=ppt/slides/slide11.xml><?xml version="1.0" encoding="utf-8"?>
+<p:sld xmlns:a="http://schemas.openxmlformats.org/drawingml/2006/main" xmlns:r="http://schemas.openxmlformats.org/officeDocument/2006/relationships" xmlns:p="http://schemas.openxmlformats.org/presentationml/2006/main">
+  <p:cSld>
+    <p:spTree>
+      <p:nvGrpSpPr>
+        <p:cNvPr id="1" name=""/>
+        <p:cNvGrpSpPr/>
+        <p:nvPr/>
+      </p:nvGrpSpPr>
+      <p:grpSpPr>
+        <a:xfrm>
+          <a:off x="0" y="0"/>
+          <a:ext cx="0" cy="0"/>
+          <a:chOff x="0" y="0"/>
+          <a:chExt cx="0" cy="0"/>
+        </a:xfrm>
+      </p:grpSpPr>
+      <p:sp>
+        <p:nvSpPr>
+          <p:cNvPr id="5" name="TextBox 4">
+            <a:extLst>
+              <a:ext uri="{FF2B5EF4-FFF2-40B4-BE49-F238E27FC236}">
+                <a16:creationId xmlns:a16="http://schemas.microsoft.com/office/drawing/2014/main" id="{E8B35BBE-59A2-40DF-A315-42343A10341C}"/>
+              </a:ext>
+            </a:extLst>
+          </p:cNvPr>
+          <p:cNvSpPr txBox="1"/>
+          <p:nvPr/>
+        </p:nvSpPr>
+        <p:spPr>
+          <a:xfrm>
+            <a:off x="1066006" y="2765857"/>
+            <a:ext cx="8075053" cy="461665"/>
+          </a:xfrm>
+          <a:prstGeom prst="rect">
+            <a:avLst/>
+          </a:prstGeom>
+          <a:noFill/>
+        </p:spPr>
+        <p:txBody>
+          <a:bodyPr wrap="square" rtlCol="0">
+            <a:spAutoFit/>
+          </a:bodyPr>
+          <a:lstStyle/>
+          <a:p>
+            <a:r>
+              <a:rPr lang="en-US" sz="2400" i="1" dirty="0"/>
+              <a:t>Photo + link to commented video</a:t>
+            </a:r>
+          </a:p>
+        </p:txBody>
+      </p:sp>
+      <p:sp>
+        <p:nvSpPr>
+          <p:cNvPr id="6" name="TextBox 5">
+            <a:extLst>
+              <a:ext uri="{FF2B5EF4-FFF2-40B4-BE49-F238E27FC236}">
+                <a16:creationId xmlns:a16="http://schemas.microsoft.com/office/drawing/2014/main" id="{B8D54137-F3F4-44B6-BAFD-BEE2A08537A2}"/>
+              </a:ext>
+            </a:extLst>
+          </p:cNvPr>
+          <p:cNvSpPr txBox="1"/>
+          <p:nvPr/>
+        </p:nvSpPr>
+        <p:spPr>
+          <a:xfrm>
+            <a:off x="450761" y="412123"/>
+            <a:ext cx="8934308" cy="461665"/>
+          </a:xfrm>
+          <a:prstGeom prst="rect">
+            <a:avLst/>
+          </a:prstGeom>
+          <a:noFill/>
+        </p:spPr>
+        <p:txBody>
+          <a:bodyPr wrap="square" rtlCol="0">
+            <a:spAutoFit/>
+          </a:bodyPr>
+          <a:lstStyle/>
+          <a:p>
+            <a:r>
+              <a:rPr lang="en-US" sz="2400" dirty="0"/>
+              <a:t>Case 2 - computing the average of a large sample, statistical scheme</a:t>
+            </a:r>
+          </a:p>
+        </p:txBody>
+      </p:sp>
+    </p:spTree>
+    <p:extLst>
+      <p:ext uri="{BB962C8B-B14F-4D97-AF65-F5344CB8AC3E}">
+        <p14:creationId xmlns:p14="http://schemas.microsoft.com/office/powerpoint/2010/main" val="811208695"/>
+      </p:ext>
+    </p:extLst>
+  </p:cSld>
+  <p:clrMapOvr>
+    <a:masterClrMapping/>
+  </p:clrMapOvr>
+</p:sld>
+</file>
+
+<file path=ppt/slides/slide12.xml><?xml version="1.0" encoding="utf-8"?>
+<p:sld xmlns:a="http://schemas.openxmlformats.org/drawingml/2006/main" xmlns:r="http://schemas.openxmlformats.org/officeDocument/2006/relationships" xmlns:p="http://schemas.openxmlformats.org/presentationml/2006/main">
+  <p:cSld>
     <p:bg>
       <p:bgPr>
         <a:solidFill>
@@ -3934,212 +6978,6 @@
 </p:sld>
 </file>
 
-<file path=ppt/slides/slide11.xml><?xml version="1.0" encoding="utf-8"?>
-<p:sld xmlns:a="http://schemas.openxmlformats.org/drawingml/2006/main" xmlns:r="http://schemas.openxmlformats.org/officeDocument/2006/relationships" xmlns:p="http://schemas.openxmlformats.org/presentationml/2006/main">
-  <p:cSld>
-    <p:spTree>
-      <p:nvGrpSpPr>
-        <p:cNvPr id="1" name=""/>
-        <p:cNvGrpSpPr/>
-        <p:nvPr/>
-      </p:nvGrpSpPr>
-      <p:grpSpPr>
-        <a:xfrm>
-          <a:off x="0" y="0"/>
-          <a:ext cx="0" cy="0"/>
-          <a:chOff x="0" y="0"/>
-          <a:chExt cx="0" cy="0"/>
-        </a:xfrm>
-      </p:grpSpPr>
-      <p:sp>
-        <p:nvSpPr>
-          <p:cNvPr id="4" name="TextBox 3">
-            <a:extLst>
-              <a:ext uri="{FF2B5EF4-FFF2-40B4-BE49-F238E27FC236}">
-                <a16:creationId xmlns:a16="http://schemas.microsoft.com/office/drawing/2014/main" id="{352C43F7-575A-46D3-9AD8-A453F60D418F}"/>
-              </a:ext>
-            </a:extLst>
-          </p:cNvPr>
-          <p:cNvSpPr txBox="1"/>
-          <p:nvPr/>
-        </p:nvSpPr>
-        <p:spPr>
-          <a:xfrm>
-            <a:off x="450761" y="412123"/>
-            <a:ext cx="8075053" cy="461665"/>
-          </a:xfrm>
-          <a:prstGeom prst="rect">
-            <a:avLst/>
-          </a:prstGeom>
-          <a:noFill/>
-        </p:spPr>
-        <p:txBody>
-          <a:bodyPr wrap="square" rtlCol="0">
-            <a:spAutoFit/>
-          </a:bodyPr>
-          <a:lstStyle/>
-          <a:p>
-            <a:r>
-              <a:rPr lang="en-US" sz="2400" dirty="0"/>
-              <a:t>To be resumed in a future meeting ;)</a:t>
-            </a:r>
-          </a:p>
-        </p:txBody>
-      </p:sp>
-    </p:spTree>
-    <p:extLst>
-      <p:ext uri="{BB962C8B-B14F-4D97-AF65-F5344CB8AC3E}">
-        <p14:creationId xmlns:p14="http://schemas.microsoft.com/office/powerpoint/2010/main" val="687256570"/>
-      </p:ext>
-    </p:extLst>
-  </p:cSld>
-  <p:clrMapOvr>
-    <a:masterClrMapping/>
-  </p:clrMapOvr>
-</p:sld>
-</file>
-
-<file path=ppt/slides/slide12.xml><?xml version="1.0" encoding="utf-8"?>
-<p:sld xmlns:a="http://schemas.openxmlformats.org/drawingml/2006/main" xmlns:r="http://schemas.openxmlformats.org/officeDocument/2006/relationships" xmlns:p="http://schemas.openxmlformats.org/presentationml/2006/main">
-  <p:cSld>
-    <p:spTree>
-      <p:nvGrpSpPr>
-        <p:cNvPr id="1" name=""/>
-        <p:cNvGrpSpPr/>
-        <p:nvPr/>
-      </p:nvGrpSpPr>
-      <p:grpSpPr>
-        <a:xfrm>
-          <a:off x="0" y="0"/>
-          <a:ext cx="0" cy="0"/>
-          <a:chOff x="0" y="0"/>
-          <a:chExt cx="0" cy="0"/>
-        </a:xfrm>
-      </p:grpSpPr>
-      <p:sp>
-        <p:nvSpPr>
-          <p:cNvPr id="4" name="TextBox 3">
-            <a:extLst>
-              <a:ext uri="{FF2B5EF4-FFF2-40B4-BE49-F238E27FC236}">
-                <a16:creationId xmlns:a16="http://schemas.microsoft.com/office/drawing/2014/main" id="{AC6B4A5D-15B2-47FE-AF77-FA3634E427F0}"/>
-              </a:ext>
-            </a:extLst>
-          </p:cNvPr>
-          <p:cNvSpPr txBox="1"/>
-          <p:nvPr/>
-        </p:nvSpPr>
-        <p:spPr>
-          <a:xfrm>
-            <a:off x="463639" y="502276"/>
-            <a:ext cx="9787943" cy="523220"/>
-          </a:xfrm>
-          <a:prstGeom prst="rect">
-            <a:avLst/>
-          </a:prstGeom>
-          <a:noFill/>
-        </p:spPr>
-        <p:txBody>
-          <a:bodyPr wrap="square" rtlCol="0">
-            <a:spAutoFit/>
-          </a:bodyPr>
-          <a:lstStyle/>
-          <a:p>
-            <a:r>
-              <a:rPr lang="en-US" sz="2800" b="1" dirty="0"/>
-              <a:t>Parallel Programming in Python – a very, very short introduction</a:t>
-            </a:r>
-          </a:p>
-        </p:txBody>
-      </p:sp>
-      <p:sp>
-        <p:nvSpPr>
-          <p:cNvPr id="5" name="TextBox 4">
-            <a:extLst>
-              <a:ext uri="{FF2B5EF4-FFF2-40B4-BE49-F238E27FC236}">
-                <a16:creationId xmlns:a16="http://schemas.microsoft.com/office/drawing/2014/main" id="{053E856E-96BE-4775-B516-10EDEE9DD7BD}"/>
-              </a:ext>
-            </a:extLst>
-          </p:cNvPr>
-          <p:cNvSpPr txBox="1"/>
-          <p:nvPr/>
-        </p:nvSpPr>
-        <p:spPr>
-          <a:xfrm>
-            <a:off x="875763" y="1790163"/>
-            <a:ext cx="8075053" cy="461665"/>
-          </a:xfrm>
-          <a:prstGeom prst="rect">
-            <a:avLst/>
-          </a:prstGeom>
-          <a:noFill/>
-        </p:spPr>
-        <p:txBody>
-          <a:bodyPr wrap="square" rtlCol="0">
-            <a:spAutoFit/>
-          </a:bodyPr>
-          <a:lstStyle/>
-          <a:p>
-            <a:r>
-              <a:rPr lang="en-US" sz="2400" dirty="0"/>
-              <a:t>Thanks!</a:t>
-            </a:r>
-          </a:p>
-        </p:txBody>
-      </p:sp>
-      <p:cxnSp>
-        <p:nvCxnSpPr>
-          <p:cNvPr id="11" name="Straight Connector 10">
-            <a:extLst>
-              <a:ext uri="{FF2B5EF4-FFF2-40B4-BE49-F238E27FC236}">
-                <a16:creationId xmlns:a16="http://schemas.microsoft.com/office/drawing/2014/main" id="{9DA5A796-EBA6-4D99-A3B7-FE0AD51D8F34}"/>
-              </a:ext>
-            </a:extLst>
-          </p:cNvPr>
-          <p:cNvCxnSpPr/>
-          <p:nvPr/>
-        </p:nvCxnSpPr>
-        <p:spPr>
-          <a:xfrm>
-            <a:off x="875763" y="2377686"/>
-            <a:ext cx="7740203" cy="0"/>
-          </a:xfrm>
-          <a:prstGeom prst="line">
-            <a:avLst/>
-          </a:prstGeom>
-          <a:ln w="22225">
-            <a:solidFill>
-              <a:schemeClr val="tx1"/>
-            </a:solidFill>
-          </a:ln>
-        </p:spPr>
-        <p:style>
-          <a:lnRef idx="1">
-            <a:schemeClr val="accent1"/>
-          </a:lnRef>
-          <a:fillRef idx="0">
-            <a:schemeClr val="accent1"/>
-          </a:fillRef>
-          <a:effectRef idx="0">
-            <a:schemeClr val="accent1"/>
-          </a:effectRef>
-          <a:fontRef idx="minor">
-            <a:schemeClr val="tx1"/>
-          </a:fontRef>
-        </p:style>
-      </p:cxnSp>
-    </p:spTree>
-    <p:extLst>
-      <p:ext uri="{BB962C8B-B14F-4D97-AF65-F5344CB8AC3E}">
-        <p14:creationId xmlns:p14="http://schemas.microsoft.com/office/powerpoint/2010/main" val="158803103"/>
-      </p:ext>
-    </p:extLst>
-  </p:cSld>
-  <p:clrMapOvr>
-    <a:masterClrMapping/>
-  </p:clrMapOvr>
-</p:sld>
-</file>
-
 <file path=ppt/slides/slide13.xml><?xml version="1.0" encoding="utf-8"?>
 <p:sld xmlns:a="http://schemas.openxmlformats.org/drawingml/2006/main" xmlns:r="http://schemas.openxmlformats.org/officeDocument/2006/relationships" xmlns:p="http://schemas.openxmlformats.org/presentationml/2006/main">
   <p:cSld>
@@ -4162,6 +7000,212 @@
           <p:cNvPr id="4" name="TextBox 3">
             <a:extLst>
               <a:ext uri="{FF2B5EF4-FFF2-40B4-BE49-F238E27FC236}">
+                <a16:creationId xmlns:a16="http://schemas.microsoft.com/office/drawing/2014/main" id="{352C43F7-575A-46D3-9AD8-A453F60D418F}"/>
+              </a:ext>
+            </a:extLst>
+          </p:cNvPr>
+          <p:cNvSpPr txBox="1"/>
+          <p:nvPr/>
+        </p:nvSpPr>
+        <p:spPr>
+          <a:xfrm>
+            <a:off x="450761" y="412123"/>
+            <a:ext cx="8075053" cy="461665"/>
+          </a:xfrm>
+          <a:prstGeom prst="rect">
+            <a:avLst/>
+          </a:prstGeom>
+          <a:noFill/>
+        </p:spPr>
+        <p:txBody>
+          <a:bodyPr wrap="square" rtlCol="0">
+            <a:spAutoFit/>
+          </a:bodyPr>
+          <a:lstStyle/>
+          <a:p>
+            <a:r>
+              <a:rPr lang="en-US" sz="2400" dirty="0"/>
+              <a:t>To be resumed in a future meeting ;)</a:t>
+            </a:r>
+          </a:p>
+        </p:txBody>
+      </p:sp>
+    </p:spTree>
+    <p:extLst>
+      <p:ext uri="{BB962C8B-B14F-4D97-AF65-F5344CB8AC3E}">
+        <p14:creationId xmlns:p14="http://schemas.microsoft.com/office/powerpoint/2010/main" val="687256570"/>
+      </p:ext>
+    </p:extLst>
+  </p:cSld>
+  <p:clrMapOvr>
+    <a:masterClrMapping/>
+  </p:clrMapOvr>
+</p:sld>
+</file>
+
+<file path=ppt/slides/slide14.xml><?xml version="1.0" encoding="utf-8"?>
+<p:sld xmlns:a="http://schemas.openxmlformats.org/drawingml/2006/main" xmlns:r="http://schemas.openxmlformats.org/officeDocument/2006/relationships" xmlns:p="http://schemas.openxmlformats.org/presentationml/2006/main">
+  <p:cSld>
+    <p:spTree>
+      <p:nvGrpSpPr>
+        <p:cNvPr id="1" name=""/>
+        <p:cNvGrpSpPr/>
+        <p:nvPr/>
+      </p:nvGrpSpPr>
+      <p:grpSpPr>
+        <a:xfrm>
+          <a:off x="0" y="0"/>
+          <a:ext cx="0" cy="0"/>
+          <a:chOff x="0" y="0"/>
+          <a:chExt cx="0" cy="0"/>
+        </a:xfrm>
+      </p:grpSpPr>
+      <p:sp>
+        <p:nvSpPr>
+          <p:cNvPr id="4" name="TextBox 3">
+            <a:extLst>
+              <a:ext uri="{FF2B5EF4-FFF2-40B4-BE49-F238E27FC236}">
+                <a16:creationId xmlns:a16="http://schemas.microsoft.com/office/drawing/2014/main" id="{AC6B4A5D-15B2-47FE-AF77-FA3634E427F0}"/>
+              </a:ext>
+            </a:extLst>
+          </p:cNvPr>
+          <p:cNvSpPr txBox="1"/>
+          <p:nvPr/>
+        </p:nvSpPr>
+        <p:spPr>
+          <a:xfrm>
+            <a:off x="463639" y="502276"/>
+            <a:ext cx="9787943" cy="523220"/>
+          </a:xfrm>
+          <a:prstGeom prst="rect">
+            <a:avLst/>
+          </a:prstGeom>
+          <a:noFill/>
+        </p:spPr>
+        <p:txBody>
+          <a:bodyPr wrap="square" rtlCol="0">
+            <a:spAutoFit/>
+          </a:bodyPr>
+          <a:lstStyle/>
+          <a:p>
+            <a:r>
+              <a:rPr lang="en-US" sz="2800" b="1" dirty="0"/>
+              <a:t>Parallel Programming in Python – a very, very short introduction</a:t>
+            </a:r>
+          </a:p>
+        </p:txBody>
+      </p:sp>
+      <p:sp>
+        <p:nvSpPr>
+          <p:cNvPr id="5" name="TextBox 4">
+            <a:extLst>
+              <a:ext uri="{FF2B5EF4-FFF2-40B4-BE49-F238E27FC236}">
+                <a16:creationId xmlns:a16="http://schemas.microsoft.com/office/drawing/2014/main" id="{053E856E-96BE-4775-B516-10EDEE9DD7BD}"/>
+              </a:ext>
+            </a:extLst>
+          </p:cNvPr>
+          <p:cNvSpPr txBox="1"/>
+          <p:nvPr/>
+        </p:nvSpPr>
+        <p:spPr>
+          <a:xfrm>
+            <a:off x="875763" y="1790163"/>
+            <a:ext cx="8075053" cy="461665"/>
+          </a:xfrm>
+          <a:prstGeom prst="rect">
+            <a:avLst/>
+          </a:prstGeom>
+          <a:noFill/>
+        </p:spPr>
+        <p:txBody>
+          <a:bodyPr wrap="square" rtlCol="0">
+            <a:spAutoFit/>
+          </a:bodyPr>
+          <a:lstStyle/>
+          <a:p>
+            <a:r>
+              <a:rPr lang="en-US" sz="2400" dirty="0"/>
+              <a:t>Thanks!</a:t>
+            </a:r>
+          </a:p>
+        </p:txBody>
+      </p:sp>
+      <p:cxnSp>
+        <p:nvCxnSpPr>
+          <p:cNvPr id="11" name="Straight Connector 10">
+            <a:extLst>
+              <a:ext uri="{FF2B5EF4-FFF2-40B4-BE49-F238E27FC236}">
+                <a16:creationId xmlns:a16="http://schemas.microsoft.com/office/drawing/2014/main" id="{9DA5A796-EBA6-4D99-A3B7-FE0AD51D8F34}"/>
+              </a:ext>
+            </a:extLst>
+          </p:cNvPr>
+          <p:cNvCxnSpPr/>
+          <p:nvPr/>
+        </p:nvCxnSpPr>
+        <p:spPr>
+          <a:xfrm>
+            <a:off x="875763" y="2377686"/>
+            <a:ext cx="7740203" cy="0"/>
+          </a:xfrm>
+          <a:prstGeom prst="line">
+            <a:avLst/>
+          </a:prstGeom>
+          <a:ln w="22225">
+            <a:solidFill>
+              <a:schemeClr val="tx1"/>
+            </a:solidFill>
+          </a:ln>
+        </p:spPr>
+        <p:style>
+          <a:lnRef idx="1">
+            <a:schemeClr val="accent1"/>
+          </a:lnRef>
+          <a:fillRef idx="0">
+            <a:schemeClr val="accent1"/>
+          </a:fillRef>
+          <a:effectRef idx="0">
+            <a:schemeClr val="accent1"/>
+          </a:effectRef>
+          <a:fontRef idx="minor">
+            <a:schemeClr val="tx1"/>
+          </a:fontRef>
+        </p:style>
+      </p:cxnSp>
+    </p:spTree>
+    <p:extLst>
+      <p:ext uri="{BB962C8B-B14F-4D97-AF65-F5344CB8AC3E}">
+        <p14:creationId xmlns:p14="http://schemas.microsoft.com/office/powerpoint/2010/main" val="158803103"/>
+      </p:ext>
+    </p:extLst>
+  </p:cSld>
+  <p:clrMapOvr>
+    <a:masterClrMapping/>
+  </p:clrMapOvr>
+</p:sld>
+</file>
+
+<file path=ppt/slides/slide15.xml><?xml version="1.0" encoding="utf-8"?>
+<p:sld xmlns:a="http://schemas.openxmlformats.org/drawingml/2006/main" xmlns:r="http://schemas.openxmlformats.org/officeDocument/2006/relationships" xmlns:p="http://schemas.openxmlformats.org/presentationml/2006/main">
+  <p:cSld>
+    <p:spTree>
+      <p:nvGrpSpPr>
+        <p:cNvPr id="1" name=""/>
+        <p:cNvGrpSpPr/>
+        <p:nvPr/>
+      </p:nvGrpSpPr>
+      <p:grpSpPr>
+        <a:xfrm>
+          <a:off x="0" y="0"/>
+          <a:ext cx="0" cy="0"/>
+          <a:chOff x="0" y="0"/>
+          <a:chExt cx="0" cy="0"/>
+        </a:xfrm>
+      </p:grpSpPr>
+      <p:sp>
+        <p:nvSpPr>
+          <p:cNvPr id="4" name="TextBox 3">
+            <a:extLst>
+              <a:ext uri="{FF2B5EF4-FFF2-40B4-BE49-F238E27FC236}">
                 <a16:creationId xmlns:a16="http://schemas.microsoft.com/office/drawing/2014/main" id="{AC6B4A5D-15B2-47FE-AF77-FA3634E427F0}"/>
               </a:ext>
             </a:extLst>
@@ -4246,7 +7290,7 @@
 </p:sld>
 </file>
 
-<file path=ppt/slides/slide14.xml><?xml version="1.0" encoding="utf-8"?>
+<file path=ppt/slides/slide16.xml><?xml version="1.0" encoding="utf-8"?>
 <p:sld xmlns:a="http://schemas.openxmlformats.org/drawingml/2006/main" xmlns:r="http://schemas.openxmlformats.org/officeDocument/2006/relationships" xmlns:p="http://schemas.openxmlformats.org/presentationml/2006/main" show="0">
   <p:cSld>
     <p:spTree>
@@ -4363,7 +7407,7 @@
 </p:sld>
 </file>
 
-<file path=ppt/slides/slide15.xml><?xml version="1.0" encoding="utf-8"?>
+<file path=ppt/slides/slide17.xml><?xml version="1.0" encoding="utf-8"?>
 <p:sld xmlns:a="http://schemas.openxmlformats.org/drawingml/2006/main" xmlns:r="http://schemas.openxmlformats.org/officeDocument/2006/relationships" xmlns:p="http://schemas.openxmlformats.org/presentationml/2006/main" show="0">
   <p:cSld>
     <p:spTree>
@@ -13469,6 +16513,106 @@
 <file path=ppt/slides/slide6.xml><?xml version="1.0" encoding="utf-8"?>
 <p:sld xmlns:a="http://schemas.openxmlformats.org/drawingml/2006/main" xmlns:r="http://schemas.openxmlformats.org/officeDocument/2006/relationships" xmlns:p="http://schemas.openxmlformats.org/presentationml/2006/main">
   <p:cSld>
+    <p:spTree>
+      <p:nvGrpSpPr>
+        <p:cNvPr id="1" name=""/>
+        <p:cNvGrpSpPr/>
+        <p:nvPr/>
+      </p:nvGrpSpPr>
+      <p:grpSpPr>
+        <a:xfrm>
+          <a:off x="0" y="0"/>
+          <a:ext cx="0" cy="0"/>
+          <a:chOff x="0" y="0"/>
+          <a:chExt cx="0" cy="0"/>
+        </a:xfrm>
+      </p:grpSpPr>
+      <p:sp>
+        <p:nvSpPr>
+          <p:cNvPr id="4" name="TextBox 3">
+            <a:extLst>
+              <a:ext uri="{FF2B5EF4-FFF2-40B4-BE49-F238E27FC236}">
+                <a16:creationId xmlns:a16="http://schemas.microsoft.com/office/drawing/2014/main" id="{E6CE350D-EF9F-44E0-BF90-776A93C07AD0}"/>
+              </a:ext>
+            </a:extLst>
+          </p:cNvPr>
+          <p:cNvSpPr txBox="1"/>
+          <p:nvPr/>
+        </p:nvSpPr>
+        <p:spPr>
+          <a:xfrm>
+            <a:off x="450761" y="412123"/>
+            <a:ext cx="8075053" cy="461665"/>
+          </a:xfrm>
+          <a:prstGeom prst="rect">
+            <a:avLst/>
+          </a:prstGeom>
+          <a:noFill/>
+        </p:spPr>
+        <p:txBody>
+          <a:bodyPr wrap="square" rtlCol="0">
+            <a:spAutoFit/>
+          </a:bodyPr>
+          <a:lstStyle/>
+          <a:p>
+            <a:r>
+              <a:rPr lang="en-US" sz="2400" dirty="0"/>
+              <a:t>Case 1 - computing a distance matrix, sequential scheme</a:t>
+            </a:r>
+          </a:p>
+        </p:txBody>
+      </p:sp>
+      <p:sp>
+        <p:nvSpPr>
+          <p:cNvPr id="5" name="TextBox 4">
+            <a:extLst>
+              <a:ext uri="{FF2B5EF4-FFF2-40B4-BE49-F238E27FC236}">
+                <a16:creationId xmlns:a16="http://schemas.microsoft.com/office/drawing/2014/main" id="{E8B35BBE-59A2-40DF-A315-42343A10341C}"/>
+              </a:ext>
+            </a:extLst>
+          </p:cNvPr>
+          <p:cNvSpPr txBox="1"/>
+          <p:nvPr/>
+        </p:nvSpPr>
+        <p:spPr>
+          <a:xfrm>
+            <a:off x="1066006" y="2765857"/>
+            <a:ext cx="8075053" cy="461665"/>
+          </a:xfrm>
+          <a:prstGeom prst="rect">
+            <a:avLst/>
+          </a:prstGeom>
+          <a:noFill/>
+        </p:spPr>
+        <p:txBody>
+          <a:bodyPr wrap="square" rtlCol="0">
+            <a:spAutoFit/>
+          </a:bodyPr>
+          <a:lstStyle/>
+          <a:p>
+            <a:r>
+              <a:rPr lang="en-US" sz="2400" i="1" dirty="0"/>
+              <a:t>Photo + link to commented video</a:t>
+            </a:r>
+          </a:p>
+        </p:txBody>
+      </p:sp>
+    </p:spTree>
+    <p:extLst>
+      <p:ext uri="{BB962C8B-B14F-4D97-AF65-F5344CB8AC3E}">
+        <p14:creationId xmlns:p14="http://schemas.microsoft.com/office/powerpoint/2010/main" val="1578687332"/>
+      </p:ext>
+    </p:extLst>
+  </p:cSld>
+  <p:clrMapOvr>
+    <a:masterClrMapping/>
+  </p:clrMapOvr>
+</p:sld>
+</file>
+
+<file path=ppt/slides/slide7.xml><?xml version="1.0" encoding="utf-8"?>
+<p:sld xmlns:a="http://schemas.openxmlformats.org/drawingml/2006/main" xmlns:r="http://schemas.openxmlformats.org/officeDocument/2006/relationships" xmlns:p="http://schemas.openxmlformats.org/presentationml/2006/main">
+  <p:cSld>
     <p:bg>
       <p:bgPr>
         <a:solidFill>
@@ -13691,7 +16835,7 @@
 </p:sld>
 </file>
 
-<file path=ppt/slides/slide7.xml><?xml version="1.0" encoding="utf-8"?>
+<file path=ppt/slides/slide8.xml><?xml version="1.0" encoding="utf-8"?>
 <p:sld xmlns:a="http://schemas.openxmlformats.org/drawingml/2006/main" xmlns:r="http://schemas.openxmlformats.org/officeDocument/2006/relationships" xmlns:p="http://schemas.openxmlformats.org/presentationml/2006/main">
   <p:cSld>
     <p:spTree>
@@ -17368,7 +20512,7 @@
 </p:sld>
 </file>
 
-<file path=ppt/slides/slide8.xml><?xml version="1.0" encoding="utf-8"?>
+<file path=ppt/slides/slide9.xml><?xml version="1.0" encoding="utf-8"?>
 <p:sld xmlns:a="http://schemas.openxmlformats.org/drawingml/2006/main" xmlns:r="http://schemas.openxmlformats.org/officeDocument/2006/relationships" xmlns:p="http://schemas.openxmlformats.org/presentationml/2006/main">
   <p:cSld>
     <p:spTree>
@@ -21340,8 +24484,8 @@
           </a:p>
         </p:txBody>
       </p:sp>
-      <mc:AlternateContent xmlns:mc="http://schemas.openxmlformats.org/markup-compatibility/2006">
-        <mc:Choice xmlns:a14="http://schemas.microsoft.com/office/drawing/2010/main" Requires="a14">
+      <mc:AlternateContent xmlns:mc="http://schemas.openxmlformats.org/markup-compatibility/2006" xmlns:a14="http://schemas.microsoft.com/office/drawing/2010/main">
+        <mc:Choice Requires="a14">
           <p:sp>
             <p:nvSpPr>
               <p:cNvPr id="115" name="TextBox 114">
@@ -21441,7 +24585,7 @@
             </p:txBody>
           </p:sp>
         </mc:Choice>
-        <mc:Fallback>
+        <mc:Fallback xmlns="">
           <p:sp>
             <p:nvSpPr>
               <p:cNvPr id="115" name="TextBox 114">
@@ -21490,2948 +24634,6 @@
     <p:extLst>
       <p:ext uri="{BB962C8B-B14F-4D97-AF65-F5344CB8AC3E}">
         <p14:creationId xmlns:p14="http://schemas.microsoft.com/office/powerpoint/2010/main" val="865884983"/>
-      </p:ext>
-    </p:extLst>
-  </p:cSld>
-  <p:clrMapOvr>
-    <a:masterClrMapping/>
-  </p:clrMapOvr>
-</p:sld>
-</file>
-
-<file path=ppt/slides/slide9.xml><?xml version="1.0" encoding="utf-8"?>
-<p:sld xmlns:a="http://schemas.openxmlformats.org/drawingml/2006/main" xmlns:r="http://schemas.openxmlformats.org/officeDocument/2006/relationships" xmlns:p="http://schemas.openxmlformats.org/presentationml/2006/main">
-  <p:cSld>
-    <p:spTree>
-      <p:nvGrpSpPr>
-        <p:cNvPr id="1" name=""/>
-        <p:cNvGrpSpPr/>
-        <p:nvPr/>
-      </p:nvGrpSpPr>
-      <p:grpSpPr>
-        <a:xfrm>
-          <a:off x="0" y="0"/>
-          <a:ext cx="0" cy="0"/>
-          <a:chOff x="0" y="0"/>
-          <a:chExt cx="0" cy="0"/>
-        </a:xfrm>
-      </p:grpSpPr>
-      <p:sp>
-        <p:nvSpPr>
-          <p:cNvPr id="6" name="TextBox 5">
-            <a:extLst>
-              <a:ext uri="{FF2B5EF4-FFF2-40B4-BE49-F238E27FC236}">
-                <a16:creationId xmlns:a16="http://schemas.microsoft.com/office/drawing/2014/main" id="{44F353AB-F501-4724-906A-9727030DE365}"/>
-              </a:ext>
-            </a:extLst>
-          </p:cNvPr>
-          <p:cNvSpPr txBox="1"/>
-          <p:nvPr/>
-        </p:nvSpPr>
-        <p:spPr>
-          <a:xfrm>
-            <a:off x="450761" y="412123"/>
-            <a:ext cx="8934308" cy="461665"/>
-          </a:xfrm>
-          <a:prstGeom prst="rect">
-            <a:avLst/>
-          </a:prstGeom>
-          <a:noFill/>
-        </p:spPr>
-        <p:txBody>
-          <a:bodyPr wrap="square" rtlCol="0">
-            <a:spAutoFit/>
-          </a:bodyPr>
-          <a:lstStyle/>
-          <a:p>
-            <a:r>
-              <a:rPr lang="en-US" sz="2400" dirty="0"/>
-              <a:t>Case 2 - computing the average of a large sample, statistical scheme</a:t>
-            </a:r>
-          </a:p>
-        </p:txBody>
-      </p:sp>
-      <p:sp>
-        <p:nvSpPr>
-          <p:cNvPr id="13" name="TextBox 12">
-            <a:extLst>
-              <a:ext uri="{FF2B5EF4-FFF2-40B4-BE49-F238E27FC236}">
-                <a16:creationId xmlns:a16="http://schemas.microsoft.com/office/drawing/2014/main" id="{FBFBA05A-1386-4DD7-BCC9-DE335E29925A}"/>
-              </a:ext>
-            </a:extLst>
-          </p:cNvPr>
-          <p:cNvSpPr txBox="1"/>
-          <p:nvPr/>
-        </p:nvSpPr>
-        <p:spPr>
-          <a:xfrm>
-            <a:off x="325258" y="2277208"/>
-            <a:ext cx="970662" cy="461665"/>
-          </a:xfrm>
-          <a:prstGeom prst="rect">
-            <a:avLst/>
-          </a:prstGeom>
-          <a:noFill/>
-        </p:spPr>
-        <p:txBody>
-          <a:bodyPr wrap="square" rtlCol="0">
-            <a:spAutoFit/>
-          </a:bodyPr>
-          <a:lstStyle/>
-          <a:p>
-            <a:pPr algn="r"/>
-            <a:r>
-              <a:rPr lang="en-US" sz="2400" dirty="0"/>
-              <a:t>height</a:t>
-            </a:r>
-          </a:p>
-        </p:txBody>
-      </p:sp>
-      <p:sp>
-        <p:nvSpPr>
-          <p:cNvPr id="3" name="Rectangle 2">
-            <a:extLst>
-              <a:ext uri="{FF2B5EF4-FFF2-40B4-BE49-F238E27FC236}">
-                <a16:creationId xmlns:a16="http://schemas.microsoft.com/office/drawing/2014/main" id="{8FBBD292-8536-4070-AB94-2B9DED320732}"/>
-              </a:ext>
-            </a:extLst>
-          </p:cNvPr>
-          <p:cNvSpPr/>
-          <p:nvPr/>
-        </p:nvSpPr>
-        <p:spPr>
-          <a:xfrm>
-            <a:off x="1436596" y="2277209"/>
-            <a:ext cx="483577" cy="461665"/>
-          </a:xfrm>
-          <a:prstGeom prst="rect">
-            <a:avLst/>
-          </a:prstGeom>
-          <a:solidFill>
-            <a:schemeClr val="accent6">
-              <a:lumMod val="60000"/>
-              <a:lumOff val="40000"/>
-            </a:schemeClr>
-          </a:solidFill>
-        </p:spPr>
-        <p:style>
-          <a:lnRef idx="2">
-            <a:schemeClr val="accent1">
-              <a:shade val="50000"/>
-            </a:schemeClr>
-          </a:lnRef>
-          <a:fillRef idx="1">
-            <a:schemeClr val="accent1"/>
-          </a:fillRef>
-          <a:effectRef idx="0">
-            <a:schemeClr val="accent1"/>
-          </a:effectRef>
-          <a:fontRef idx="minor">
-            <a:schemeClr val="lt1"/>
-          </a:fontRef>
-        </p:style>
-        <p:txBody>
-          <a:bodyPr rtlCol="0" anchor="ctr"/>
-          <a:lstStyle/>
-          <a:p>
-            <a:pPr algn="ctr"/>
-            <a:endParaRPr lang="en-GB"/>
-          </a:p>
-        </p:txBody>
-      </p:sp>
-      <p:sp>
-        <p:nvSpPr>
-          <p:cNvPr id="14" name="Rectangle 13">
-            <a:extLst>
-              <a:ext uri="{FF2B5EF4-FFF2-40B4-BE49-F238E27FC236}">
-                <a16:creationId xmlns:a16="http://schemas.microsoft.com/office/drawing/2014/main" id="{EC1A0A35-D1EB-4DCA-9851-40713E903695}"/>
-              </a:ext>
-            </a:extLst>
-          </p:cNvPr>
-          <p:cNvSpPr/>
-          <p:nvPr/>
-        </p:nvSpPr>
-        <p:spPr>
-          <a:xfrm>
-            <a:off x="1436596" y="2738874"/>
-            <a:ext cx="483577" cy="461665"/>
-          </a:xfrm>
-          <a:prstGeom prst="rect">
-            <a:avLst/>
-          </a:prstGeom>
-          <a:solidFill>
-            <a:schemeClr val="accent6">
-              <a:lumMod val="75000"/>
-            </a:schemeClr>
-          </a:solidFill>
-        </p:spPr>
-        <p:style>
-          <a:lnRef idx="2">
-            <a:schemeClr val="accent1">
-              <a:shade val="50000"/>
-            </a:schemeClr>
-          </a:lnRef>
-          <a:fillRef idx="1">
-            <a:schemeClr val="accent1"/>
-          </a:fillRef>
-          <a:effectRef idx="0">
-            <a:schemeClr val="accent1"/>
-          </a:effectRef>
-          <a:fontRef idx="minor">
-            <a:schemeClr val="lt1"/>
-          </a:fontRef>
-        </p:style>
-        <p:txBody>
-          <a:bodyPr rtlCol="0" anchor="ctr"/>
-          <a:lstStyle/>
-          <a:p>
-            <a:pPr algn="ctr"/>
-            <a:endParaRPr lang="en-GB"/>
-          </a:p>
-        </p:txBody>
-      </p:sp>
-      <p:sp>
-        <p:nvSpPr>
-          <p:cNvPr id="15" name="TextBox 14">
-            <a:extLst>
-              <a:ext uri="{FF2B5EF4-FFF2-40B4-BE49-F238E27FC236}">
-                <a16:creationId xmlns:a16="http://schemas.microsoft.com/office/drawing/2014/main" id="{836BFE35-437A-4358-AB66-71A3B4D2546A}"/>
-              </a:ext>
-            </a:extLst>
-          </p:cNvPr>
-          <p:cNvSpPr txBox="1"/>
-          <p:nvPr/>
-        </p:nvSpPr>
-        <p:spPr>
-          <a:xfrm>
-            <a:off x="172857" y="2738873"/>
-            <a:ext cx="1123063" cy="461665"/>
-          </a:xfrm>
-          <a:prstGeom prst="rect">
-            <a:avLst/>
-          </a:prstGeom>
-          <a:noFill/>
-        </p:spPr>
-        <p:txBody>
-          <a:bodyPr wrap="square" rtlCol="0">
-            <a:spAutoFit/>
-          </a:bodyPr>
-          <a:lstStyle/>
-          <a:p>
-            <a:pPr algn="r"/>
-            <a:r>
-              <a:rPr lang="en-US" sz="2400" dirty="0"/>
-              <a:t>weight</a:t>
-            </a:r>
-          </a:p>
-        </p:txBody>
-      </p:sp>
-      <p:sp>
-        <p:nvSpPr>
-          <p:cNvPr id="65" name="Rectangle 64">
-            <a:extLst>
-              <a:ext uri="{FF2B5EF4-FFF2-40B4-BE49-F238E27FC236}">
-                <a16:creationId xmlns:a16="http://schemas.microsoft.com/office/drawing/2014/main" id="{83FBD113-E516-4929-83AC-0E42CD8E10C9}"/>
-              </a:ext>
-            </a:extLst>
-          </p:cNvPr>
-          <p:cNvSpPr/>
-          <p:nvPr/>
-        </p:nvSpPr>
-        <p:spPr>
-          <a:xfrm>
-            <a:off x="1947024" y="2277209"/>
-            <a:ext cx="483577" cy="461665"/>
-          </a:xfrm>
-          <a:prstGeom prst="rect">
-            <a:avLst/>
-          </a:prstGeom>
-          <a:solidFill>
-            <a:schemeClr val="accent6">
-              <a:lumMod val="60000"/>
-              <a:lumOff val="40000"/>
-            </a:schemeClr>
-          </a:solidFill>
-        </p:spPr>
-        <p:style>
-          <a:lnRef idx="2">
-            <a:schemeClr val="accent1">
-              <a:shade val="50000"/>
-            </a:schemeClr>
-          </a:lnRef>
-          <a:fillRef idx="1">
-            <a:schemeClr val="accent1"/>
-          </a:fillRef>
-          <a:effectRef idx="0">
-            <a:schemeClr val="accent1"/>
-          </a:effectRef>
-          <a:fontRef idx="minor">
-            <a:schemeClr val="lt1"/>
-          </a:fontRef>
-        </p:style>
-        <p:txBody>
-          <a:bodyPr rtlCol="0" anchor="ctr"/>
-          <a:lstStyle/>
-          <a:p>
-            <a:pPr algn="ctr"/>
-            <a:endParaRPr lang="en-GB"/>
-          </a:p>
-        </p:txBody>
-      </p:sp>
-      <p:sp>
-        <p:nvSpPr>
-          <p:cNvPr id="66" name="Rectangle 65">
-            <a:extLst>
-              <a:ext uri="{FF2B5EF4-FFF2-40B4-BE49-F238E27FC236}">
-                <a16:creationId xmlns:a16="http://schemas.microsoft.com/office/drawing/2014/main" id="{EA4DD757-4A84-4C36-B9D7-676D9B0758A4}"/>
-              </a:ext>
-            </a:extLst>
-          </p:cNvPr>
-          <p:cNvSpPr/>
-          <p:nvPr/>
-        </p:nvSpPr>
-        <p:spPr>
-          <a:xfrm>
-            <a:off x="1947024" y="2738874"/>
-            <a:ext cx="483577" cy="461665"/>
-          </a:xfrm>
-          <a:prstGeom prst="rect">
-            <a:avLst/>
-          </a:prstGeom>
-          <a:solidFill>
-            <a:schemeClr val="accent6">
-              <a:lumMod val="75000"/>
-            </a:schemeClr>
-          </a:solidFill>
-        </p:spPr>
-        <p:style>
-          <a:lnRef idx="2">
-            <a:schemeClr val="accent1">
-              <a:shade val="50000"/>
-            </a:schemeClr>
-          </a:lnRef>
-          <a:fillRef idx="1">
-            <a:schemeClr val="accent1"/>
-          </a:fillRef>
-          <a:effectRef idx="0">
-            <a:schemeClr val="accent1"/>
-          </a:effectRef>
-          <a:fontRef idx="minor">
-            <a:schemeClr val="lt1"/>
-          </a:fontRef>
-        </p:style>
-        <p:txBody>
-          <a:bodyPr rtlCol="0" anchor="ctr"/>
-          <a:lstStyle/>
-          <a:p>
-            <a:pPr algn="ctr"/>
-            <a:endParaRPr lang="en-GB"/>
-          </a:p>
-        </p:txBody>
-      </p:sp>
-      <p:sp>
-        <p:nvSpPr>
-          <p:cNvPr id="68" name="Rectangle 67">
-            <a:extLst>
-              <a:ext uri="{FF2B5EF4-FFF2-40B4-BE49-F238E27FC236}">
-                <a16:creationId xmlns:a16="http://schemas.microsoft.com/office/drawing/2014/main" id="{4444B01D-3DED-4831-BE9D-C10B7AF22F25}"/>
-              </a:ext>
-            </a:extLst>
-          </p:cNvPr>
-          <p:cNvSpPr/>
-          <p:nvPr/>
-        </p:nvSpPr>
-        <p:spPr>
-          <a:xfrm>
-            <a:off x="2457452" y="2277209"/>
-            <a:ext cx="483577" cy="461665"/>
-          </a:xfrm>
-          <a:prstGeom prst="rect">
-            <a:avLst/>
-          </a:prstGeom>
-          <a:solidFill>
-            <a:schemeClr val="accent6">
-              <a:lumMod val="60000"/>
-              <a:lumOff val="40000"/>
-            </a:schemeClr>
-          </a:solidFill>
-        </p:spPr>
-        <p:style>
-          <a:lnRef idx="2">
-            <a:schemeClr val="accent1">
-              <a:shade val="50000"/>
-            </a:schemeClr>
-          </a:lnRef>
-          <a:fillRef idx="1">
-            <a:schemeClr val="accent1"/>
-          </a:fillRef>
-          <a:effectRef idx="0">
-            <a:schemeClr val="accent1"/>
-          </a:effectRef>
-          <a:fontRef idx="minor">
-            <a:schemeClr val="lt1"/>
-          </a:fontRef>
-        </p:style>
-        <p:txBody>
-          <a:bodyPr rtlCol="0" anchor="ctr"/>
-          <a:lstStyle/>
-          <a:p>
-            <a:pPr algn="ctr"/>
-            <a:endParaRPr lang="en-GB"/>
-          </a:p>
-        </p:txBody>
-      </p:sp>
-      <p:sp>
-        <p:nvSpPr>
-          <p:cNvPr id="69" name="Rectangle 68">
-            <a:extLst>
-              <a:ext uri="{FF2B5EF4-FFF2-40B4-BE49-F238E27FC236}">
-                <a16:creationId xmlns:a16="http://schemas.microsoft.com/office/drawing/2014/main" id="{92E26926-270D-4119-BD5B-6934C5E2B651}"/>
-              </a:ext>
-            </a:extLst>
-          </p:cNvPr>
-          <p:cNvSpPr/>
-          <p:nvPr/>
-        </p:nvSpPr>
-        <p:spPr>
-          <a:xfrm>
-            <a:off x="2457452" y="2738874"/>
-            <a:ext cx="483577" cy="461665"/>
-          </a:xfrm>
-          <a:prstGeom prst="rect">
-            <a:avLst/>
-          </a:prstGeom>
-          <a:solidFill>
-            <a:schemeClr val="accent6">
-              <a:lumMod val="75000"/>
-            </a:schemeClr>
-          </a:solidFill>
-        </p:spPr>
-        <p:style>
-          <a:lnRef idx="2">
-            <a:schemeClr val="accent1">
-              <a:shade val="50000"/>
-            </a:schemeClr>
-          </a:lnRef>
-          <a:fillRef idx="1">
-            <a:schemeClr val="accent1"/>
-          </a:fillRef>
-          <a:effectRef idx="0">
-            <a:schemeClr val="accent1"/>
-          </a:effectRef>
-          <a:fontRef idx="minor">
-            <a:schemeClr val="lt1"/>
-          </a:fontRef>
-        </p:style>
-        <p:txBody>
-          <a:bodyPr rtlCol="0" anchor="ctr"/>
-          <a:lstStyle/>
-          <a:p>
-            <a:pPr algn="ctr"/>
-            <a:endParaRPr lang="en-GB"/>
-          </a:p>
-        </p:txBody>
-      </p:sp>
-      <p:sp>
-        <p:nvSpPr>
-          <p:cNvPr id="71" name="Rectangle 70">
-            <a:extLst>
-              <a:ext uri="{FF2B5EF4-FFF2-40B4-BE49-F238E27FC236}">
-                <a16:creationId xmlns:a16="http://schemas.microsoft.com/office/drawing/2014/main" id="{099B2BC2-EE0C-49CF-8DB9-03B73F9D81CC}"/>
-              </a:ext>
-            </a:extLst>
-          </p:cNvPr>
-          <p:cNvSpPr/>
-          <p:nvPr/>
-        </p:nvSpPr>
-        <p:spPr>
-          <a:xfrm>
-            <a:off x="2967880" y="2277209"/>
-            <a:ext cx="483577" cy="461665"/>
-          </a:xfrm>
-          <a:prstGeom prst="rect">
-            <a:avLst/>
-          </a:prstGeom>
-          <a:solidFill>
-            <a:schemeClr val="accent6">
-              <a:lumMod val="60000"/>
-              <a:lumOff val="40000"/>
-            </a:schemeClr>
-          </a:solidFill>
-        </p:spPr>
-        <p:style>
-          <a:lnRef idx="2">
-            <a:schemeClr val="accent1">
-              <a:shade val="50000"/>
-            </a:schemeClr>
-          </a:lnRef>
-          <a:fillRef idx="1">
-            <a:schemeClr val="accent1"/>
-          </a:fillRef>
-          <a:effectRef idx="0">
-            <a:schemeClr val="accent1"/>
-          </a:effectRef>
-          <a:fontRef idx="minor">
-            <a:schemeClr val="lt1"/>
-          </a:fontRef>
-        </p:style>
-        <p:txBody>
-          <a:bodyPr rtlCol="0" anchor="ctr"/>
-          <a:lstStyle/>
-          <a:p>
-            <a:pPr algn="ctr"/>
-            <a:endParaRPr lang="en-GB"/>
-          </a:p>
-        </p:txBody>
-      </p:sp>
-      <p:sp>
-        <p:nvSpPr>
-          <p:cNvPr id="72" name="Rectangle 71">
-            <a:extLst>
-              <a:ext uri="{FF2B5EF4-FFF2-40B4-BE49-F238E27FC236}">
-                <a16:creationId xmlns:a16="http://schemas.microsoft.com/office/drawing/2014/main" id="{750434CC-A8F6-4FFA-8830-B7EDF30F0471}"/>
-              </a:ext>
-            </a:extLst>
-          </p:cNvPr>
-          <p:cNvSpPr/>
-          <p:nvPr/>
-        </p:nvSpPr>
-        <p:spPr>
-          <a:xfrm>
-            <a:off x="2967880" y="2738874"/>
-            <a:ext cx="483577" cy="461665"/>
-          </a:xfrm>
-          <a:prstGeom prst="rect">
-            <a:avLst/>
-          </a:prstGeom>
-          <a:solidFill>
-            <a:schemeClr val="accent6">
-              <a:lumMod val="75000"/>
-            </a:schemeClr>
-          </a:solidFill>
-        </p:spPr>
-        <p:style>
-          <a:lnRef idx="2">
-            <a:schemeClr val="accent1">
-              <a:shade val="50000"/>
-            </a:schemeClr>
-          </a:lnRef>
-          <a:fillRef idx="1">
-            <a:schemeClr val="accent1"/>
-          </a:fillRef>
-          <a:effectRef idx="0">
-            <a:schemeClr val="accent1"/>
-          </a:effectRef>
-          <a:fontRef idx="minor">
-            <a:schemeClr val="lt1"/>
-          </a:fontRef>
-        </p:style>
-        <p:txBody>
-          <a:bodyPr rtlCol="0" anchor="ctr"/>
-          <a:lstStyle/>
-          <a:p>
-            <a:pPr algn="ctr"/>
-            <a:endParaRPr lang="en-GB"/>
-          </a:p>
-        </p:txBody>
-      </p:sp>
-      <p:sp>
-        <p:nvSpPr>
-          <p:cNvPr id="74" name="Rectangle 73">
-            <a:extLst>
-              <a:ext uri="{FF2B5EF4-FFF2-40B4-BE49-F238E27FC236}">
-                <a16:creationId xmlns:a16="http://schemas.microsoft.com/office/drawing/2014/main" id="{39E84664-57E8-46EE-ABFD-CB5A05B7EE9F}"/>
-              </a:ext>
-            </a:extLst>
-          </p:cNvPr>
-          <p:cNvSpPr/>
-          <p:nvPr/>
-        </p:nvSpPr>
-        <p:spPr>
-          <a:xfrm>
-            <a:off x="3478308" y="2277209"/>
-            <a:ext cx="483577" cy="461665"/>
-          </a:xfrm>
-          <a:prstGeom prst="rect">
-            <a:avLst/>
-          </a:prstGeom>
-          <a:solidFill>
-            <a:schemeClr val="accent6">
-              <a:lumMod val="60000"/>
-              <a:lumOff val="40000"/>
-            </a:schemeClr>
-          </a:solidFill>
-        </p:spPr>
-        <p:style>
-          <a:lnRef idx="2">
-            <a:schemeClr val="accent1">
-              <a:shade val="50000"/>
-            </a:schemeClr>
-          </a:lnRef>
-          <a:fillRef idx="1">
-            <a:schemeClr val="accent1"/>
-          </a:fillRef>
-          <a:effectRef idx="0">
-            <a:schemeClr val="accent1"/>
-          </a:effectRef>
-          <a:fontRef idx="minor">
-            <a:schemeClr val="lt1"/>
-          </a:fontRef>
-        </p:style>
-        <p:txBody>
-          <a:bodyPr rtlCol="0" anchor="ctr"/>
-          <a:lstStyle/>
-          <a:p>
-            <a:pPr algn="ctr"/>
-            <a:endParaRPr lang="en-GB"/>
-          </a:p>
-        </p:txBody>
-      </p:sp>
-      <p:sp>
-        <p:nvSpPr>
-          <p:cNvPr id="75" name="Rectangle 74">
-            <a:extLst>
-              <a:ext uri="{FF2B5EF4-FFF2-40B4-BE49-F238E27FC236}">
-                <a16:creationId xmlns:a16="http://schemas.microsoft.com/office/drawing/2014/main" id="{45761627-7D0F-401F-92D5-1A9C9CDC16D8}"/>
-              </a:ext>
-            </a:extLst>
-          </p:cNvPr>
-          <p:cNvSpPr/>
-          <p:nvPr/>
-        </p:nvSpPr>
-        <p:spPr>
-          <a:xfrm>
-            <a:off x="3478308" y="2738874"/>
-            <a:ext cx="483577" cy="461665"/>
-          </a:xfrm>
-          <a:prstGeom prst="rect">
-            <a:avLst/>
-          </a:prstGeom>
-          <a:solidFill>
-            <a:schemeClr val="accent6">
-              <a:lumMod val="75000"/>
-            </a:schemeClr>
-          </a:solidFill>
-        </p:spPr>
-        <p:style>
-          <a:lnRef idx="2">
-            <a:schemeClr val="accent1">
-              <a:shade val="50000"/>
-            </a:schemeClr>
-          </a:lnRef>
-          <a:fillRef idx="1">
-            <a:schemeClr val="accent1"/>
-          </a:fillRef>
-          <a:effectRef idx="0">
-            <a:schemeClr val="accent1"/>
-          </a:effectRef>
-          <a:fontRef idx="minor">
-            <a:schemeClr val="lt1"/>
-          </a:fontRef>
-        </p:style>
-        <p:txBody>
-          <a:bodyPr rtlCol="0" anchor="ctr"/>
-          <a:lstStyle/>
-          <a:p>
-            <a:pPr algn="ctr"/>
-            <a:endParaRPr lang="en-GB"/>
-          </a:p>
-        </p:txBody>
-      </p:sp>
-      <p:sp>
-        <p:nvSpPr>
-          <p:cNvPr id="77" name="Rectangle 76">
-            <a:extLst>
-              <a:ext uri="{FF2B5EF4-FFF2-40B4-BE49-F238E27FC236}">
-                <a16:creationId xmlns:a16="http://schemas.microsoft.com/office/drawing/2014/main" id="{766AE563-7AAB-4ECD-BA68-4B403611842D}"/>
-              </a:ext>
-            </a:extLst>
-          </p:cNvPr>
-          <p:cNvSpPr/>
-          <p:nvPr/>
-        </p:nvSpPr>
-        <p:spPr>
-          <a:xfrm>
-            <a:off x="3988736" y="2277209"/>
-            <a:ext cx="483577" cy="461665"/>
-          </a:xfrm>
-          <a:prstGeom prst="rect">
-            <a:avLst/>
-          </a:prstGeom>
-          <a:solidFill>
-            <a:schemeClr val="accent6">
-              <a:lumMod val="60000"/>
-              <a:lumOff val="40000"/>
-            </a:schemeClr>
-          </a:solidFill>
-        </p:spPr>
-        <p:style>
-          <a:lnRef idx="2">
-            <a:schemeClr val="accent1">
-              <a:shade val="50000"/>
-            </a:schemeClr>
-          </a:lnRef>
-          <a:fillRef idx="1">
-            <a:schemeClr val="accent1"/>
-          </a:fillRef>
-          <a:effectRef idx="0">
-            <a:schemeClr val="accent1"/>
-          </a:effectRef>
-          <a:fontRef idx="minor">
-            <a:schemeClr val="lt1"/>
-          </a:fontRef>
-        </p:style>
-        <p:txBody>
-          <a:bodyPr rtlCol="0" anchor="ctr"/>
-          <a:lstStyle/>
-          <a:p>
-            <a:pPr algn="ctr"/>
-            <a:endParaRPr lang="en-GB"/>
-          </a:p>
-        </p:txBody>
-      </p:sp>
-      <p:sp>
-        <p:nvSpPr>
-          <p:cNvPr id="78" name="Rectangle 77">
-            <a:extLst>
-              <a:ext uri="{FF2B5EF4-FFF2-40B4-BE49-F238E27FC236}">
-                <a16:creationId xmlns:a16="http://schemas.microsoft.com/office/drawing/2014/main" id="{E1DC1561-0012-4797-8BF0-4C307FF713E0}"/>
-              </a:ext>
-            </a:extLst>
-          </p:cNvPr>
-          <p:cNvSpPr/>
-          <p:nvPr/>
-        </p:nvSpPr>
-        <p:spPr>
-          <a:xfrm>
-            <a:off x="3988736" y="2738874"/>
-            <a:ext cx="483577" cy="461665"/>
-          </a:xfrm>
-          <a:prstGeom prst="rect">
-            <a:avLst/>
-          </a:prstGeom>
-          <a:solidFill>
-            <a:schemeClr val="accent6">
-              <a:lumMod val="75000"/>
-            </a:schemeClr>
-          </a:solidFill>
-        </p:spPr>
-        <p:style>
-          <a:lnRef idx="2">
-            <a:schemeClr val="accent1">
-              <a:shade val="50000"/>
-            </a:schemeClr>
-          </a:lnRef>
-          <a:fillRef idx="1">
-            <a:schemeClr val="accent1"/>
-          </a:fillRef>
-          <a:effectRef idx="0">
-            <a:schemeClr val="accent1"/>
-          </a:effectRef>
-          <a:fontRef idx="minor">
-            <a:schemeClr val="lt1"/>
-          </a:fontRef>
-        </p:style>
-        <p:txBody>
-          <a:bodyPr rtlCol="0" anchor="ctr"/>
-          <a:lstStyle/>
-          <a:p>
-            <a:pPr algn="ctr"/>
-            <a:endParaRPr lang="en-GB"/>
-          </a:p>
-        </p:txBody>
-      </p:sp>
-      <p:sp>
-        <p:nvSpPr>
-          <p:cNvPr id="80" name="Rectangle 79">
-            <a:extLst>
-              <a:ext uri="{FF2B5EF4-FFF2-40B4-BE49-F238E27FC236}">
-                <a16:creationId xmlns:a16="http://schemas.microsoft.com/office/drawing/2014/main" id="{7698A794-3CE3-4BBC-BEEB-8D0D6C1EF54C}"/>
-              </a:ext>
-            </a:extLst>
-          </p:cNvPr>
-          <p:cNvSpPr/>
-          <p:nvPr/>
-        </p:nvSpPr>
-        <p:spPr>
-          <a:xfrm>
-            <a:off x="4499164" y="2277209"/>
-            <a:ext cx="483577" cy="461665"/>
-          </a:xfrm>
-          <a:prstGeom prst="rect">
-            <a:avLst/>
-          </a:prstGeom>
-          <a:solidFill>
-            <a:schemeClr val="accent6">
-              <a:lumMod val="60000"/>
-              <a:lumOff val="40000"/>
-            </a:schemeClr>
-          </a:solidFill>
-        </p:spPr>
-        <p:style>
-          <a:lnRef idx="2">
-            <a:schemeClr val="accent1">
-              <a:shade val="50000"/>
-            </a:schemeClr>
-          </a:lnRef>
-          <a:fillRef idx="1">
-            <a:schemeClr val="accent1"/>
-          </a:fillRef>
-          <a:effectRef idx="0">
-            <a:schemeClr val="accent1"/>
-          </a:effectRef>
-          <a:fontRef idx="minor">
-            <a:schemeClr val="lt1"/>
-          </a:fontRef>
-        </p:style>
-        <p:txBody>
-          <a:bodyPr rtlCol="0" anchor="ctr"/>
-          <a:lstStyle/>
-          <a:p>
-            <a:pPr algn="ctr"/>
-            <a:endParaRPr lang="en-GB"/>
-          </a:p>
-        </p:txBody>
-      </p:sp>
-      <p:sp>
-        <p:nvSpPr>
-          <p:cNvPr id="81" name="Rectangle 80">
-            <a:extLst>
-              <a:ext uri="{FF2B5EF4-FFF2-40B4-BE49-F238E27FC236}">
-                <a16:creationId xmlns:a16="http://schemas.microsoft.com/office/drawing/2014/main" id="{D49C15A5-ABD8-4B96-B58D-081F1BE951A6}"/>
-              </a:ext>
-            </a:extLst>
-          </p:cNvPr>
-          <p:cNvSpPr/>
-          <p:nvPr/>
-        </p:nvSpPr>
-        <p:spPr>
-          <a:xfrm>
-            <a:off x="4499164" y="2738874"/>
-            <a:ext cx="483577" cy="461665"/>
-          </a:xfrm>
-          <a:prstGeom prst="rect">
-            <a:avLst/>
-          </a:prstGeom>
-          <a:solidFill>
-            <a:schemeClr val="accent6">
-              <a:lumMod val="75000"/>
-            </a:schemeClr>
-          </a:solidFill>
-        </p:spPr>
-        <p:style>
-          <a:lnRef idx="2">
-            <a:schemeClr val="accent1">
-              <a:shade val="50000"/>
-            </a:schemeClr>
-          </a:lnRef>
-          <a:fillRef idx="1">
-            <a:schemeClr val="accent1"/>
-          </a:fillRef>
-          <a:effectRef idx="0">
-            <a:schemeClr val="accent1"/>
-          </a:effectRef>
-          <a:fontRef idx="minor">
-            <a:schemeClr val="lt1"/>
-          </a:fontRef>
-        </p:style>
-        <p:txBody>
-          <a:bodyPr rtlCol="0" anchor="ctr"/>
-          <a:lstStyle/>
-          <a:p>
-            <a:pPr algn="ctr"/>
-            <a:endParaRPr lang="en-GB"/>
-          </a:p>
-        </p:txBody>
-      </p:sp>
-      <p:sp>
-        <p:nvSpPr>
-          <p:cNvPr id="83" name="Rectangle 82">
-            <a:extLst>
-              <a:ext uri="{FF2B5EF4-FFF2-40B4-BE49-F238E27FC236}">
-                <a16:creationId xmlns:a16="http://schemas.microsoft.com/office/drawing/2014/main" id="{2924BD3C-0199-49A5-B11E-77DEC51423CD}"/>
-              </a:ext>
-            </a:extLst>
-          </p:cNvPr>
-          <p:cNvSpPr/>
-          <p:nvPr/>
-        </p:nvSpPr>
-        <p:spPr>
-          <a:xfrm>
-            <a:off x="5009592" y="2277209"/>
-            <a:ext cx="483577" cy="461665"/>
-          </a:xfrm>
-          <a:prstGeom prst="rect">
-            <a:avLst/>
-          </a:prstGeom>
-          <a:solidFill>
-            <a:schemeClr val="accent6">
-              <a:lumMod val="60000"/>
-              <a:lumOff val="40000"/>
-            </a:schemeClr>
-          </a:solidFill>
-        </p:spPr>
-        <p:style>
-          <a:lnRef idx="2">
-            <a:schemeClr val="accent1">
-              <a:shade val="50000"/>
-            </a:schemeClr>
-          </a:lnRef>
-          <a:fillRef idx="1">
-            <a:schemeClr val="accent1"/>
-          </a:fillRef>
-          <a:effectRef idx="0">
-            <a:schemeClr val="accent1"/>
-          </a:effectRef>
-          <a:fontRef idx="minor">
-            <a:schemeClr val="lt1"/>
-          </a:fontRef>
-        </p:style>
-        <p:txBody>
-          <a:bodyPr rtlCol="0" anchor="ctr"/>
-          <a:lstStyle/>
-          <a:p>
-            <a:pPr algn="ctr"/>
-            <a:endParaRPr lang="en-GB"/>
-          </a:p>
-        </p:txBody>
-      </p:sp>
-      <p:sp>
-        <p:nvSpPr>
-          <p:cNvPr id="84" name="Rectangle 83">
-            <a:extLst>
-              <a:ext uri="{FF2B5EF4-FFF2-40B4-BE49-F238E27FC236}">
-                <a16:creationId xmlns:a16="http://schemas.microsoft.com/office/drawing/2014/main" id="{E8A67E25-54FB-44B6-8D10-92B3EB04B109}"/>
-              </a:ext>
-            </a:extLst>
-          </p:cNvPr>
-          <p:cNvSpPr/>
-          <p:nvPr/>
-        </p:nvSpPr>
-        <p:spPr>
-          <a:xfrm>
-            <a:off x="5009592" y="2738874"/>
-            <a:ext cx="483577" cy="461665"/>
-          </a:xfrm>
-          <a:prstGeom prst="rect">
-            <a:avLst/>
-          </a:prstGeom>
-          <a:solidFill>
-            <a:schemeClr val="accent6">
-              <a:lumMod val="75000"/>
-            </a:schemeClr>
-          </a:solidFill>
-        </p:spPr>
-        <p:style>
-          <a:lnRef idx="2">
-            <a:schemeClr val="accent1">
-              <a:shade val="50000"/>
-            </a:schemeClr>
-          </a:lnRef>
-          <a:fillRef idx="1">
-            <a:schemeClr val="accent1"/>
-          </a:fillRef>
-          <a:effectRef idx="0">
-            <a:schemeClr val="accent1"/>
-          </a:effectRef>
-          <a:fontRef idx="minor">
-            <a:schemeClr val="lt1"/>
-          </a:fontRef>
-        </p:style>
-        <p:txBody>
-          <a:bodyPr rtlCol="0" anchor="ctr"/>
-          <a:lstStyle/>
-          <a:p>
-            <a:pPr algn="ctr"/>
-            <a:endParaRPr lang="en-GB"/>
-          </a:p>
-        </p:txBody>
-      </p:sp>
-      <p:sp>
-        <p:nvSpPr>
-          <p:cNvPr id="86" name="Rectangle 85">
-            <a:extLst>
-              <a:ext uri="{FF2B5EF4-FFF2-40B4-BE49-F238E27FC236}">
-                <a16:creationId xmlns:a16="http://schemas.microsoft.com/office/drawing/2014/main" id="{6CFE3B9A-ACBD-48DB-92AF-72D04A623709}"/>
-              </a:ext>
-            </a:extLst>
-          </p:cNvPr>
-          <p:cNvSpPr/>
-          <p:nvPr/>
-        </p:nvSpPr>
-        <p:spPr>
-          <a:xfrm>
-            <a:off x="5520020" y="2277209"/>
-            <a:ext cx="483577" cy="461665"/>
-          </a:xfrm>
-          <a:prstGeom prst="rect">
-            <a:avLst/>
-          </a:prstGeom>
-          <a:solidFill>
-            <a:schemeClr val="accent6">
-              <a:lumMod val="60000"/>
-              <a:lumOff val="40000"/>
-            </a:schemeClr>
-          </a:solidFill>
-        </p:spPr>
-        <p:style>
-          <a:lnRef idx="2">
-            <a:schemeClr val="accent1">
-              <a:shade val="50000"/>
-            </a:schemeClr>
-          </a:lnRef>
-          <a:fillRef idx="1">
-            <a:schemeClr val="accent1"/>
-          </a:fillRef>
-          <a:effectRef idx="0">
-            <a:schemeClr val="accent1"/>
-          </a:effectRef>
-          <a:fontRef idx="minor">
-            <a:schemeClr val="lt1"/>
-          </a:fontRef>
-        </p:style>
-        <p:txBody>
-          <a:bodyPr rtlCol="0" anchor="ctr"/>
-          <a:lstStyle/>
-          <a:p>
-            <a:pPr algn="ctr"/>
-            <a:endParaRPr lang="en-GB"/>
-          </a:p>
-        </p:txBody>
-      </p:sp>
-      <p:sp>
-        <p:nvSpPr>
-          <p:cNvPr id="87" name="Rectangle 86">
-            <a:extLst>
-              <a:ext uri="{FF2B5EF4-FFF2-40B4-BE49-F238E27FC236}">
-                <a16:creationId xmlns:a16="http://schemas.microsoft.com/office/drawing/2014/main" id="{00DD0895-4F5D-43F3-AAB4-21D16DC850EE}"/>
-              </a:ext>
-            </a:extLst>
-          </p:cNvPr>
-          <p:cNvSpPr/>
-          <p:nvPr/>
-        </p:nvSpPr>
-        <p:spPr>
-          <a:xfrm>
-            <a:off x="5520020" y="2738874"/>
-            <a:ext cx="483577" cy="461665"/>
-          </a:xfrm>
-          <a:prstGeom prst="rect">
-            <a:avLst/>
-          </a:prstGeom>
-          <a:solidFill>
-            <a:schemeClr val="accent6">
-              <a:lumMod val="75000"/>
-            </a:schemeClr>
-          </a:solidFill>
-        </p:spPr>
-        <p:style>
-          <a:lnRef idx="2">
-            <a:schemeClr val="accent1">
-              <a:shade val="50000"/>
-            </a:schemeClr>
-          </a:lnRef>
-          <a:fillRef idx="1">
-            <a:schemeClr val="accent1"/>
-          </a:fillRef>
-          <a:effectRef idx="0">
-            <a:schemeClr val="accent1"/>
-          </a:effectRef>
-          <a:fontRef idx="minor">
-            <a:schemeClr val="lt1"/>
-          </a:fontRef>
-        </p:style>
-        <p:txBody>
-          <a:bodyPr rtlCol="0" anchor="ctr"/>
-          <a:lstStyle/>
-          <a:p>
-            <a:pPr algn="ctr"/>
-            <a:endParaRPr lang="en-GB"/>
-          </a:p>
-        </p:txBody>
-      </p:sp>
-      <p:sp>
-        <p:nvSpPr>
-          <p:cNvPr id="89" name="Rectangle 88">
-            <a:extLst>
-              <a:ext uri="{FF2B5EF4-FFF2-40B4-BE49-F238E27FC236}">
-                <a16:creationId xmlns:a16="http://schemas.microsoft.com/office/drawing/2014/main" id="{8ABE7218-DADF-4C43-A0F2-A5C10087F9D4}"/>
-              </a:ext>
-            </a:extLst>
-          </p:cNvPr>
-          <p:cNvSpPr/>
-          <p:nvPr/>
-        </p:nvSpPr>
-        <p:spPr>
-          <a:xfrm>
-            <a:off x="6030448" y="2277209"/>
-            <a:ext cx="483577" cy="461665"/>
-          </a:xfrm>
-          <a:prstGeom prst="rect">
-            <a:avLst/>
-          </a:prstGeom>
-          <a:solidFill>
-            <a:schemeClr val="accent6">
-              <a:lumMod val="60000"/>
-              <a:lumOff val="40000"/>
-            </a:schemeClr>
-          </a:solidFill>
-        </p:spPr>
-        <p:style>
-          <a:lnRef idx="2">
-            <a:schemeClr val="accent1">
-              <a:shade val="50000"/>
-            </a:schemeClr>
-          </a:lnRef>
-          <a:fillRef idx="1">
-            <a:schemeClr val="accent1"/>
-          </a:fillRef>
-          <a:effectRef idx="0">
-            <a:schemeClr val="accent1"/>
-          </a:effectRef>
-          <a:fontRef idx="minor">
-            <a:schemeClr val="lt1"/>
-          </a:fontRef>
-        </p:style>
-        <p:txBody>
-          <a:bodyPr rtlCol="0" anchor="ctr"/>
-          <a:lstStyle/>
-          <a:p>
-            <a:pPr algn="ctr"/>
-            <a:endParaRPr lang="en-GB"/>
-          </a:p>
-        </p:txBody>
-      </p:sp>
-      <p:sp>
-        <p:nvSpPr>
-          <p:cNvPr id="90" name="Rectangle 89">
-            <a:extLst>
-              <a:ext uri="{FF2B5EF4-FFF2-40B4-BE49-F238E27FC236}">
-                <a16:creationId xmlns:a16="http://schemas.microsoft.com/office/drawing/2014/main" id="{01DEF27C-D1E8-4599-A887-80CB537D4C27}"/>
-              </a:ext>
-            </a:extLst>
-          </p:cNvPr>
-          <p:cNvSpPr/>
-          <p:nvPr/>
-        </p:nvSpPr>
-        <p:spPr>
-          <a:xfrm>
-            <a:off x="6030448" y="2738874"/>
-            <a:ext cx="483577" cy="461665"/>
-          </a:xfrm>
-          <a:prstGeom prst="rect">
-            <a:avLst/>
-          </a:prstGeom>
-          <a:solidFill>
-            <a:schemeClr val="accent6">
-              <a:lumMod val="75000"/>
-            </a:schemeClr>
-          </a:solidFill>
-        </p:spPr>
-        <p:style>
-          <a:lnRef idx="2">
-            <a:schemeClr val="accent1">
-              <a:shade val="50000"/>
-            </a:schemeClr>
-          </a:lnRef>
-          <a:fillRef idx="1">
-            <a:schemeClr val="accent1"/>
-          </a:fillRef>
-          <a:effectRef idx="0">
-            <a:schemeClr val="accent1"/>
-          </a:effectRef>
-          <a:fontRef idx="minor">
-            <a:schemeClr val="lt1"/>
-          </a:fontRef>
-        </p:style>
-        <p:txBody>
-          <a:bodyPr rtlCol="0" anchor="ctr"/>
-          <a:lstStyle/>
-          <a:p>
-            <a:pPr algn="ctr"/>
-            <a:endParaRPr lang="en-GB"/>
-          </a:p>
-        </p:txBody>
-      </p:sp>
-      <p:sp>
-        <p:nvSpPr>
-          <p:cNvPr id="92" name="Rectangle 91">
-            <a:extLst>
-              <a:ext uri="{FF2B5EF4-FFF2-40B4-BE49-F238E27FC236}">
-                <a16:creationId xmlns:a16="http://schemas.microsoft.com/office/drawing/2014/main" id="{C880895A-B6A5-498A-A0F5-35727C2C6514}"/>
-              </a:ext>
-            </a:extLst>
-          </p:cNvPr>
-          <p:cNvSpPr/>
-          <p:nvPr/>
-        </p:nvSpPr>
-        <p:spPr>
-          <a:xfrm>
-            <a:off x="6540876" y="2277209"/>
-            <a:ext cx="483577" cy="461665"/>
-          </a:xfrm>
-          <a:prstGeom prst="rect">
-            <a:avLst/>
-          </a:prstGeom>
-          <a:solidFill>
-            <a:schemeClr val="accent6">
-              <a:lumMod val="60000"/>
-              <a:lumOff val="40000"/>
-            </a:schemeClr>
-          </a:solidFill>
-        </p:spPr>
-        <p:style>
-          <a:lnRef idx="2">
-            <a:schemeClr val="accent1">
-              <a:shade val="50000"/>
-            </a:schemeClr>
-          </a:lnRef>
-          <a:fillRef idx="1">
-            <a:schemeClr val="accent1"/>
-          </a:fillRef>
-          <a:effectRef idx="0">
-            <a:schemeClr val="accent1"/>
-          </a:effectRef>
-          <a:fontRef idx="minor">
-            <a:schemeClr val="lt1"/>
-          </a:fontRef>
-        </p:style>
-        <p:txBody>
-          <a:bodyPr rtlCol="0" anchor="ctr"/>
-          <a:lstStyle/>
-          <a:p>
-            <a:pPr algn="ctr"/>
-            <a:endParaRPr lang="en-GB"/>
-          </a:p>
-        </p:txBody>
-      </p:sp>
-      <p:sp>
-        <p:nvSpPr>
-          <p:cNvPr id="93" name="Rectangle 92">
-            <a:extLst>
-              <a:ext uri="{FF2B5EF4-FFF2-40B4-BE49-F238E27FC236}">
-                <a16:creationId xmlns:a16="http://schemas.microsoft.com/office/drawing/2014/main" id="{3EB03234-A890-4E93-8A6D-A6733CE954D7}"/>
-              </a:ext>
-            </a:extLst>
-          </p:cNvPr>
-          <p:cNvSpPr/>
-          <p:nvPr/>
-        </p:nvSpPr>
-        <p:spPr>
-          <a:xfrm>
-            <a:off x="6540876" y="2738874"/>
-            <a:ext cx="483577" cy="461665"/>
-          </a:xfrm>
-          <a:prstGeom prst="rect">
-            <a:avLst/>
-          </a:prstGeom>
-          <a:solidFill>
-            <a:schemeClr val="accent6">
-              <a:lumMod val="75000"/>
-            </a:schemeClr>
-          </a:solidFill>
-        </p:spPr>
-        <p:style>
-          <a:lnRef idx="2">
-            <a:schemeClr val="accent1">
-              <a:shade val="50000"/>
-            </a:schemeClr>
-          </a:lnRef>
-          <a:fillRef idx="1">
-            <a:schemeClr val="accent1"/>
-          </a:fillRef>
-          <a:effectRef idx="0">
-            <a:schemeClr val="accent1"/>
-          </a:effectRef>
-          <a:fontRef idx="minor">
-            <a:schemeClr val="lt1"/>
-          </a:fontRef>
-        </p:style>
-        <p:txBody>
-          <a:bodyPr rtlCol="0" anchor="ctr"/>
-          <a:lstStyle/>
-          <a:p>
-            <a:pPr algn="ctr"/>
-            <a:endParaRPr lang="en-GB"/>
-          </a:p>
-        </p:txBody>
-      </p:sp>
-      <p:sp>
-        <p:nvSpPr>
-          <p:cNvPr id="95" name="Rectangle 94">
-            <a:extLst>
-              <a:ext uri="{FF2B5EF4-FFF2-40B4-BE49-F238E27FC236}">
-                <a16:creationId xmlns:a16="http://schemas.microsoft.com/office/drawing/2014/main" id="{97100DA1-E118-4937-B909-4F118BB4AF08}"/>
-              </a:ext>
-            </a:extLst>
-          </p:cNvPr>
-          <p:cNvSpPr/>
-          <p:nvPr/>
-        </p:nvSpPr>
-        <p:spPr>
-          <a:xfrm>
-            <a:off x="7051304" y="2277209"/>
-            <a:ext cx="483577" cy="461665"/>
-          </a:xfrm>
-          <a:prstGeom prst="rect">
-            <a:avLst/>
-          </a:prstGeom>
-          <a:solidFill>
-            <a:schemeClr val="accent6">
-              <a:lumMod val="60000"/>
-              <a:lumOff val="40000"/>
-            </a:schemeClr>
-          </a:solidFill>
-        </p:spPr>
-        <p:style>
-          <a:lnRef idx="2">
-            <a:schemeClr val="accent1">
-              <a:shade val="50000"/>
-            </a:schemeClr>
-          </a:lnRef>
-          <a:fillRef idx="1">
-            <a:schemeClr val="accent1"/>
-          </a:fillRef>
-          <a:effectRef idx="0">
-            <a:schemeClr val="accent1"/>
-          </a:effectRef>
-          <a:fontRef idx="minor">
-            <a:schemeClr val="lt1"/>
-          </a:fontRef>
-        </p:style>
-        <p:txBody>
-          <a:bodyPr rtlCol="0" anchor="ctr"/>
-          <a:lstStyle/>
-          <a:p>
-            <a:pPr algn="ctr"/>
-            <a:endParaRPr lang="en-GB"/>
-          </a:p>
-        </p:txBody>
-      </p:sp>
-      <p:sp>
-        <p:nvSpPr>
-          <p:cNvPr id="96" name="Rectangle 95">
-            <a:extLst>
-              <a:ext uri="{FF2B5EF4-FFF2-40B4-BE49-F238E27FC236}">
-                <a16:creationId xmlns:a16="http://schemas.microsoft.com/office/drawing/2014/main" id="{AE6E58DF-EFB3-42EA-9F73-994E58E99182}"/>
-              </a:ext>
-            </a:extLst>
-          </p:cNvPr>
-          <p:cNvSpPr/>
-          <p:nvPr/>
-        </p:nvSpPr>
-        <p:spPr>
-          <a:xfrm>
-            <a:off x="7051304" y="2738874"/>
-            <a:ext cx="483577" cy="461665"/>
-          </a:xfrm>
-          <a:prstGeom prst="rect">
-            <a:avLst/>
-          </a:prstGeom>
-          <a:solidFill>
-            <a:schemeClr val="accent6">
-              <a:lumMod val="75000"/>
-            </a:schemeClr>
-          </a:solidFill>
-        </p:spPr>
-        <p:style>
-          <a:lnRef idx="2">
-            <a:schemeClr val="accent1">
-              <a:shade val="50000"/>
-            </a:schemeClr>
-          </a:lnRef>
-          <a:fillRef idx="1">
-            <a:schemeClr val="accent1"/>
-          </a:fillRef>
-          <a:effectRef idx="0">
-            <a:schemeClr val="accent1"/>
-          </a:effectRef>
-          <a:fontRef idx="minor">
-            <a:schemeClr val="lt1"/>
-          </a:fontRef>
-        </p:style>
-        <p:txBody>
-          <a:bodyPr rtlCol="0" anchor="ctr"/>
-          <a:lstStyle/>
-          <a:p>
-            <a:pPr algn="ctr"/>
-            <a:endParaRPr lang="en-GB"/>
-          </a:p>
-        </p:txBody>
-      </p:sp>
-      <p:sp>
-        <p:nvSpPr>
-          <p:cNvPr id="98" name="Rectangle 97">
-            <a:extLst>
-              <a:ext uri="{FF2B5EF4-FFF2-40B4-BE49-F238E27FC236}">
-                <a16:creationId xmlns:a16="http://schemas.microsoft.com/office/drawing/2014/main" id="{2FD4FFBA-AF67-405D-9E48-C91DFD75D10B}"/>
-              </a:ext>
-            </a:extLst>
-          </p:cNvPr>
-          <p:cNvSpPr/>
-          <p:nvPr/>
-        </p:nvSpPr>
-        <p:spPr>
-          <a:xfrm>
-            <a:off x="7561732" y="2277209"/>
-            <a:ext cx="483577" cy="461665"/>
-          </a:xfrm>
-          <a:prstGeom prst="rect">
-            <a:avLst/>
-          </a:prstGeom>
-          <a:solidFill>
-            <a:schemeClr val="accent6">
-              <a:lumMod val="60000"/>
-              <a:lumOff val="40000"/>
-            </a:schemeClr>
-          </a:solidFill>
-        </p:spPr>
-        <p:style>
-          <a:lnRef idx="2">
-            <a:schemeClr val="accent1">
-              <a:shade val="50000"/>
-            </a:schemeClr>
-          </a:lnRef>
-          <a:fillRef idx="1">
-            <a:schemeClr val="accent1"/>
-          </a:fillRef>
-          <a:effectRef idx="0">
-            <a:schemeClr val="accent1"/>
-          </a:effectRef>
-          <a:fontRef idx="minor">
-            <a:schemeClr val="lt1"/>
-          </a:fontRef>
-        </p:style>
-        <p:txBody>
-          <a:bodyPr rtlCol="0" anchor="ctr"/>
-          <a:lstStyle/>
-          <a:p>
-            <a:pPr algn="ctr"/>
-            <a:endParaRPr lang="en-GB"/>
-          </a:p>
-        </p:txBody>
-      </p:sp>
-      <p:sp>
-        <p:nvSpPr>
-          <p:cNvPr id="99" name="Rectangle 98">
-            <a:extLst>
-              <a:ext uri="{FF2B5EF4-FFF2-40B4-BE49-F238E27FC236}">
-                <a16:creationId xmlns:a16="http://schemas.microsoft.com/office/drawing/2014/main" id="{1FFF5589-8088-48C7-8E53-CC6448ACE929}"/>
-              </a:ext>
-            </a:extLst>
-          </p:cNvPr>
-          <p:cNvSpPr/>
-          <p:nvPr/>
-        </p:nvSpPr>
-        <p:spPr>
-          <a:xfrm>
-            <a:off x="7561732" y="2738874"/>
-            <a:ext cx="483577" cy="461665"/>
-          </a:xfrm>
-          <a:prstGeom prst="rect">
-            <a:avLst/>
-          </a:prstGeom>
-          <a:solidFill>
-            <a:schemeClr val="accent6">
-              <a:lumMod val="75000"/>
-            </a:schemeClr>
-          </a:solidFill>
-        </p:spPr>
-        <p:style>
-          <a:lnRef idx="2">
-            <a:schemeClr val="accent1">
-              <a:shade val="50000"/>
-            </a:schemeClr>
-          </a:lnRef>
-          <a:fillRef idx="1">
-            <a:schemeClr val="accent1"/>
-          </a:fillRef>
-          <a:effectRef idx="0">
-            <a:schemeClr val="accent1"/>
-          </a:effectRef>
-          <a:fontRef idx="minor">
-            <a:schemeClr val="lt1"/>
-          </a:fontRef>
-        </p:style>
-        <p:txBody>
-          <a:bodyPr rtlCol="0" anchor="ctr"/>
-          <a:lstStyle/>
-          <a:p>
-            <a:pPr algn="ctr"/>
-            <a:endParaRPr lang="en-GB"/>
-          </a:p>
-        </p:txBody>
-      </p:sp>
-      <p:sp>
-        <p:nvSpPr>
-          <p:cNvPr id="101" name="Rectangle 100">
-            <a:extLst>
-              <a:ext uri="{FF2B5EF4-FFF2-40B4-BE49-F238E27FC236}">
-                <a16:creationId xmlns:a16="http://schemas.microsoft.com/office/drawing/2014/main" id="{56EBD5DD-06CA-43A2-8973-4C7699E7EE12}"/>
-              </a:ext>
-            </a:extLst>
-          </p:cNvPr>
-          <p:cNvSpPr/>
-          <p:nvPr/>
-        </p:nvSpPr>
-        <p:spPr>
-          <a:xfrm>
-            <a:off x="8072160" y="2277209"/>
-            <a:ext cx="483577" cy="461665"/>
-          </a:xfrm>
-          <a:prstGeom prst="rect">
-            <a:avLst/>
-          </a:prstGeom>
-          <a:solidFill>
-            <a:schemeClr val="accent6">
-              <a:lumMod val="60000"/>
-              <a:lumOff val="40000"/>
-            </a:schemeClr>
-          </a:solidFill>
-        </p:spPr>
-        <p:style>
-          <a:lnRef idx="2">
-            <a:schemeClr val="accent1">
-              <a:shade val="50000"/>
-            </a:schemeClr>
-          </a:lnRef>
-          <a:fillRef idx="1">
-            <a:schemeClr val="accent1"/>
-          </a:fillRef>
-          <a:effectRef idx="0">
-            <a:schemeClr val="accent1"/>
-          </a:effectRef>
-          <a:fontRef idx="minor">
-            <a:schemeClr val="lt1"/>
-          </a:fontRef>
-        </p:style>
-        <p:txBody>
-          <a:bodyPr rtlCol="0" anchor="ctr"/>
-          <a:lstStyle/>
-          <a:p>
-            <a:pPr algn="ctr"/>
-            <a:endParaRPr lang="en-GB"/>
-          </a:p>
-        </p:txBody>
-      </p:sp>
-      <p:sp>
-        <p:nvSpPr>
-          <p:cNvPr id="102" name="Rectangle 101">
-            <a:extLst>
-              <a:ext uri="{FF2B5EF4-FFF2-40B4-BE49-F238E27FC236}">
-                <a16:creationId xmlns:a16="http://schemas.microsoft.com/office/drawing/2014/main" id="{6983935F-C07A-4BDB-AE11-492009F7FBB8}"/>
-              </a:ext>
-            </a:extLst>
-          </p:cNvPr>
-          <p:cNvSpPr/>
-          <p:nvPr/>
-        </p:nvSpPr>
-        <p:spPr>
-          <a:xfrm>
-            <a:off x="8072160" y="2738874"/>
-            <a:ext cx="483577" cy="461665"/>
-          </a:xfrm>
-          <a:prstGeom prst="rect">
-            <a:avLst/>
-          </a:prstGeom>
-          <a:solidFill>
-            <a:schemeClr val="accent6">
-              <a:lumMod val="75000"/>
-            </a:schemeClr>
-          </a:solidFill>
-        </p:spPr>
-        <p:style>
-          <a:lnRef idx="2">
-            <a:schemeClr val="accent1">
-              <a:shade val="50000"/>
-            </a:schemeClr>
-          </a:lnRef>
-          <a:fillRef idx="1">
-            <a:schemeClr val="accent1"/>
-          </a:fillRef>
-          <a:effectRef idx="0">
-            <a:schemeClr val="accent1"/>
-          </a:effectRef>
-          <a:fontRef idx="minor">
-            <a:schemeClr val="lt1"/>
-          </a:fontRef>
-        </p:style>
-        <p:txBody>
-          <a:bodyPr rtlCol="0" anchor="ctr"/>
-          <a:lstStyle/>
-          <a:p>
-            <a:pPr algn="ctr"/>
-            <a:endParaRPr lang="en-GB"/>
-          </a:p>
-        </p:txBody>
-      </p:sp>
-      <p:sp>
-        <p:nvSpPr>
-          <p:cNvPr id="104" name="Rectangle 103">
-            <a:extLst>
-              <a:ext uri="{FF2B5EF4-FFF2-40B4-BE49-F238E27FC236}">
-                <a16:creationId xmlns:a16="http://schemas.microsoft.com/office/drawing/2014/main" id="{35CB2E4D-444F-49CE-AC5B-BE2B162F49A8}"/>
-              </a:ext>
-            </a:extLst>
-          </p:cNvPr>
-          <p:cNvSpPr/>
-          <p:nvPr/>
-        </p:nvSpPr>
-        <p:spPr>
-          <a:xfrm>
-            <a:off x="8582588" y="2277209"/>
-            <a:ext cx="483577" cy="461665"/>
-          </a:xfrm>
-          <a:prstGeom prst="rect">
-            <a:avLst/>
-          </a:prstGeom>
-          <a:solidFill>
-            <a:schemeClr val="accent6">
-              <a:lumMod val="60000"/>
-              <a:lumOff val="40000"/>
-            </a:schemeClr>
-          </a:solidFill>
-        </p:spPr>
-        <p:style>
-          <a:lnRef idx="2">
-            <a:schemeClr val="accent1">
-              <a:shade val="50000"/>
-            </a:schemeClr>
-          </a:lnRef>
-          <a:fillRef idx="1">
-            <a:schemeClr val="accent1"/>
-          </a:fillRef>
-          <a:effectRef idx="0">
-            <a:schemeClr val="accent1"/>
-          </a:effectRef>
-          <a:fontRef idx="minor">
-            <a:schemeClr val="lt1"/>
-          </a:fontRef>
-        </p:style>
-        <p:txBody>
-          <a:bodyPr rtlCol="0" anchor="ctr"/>
-          <a:lstStyle/>
-          <a:p>
-            <a:pPr algn="ctr"/>
-            <a:endParaRPr lang="en-GB"/>
-          </a:p>
-        </p:txBody>
-      </p:sp>
-      <p:sp>
-        <p:nvSpPr>
-          <p:cNvPr id="105" name="Rectangle 104">
-            <a:extLst>
-              <a:ext uri="{FF2B5EF4-FFF2-40B4-BE49-F238E27FC236}">
-                <a16:creationId xmlns:a16="http://schemas.microsoft.com/office/drawing/2014/main" id="{7E17953F-03B0-4346-A774-BCEA65AE2A45}"/>
-              </a:ext>
-            </a:extLst>
-          </p:cNvPr>
-          <p:cNvSpPr/>
-          <p:nvPr/>
-        </p:nvSpPr>
-        <p:spPr>
-          <a:xfrm>
-            <a:off x="8582588" y="2738874"/>
-            <a:ext cx="483577" cy="461665"/>
-          </a:xfrm>
-          <a:prstGeom prst="rect">
-            <a:avLst/>
-          </a:prstGeom>
-          <a:solidFill>
-            <a:schemeClr val="accent6">
-              <a:lumMod val="75000"/>
-            </a:schemeClr>
-          </a:solidFill>
-        </p:spPr>
-        <p:style>
-          <a:lnRef idx="2">
-            <a:schemeClr val="accent1">
-              <a:shade val="50000"/>
-            </a:schemeClr>
-          </a:lnRef>
-          <a:fillRef idx="1">
-            <a:schemeClr val="accent1"/>
-          </a:fillRef>
-          <a:effectRef idx="0">
-            <a:schemeClr val="accent1"/>
-          </a:effectRef>
-          <a:fontRef idx="minor">
-            <a:schemeClr val="lt1"/>
-          </a:fontRef>
-        </p:style>
-        <p:txBody>
-          <a:bodyPr rtlCol="0" anchor="ctr"/>
-          <a:lstStyle/>
-          <a:p>
-            <a:pPr algn="ctr"/>
-            <a:endParaRPr lang="en-GB"/>
-          </a:p>
-        </p:txBody>
-      </p:sp>
-      <p:sp>
-        <p:nvSpPr>
-          <p:cNvPr id="107" name="Rectangle 106">
-            <a:extLst>
-              <a:ext uri="{FF2B5EF4-FFF2-40B4-BE49-F238E27FC236}">
-                <a16:creationId xmlns:a16="http://schemas.microsoft.com/office/drawing/2014/main" id="{2A462202-987D-4F83-9638-C76E62A60418}"/>
-              </a:ext>
-            </a:extLst>
-          </p:cNvPr>
-          <p:cNvSpPr/>
-          <p:nvPr/>
-        </p:nvSpPr>
-        <p:spPr>
-          <a:xfrm>
-            <a:off x="9093016" y="2277209"/>
-            <a:ext cx="483577" cy="461665"/>
-          </a:xfrm>
-          <a:prstGeom prst="rect">
-            <a:avLst/>
-          </a:prstGeom>
-          <a:solidFill>
-            <a:schemeClr val="accent6">
-              <a:lumMod val="60000"/>
-              <a:lumOff val="40000"/>
-            </a:schemeClr>
-          </a:solidFill>
-        </p:spPr>
-        <p:style>
-          <a:lnRef idx="2">
-            <a:schemeClr val="accent1">
-              <a:shade val="50000"/>
-            </a:schemeClr>
-          </a:lnRef>
-          <a:fillRef idx="1">
-            <a:schemeClr val="accent1"/>
-          </a:fillRef>
-          <a:effectRef idx="0">
-            <a:schemeClr val="accent1"/>
-          </a:effectRef>
-          <a:fontRef idx="minor">
-            <a:schemeClr val="lt1"/>
-          </a:fontRef>
-        </p:style>
-        <p:txBody>
-          <a:bodyPr rtlCol="0" anchor="ctr"/>
-          <a:lstStyle/>
-          <a:p>
-            <a:pPr algn="ctr"/>
-            <a:endParaRPr lang="en-GB"/>
-          </a:p>
-        </p:txBody>
-      </p:sp>
-      <p:sp>
-        <p:nvSpPr>
-          <p:cNvPr id="108" name="Rectangle 107">
-            <a:extLst>
-              <a:ext uri="{FF2B5EF4-FFF2-40B4-BE49-F238E27FC236}">
-                <a16:creationId xmlns:a16="http://schemas.microsoft.com/office/drawing/2014/main" id="{B60A0148-13EA-4B56-8431-8A64277B0746}"/>
-              </a:ext>
-            </a:extLst>
-          </p:cNvPr>
-          <p:cNvSpPr/>
-          <p:nvPr/>
-        </p:nvSpPr>
-        <p:spPr>
-          <a:xfrm>
-            <a:off x="9093016" y="2738874"/>
-            <a:ext cx="483577" cy="461665"/>
-          </a:xfrm>
-          <a:prstGeom prst="rect">
-            <a:avLst/>
-          </a:prstGeom>
-          <a:solidFill>
-            <a:schemeClr val="accent6">
-              <a:lumMod val="75000"/>
-            </a:schemeClr>
-          </a:solidFill>
-        </p:spPr>
-        <p:style>
-          <a:lnRef idx="2">
-            <a:schemeClr val="accent1">
-              <a:shade val="50000"/>
-            </a:schemeClr>
-          </a:lnRef>
-          <a:fillRef idx="1">
-            <a:schemeClr val="accent1"/>
-          </a:fillRef>
-          <a:effectRef idx="0">
-            <a:schemeClr val="accent1"/>
-          </a:effectRef>
-          <a:fontRef idx="minor">
-            <a:schemeClr val="lt1"/>
-          </a:fontRef>
-        </p:style>
-        <p:txBody>
-          <a:bodyPr rtlCol="0" anchor="ctr"/>
-          <a:lstStyle/>
-          <a:p>
-            <a:pPr algn="ctr"/>
-            <a:endParaRPr lang="en-GB"/>
-          </a:p>
-        </p:txBody>
-      </p:sp>
-      <p:sp>
-        <p:nvSpPr>
-          <p:cNvPr id="110" name="Rectangle 109">
-            <a:extLst>
-              <a:ext uri="{FF2B5EF4-FFF2-40B4-BE49-F238E27FC236}">
-                <a16:creationId xmlns:a16="http://schemas.microsoft.com/office/drawing/2014/main" id="{0467851E-D0D7-4958-BC23-00D1F5119A36}"/>
-              </a:ext>
-            </a:extLst>
-          </p:cNvPr>
-          <p:cNvSpPr/>
-          <p:nvPr/>
-        </p:nvSpPr>
-        <p:spPr>
-          <a:xfrm>
-            <a:off x="9603444" y="2277209"/>
-            <a:ext cx="483577" cy="461665"/>
-          </a:xfrm>
-          <a:prstGeom prst="rect">
-            <a:avLst/>
-          </a:prstGeom>
-          <a:solidFill>
-            <a:schemeClr val="accent6">
-              <a:lumMod val="60000"/>
-              <a:lumOff val="40000"/>
-            </a:schemeClr>
-          </a:solidFill>
-        </p:spPr>
-        <p:style>
-          <a:lnRef idx="2">
-            <a:schemeClr val="accent1">
-              <a:shade val="50000"/>
-            </a:schemeClr>
-          </a:lnRef>
-          <a:fillRef idx="1">
-            <a:schemeClr val="accent1"/>
-          </a:fillRef>
-          <a:effectRef idx="0">
-            <a:schemeClr val="accent1"/>
-          </a:effectRef>
-          <a:fontRef idx="minor">
-            <a:schemeClr val="lt1"/>
-          </a:fontRef>
-        </p:style>
-        <p:txBody>
-          <a:bodyPr rtlCol="0" anchor="ctr"/>
-          <a:lstStyle/>
-          <a:p>
-            <a:pPr algn="ctr"/>
-            <a:endParaRPr lang="en-GB"/>
-          </a:p>
-        </p:txBody>
-      </p:sp>
-      <p:sp>
-        <p:nvSpPr>
-          <p:cNvPr id="111" name="Rectangle 110">
-            <a:extLst>
-              <a:ext uri="{FF2B5EF4-FFF2-40B4-BE49-F238E27FC236}">
-                <a16:creationId xmlns:a16="http://schemas.microsoft.com/office/drawing/2014/main" id="{D50F37C2-12E7-4071-95C6-AC233E28552C}"/>
-              </a:ext>
-            </a:extLst>
-          </p:cNvPr>
-          <p:cNvSpPr/>
-          <p:nvPr/>
-        </p:nvSpPr>
-        <p:spPr>
-          <a:xfrm>
-            <a:off x="9603444" y="2738874"/>
-            <a:ext cx="483577" cy="461665"/>
-          </a:xfrm>
-          <a:prstGeom prst="rect">
-            <a:avLst/>
-          </a:prstGeom>
-          <a:solidFill>
-            <a:schemeClr val="accent6">
-              <a:lumMod val="75000"/>
-            </a:schemeClr>
-          </a:solidFill>
-        </p:spPr>
-        <p:style>
-          <a:lnRef idx="2">
-            <a:schemeClr val="accent1">
-              <a:shade val="50000"/>
-            </a:schemeClr>
-          </a:lnRef>
-          <a:fillRef idx="1">
-            <a:schemeClr val="accent1"/>
-          </a:fillRef>
-          <a:effectRef idx="0">
-            <a:schemeClr val="accent1"/>
-          </a:effectRef>
-          <a:fontRef idx="minor">
-            <a:schemeClr val="lt1"/>
-          </a:fontRef>
-        </p:style>
-        <p:txBody>
-          <a:bodyPr rtlCol="0" anchor="ctr"/>
-          <a:lstStyle/>
-          <a:p>
-            <a:pPr algn="ctr"/>
-            <a:endParaRPr lang="en-GB"/>
-          </a:p>
-        </p:txBody>
-      </p:sp>
-      <p:sp>
-        <p:nvSpPr>
-          <p:cNvPr id="113" name="Rectangle 112">
-            <a:extLst>
-              <a:ext uri="{FF2B5EF4-FFF2-40B4-BE49-F238E27FC236}">
-                <a16:creationId xmlns:a16="http://schemas.microsoft.com/office/drawing/2014/main" id="{F8EAD7F2-2AB1-49D2-9A9B-49D09930636A}"/>
-              </a:ext>
-            </a:extLst>
-          </p:cNvPr>
-          <p:cNvSpPr/>
-          <p:nvPr/>
-        </p:nvSpPr>
-        <p:spPr>
-          <a:xfrm>
-            <a:off x="10113872" y="2277209"/>
-            <a:ext cx="483577" cy="461665"/>
-          </a:xfrm>
-          <a:prstGeom prst="rect">
-            <a:avLst/>
-          </a:prstGeom>
-          <a:solidFill>
-            <a:schemeClr val="accent6">
-              <a:lumMod val="60000"/>
-              <a:lumOff val="40000"/>
-            </a:schemeClr>
-          </a:solidFill>
-        </p:spPr>
-        <p:style>
-          <a:lnRef idx="2">
-            <a:schemeClr val="accent1">
-              <a:shade val="50000"/>
-            </a:schemeClr>
-          </a:lnRef>
-          <a:fillRef idx="1">
-            <a:schemeClr val="accent1"/>
-          </a:fillRef>
-          <a:effectRef idx="0">
-            <a:schemeClr val="accent1"/>
-          </a:effectRef>
-          <a:fontRef idx="minor">
-            <a:schemeClr val="lt1"/>
-          </a:fontRef>
-        </p:style>
-        <p:txBody>
-          <a:bodyPr rtlCol="0" anchor="ctr"/>
-          <a:lstStyle/>
-          <a:p>
-            <a:pPr algn="ctr"/>
-            <a:endParaRPr lang="en-GB"/>
-          </a:p>
-        </p:txBody>
-      </p:sp>
-      <p:sp>
-        <p:nvSpPr>
-          <p:cNvPr id="114" name="Rectangle 113">
-            <a:extLst>
-              <a:ext uri="{FF2B5EF4-FFF2-40B4-BE49-F238E27FC236}">
-                <a16:creationId xmlns:a16="http://schemas.microsoft.com/office/drawing/2014/main" id="{C8E321B4-4C1D-4216-8242-DC175C29E1A9}"/>
-              </a:ext>
-            </a:extLst>
-          </p:cNvPr>
-          <p:cNvSpPr/>
-          <p:nvPr/>
-        </p:nvSpPr>
-        <p:spPr>
-          <a:xfrm>
-            <a:off x="10113872" y="2738874"/>
-            <a:ext cx="483577" cy="461665"/>
-          </a:xfrm>
-          <a:prstGeom prst="rect">
-            <a:avLst/>
-          </a:prstGeom>
-          <a:solidFill>
-            <a:schemeClr val="accent6">
-              <a:lumMod val="75000"/>
-            </a:schemeClr>
-          </a:solidFill>
-        </p:spPr>
-        <p:style>
-          <a:lnRef idx="2">
-            <a:schemeClr val="accent1">
-              <a:shade val="50000"/>
-            </a:schemeClr>
-          </a:lnRef>
-          <a:fillRef idx="1">
-            <a:schemeClr val="accent1"/>
-          </a:fillRef>
-          <a:effectRef idx="0">
-            <a:schemeClr val="accent1"/>
-          </a:effectRef>
-          <a:fontRef idx="minor">
-            <a:schemeClr val="lt1"/>
-          </a:fontRef>
-        </p:style>
-        <p:txBody>
-          <a:bodyPr rtlCol="0" anchor="ctr"/>
-          <a:lstStyle/>
-          <a:p>
-            <a:pPr algn="ctr"/>
-            <a:endParaRPr lang="en-GB"/>
-          </a:p>
-        </p:txBody>
-      </p:sp>
-      <p:sp>
-        <p:nvSpPr>
-          <p:cNvPr id="116" name="Rectangle 115">
-            <a:extLst>
-              <a:ext uri="{FF2B5EF4-FFF2-40B4-BE49-F238E27FC236}">
-                <a16:creationId xmlns:a16="http://schemas.microsoft.com/office/drawing/2014/main" id="{AEBCB2F3-2AE3-4F5E-899B-2E6069B370A1}"/>
-              </a:ext>
-            </a:extLst>
-          </p:cNvPr>
-          <p:cNvSpPr/>
-          <p:nvPr/>
-        </p:nvSpPr>
-        <p:spPr>
-          <a:xfrm>
-            <a:off x="10624301" y="2277209"/>
-            <a:ext cx="483577" cy="461665"/>
-          </a:xfrm>
-          <a:prstGeom prst="rect">
-            <a:avLst/>
-          </a:prstGeom>
-          <a:solidFill>
-            <a:schemeClr val="accent6">
-              <a:lumMod val="60000"/>
-              <a:lumOff val="40000"/>
-            </a:schemeClr>
-          </a:solidFill>
-        </p:spPr>
-        <p:style>
-          <a:lnRef idx="2">
-            <a:schemeClr val="accent1">
-              <a:shade val="50000"/>
-            </a:schemeClr>
-          </a:lnRef>
-          <a:fillRef idx="1">
-            <a:schemeClr val="accent1"/>
-          </a:fillRef>
-          <a:effectRef idx="0">
-            <a:schemeClr val="accent1"/>
-          </a:effectRef>
-          <a:fontRef idx="minor">
-            <a:schemeClr val="lt1"/>
-          </a:fontRef>
-        </p:style>
-        <p:txBody>
-          <a:bodyPr rtlCol="0" anchor="ctr"/>
-          <a:lstStyle/>
-          <a:p>
-            <a:pPr algn="ctr"/>
-            <a:endParaRPr lang="en-GB"/>
-          </a:p>
-        </p:txBody>
-      </p:sp>
-      <p:sp>
-        <p:nvSpPr>
-          <p:cNvPr id="117" name="Rectangle 116">
-            <a:extLst>
-              <a:ext uri="{FF2B5EF4-FFF2-40B4-BE49-F238E27FC236}">
-                <a16:creationId xmlns:a16="http://schemas.microsoft.com/office/drawing/2014/main" id="{2421C1F6-1D56-405F-86E8-D098CF26B96C}"/>
-              </a:ext>
-            </a:extLst>
-          </p:cNvPr>
-          <p:cNvSpPr/>
-          <p:nvPr/>
-        </p:nvSpPr>
-        <p:spPr>
-          <a:xfrm>
-            <a:off x="10624301" y="2738874"/>
-            <a:ext cx="483577" cy="461665"/>
-          </a:xfrm>
-          <a:prstGeom prst="rect">
-            <a:avLst/>
-          </a:prstGeom>
-          <a:solidFill>
-            <a:schemeClr val="accent6">
-              <a:lumMod val="75000"/>
-            </a:schemeClr>
-          </a:solidFill>
-        </p:spPr>
-        <p:style>
-          <a:lnRef idx="2">
-            <a:schemeClr val="accent1">
-              <a:shade val="50000"/>
-            </a:schemeClr>
-          </a:lnRef>
-          <a:fillRef idx="1">
-            <a:schemeClr val="accent1"/>
-          </a:fillRef>
-          <a:effectRef idx="0">
-            <a:schemeClr val="accent1"/>
-          </a:effectRef>
-          <a:fontRef idx="minor">
-            <a:schemeClr val="lt1"/>
-          </a:fontRef>
-        </p:style>
-        <p:txBody>
-          <a:bodyPr rtlCol="0" anchor="ctr"/>
-          <a:lstStyle/>
-          <a:p>
-            <a:pPr algn="ctr"/>
-            <a:endParaRPr lang="en-GB"/>
-          </a:p>
-        </p:txBody>
-      </p:sp>
-      <p:sp>
-        <p:nvSpPr>
-          <p:cNvPr id="149" name="TextBox 148">
-            <a:extLst>
-              <a:ext uri="{FF2B5EF4-FFF2-40B4-BE49-F238E27FC236}">
-                <a16:creationId xmlns:a16="http://schemas.microsoft.com/office/drawing/2014/main" id="{F383D9BD-01D4-4BD7-92C8-A8722E41E7D0}"/>
-              </a:ext>
-            </a:extLst>
-          </p:cNvPr>
-          <p:cNvSpPr txBox="1"/>
-          <p:nvPr/>
-        </p:nvSpPr>
-        <p:spPr>
-          <a:xfrm>
-            <a:off x="1714500" y="1575498"/>
-            <a:ext cx="9671282" cy="461665"/>
-          </a:xfrm>
-          <a:prstGeom prst="rect">
-            <a:avLst/>
-          </a:prstGeom>
-          <a:noFill/>
-        </p:spPr>
-        <p:txBody>
-          <a:bodyPr wrap="square" rtlCol="0">
-            <a:spAutoFit/>
-          </a:bodyPr>
-          <a:lstStyle/>
-          <a:p>
-            <a:pPr algn="ctr"/>
-            <a:r>
-              <a:rPr lang="en-US" sz="2400" dirty="0"/>
-              <a:t>(sample)</a:t>
-            </a:r>
-          </a:p>
-        </p:txBody>
-      </p:sp>
-      <p:sp>
-        <p:nvSpPr>
-          <p:cNvPr id="150" name="TextBox 149">
-            <a:extLst>
-              <a:ext uri="{FF2B5EF4-FFF2-40B4-BE49-F238E27FC236}">
-                <a16:creationId xmlns:a16="http://schemas.microsoft.com/office/drawing/2014/main" id="{850C066A-EA82-4049-B39C-2492ABDEDD7E}"/>
-              </a:ext>
-            </a:extLst>
-          </p:cNvPr>
-          <p:cNvSpPr txBox="1"/>
-          <p:nvPr/>
-        </p:nvSpPr>
-        <p:spPr>
-          <a:xfrm>
-            <a:off x="10364925" y="744501"/>
-            <a:ext cx="1534319" cy="1200329"/>
-          </a:xfrm>
-          <a:prstGeom prst="rect">
-            <a:avLst/>
-          </a:prstGeom>
-          <a:noFill/>
-        </p:spPr>
-        <p:txBody>
-          <a:bodyPr wrap="square" rtlCol="0">
-            <a:spAutoFit/>
-          </a:bodyPr>
-          <a:lstStyle/>
-          <a:p>
-            <a:pPr algn="ctr"/>
-            <a:r>
-              <a:rPr lang="en-US" dirty="0"/>
-              <a:t>Attributes obtained from the same </a:t>
-            </a:r>
-            <a:r>
-              <a:rPr lang="en-US" b="1" dirty="0"/>
-              <a:t>individual</a:t>
-            </a:r>
-          </a:p>
-        </p:txBody>
-      </p:sp>
-      <p:sp>
-        <p:nvSpPr>
-          <p:cNvPr id="5" name="Rectangle: Rounded Corners 4">
-            <a:extLst>
-              <a:ext uri="{FF2B5EF4-FFF2-40B4-BE49-F238E27FC236}">
-                <a16:creationId xmlns:a16="http://schemas.microsoft.com/office/drawing/2014/main" id="{A57808D2-62D9-4A00-9BFA-560D894D15C2}"/>
-              </a:ext>
-            </a:extLst>
-          </p:cNvPr>
-          <p:cNvSpPr/>
-          <p:nvPr/>
-        </p:nvSpPr>
-        <p:spPr>
-          <a:xfrm>
-            <a:off x="1436596" y="4060877"/>
-            <a:ext cx="10184743" cy="537882"/>
-          </a:xfrm>
-          <a:prstGeom prst="roundRect">
-            <a:avLst/>
-          </a:prstGeom>
-        </p:spPr>
-        <p:style>
-          <a:lnRef idx="2">
-            <a:schemeClr val="accent1">
-              <a:shade val="50000"/>
-            </a:schemeClr>
-          </a:lnRef>
-          <a:fillRef idx="1">
-            <a:schemeClr val="accent1"/>
-          </a:fillRef>
-          <a:effectRef idx="0">
-            <a:schemeClr val="accent1"/>
-          </a:effectRef>
-          <a:fontRef idx="minor">
-            <a:schemeClr val="lt1"/>
-          </a:fontRef>
-        </p:style>
-        <p:txBody>
-          <a:bodyPr rtlCol="0" anchor="ctr"/>
-          <a:lstStyle/>
-          <a:p>
-            <a:pPr algn="ctr"/>
-            <a:r>
-              <a:rPr lang="en-GB" dirty="0"/>
-              <a:t>Sequential execution, process P1</a:t>
-            </a:r>
-          </a:p>
-        </p:txBody>
-      </p:sp>
-      <p:sp>
-        <p:nvSpPr>
-          <p:cNvPr id="152" name="Rectangle 151">
-            <a:extLst>
-              <a:ext uri="{FF2B5EF4-FFF2-40B4-BE49-F238E27FC236}">
-                <a16:creationId xmlns:a16="http://schemas.microsoft.com/office/drawing/2014/main" id="{46EC6EA2-FA52-43D5-A72B-9D0026D66AF6}"/>
-              </a:ext>
-            </a:extLst>
-          </p:cNvPr>
-          <p:cNvSpPr/>
-          <p:nvPr/>
-        </p:nvSpPr>
-        <p:spPr>
-          <a:xfrm>
-            <a:off x="11137763" y="2277208"/>
-            <a:ext cx="483577" cy="461665"/>
-          </a:xfrm>
-          <a:prstGeom prst="rect">
-            <a:avLst/>
-          </a:prstGeom>
-          <a:solidFill>
-            <a:schemeClr val="accent6">
-              <a:lumMod val="60000"/>
-              <a:lumOff val="40000"/>
-            </a:schemeClr>
-          </a:solidFill>
-        </p:spPr>
-        <p:style>
-          <a:lnRef idx="2">
-            <a:schemeClr val="accent1">
-              <a:shade val="50000"/>
-            </a:schemeClr>
-          </a:lnRef>
-          <a:fillRef idx="1">
-            <a:schemeClr val="accent1"/>
-          </a:fillRef>
-          <a:effectRef idx="0">
-            <a:schemeClr val="accent1"/>
-          </a:effectRef>
-          <a:fontRef idx="minor">
-            <a:schemeClr val="lt1"/>
-          </a:fontRef>
-        </p:style>
-        <p:txBody>
-          <a:bodyPr rtlCol="0" anchor="ctr"/>
-          <a:lstStyle/>
-          <a:p>
-            <a:pPr algn="ctr"/>
-            <a:endParaRPr lang="en-GB"/>
-          </a:p>
-        </p:txBody>
-      </p:sp>
-      <p:sp>
-        <p:nvSpPr>
-          <p:cNvPr id="153" name="Rectangle 152">
-            <a:extLst>
-              <a:ext uri="{FF2B5EF4-FFF2-40B4-BE49-F238E27FC236}">
-                <a16:creationId xmlns:a16="http://schemas.microsoft.com/office/drawing/2014/main" id="{091F4F09-02E2-4D55-9540-976E4A2D6022}"/>
-              </a:ext>
-            </a:extLst>
-          </p:cNvPr>
-          <p:cNvSpPr/>
-          <p:nvPr/>
-        </p:nvSpPr>
-        <p:spPr>
-          <a:xfrm>
-            <a:off x="11137763" y="2738873"/>
-            <a:ext cx="483577" cy="461665"/>
-          </a:xfrm>
-          <a:prstGeom prst="rect">
-            <a:avLst/>
-          </a:prstGeom>
-          <a:solidFill>
-            <a:schemeClr val="accent6">
-              <a:lumMod val="75000"/>
-            </a:schemeClr>
-          </a:solidFill>
-        </p:spPr>
-        <p:style>
-          <a:lnRef idx="2">
-            <a:schemeClr val="accent1">
-              <a:shade val="50000"/>
-            </a:schemeClr>
-          </a:lnRef>
-          <a:fillRef idx="1">
-            <a:schemeClr val="accent1"/>
-          </a:fillRef>
-          <a:effectRef idx="0">
-            <a:schemeClr val="accent1"/>
-          </a:effectRef>
-          <a:fontRef idx="minor">
-            <a:schemeClr val="lt1"/>
-          </a:fontRef>
-        </p:style>
-        <p:txBody>
-          <a:bodyPr rtlCol="0" anchor="ctr"/>
-          <a:lstStyle/>
-          <a:p>
-            <a:pPr algn="ctr"/>
-            <a:endParaRPr lang="en-GB"/>
-          </a:p>
-        </p:txBody>
-      </p:sp>
-      <mc:AlternateContent xmlns:mc="http://schemas.openxmlformats.org/markup-compatibility/2006" xmlns:p14="http://schemas.microsoft.com/office/powerpoint/2010/main">
-        <mc:Choice Requires="p14">
-          <p:contentPart p14:bwMode="auto" r:id="rId2">
-            <p14:nvContentPartPr>
-              <p14:cNvPr id="148" name="Ink 147">
-                <a:extLst>
-                  <a:ext uri="{FF2B5EF4-FFF2-40B4-BE49-F238E27FC236}">
-                    <a16:creationId xmlns:a16="http://schemas.microsoft.com/office/drawing/2014/main" id="{D74413D8-2F39-4536-8D5C-5C4EDB8A1E14}"/>
-                  </a:ext>
-                </a:extLst>
-              </p14:cNvPr>
-              <p14:cNvContentPartPr/>
-              <p14:nvPr/>
-            </p14:nvContentPartPr>
-            <p14:xfrm>
-              <a:off x="11157419" y="1930860"/>
-              <a:ext cx="483577" cy="1431360"/>
-            </p14:xfrm>
-          </p:contentPart>
-        </mc:Choice>
-        <mc:Fallback xmlns="">
-          <p:pic>
-            <p:nvPicPr>
-              <p:cNvPr id="148" name="Ink 147">
-                <a:extLst>
-                  <a:ext uri="{FF2B5EF4-FFF2-40B4-BE49-F238E27FC236}">
-                    <a16:creationId xmlns:a16="http://schemas.microsoft.com/office/drawing/2014/main" id="{D74413D8-2F39-4536-8D5C-5C4EDB8A1E14}"/>
-                  </a:ext>
-                </a:extLst>
-              </p:cNvPr>
-              <p:cNvPicPr/>
-              <p:nvPr/>
-            </p:nvPicPr>
-            <p:blipFill>
-              <a:blip r:embed="rId3"/>
-              <a:stretch>
-                <a:fillRect/>
-              </a:stretch>
-            </p:blipFill>
-            <p:spPr>
-              <a:xfrm>
-                <a:off x="11103448" y="1822860"/>
-                <a:ext cx="591158" cy="1647000"/>
-              </a:xfrm>
-              <a:prstGeom prst="rect">
-                <a:avLst/>
-              </a:prstGeom>
-            </p:spPr>
-          </p:pic>
-        </mc:Fallback>
-      </mc:AlternateContent>
-      <p:sp>
-        <p:nvSpPr>
-          <p:cNvPr id="7" name="Arrow: Down 6">
-            <a:extLst>
-              <a:ext uri="{FF2B5EF4-FFF2-40B4-BE49-F238E27FC236}">
-                <a16:creationId xmlns:a16="http://schemas.microsoft.com/office/drawing/2014/main" id="{33207007-E41E-412D-91CA-9797B658FEFE}"/>
-              </a:ext>
-            </a:extLst>
-          </p:cNvPr>
-          <p:cNvSpPr/>
-          <p:nvPr/>
-        </p:nvSpPr>
-        <p:spPr>
-          <a:xfrm>
-            <a:off x="6287178" y="3473705"/>
-            <a:ext cx="483577" cy="461665"/>
-          </a:xfrm>
-          <a:prstGeom prst="downArrow">
-            <a:avLst/>
-          </a:prstGeom>
-          <a:solidFill>
-            <a:srgbClr val="FF0000"/>
-          </a:solidFill>
-        </p:spPr>
-        <p:style>
-          <a:lnRef idx="2">
-            <a:schemeClr val="accent1">
-              <a:shade val="50000"/>
-            </a:schemeClr>
-          </a:lnRef>
-          <a:fillRef idx="1">
-            <a:schemeClr val="accent1"/>
-          </a:fillRef>
-          <a:effectRef idx="0">
-            <a:schemeClr val="accent1"/>
-          </a:effectRef>
-          <a:fontRef idx="minor">
-            <a:schemeClr val="lt1"/>
-          </a:fontRef>
-        </p:style>
-        <p:txBody>
-          <a:bodyPr rtlCol="0" anchor="ctr"/>
-          <a:lstStyle/>
-          <a:p>
-            <a:pPr algn="ctr"/>
-            <a:endParaRPr lang="en-GB"/>
-          </a:p>
-        </p:txBody>
-      </p:sp>
-      <p:sp>
-        <p:nvSpPr>
-          <p:cNvPr id="214" name="TextBox 213">
-            <a:extLst>
-              <a:ext uri="{FF2B5EF4-FFF2-40B4-BE49-F238E27FC236}">
-                <a16:creationId xmlns:a16="http://schemas.microsoft.com/office/drawing/2014/main" id="{5FA056C3-BDA0-4820-B9E3-127D31493E74}"/>
-              </a:ext>
-            </a:extLst>
-          </p:cNvPr>
-          <p:cNvSpPr txBox="1"/>
-          <p:nvPr/>
-        </p:nvSpPr>
-        <p:spPr>
-          <a:xfrm>
-            <a:off x="172857" y="5493467"/>
-            <a:ext cx="1123063" cy="461665"/>
-          </a:xfrm>
-          <a:prstGeom prst="rect">
-            <a:avLst/>
-          </a:prstGeom>
-          <a:noFill/>
-        </p:spPr>
-        <p:txBody>
-          <a:bodyPr wrap="square" rtlCol="0">
-            <a:spAutoFit/>
-          </a:bodyPr>
-          <a:lstStyle/>
-          <a:p>
-            <a:pPr algn="r"/>
-            <a:r>
-              <a:rPr lang="en-US" sz="2400" dirty="0"/>
-              <a:t>BMI</a:t>
-            </a:r>
-          </a:p>
-        </p:txBody>
-      </p:sp>
-      <p:sp>
-        <p:nvSpPr>
-          <p:cNvPr id="215" name="Arrow: Down 214">
-            <a:extLst>
-              <a:ext uri="{FF2B5EF4-FFF2-40B4-BE49-F238E27FC236}">
-                <a16:creationId xmlns:a16="http://schemas.microsoft.com/office/drawing/2014/main" id="{4A823B09-065A-48E7-B0EB-DD8DFE7AC1A9}"/>
-              </a:ext>
-            </a:extLst>
-          </p:cNvPr>
-          <p:cNvSpPr/>
-          <p:nvPr/>
-        </p:nvSpPr>
-        <p:spPr>
-          <a:xfrm>
-            <a:off x="6308352" y="4853858"/>
-            <a:ext cx="483577" cy="461665"/>
-          </a:xfrm>
-          <a:prstGeom prst="downArrow">
-            <a:avLst/>
-          </a:prstGeom>
-          <a:solidFill>
-            <a:srgbClr val="FF0000"/>
-          </a:solidFill>
-        </p:spPr>
-        <p:style>
-          <a:lnRef idx="2">
-            <a:schemeClr val="accent1">
-              <a:shade val="50000"/>
-            </a:schemeClr>
-          </a:lnRef>
-          <a:fillRef idx="1">
-            <a:schemeClr val="accent1"/>
-          </a:fillRef>
-          <a:effectRef idx="0">
-            <a:schemeClr val="accent1"/>
-          </a:effectRef>
-          <a:fontRef idx="minor">
-            <a:schemeClr val="lt1"/>
-          </a:fontRef>
-        </p:style>
-        <p:txBody>
-          <a:bodyPr rtlCol="0" anchor="ctr"/>
-          <a:lstStyle/>
-          <a:p>
-            <a:pPr algn="ctr"/>
-            <a:endParaRPr lang="en-GB"/>
-          </a:p>
-        </p:txBody>
-      </p:sp>
-      <p:sp>
-        <p:nvSpPr>
-          <p:cNvPr id="216" name="Left Brace 215">
-            <a:extLst>
-              <a:ext uri="{FF2B5EF4-FFF2-40B4-BE49-F238E27FC236}">
-                <a16:creationId xmlns:a16="http://schemas.microsoft.com/office/drawing/2014/main" id="{B11D6DD8-06F3-4566-BE51-7748D18FB60A}"/>
-              </a:ext>
-            </a:extLst>
-          </p:cNvPr>
-          <p:cNvSpPr/>
-          <p:nvPr/>
-        </p:nvSpPr>
-        <p:spPr>
-          <a:xfrm rot="16200000">
-            <a:off x="6469017" y="-1790103"/>
-            <a:ext cx="119900" cy="10184745"/>
-          </a:xfrm>
-          <a:prstGeom prst="leftBrace">
-            <a:avLst/>
-          </a:prstGeom>
-        </p:spPr>
-        <p:style>
-          <a:lnRef idx="1">
-            <a:schemeClr val="accent1"/>
-          </a:lnRef>
-          <a:fillRef idx="0">
-            <a:schemeClr val="accent1"/>
-          </a:fillRef>
-          <a:effectRef idx="0">
-            <a:schemeClr val="accent1"/>
-          </a:effectRef>
-          <a:fontRef idx="minor">
-            <a:schemeClr val="tx1"/>
-          </a:fontRef>
-        </p:style>
-        <p:txBody>
-          <a:bodyPr rtlCol="0" anchor="ctr"/>
-          <a:lstStyle/>
-          <a:p>
-            <a:pPr algn="ctr"/>
-            <a:endParaRPr lang="en-GB"/>
-          </a:p>
-        </p:txBody>
-      </p:sp>
-      <mc:AlternateContent xmlns:mc="http://schemas.openxmlformats.org/markup-compatibility/2006" xmlns:a14="http://schemas.microsoft.com/office/drawing/2010/main">
-        <mc:Choice Requires="a14">
-          <p:sp>
-            <p:nvSpPr>
-              <p:cNvPr id="8" name="TextBox 7">
-                <a:extLst>
-                  <a:ext uri="{FF2B5EF4-FFF2-40B4-BE49-F238E27FC236}">
-                    <a16:creationId xmlns:a16="http://schemas.microsoft.com/office/drawing/2014/main" id="{BF7048DE-393F-4A96-A3A4-28A617748DEF}"/>
-                  </a:ext>
-                </a:extLst>
-              </p:cNvPr>
-              <p:cNvSpPr txBox="1"/>
-              <p:nvPr/>
-            </p:nvSpPr>
-            <p:spPr>
-              <a:xfrm>
-                <a:off x="1436594" y="4758856"/>
-                <a:ext cx="1595950" cy="574516"/>
-              </a:xfrm>
-              <a:prstGeom prst="rect">
-                <a:avLst/>
-              </a:prstGeom>
-              <a:noFill/>
-            </p:spPr>
-            <p:txBody>
-              <a:bodyPr wrap="none" lIns="0" tIns="0" rIns="0" bIns="0" rtlCol="0">
-                <a:spAutoFit/>
-              </a:bodyPr>
-              <a:lstStyle/>
-              <a:p>
-                <a:pPr/>
-                <a14:m>
-                  <m:oMathPara xmlns:m="http://schemas.openxmlformats.org/officeDocument/2006/math">
-                    <m:oMathParaPr>
-                      <m:jc m:val="centerGroup"/>
-                    </m:oMathParaPr>
-                    <m:oMath xmlns:m="http://schemas.openxmlformats.org/officeDocument/2006/math">
-                      <m:r>
-                        <a:rPr lang="pt-BR" b="0" i="1" smtClean="0">
-                          <a:latin typeface="Cambria Math" panose="02040503050406030204" pitchFamily="18" charset="0"/>
-                        </a:rPr>
-                        <m:t>𝐵𝑀𝐼</m:t>
-                      </m:r>
-                      <m:r>
-                        <a:rPr lang="en-GB" i="1" smtClean="0">
-                          <a:latin typeface="Cambria Math" panose="02040503050406030204" pitchFamily="18" charset="0"/>
-                        </a:rPr>
-                        <m:t>=</m:t>
-                      </m:r>
-                      <m:f>
-                        <m:fPr>
-                          <m:ctrlPr>
-                            <a:rPr lang="pt-BR" b="0" i="1" smtClean="0">
-                              <a:latin typeface="Cambria Math" panose="02040503050406030204" pitchFamily="18" charset="0"/>
-                            </a:rPr>
-                          </m:ctrlPr>
-                        </m:fPr>
-                        <m:num>
-                          <m:r>
-                            <a:rPr lang="pt-BR" b="0" i="1" smtClean="0">
-                              <a:latin typeface="Cambria Math" panose="02040503050406030204" pitchFamily="18" charset="0"/>
-                            </a:rPr>
-                            <m:t>𝑤𝑒𝑖𝑔h𝑡</m:t>
-                          </m:r>
-                        </m:num>
-                        <m:den>
-                          <m:sSup>
-                            <m:sSupPr>
-                              <m:ctrlPr>
-                                <a:rPr lang="pt-BR" b="0" i="1" smtClean="0">
-                                  <a:latin typeface="Cambria Math" panose="02040503050406030204" pitchFamily="18" charset="0"/>
-                                </a:rPr>
-                              </m:ctrlPr>
-                            </m:sSupPr>
-                            <m:e>
-                              <m:r>
-                                <a:rPr lang="pt-BR" b="0" i="1" smtClean="0">
-                                  <a:latin typeface="Cambria Math" panose="02040503050406030204" pitchFamily="18" charset="0"/>
-                                </a:rPr>
-                                <m:t>h𝑒𝑖𝑔h𝑡</m:t>
-                              </m:r>
-                            </m:e>
-                            <m:sup>
-                              <m:r>
-                                <a:rPr lang="pt-BR" b="0" i="1" smtClean="0">
-                                  <a:latin typeface="Cambria Math" panose="02040503050406030204" pitchFamily="18" charset="0"/>
-                                </a:rPr>
-                                <m:t>2</m:t>
-                              </m:r>
-                            </m:sup>
-                          </m:sSup>
-                        </m:den>
-                      </m:f>
-                    </m:oMath>
-                  </m:oMathPara>
-                </a14:m>
-                <a:endParaRPr lang="en-GB" dirty="0"/>
-              </a:p>
-            </p:txBody>
-          </p:sp>
-        </mc:Choice>
-        <mc:Fallback xmlns="">
-          <p:sp>
-            <p:nvSpPr>
-              <p:cNvPr id="8" name="TextBox 7">
-                <a:extLst>
-                  <a:ext uri="{FF2B5EF4-FFF2-40B4-BE49-F238E27FC236}">
-                    <a16:creationId xmlns:a16="http://schemas.microsoft.com/office/drawing/2014/main" id="{BF7048DE-393F-4A96-A3A4-28A617748DEF}"/>
-                  </a:ext>
-                </a:extLst>
-              </p:cNvPr>
-              <p:cNvSpPr txBox="1">
-                <a:spLocks noRot="1" noChangeAspect="1" noMove="1" noResize="1" noEditPoints="1" noAdjustHandles="1" noChangeArrowheads="1" noChangeShapeType="1" noTextEdit="1"/>
-              </p:cNvSpPr>
-              <p:nvPr/>
-            </p:nvSpPr>
-            <p:spPr>
-              <a:xfrm>
-                <a:off x="1436594" y="4758856"/>
-                <a:ext cx="1595950" cy="574516"/>
-              </a:xfrm>
-              <a:prstGeom prst="rect">
-                <a:avLst/>
-              </a:prstGeom>
-              <a:blipFill>
-                <a:blip r:embed="rId4"/>
-                <a:stretch>
-                  <a:fillRect/>
-                </a:stretch>
-              </a:blipFill>
-            </p:spPr>
-            <p:txBody>
-              <a:bodyPr/>
-              <a:lstStyle/>
-              <a:p>
-                <a:r>
-                  <a:rPr lang="en-US">
-                    <a:noFill/>
-                  </a:rPr>
-                  <a:t> </a:t>
-                </a:r>
-              </a:p>
-            </p:txBody>
-          </p:sp>
-        </mc:Fallback>
-      </mc:AlternateContent>
-      <p:sp>
-        <p:nvSpPr>
-          <p:cNvPr id="76" name="Rectangle 75">
-            <a:extLst>
-              <a:ext uri="{FF2B5EF4-FFF2-40B4-BE49-F238E27FC236}">
-                <a16:creationId xmlns:a16="http://schemas.microsoft.com/office/drawing/2014/main" id="{6CD9635F-8D2B-4E39-B68C-0807C0FFD1B5}"/>
-              </a:ext>
-            </a:extLst>
-          </p:cNvPr>
-          <p:cNvSpPr/>
-          <p:nvPr/>
-        </p:nvSpPr>
-        <p:spPr>
-          <a:xfrm>
-            <a:off x="1436595" y="5493468"/>
-            <a:ext cx="483577" cy="461665"/>
-          </a:xfrm>
-          <a:prstGeom prst="rect">
-            <a:avLst/>
-          </a:prstGeom>
-          <a:solidFill>
-            <a:srgbClr val="FFC000"/>
-          </a:solidFill>
-        </p:spPr>
-        <p:style>
-          <a:lnRef idx="2">
-            <a:schemeClr val="accent1">
-              <a:shade val="50000"/>
-            </a:schemeClr>
-          </a:lnRef>
-          <a:fillRef idx="1">
-            <a:schemeClr val="accent1"/>
-          </a:fillRef>
-          <a:effectRef idx="0">
-            <a:schemeClr val="accent1"/>
-          </a:effectRef>
-          <a:fontRef idx="minor">
-            <a:schemeClr val="lt1"/>
-          </a:fontRef>
-        </p:style>
-        <p:txBody>
-          <a:bodyPr rtlCol="0" anchor="ctr"/>
-          <a:lstStyle/>
-          <a:p>
-            <a:pPr algn="ctr"/>
-            <a:endParaRPr lang="en-GB"/>
-          </a:p>
-        </p:txBody>
-      </p:sp>
-      <p:sp>
-        <p:nvSpPr>
-          <p:cNvPr id="79" name="Rectangle 78">
-            <a:extLst>
-              <a:ext uri="{FF2B5EF4-FFF2-40B4-BE49-F238E27FC236}">
-                <a16:creationId xmlns:a16="http://schemas.microsoft.com/office/drawing/2014/main" id="{29492710-6D7C-4191-A4C2-23C23F19F9A3}"/>
-              </a:ext>
-            </a:extLst>
-          </p:cNvPr>
-          <p:cNvSpPr/>
-          <p:nvPr/>
-        </p:nvSpPr>
-        <p:spPr>
-          <a:xfrm>
-            <a:off x="4499163" y="5493468"/>
-            <a:ext cx="483577" cy="461665"/>
-          </a:xfrm>
-          <a:prstGeom prst="rect">
-            <a:avLst/>
-          </a:prstGeom>
-          <a:solidFill>
-            <a:srgbClr val="FFC000"/>
-          </a:solidFill>
-        </p:spPr>
-        <p:style>
-          <a:lnRef idx="2">
-            <a:schemeClr val="accent1">
-              <a:shade val="50000"/>
-            </a:schemeClr>
-          </a:lnRef>
-          <a:fillRef idx="1">
-            <a:schemeClr val="accent1"/>
-          </a:fillRef>
-          <a:effectRef idx="0">
-            <a:schemeClr val="accent1"/>
-          </a:effectRef>
-          <a:fontRef idx="minor">
-            <a:schemeClr val="lt1"/>
-          </a:fontRef>
-        </p:style>
-        <p:txBody>
-          <a:bodyPr rtlCol="0" anchor="ctr"/>
-          <a:lstStyle/>
-          <a:p>
-            <a:pPr algn="ctr"/>
-            <a:endParaRPr lang="en-GB"/>
-          </a:p>
-        </p:txBody>
-      </p:sp>
-      <p:sp>
-        <p:nvSpPr>
-          <p:cNvPr id="82" name="Rectangle 81">
-            <a:extLst>
-              <a:ext uri="{FF2B5EF4-FFF2-40B4-BE49-F238E27FC236}">
-                <a16:creationId xmlns:a16="http://schemas.microsoft.com/office/drawing/2014/main" id="{1588A702-A4F6-460F-BCA7-33FC95A3E2BA}"/>
-              </a:ext>
-            </a:extLst>
-          </p:cNvPr>
-          <p:cNvSpPr/>
-          <p:nvPr/>
-        </p:nvSpPr>
-        <p:spPr>
-          <a:xfrm>
-            <a:off x="7561731" y="5493468"/>
-            <a:ext cx="483577" cy="461665"/>
-          </a:xfrm>
-          <a:prstGeom prst="rect">
-            <a:avLst/>
-          </a:prstGeom>
-          <a:solidFill>
-            <a:srgbClr val="FFC000"/>
-          </a:solidFill>
-        </p:spPr>
-        <p:style>
-          <a:lnRef idx="2">
-            <a:schemeClr val="accent1">
-              <a:shade val="50000"/>
-            </a:schemeClr>
-          </a:lnRef>
-          <a:fillRef idx="1">
-            <a:schemeClr val="accent1"/>
-          </a:fillRef>
-          <a:effectRef idx="0">
-            <a:schemeClr val="accent1"/>
-          </a:effectRef>
-          <a:fontRef idx="minor">
-            <a:schemeClr val="lt1"/>
-          </a:fontRef>
-        </p:style>
-        <p:txBody>
-          <a:bodyPr rtlCol="0" anchor="ctr"/>
-          <a:lstStyle/>
-          <a:p>
-            <a:pPr algn="ctr"/>
-            <a:endParaRPr lang="en-GB"/>
-          </a:p>
-        </p:txBody>
-      </p:sp>
-      <p:sp>
-        <p:nvSpPr>
-          <p:cNvPr id="85" name="Rectangle 84">
-            <a:extLst>
-              <a:ext uri="{FF2B5EF4-FFF2-40B4-BE49-F238E27FC236}">
-                <a16:creationId xmlns:a16="http://schemas.microsoft.com/office/drawing/2014/main" id="{10856303-E0A6-4E7C-8770-9D7DC4663EBA}"/>
-              </a:ext>
-            </a:extLst>
-          </p:cNvPr>
-          <p:cNvSpPr/>
-          <p:nvPr/>
-        </p:nvSpPr>
-        <p:spPr>
-          <a:xfrm>
-            <a:off x="9603443" y="5493468"/>
-            <a:ext cx="483577" cy="461665"/>
-          </a:xfrm>
-          <a:prstGeom prst="rect">
-            <a:avLst/>
-          </a:prstGeom>
-          <a:solidFill>
-            <a:srgbClr val="FFC000"/>
-          </a:solidFill>
-        </p:spPr>
-        <p:style>
-          <a:lnRef idx="2">
-            <a:schemeClr val="accent1">
-              <a:shade val="50000"/>
-            </a:schemeClr>
-          </a:lnRef>
-          <a:fillRef idx="1">
-            <a:schemeClr val="accent1"/>
-          </a:fillRef>
-          <a:effectRef idx="0">
-            <a:schemeClr val="accent1"/>
-          </a:effectRef>
-          <a:fontRef idx="minor">
-            <a:schemeClr val="lt1"/>
-          </a:fontRef>
-        </p:style>
-        <p:txBody>
-          <a:bodyPr rtlCol="0" anchor="ctr"/>
-          <a:lstStyle/>
-          <a:p>
-            <a:pPr algn="ctr"/>
-            <a:endParaRPr lang="en-GB"/>
-          </a:p>
-        </p:txBody>
-      </p:sp>
-      <p:sp>
-        <p:nvSpPr>
-          <p:cNvPr id="88" name="Rectangle 87">
-            <a:extLst>
-              <a:ext uri="{FF2B5EF4-FFF2-40B4-BE49-F238E27FC236}">
-                <a16:creationId xmlns:a16="http://schemas.microsoft.com/office/drawing/2014/main" id="{3C4F12C8-20AA-417E-BB95-C9BDB6056DE2}"/>
-              </a:ext>
-            </a:extLst>
-          </p:cNvPr>
-          <p:cNvSpPr/>
-          <p:nvPr/>
-        </p:nvSpPr>
-        <p:spPr>
-          <a:xfrm>
-            <a:off x="11137762" y="5493467"/>
-            <a:ext cx="483577" cy="461665"/>
-          </a:xfrm>
-          <a:prstGeom prst="rect">
-            <a:avLst/>
-          </a:prstGeom>
-          <a:solidFill>
-            <a:srgbClr val="FFC000"/>
-          </a:solidFill>
-        </p:spPr>
-        <p:style>
-          <a:lnRef idx="2">
-            <a:schemeClr val="accent1">
-              <a:shade val="50000"/>
-            </a:schemeClr>
-          </a:lnRef>
-          <a:fillRef idx="1">
-            <a:schemeClr val="accent1"/>
-          </a:fillRef>
-          <a:effectRef idx="0">
-            <a:schemeClr val="accent1"/>
-          </a:effectRef>
-          <a:fontRef idx="minor">
-            <a:schemeClr val="lt1"/>
-          </a:fontRef>
-        </p:style>
-        <p:txBody>
-          <a:bodyPr rtlCol="0" anchor="ctr"/>
-          <a:lstStyle/>
-          <a:p>
-            <a:pPr algn="ctr"/>
-            <a:endParaRPr lang="en-GB"/>
-          </a:p>
-        </p:txBody>
-      </p:sp>
-    </p:spTree>
-    <p:extLst>
-      <p:ext uri="{BB962C8B-B14F-4D97-AF65-F5344CB8AC3E}">
-        <p14:creationId xmlns:p14="http://schemas.microsoft.com/office/powerpoint/2010/main" val="3590041358"/>
       </p:ext>
     </p:extLst>
   </p:cSld>

--- a/BoT in Python.pptx
+++ b/BoT in Python.pptx
@@ -20,8 +20,9 @@
     <p:sldId id="266" r:id="rId14"/>
     <p:sldId id="267" r:id="rId15"/>
     <p:sldId id="273" r:id="rId16"/>
-    <p:sldId id="257" r:id="rId17"/>
-    <p:sldId id="259" r:id="rId18"/>
+    <p:sldId id="276" r:id="rId17"/>
+    <p:sldId id="257" r:id="rId18"/>
+    <p:sldId id="259" r:id="rId19"/>
   </p:sldIdLst>
   <p:sldSz cx="12192000" cy="6858000"/>
   <p:notesSz cx="6858000" cy="9144000"/>
@@ -478,7 +479,7 @@
           <a:p>
             <a:fld id="{CA5A6091-3C97-4184-8E43-BCF8D1872CB5}" type="datetimeFigureOut">
               <a:rPr lang="en-US" smtClean="0"/>
-              <a:t>6/25/2020</a:t>
+              <a:t>7/1/2020</a:t>
             </a:fld>
             <a:endParaRPr lang="en-US"/>
           </a:p>
@@ -676,7 +677,7 @@
           <a:p>
             <a:fld id="{CA5A6091-3C97-4184-8E43-BCF8D1872CB5}" type="datetimeFigureOut">
               <a:rPr lang="en-US" smtClean="0"/>
-              <a:t>6/25/2020</a:t>
+              <a:t>7/1/2020</a:t>
             </a:fld>
             <a:endParaRPr lang="en-US"/>
           </a:p>
@@ -884,7 +885,7 @@
           <a:p>
             <a:fld id="{CA5A6091-3C97-4184-8E43-BCF8D1872CB5}" type="datetimeFigureOut">
               <a:rPr lang="en-US" smtClean="0"/>
-              <a:t>6/25/2020</a:t>
+              <a:t>7/1/2020</a:t>
             </a:fld>
             <a:endParaRPr lang="en-US"/>
           </a:p>
@@ -1082,7 +1083,7 @@
           <a:p>
             <a:fld id="{CA5A6091-3C97-4184-8E43-BCF8D1872CB5}" type="datetimeFigureOut">
               <a:rPr lang="en-US" smtClean="0"/>
-              <a:t>6/25/2020</a:t>
+              <a:t>7/1/2020</a:t>
             </a:fld>
             <a:endParaRPr lang="en-US"/>
           </a:p>
@@ -1357,7 +1358,7 @@
           <a:p>
             <a:fld id="{CA5A6091-3C97-4184-8E43-BCF8D1872CB5}" type="datetimeFigureOut">
               <a:rPr lang="en-US" smtClean="0"/>
-              <a:t>6/25/2020</a:t>
+              <a:t>7/1/2020</a:t>
             </a:fld>
             <a:endParaRPr lang="en-US"/>
           </a:p>
@@ -1622,7 +1623,7 @@
           <a:p>
             <a:fld id="{CA5A6091-3C97-4184-8E43-BCF8D1872CB5}" type="datetimeFigureOut">
               <a:rPr lang="en-US" smtClean="0"/>
-              <a:t>6/25/2020</a:t>
+              <a:t>7/1/2020</a:t>
             </a:fld>
             <a:endParaRPr lang="en-US"/>
           </a:p>
@@ -2034,7 +2035,7 @@
           <a:p>
             <a:fld id="{CA5A6091-3C97-4184-8E43-BCF8D1872CB5}" type="datetimeFigureOut">
               <a:rPr lang="en-US" smtClean="0"/>
-              <a:t>6/25/2020</a:t>
+              <a:t>7/1/2020</a:t>
             </a:fld>
             <a:endParaRPr lang="en-US"/>
           </a:p>
@@ -2175,7 +2176,7 @@
           <a:p>
             <a:fld id="{CA5A6091-3C97-4184-8E43-BCF8D1872CB5}" type="datetimeFigureOut">
               <a:rPr lang="en-US" smtClean="0"/>
-              <a:t>6/25/2020</a:t>
+              <a:t>7/1/2020</a:t>
             </a:fld>
             <a:endParaRPr lang="en-US"/>
           </a:p>
@@ -2288,7 +2289,7 @@
           <a:p>
             <a:fld id="{CA5A6091-3C97-4184-8E43-BCF8D1872CB5}" type="datetimeFigureOut">
               <a:rPr lang="en-US" smtClean="0"/>
-              <a:t>6/25/2020</a:t>
+              <a:t>7/1/2020</a:t>
             </a:fld>
             <a:endParaRPr lang="en-US"/>
           </a:p>
@@ -2599,7 +2600,7 @@
           <a:p>
             <a:fld id="{CA5A6091-3C97-4184-8E43-BCF8D1872CB5}" type="datetimeFigureOut">
               <a:rPr lang="en-US" smtClean="0"/>
-              <a:t>6/25/2020</a:t>
+              <a:t>7/1/2020</a:t>
             </a:fld>
             <a:endParaRPr lang="en-US"/>
           </a:p>
@@ -2887,7 +2888,7 @@
           <a:p>
             <a:fld id="{CA5A6091-3C97-4184-8E43-BCF8D1872CB5}" type="datetimeFigureOut">
               <a:rPr lang="en-US" smtClean="0"/>
-              <a:t>6/25/2020</a:t>
+              <a:t>7/1/2020</a:t>
             </a:fld>
             <a:endParaRPr lang="en-US"/>
           </a:p>
@@ -3128,7 +3129,7 @@
           <a:p>
             <a:fld id="{CA5A6091-3C97-4184-8E43-BCF8D1872CB5}" type="datetimeFigureOut">
               <a:rPr lang="en-US" smtClean="0"/>
-              <a:t>6/25/2020</a:t>
+              <a:t>7/1/2020</a:t>
             </a:fld>
             <a:endParaRPr lang="en-US"/>
           </a:p>
@@ -5789,42 +5790,6 @@
           <a:p>
             <a:pPr algn="ctr"/>
             <a:endParaRPr lang="en-GB"/>
-          </a:p>
-        </p:txBody>
-      </p:sp>
-      <p:sp>
-        <p:nvSpPr>
-          <p:cNvPr id="149" name="TextBox 148">
-            <a:extLst>
-              <a:ext uri="{FF2B5EF4-FFF2-40B4-BE49-F238E27FC236}">
-                <a16:creationId xmlns:a16="http://schemas.microsoft.com/office/drawing/2014/main" id="{F383D9BD-01D4-4BD7-92C8-A8722E41E7D0}"/>
-              </a:ext>
-            </a:extLst>
-          </p:cNvPr>
-          <p:cNvSpPr txBox="1"/>
-          <p:nvPr/>
-        </p:nvSpPr>
-        <p:spPr>
-          <a:xfrm>
-            <a:off x="1714500" y="1575498"/>
-            <a:ext cx="9671282" cy="461665"/>
-          </a:xfrm>
-          <a:prstGeom prst="rect">
-            <a:avLst/>
-          </a:prstGeom>
-          <a:noFill/>
-        </p:spPr>
-        <p:txBody>
-          <a:bodyPr wrap="square" rtlCol="0">
-            <a:spAutoFit/>
-          </a:bodyPr>
-          <a:lstStyle/>
-          <a:p>
-            <a:pPr algn="ctr"/>
-            <a:r>
-              <a:rPr lang="en-US" sz="2400" dirty="0"/>
-              <a:t>(sample)</a:t>
-            </a:r>
           </a:p>
         </p:txBody>
       </p:sp>
@@ -6640,6 +6605,42 @@
           </a:p>
         </p:txBody>
       </p:sp>
+      <p:sp>
+        <p:nvSpPr>
+          <p:cNvPr id="59" name="TextBox 58">
+            <a:extLst>
+              <a:ext uri="{FF2B5EF4-FFF2-40B4-BE49-F238E27FC236}">
+                <a16:creationId xmlns:a16="http://schemas.microsoft.com/office/drawing/2014/main" id="{0FF27DAC-754F-4F29-9116-230F8B9B0AA3}"/>
+              </a:ext>
+            </a:extLst>
+          </p:cNvPr>
+          <p:cNvSpPr txBox="1"/>
+          <p:nvPr/>
+        </p:nvSpPr>
+        <p:spPr>
+          <a:xfrm>
+            <a:off x="1714500" y="1575498"/>
+            <a:ext cx="9671282" cy="461665"/>
+          </a:xfrm>
+          <a:prstGeom prst="rect">
+            <a:avLst/>
+          </a:prstGeom>
+          <a:noFill/>
+        </p:spPr>
+        <p:txBody>
+          <a:bodyPr wrap="square" rtlCol="0">
+            <a:spAutoFit/>
+          </a:bodyPr>
+          <a:lstStyle/>
+          <a:p>
+            <a:pPr algn="ctr"/>
+            <a:r>
+              <a:rPr lang="en-US" sz="2400" dirty="0"/>
+              <a:t>(sampled from the Brazilian male population, 1977 [3])</a:t>
+            </a:r>
+          </a:p>
+        </p:txBody>
+      </p:sp>
     </p:spTree>
     <p:extLst>
       <p:ext uri="{BB962C8B-B14F-4D97-AF65-F5344CB8AC3E}">
@@ -6670,41 +6671,6 @@
           <a:chExt cx="0" cy="0"/>
         </a:xfrm>
       </p:grpSpPr>
-      <p:sp>
-        <p:nvSpPr>
-          <p:cNvPr id="5" name="TextBox 4">
-            <a:extLst>
-              <a:ext uri="{FF2B5EF4-FFF2-40B4-BE49-F238E27FC236}">
-                <a16:creationId xmlns:a16="http://schemas.microsoft.com/office/drawing/2014/main" id="{E8B35BBE-59A2-40DF-A315-42343A10341C}"/>
-              </a:ext>
-            </a:extLst>
-          </p:cNvPr>
-          <p:cNvSpPr txBox="1"/>
-          <p:nvPr/>
-        </p:nvSpPr>
-        <p:spPr>
-          <a:xfrm>
-            <a:off x="1066006" y="2765857"/>
-            <a:ext cx="8075053" cy="461665"/>
-          </a:xfrm>
-          <a:prstGeom prst="rect">
-            <a:avLst/>
-          </a:prstGeom>
-          <a:noFill/>
-        </p:spPr>
-        <p:txBody>
-          <a:bodyPr wrap="square" rtlCol="0">
-            <a:spAutoFit/>
-          </a:bodyPr>
-          <a:lstStyle/>
-          <a:p>
-            <a:r>
-              <a:rPr lang="en-US" sz="2400" i="1" dirty="0"/>
-              <a:t>Photo + link to commented video</a:t>
-            </a:r>
-          </a:p>
-        </p:txBody>
-      </p:sp>
       <p:sp>
         <p:nvSpPr>
           <p:cNvPr id="6" name="TextBox 5">
@@ -7251,7 +7217,7 @@
         <p:spPr>
           <a:xfrm>
             <a:off x="463639" y="1324650"/>
-            <a:ext cx="8075053" cy="1200329"/>
+            <a:ext cx="11247715" cy="4401205"/>
           </a:xfrm>
           <a:prstGeom prst="rect">
             <a:avLst/>
@@ -7265,15 +7231,213 @@
           <a:lstStyle/>
           <a:p>
             <a:r>
-              <a:rPr lang="en-US" sz="2400" dirty="0"/>
-              <a:t>References</a:t>
+              <a:rPr lang="en-US" sz="2000" dirty="0"/>
+              <a:t>References:</a:t>
             </a:r>
           </a:p>
           <a:p>
-            <a:endParaRPr lang="en-US" sz="2400" dirty="0"/>
-          </a:p>
-          <a:p>
-            <a:endParaRPr lang="en-US" sz="2400" dirty="0"/>
+            <a:endParaRPr lang="en-US" sz="2000" dirty="0"/>
+          </a:p>
+          <a:p>
+            <a:r>
+              <a:rPr lang="en-US" sz="2000" dirty="0"/>
+              <a:t>[1] Quinn, Michael. </a:t>
+            </a:r>
+            <a:r>
+              <a:rPr lang="pt-BR" sz="2000" dirty="0"/>
+              <a:t>"</a:t>
+            </a:r>
+            <a:r>
+              <a:rPr lang="en-US" sz="2000" dirty="0"/>
+              <a:t>Parallel Programming in C with MPI and OpenMP</a:t>
+            </a:r>
+            <a:r>
+              <a:rPr lang="pt-BR" sz="2000" dirty="0"/>
+              <a:t>", McGraw-Hill Science, ISBN 9780072822564, 2003.</a:t>
+            </a:r>
+            <a:endParaRPr lang="en-US" sz="2000" dirty="0"/>
+          </a:p>
+          <a:p>
+            <a:endParaRPr lang="en-US" sz="2000" dirty="0"/>
+          </a:p>
+          <a:p>
+            <a:r>
+              <a:rPr lang="pt-BR" sz="2000" dirty="0"/>
+              <a:t>[2] de Souza, Jaime Freire, Hermes </a:t>
+            </a:r>
+            <a:r>
+              <a:rPr lang="pt-BR" sz="2000" dirty="0" err="1"/>
+              <a:t>Senger</a:t>
+            </a:r>
+            <a:r>
+              <a:rPr lang="pt-BR" sz="2000" dirty="0"/>
+              <a:t>, </a:t>
+            </a:r>
+            <a:r>
+              <a:rPr lang="pt-BR" sz="2000" dirty="0" err="1"/>
+              <a:t>and</a:t>
+            </a:r>
+            <a:r>
+              <a:rPr lang="pt-BR" sz="2000" dirty="0"/>
+              <a:t> Fabricio AB Silva. "Escalabilidade de Aplicações Bag-</a:t>
+            </a:r>
+            <a:r>
+              <a:rPr lang="pt-BR" sz="2000" dirty="0" err="1"/>
+              <a:t>of</a:t>
+            </a:r>
+            <a:r>
+              <a:rPr lang="pt-BR" sz="2000" dirty="0"/>
+              <a:t>-</a:t>
+            </a:r>
+            <a:r>
+              <a:rPr lang="pt-BR" sz="2000" dirty="0" err="1"/>
+              <a:t>Tasks</a:t>
+            </a:r>
+            <a:r>
+              <a:rPr lang="pt-BR" sz="2000" dirty="0"/>
+              <a:t> em Plataformas Heterogêneas." In Anais Principais do XXXVII Simpósio Brasileiro de Redes de Computadores e Sistemas Distribuídos, pp. 664-677. SBC, 2019.</a:t>
+            </a:r>
+            <a:endParaRPr lang="en-US" sz="2000" dirty="0"/>
+          </a:p>
+          <a:p>
+            <a:endParaRPr lang="en-US" sz="2000" dirty="0"/>
+          </a:p>
+          <a:p>
+            <a:r>
+              <a:rPr lang="en-US" sz="2000" dirty="0"/>
+              <a:t>[3] </a:t>
+            </a:r>
+            <a:r>
+              <a:rPr lang="pt-BR" sz="2000" b="0" i="0" dirty="0">
+                <a:solidFill>
+                  <a:srgbClr val="000000"/>
+                </a:solidFill>
+                <a:effectLst/>
+                <a:latin typeface="-apple-system"/>
+              </a:rPr>
+              <a:t>Guimaraes, M. I. C. C., &amp; </a:t>
+            </a:r>
+            <a:r>
+              <a:rPr lang="pt-BR" sz="2000" b="0" i="0" dirty="0" err="1">
+                <a:solidFill>
+                  <a:srgbClr val="000000"/>
+                </a:solidFill>
+                <a:effectLst/>
+                <a:latin typeface="-apple-system"/>
+              </a:rPr>
+              <a:t>Sordi</a:t>
+            </a:r>
+            <a:r>
+              <a:rPr lang="pt-BR" sz="2000" b="0" i="0" dirty="0">
+                <a:solidFill>
+                  <a:srgbClr val="000000"/>
+                </a:solidFill>
+                <a:effectLst/>
+                <a:latin typeface="-apple-system"/>
+              </a:rPr>
+              <a:t>, G. M. A. A. (1995). </a:t>
+            </a:r>
+            <a:r>
+              <a:rPr lang="pt-BR" sz="2000" b="0" i="1" dirty="0">
+                <a:solidFill>
+                  <a:srgbClr val="000000"/>
+                </a:solidFill>
+                <a:effectLst/>
+                <a:latin typeface="-apple-system"/>
+              </a:rPr>
+              <a:t>Desenvolvimento do manequim matemático do homem brasileiro para cálculos de dosimetria interna</a:t>
+            </a:r>
+            <a:r>
+              <a:rPr lang="pt-BR" sz="2000" b="0" i="0" dirty="0">
+                <a:solidFill>
+                  <a:srgbClr val="000000"/>
+                </a:solidFill>
+                <a:effectLst/>
+                <a:latin typeface="-apple-system"/>
+              </a:rPr>
+              <a:t>. Tese de Doutorado. </a:t>
+            </a:r>
+            <a:r>
+              <a:rPr lang="pt-BR" sz="2000" dirty="0"/>
+              <a:t>Instituto de Pesquisas Energéticas e Nucleares (IPEN) - </a:t>
+            </a:r>
+            <a:r>
+              <a:rPr lang="pt-BR" sz="2000" b="0" i="0" dirty="0">
+                <a:solidFill>
+                  <a:srgbClr val="000000"/>
+                </a:solidFill>
+                <a:effectLst/>
+                <a:latin typeface="-apple-system"/>
+              </a:rPr>
+              <a:t>Universidade de São Paulo, São Paulo.</a:t>
+            </a:r>
+            <a:endParaRPr lang="pt-BR" sz="2000" dirty="0"/>
+          </a:p>
+          <a:p>
+            <a:r>
+              <a:rPr lang="pt-BR" sz="2000" dirty="0"/>
+              <a:t># (</a:t>
+            </a:r>
+            <a:r>
+              <a:rPr lang="pt-BR" sz="2000" dirty="0" err="1"/>
+              <a:t>see</a:t>
+            </a:r>
+            <a:r>
+              <a:rPr lang="pt-BR" sz="2000" dirty="0"/>
+              <a:t> </a:t>
+            </a:r>
+            <a:r>
+              <a:rPr lang="pt-BR" sz="2000" dirty="0" err="1"/>
+              <a:t>page</a:t>
+            </a:r>
+            <a:r>
+              <a:rPr lang="pt-BR" sz="2000" dirty="0"/>
+              <a:t> 29; uses data </a:t>
+            </a:r>
+            <a:r>
+              <a:rPr lang="pt-BR" sz="2000" dirty="0" err="1"/>
+              <a:t>that</a:t>
+            </a:r>
+            <a:r>
+              <a:rPr lang="pt-BR" sz="2000" dirty="0"/>
+              <a:t> </a:t>
+            </a:r>
+            <a:r>
+              <a:rPr lang="pt-BR" sz="2000" dirty="0" err="1"/>
+              <a:t>were</a:t>
+            </a:r>
+            <a:r>
+              <a:rPr lang="pt-BR" sz="2000" dirty="0"/>
+              <a:t> </a:t>
+            </a:r>
+            <a:r>
+              <a:rPr lang="pt-BR" sz="2000" dirty="0" err="1"/>
+              <a:t>collected</a:t>
+            </a:r>
+            <a:r>
+              <a:rPr lang="pt-BR" sz="2000" dirty="0"/>
+              <a:t> </a:t>
+            </a:r>
+            <a:r>
+              <a:rPr lang="pt-BR" sz="2000" dirty="0" err="1"/>
+              <a:t>by</a:t>
+            </a:r>
+            <a:r>
+              <a:rPr lang="pt-BR" sz="2000" dirty="0"/>
+              <a:t> IBGE </a:t>
+            </a:r>
+            <a:r>
+              <a:rPr lang="pt-BR" sz="2000" dirty="0" err="1"/>
+              <a:t>back</a:t>
+            </a:r>
+            <a:r>
+              <a:rPr lang="pt-BR" sz="2000" dirty="0"/>
+              <a:t> in 1976/1977)</a:t>
+            </a:r>
+            <a:endParaRPr lang="en-US" sz="2000" dirty="0"/>
+          </a:p>
+          <a:p>
+            <a:endParaRPr lang="en-US" sz="2000" dirty="0"/>
           </a:p>
         </p:txBody>
       </p:sp>
@@ -7397,6 +7561,65 @@
     </p:spTree>
     <p:extLst>
       <p:ext uri="{BB962C8B-B14F-4D97-AF65-F5344CB8AC3E}">
+        <p14:creationId xmlns:p14="http://schemas.microsoft.com/office/powerpoint/2010/main" val="1118208359"/>
+      </p:ext>
+    </p:extLst>
+  </p:cSld>
+  <p:clrMapOvr>
+    <a:masterClrMapping/>
+  </p:clrMapOvr>
+</p:sld>
+</file>
+
+<file path=ppt/slides/slide17.xml><?xml version="1.0" encoding="utf-8"?>
+<p:sld xmlns:a="http://schemas.openxmlformats.org/drawingml/2006/main" xmlns:r="http://schemas.openxmlformats.org/officeDocument/2006/relationships" xmlns:p="http://schemas.openxmlformats.org/presentationml/2006/main" show="0">
+  <p:cSld>
+    <p:spTree>
+      <p:nvGrpSpPr>
+        <p:cNvPr id="1" name=""/>
+        <p:cNvGrpSpPr/>
+        <p:nvPr/>
+      </p:nvGrpSpPr>
+      <p:grpSpPr>
+        <a:xfrm>
+          <a:off x="0" y="0"/>
+          <a:ext cx="0" cy="0"/>
+          <a:chOff x="0" y="0"/>
+          <a:chExt cx="0" cy="0"/>
+        </a:xfrm>
+      </p:grpSpPr>
+      <p:pic>
+        <p:nvPicPr>
+          <p:cNvPr id="6" name="Picture 5">
+            <a:extLst>
+              <a:ext uri="{FF2B5EF4-FFF2-40B4-BE49-F238E27FC236}">
+                <a16:creationId xmlns:a16="http://schemas.microsoft.com/office/drawing/2014/main" id="{5A8D9C0F-0023-47DD-8E36-4049C996F104}"/>
+              </a:ext>
+            </a:extLst>
+          </p:cNvPr>
+          <p:cNvPicPr>
+            <a:picLocks noChangeAspect="1"/>
+          </p:cNvPicPr>
+          <p:nvPr/>
+        </p:nvPicPr>
+        <p:blipFill rotWithShape="1">
+          <a:blip r:embed="rId2"/>
+          <a:srcRect l="11918" t="2788" r="26599" b="55632"/>
+          <a:stretch/>
+        </p:blipFill>
+        <p:spPr>
+          <a:xfrm>
+            <a:off x="-1327638" y="1380393"/>
+            <a:ext cx="7496090" cy="2850080"/>
+          </a:xfrm>
+          <a:prstGeom prst="rect">
+            <a:avLst/>
+          </a:prstGeom>
+        </p:spPr>
+      </p:pic>
+    </p:spTree>
+    <p:extLst>
+      <p:ext uri="{BB962C8B-B14F-4D97-AF65-F5344CB8AC3E}">
         <p14:creationId xmlns:p14="http://schemas.microsoft.com/office/powerpoint/2010/main" val="3004394392"/>
       </p:ext>
     </p:extLst>
@@ -7407,7 +7630,7 @@
 </p:sld>
 </file>
 
-<file path=ppt/slides/slide17.xml><?xml version="1.0" encoding="utf-8"?>
+<file path=ppt/slides/slide18.xml><?xml version="1.0" encoding="utf-8"?>
 <p:sld xmlns:a="http://schemas.openxmlformats.org/drawingml/2006/main" xmlns:r="http://schemas.openxmlformats.org/officeDocument/2006/relationships" xmlns:p="http://schemas.openxmlformats.org/presentationml/2006/main" show="0">
   <p:cSld>
     <p:spTree>
@@ -7548,7 +7771,7 @@
           <a:p>
             <a:r>
               <a:rPr lang="en-US" sz="2400" dirty="0"/>
-              <a:t>The scope of the technique that will be presented:</a:t>
+              <a:t>The scope of the technique that will be presented [1]:</a:t>
             </a:r>
           </a:p>
         </p:txBody>
@@ -7858,8 +8081,8 @@
         </p:nvSpPr>
         <p:spPr>
           <a:xfrm>
-            <a:off x="9218951" y="6237234"/>
-            <a:ext cx="2540833" cy="286335"/>
+            <a:off x="9012115" y="6219650"/>
+            <a:ext cx="2694917" cy="286335"/>
           </a:xfrm>
           <a:prstGeom prst="rect">
             <a:avLst/>
@@ -7891,8 +8114,14 @@
           <a:bodyPr rtlCol="0" anchor="ctr"/>
           <a:lstStyle/>
           <a:p>
-            <a:pPr algn="ctr"/>
-            <a:endParaRPr lang="en-US"/>
+            <a:r>
+              <a:rPr lang="en-US" dirty="0">
+                <a:solidFill>
+                  <a:schemeClr val="tx1"/>
+                </a:solidFill>
+              </a:rPr>
+              <a:t>[2]</a:t>
+            </a:r>
           </a:p>
         </p:txBody>
       </p:sp>
@@ -16556,47 +16785,42 @@
           <a:lstStyle/>
           <a:p>
             <a:r>
-              <a:rPr lang="en-US" sz="2400" dirty="0"/>
+              <a:rPr lang="en-US" sz="2400"/>
               <a:t>Case 1 - computing a distance matrix, sequential scheme</a:t>
             </a:r>
-          </a:p>
-        </p:txBody>
-      </p:sp>
-      <p:sp>
-        <p:nvSpPr>
-          <p:cNvPr id="5" name="TextBox 4">
-            <a:extLst>
-              <a:ext uri="{FF2B5EF4-FFF2-40B4-BE49-F238E27FC236}">
-                <a16:creationId xmlns:a16="http://schemas.microsoft.com/office/drawing/2014/main" id="{E8B35BBE-59A2-40DF-A315-42343A10341C}"/>
-              </a:ext>
-            </a:extLst>
-          </p:cNvPr>
-          <p:cNvSpPr txBox="1"/>
-          <p:nvPr/>
-        </p:nvSpPr>
-        <p:spPr>
-          <a:xfrm>
-            <a:off x="1066006" y="2765857"/>
-            <a:ext cx="8075053" cy="461665"/>
-          </a:xfrm>
-          <a:prstGeom prst="rect">
-            <a:avLst/>
-          </a:prstGeom>
-          <a:noFill/>
-        </p:spPr>
-        <p:txBody>
-          <a:bodyPr wrap="square" rtlCol="0">
-            <a:spAutoFit/>
-          </a:bodyPr>
-          <a:lstStyle/>
-          <a:p>
-            <a:r>
-              <a:rPr lang="en-US" sz="2400" i="1" dirty="0"/>
-              <a:t>Photo + link to commented video</a:t>
-            </a:r>
-          </a:p>
-        </p:txBody>
-      </p:sp>
+            <a:endParaRPr lang="en-US" sz="2400" dirty="0"/>
+          </a:p>
+        </p:txBody>
+      </p:sp>
+      <p:pic>
+        <p:nvPicPr>
+          <p:cNvPr id="3" name="Picture 2">
+            <a:extLst>
+              <a:ext uri="{FF2B5EF4-FFF2-40B4-BE49-F238E27FC236}">
+                <a16:creationId xmlns:a16="http://schemas.microsoft.com/office/drawing/2014/main" id="{329CF637-16BA-46CF-94C1-A20A35634911}"/>
+              </a:ext>
+            </a:extLst>
+          </p:cNvPr>
+          <p:cNvPicPr>
+            <a:picLocks noChangeAspect="1"/>
+          </p:cNvPicPr>
+          <p:nvPr/>
+        </p:nvPicPr>
+        <p:blipFill rotWithShape="1">
+          <a:blip r:embed="rId2"/>
+          <a:srcRect r="43145"/>
+          <a:stretch/>
+        </p:blipFill>
+        <p:spPr>
+          <a:xfrm>
+            <a:off x="450761" y="1031333"/>
+            <a:ext cx="11309425" cy="4795334"/>
+          </a:xfrm>
+          <a:prstGeom prst="rect">
+            <a:avLst/>
+          </a:prstGeom>
+        </p:spPr>
+      </p:pic>
     </p:spTree>
     <p:extLst>
       <p:ext uri="{BB962C8B-B14F-4D97-AF65-F5344CB8AC3E}">
@@ -18947,7 +19171,7 @@
             <a:pPr algn="ctr"/>
             <a:r>
               <a:rPr lang="en-US" sz="2400" dirty="0"/>
-              <a:t>(sample)</a:t>
+              <a:t>(sampled from the Brazilian male population, 1977 [3])</a:t>
             </a:r>
           </a:p>
         </p:txBody>
@@ -22595,42 +22819,6 @@
       </p:sp>
       <p:sp>
         <p:nvSpPr>
-          <p:cNvPr id="149" name="TextBox 148">
-            <a:extLst>
-              <a:ext uri="{FF2B5EF4-FFF2-40B4-BE49-F238E27FC236}">
-                <a16:creationId xmlns:a16="http://schemas.microsoft.com/office/drawing/2014/main" id="{F383D9BD-01D4-4BD7-92C8-A8722E41E7D0}"/>
-              </a:ext>
-            </a:extLst>
-          </p:cNvPr>
-          <p:cNvSpPr txBox="1"/>
-          <p:nvPr/>
-        </p:nvSpPr>
-        <p:spPr>
-          <a:xfrm>
-            <a:off x="1714500" y="1575498"/>
-            <a:ext cx="9671282" cy="461665"/>
-          </a:xfrm>
-          <a:prstGeom prst="rect">
-            <a:avLst/>
-          </a:prstGeom>
-          <a:noFill/>
-        </p:spPr>
-        <p:txBody>
-          <a:bodyPr wrap="square" rtlCol="0">
-            <a:spAutoFit/>
-          </a:bodyPr>
-          <a:lstStyle/>
-          <a:p>
-            <a:pPr algn="ctr"/>
-            <a:r>
-              <a:rPr lang="en-US" sz="2400" dirty="0"/>
-              <a:t>(sample)</a:t>
-            </a:r>
-          </a:p>
-        </p:txBody>
-      </p:sp>
-      <p:sp>
-        <p:nvSpPr>
           <p:cNvPr id="150" name="TextBox 149">
             <a:extLst>
               <a:ext uri="{FF2B5EF4-FFF2-40B4-BE49-F238E27FC236}">
@@ -24630,6 +24818,42 @@
           </p:sp>
         </mc:Fallback>
       </mc:AlternateContent>
+      <p:sp>
+        <p:nvSpPr>
+          <p:cNvPr id="118" name="TextBox 117">
+            <a:extLst>
+              <a:ext uri="{FF2B5EF4-FFF2-40B4-BE49-F238E27FC236}">
+                <a16:creationId xmlns:a16="http://schemas.microsoft.com/office/drawing/2014/main" id="{1AF0260B-3E53-46BF-9A37-17E85570668F}"/>
+              </a:ext>
+            </a:extLst>
+          </p:cNvPr>
+          <p:cNvSpPr txBox="1"/>
+          <p:nvPr/>
+        </p:nvSpPr>
+        <p:spPr>
+          <a:xfrm>
+            <a:off x="1714500" y="1575498"/>
+            <a:ext cx="9671282" cy="461665"/>
+          </a:xfrm>
+          <a:prstGeom prst="rect">
+            <a:avLst/>
+          </a:prstGeom>
+          <a:noFill/>
+        </p:spPr>
+        <p:txBody>
+          <a:bodyPr wrap="square" rtlCol="0">
+            <a:spAutoFit/>
+          </a:bodyPr>
+          <a:lstStyle/>
+          <a:p>
+            <a:pPr algn="ctr"/>
+            <a:r>
+              <a:rPr lang="en-US" sz="2400" dirty="0"/>
+              <a:t>(sampled from the Brazilian male population, 1977 [3])</a:t>
+            </a:r>
+          </a:p>
+        </p:txBody>
+      </p:sp>
     </p:spTree>
     <p:extLst>
       <p:ext uri="{BB962C8B-B14F-4D97-AF65-F5344CB8AC3E}">
